--- a/AP_labMeeting_2.12.20.pptx
+++ b/AP_labMeeting_2.12.20.pptx
@@ -5,18 +5,22 @@
     <p:sldMasterId id="2147483648" r:id="rId1"/>
   </p:sldMasterIdLst>
   <p:notesMasterIdLst>
-    <p:notesMasterId r:id="rId11"/>
+    <p:notesMasterId r:id="rId15"/>
   </p:notesMasterIdLst>
   <p:sldIdLst>
     <p:sldId id="256" r:id="rId2"/>
     <p:sldId id="262" r:id="rId3"/>
-    <p:sldId id="263" r:id="rId4"/>
-    <p:sldId id="264" r:id="rId5"/>
-    <p:sldId id="265" r:id="rId6"/>
-    <p:sldId id="258" r:id="rId7"/>
+    <p:sldId id="267" r:id="rId4"/>
+    <p:sldId id="263" r:id="rId5"/>
+    <p:sldId id="264" r:id="rId6"/>
+    <p:sldId id="265" r:id="rId7"/>
     <p:sldId id="259" r:id="rId8"/>
     <p:sldId id="257" r:id="rId9"/>
     <p:sldId id="260" r:id="rId10"/>
+    <p:sldId id="269" r:id="rId11"/>
+    <p:sldId id="270" r:id="rId12"/>
+    <p:sldId id="266" r:id="rId13"/>
+    <p:sldId id="268" r:id="rId14"/>
   </p:sldIdLst>
   <p:sldSz cx="12192000" cy="6858000"/>
   <p:notesSz cx="6858000" cy="9144000"/>
@@ -115,6 +119,11 @@
       </a:defRPr>
     </a:lvl9pPr>
   </p:defaultTextStyle>
+  <p:extLst>
+    <p:ext uri="{EFAFB233-063F-42B5-8137-9DF3F51BA10A}">
+      <p15:sldGuideLst xmlns:p15="http://schemas.microsoft.com/office/powerpoint/2012/main"/>
+    </p:ext>
+  </p:extLst>
 </p:presentation>
 </file>
 
@@ -200,7 +209,7 @@
           <a:p>
             <a:fld id="{582DA5D2-0B3C-4799-B633-4F32A722274F}" type="datetimeFigureOut">
               <a:rPr lang="en-US" smtClean="0"/>
-              <a:t>1/30/2020</a:t>
+              <a:t>2/2/2020</a:t>
             </a:fld>
             <a:endParaRPr lang="en-US"/>
           </a:p>
@@ -514,12 +523,22 @@
           <a:p>
             <a:r>
               <a:rPr lang="en-US" dirty="0" smtClean="0"/>
-              <a:t>Themes</a:t>
+              <a:t>Goals for getting out of lab meeting:</a:t>
+            </a:r>
+          </a:p>
+          <a:p>
+            <a:endParaRPr lang="en-US" dirty="0" smtClean="0"/>
+          </a:p>
+          <a:p>
+            <a:r>
+              <a:rPr lang="en-US" dirty="0" smtClean="0"/>
+              <a:t>Feed back for  test</a:t>
             </a:r>
             <a:r>
               <a:rPr lang="en-US" baseline="0" dirty="0" smtClean="0"/>
-              <a:t> for intro</a:t>
-            </a:r>
+              <a:t> choices</a:t>
+            </a:r>
+            <a:endParaRPr lang="en-US" dirty="0" smtClean="0"/>
           </a:p>
           <a:p>
             <a:endParaRPr lang="en-US" baseline="0" dirty="0" smtClean="0"/>
@@ -527,8 +546,24 @@
           <a:p>
             <a:r>
               <a:rPr lang="en-US" baseline="0" dirty="0" smtClean="0"/>
-              <a:t>MM: finalizing </a:t>
-            </a:r>
+              <a:t>Push to write and distribute a draft of my results outline</a:t>
+            </a:r>
+          </a:p>
+          <a:p>
+            <a:endParaRPr lang="en-US" dirty="0" smtClean="0"/>
+          </a:p>
+          <a:p>
+            <a:r>
+              <a:rPr lang="en-US" dirty="0" smtClean="0"/>
+              <a:t>Practice summarizing</a:t>
+            </a:r>
+            <a:r>
+              <a:rPr lang="en-US" baseline="0" dirty="0" smtClean="0"/>
+              <a:t> results</a:t>
+            </a:r>
+            <a:endParaRPr lang="en-US" dirty="0" smtClean="0"/>
+          </a:p>
+          <a:p>
             <a:endParaRPr lang="en-US" dirty="0"/>
           </a:p>
         </p:txBody>
@@ -550,7 +585,7 @@
           <a:p>
             <a:fld id="{2788907E-C72E-4D7B-B8CA-F158589AC799}" type="slidenum">
               <a:rPr lang="en-US" smtClean="0"/>
-              <a:t>2</a:t>
+              <a:t>1</a:t>
             </a:fld>
             <a:endParaRPr lang="en-US"/>
           </a:p>
@@ -559,7 +594,161 @@
     </p:spTree>
     <p:extLst>
       <p:ext uri="{BB962C8B-B14F-4D97-AF65-F5344CB8AC3E}">
-        <p14:creationId xmlns:p14="http://schemas.microsoft.com/office/powerpoint/2010/main" val="865549874"/>
+        <p14:creationId xmlns:p14="http://schemas.microsoft.com/office/powerpoint/2010/main" val="953416662"/>
+      </p:ext>
+    </p:extLst>
+  </p:cSld>
+  <p:clrMapOvr>
+    <a:masterClrMapping/>
+  </p:clrMapOvr>
+</p:notes>
+</file>
+
+<file path=ppt/notesSlides/notesSlide10.xml><?xml version="1.0" encoding="utf-8"?>
+<p:notes xmlns:a="http://schemas.openxmlformats.org/drawingml/2006/main" xmlns:r="http://schemas.openxmlformats.org/officeDocument/2006/relationships" xmlns:p="http://schemas.openxmlformats.org/presentationml/2006/main">
+  <p:cSld>
+    <p:spTree>
+      <p:nvGrpSpPr>
+        <p:cNvPr id="1" name=""/>
+        <p:cNvGrpSpPr/>
+        <p:nvPr/>
+      </p:nvGrpSpPr>
+      <p:grpSpPr>
+        <a:xfrm>
+          <a:off x="0" y="0"/>
+          <a:ext cx="0" cy="0"/>
+          <a:chOff x="0" y="0"/>
+          <a:chExt cx="0" cy="0"/>
+        </a:xfrm>
+      </p:grpSpPr>
+      <p:sp>
+        <p:nvSpPr>
+          <p:cNvPr id="2" name="Slide Image Placeholder 1"/>
+          <p:cNvSpPr>
+            <a:spLocks noGrp="1" noRot="1" noChangeAspect="1"/>
+          </p:cNvSpPr>
+          <p:nvPr>
+            <p:ph type="sldImg"/>
+          </p:nvPr>
+        </p:nvSpPr>
+        <p:spPr/>
+      </p:sp>
+      <p:sp>
+        <p:nvSpPr>
+          <p:cNvPr id="3" name="Notes Placeholder 2"/>
+          <p:cNvSpPr>
+            <a:spLocks noGrp="1"/>
+          </p:cNvSpPr>
+          <p:nvPr>
+            <p:ph type="body" idx="1"/>
+          </p:nvPr>
+        </p:nvSpPr>
+        <p:spPr/>
+        <p:txBody>
+          <a:bodyPr/>
+          <a:lstStyle/>
+          <a:p>
+            <a:r>
+              <a:rPr lang="en-US" dirty="0" smtClean="0"/>
+              <a:t>1 way </a:t>
+            </a:r>
+            <a:r>
+              <a:rPr lang="en-US" dirty="0" err="1" smtClean="0"/>
+              <a:t>Anova</a:t>
+            </a:r>
+            <a:r>
+              <a:rPr lang="en-US" dirty="0" smtClean="0"/>
+              <a:t> – at least 1 of the group is different</a:t>
+            </a:r>
+          </a:p>
+          <a:p>
+            <a:r>
+              <a:rPr lang="en-US" dirty="0" smtClean="0"/>
+              <a:t>2. Pairwise </a:t>
+            </a:r>
+            <a:r>
+              <a:rPr lang="en-US" dirty="0" err="1" smtClean="0"/>
+              <a:t>t.tests</a:t>
+            </a:r>
+            <a:r>
+              <a:rPr lang="en-US" dirty="0" smtClean="0"/>
+              <a:t>, (maybe</a:t>
+            </a:r>
+            <a:r>
+              <a:rPr lang="en-US" baseline="0" dirty="0" smtClean="0"/>
+              <a:t> I was using the wrong correction)</a:t>
+            </a:r>
+            <a:endParaRPr lang="en-US" dirty="0" smtClean="0"/>
+          </a:p>
+          <a:p>
+            <a:endParaRPr lang="en-US" dirty="0" smtClean="0"/>
+          </a:p>
+          <a:p>
+            <a:endParaRPr lang="en-US" dirty="0" smtClean="0"/>
+          </a:p>
+          <a:p>
+            <a:r>
+              <a:rPr lang="en-US" dirty="0" smtClean="0"/>
+              <a:t>What</a:t>
+            </a:r>
+            <a:r>
+              <a:rPr lang="en-US" baseline="0" dirty="0" smtClean="0"/>
+              <a:t> would the point be to run these models? </a:t>
+            </a:r>
+          </a:p>
+          <a:p>
+            <a:endParaRPr lang="en-US" baseline="0" dirty="0" smtClean="0"/>
+          </a:p>
+          <a:p>
+            <a:r>
+              <a:rPr lang="en-US" baseline="0" dirty="0" smtClean="0"/>
+              <a:t>Distinguish the higher than ‘low’ (Dom) level strains</a:t>
+            </a:r>
+          </a:p>
+          <a:p>
+            <a:r>
+              <a:rPr lang="en-US" dirty="0" smtClean="0"/>
+              <a:t>Allows</a:t>
+            </a:r>
+            <a:r>
+              <a:rPr lang="en-US" baseline="0" dirty="0" smtClean="0"/>
+              <a:t> to add in additional strains not used for sexual </a:t>
+            </a:r>
+            <a:r>
+              <a:rPr lang="en-US" baseline="0" dirty="0" err="1" smtClean="0"/>
+              <a:t>differnces</a:t>
+            </a:r>
+            <a:endParaRPr lang="en-US" dirty="0"/>
+          </a:p>
+        </p:txBody>
+      </p:sp>
+      <p:sp>
+        <p:nvSpPr>
+          <p:cNvPr id="4" name="Slide Number Placeholder 3"/>
+          <p:cNvSpPr>
+            <a:spLocks noGrp="1"/>
+          </p:cNvSpPr>
+          <p:nvPr>
+            <p:ph type="sldNum" sz="quarter" idx="10"/>
+          </p:nvPr>
+        </p:nvSpPr>
+        <p:spPr/>
+        <p:txBody>
+          <a:bodyPr/>
+          <a:lstStyle/>
+          <a:p>
+            <a:fld id="{2788907E-C72E-4D7B-B8CA-F158589AC799}" type="slidenum">
+              <a:rPr lang="en-US" smtClean="0"/>
+              <a:t>12</a:t>
+            </a:fld>
+            <a:endParaRPr lang="en-US"/>
+          </a:p>
+        </p:txBody>
+      </p:sp>
+    </p:spTree>
+    <p:extLst>
+      <p:ext uri="{BB962C8B-B14F-4D97-AF65-F5344CB8AC3E}">
+        <p14:creationId xmlns:p14="http://schemas.microsoft.com/office/powerpoint/2010/main" val="39540735"/>
       </p:ext>
     </p:extLst>
   </p:cSld>
@@ -614,12 +803,305 @@
           <a:lstStyle/>
           <a:p>
             <a:r>
+              <a:rPr lang="en-US" dirty="0" smtClean="0"/>
+              <a:t>Themes</a:t>
+            </a:r>
+            <a:r>
+              <a:rPr lang="en-US" baseline="0" dirty="0" smtClean="0"/>
+              <a:t> for intro</a:t>
+            </a:r>
+          </a:p>
+          <a:p>
+            <a:endParaRPr lang="en-US" baseline="0" dirty="0" smtClean="0"/>
+          </a:p>
+          <a:p>
+            <a:r>
+              <a:rPr lang="en-US" baseline="0" dirty="0" smtClean="0"/>
+              <a:t>MM: finalizing </a:t>
+            </a:r>
+            <a:endParaRPr lang="en-US" dirty="0"/>
+          </a:p>
+        </p:txBody>
+      </p:sp>
+      <p:sp>
+        <p:nvSpPr>
+          <p:cNvPr id="4" name="Slide Number Placeholder 3"/>
+          <p:cNvSpPr>
+            <a:spLocks noGrp="1"/>
+          </p:cNvSpPr>
+          <p:nvPr>
+            <p:ph type="sldNum" sz="quarter" idx="10"/>
+          </p:nvPr>
+        </p:nvSpPr>
+        <p:spPr/>
+        <p:txBody>
+          <a:bodyPr/>
+          <a:lstStyle/>
+          <a:p>
+            <a:fld id="{2788907E-C72E-4D7B-B8CA-F158589AC799}" type="slidenum">
+              <a:rPr lang="en-US" smtClean="0"/>
+              <a:t>2</a:t>
+            </a:fld>
+            <a:endParaRPr lang="en-US"/>
+          </a:p>
+        </p:txBody>
+      </p:sp>
+    </p:spTree>
+    <p:extLst>
+      <p:ext uri="{BB962C8B-B14F-4D97-AF65-F5344CB8AC3E}">
+        <p14:creationId xmlns:p14="http://schemas.microsoft.com/office/powerpoint/2010/main" val="865549874"/>
+      </p:ext>
+    </p:extLst>
+  </p:cSld>
+  <p:clrMapOvr>
+    <a:masterClrMapping/>
+  </p:clrMapOvr>
+</p:notes>
+</file>
+
+<file path=ppt/notesSlides/notesSlide3.xml><?xml version="1.0" encoding="utf-8"?>
+<p:notes xmlns:a="http://schemas.openxmlformats.org/drawingml/2006/main" xmlns:r="http://schemas.openxmlformats.org/officeDocument/2006/relationships" xmlns:p="http://schemas.openxmlformats.org/presentationml/2006/main">
+  <p:cSld>
+    <p:spTree>
+      <p:nvGrpSpPr>
+        <p:cNvPr id="1" name=""/>
+        <p:cNvGrpSpPr/>
+        <p:nvPr/>
+      </p:nvGrpSpPr>
+      <p:grpSpPr>
+        <a:xfrm>
+          <a:off x="0" y="0"/>
+          <a:ext cx="0" cy="0"/>
+          <a:chOff x="0" y="0"/>
+          <a:chExt cx="0" cy="0"/>
+        </a:xfrm>
+      </p:grpSpPr>
+      <p:sp>
+        <p:nvSpPr>
+          <p:cNvPr id="2" name="Slide Image Placeholder 1"/>
+          <p:cNvSpPr>
+            <a:spLocks noGrp="1" noRot="1" noChangeAspect="1"/>
+          </p:cNvSpPr>
+          <p:nvPr>
+            <p:ph type="sldImg"/>
+          </p:nvPr>
+        </p:nvSpPr>
+        <p:spPr/>
+      </p:sp>
+      <p:sp>
+        <p:nvSpPr>
+          <p:cNvPr id="3" name="Notes Placeholder 2"/>
+          <p:cNvSpPr>
+            <a:spLocks noGrp="1"/>
+          </p:cNvSpPr>
+          <p:nvPr>
+            <p:ph type="body" idx="1"/>
+          </p:nvPr>
+        </p:nvSpPr>
+        <p:spPr/>
+        <p:txBody>
+          <a:bodyPr/>
+          <a:lstStyle/>
+          <a:p>
+            <a:endParaRPr lang="en-US" dirty="0"/>
+          </a:p>
+        </p:txBody>
+      </p:sp>
+      <p:sp>
+        <p:nvSpPr>
+          <p:cNvPr id="4" name="Slide Number Placeholder 3"/>
+          <p:cNvSpPr>
+            <a:spLocks noGrp="1"/>
+          </p:cNvSpPr>
+          <p:nvPr>
+            <p:ph type="sldNum" sz="quarter" idx="10"/>
+          </p:nvPr>
+        </p:nvSpPr>
+        <p:spPr/>
+        <p:txBody>
+          <a:bodyPr/>
+          <a:lstStyle/>
+          <a:p>
+            <a:fld id="{2788907E-C72E-4D7B-B8CA-F158589AC799}" type="slidenum">
+              <a:rPr lang="en-US" smtClean="0"/>
+              <a:t>3</a:t>
+            </a:fld>
+            <a:endParaRPr lang="en-US"/>
+          </a:p>
+        </p:txBody>
+      </p:sp>
+    </p:spTree>
+    <p:extLst>
+      <p:ext uri="{BB962C8B-B14F-4D97-AF65-F5344CB8AC3E}">
+        <p14:creationId xmlns:p14="http://schemas.microsoft.com/office/powerpoint/2010/main" val="920458809"/>
+      </p:ext>
+    </p:extLst>
+  </p:cSld>
+  <p:clrMapOvr>
+    <a:masterClrMapping/>
+  </p:clrMapOvr>
+</p:notes>
+</file>
+
+<file path=ppt/notesSlides/notesSlide4.xml><?xml version="1.0" encoding="utf-8"?>
+<p:notes xmlns:a="http://schemas.openxmlformats.org/drawingml/2006/main" xmlns:r="http://schemas.openxmlformats.org/officeDocument/2006/relationships" xmlns:p="http://schemas.openxmlformats.org/presentationml/2006/main">
+  <p:cSld>
+    <p:spTree>
+      <p:nvGrpSpPr>
+        <p:cNvPr id="1" name=""/>
+        <p:cNvGrpSpPr/>
+        <p:nvPr/>
+      </p:nvGrpSpPr>
+      <p:grpSpPr>
+        <a:xfrm>
+          <a:off x="0" y="0"/>
+          <a:ext cx="0" cy="0"/>
+          <a:chOff x="0" y="0"/>
+          <a:chExt cx="0" cy="0"/>
+        </a:xfrm>
+      </p:grpSpPr>
+      <p:sp>
+        <p:nvSpPr>
+          <p:cNvPr id="2" name="Slide Image Placeholder 1"/>
+          <p:cNvSpPr>
+            <a:spLocks noGrp="1" noRot="1" noChangeAspect="1"/>
+          </p:cNvSpPr>
+          <p:nvPr>
+            <p:ph type="sldImg"/>
+          </p:nvPr>
+        </p:nvSpPr>
+        <p:spPr/>
+      </p:sp>
+      <p:sp>
+        <p:nvSpPr>
+          <p:cNvPr id="3" name="Notes Placeholder 2"/>
+          <p:cNvSpPr>
+            <a:spLocks noGrp="1"/>
+          </p:cNvSpPr>
+          <p:nvPr>
+            <p:ph type="body" idx="1"/>
+          </p:nvPr>
+        </p:nvSpPr>
+        <p:spPr/>
+        <p:txBody>
+          <a:bodyPr/>
+          <a:lstStyle/>
+          <a:p>
+            <a:r>
+              <a:rPr lang="en-US" dirty="0" smtClean="0"/>
+              <a:t>Did</a:t>
+            </a:r>
+            <a:r>
+              <a:rPr lang="en-US" baseline="0" dirty="0" smtClean="0"/>
+              <a:t> several versions of models, -- but almost all confirm the qualitative pattern</a:t>
+            </a:r>
+          </a:p>
+          <a:p>
+            <a:r>
+              <a:rPr lang="en-US" baseline="0" dirty="0" smtClean="0"/>
+              <a:t>(why say almost all which ones are different)</a:t>
+            </a:r>
+          </a:p>
+          <a:p>
+            <a:endParaRPr lang="en-US" dirty="0"/>
+          </a:p>
+        </p:txBody>
+      </p:sp>
+      <p:sp>
+        <p:nvSpPr>
+          <p:cNvPr id="4" name="Slide Number Placeholder 3"/>
+          <p:cNvSpPr>
+            <a:spLocks noGrp="1"/>
+          </p:cNvSpPr>
+          <p:nvPr>
+            <p:ph type="sldNum" sz="quarter" idx="10"/>
+          </p:nvPr>
+        </p:nvSpPr>
+        <p:spPr/>
+        <p:txBody>
+          <a:bodyPr/>
+          <a:lstStyle/>
+          <a:p>
+            <a:fld id="{2788907E-C72E-4D7B-B8CA-F158589AC799}" type="slidenum">
+              <a:rPr lang="en-US" smtClean="0"/>
+              <a:t>4</a:t>
+            </a:fld>
+            <a:endParaRPr lang="en-US"/>
+          </a:p>
+        </p:txBody>
+      </p:sp>
+    </p:spTree>
+    <p:extLst>
+      <p:ext uri="{BB962C8B-B14F-4D97-AF65-F5344CB8AC3E}">
+        <p14:creationId xmlns:p14="http://schemas.microsoft.com/office/powerpoint/2010/main" val="3289202867"/>
+      </p:ext>
+    </p:extLst>
+  </p:cSld>
+  <p:clrMapOvr>
+    <a:masterClrMapping/>
+  </p:clrMapOvr>
+</p:notes>
+</file>
+
+<file path=ppt/notesSlides/notesSlide5.xml><?xml version="1.0" encoding="utf-8"?>
+<p:notes xmlns:a="http://schemas.openxmlformats.org/drawingml/2006/main" xmlns:r="http://schemas.openxmlformats.org/officeDocument/2006/relationships" xmlns:p="http://schemas.openxmlformats.org/presentationml/2006/main">
+  <p:cSld>
+    <p:spTree>
+      <p:nvGrpSpPr>
+        <p:cNvPr id="1" name=""/>
+        <p:cNvGrpSpPr/>
+        <p:nvPr/>
+      </p:nvGrpSpPr>
+      <p:grpSpPr>
+        <a:xfrm>
+          <a:off x="0" y="0"/>
+          <a:ext cx="0" cy="0"/>
+          <a:chOff x="0" y="0"/>
+          <a:chExt cx="0" cy="0"/>
+        </a:xfrm>
+      </p:grpSpPr>
+      <p:sp>
+        <p:nvSpPr>
+          <p:cNvPr id="2" name="Slide Image Placeholder 1"/>
+          <p:cNvSpPr>
+            <a:spLocks noGrp="1" noRot="1" noChangeAspect="1"/>
+          </p:cNvSpPr>
+          <p:nvPr>
+            <p:ph type="sldImg"/>
+          </p:nvPr>
+        </p:nvSpPr>
+        <p:spPr/>
+      </p:sp>
+      <p:sp>
+        <p:nvSpPr>
+          <p:cNvPr id="3" name="Notes Placeholder 2"/>
+          <p:cNvSpPr>
+            <a:spLocks noGrp="1"/>
+          </p:cNvSpPr>
+          <p:nvPr>
+            <p:ph type="body" idx="1"/>
+          </p:nvPr>
+        </p:nvSpPr>
+        <p:spPr/>
+        <p:txBody>
+          <a:bodyPr/>
+          <a:lstStyle/>
+          <a:p>
+            <a:r>
               <a:rPr lang="en-US" dirty="0" err="1" smtClean="0"/>
               <a:t>gwRR</a:t>
             </a:r>
             <a:r>
               <a:rPr lang="en-US" dirty="0" smtClean="0"/>
-              <a:t> averages are backed up with</a:t>
+              <a:t> </a:t>
+            </a:r>
+            <a:r>
+              <a:rPr lang="en-US" dirty="0" smtClean="0"/>
+              <a:t>averages </a:t>
+            </a:r>
+            <a:r>
+              <a:rPr lang="en-US" dirty="0" smtClean="0"/>
+              <a:t>are backed up with</a:t>
             </a:r>
             <a:r>
               <a:rPr lang="en-US" baseline="0" dirty="0" smtClean="0"/>
@@ -631,8 +1113,23 @@
             </a:r>
             <a:r>
               <a:rPr lang="en-US" baseline="0" dirty="0" smtClean="0"/>
-              <a:t> level</a:t>
-            </a:r>
+              <a:t> </a:t>
+            </a:r>
+            <a:r>
+              <a:rPr lang="en-US" baseline="0" dirty="0" smtClean="0"/>
+              <a:t>level</a:t>
+            </a:r>
+          </a:p>
+          <a:p>
+            <a:endParaRPr lang="en-US" baseline="0" dirty="0" smtClean="0"/>
+          </a:p>
+          <a:p>
+            <a:r>
+              <a:rPr lang="en-US" baseline="0" dirty="0" smtClean="0"/>
+              <a:t>Merge this with the genome wide model</a:t>
+            </a:r>
+          </a:p>
+          <a:p>
             <a:endParaRPr lang="en-US" dirty="0"/>
           </a:p>
         </p:txBody>
@@ -654,7 +1151,7 @@
           <a:p>
             <a:fld id="{2788907E-C72E-4D7B-B8CA-F158589AC799}" type="slidenum">
               <a:rPr lang="en-US" smtClean="0"/>
-              <a:t>4</a:t>
+              <a:t>5</a:t>
             </a:fld>
             <a:endParaRPr lang="en-US"/>
           </a:p>
@@ -664,6 +1161,611 @@
     <p:extLst>
       <p:ext uri="{BB962C8B-B14F-4D97-AF65-F5344CB8AC3E}">
         <p14:creationId xmlns:p14="http://schemas.microsoft.com/office/powerpoint/2010/main" val="231915105"/>
+      </p:ext>
+    </p:extLst>
+  </p:cSld>
+  <p:clrMapOvr>
+    <a:masterClrMapping/>
+  </p:clrMapOvr>
+</p:notes>
+</file>
+
+<file path=ppt/notesSlides/notesSlide6.xml><?xml version="1.0" encoding="utf-8"?>
+<p:notes xmlns:a="http://schemas.openxmlformats.org/drawingml/2006/main" xmlns:r="http://schemas.openxmlformats.org/officeDocument/2006/relationships" xmlns:p="http://schemas.openxmlformats.org/presentationml/2006/main">
+  <p:cSld>
+    <p:spTree>
+      <p:nvGrpSpPr>
+        <p:cNvPr id="1" name=""/>
+        <p:cNvGrpSpPr/>
+        <p:nvPr/>
+      </p:nvGrpSpPr>
+      <p:grpSpPr>
+        <a:xfrm>
+          <a:off x="0" y="0"/>
+          <a:ext cx="0" cy="0"/>
+          <a:chOff x="0" y="0"/>
+          <a:chExt cx="0" cy="0"/>
+        </a:xfrm>
+      </p:grpSpPr>
+      <p:sp>
+        <p:nvSpPr>
+          <p:cNvPr id="2" name="Slide Image Placeholder 1"/>
+          <p:cNvSpPr>
+            <a:spLocks noGrp="1" noRot="1" noChangeAspect="1"/>
+          </p:cNvSpPr>
+          <p:nvPr>
+            <p:ph type="sldImg"/>
+          </p:nvPr>
+        </p:nvSpPr>
+        <p:spPr/>
+      </p:sp>
+      <p:sp>
+        <p:nvSpPr>
+          <p:cNvPr id="3" name="Notes Placeholder 2"/>
+          <p:cNvSpPr>
+            <a:spLocks noGrp="1"/>
+          </p:cNvSpPr>
+          <p:nvPr>
+            <p:ph type="body" idx="1"/>
+          </p:nvPr>
+        </p:nvSpPr>
+        <p:spPr/>
+        <p:txBody>
+          <a:bodyPr/>
+          <a:lstStyle/>
+          <a:p>
+            <a:r>
+              <a:rPr lang="en-US" dirty="0" smtClean="0"/>
+              <a:t>(motivation)</a:t>
+            </a:r>
+          </a:p>
+          <a:p>
+            <a:r>
+              <a:rPr lang="en-US" dirty="0" smtClean="0"/>
+              <a:t>Given the findings</a:t>
+            </a:r>
+            <a:r>
+              <a:rPr lang="en-US" baseline="0" dirty="0" smtClean="0"/>
+              <a:t> with the </a:t>
+            </a:r>
+            <a:r>
+              <a:rPr lang="en-US" baseline="0" dirty="0" err="1" smtClean="0"/>
+              <a:t>gwRR</a:t>
+            </a:r>
+            <a:r>
+              <a:rPr lang="en-US" baseline="0" dirty="0" smtClean="0"/>
+              <a:t> -&gt; </a:t>
+            </a:r>
+            <a:r>
+              <a:rPr lang="en-US" baseline="0" dirty="0" err="1" smtClean="0"/>
+              <a:t>chrm</a:t>
+            </a:r>
+            <a:r>
+              <a:rPr lang="en-US" baseline="0" dirty="0" smtClean="0"/>
+              <a:t> proportions -&gt; look at single bivalent pattern</a:t>
+            </a:r>
+          </a:p>
+          <a:p>
+            <a:endParaRPr lang="en-US" baseline="0" dirty="0" smtClean="0"/>
+          </a:p>
+          <a:p>
+            <a:r>
+              <a:rPr lang="en-US" baseline="0" dirty="0" smtClean="0"/>
+              <a:t>(chromatin compaction, interference and known sex specific rec landscape features)</a:t>
+            </a:r>
+          </a:p>
+          <a:p>
+            <a:endParaRPr lang="en-US" baseline="0" dirty="0" smtClean="0"/>
+          </a:p>
+          <a:p>
+            <a:r>
+              <a:rPr lang="en-US" baseline="0" dirty="0" smtClean="0"/>
+              <a:t>(Brief summary for dataset)</a:t>
+            </a:r>
+          </a:p>
+          <a:p>
+            <a:endParaRPr lang="en-US" baseline="0" dirty="0" smtClean="0"/>
+          </a:p>
+          <a:p>
+            <a:r>
+              <a:rPr lang="en-US" baseline="0" dirty="0" smtClean="0"/>
+              <a:t>(Focus is on 2 main questions)</a:t>
+            </a:r>
+          </a:p>
+          <a:p>
+            <a:endParaRPr lang="en-US" baseline="0" dirty="0" smtClean="0"/>
+          </a:p>
+          <a:p>
+            <a:r>
+              <a:rPr lang="en-US" baseline="0" dirty="0" smtClean="0"/>
+              <a:t>Animate so that they appear sequentially, then ii) fades</a:t>
+            </a:r>
+          </a:p>
+          <a:p>
+            <a:endParaRPr lang="en-US" baseline="0" dirty="0" smtClean="0"/>
+          </a:p>
+          <a:p>
+            <a:r>
+              <a:rPr lang="en-US" dirty="0" smtClean="0"/>
+              <a:t>Example questions</a:t>
+            </a:r>
+            <a:endParaRPr lang="en-US" dirty="0"/>
+          </a:p>
+        </p:txBody>
+      </p:sp>
+      <p:sp>
+        <p:nvSpPr>
+          <p:cNvPr id="4" name="Slide Number Placeholder 3"/>
+          <p:cNvSpPr>
+            <a:spLocks noGrp="1"/>
+          </p:cNvSpPr>
+          <p:nvPr>
+            <p:ph type="sldNum" sz="quarter" idx="10"/>
+          </p:nvPr>
+        </p:nvSpPr>
+        <p:spPr/>
+        <p:txBody>
+          <a:bodyPr/>
+          <a:lstStyle/>
+          <a:p>
+            <a:fld id="{2788907E-C72E-4D7B-B8CA-F158589AC799}" type="slidenum">
+              <a:rPr lang="en-US" smtClean="0"/>
+              <a:t>6</a:t>
+            </a:fld>
+            <a:endParaRPr lang="en-US"/>
+          </a:p>
+        </p:txBody>
+      </p:sp>
+    </p:spTree>
+    <p:extLst>
+      <p:ext uri="{BB962C8B-B14F-4D97-AF65-F5344CB8AC3E}">
+        <p14:creationId xmlns:p14="http://schemas.microsoft.com/office/powerpoint/2010/main" val="2620983905"/>
+      </p:ext>
+    </p:extLst>
+  </p:cSld>
+  <p:clrMapOvr>
+    <a:masterClrMapping/>
+  </p:clrMapOvr>
+</p:notes>
+</file>
+
+<file path=ppt/notesSlides/notesSlide7.xml><?xml version="1.0" encoding="utf-8"?>
+<p:notes xmlns:a="http://schemas.openxmlformats.org/drawingml/2006/main" xmlns:r="http://schemas.openxmlformats.org/officeDocument/2006/relationships" xmlns:p="http://schemas.openxmlformats.org/presentationml/2006/main">
+  <p:cSld>
+    <p:spTree>
+      <p:nvGrpSpPr>
+        <p:cNvPr id="1" name=""/>
+        <p:cNvGrpSpPr/>
+        <p:nvPr/>
+      </p:nvGrpSpPr>
+      <p:grpSpPr>
+        <a:xfrm>
+          <a:off x="0" y="0"/>
+          <a:ext cx="0" cy="0"/>
+          <a:chOff x="0" y="0"/>
+          <a:chExt cx="0" cy="0"/>
+        </a:xfrm>
+      </p:grpSpPr>
+      <p:sp>
+        <p:nvSpPr>
+          <p:cNvPr id="2" name="Slide Image Placeholder 1"/>
+          <p:cNvSpPr>
+            <a:spLocks noGrp="1" noRot="1" noChangeAspect="1"/>
+          </p:cNvSpPr>
+          <p:nvPr>
+            <p:ph type="sldImg"/>
+          </p:nvPr>
+        </p:nvSpPr>
+        <p:spPr/>
+      </p:sp>
+      <p:sp>
+        <p:nvSpPr>
+          <p:cNvPr id="3" name="Notes Placeholder 2"/>
+          <p:cNvSpPr>
+            <a:spLocks noGrp="1"/>
+          </p:cNvSpPr>
+          <p:nvPr>
+            <p:ph type="body" idx="1"/>
+          </p:nvPr>
+        </p:nvSpPr>
+        <p:spPr/>
+        <p:txBody>
+          <a:bodyPr/>
+          <a:lstStyle/>
+          <a:p>
+            <a:endParaRPr lang="en-US" dirty="0" smtClean="0"/>
+          </a:p>
+          <a:p>
+            <a:r>
+              <a:rPr lang="en-US" dirty="0" smtClean="0"/>
+              <a:t>The</a:t>
+            </a:r>
+            <a:r>
+              <a:rPr lang="en-US" baseline="0" dirty="0" smtClean="0"/>
+              <a:t> overall narrative I’m trying to weave – more variance in females</a:t>
+            </a:r>
+          </a:p>
+          <a:p>
+            <a:r>
+              <a:rPr lang="en-US" baseline="0" dirty="0" smtClean="0"/>
+              <a:t>-Between cells (MLH1 counts)</a:t>
+            </a:r>
+          </a:p>
+          <a:p>
+            <a:r>
+              <a:rPr lang="en-US" baseline="0" dirty="0" smtClean="0"/>
+              <a:t>- Uniform spacing (the 1CO position is not regulated)  (F1 variance is probably larger (F1nrm))</a:t>
+            </a:r>
+          </a:p>
+          <a:p>
+            <a:r>
+              <a:rPr lang="en-US" baseline="0" dirty="0" smtClean="0"/>
+              <a:t>- IFD spacing / interference strength</a:t>
+            </a:r>
+          </a:p>
+          <a:p>
+            <a:endParaRPr lang="en-US" dirty="0" smtClean="0"/>
+          </a:p>
+          <a:p>
+            <a:r>
+              <a:rPr lang="en-US" dirty="0" smtClean="0"/>
+              <a:t>- Lack of distinction between</a:t>
+            </a:r>
+            <a:r>
+              <a:rPr lang="en-US" baseline="0" dirty="0" smtClean="0"/>
+              <a:t> 1CO and 2CO lengths</a:t>
+            </a:r>
+            <a:endParaRPr lang="en-US" dirty="0" smtClean="0"/>
+          </a:p>
+          <a:p>
+            <a:endParaRPr lang="en-US" dirty="0" smtClean="0"/>
+          </a:p>
+          <a:p>
+            <a:r>
+              <a:rPr lang="en-US" dirty="0" smtClean="0"/>
+              <a:t>(longer</a:t>
+            </a:r>
+            <a:r>
+              <a:rPr lang="en-US" baseline="0" dirty="0" smtClean="0"/>
+              <a:t> SC lengths (variance in SC length / I’m not sure this makes sense)</a:t>
+            </a:r>
+            <a:r>
+              <a:rPr lang="en-US" dirty="0" smtClean="0"/>
+              <a:t>)</a:t>
+            </a:r>
+            <a:endParaRPr lang="en-US" dirty="0"/>
+          </a:p>
+        </p:txBody>
+      </p:sp>
+      <p:sp>
+        <p:nvSpPr>
+          <p:cNvPr id="4" name="Slide Number Placeholder 3"/>
+          <p:cNvSpPr>
+            <a:spLocks noGrp="1"/>
+          </p:cNvSpPr>
+          <p:nvPr>
+            <p:ph type="sldNum" sz="quarter" idx="10"/>
+          </p:nvPr>
+        </p:nvSpPr>
+        <p:spPr/>
+        <p:txBody>
+          <a:bodyPr/>
+          <a:lstStyle/>
+          <a:p>
+            <a:fld id="{2788907E-C72E-4D7B-B8CA-F158589AC799}" type="slidenum">
+              <a:rPr lang="en-US" smtClean="0"/>
+              <a:t>9</a:t>
+            </a:fld>
+            <a:endParaRPr lang="en-US"/>
+          </a:p>
+        </p:txBody>
+      </p:sp>
+    </p:spTree>
+    <p:extLst>
+      <p:ext uri="{BB962C8B-B14F-4D97-AF65-F5344CB8AC3E}">
+        <p14:creationId xmlns:p14="http://schemas.microsoft.com/office/powerpoint/2010/main" val="1496181675"/>
+      </p:ext>
+    </p:extLst>
+  </p:cSld>
+  <p:clrMapOvr>
+    <a:masterClrMapping/>
+  </p:clrMapOvr>
+</p:notes>
+</file>
+
+<file path=ppt/notesSlides/notesSlide8.xml><?xml version="1.0" encoding="utf-8"?>
+<p:notes xmlns:a="http://schemas.openxmlformats.org/drawingml/2006/main" xmlns:r="http://schemas.openxmlformats.org/officeDocument/2006/relationships" xmlns:p="http://schemas.openxmlformats.org/presentationml/2006/main">
+  <p:cSld>
+    <p:spTree>
+      <p:nvGrpSpPr>
+        <p:cNvPr id="1" name=""/>
+        <p:cNvGrpSpPr/>
+        <p:nvPr/>
+      </p:nvGrpSpPr>
+      <p:grpSpPr>
+        <a:xfrm>
+          <a:off x="0" y="0"/>
+          <a:ext cx="0" cy="0"/>
+          <a:chOff x="0" y="0"/>
+          <a:chExt cx="0" cy="0"/>
+        </a:xfrm>
+      </p:grpSpPr>
+      <p:sp>
+        <p:nvSpPr>
+          <p:cNvPr id="2" name="Slide Image Placeholder 1"/>
+          <p:cNvSpPr>
+            <a:spLocks noGrp="1" noRot="1" noChangeAspect="1"/>
+          </p:cNvSpPr>
+          <p:nvPr>
+            <p:ph type="sldImg"/>
+          </p:nvPr>
+        </p:nvSpPr>
+        <p:spPr/>
+      </p:sp>
+      <p:sp>
+        <p:nvSpPr>
+          <p:cNvPr id="3" name="Notes Placeholder 2"/>
+          <p:cNvSpPr>
+            <a:spLocks noGrp="1"/>
+          </p:cNvSpPr>
+          <p:nvPr>
+            <p:ph type="body" idx="1"/>
+          </p:nvPr>
+        </p:nvSpPr>
+        <p:spPr/>
+        <p:txBody>
+          <a:bodyPr/>
+          <a:lstStyle/>
+          <a:p>
+            <a:r>
+              <a:rPr lang="en-US" dirty="0" smtClean="0"/>
+              <a:t>The</a:t>
+            </a:r>
+            <a:r>
+              <a:rPr lang="en-US" baseline="0" dirty="0" smtClean="0"/>
+              <a:t> overall narrative I’m trying to weave – more variance in females</a:t>
+            </a:r>
+          </a:p>
+          <a:p>
+            <a:r>
+              <a:rPr lang="en-US" baseline="0" dirty="0" smtClean="0"/>
+              <a:t>-Between cells (MLH1 counts)</a:t>
+            </a:r>
+          </a:p>
+          <a:p>
+            <a:r>
+              <a:rPr lang="en-US" baseline="0" dirty="0" smtClean="0"/>
+              <a:t>- Uniform spacing (the 1CO position is not regulated)  (F1 variance is probably larger (F1nrm))</a:t>
+            </a:r>
+          </a:p>
+          <a:p>
+            <a:r>
+              <a:rPr lang="en-US" baseline="0" dirty="0" smtClean="0"/>
+              <a:t>- IFD spacing / interference strength</a:t>
+            </a:r>
+          </a:p>
+          <a:p>
+            <a:endParaRPr lang="en-US" dirty="0" smtClean="0"/>
+          </a:p>
+          <a:p>
+            <a:r>
+              <a:rPr lang="en-US" dirty="0" smtClean="0"/>
+              <a:t>- Lack of distinction between</a:t>
+            </a:r>
+            <a:r>
+              <a:rPr lang="en-US" baseline="0" dirty="0" smtClean="0"/>
+              <a:t> 1CO and 2CO lengths</a:t>
+            </a:r>
+            <a:endParaRPr lang="en-US" dirty="0" smtClean="0"/>
+          </a:p>
+          <a:p>
+            <a:endParaRPr lang="en-US" dirty="0" smtClean="0"/>
+          </a:p>
+          <a:p>
+            <a:r>
+              <a:rPr lang="en-US" dirty="0" smtClean="0"/>
+              <a:t>(longer</a:t>
+            </a:r>
+            <a:r>
+              <a:rPr lang="en-US" baseline="0" dirty="0" smtClean="0"/>
+              <a:t> SC lengths (variance in SC length / I’m not sure this makes sense)</a:t>
+            </a:r>
+            <a:r>
+              <a:rPr lang="en-US" dirty="0" smtClean="0"/>
+              <a:t>)</a:t>
+            </a:r>
+          </a:p>
+          <a:p>
+            <a:endParaRPr lang="en-US" dirty="0"/>
+          </a:p>
+        </p:txBody>
+      </p:sp>
+      <p:sp>
+        <p:nvSpPr>
+          <p:cNvPr id="4" name="Slide Number Placeholder 3"/>
+          <p:cNvSpPr>
+            <a:spLocks noGrp="1"/>
+          </p:cNvSpPr>
+          <p:nvPr>
+            <p:ph type="sldNum" sz="quarter" idx="10"/>
+          </p:nvPr>
+        </p:nvSpPr>
+        <p:spPr/>
+        <p:txBody>
+          <a:bodyPr/>
+          <a:lstStyle/>
+          <a:p>
+            <a:fld id="{2788907E-C72E-4D7B-B8CA-F158589AC799}" type="slidenum">
+              <a:rPr lang="en-US" smtClean="0"/>
+              <a:t>10</a:t>
+            </a:fld>
+            <a:endParaRPr lang="en-US"/>
+          </a:p>
+        </p:txBody>
+      </p:sp>
+    </p:spTree>
+    <p:extLst>
+      <p:ext uri="{BB962C8B-B14F-4D97-AF65-F5344CB8AC3E}">
+        <p14:creationId xmlns:p14="http://schemas.microsoft.com/office/powerpoint/2010/main" val="3243097393"/>
+      </p:ext>
+    </p:extLst>
+  </p:cSld>
+  <p:clrMapOvr>
+    <a:masterClrMapping/>
+  </p:clrMapOvr>
+</p:notes>
+</file>
+
+<file path=ppt/notesSlides/notesSlide9.xml><?xml version="1.0" encoding="utf-8"?>
+<p:notes xmlns:a="http://schemas.openxmlformats.org/drawingml/2006/main" xmlns:r="http://schemas.openxmlformats.org/officeDocument/2006/relationships" xmlns:p="http://schemas.openxmlformats.org/presentationml/2006/main">
+  <p:cSld>
+    <p:spTree>
+      <p:nvGrpSpPr>
+        <p:cNvPr id="1" name=""/>
+        <p:cNvGrpSpPr/>
+        <p:nvPr/>
+      </p:nvGrpSpPr>
+      <p:grpSpPr>
+        <a:xfrm>
+          <a:off x="0" y="0"/>
+          <a:ext cx="0" cy="0"/>
+          <a:chOff x="0" y="0"/>
+          <a:chExt cx="0" cy="0"/>
+        </a:xfrm>
+      </p:grpSpPr>
+      <p:sp>
+        <p:nvSpPr>
+          <p:cNvPr id="2" name="Slide Image Placeholder 1"/>
+          <p:cNvSpPr>
+            <a:spLocks noGrp="1" noRot="1" noChangeAspect="1"/>
+          </p:cNvSpPr>
+          <p:nvPr>
+            <p:ph type="sldImg"/>
+          </p:nvPr>
+        </p:nvSpPr>
+        <p:spPr/>
+      </p:sp>
+      <p:sp>
+        <p:nvSpPr>
+          <p:cNvPr id="3" name="Notes Placeholder 2"/>
+          <p:cNvSpPr>
+            <a:spLocks noGrp="1"/>
+          </p:cNvSpPr>
+          <p:nvPr>
+            <p:ph type="body" idx="1"/>
+          </p:nvPr>
+        </p:nvSpPr>
+        <p:spPr/>
+        <p:txBody>
+          <a:bodyPr/>
+          <a:lstStyle/>
+          <a:p>
+            <a:r>
+              <a:rPr lang="en-US" dirty="0" smtClean="0"/>
+              <a:t>(motivation)</a:t>
+            </a:r>
+          </a:p>
+          <a:p>
+            <a:r>
+              <a:rPr lang="en-US" dirty="0" smtClean="0"/>
+              <a:t>Given the findings</a:t>
+            </a:r>
+            <a:r>
+              <a:rPr lang="en-US" baseline="0" dirty="0" smtClean="0"/>
+              <a:t> with the </a:t>
+            </a:r>
+            <a:r>
+              <a:rPr lang="en-US" baseline="0" dirty="0" err="1" smtClean="0"/>
+              <a:t>gwRR</a:t>
+            </a:r>
+            <a:r>
+              <a:rPr lang="en-US" baseline="0" dirty="0" smtClean="0"/>
+              <a:t> -&gt; </a:t>
+            </a:r>
+            <a:r>
+              <a:rPr lang="en-US" baseline="0" dirty="0" err="1" smtClean="0"/>
+              <a:t>chrm</a:t>
+            </a:r>
+            <a:r>
+              <a:rPr lang="en-US" baseline="0" dirty="0" smtClean="0"/>
+              <a:t> proportions -&gt; look at single bivalent pattern</a:t>
+            </a:r>
+          </a:p>
+          <a:p>
+            <a:endParaRPr lang="en-US" baseline="0" dirty="0" smtClean="0"/>
+          </a:p>
+          <a:p>
+            <a:r>
+              <a:rPr lang="en-US" baseline="0" dirty="0" smtClean="0"/>
+              <a:t>(chromatin compaction, interference and known sex specific rec landscape features)</a:t>
+            </a:r>
+          </a:p>
+          <a:p>
+            <a:endParaRPr lang="en-US" baseline="0" dirty="0" smtClean="0"/>
+          </a:p>
+          <a:p>
+            <a:r>
+              <a:rPr lang="en-US" baseline="0" dirty="0" smtClean="0"/>
+              <a:t>(Brief summary for dataset)</a:t>
+            </a:r>
+          </a:p>
+          <a:p>
+            <a:endParaRPr lang="en-US" baseline="0" dirty="0" smtClean="0"/>
+          </a:p>
+          <a:p>
+            <a:r>
+              <a:rPr lang="en-US" baseline="0" dirty="0" smtClean="0"/>
+              <a:t>(Focus is on 2 main questions)</a:t>
+            </a:r>
+          </a:p>
+          <a:p>
+            <a:endParaRPr lang="en-US" baseline="0" dirty="0" smtClean="0"/>
+          </a:p>
+          <a:p>
+            <a:r>
+              <a:rPr lang="en-US" baseline="0" dirty="0" smtClean="0"/>
+              <a:t>Animate so that they appear sequentially, then ii) fades</a:t>
+            </a:r>
+          </a:p>
+          <a:p>
+            <a:endParaRPr lang="en-US" baseline="0" dirty="0" smtClean="0"/>
+          </a:p>
+          <a:p>
+            <a:r>
+              <a:rPr lang="en-US" dirty="0" smtClean="0"/>
+              <a:t>Example questions</a:t>
+            </a:r>
+            <a:endParaRPr lang="en-US" dirty="0"/>
+          </a:p>
+        </p:txBody>
+      </p:sp>
+      <p:sp>
+        <p:nvSpPr>
+          <p:cNvPr id="4" name="Slide Number Placeholder 3"/>
+          <p:cNvSpPr>
+            <a:spLocks noGrp="1"/>
+          </p:cNvSpPr>
+          <p:nvPr>
+            <p:ph type="sldNum" sz="quarter" idx="10"/>
+          </p:nvPr>
+        </p:nvSpPr>
+        <p:spPr/>
+        <p:txBody>
+          <a:bodyPr/>
+          <a:lstStyle/>
+          <a:p>
+            <a:fld id="{2788907E-C72E-4D7B-B8CA-F158589AC799}" type="slidenum">
+              <a:rPr lang="en-US" smtClean="0"/>
+              <a:t>11</a:t>
+            </a:fld>
+            <a:endParaRPr lang="en-US"/>
+          </a:p>
+        </p:txBody>
+      </p:sp>
+    </p:spTree>
+    <p:extLst>
+      <p:ext uri="{BB962C8B-B14F-4D97-AF65-F5344CB8AC3E}">
+        <p14:creationId xmlns:p14="http://schemas.microsoft.com/office/powerpoint/2010/main" val="3575860465"/>
       </p:ext>
     </p:extLst>
   </p:cSld>
@@ -804,7 +1906,7 @@
           <a:p>
             <a:fld id="{BA11E091-050C-4DAB-ABC8-34B3B7B173DA}" type="datetimeFigureOut">
               <a:rPr lang="en-US" smtClean="0"/>
-              <a:t>1/30/2020</a:t>
+              <a:t>2/2/2020</a:t>
             </a:fld>
             <a:endParaRPr lang="en-US"/>
           </a:p>
@@ -974,7 +2076,7 @@
           <a:p>
             <a:fld id="{BA11E091-050C-4DAB-ABC8-34B3B7B173DA}" type="datetimeFigureOut">
               <a:rPr lang="en-US" smtClean="0"/>
-              <a:t>1/30/2020</a:t>
+              <a:t>2/2/2020</a:t>
             </a:fld>
             <a:endParaRPr lang="en-US"/>
           </a:p>
@@ -1154,7 +2256,7 @@
           <a:p>
             <a:fld id="{BA11E091-050C-4DAB-ABC8-34B3B7B173DA}" type="datetimeFigureOut">
               <a:rPr lang="en-US" smtClean="0"/>
-              <a:t>1/30/2020</a:t>
+              <a:t>2/2/2020</a:t>
             </a:fld>
             <a:endParaRPr lang="en-US"/>
           </a:p>
@@ -1324,7 +2426,7 @@
           <a:p>
             <a:fld id="{BA11E091-050C-4DAB-ABC8-34B3B7B173DA}" type="datetimeFigureOut">
               <a:rPr lang="en-US" smtClean="0"/>
-              <a:t>1/30/2020</a:t>
+              <a:t>2/2/2020</a:t>
             </a:fld>
             <a:endParaRPr lang="en-US"/>
           </a:p>
@@ -1570,7 +2672,7 @@
           <a:p>
             <a:fld id="{BA11E091-050C-4DAB-ABC8-34B3B7B173DA}" type="datetimeFigureOut">
               <a:rPr lang="en-US" smtClean="0"/>
-              <a:t>1/30/2020</a:t>
+              <a:t>2/2/2020</a:t>
             </a:fld>
             <a:endParaRPr lang="en-US"/>
           </a:p>
@@ -1802,7 +2904,7 @@
           <a:p>
             <a:fld id="{BA11E091-050C-4DAB-ABC8-34B3B7B173DA}" type="datetimeFigureOut">
               <a:rPr lang="en-US" smtClean="0"/>
-              <a:t>1/30/2020</a:t>
+              <a:t>2/2/2020</a:t>
             </a:fld>
             <a:endParaRPr lang="en-US"/>
           </a:p>
@@ -2169,7 +3271,7 @@
           <a:p>
             <a:fld id="{BA11E091-050C-4DAB-ABC8-34B3B7B173DA}" type="datetimeFigureOut">
               <a:rPr lang="en-US" smtClean="0"/>
-              <a:t>1/30/2020</a:t>
+              <a:t>2/2/2020</a:t>
             </a:fld>
             <a:endParaRPr lang="en-US"/>
           </a:p>
@@ -2287,7 +3389,7 @@
           <a:p>
             <a:fld id="{BA11E091-050C-4DAB-ABC8-34B3B7B173DA}" type="datetimeFigureOut">
               <a:rPr lang="en-US" smtClean="0"/>
-              <a:t>1/30/2020</a:t>
+              <a:t>2/2/2020</a:t>
             </a:fld>
             <a:endParaRPr lang="en-US"/>
           </a:p>
@@ -2382,7 +3484,7 @@
           <a:p>
             <a:fld id="{BA11E091-050C-4DAB-ABC8-34B3B7B173DA}" type="datetimeFigureOut">
               <a:rPr lang="en-US" smtClean="0"/>
-              <a:t>1/30/2020</a:t>
+              <a:t>2/2/2020</a:t>
             </a:fld>
             <a:endParaRPr lang="en-US"/>
           </a:p>
@@ -2659,7 +3761,7 @@
           <a:p>
             <a:fld id="{BA11E091-050C-4DAB-ABC8-34B3B7B173DA}" type="datetimeFigureOut">
               <a:rPr lang="en-US" smtClean="0"/>
-              <a:t>1/30/2020</a:t>
+              <a:t>2/2/2020</a:t>
             </a:fld>
             <a:endParaRPr lang="en-US"/>
           </a:p>
@@ -2912,7 +4014,7 @@
           <a:p>
             <a:fld id="{BA11E091-050C-4DAB-ABC8-34B3B7B173DA}" type="datetimeFigureOut">
               <a:rPr lang="en-US" smtClean="0"/>
-              <a:t>1/30/2020</a:t>
+              <a:t>2/2/2020</a:t>
             </a:fld>
             <a:endParaRPr lang="en-US"/>
           </a:p>
@@ -3125,7 +4227,7 @@
           <a:p>
             <a:fld id="{BA11E091-050C-4DAB-ABC8-34B3B7B173DA}" type="datetimeFigureOut">
               <a:rPr lang="en-US" smtClean="0"/>
-              <a:t>1/30/2020</a:t>
+              <a:t>2/2/2020</a:t>
             </a:fld>
             <a:endParaRPr lang="en-US"/>
           </a:p>
@@ -3545,7 +4647,11 @@
           <a:bodyPr/>
           <a:lstStyle/>
           <a:p>
-            <a:endParaRPr lang="en-US"/>
+            <a:r>
+              <a:rPr lang="en-US" dirty="0" smtClean="0"/>
+              <a:t>MS results/outline</a:t>
+            </a:r>
+            <a:endParaRPr lang="en-US" dirty="0"/>
           </a:p>
         </p:txBody>
       </p:sp>
@@ -3578,6 +4684,1102 @@
   <p:clrMapOvr>
     <a:masterClrMapping/>
   </p:clrMapOvr>
+</p:sld>
+</file>
+
+<file path=ppt/slides/slide10.xml><?xml version="1.0" encoding="utf-8"?>
+<p:sld xmlns:a="http://schemas.openxmlformats.org/drawingml/2006/main" xmlns:r="http://schemas.openxmlformats.org/officeDocument/2006/relationships" xmlns:p="http://schemas.openxmlformats.org/presentationml/2006/main">
+  <p:cSld>
+    <p:spTree>
+      <p:nvGrpSpPr>
+        <p:cNvPr id="1" name=""/>
+        <p:cNvGrpSpPr/>
+        <p:nvPr/>
+      </p:nvGrpSpPr>
+      <p:grpSpPr>
+        <a:xfrm>
+          <a:off x="0" y="0"/>
+          <a:ext cx="0" cy="0"/>
+          <a:chOff x="0" y="0"/>
+          <a:chExt cx="0" cy="0"/>
+        </a:xfrm>
+      </p:grpSpPr>
+      <p:sp>
+        <p:nvSpPr>
+          <p:cNvPr id="2" name="Title 1"/>
+          <p:cNvSpPr>
+            <a:spLocks noGrp="1"/>
+          </p:cNvSpPr>
+          <p:nvPr>
+            <p:ph type="title"/>
+          </p:nvPr>
+        </p:nvSpPr>
+        <p:spPr/>
+        <p:txBody>
+          <a:bodyPr/>
+          <a:lstStyle/>
+          <a:p>
+            <a:r>
+              <a:rPr lang="en-US" dirty="0" smtClean="0"/>
+              <a:t>Summarize sex specific bivalent patterns</a:t>
+            </a:r>
+            <a:endParaRPr lang="en-US" dirty="0"/>
+          </a:p>
+        </p:txBody>
+      </p:sp>
+      <p:sp>
+        <p:nvSpPr>
+          <p:cNvPr id="3" name="Content Placeholder 2"/>
+          <p:cNvSpPr>
+            <a:spLocks noGrp="1"/>
+          </p:cNvSpPr>
+          <p:nvPr>
+            <p:ph idx="1"/>
+          </p:nvPr>
+        </p:nvSpPr>
+        <p:spPr/>
+        <p:txBody>
+          <a:bodyPr>
+            <a:normAutofit fontScale="92500" lnSpcReduction="10000"/>
+          </a:bodyPr>
+          <a:lstStyle/>
+          <a:p>
+            <a:r>
+              <a:rPr lang="en-US" dirty="0" smtClean="0"/>
+              <a:t>(figure ideas?)</a:t>
+            </a:r>
+          </a:p>
+          <a:p>
+            <a:r>
+              <a:rPr lang="en-US" dirty="0" smtClean="0"/>
+              <a:t>Main data / tables</a:t>
+            </a:r>
+          </a:p>
+          <a:p>
+            <a:pPr marL="0" indent="0">
+              <a:buNone/>
+            </a:pPr>
+            <a:r>
+              <a:rPr lang="en-US" dirty="0" smtClean="0"/>
+              <a:t>Conserved sex specific metrics for single bivalents during meiosis</a:t>
+            </a:r>
+          </a:p>
+          <a:p>
+            <a:pPr marL="0" indent="0">
+              <a:buNone/>
+            </a:pPr>
+            <a:r>
+              <a:rPr lang="en-US" dirty="0"/>
+              <a:t>	</a:t>
+            </a:r>
+            <a:r>
+              <a:rPr lang="en-US" dirty="0" smtClean="0"/>
+              <a:t>- SC compaction</a:t>
+            </a:r>
+          </a:p>
+          <a:p>
+            <a:pPr marL="0" indent="0">
+              <a:buNone/>
+            </a:pPr>
+            <a:r>
+              <a:rPr lang="en-US" dirty="0"/>
+              <a:t>	</a:t>
+            </a:r>
+            <a:r>
+              <a:rPr lang="en-US" dirty="0" smtClean="0"/>
+              <a:t>- uniform CO placement</a:t>
+            </a:r>
+          </a:p>
+          <a:p>
+            <a:pPr marL="0" indent="0">
+              <a:buNone/>
+            </a:pPr>
+            <a:r>
+              <a:rPr lang="en-US" dirty="0" smtClean="0"/>
+              <a:t>Surprise, interference is not conserved… (raw value long in females, normalized versions females have sub class of close together </a:t>
+            </a:r>
+          </a:p>
+          <a:p>
+            <a:pPr marL="0" indent="0">
+              <a:buNone/>
+            </a:pPr>
+            <a:endParaRPr lang="en-US" dirty="0"/>
+          </a:p>
+          <a:p>
+            <a:r>
+              <a:rPr lang="en-US" dirty="0" smtClean="0"/>
+              <a:t>General pattern – for revisiting in discussion</a:t>
+            </a:r>
+          </a:p>
+          <a:p>
+            <a:pPr marL="0" indent="0">
+              <a:buNone/>
+            </a:pPr>
+            <a:r>
+              <a:rPr lang="en-US" dirty="0" smtClean="0"/>
+              <a:t>Female meiotic pathway is less controlled/regulated </a:t>
+            </a:r>
+            <a:endParaRPr lang="en-US" dirty="0"/>
+          </a:p>
+        </p:txBody>
+      </p:sp>
+    </p:spTree>
+    <p:extLst>
+      <p:ext uri="{BB962C8B-B14F-4D97-AF65-F5344CB8AC3E}">
+        <p14:creationId xmlns:p14="http://schemas.microsoft.com/office/powerpoint/2010/main" val="2138578714"/>
+      </p:ext>
+    </p:extLst>
+  </p:cSld>
+  <p:clrMapOvr>
+    <a:masterClrMapping/>
+  </p:clrMapOvr>
+  <p:timing>
+    <p:tnLst>
+      <p:par>
+        <p:cTn id="1" dur="indefinite" restart="never" nodeType="tmRoot"/>
+      </p:par>
+    </p:tnLst>
+  </p:timing>
+</p:sld>
+</file>
+
+<file path=ppt/slides/slide11.xml><?xml version="1.0" encoding="utf-8"?>
+<p:sld xmlns:a="http://schemas.openxmlformats.org/drawingml/2006/main" xmlns:r="http://schemas.openxmlformats.org/officeDocument/2006/relationships" xmlns:p="http://schemas.openxmlformats.org/presentationml/2006/main">
+  <p:cSld>
+    <p:spTree>
+      <p:nvGrpSpPr>
+        <p:cNvPr id="1" name=""/>
+        <p:cNvGrpSpPr/>
+        <p:nvPr/>
+      </p:nvGrpSpPr>
+      <p:grpSpPr>
+        <a:xfrm>
+          <a:off x="0" y="0"/>
+          <a:ext cx="0" cy="0"/>
+          <a:chOff x="0" y="0"/>
+          <a:chExt cx="0" cy="0"/>
+        </a:xfrm>
+      </p:grpSpPr>
+      <p:sp>
+        <p:nvSpPr>
+          <p:cNvPr id="2" name="Title 1"/>
+          <p:cNvSpPr>
+            <a:spLocks noGrp="1"/>
+          </p:cNvSpPr>
+          <p:nvPr>
+            <p:ph type="title"/>
+          </p:nvPr>
+        </p:nvSpPr>
+        <p:spPr/>
+        <p:txBody>
+          <a:bodyPr/>
+          <a:lstStyle/>
+          <a:p>
+            <a:r>
+              <a:rPr lang="en-US" dirty="0" smtClean="0"/>
+              <a:t>Single </a:t>
+            </a:r>
+            <a:r>
+              <a:rPr lang="en-US" dirty="0" smtClean="0"/>
+              <a:t>Bivalent patterns</a:t>
+            </a:r>
+            <a:endParaRPr lang="en-US" dirty="0"/>
+          </a:p>
+        </p:txBody>
+      </p:sp>
+      <p:sp>
+        <p:nvSpPr>
+          <p:cNvPr id="3" name="Content Placeholder 2"/>
+          <p:cNvSpPr>
+            <a:spLocks noGrp="1"/>
+          </p:cNvSpPr>
+          <p:nvPr>
+            <p:ph idx="1"/>
+          </p:nvPr>
+        </p:nvSpPr>
+        <p:spPr/>
+        <p:txBody>
+          <a:bodyPr>
+            <a:normAutofit fontScale="92500" lnSpcReduction="20000"/>
+          </a:bodyPr>
+          <a:lstStyle/>
+          <a:p>
+            <a:pPr marL="0" indent="0">
+              <a:buNone/>
+            </a:pPr>
+            <a:r>
+              <a:rPr lang="en-US" dirty="0" smtClean="0"/>
+              <a:t>(example of segmented cell)</a:t>
+            </a:r>
+          </a:p>
+          <a:p>
+            <a:pPr marL="0" indent="0">
+              <a:buNone/>
+            </a:pPr>
+            <a:r>
+              <a:rPr lang="en-US" dirty="0" smtClean="0"/>
+              <a:t>-</a:t>
+            </a:r>
+            <a:r>
+              <a:rPr lang="en-US" dirty="0" smtClean="0"/>
+              <a:t>BRIEF, description of </a:t>
+            </a:r>
+            <a:r>
+              <a:rPr lang="en-US" dirty="0" smtClean="0"/>
+              <a:t>data,  ()</a:t>
+            </a:r>
+            <a:endParaRPr lang="en-US" dirty="0" smtClean="0"/>
+          </a:p>
+          <a:p>
+            <a:pPr marL="0" indent="0">
+              <a:buNone/>
+            </a:pPr>
+            <a:endParaRPr lang="en-US" dirty="0" smtClean="0"/>
+          </a:p>
+          <a:p>
+            <a:pPr marL="0" indent="0">
+              <a:buNone/>
+            </a:pPr>
+            <a:r>
+              <a:rPr lang="en-US" dirty="0" smtClean="0"/>
+              <a:t>Driving questions</a:t>
+            </a:r>
+            <a:endParaRPr lang="en-US" dirty="0"/>
+          </a:p>
+          <a:p>
+            <a:r>
+              <a:rPr lang="en-US" dirty="0" err="1" smtClean="0"/>
+              <a:t>i</a:t>
+            </a:r>
+            <a:r>
+              <a:rPr lang="en-US" dirty="0"/>
+              <a:t>) What are the main differences between males and </a:t>
+            </a:r>
+            <a:r>
+              <a:rPr lang="en-US" dirty="0" smtClean="0"/>
+              <a:t>females?</a:t>
+            </a:r>
+            <a:endParaRPr lang="en-US" dirty="0" smtClean="0">
+              <a:effectLst/>
+            </a:endParaRPr>
+          </a:p>
+          <a:p>
+            <a:r>
+              <a:rPr lang="en-US" dirty="0"/>
+              <a:t>ii) </a:t>
+            </a:r>
+            <a:r>
+              <a:rPr lang="en-US" dirty="0" smtClean="0"/>
+              <a:t>What </a:t>
+            </a:r>
+            <a:r>
+              <a:rPr lang="en-US" dirty="0"/>
+              <a:t>are the differences between high </a:t>
+            </a:r>
+            <a:r>
+              <a:rPr lang="en-US" dirty="0" err="1"/>
+              <a:t>musc</a:t>
+            </a:r>
+            <a:r>
+              <a:rPr lang="en-US" dirty="0"/>
+              <a:t> and low </a:t>
+            </a:r>
+            <a:r>
+              <a:rPr lang="en-US" dirty="0" err="1"/>
+              <a:t>musc</a:t>
+            </a:r>
+            <a:r>
+              <a:rPr lang="en-US" dirty="0"/>
+              <a:t> </a:t>
+            </a:r>
+            <a:r>
+              <a:rPr lang="en-US" dirty="0" smtClean="0"/>
+              <a:t>strain</a:t>
+            </a:r>
+            <a:r>
+              <a:rPr lang="en-US" dirty="0" smtClean="0"/>
+              <a:t>?</a:t>
+            </a:r>
+          </a:p>
+          <a:p>
+            <a:endParaRPr lang="en-US" dirty="0">
+              <a:effectLst/>
+            </a:endParaRPr>
+          </a:p>
+          <a:p>
+            <a:r>
+              <a:rPr lang="en-US" dirty="0"/>
+              <a:t>3 types of metrics</a:t>
+            </a:r>
+          </a:p>
+          <a:p>
+            <a:pPr lvl="1"/>
+            <a:r>
+              <a:rPr lang="en-US" dirty="0"/>
+              <a:t>1. Length of individual bivalents (SC signal) </a:t>
+            </a:r>
+          </a:p>
+          <a:p>
+            <a:pPr lvl="1"/>
+            <a:r>
+              <a:rPr lang="en-US" dirty="0"/>
+              <a:t>2. Position of single CO on a bivalent</a:t>
+            </a:r>
+          </a:p>
+          <a:p>
+            <a:pPr lvl="1"/>
+            <a:r>
+              <a:rPr lang="en-US" dirty="0"/>
+              <a:t>3. Interference strength (</a:t>
+            </a:r>
+            <a:r>
+              <a:rPr lang="en-US" dirty="0" err="1"/>
+              <a:t>interfocal</a:t>
+            </a:r>
+            <a:r>
+              <a:rPr lang="en-US" dirty="0"/>
+              <a:t> distance</a:t>
+            </a:r>
+            <a:r>
+              <a:rPr lang="en-US" dirty="0" smtClean="0"/>
+              <a:t>)</a:t>
+            </a:r>
+            <a:endParaRPr lang="en-US" dirty="0"/>
+          </a:p>
+        </p:txBody>
+      </p:sp>
+    </p:spTree>
+    <p:extLst>
+      <p:ext uri="{BB962C8B-B14F-4D97-AF65-F5344CB8AC3E}">
+        <p14:creationId xmlns:p14="http://schemas.microsoft.com/office/powerpoint/2010/main" val="2070970484"/>
+      </p:ext>
+    </p:extLst>
+  </p:cSld>
+  <p:clrMapOvr>
+    <a:masterClrMapping/>
+  </p:clrMapOvr>
+  <p:timing>
+    <p:tnLst>
+      <p:par>
+        <p:cTn id="1" dur="indefinite" restart="never" nodeType="tmRoot">
+          <p:childTnLst>
+            <p:seq concurrent="1" nextAc="seek">
+              <p:cTn id="2" dur="indefinite" nodeType="mainSeq">
+                <p:childTnLst>
+                  <p:par>
+                    <p:cTn id="3" fill="hold">
+                      <p:stCondLst>
+                        <p:cond delay="indefinite"/>
+                      </p:stCondLst>
+                      <p:childTnLst>
+                        <p:par>
+                          <p:cTn id="4" fill="hold">
+                            <p:stCondLst>
+                              <p:cond delay="0"/>
+                            </p:stCondLst>
+                            <p:childTnLst>
+                              <p:par>
+                                <p:cTn id="5" presetID="1" presetClass="entr" presetSubtype="0" fill="hold" nodeType="clickEffect">
+                                  <p:stCondLst>
+                                    <p:cond delay="0"/>
+                                  </p:stCondLst>
+                                  <p:childTnLst>
+                                    <p:set>
+                                      <p:cBhvr>
+                                        <p:cTn id="6" dur="1" fill="hold">
+                                          <p:stCondLst>
+                                            <p:cond delay="0"/>
+                                          </p:stCondLst>
+                                        </p:cTn>
+                                        <p:tgtEl>
+                                          <p:spTgt spid="3">
+                                            <p:txEl>
+                                              <p:pRg st="3" end="3"/>
+                                            </p:txEl>
+                                          </p:spTgt>
+                                        </p:tgtEl>
+                                        <p:attrNameLst>
+                                          <p:attrName>style.visibility</p:attrName>
+                                        </p:attrNameLst>
+                                      </p:cBhvr>
+                                      <p:to>
+                                        <p:strVal val="visible"/>
+                                      </p:to>
+                                    </p:set>
+                                  </p:childTnLst>
+                                </p:cTn>
+                              </p:par>
+                            </p:childTnLst>
+                          </p:cTn>
+                        </p:par>
+                      </p:childTnLst>
+                    </p:cTn>
+                  </p:par>
+                  <p:par>
+                    <p:cTn id="7" fill="hold">
+                      <p:stCondLst>
+                        <p:cond delay="indefinite"/>
+                      </p:stCondLst>
+                      <p:childTnLst>
+                        <p:par>
+                          <p:cTn id="8" fill="hold">
+                            <p:stCondLst>
+                              <p:cond delay="0"/>
+                            </p:stCondLst>
+                            <p:childTnLst>
+                              <p:par>
+                                <p:cTn id="9" presetID="1" presetClass="entr" presetSubtype="0" fill="hold" nodeType="clickEffect">
+                                  <p:stCondLst>
+                                    <p:cond delay="0"/>
+                                  </p:stCondLst>
+                                  <p:iterate type="lt">
+                                    <p:tmAbs val="0"/>
+                                  </p:iterate>
+                                  <p:childTnLst>
+                                    <p:set>
+                                      <p:cBhvr>
+                                        <p:cTn id="10" dur="1" fill="hold">
+                                          <p:stCondLst>
+                                            <p:cond delay="0"/>
+                                          </p:stCondLst>
+                                        </p:cTn>
+                                        <p:tgtEl>
+                                          <p:spTgt spid="3">
+                                            <p:txEl>
+                                              <p:pRg st="4" end="4"/>
+                                            </p:txEl>
+                                          </p:spTgt>
+                                        </p:tgtEl>
+                                        <p:attrNameLst>
+                                          <p:attrName>style.visibility</p:attrName>
+                                        </p:attrNameLst>
+                                      </p:cBhvr>
+                                      <p:to>
+                                        <p:strVal val="visible"/>
+                                      </p:to>
+                                    </p:set>
+                                  </p:childTnLst>
+                                </p:cTn>
+                              </p:par>
+                            </p:childTnLst>
+                          </p:cTn>
+                        </p:par>
+                      </p:childTnLst>
+                    </p:cTn>
+                  </p:par>
+                  <p:par>
+                    <p:cTn id="11" fill="hold">
+                      <p:stCondLst>
+                        <p:cond delay="indefinite"/>
+                      </p:stCondLst>
+                      <p:childTnLst>
+                        <p:par>
+                          <p:cTn id="12" fill="hold">
+                            <p:stCondLst>
+                              <p:cond delay="0"/>
+                            </p:stCondLst>
+                            <p:childTnLst>
+                              <p:par>
+                                <p:cTn id="13" presetID="1" presetClass="entr" presetSubtype="0" fill="hold" nodeType="clickEffect">
+                                  <p:stCondLst>
+                                    <p:cond delay="0"/>
+                                  </p:stCondLst>
+                                  <p:childTnLst>
+                                    <p:set>
+                                      <p:cBhvr>
+                                        <p:cTn id="14" dur="1" fill="hold">
+                                          <p:stCondLst>
+                                            <p:cond delay="0"/>
+                                          </p:stCondLst>
+                                        </p:cTn>
+                                        <p:tgtEl>
+                                          <p:spTgt spid="3">
+                                            <p:txEl>
+                                              <p:pRg st="5" end="5"/>
+                                            </p:txEl>
+                                          </p:spTgt>
+                                        </p:tgtEl>
+                                        <p:attrNameLst>
+                                          <p:attrName>style.visibility</p:attrName>
+                                        </p:attrNameLst>
+                                      </p:cBhvr>
+                                      <p:to>
+                                        <p:strVal val="visible"/>
+                                      </p:to>
+                                    </p:set>
+                                  </p:childTnLst>
+                                </p:cTn>
+                              </p:par>
+                            </p:childTnLst>
+                          </p:cTn>
+                        </p:par>
+                      </p:childTnLst>
+                    </p:cTn>
+                  </p:par>
+                  <p:par>
+                    <p:cTn id="15" fill="hold">
+                      <p:stCondLst>
+                        <p:cond delay="indefinite"/>
+                      </p:stCondLst>
+                      <p:childTnLst>
+                        <p:par>
+                          <p:cTn id="16" fill="hold">
+                            <p:stCondLst>
+                              <p:cond delay="0"/>
+                            </p:stCondLst>
+                            <p:childTnLst>
+                              <p:par>
+                                <p:cTn id="17" presetID="1" presetClass="entr" presetSubtype="0" fill="hold" nodeType="clickEffect">
+                                  <p:stCondLst>
+                                    <p:cond delay="0"/>
+                                  </p:stCondLst>
+                                  <p:childTnLst>
+                                    <p:set>
+                                      <p:cBhvr>
+                                        <p:cTn id="18" dur="1" fill="hold">
+                                          <p:stCondLst>
+                                            <p:cond delay="0"/>
+                                          </p:stCondLst>
+                                        </p:cTn>
+                                        <p:tgtEl>
+                                          <p:spTgt spid="3">
+                                            <p:txEl>
+                                              <p:pRg st="7" end="7"/>
+                                            </p:txEl>
+                                          </p:spTgt>
+                                        </p:tgtEl>
+                                        <p:attrNameLst>
+                                          <p:attrName>style.visibility</p:attrName>
+                                        </p:attrNameLst>
+                                      </p:cBhvr>
+                                      <p:to>
+                                        <p:strVal val="visible"/>
+                                      </p:to>
+                                    </p:set>
+                                  </p:childTnLst>
+                                </p:cTn>
+                              </p:par>
+                            </p:childTnLst>
+                          </p:cTn>
+                        </p:par>
+                      </p:childTnLst>
+                    </p:cTn>
+                  </p:par>
+                  <p:par>
+                    <p:cTn id="19" fill="hold">
+                      <p:stCondLst>
+                        <p:cond delay="indefinite"/>
+                      </p:stCondLst>
+                      <p:childTnLst>
+                        <p:par>
+                          <p:cTn id="20" fill="hold">
+                            <p:stCondLst>
+                              <p:cond delay="0"/>
+                            </p:stCondLst>
+                            <p:childTnLst>
+                              <p:par>
+                                <p:cTn id="21" presetID="1" presetClass="entr" presetSubtype="0" fill="hold" nodeType="clickEffect">
+                                  <p:stCondLst>
+                                    <p:cond delay="0"/>
+                                  </p:stCondLst>
+                                  <p:childTnLst>
+                                    <p:set>
+                                      <p:cBhvr>
+                                        <p:cTn id="22" dur="1" fill="hold">
+                                          <p:stCondLst>
+                                            <p:cond delay="0"/>
+                                          </p:stCondLst>
+                                        </p:cTn>
+                                        <p:tgtEl>
+                                          <p:spTgt spid="3">
+                                            <p:txEl>
+                                              <p:pRg st="8" end="8"/>
+                                            </p:txEl>
+                                          </p:spTgt>
+                                        </p:tgtEl>
+                                        <p:attrNameLst>
+                                          <p:attrName>style.visibility</p:attrName>
+                                        </p:attrNameLst>
+                                      </p:cBhvr>
+                                      <p:to>
+                                        <p:strVal val="visible"/>
+                                      </p:to>
+                                    </p:set>
+                                  </p:childTnLst>
+                                </p:cTn>
+                              </p:par>
+                            </p:childTnLst>
+                          </p:cTn>
+                        </p:par>
+                      </p:childTnLst>
+                    </p:cTn>
+                  </p:par>
+                  <p:par>
+                    <p:cTn id="23" fill="hold">
+                      <p:stCondLst>
+                        <p:cond delay="indefinite"/>
+                      </p:stCondLst>
+                      <p:childTnLst>
+                        <p:par>
+                          <p:cTn id="24" fill="hold">
+                            <p:stCondLst>
+                              <p:cond delay="0"/>
+                            </p:stCondLst>
+                            <p:childTnLst>
+                              <p:par>
+                                <p:cTn id="25" presetID="1" presetClass="entr" presetSubtype="0" fill="hold" nodeType="clickEffect">
+                                  <p:stCondLst>
+                                    <p:cond delay="0"/>
+                                  </p:stCondLst>
+                                  <p:childTnLst>
+                                    <p:set>
+                                      <p:cBhvr>
+                                        <p:cTn id="26" dur="1" fill="hold">
+                                          <p:stCondLst>
+                                            <p:cond delay="0"/>
+                                          </p:stCondLst>
+                                        </p:cTn>
+                                        <p:tgtEl>
+                                          <p:spTgt spid="3">
+                                            <p:txEl>
+                                              <p:pRg st="9" end="9"/>
+                                            </p:txEl>
+                                          </p:spTgt>
+                                        </p:tgtEl>
+                                        <p:attrNameLst>
+                                          <p:attrName>style.visibility</p:attrName>
+                                        </p:attrNameLst>
+                                      </p:cBhvr>
+                                      <p:to>
+                                        <p:strVal val="visible"/>
+                                      </p:to>
+                                    </p:set>
+                                  </p:childTnLst>
+                                </p:cTn>
+                              </p:par>
+                            </p:childTnLst>
+                          </p:cTn>
+                        </p:par>
+                      </p:childTnLst>
+                    </p:cTn>
+                  </p:par>
+                  <p:par>
+                    <p:cTn id="27" fill="hold">
+                      <p:stCondLst>
+                        <p:cond delay="indefinite"/>
+                      </p:stCondLst>
+                      <p:childTnLst>
+                        <p:par>
+                          <p:cTn id="28" fill="hold">
+                            <p:stCondLst>
+                              <p:cond delay="0"/>
+                            </p:stCondLst>
+                            <p:childTnLst>
+                              <p:par>
+                                <p:cTn id="29" presetID="1" presetClass="entr" presetSubtype="0" fill="hold" nodeType="clickEffect">
+                                  <p:stCondLst>
+                                    <p:cond delay="0"/>
+                                  </p:stCondLst>
+                                  <p:childTnLst>
+                                    <p:set>
+                                      <p:cBhvr>
+                                        <p:cTn id="30" dur="1" fill="hold">
+                                          <p:stCondLst>
+                                            <p:cond delay="0"/>
+                                          </p:stCondLst>
+                                        </p:cTn>
+                                        <p:tgtEl>
+                                          <p:spTgt spid="3">
+                                            <p:txEl>
+                                              <p:pRg st="10" end="10"/>
+                                            </p:txEl>
+                                          </p:spTgt>
+                                        </p:tgtEl>
+                                        <p:attrNameLst>
+                                          <p:attrName>style.visibility</p:attrName>
+                                        </p:attrNameLst>
+                                      </p:cBhvr>
+                                      <p:to>
+                                        <p:strVal val="visible"/>
+                                      </p:to>
+                                    </p:set>
+                                  </p:childTnLst>
+                                </p:cTn>
+                              </p:par>
+                            </p:childTnLst>
+                          </p:cTn>
+                        </p:par>
+                      </p:childTnLst>
+                    </p:cTn>
+                  </p:par>
+                  <p:par>
+                    <p:cTn id="31" fill="hold">
+                      <p:stCondLst>
+                        <p:cond delay="indefinite"/>
+                      </p:stCondLst>
+                      <p:childTnLst>
+                        <p:par>
+                          <p:cTn id="32" fill="hold">
+                            <p:stCondLst>
+                              <p:cond delay="0"/>
+                            </p:stCondLst>
+                            <p:childTnLst>
+                              <p:par>
+                                <p:cTn id="33" presetID="18" presetClass="emph" presetSubtype="0" fill="hold" nodeType="clickEffect">
+                                  <p:stCondLst>
+                                    <p:cond delay="0"/>
+                                  </p:stCondLst>
+                                  <p:iterate type="lt">
+                                    <p:tmPct val="4000"/>
+                                  </p:iterate>
+                                  <p:childTnLst>
+                                    <p:set>
+                                      <p:cBhvr override="childStyle">
+                                        <p:cTn id="34" dur="500" fill="hold"/>
+                                        <p:tgtEl>
+                                          <p:spTgt spid="3">
+                                            <p:txEl>
+                                              <p:pRg st="4" end="4"/>
+                                            </p:txEl>
+                                          </p:spTgt>
+                                        </p:tgtEl>
+                                        <p:attrNameLst>
+                                          <p:attrName>style.textDecorationUnderline</p:attrName>
+                                        </p:attrNameLst>
+                                      </p:cBhvr>
+                                      <p:to>
+                                        <p:strVal val="true"/>
+                                      </p:to>
+                                    </p:set>
+                                  </p:childTnLst>
+                                </p:cTn>
+                              </p:par>
+                            </p:childTnLst>
+                          </p:cTn>
+                        </p:par>
+                      </p:childTnLst>
+                    </p:cTn>
+                  </p:par>
+                </p:childTnLst>
+              </p:cTn>
+              <p:prevCondLst>
+                <p:cond evt="onPrev" delay="0">
+                  <p:tgtEl>
+                    <p:sldTgt/>
+                  </p:tgtEl>
+                </p:cond>
+              </p:prevCondLst>
+              <p:nextCondLst>
+                <p:cond evt="onNext" delay="0">
+                  <p:tgtEl>
+                    <p:sldTgt/>
+                  </p:tgtEl>
+                </p:cond>
+              </p:nextCondLst>
+            </p:seq>
+          </p:childTnLst>
+        </p:cTn>
+      </p:par>
+    </p:tnLst>
+  </p:timing>
+</p:sld>
+</file>
+
+<file path=ppt/slides/slide12.xml><?xml version="1.0" encoding="utf-8"?>
+<p:sld xmlns:a="http://schemas.openxmlformats.org/drawingml/2006/main" xmlns:r="http://schemas.openxmlformats.org/officeDocument/2006/relationships" xmlns:p="http://schemas.openxmlformats.org/presentationml/2006/main">
+  <p:cSld>
+    <p:spTree>
+      <p:nvGrpSpPr>
+        <p:cNvPr id="1" name=""/>
+        <p:cNvGrpSpPr/>
+        <p:nvPr/>
+      </p:nvGrpSpPr>
+      <p:grpSpPr>
+        <a:xfrm>
+          <a:off x="0" y="0"/>
+          <a:ext cx="0" cy="0"/>
+          <a:chOff x="0" y="0"/>
+          <a:chExt cx="0" cy="0"/>
+        </a:xfrm>
+      </p:grpSpPr>
+      <p:sp>
+        <p:nvSpPr>
+          <p:cNvPr id="2" name="Title 1"/>
+          <p:cNvSpPr>
+            <a:spLocks noGrp="1"/>
+          </p:cNvSpPr>
+          <p:nvPr>
+            <p:ph type="title"/>
+          </p:nvPr>
+        </p:nvSpPr>
+        <p:spPr/>
+        <p:txBody>
+          <a:bodyPr/>
+          <a:lstStyle/>
+          <a:p>
+            <a:r>
+              <a:rPr lang="en-US" dirty="0" smtClean="0"/>
+              <a:t>Model for investigating variation in males</a:t>
+            </a:r>
+            <a:endParaRPr lang="en-US" dirty="0"/>
+          </a:p>
+        </p:txBody>
+      </p:sp>
+      <p:sp>
+        <p:nvSpPr>
+          <p:cNvPr id="3" name="Content Placeholder 2"/>
+          <p:cNvSpPr>
+            <a:spLocks noGrp="1"/>
+          </p:cNvSpPr>
+          <p:nvPr>
+            <p:ph idx="1"/>
+          </p:nvPr>
+        </p:nvSpPr>
+        <p:spPr>
+          <a:xfrm>
+            <a:off x="804334" y="1825625"/>
+            <a:ext cx="10515600" cy="4351338"/>
+          </a:xfrm>
+        </p:spPr>
+        <p:txBody>
+          <a:bodyPr>
+            <a:normAutofit lnSpcReduction="10000"/>
+          </a:bodyPr>
+          <a:lstStyle/>
+          <a:p>
+            <a:pPr marL="0" indent="0">
+              <a:buNone/>
+            </a:pPr>
+            <a:endParaRPr lang="en-US" dirty="0" smtClean="0"/>
+          </a:p>
+          <a:p>
+            <a:pPr marL="0" indent="0">
+              <a:buNone/>
+            </a:pPr>
+            <a:r>
+              <a:rPr lang="en-US" dirty="0" smtClean="0"/>
+              <a:t>If </a:t>
+            </a:r>
+            <a:r>
+              <a:rPr lang="en-US" dirty="0" err="1" smtClean="0"/>
+              <a:t>gwRR</a:t>
+            </a:r>
+            <a:r>
+              <a:rPr lang="en-US" dirty="0" smtClean="0"/>
+              <a:t> variation is reflected by bivalent levels traits)… for each metric</a:t>
+            </a:r>
+          </a:p>
+          <a:p>
+            <a:pPr marL="0" indent="0">
+              <a:buNone/>
+            </a:pPr>
+            <a:r>
+              <a:rPr lang="en-US" dirty="0" smtClean="0"/>
+              <a:t>1. Dom strains will not be different</a:t>
+            </a:r>
+          </a:p>
+          <a:p>
+            <a:pPr marL="0" indent="0">
+              <a:buNone/>
+            </a:pPr>
+            <a:r>
+              <a:rPr lang="en-US" dirty="0" smtClean="0"/>
+              <a:t>2. In </a:t>
+            </a:r>
+            <a:r>
+              <a:rPr lang="en-US" dirty="0" err="1" smtClean="0"/>
+              <a:t>Musc</a:t>
+            </a:r>
+            <a:r>
+              <a:rPr lang="en-US" dirty="0" smtClean="0"/>
+              <a:t>, PWD and SKIVE will be different from others</a:t>
+            </a:r>
+          </a:p>
+          <a:p>
+            <a:pPr marL="0" indent="0">
+              <a:buNone/>
+            </a:pPr>
+            <a:r>
+              <a:rPr lang="en-US" dirty="0" smtClean="0"/>
+              <a:t>3. MSM will be different from MOLF</a:t>
+            </a:r>
+          </a:p>
+          <a:p>
+            <a:pPr marL="0" indent="0">
+              <a:buNone/>
+            </a:pPr>
+            <a:endParaRPr lang="en-US" dirty="0" smtClean="0"/>
+          </a:p>
+          <a:p>
+            <a:pPr marL="0" indent="0">
+              <a:buNone/>
+            </a:pPr>
+            <a:endParaRPr lang="en-US" dirty="0"/>
+          </a:p>
+          <a:p>
+            <a:pPr marL="0" indent="0">
+              <a:buNone/>
+            </a:pPr>
+            <a:r>
+              <a:rPr lang="en-US" dirty="0" smtClean="0"/>
+              <a:t>1. </a:t>
+            </a:r>
+            <a:r>
+              <a:rPr lang="en-US" dirty="0" err="1" smtClean="0"/>
+              <a:t>Mouse.av</a:t>
+            </a:r>
+            <a:r>
+              <a:rPr lang="en-US" dirty="0" smtClean="0"/>
+              <a:t> ~ (mouse | strain)   2. </a:t>
+            </a:r>
+            <a:r>
+              <a:rPr lang="en-US" dirty="0" err="1" smtClean="0"/>
+              <a:t>mouse.av</a:t>
+            </a:r>
+            <a:r>
+              <a:rPr lang="en-US" dirty="0" smtClean="0"/>
+              <a:t> ~ strain</a:t>
+            </a:r>
+            <a:endParaRPr lang="en-US" dirty="0"/>
+          </a:p>
+          <a:p>
+            <a:pPr marL="0" indent="0">
+              <a:buNone/>
+            </a:pPr>
+            <a:r>
+              <a:rPr lang="en-US" dirty="0" smtClean="0"/>
+              <a:t>(should I run this type of model for all (sex * </a:t>
+            </a:r>
+            <a:r>
+              <a:rPr lang="en-US" dirty="0" err="1" smtClean="0"/>
+              <a:t>subsp</a:t>
+            </a:r>
+            <a:r>
+              <a:rPr lang="en-US" dirty="0" smtClean="0"/>
+              <a:t> combos?)</a:t>
+            </a:r>
+            <a:endParaRPr lang="en-US" dirty="0"/>
+          </a:p>
+        </p:txBody>
+      </p:sp>
+    </p:spTree>
+    <p:extLst>
+      <p:ext uri="{BB962C8B-B14F-4D97-AF65-F5344CB8AC3E}">
+        <p14:creationId xmlns:p14="http://schemas.microsoft.com/office/powerpoint/2010/main" val="503701707"/>
+      </p:ext>
+    </p:extLst>
+  </p:cSld>
+  <p:clrMapOvr>
+    <a:masterClrMapping/>
+  </p:clrMapOvr>
+  <p:timing>
+    <p:tnLst>
+      <p:par>
+        <p:cTn id="1" dur="indefinite" restart="never" nodeType="tmRoot"/>
+      </p:par>
+    </p:tnLst>
+  </p:timing>
+</p:sld>
+</file>
+
+<file path=ppt/slides/slide13.xml><?xml version="1.0" encoding="utf-8"?>
+<p:sld xmlns:a="http://schemas.openxmlformats.org/drawingml/2006/main" xmlns:r="http://schemas.openxmlformats.org/officeDocument/2006/relationships" xmlns:p="http://schemas.openxmlformats.org/presentationml/2006/main">
+  <p:cSld>
+    <p:spTree>
+      <p:nvGrpSpPr>
+        <p:cNvPr id="1" name=""/>
+        <p:cNvGrpSpPr/>
+        <p:nvPr/>
+      </p:nvGrpSpPr>
+      <p:grpSpPr>
+        <a:xfrm>
+          <a:off x="0" y="0"/>
+          <a:ext cx="0" cy="0"/>
+          <a:chOff x="0" y="0"/>
+          <a:chExt cx="0" cy="0"/>
+        </a:xfrm>
+      </p:grpSpPr>
+      <p:sp>
+        <p:nvSpPr>
+          <p:cNvPr id="2" name="Title 1"/>
+          <p:cNvSpPr>
+            <a:spLocks noGrp="1"/>
+          </p:cNvSpPr>
+          <p:nvPr>
+            <p:ph type="title"/>
+          </p:nvPr>
+        </p:nvSpPr>
+        <p:spPr/>
+        <p:txBody>
+          <a:bodyPr/>
+          <a:lstStyle/>
+          <a:p>
+            <a:endParaRPr lang="en-US"/>
+          </a:p>
+        </p:txBody>
+      </p:sp>
+      <p:sp>
+        <p:nvSpPr>
+          <p:cNvPr id="3" name="Content Placeholder 2"/>
+          <p:cNvSpPr>
+            <a:spLocks noGrp="1"/>
+          </p:cNvSpPr>
+          <p:nvPr>
+            <p:ph idx="1"/>
+          </p:nvPr>
+        </p:nvSpPr>
+        <p:spPr/>
+        <p:txBody>
+          <a:bodyPr/>
+          <a:lstStyle/>
+          <a:p>
+            <a:r>
+              <a:rPr lang="en-US" dirty="0" smtClean="0"/>
+              <a:t>SC Length</a:t>
+            </a:r>
+          </a:p>
+          <a:p>
+            <a:pPr lvl="1"/>
+            <a:r>
+              <a:rPr lang="en-US" dirty="0" smtClean="0"/>
+              <a:t>1. Dom are different</a:t>
+            </a:r>
+          </a:p>
+          <a:p>
+            <a:pPr lvl="1"/>
+            <a:r>
+              <a:rPr lang="en-US" dirty="0" smtClean="0"/>
+              <a:t>2. </a:t>
+            </a:r>
+            <a:r>
+              <a:rPr lang="en-US" dirty="0" err="1" smtClean="0"/>
+              <a:t>Musc</a:t>
+            </a:r>
+            <a:r>
+              <a:rPr lang="en-US" dirty="0" smtClean="0"/>
+              <a:t> strains? (PWD and SKIVE most different)</a:t>
+            </a:r>
+            <a:endParaRPr lang="en-US" dirty="0"/>
+          </a:p>
+        </p:txBody>
+      </p:sp>
+    </p:spTree>
+    <p:extLst>
+      <p:ext uri="{BB962C8B-B14F-4D97-AF65-F5344CB8AC3E}">
+        <p14:creationId xmlns:p14="http://schemas.microsoft.com/office/powerpoint/2010/main" val="1810967030"/>
+      </p:ext>
+    </p:extLst>
+  </p:cSld>
+  <p:clrMapOvr>
+    <a:masterClrMapping/>
+  </p:clrMapOvr>
+  <p:timing>
+    <p:tnLst>
+      <p:par>
+        <p:cTn id="1" dur="indefinite" restart="never" nodeType="tmRoot"/>
+      </p:par>
+    </p:tnLst>
+  </p:timing>
 </p:sld>
 </file>
 
@@ -3651,12 +5853,12 @@
           </a:p>
           <a:p>
             <a:r>
-              <a:rPr lang="en-US" dirty="0" err="1" smtClean="0"/>
-              <a:t>Bacis</a:t>
-            </a:r>
-            <a:r>
-              <a:rPr lang="en-US" dirty="0" smtClean="0"/>
-              <a:t> frame work – to investigate the patterns of variation and evolution – use Mixed model;</a:t>
+              <a:rPr lang="en-US" dirty="0" smtClean="0"/>
+              <a:t>Basic frame </a:t>
+            </a:r>
+            <a:r>
+              <a:rPr lang="en-US" dirty="0" smtClean="0"/>
+              <a:t>work – to investigate the patterns of variation and evolution – use Mixed model;</a:t>
             </a:r>
           </a:p>
           <a:p>
@@ -3745,6 +5947,145 @@
 </file>
 
 <file path=ppt/slides/slide3.xml><?xml version="1.0" encoding="utf-8"?>
+<p:sld xmlns:a="http://schemas.openxmlformats.org/drawingml/2006/main" xmlns:r="http://schemas.openxmlformats.org/officeDocument/2006/relationships" xmlns:p="http://schemas.openxmlformats.org/presentationml/2006/main">
+  <p:cSld>
+    <p:spTree>
+      <p:nvGrpSpPr>
+        <p:cNvPr id="1" name=""/>
+        <p:cNvGrpSpPr/>
+        <p:nvPr/>
+      </p:nvGrpSpPr>
+      <p:grpSpPr>
+        <a:xfrm>
+          <a:off x="0" y="0"/>
+          <a:ext cx="0" cy="0"/>
+          <a:chOff x="0" y="0"/>
+          <a:chExt cx="0" cy="0"/>
+        </a:xfrm>
+      </p:grpSpPr>
+      <p:sp>
+        <p:nvSpPr>
+          <p:cNvPr id="2" name="Title 1"/>
+          <p:cNvSpPr>
+            <a:spLocks noGrp="1"/>
+          </p:cNvSpPr>
+          <p:nvPr>
+            <p:ph type="title"/>
+          </p:nvPr>
+        </p:nvSpPr>
+        <p:spPr/>
+        <p:txBody>
+          <a:bodyPr/>
+          <a:lstStyle/>
+          <a:p>
+            <a:r>
+              <a:rPr lang="en-US" dirty="0" smtClean="0"/>
+              <a:t>Main models</a:t>
+            </a:r>
+            <a:endParaRPr lang="en-US" dirty="0"/>
+          </a:p>
+        </p:txBody>
+      </p:sp>
+      <p:sp>
+        <p:nvSpPr>
+          <p:cNvPr id="3" name="Content Placeholder 2"/>
+          <p:cNvSpPr>
+            <a:spLocks noGrp="1"/>
+          </p:cNvSpPr>
+          <p:nvPr>
+            <p:ph idx="1"/>
+          </p:nvPr>
+        </p:nvSpPr>
+        <p:spPr/>
+        <p:txBody>
+          <a:bodyPr/>
+          <a:lstStyle/>
+          <a:p>
+            <a:pPr marL="514350" indent="-514350">
+              <a:buAutoNum type="arabicPeriod"/>
+            </a:pPr>
+            <a:r>
+              <a:rPr lang="en-US" dirty="0" smtClean="0"/>
+              <a:t>MLH1 count averages (sex specific effects)</a:t>
+            </a:r>
+          </a:p>
+          <a:p>
+            <a:pPr marL="514350" indent="-514350">
+              <a:buAutoNum type="arabicPeriod"/>
+            </a:pPr>
+            <a:r>
+              <a:rPr lang="en-US" dirty="0" smtClean="0"/>
+              <a:t>MLH1 count variance</a:t>
+            </a:r>
+          </a:p>
+          <a:p>
+            <a:pPr marL="514350" indent="-514350">
+              <a:buAutoNum type="arabicPeriod"/>
+            </a:pPr>
+            <a:r>
+              <a:rPr lang="en-US" dirty="0" err="1" smtClean="0"/>
+              <a:t>Musc</a:t>
+            </a:r>
+            <a:r>
+              <a:rPr lang="en-US" dirty="0" smtClean="0"/>
+              <a:t> male MLH1.av– strain differences?  (post hoc)</a:t>
+            </a:r>
+          </a:p>
+          <a:p>
+            <a:pPr marL="457200" lvl="1" indent="0">
+              <a:buNone/>
+            </a:pPr>
+            <a:r>
+              <a:rPr lang="en-US" dirty="0" smtClean="0"/>
+              <a:t>- Can SKIVE be classified as intermediate to PWD vs others,</a:t>
+            </a:r>
+          </a:p>
+          <a:p>
+            <a:pPr lvl="1">
+              <a:buFontTx/>
+              <a:buChar char="-"/>
+            </a:pPr>
+            <a:r>
+              <a:rPr lang="en-US" dirty="0" smtClean="0"/>
+              <a:t>Which are diff from a ‘low’ level (all) –HOW DO these compare to other DOM</a:t>
+            </a:r>
+          </a:p>
+          <a:p>
+            <a:pPr lvl="1">
+              <a:buFontTx/>
+              <a:buChar char="-"/>
+            </a:pPr>
+            <a:r>
+              <a:rPr lang="en-US" dirty="0" smtClean="0"/>
+              <a:t>Which strains are most different from others</a:t>
+            </a:r>
+            <a:endParaRPr lang="en-US" dirty="0"/>
+          </a:p>
+          <a:p>
+            <a:pPr marL="457200" lvl="1" indent="0">
+              <a:buNone/>
+            </a:pPr>
+            <a:r>
+              <a:rPr lang="en-US" dirty="0" smtClean="0"/>
+              <a:t>-Do these predictions hold for MSM – MOLF comparison?</a:t>
+            </a:r>
+          </a:p>
+        </p:txBody>
+      </p:sp>
+    </p:spTree>
+    <p:extLst>
+      <p:ext uri="{BB962C8B-B14F-4D97-AF65-F5344CB8AC3E}">
+        <p14:creationId xmlns:p14="http://schemas.microsoft.com/office/powerpoint/2010/main" val="3968559363"/>
+      </p:ext>
+    </p:extLst>
+  </p:cSld>
+  <p:clrMapOvr>
+    <a:masterClrMapping/>
+  </p:clrMapOvr>
+</p:sld>
+</file>
+
+<file path=ppt/slides/slide4.xml><?xml version="1.0" encoding="utf-8"?>
 <p:sld xmlns:a="http://schemas.openxmlformats.org/drawingml/2006/main" xmlns:r="http://schemas.openxmlformats.org/officeDocument/2006/relationships" xmlns:p="http://schemas.openxmlformats.org/presentationml/2006/main">
   <p:cSld>
     <p:spTree>
@@ -4051,93 +6392,6 @@
 </p:sld>
 </file>
 
-<file path=ppt/slides/slide4.xml><?xml version="1.0" encoding="utf-8"?>
-<p:sld xmlns:a="http://schemas.openxmlformats.org/drawingml/2006/main" xmlns:r="http://schemas.openxmlformats.org/officeDocument/2006/relationships" xmlns:p="http://schemas.openxmlformats.org/presentationml/2006/main">
-  <p:cSld>
-    <p:spTree>
-      <p:nvGrpSpPr>
-        <p:cNvPr id="1" name=""/>
-        <p:cNvGrpSpPr/>
-        <p:nvPr/>
-      </p:nvGrpSpPr>
-      <p:grpSpPr>
-        <a:xfrm>
-          <a:off x="0" y="0"/>
-          <a:ext cx="0" cy="0"/>
-          <a:chOff x="0" y="0"/>
-          <a:chExt cx="0" cy="0"/>
-        </a:xfrm>
-      </p:grpSpPr>
-      <p:sp>
-        <p:nvSpPr>
-          <p:cNvPr id="2" name="Title 1"/>
-          <p:cNvSpPr>
-            <a:spLocks noGrp="1"/>
-          </p:cNvSpPr>
-          <p:nvPr>
-            <p:ph type="title"/>
-          </p:nvPr>
-        </p:nvSpPr>
-        <p:spPr/>
-        <p:txBody>
-          <a:bodyPr/>
-          <a:lstStyle/>
-          <a:p>
-            <a:r>
-              <a:rPr lang="en-US" dirty="0" smtClean="0"/>
-              <a:t>Chromosome proportions</a:t>
-            </a:r>
-            <a:endParaRPr lang="en-US" dirty="0"/>
-          </a:p>
-        </p:txBody>
-      </p:sp>
-      <p:sp>
-        <p:nvSpPr>
-          <p:cNvPr id="3" name="Content Placeholder 2"/>
-          <p:cNvSpPr>
-            <a:spLocks noGrp="1"/>
-          </p:cNvSpPr>
-          <p:nvPr>
-            <p:ph idx="1"/>
-          </p:nvPr>
-        </p:nvSpPr>
-        <p:spPr/>
-        <p:txBody>
-          <a:bodyPr/>
-          <a:lstStyle/>
-          <a:p>
-            <a:r>
-              <a:rPr lang="en-US" dirty="0" smtClean="0"/>
-              <a:t>(genome wide rate supported by chromosome level observations)</a:t>
-            </a:r>
-          </a:p>
-          <a:p>
-            <a:r>
-              <a:rPr lang="en-US" dirty="0" smtClean="0"/>
-              <a:t>(test?)</a:t>
-            </a:r>
-          </a:p>
-          <a:p>
-            <a:endParaRPr lang="en-US" dirty="0"/>
-          </a:p>
-          <a:p>
-            <a:endParaRPr lang="en-US" dirty="0"/>
-          </a:p>
-        </p:txBody>
-      </p:sp>
-    </p:spTree>
-    <p:extLst>
-      <p:ext uri="{BB962C8B-B14F-4D97-AF65-F5344CB8AC3E}">
-        <p14:creationId xmlns:p14="http://schemas.microsoft.com/office/powerpoint/2010/main" val="3788419076"/>
-      </p:ext>
-    </p:extLst>
-  </p:cSld>
-  <p:clrMapOvr>
-    <a:masterClrMapping/>
-  </p:clrMapOvr>
-</p:sld>
-</file>
-
 <file path=ppt/slides/slide5.xml><?xml version="1.0" encoding="utf-8"?>
 <p:sld xmlns:a="http://schemas.openxmlformats.org/drawingml/2006/main" xmlns:r="http://schemas.openxmlformats.org/officeDocument/2006/relationships" xmlns:p="http://schemas.openxmlformats.org/presentationml/2006/main">
   <p:cSld>
@@ -4172,15 +6426,7 @@
           <a:p>
             <a:r>
               <a:rPr lang="en-US" dirty="0" smtClean="0"/>
-              <a:t>Single </a:t>
-            </a:r>
-            <a:r>
-              <a:rPr lang="en-US" dirty="0" err="1" smtClean="0"/>
-              <a:t>Biv</a:t>
-            </a:r>
-            <a:r>
-              <a:rPr lang="en-US" dirty="0" smtClean="0"/>
-              <a:t> (background?)</a:t>
+              <a:t>Chromosome proportions</a:t>
             </a:r>
             <a:endParaRPr lang="en-US" dirty="0"/>
           </a:p>
@@ -4198,93 +6444,45 @@
         </p:nvSpPr>
         <p:spPr/>
         <p:txBody>
-          <a:bodyPr>
-            <a:normAutofit/>
-          </a:bodyPr>
-          <a:lstStyle/>
-          <a:p>
-            <a:pPr marL="0" indent="0">
-              <a:buNone/>
-            </a:pPr>
-            <a:r>
-              <a:rPr lang="en-US" dirty="0" smtClean="0"/>
-              <a:t>-BRIEF, description of data</a:t>
-            </a:r>
-          </a:p>
-          <a:p>
-            <a:pPr marL="0" indent="0">
-              <a:buNone/>
-            </a:pPr>
+          <a:bodyPr/>
+          <a:lstStyle/>
+          <a:p>
+            <a:r>
+              <a:rPr lang="en-US" dirty="0" smtClean="0"/>
+              <a:t>(genome wide rate supported by chromosome level observations)</a:t>
+            </a:r>
+          </a:p>
+          <a:p>
+            <a:r>
+              <a:rPr lang="en-US" dirty="0" smtClean="0"/>
+              <a:t>(test?)</a:t>
+            </a:r>
+          </a:p>
+          <a:p>
             <a:endParaRPr lang="en-US" dirty="0"/>
           </a:p>
           <a:p>
-            <a:pPr marL="0" indent="0">
-              <a:buNone/>
-            </a:pPr>
-            <a:r>
-              <a:rPr lang="en-US" dirty="0" smtClean="0"/>
-              <a:t>2 main questions</a:t>
-            </a:r>
             <a:endParaRPr lang="en-US" dirty="0"/>
-          </a:p>
-          <a:p>
-            <a:r>
-              <a:rPr lang="en-US" dirty="0" err="1"/>
-              <a:t>i</a:t>
-            </a:r>
-            <a:r>
-              <a:rPr lang="en-US" dirty="0"/>
-              <a:t>) What are the main differences between males and </a:t>
-            </a:r>
-            <a:r>
-              <a:rPr lang="en-US" dirty="0" smtClean="0"/>
-              <a:t>females?</a:t>
-            </a:r>
-            <a:endParaRPr lang="en-US" b="0" dirty="0" smtClean="0">
-              <a:effectLst/>
-            </a:endParaRPr>
-          </a:p>
-          <a:p>
-            <a:r>
-              <a:rPr lang="en-US" dirty="0"/>
-              <a:t>ii) what are the differences between high </a:t>
-            </a:r>
-            <a:r>
-              <a:rPr lang="en-US" dirty="0" err="1"/>
-              <a:t>musc</a:t>
-            </a:r>
-            <a:r>
-              <a:rPr lang="en-US" dirty="0"/>
-              <a:t> and low </a:t>
-            </a:r>
-            <a:r>
-              <a:rPr lang="en-US" dirty="0" err="1"/>
-              <a:t>musc</a:t>
-            </a:r>
-            <a:r>
-              <a:rPr lang="en-US" dirty="0"/>
-              <a:t> </a:t>
-            </a:r>
-            <a:r>
-              <a:rPr lang="en-US" dirty="0" smtClean="0"/>
-              <a:t>strain?</a:t>
-            </a:r>
-            <a:endParaRPr lang="en-US" b="0" dirty="0" smtClean="0">
-              <a:effectLst/>
-            </a:endParaRPr>
           </a:p>
         </p:txBody>
       </p:sp>
     </p:spTree>
     <p:extLst>
       <p:ext uri="{BB962C8B-B14F-4D97-AF65-F5344CB8AC3E}">
-        <p14:creationId xmlns:p14="http://schemas.microsoft.com/office/powerpoint/2010/main" val="2833730430"/>
+        <p14:creationId xmlns:p14="http://schemas.microsoft.com/office/powerpoint/2010/main" val="3788419076"/>
       </p:ext>
     </p:extLst>
   </p:cSld>
   <p:clrMapOvr>
     <a:masterClrMapping/>
   </p:clrMapOvr>
+  <p:timing>
+    <p:tnLst>
+      <p:par>
+        <p:cTn id="1" dur="indefinite" restart="never" nodeType="tmRoot"/>
+      </p:par>
+    </p:tnLst>
+  </p:timing>
 </p:sld>
 </file>
 
@@ -4322,7 +6520,11 @@
           <a:p>
             <a:r>
               <a:rPr lang="en-US" dirty="0" smtClean="0"/>
-              <a:t>Predictions for Q1, differences between sexes</a:t>
+              <a:t>Single </a:t>
+            </a:r>
+            <a:r>
+              <a:rPr lang="en-US" dirty="0" smtClean="0"/>
+              <a:t>Bivalent patterns</a:t>
             </a:r>
             <a:endParaRPr lang="en-US" dirty="0"/>
           </a:p>
@@ -4340,64 +6542,151 @@
         </p:nvSpPr>
         <p:spPr/>
         <p:txBody>
-          <a:bodyPr/>
-          <a:lstStyle/>
-          <a:p>
-            <a:r>
-              <a:rPr lang="en-US" dirty="0" smtClean="0"/>
-              <a:t>3 flavors of traits</a:t>
+          <a:bodyPr>
+            <a:normAutofit fontScale="92500" lnSpcReduction="20000"/>
+          </a:bodyPr>
+          <a:lstStyle/>
+          <a:p>
+            <a:pPr marL="0" indent="0">
+              <a:buNone/>
+            </a:pPr>
+            <a:r>
+              <a:rPr lang="en-US" dirty="0" smtClean="0"/>
+              <a:t>(example of segmented cell)</a:t>
+            </a:r>
+          </a:p>
+          <a:p>
+            <a:pPr marL="0" indent="0">
+              <a:buNone/>
+            </a:pPr>
+            <a:r>
+              <a:rPr lang="en-US" dirty="0" smtClean="0"/>
+              <a:t>-</a:t>
+            </a:r>
+            <a:r>
+              <a:rPr lang="en-US" dirty="0" smtClean="0"/>
+              <a:t>BRIEF, description of </a:t>
+            </a:r>
+            <a:r>
+              <a:rPr lang="en-US" dirty="0" smtClean="0"/>
+              <a:t>data,  ()</a:t>
+            </a:r>
+            <a:endParaRPr lang="en-US" dirty="0" smtClean="0"/>
+          </a:p>
+          <a:p>
+            <a:pPr marL="0" indent="0">
+              <a:buNone/>
+            </a:pPr>
+            <a:endParaRPr lang="en-US" dirty="0" smtClean="0"/>
+          </a:p>
+          <a:p>
+            <a:pPr marL="0" indent="0">
+              <a:buNone/>
+            </a:pPr>
+            <a:r>
+              <a:rPr lang="en-US" dirty="0" smtClean="0"/>
+              <a:t>Driving questions</a:t>
+            </a:r>
+            <a:endParaRPr lang="en-US" dirty="0"/>
+          </a:p>
+          <a:p>
+            <a:r>
+              <a:rPr lang="en-US" dirty="0" err="1" smtClean="0"/>
+              <a:t>i</a:t>
+            </a:r>
+            <a:r>
+              <a:rPr lang="en-US" dirty="0"/>
+              <a:t>) What are the main differences between males and </a:t>
+            </a:r>
+            <a:r>
+              <a:rPr lang="en-US" dirty="0" smtClean="0"/>
+              <a:t>females?</a:t>
+            </a:r>
+            <a:endParaRPr lang="en-US" dirty="0" smtClean="0">
+              <a:effectLst/>
+            </a:endParaRPr>
+          </a:p>
+          <a:p>
+            <a:r>
+              <a:rPr lang="en-US" dirty="0"/>
+              <a:t>ii) </a:t>
+            </a:r>
+            <a:r>
+              <a:rPr lang="en-US" dirty="0" smtClean="0"/>
+              <a:t>What </a:t>
+            </a:r>
+            <a:r>
+              <a:rPr lang="en-US" dirty="0"/>
+              <a:t>are the differences between high </a:t>
+            </a:r>
+            <a:r>
+              <a:rPr lang="en-US" dirty="0" err="1"/>
+              <a:t>musc</a:t>
+            </a:r>
+            <a:r>
+              <a:rPr lang="en-US" dirty="0"/>
+              <a:t> and low </a:t>
+            </a:r>
+            <a:r>
+              <a:rPr lang="en-US" dirty="0" err="1"/>
+              <a:t>musc</a:t>
+            </a:r>
+            <a:r>
+              <a:rPr lang="en-US" dirty="0"/>
+              <a:t> </a:t>
+            </a:r>
+            <a:r>
+              <a:rPr lang="en-US" dirty="0" smtClean="0"/>
+              <a:t>strain</a:t>
+            </a:r>
+            <a:r>
+              <a:rPr lang="en-US" dirty="0" smtClean="0"/>
+              <a:t>?</a:t>
+            </a:r>
+          </a:p>
+          <a:p>
+            <a:endParaRPr lang="en-US" dirty="0">
+              <a:effectLst/>
+            </a:endParaRPr>
+          </a:p>
+          <a:p>
+            <a:r>
+              <a:rPr lang="en-US" dirty="0"/>
+              <a:t>3 types of metrics</a:t>
             </a:r>
           </a:p>
           <a:p>
             <a:pPr lvl="1"/>
             <a:r>
-              <a:rPr lang="en-US" dirty="0" smtClean="0"/>
+              <a:rPr lang="en-US" dirty="0"/>
               <a:t>1. Length of individual bivalents (SC signal) </a:t>
             </a:r>
           </a:p>
           <a:p>
             <a:pPr lvl="1"/>
             <a:r>
-              <a:rPr lang="en-US" dirty="0" smtClean="0"/>
-              <a:t>2. Position of single CO on a </a:t>
-            </a:r>
-            <a:r>
-              <a:rPr lang="en-US" dirty="0" err="1" smtClean="0"/>
-              <a:t>biv</a:t>
-            </a:r>
-            <a:r>
-              <a:rPr lang="en-US" dirty="0" smtClean="0"/>
-              <a:t> </a:t>
+              <a:rPr lang="en-US" dirty="0"/>
+              <a:t>2. Position of single CO on a bivalent</a:t>
             </a:r>
           </a:p>
           <a:p>
             <a:pPr lvl="1"/>
             <a:r>
-              <a:rPr lang="en-US" dirty="0" smtClean="0"/>
-              <a:t>3. </a:t>
-            </a:r>
-            <a:r>
-              <a:rPr lang="en-US" dirty="0" smtClean="0"/>
-              <a:t>Interference strength (interfocal distance)</a:t>
-            </a:r>
-            <a:endParaRPr lang="en-US" dirty="0"/>
-          </a:p>
-          <a:p>
-            <a:r>
-              <a:rPr lang="en-US" dirty="0" smtClean="0"/>
-              <a:t>Summarize and condense any of the connected predictions</a:t>
-            </a:r>
-          </a:p>
-          <a:p>
-            <a:endParaRPr lang="en-US" dirty="0"/>
-          </a:p>
-          <a:p>
-            <a:r>
-              <a:rPr lang="en-US" dirty="0" smtClean="0"/>
-              <a:t>(mixed model (just like MLH1) – test if fixed effect is significant</a:t>
-            </a:r>
-          </a:p>
-          <a:p>
+              <a:rPr lang="en-US" dirty="0"/>
+              <a:t>3. Interference strength (</a:t>
+            </a:r>
+            <a:r>
+              <a:rPr lang="en-US" dirty="0" err="1"/>
+              <a:t>interfocal</a:t>
+            </a:r>
+            <a:r>
+              <a:rPr lang="en-US" dirty="0"/>
+              <a:t> distance</a:t>
+            </a:r>
+            <a:r>
+              <a:rPr lang="en-US" dirty="0" smtClean="0"/>
+              <a:t>)</a:t>
+            </a:r>
             <a:endParaRPr lang="en-US" dirty="0"/>
           </a:p>
         </p:txBody>
@@ -4405,13 +6694,437 @@
     </p:spTree>
     <p:extLst>
       <p:ext uri="{BB962C8B-B14F-4D97-AF65-F5344CB8AC3E}">
-        <p14:creationId xmlns:p14="http://schemas.microsoft.com/office/powerpoint/2010/main" val="845236884"/>
+        <p14:creationId xmlns:p14="http://schemas.microsoft.com/office/powerpoint/2010/main" val="2833730430"/>
       </p:ext>
     </p:extLst>
   </p:cSld>
   <p:clrMapOvr>
     <a:masterClrMapping/>
   </p:clrMapOvr>
+  <p:timing>
+    <p:tnLst>
+      <p:par>
+        <p:cTn id="1" dur="indefinite" restart="never" nodeType="tmRoot">
+          <p:childTnLst>
+            <p:seq concurrent="1" nextAc="seek">
+              <p:cTn id="2" dur="indefinite" nodeType="mainSeq">
+                <p:childTnLst>
+                  <p:par>
+                    <p:cTn id="3" fill="hold">
+                      <p:stCondLst>
+                        <p:cond delay="indefinite"/>
+                      </p:stCondLst>
+                      <p:childTnLst>
+                        <p:par>
+                          <p:cTn id="4" fill="hold">
+                            <p:stCondLst>
+                              <p:cond delay="0"/>
+                            </p:stCondLst>
+                            <p:childTnLst>
+                              <p:par>
+                                <p:cTn id="5" presetID="1" presetClass="entr" presetSubtype="0" fill="hold" nodeType="clickEffect">
+                                  <p:stCondLst>
+                                    <p:cond delay="0"/>
+                                  </p:stCondLst>
+                                  <p:childTnLst>
+                                    <p:set>
+                                      <p:cBhvr>
+                                        <p:cTn id="6" dur="1" fill="hold">
+                                          <p:stCondLst>
+                                            <p:cond delay="0"/>
+                                          </p:stCondLst>
+                                        </p:cTn>
+                                        <p:tgtEl>
+                                          <p:spTgt spid="3">
+                                            <p:txEl>
+                                              <p:pRg st="3" end="3"/>
+                                            </p:txEl>
+                                          </p:spTgt>
+                                        </p:tgtEl>
+                                        <p:attrNameLst>
+                                          <p:attrName>style.visibility</p:attrName>
+                                        </p:attrNameLst>
+                                      </p:cBhvr>
+                                      <p:to>
+                                        <p:strVal val="visible"/>
+                                      </p:to>
+                                    </p:set>
+                                  </p:childTnLst>
+                                </p:cTn>
+                              </p:par>
+                            </p:childTnLst>
+                          </p:cTn>
+                        </p:par>
+                      </p:childTnLst>
+                    </p:cTn>
+                  </p:par>
+                  <p:par>
+                    <p:cTn id="7" fill="hold">
+                      <p:stCondLst>
+                        <p:cond delay="indefinite"/>
+                      </p:stCondLst>
+                      <p:childTnLst>
+                        <p:par>
+                          <p:cTn id="8" fill="hold">
+                            <p:stCondLst>
+                              <p:cond delay="0"/>
+                            </p:stCondLst>
+                            <p:childTnLst>
+                              <p:par>
+                                <p:cTn id="9" presetID="1" presetClass="entr" presetSubtype="0" fill="hold" nodeType="clickEffect">
+                                  <p:stCondLst>
+                                    <p:cond delay="0"/>
+                                  </p:stCondLst>
+                                  <p:iterate type="lt">
+                                    <p:tmAbs val="0"/>
+                                  </p:iterate>
+                                  <p:childTnLst>
+                                    <p:set>
+                                      <p:cBhvr>
+                                        <p:cTn id="10" dur="1" fill="hold">
+                                          <p:stCondLst>
+                                            <p:cond delay="0"/>
+                                          </p:stCondLst>
+                                        </p:cTn>
+                                        <p:tgtEl>
+                                          <p:spTgt spid="3">
+                                            <p:txEl>
+                                              <p:pRg st="4" end="4"/>
+                                            </p:txEl>
+                                          </p:spTgt>
+                                        </p:tgtEl>
+                                        <p:attrNameLst>
+                                          <p:attrName>style.visibility</p:attrName>
+                                        </p:attrNameLst>
+                                      </p:cBhvr>
+                                      <p:to>
+                                        <p:strVal val="visible"/>
+                                      </p:to>
+                                    </p:set>
+                                  </p:childTnLst>
+                                </p:cTn>
+                              </p:par>
+                            </p:childTnLst>
+                          </p:cTn>
+                        </p:par>
+                      </p:childTnLst>
+                    </p:cTn>
+                  </p:par>
+                  <p:par>
+                    <p:cTn id="11" fill="hold">
+                      <p:stCondLst>
+                        <p:cond delay="indefinite"/>
+                      </p:stCondLst>
+                      <p:childTnLst>
+                        <p:par>
+                          <p:cTn id="12" fill="hold">
+                            <p:stCondLst>
+                              <p:cond delay="0"/>
+                            </p:stCondLst>
+                            <p:childTnLst>
+                              <p:par>
+                                <p:cTn id="13" presetID="1" presetClass="entr" presetSubtype="0" fill="hold" nodeType="clickEffect">
+                                  <p:stCondLst>
+                                    <p:cond delay="0"/>
+                                  </p:stCondLst>
+                                  <p:childTnLst>
+                                    <p:set>
+                                      <p:cBhvr>
+                                        <p:cTn id="14" dur="1" fill="hold">
+                                          <p:stCondLst>
+                                            <p:cond delay="0"/>
+                                          </p:stCondLst>
+                                        </p:cTn>
+                                        <p:tgtEl>
+                                          <p:spTgt spid="3">
+                                            <p:txEl>
+                                              <p:pRg st="5" end="5"/>
+                                            </p:txEl>
+                                          </p:spTgt>
+                                        </p:tgtEl>
+                                        <p:attrNameLst>
+                                          <p:attrName>style.visibility</p:attrName>
+                                        </p:attrNameLst>
+                                      </p:cBhvr>
+                                      <p:to>
+                                        <p:strVal val="visible"/>
+                                      </p:to>
+                                    </p:set>
+                                  </p:childTnLst>
+                                </p:cTn>
+                              </p:par>
+                            </p:childTnLst>
+                          </p:cTn>
+                        </p:par>
+                      </p:childTnLst>
+                    </p:cTn>
+                  </p:par>
+                  <p:par>
+                    <p:cTn id="15" fill="hold">
+                      <p:stCondLst>
+                        <p:cond delay="indefinite"/>
+                      </p:stCondLst>
+                      <p:childTnLst>
+                        <p:par>
+                          <p:cTn id="16" fill="hold">
+                            <p:stCondLst>
+                              <p:cond delay="0"/>
+                            </p:stCondLst>
+                            <p:childTnLst>
+                              <p:par>
+                                <p:cTn id="17" presetID="1" presetClass="entr" presetSubtype="0" fill="hold" nodeType="clickEffect">
+                                  <p:stCondLst>
+                                    <p:cond delay="0"/>
+                                  </p:stCondLst>
+                                  <p:childTnLst>
+                                    <p:set>
+                                      <p:cBhvr>
+                                        <p:cTn id="18" dur="1" fill="hold">
+                                          <p:stCondLst>
+                                            <p:cond delay="0"/>
+                                          </p:stCondLst>
+                                        </p:cTn>
+                                        <p:tgtEl>
+                                          <p:spTgt spid="3">
+                                            <p:txEl>
+                                              <p:pRg st="7" end="7"/>
+                                            </p:txEl>
+                                          </p:spTgt>
+                                        </p:tgtEl>
+                                        <p:attrNameLst>
+                                          <p:attrName>style.visibility</p:attrName>
+                                        </p:attrNameLst>
+                                      </p:cBhvr>
+                                      <p:to>
+                                        <p:strVal val="visible"/>
+                                      </p:to>
+                                    </p:set>
+                                  </p:childTnLst>
+                                </p:cTn>
+                              </p:par>
+                            </p:childTnLst>
+                          </p:cTn>
+                        </p:par>
+                      </p:childTnLst>
+                    </p:cTn>
+                  </p:par>
+                  <p:par>
+                    <p:cTn id="19" fill="hold">
+                      <p:stCondLst>
+                        <p:cond delay="indefinite"/>
+                      </p:stCondLst>
+                      <p:childTnLst>
+                        <p:par>
+                          <p:cTn id="20" fill="hold">
+                            <p:stCondLst>
+                              <p:cond delay="0"/>
+                            </p:stCondLst>
+                            <p:childTnLst>
+                              <p:par>
+                                <p:cTn id="21" presetID="1" presetClass="entr" presetSubtype="0" fill="hold" nodeType="clickEffect">
+                                  <p:stCondLst>
+                                    <p:cond delay="0"/>
+                                  </p:stCondLst>
+                                  <p:childTnLst>
+                                    <p:set>
+                                      <p:cBhvr>
+                                        <p:cTn id="22" dur="1" fill="hold">
+                                          <p:stCondLst>
+                                            <p:cond delay="0"/>
+                                          </p:stCondLst>
+                                        </p:cTn>
+                                        <p:tgtEl>
+                                          <p:spTgt spid="3">
+                                            <p:txEl>
+                                              <p:pRg st="8" end="8"/>
+                                            </p:txEl>
+                                          </p:spTgt>
+                                        </p:tgtEl>
+                                        <p:attrNameLst>
+                                          <p:attrName>style.visibility</p:attrName>
+                                        </p:attrNameLst>
+                                      </p:cBhvr>
+                                      <p:to>
+                                        <p:strVal val="visible"/>
+                                      </p:to>
+                                    </p:set>
+                                  </p:childTnLst>
+                                </p:cTn>
+                              </p:par>
+                            </p:childTnLst>
+                          </p:cTn>
+                        </p:par>
+                      </p:childTnLst>
+                    </p:cTn>
+                  </p:par>
+                  <p:par>
+                    <p:cTn id="23" fill="hold">
+                      <p:stCondLst>
+                        <p:cond delay="indefinite"/>
+                      </p:stCondLst>
+                      <p:childTnLst>
+                        <p:par>
+                          <p:cTn id="24" fill="hold">
+                            <p:stCondLst>
+                              <p:cond delay="0"/>
+                            </p:stCondLst>
+                            <p:childTnLst>
+                              <p:par>
+                                <p:cTn id="25" presetID="1" presetClass="entr" presetSubtype="0" fill="hold" nodeType="clickEffect">
+                                  <p:stCondLst>
+                                    <p:cond delay="0"/>
+                                  </p:stCondLst>
+                                  <p:childTnLst>
+                                    <p:set>
+                                      <p:cBhvr>
+                                        <p:cTn id="26" dur="1" fill="hold">
+                                          <p:stCondLst>
+                                            <p:cond delay="0"/>
+                                          </p:stCondLst>
+                                        </p:cTn>
+                                        <p:tgtEl>
+                                          <p:spTgt spid="3">
+                                            <p:txEl>
+                                              <p:pRg st="9" end="9"/>
+                                            </p:txEl>
+                                          </p:spTgt>
+                                        </p:tgtEl>
+                                        <p:attrNameLst>
+                                          <p:attrName>style.visibility</p:attrName>
+                                        </p:attrNameLst>
+                                      </p:cBhvr>
+                                      <p:to>
+                                        <p:strVal val="visible"/>
+                                      </p:to>
+                                    </p:set>
+                                  </p:childTnLst>
+                                </p:cTn>
+                              </p:par>
+                            </p:childTnLst>
+                          </p:cTn>
+                        </p:par>
+                      </p:childTnLst>
+                    </p:cTn>
+                  </p:par>
+                  <p:par>
+                    <p:cTn id="27" fill="hold">
+                      <p:stCondLst>
+                        <p:cond delay="indefinite"/>
+                      </p:stCondLst>
+                      <p:childTnLst>
+                        <p:par>
+                          <p:cTn id="28" fill="hold">
+                            <p:stCondLst>
+                              <p:cond delay="0"/>
+                            </p:stCondLst>
+                            <p:childTnLst>
+                              <p:par>
+                                <p:cTn id="29" presetID="1" presetClass="entr" presetSubtype="0" fill="hold" nodeType="clickEffect">
+                                  <p:stCondLst>
+                                    <p:cond delay="0"/>
+                                  </p:stCondLst>
+                                  <p:childTnLst>
+                                    <p:set>
+                                      <p:cBhvr>
+                                        <p:cTn id="30" dur="1" fill="hold">
+                                          <p:stCondLst>
+                                            <p:cond delay="0"/>
+                                          </p:stCondLst>
+                                        </p:cTn>
+                                        <p:tgtEl>
+                                          <p:spTgt spid="3">
+                                            <p:txEl>
+                                              <p:pRg st="10" end="10"/>
+                                            </p:txEl>
+                                          </p:spTgt>
+                                        </p:tgtEl>
+                                        <p:attrNameLst>
+                                          <p:attrName>style.visibility</p:attrName>
+                                        </p:attrNameLst>
+                                      </p:cBhvr>
+                                      <p:to>
+                                        <p:strVal val="visible"/>
+                                      </p:to>
+                                    </p:set>
+                                  </p:childTnLst>
+                                </p:cTn>
+                              </p:par>
+                            </p:childTnLst>
+                          </p:cTn>
+                        </p:par>
+                      </p:childTnLst>
+                    </p:cTn>
+                  </p:par>
+                  <p:par>
+                    <p:cTn id="31" fill="hold">
+                      <p:stCondLst>
+                        <p:cond delay="indefinite"/>
+                      </p:stCondLst>
+                      <p:childTnLst>
+                        <p:par>
+                          <p:cTn id="32" fill="hold">
+                            <p:stCondLst>
+                              <p:cond delay="0"/>
+                            </p:stCondLst>
+                            <p:childTnLst>
+                              <p:par>
+                                <p:cTn id="33" presetID="18" presetClass="emph" presetSubtype="0" fill="hold" nodeType="clickEffect">
+                                  <p:stCondLst>
+                                    <p:cond delay="0"/>
+                                  </p:stCondLst>
+                                  <p:iterate type="lt">
+                                    <p:tmPct val="4000"/>
+                                  </p:iterate>
+                                  <p:childTnLst>
+                                    <p:set>
+                                      <p:cBhvr override="childStyle">
+                                        <p:cTn id="34" dur="500" fill="hold"/>
+                                        <p:tgtEl>
+                                          <p:spTgt spid="3">
+                                            <p:txEl>
+                                              <p:pRg st="4" end="4"/>
+                                            </p:txEl>
+                                          </p:spTgt>
+                                        </p:tgtEl>
+                                        <p:attrNameLst>
+                                          <p:attrName>style.textDecorationUnderline</p:attrName>
+                                        </p:attrNameLst>
+                                      </p:cBhvr>
+                                      <p:to>
+                                        <p:strVal val="true"/>
+                                      </p:to>
+                                    </p:set>
+                                  </p:childTnLst>
+                                </p:cTn>
+                              </p:par>
+                            </p:childTnLst>
+                          </p:cTn>
+                        </p:par>
+                      </p:childTnLst>
+                    </p:cTn>
+                  </p:par>
+                </p:childTnLst>
+              </p:cTn>
+              <p:prevCondLst>
+                <p:cond evt="onPrev" delay="0">
+                  <p:tgtEl>
+                    <p:sldTgt/>
+                  </p:tgtEl>
+                </p:cond>
+              </p:prevCondLst>
+              <p:nextCondLst>
+                <p:cond evt="onNext" delay="0">
+                  <p:tgtEl>
+                    <p:sldTgt/>
+                  </p:tgtEl>
+                </p:cond>
+              </p:nextCondLst>
+            </p:seq>
+          </p:childTnLst>
+        </p:cTn>
+      </p:par>
+    </p:tnLst>
+  </p:timing>
 </p:sld>
 </file>
 
@@ -4447,7 +7160,11 @@
           <a:bodyPr/>
           <a:lstStyle/>
           <a:p>
-            <a:endParaRPr lang="en-US"/>
+            <a:r>
+              <a:rPr lang="en-US" dirty="0"/>
+              <a:t>Predictions for differences between sexes</a:t>
+            </a:r>
+            <a:endParaRPr lang="en-US" dirty="0"/>
           </a:p>
         </p:txBody>
       </p:sp>
@@ -4553,6 +7270,13 @@
   <p:clrMapOvr>
     <a:masterClrMapping/>
   </p:clrMapOvr>
+  <p:timing>
+    <p:tnLst>
+      <p:par>
+        <p:cTn id="1" dur="indefinite" restart="never" nodeType="tmRoot"/>
+      </p:par>
+    </p:tnLst>
+  </p:timing>
 </p:sld>
 </file>
 
@@ -4589,8 +7313,20 @@
           <a:lstStyle/>
           <a:p>
             <a:r>
-              <a:rPr lang="en-US" dirty="0" smtClean="0"/>
-              <a:t>results</a:t>
+              <a:rPr lang="en-US" dirty="0" err="1" smtClean="0"/>
+              <a:t>BivData</a:t>
+            </a:r>
+            <a:r>
+              <a:rPr lang="en-US" dirty="0" smtClean="0"/>
+              <a:t> </a:t>
+            </a:r>
+            <a:r>
+              <a:rPr lang="en-US" dirty="0"/>
+              <a:t>S</a:t>
+            </a:r>
+            <a:r>
+              <a:rPr lang="en-US" dirty="0" smtClean="0"/>
+              <a:t>ex Specific Results</a:t>
             </a:r>
             <a:endParaRPr lang="en-US" dirty="0"/>
           </a:p>
@@ -4615,7 +7351,7 @@
         </p:spPr>
         <p:txBody>
           <a:bodyPr vert="horz" lIns="91440" tIns="45720" rIns="91440" bIns="45720" rtlCol="0">
-            <a:normAutofit/>
+            <a:normAutofit lnSpcReduction="10000"/>
           </a:bodyPr>
           <a:lstStyle>
             <a:lvl1pPr marL="228600" indent="-228600" algn="l" defTabSz="914400" rtl="0" eaLnBrk="1" latinLnBrk="0" hangingPunct="1">
@@ -4787,7 +7523,26 @@
             </a:pPr>
             <a:r>
               <a:rPr lang="en-US" dirty="0" smtClean="0"/>
-              <a:t>1.</a:t>
+              <a:t>(tests used – the same mixed model)</a:t>
+            </a:r>
+          </a:p>
+          <a:p>
+            <a:pPr marL="0" indent="0">
+              <a:buNone/>
+            </a:pPr>
+            <a:endParaRPr lang="en-US" dirty="0"/>
+          </a:p>
+          <a:p>
+            <a:pPr marL="0" indent="0">
+              <a:buNone/>
+            </a:pPr>
+            <a:r>
+              <a:rPr lang="en-US" dirty="0" smtClean="0"/>
+              <a:t>1</a:t>
+            </a:r>
+            <a:r>
+              <a:rPr lang="en-US" dirty="0" smtClean="0"/>
+              <a:t>.</a:t>
             </a:r>
             <a:r>
               <a:rPr lang="en-US" b="1" i="1" dirty="0" smtClean="0"/>
@@ -4801,7 +7556,11 @@
             </a:pPr>
             <a:r>
               <a:rPr lang="en-US" dirty="0" smtClean="0"/>
-              <a:t>2.. </a:t>
+              <a:t>2</a:t>
+            </a:r>
+            <a:r>
+              <a:rPr lang="en-US" dirty="0" smtClean="0"/>
+              <a:t>. </a:t>
             </a:r>
             <a:r>
               <a:rPr lang="en-US" b="1" i="1" dirty="0" smtClean="0"/>
@@ -4846,7 +7605,7 @@
         </p:blipFill>
         <p:spPr>
           <a:xfrm>
-            <a:off x="6743700" y="1690688"/>
+            <a:off x="6743699" y="2615429"/>
             <a:ext cx="628650" cy="590550"/>
           </a:xfrm>
           <a:prstGeom prst="rect">
@@ -4870,7 +7629,7 @@
         </p:blipFill>
         <p:spPr>
           <a:xfrm>
-            <a:off x="8966688" y="2281238"/>
+            <a:off x="9025324" y="3091543"/>
             <a:ext cx="628650" cy="590550"/>
           </a:xfrm>
           <a:prstGeom prst="rect">
@@ -4894,7 +7653,7 @@
         </p:blipFill>
         <p:spPr>
           <a:xfrm>
-            <a:off x="9901116" y="3067050"/>
+            <a:off x="10151076" y="3835854"/>
             <a:ext cx="926611" cy="704850"/>
           </a:xfrm>
           <a:prstGeom prst="rect">
@@ -4912,6 +7671,171 @@
   <p:clrMapOvr>
     <a:masterClrMapping/>
   </p:clrMapOvr>
+  <p:timing>
+    <p:tnLst>
+      <p:par>
+        <p:cTn id="1" dur="indefinite" restart="never" nodeType="tmRoot">
+          <p:childTnLst>
+            <p:seq concurrent="1" nextAc="seek">
+              <p:cTn id="2" dur="indefinite" nodeType="mainSeq">
+                <p:childTnLst>
+                  <p:par>
+                    <p:cTn id="3" fill="hold">
+                      <p:stCondLst>
+                        <p:cond delay="indefinite"/>
+                      </p:stCondLst>
+                      <p:childTnLst>
+                        <p:par>
+                          <p:cTn id="4" fill="hold">
+                            <p:stCondLst>
+                              <p:cond delay="0"/>
+                            </p:stCondLst>
+                            <p:childTnLst>
+                              <p:par>
+                                <p:cTn id="5" presetID="1" presetClass="entr" presetSubtype="0" fill="hold" nodeType="clickEffect">
+                                  <p:stCondLst>
+                                    <p:cond delay="0"/>
+                                  </p:stCondLst>
+                                  <p:childTnLst>
+                                    <p:set>
+                                      <p:cBhvr>
+                                        <p:cTn id="6" dur="1" fill="hold">
+                                          <p:stCondLst>
+                                            <p:cond delay="0"/>
+                                          </p:stCondLst>
+                                        </p:cTn>
+                                        <p:tgtEl>
+                                          <p:spTgt spid="6"/>
+                                        </p:tgtEl>
+                                        <p:attrNameLst>
+                                          <p:attrName>style.visibility</p:attrName>
+                                        </p:attrNameLst>
+                                      </p:cBhvr>
+                                      <p:to>
+                                        <p:strVal val="visible"/>
+                                      </p:to>
+                                    </p:set>
+                                  </p:childTnLst>
+                                </p:cTn>
+                              </p:par>
+                            </p:childTnLst>
+                          </p:cTn>
+                        </p:par>
+                      </p:childTnLst>
+                    </p:cTn>
+                  </p:par>
+                  <p:par>
+                    <p:cTn id="7" fill="hold">
+                      <p:stCondLst>
+                        <p:cond delay="indefinite"/>
+                      </p:stCondLst>
+                      <p:childTnLst>
+                        <p:par>
+                          <p:cTn id="8" fill="hold">
+                            <p:stCondLst>
+                              <p:cond delay="0"/>
+                            </p:stCondLst>
+                            <p:childTnLst>
+                              <p:par>
+                                <p:cTn id="9" presetID="1" presetClass="entr" presetSubtype="0" fill="hold" nodeType="clickEffect">
+                                  <p:stCondLst>
+                                    <p:cond delay="0"/>
+                                  </p:stCondLst>
+                                  <p:childTnLst>
+                                    <p:set>
+                                      <p:cBhvr>
+                                        <p:cTn id="10" dur="1" fill="hold">
+                                          <p:stCondLst>
+                                            <p:cond delay="0"/>
+                                          </p:stCondLst>
+                                        </p:cTn>
+                                        <p:tgtEl>
+                                          <p:spTgt spid="7"/>
+                                        </p:tgtEl>
+                                        <p:attrNameLst>
+                                          <p:attrName>style.visibility</p:attrName>
+                                        </p:attrNameLst>
+                                      </p:cBhvr>
+                                      <p:to>
+                                        <p:strVal val="visible"/>
+                                      </p:to>
+                                    </p:set>
+                                  </p:childTnLst>
+                                </p:cTn>
+                              </p:par>
+                            </p:childTnLst>
+                          </p:cTn>
+                        </p:par>
+                      </p:childTnLst>
+                    </p:cTn>
+                  </p:par>
+                  <p:par>
+                    <p:cTn id="11" fill="hold">
+                      <p:stCondLst>
+                        <p:cond delay="indefinite"/>
+                      </p:stCondLst>
+                      <p:childTnLst>
+                        <p:par>
+                          <p:cTn id="12" fill="hold">
+                            <p:stCondLst>
+                              <p:cond delay="0"/>
+                            </p:stCondLst>
+                            <p:childTnLst>
+                              <p:par>
+                                <p:cTn id="13" presetID="1" presetClass="entr" presetSubtype="0" fill="hold" nodeType="clickEffect">
+                                  <p:stCondLst>
+                                    <p:cond delay="0"/>
+                                  </p:stCondLst>
+                                  <p:childTnLst>
+                                    <p:set>
+                                      <p:cBhvr>
+                                        <p:cTn id="14" dur="1" fill="hold">
+                                          <p:stCondLst>
+                                            <p:cond delay="0"/>
+                                          </p:stCondLst>
+                                        </p:cTn>
+                                        <p:tgtEl>
+                                          <p:spTgt spid="8"/>
+                                        </p:tgtEl>
+                                        <p:attrNameLst>
+                                          <p:attrName>style.visibility</p:attrName>
+                                        </p:attrNameLst>
+                                      </p:cBhvr>
+                                      <p:to>
+                                        <p:strVal val="visible"/>
+                                      </p:to>
+                                    </p:set>
+                                  </p:childTnLst>
+                                </p:cTn>
+                              </p:par>
+                            </p:childTnLst>
+                          </p:cTn>
+                        </p:par>
+                      </p:childTnLst>
+                    </p:cTn>
+                  </p:par>
+                </p:childTnLst>
+              </p:cTn>
+              <p:prevCondLst>
+                <p:cond evt="onPrev" delay="0">
+                  <p:tgtEl>
+                    <p:sldTgt/>
+                  </p:tgtEl>
+                </p:cond>
+              </p:prevCondLst>
+              <p:nextCondLst>
+                <p:cond evt="onNext" delay="0">
+                  <p:tgtEl>
+                    <p:sldTgt/>
+                  </p:tgtEl>
+                </p:cond>
+              </p:nextCondLst>
+            </p:seq>
+          </p:childTnLst>
+        </p:cTn>
+      </p:par>
+    </p:tnLst>
+  </p:timing>
 </p:sld>
 </file>
 
@@ -4947,6 +7871,10 @@
           <a:bodyPr/>
           <a:lstStyle/>
           <a:p>
+            <a:r>
+              <a:rPr lang="en-US" dirty="0" smtClean="0"/>
+              <a:t>(surprising IFD results)</a:t>
+            </a:r>
             <a:endParaRPr lang="en-US" dirty="0"/>
           </a:p>
         </p:txBody>
@@ -4963,12 +7891,88 @@
         </p:nvSpPr>
         <p:spPr/>
         <p:txBody>
-          <a:bodyPr/>
-          <a:lstStyle/>
-          <a:p>
-            <a:r>
-              <a:rPr lang="en-US" dirty="0" smtClean="0"/>
-              <a:t>(illustrate strange results for sex difference in interference?)</a:t>
+          <a:bodyPr>
+            <a:normAutofit fontScale="92500"/>
+          </a:bodyPr>
+          <a:lstStyle/>
+          <a:p>
+            <a:pPr marL="0" indent="0">
+              <a:buNone/>
+            </a:pPr>
+            <a:r>
+              <a:rPr lang="en-US" dirty="0" smtClean="0"/>
+              <a:t>Review results from de Boer (only sex comparison of both sexes)</a:t>
+            </a:r>
+          </a:p>
+          <a:p>
+            <a:r>
+              <a:rPr lang="en-US" dirty="0" smtClean="0"/>
+              <a:t>(</a:t>
+            </a:r>
+            <a:r>
+              <a:rPr lang="en-US" dirty="0" smtClean="0"/>
+              <a:t>illustrate strange results for sex difference in interference</a:t>
+            </a:r>
+            <a:r>
+              <a:rPr lang="en-US" dirty="0" smtClean="0"/>
+              <a:t>?)n</a:t>
+            </a:r>
+          </a:p>
+          <a:p>
+            <a:r>
+              <a:rPr lang="en-US" dirty="0" smtClean="0"/>
+              <a:t>Strange </a:t>
+            </a:r>
+            <a:r>
+              <a:rPr lang="en-US" dirty="0" err="1" smtClean="0"/>
+              <a:t>coefficicents</a:t>
+            </a:r>
+            <a:r>
+              <a:rPr lang="en-US" dirty="0" smtClean="0"/>
+              <a:t> for the IFD values across sexes</a:t>
+            </a:r>
+          </a:p>
+          <a:p>
+            <a:endParaRPr lang="en-US" dirty="0"/>
+          </a:p>
+          <a:p>
+            <a:pPr marL="0" indent="0">
+              <a:buNone/>
+            </a:pPr>
+            <a:r>
+              <a:rPr lang="en-US" dirty="0" smtClean="0"/>
+              <a:t>over all pattern:</a:t>
+            </a:r>
+          </a:p>
+          <a:p>
+            <a:r>
+              <a:rPr lang="en-US" dirty="0" smtClean="0"/>
+              <a:t>Female IFD are longer, but the lower </a:t>
+            </a:r>
+            <a:r>
+              <a:rPr lang="en-US" dirty="0" err="1" smtClean="0"/>
+              <a:t>nrmIFD</a:t>
+            </a:r>
+            <a:r>
+              <a:rPr lang="en-US" dirty="0" smtClean="0"/>
+              <a:t> in females is driven by enrichment for short </a:t>
+            </a:r>
+            <a:r>
+              <a:rPr lang="en-US" dirty="0" err="1" smtClean="0"/>
+              <a:t>nrmIFD</a:t>
+            </a:r>
+            <a:r>
+              <a:rPr lang="en-US" dirty="0" smtClean="0"/>
+              <a:t> compared to males.</a:t>
+            </a:r>
+          </a:p>
+          <a:p>
+            <a:endParaRPr lang="en-US" dirty="0"/>
+          </a:p>
+          <a:p>
+            <a:r>
+              <a:rPr lang="en-US" dirty="0" smtClean="0"/>
+              <a:t>(can I connect this result to a less regulated meiotic pathway in females?)</a:t>
             </a:r>
             <a:endParaRPr lang="en-US" dirty="0"/>
           </a:p>
@@ -4984,6 +7988,13 @@
   <p:clrMapOvr>
     <a:masterClrMapping/>
   </p:clrMapOvr>
+  <p:timing>
+    <p:tnLst>
+      <p:par>
+        <p:cTn id="1" dur="indefinite" restart="never" nodeType="tmRoot"/>
+      </p:par>
+    </p:tnLst>
+  </p:timing>
 </p:sld>
 </file>
 

--- a/AP_labMeeting_2.12.20.pptx
+++ b/AP_labMeeting_2.12.20.pptx
@@ -5,22 +5,24 @@
     <p:sldMasterId id="2147483648" r:id="rId1"/>
   </p:sldMasterIdLst>
   <p:notesMasterIdLst>
-    <p:notesMasterId r:id="rId15"/>
+    <p:notesMasterId r:id="rId17"/>
   </p:notesMasterIdLst>
   <p:sldIdLst>
     <p:sldId id="256" r:id="rId2"/>
     <p:sldId id="262" r:id="rId3"/>
     <p:sldId id="267" r:id="rId4"/>
-    <p:sldId id="263" r:id="rId5"/>
-    <p:sldId id="264" r:id="rId6"/>
-    <p:sldId id="265" r:id="rId7"/>
-    <p:sldId id="259" r:id="rId8"/>
-    <p:sldId id="257" r:id="rId9"/>
-    <p:sldId id="260" r:id="rId10"/>
-    <p:sldId id="269" r:id="rId11"/>
-    <p:sldId id="270" r:id="rId12"/>
-    <p:sldId id="266" r:id="rId13"/>
-    <p:sldId id="268" r:id="rId14"/>
+    <p:sldId id="271" r:id="rId5"/>
+    <p:sldId id="263" r:id="rId6"/>
+    <p:sldId id="264" r:id="rId7"/>
+    <p:sldId id="265" r:id="rId8"/>
+    <p:sldId id="259" r:id="rId9"/>
+    <p:sldId id="257" r:id="rId10"/>
+    <p:sldId id="260" r:id="rId11"/>
+    <p:sldId id="272" r:id="rId12"/>
+    <p:sldId id="269" r:id="rId13"/>
+    <p:sldId id="270" r:id="rId14"/>
+    <p:sldId id="266" r:id="rId15"/>
+    <p:sldId id="268" r:id="rId16"/>
   </p:sldIdLst>
   <p:sldSz cx="12192000" cy="6858000"/>
   <p:notesSz cx="6858000" cy="9144000"/>
@@ -209,7 +211,7 @@
           <a:p>
             <a:fld id="{582DA5D2-0B3C-4799-B633-4F32A722274F}" type="datetimeFigureOut">
               <a:rPr lang="en-US" smtClean="0"/>
-              <a:t>2/2/2020</a:t>
+              <a:t>2/3/2020</a:t>
             </a:fld>
             <a:endParaRPr lang="en-US"/>
           </a:p>
@@ -650,6 +652,165 @@
           <a:p>
             <a:r>
               <a:rPr lang="en-US" dirty="0" smtClean="0"/>
+              <a:t>(motivation)</a:t>
+            </a:r>
+          </a:p>
+          <a:p>
+            <a:r>
+              <a:rPr lang="en-US" dirty="0" smtClean="0"/>
+              <a:t>Given the findings</a:t>
+            </a:r>
+            <a:r>
+              <a:rPr lang="en-US" baseline="0" dirty="0" smtClean="0"/>
+              <a:t> with the </a:t>
+            </a:r>
+            <a:r>
+              <a:rPr lang="en-US" baseline="0" dirty="0" err="1" smtClean="0"/>
+              <a:t>gwRR</a:t>
+            </a:r>
+            <a:r>
+              <a:rPr lang="en-US" baseline="0" dirty="0" smtClean="0"/>
+              <a:t> -&gt; </a:t>
+            </a:r>
+            <a:r>
+              <a:rPr lang="en-US" baseline="0" dirty="0" err="1" smtClean="0"/>
+              <a:t>chrm</a:t>
+            </a:r>
+            <a:r>
+              <a:rPr lang="en-US" baseline="0" dirty="0" smtClean="0"/>
+              <a:t> proportions -&gt; look at single bivalent pattern</a:t>
+            </a:r>
+          </a:p>
+          <a:p>
+            <a:endParaRPr lang="en-US" baseline="0" dirty="0" smtClean="0"/>
+          </a:p>
+          <a:p>
+            <a:r>
+              <a:rPr lang="en-US" baseline="0" dirty="0" smtClean="0"/>
+              <a:t>(chromatin compaction, interference and known sex specific rec landscape features)</a:t>
+            </a:r>
+          </a:p>
+          <a:p>
+            <a:endParaRPr lang="en-US" baseline="0" dirty="0" smtClean="0"/>
+          </a:p>
+          <a:p>
+            <a:r>
+              <a:rPr lang="en-US" baseline="0" dirty="0" smtClean="0"/>
+              <a:t>(Brief summary for dataset)</a:t>
+            </a:r>
+          </a:p>
+          <a:p>
+            <a:endParaRPr lang="en-US" baseline="0" dirty="0" smtClean="0"/>
+          </a:p>
+          <a:p>
+            <a:r>
+              <a:rPr lang="en-US" baseline="0" dirty="0" smtClean="0"/>
+              <a:t>(Focus is on 2 main questions)</a:t>
+            </a:r>
+          </a:p>
+          <a:p>
+            <a:endParaRPr lang="en-US" baseline="0" dirty="0" smtClean="0"/>
+          </a:p>
+          <a:p>
+            <a:r>
+              <a:rPr lang="en-US" baseline="0" dirty="0" smtClean="0"/>
+              <a:t>Animate so that they appear sequentially, then ii) fades</a:t>
+            </a:r>
+          </a:p>
+          <a:p>
+            <a:endParaRPr lang="en-US" baseline="0" dirty="0" smtClean="0"/>
+          </a:p>
+          <a:p>
+            <a:r>
+              <a:rPr lang="en-US" dirty="0" smtClean="0"/>
+              <a:t>Example questions</a:t>
+            </a:r>
+            <a:endParaRPr lang="en-US" dirty="0"/>
+          </a:p>
+        </p:txBody>
+      </p:sp>
+      <p:sp>
+        <p:nvSpPr>
+          <p:cNvPr id="4" name="Slide Number Placeholder 3"/>
+          <p:cNvSpPr>
+            <a:spLocks noGrp="1"/>
+          </p:cNvSpPr>
+          <p:nvPr>
+            <p:ph type="sldNum" sz="quarter" idx="10"/>
+          </p:nvPr>
+        </p:nvSpPr>
+        <p:spPr/>
+        <p:txBody>
+          <a:bodyPr/>
+          <a:lstStyle/>
+          <a:p>
+            <a:fld id="{2788907E-C72E-4D7B-B8CA-F158589AC799}" type="slidenum">
+              <a:rPr lang="en-US" smtClean="0"/>
+              <a:t>13</a:t>
+            </a:fld>
+            <a:endParaRPr lang="en-US"/>
+          </a:p>
+        </p:txBody>
+      </p:sp>
+    </p:spTree>
+    <p:extLst>
+      <p:ext uri="{BB962C8B-B14F-4D97-AF65-F5344CB8AC3E}">
+        <p14:creationId xmlns:p14="http://schemas.microsoft.com/office/powerpoint/2010/main" val="3575860465"/>
+      </p:ext>
+    </p:extLst>
+  </p:cSld>
+  <p:clrMapOvr>
+    <a:masterClrMapping/>
+  </p:clrMapOvr>
+</p:notes>
+</file>
+
+<file path=ppt/notesSlides/notesSlide11.xml><?xml version="1.0" encoding="utf-8"?>
+<p:notes xmlns:a="http://schemas.openxmlformats.org/drawingml/2006/main" xmlns:r="http://schemas.openxmlformats.org/officeDocument/2006/relationships" xmlns:p="http://schemas.openxmlformats.org/presentationml/2006/main">
+  <p:cSld>
+    <p:spTree>
+      <p:nvGrpSpPr>
+        <p:cNvPr id="1" name=""/>
+        <p:cNvGrpSpPr/>
+        <p:nvPr/>
+      </p:nvGrpSpPr>
+      <p:grpSpPr>
+        <a:xfrm>
+          <a:off x="0" y="0"/>
+          <a:ext cx="0" cy="0"/>
+          <a:chOff x="0" y="0"/>
+          <a:chExt cx="0" cy="0"/>
+        </a:xfrm>
+      </p:grpSpPr>
+      <p:sp>
+        <p:nvSpPr>
+          <p:cNvPr id="2" name="Slide Image Placeholder 1"/>
+          <p:cNvSpPr>
+            <a:spLocks noGrp="1" noRot="1" noChangeAspect="1"/>
+          </p:cNvSpPr>
+          <p:nvPr>
+            <p:ph type="sldImg"/>
+          </p:nvPr>
+        </p:nvSpPr>
+        <p:spPr/>
+      </p:sp>
+      <p:sp>
+        <p:nvSpPr>
+          <p:cNvPr id="3" name="Notes Placeholder 2"/>
+          <p:cNvSpPr>
+            <a:spLocks noGrp="1"/>
+          </p:cNvSpPr>
+          <p:nvPr>
+            <p:ph type="body" idx="1"/>
+          </p:nvPr>
+        </p:nvSpPr>
+        <p:spPr/>
+        <p:txBody>
+          <a:bodyPr/>
+          <a:lstStyle/>
+          <a:p>
+            <a:r>
+              <a:rPr lang="en-US" dirty="0" smtClean="0"/>
               <a:t>1 way </a:t>
             </a:r>
             <a:r>
@@ -739,7 +900,7 @@
           <a:p>
             <a:fld id="{2788907E-C72E-4D7B-B8CA-F158589AC799}" type="slidenum">
               <a:rPr lang="en-US" smtClean="0"/>
-              <a:t>12</a:t>
+              <a:t>14</a:t>
             </a:fld>
             <a:endParaRPr lang="en-US"/>
           </a:p>
@@ -1003,6 +1164,88 @@
             </a:r>
           </a:p>
           <a:p>
+            <a:endParaRPr lang="en-US" dirty="0" smtClean="0"/>
+          </a:p>
+          <a:p>
+            <a:endParaRPr lang="en-US" dirty="0" smtClean="0"/>
+          </a:p>
+          <a:p>
+            <a:pPr marL="0" indent="0">
+              <a:buNone/>
+            </a:pPr>
+            <a:r>
+              <a:rPr lang="en-US" dirty="0" err="1" smtClean="0"/>
+              <a:t>lmer</a:t>
+            </a:r>
+            <a:r>
+              <a:rPr lang="en-US" dirty="0" smtClean="0"/>
+              <a:t>(</a:t>
+            </a:r>
+          </a:p>
+          <a:p>
+            <a:pPr marL="0" indent="0">
+              <a:buNone/>
+            </a:pPr>
+            <a:r>
+              <a:rPr lang="en-US" dirty="0" err="1" smtClean="0"/>
+              <a:t>Mouse.av.CO.count</a:t>
+            </a:r>
+            <a:r>
+              <a:rPr lang="en-US" dirty="0" smtClean="0"/>
+              <a:t> ~ month + location + quality + (1 | mouse), REML=TRUE</a:t>
+            </a:r>
+          </a:p>
+          <a:p>
+            <a:pPr marL="0" indent="0">
+              <a:buNone/>
+            </a:pPr>
+            <a:r>
+              <a:rPr lang="en-US" dirty="0" smtClean="0"/>
+              <a:t>)</a:t>
+            </a:r>
+          </a:p>
+          <a:p>
+            <a:pPr marL="0" indent="0">
+              <a:buNone/>
+            </a:pPr>
+            <a:endParaRPr lang="en-US" dirty="0" smtClean="0"/>
+          </a:p>
+          <a:p>
+            <a:pPr marL="0" indent="0">
+              <a:buNone/>
+            </a:pPr>
+            <a:r>
+              <a:rPr lang="en-US" dirty="0" smtClean="0"/>
+              <a:t>Tests</a:t>
+            </a:r>
+          </a:p>
+          <a:p>
+            <a:pPr marL="0" indent="0">
+              <a:buNone/>
+            </a:pPr>
+            <a:r>
+              <a:rPr lang="en-US" dirty="0" smtClean="0"/>
+              <a:t>-drop1()  (fixed effects?</a:t>
+            </a:r>
+          </a:p>
+          <a:p>
+            <a:pPr marL="0" indent="0">
+              <a:buNone/>
+            </a:pPr>
+            <a:r>
+              <a:rPr lang="en-US" dirty="0" smtClean="0"/>
+              <a:t>-</a:t>
+            </a:r>
+            <a:r>
+              <a:rPr lang="en-US" dirty="0" err="1" smtClean="0"/>
+              <a:t>exactRLRT</a:t>
+            </a:r>
+            <a:r>
+              <a:rPr lang="en-US" dirty="0" smtClean="0"/>
+              <a:t>()   -test random effects   (is variance due to random 0)</a:t>
+            </a:r>
+          </a:p>
+          <a:p>
             <a:endParaRPr lang="en-US" dirty="0"/>
           </a:p>
         </p:txBody>
@@ -1024,7 +1267,7 @@
           <a:p>
             <a:fld id="{2788907E-C72E-4D7B-B8CA-F158589AC799}" type="slidenum">
               <a:rPr lang="en-US" smtClean="0"/>
-              <a:t>4</a:t>
+              <a:t>5</a:t>
             </a:fld>
             <a:endParaRPr lang="en-US"/>
           </a:p>
@@ -1093,15 +1336,7 @@
             </a:r>
             <a:r>
               <a:rPr lang="en-US" dirty="0" smtClean="0"/>
-              <a:t> </a:t>
-            </a:r>
-            <a:r>
-              <a:rPr lang="en-US" dirty="0" smtClean="0"/>
-              <a:t>averages </a:t>
-            </a:r>
-            <a:r>
-              <a:rPr lang="en-US" dirty="0" smtClean="0"/>
-              <a:t>are backed up with</a:t>
+              <a:t> averages are backed up with</a:t>
             </a:r>
             <a:r>
               <a:rPr lang="en-US" baseline="0" dirty="0" smtClean="0"/>
@@ -1113,11 +1348,7 @@
             </a:r>
             <a:r>
               <a:rPr lang="en-US" baseline="0" dirty="0" smtClean="0"/>
-              <a:t> </a:t>
-            </a:r>
-            <a:r>
-              <a:rPr lang="en-US" baseline="0" dirty="0" smtClean="0"/>
-              <a:t>level</a:t>
+              <a:t> level</a:t>
             </a:r>
           </a:p>
           <a:p>
@@ -1151,7 +1382,7 @@
           <a:p>
             <a:fld id="{2788907E-C72E-4D7B-B8CA-F158589AC799}" type="slidenum">
               <a:rPr lang="en-US" smtClean="0"/>
-              <a:t>5</a:t>
+              <a:t>6</a:t>
             </a:fld>
             <a:endParaRPr lang="en-US"/>
           </a:p>
@@ -1310,7 +1541,7 @@
           <a:p>
             <a:fld id="{2788907E-C72E-4D7B-B8CA-F158589AC799}" type="slidenum">
               <a:rPr lang="en-US" smtClean="0"/>
-              <a:t>6</a:t>
+              <a:t>7</a:t>
             </a:fld>
             <a:endParaRPr lang="en-US"/>
           </a:p>
@@ -1423,16 +1654,128 @@
           <a:p>
             <a:r>
               <a:rPr lang="en-US" dirty="0" smtClean="0"/>
-              <a:t>(longer</a:t>
+              <a:t>(</a:t>
+            </a:r>
+            <a:r>
+              <a:rPr lang="en-US" dirty="0" smtClean="0"/>
+              <a:t>longer</a:t>
             </a:r>
             <a:r>
               <a:rPr lang="en-US" baseline="0" dirty="0" smtClean="0"/>
-              <a:t> SC lengths (variance in SC length / I’m not sure this makes sense)</a:t>
-            </a:r>
-            <a:r>
-              <a:rPr lang="en-US" dirty="0" smtClean="0"/>
+              <a:t> </a:t>
+            </a:r>
+            <a:r>
+              <a:rPr lang="en-US" baseline="0" dirty="0" smtClean="0"/>
+              <a:t>SC lengths (variance in SC length / I’m not sure this makes sense</a:t>
+            </a:r>
+            <a:r>
+              <a:rPr lang="en-US" baseline="0" dirty="0" smtClean="0"/>
               <a:t>)</a:t>
             </a:r>
+            <a:r>
+              <a:rPr lang="en-US" dirty="0" smtClean="0"/>
+              <a:t>)  </a:t>
+            </a:r>
+          </a:p>
+          <a:p>
+            <a:endParaRPr lang="en-US" dirty="0" smtClean="0"/>
+          </a:p>
+          <a:p>
+            <a:r>
+              <a:rPr lang="en-US" b="1" dirty="0" err="1" smtClean="0"/>
+              <a:t>deBoer</a:t>
+            </a:r>
+            <a:r>
+              <a:rPr lang="en-US" b="1" baseline="0" dirty="0" smtClean="0"/>
+              <a:t> Summary:</a:t>
+            </a:r>
+          </a:p>
+          <a:p>
+            <a:endParaRPr lang="en-US" baseline="0" dirty="0" smtClean="0"/>
+          </a:p>
+          <a:p>
+            <a:r>
+              <a:rPr lang="en-US" dirty="0" smtClean="0"/>
+              <a:t>MSH4, in WT and Sycp1 -/-.  (found 2 classes of COs / two types of interference). Used FISH for </a:t>
+            </a:r>
+            <a:r>
+              <a:rPr lang="en-US" dirty="0" err="1" smtClean="0"/>
+              <a:t>chrms</a:t>
+            </a:r>
+            <a:r>
+              <a:rPr lang="en-US" dirty="0" smtClean="0"/>
+              <a:t> 1,2,18,19; calculated gamma distribution from </a:t>
+            </a:r>
+            <a:r>
+              <a:rPr lang="en-US" dirty="0" err="1" smtClean="0"/>
+              <a:t>chrm</a:t>
+            </a:r>
+            <a:r>
+              <a:rPr lang="en-US" dirty="0" smtClean="0"/>
+              <a:t> specific intervals</a:t>
+            </a:r>
+          </a:p>
+          <a:p>
+            <a:endParaRPr lang="en-US" dirty="0" smtClean="0"/>
+          </a:p>
+          <a:p>
+            <a:r>
+              <a:rPr lang="en-US" dirty="0" smtClean="0"/>
+              <a:t>Interference much stronger</a:t>
+            </a:r>
+            <a:r>
+              <a:rPr lang="en-US" baseline="0" dirty="0" smtClean="0"/>
+              <a:t> for MLH1 in pachytene</a:t>
+            </a:r>
+          </a:p>
+          <a:p>
+            <a:endParaRPr lang="en-US" baseline="0" dirty="0" smtClean="0"/>
+          </a:p>
+          <a:p>
+            <a:r>
+              <a:rPr lang="en-US" baseline="0" dirty="0" smtClean="0"/>
+              <a:t>Sex differences --- ?</a:t>
+            </a:r>
+          </a:p>
+          <a:p>
+            <a:r>
+              <a:rPr lang="en-US" baseline="0" dirty="0" smtClean="0"/>
+              <a:t>(the density of MLH1 on SC-AE is more dense in males than females)</a:t>
+            </a:r>
+          </a:p>
+          <a:p>
+            <a:endParaRPr lang="en-US" baseline="0" dirty="0" smtClean="0"/>
+          </a:p>
+          <a:p>
+            <a:r>
+              <a:rPr lang="en-US" dirty="0" smtClean="0"/>
+              <a:t>Male – short </a:t>
+            </a:r>
+            <a:r>
+              <a:rPr lang="en-US" dirty="0" err="1" smtClean="0"/>
+              <a:t>chrms</a:t>
+            </a:r>
+            <a:r>
+              <a:rPr lang="en-US" dirty="0" smtClean="0"/>
+              <a:t> had strong medial placement of MLH1</a:t>
+            </a:r>
+          </a:p>
+          <a:p>
+            <a:endParaRPr lang="en-US" dirty="0" smtClean="0"/>
+          </a:p>
+          <a:p>
+            <a:endParaRPr lang="en-US" dirty="0" smtClean="0"/>
+          </a:p>
+          <a:p>
+            <a:r>
+              <a:rPr lang="en-US" dirty="0" smtClean="0"/>
+              <a:t>(Can I access these data?)</a:t>
+            </a:r>
+          </a:p>
+          <a:p>
+            <a:endParaRPr lang="en-US" dirty="0" smtClean="0"/>
+          </a:p>
+          <a:p>
             <a:endParaRPr lang="en-US" dirty="0"/>
           </a:p>
         </p:txBody>
@@ -1454,7 +1797,7 @@
           <a:p>
             <a:fld id="{2788907E-C72E-4D7B-B8CA-F158589AC799}" type="slidenum">
               <a:rPr lang="en-US" smtClean="0"/>
-              <a:t>9</a:t>
+              <a:t>10</a:t>
             </a:fld>
             <a:endParaRPr lang="en-US"/>
           </a:p>
@@ -1519,63 +1862,646 @@
           <a:p>
             <a:r>
               <a:rPr lang="en-US" dirty="0" smtClean="0"/>
+              <a:t>Interference / gamma curves are on the top --- don’t think any are female?</a:t>
+            </a:r>
+          </a:p>
+          <a:p>
+            <a:endParaRPr lang="en-US" dirty="0" smtClean="0"/>
+          </a:p>
+          <a:p>
+            <a:r>
+              <a:rPr lang="en-US" dirty="0" smtClean="0"/>
+              <a:t>(Should I try to remake these cumulative foci plots?)  --- smaller</a:t>
+            </a:r>
+            <a:r>
+              <a:rPr lang="en-US" baseline="0" dirty="0" smtClean="0"/>
+              <a:t> square </a:t>
+            </a:r>
+            <a:r>
+              <a:rPr lang="en-US" dirty="0" smtClean="0"/>
+              <a:t>curve plots are there are all</a:t>
+            </a:r>
+            <a:r>
+              <a:rPr lang="en-US" baseline="0" dirty="0" smtClean="0"/>
+              <a:t> </a:t>
+            </a:r>
+            <a:r>
+              <a:rPr lang="en-US" b="1" baseline="0" dirty="0" smtClean="0"/>
+              <a:t>distance to cent</a:t>
+            </a:r>
+            <a:r>
+              <a:rPr lang="en-US" b="0" baseline="0" dirty="0" smtClean="0"/>
+              <a:t> (do these pool foci from the same </a:t>
+            </a:r>
+            <a:r>
+              <a:rPr lang="en-US" b="0" baseline="0" dirty="0" err="1" smtClean="0"/>
+              <a:t>biv</a:t>
+            </a:r>
+            <a:r>
+              <a:rPr lang="en-US" b="0" baseline="0" dirty="0" smtClean="0"/>
+              <a:t>?!)</a:t>
+            </a:r>
+            <a:endParaRPr lang="en-US" b="0" dirty="0" smtClean="0"/>
+          </a:p>
+          <a:p>
+            <a:endParaRPr lang="en-US" dirty="0" smtClean="0"/>
+          </a:p>
+          <a:p>
+            <a:r>
+              <a:rPr lang="en-US" sz="1200" b="1" i="0" u="none" strike="noStrike" kern="1200" baseline="0" dirty="0" smtClean="0">
+                <a:solidFill>
+                  <a:schemeClr val="tx1"/>
+                </a:solidFill>
+                <a:latin typeface="+mn-lt"/>
+                <a:ea typeface="+mn-ea"/>
+                <a:cs typeface="+mn-cs"/>
+              </a:rPr>
+              <a:t>Fig. 1. </a:t>
+            </a:r>
+            <a:r>
+              <a:rPr lang="en-US" sz="1200" b="0" i="0" u="none" strike="noStrike" kern="1200" baseline="0" dirty="0" smtClean="0">
+                <a:solidFill>
+                  <a:schemeClr val="tx1"/>
+                </a:solidFill>
+                <a:latin typeface="+mn-lt"/>
+                <a:ea typeface="+mn-ea"/>
+                <a:cs typeface="+mn-cs"/>
+              </a:rPr>
+              <a:t>Analysis of foci along bivalents. (</a:t>
+            </a:r>
+            <a:r>
+              <a:rPr lang="en-US" sz="1200" b="0" i="1" u="none" strike="noStrike" kern="1200" baseline="0" dirty="0" smtClean="0">
+                <a:solidFill>
+                  <a:schemeClr val="tx1"/>
+                </a:solidFill>
+                <a:latin typeface="+mn-lt"/>
+                <a:ea typeface="+mn-ea"/>
+                <a:cs typeface="+mn-cs"/>
+              </a:rPr>
+              <a:t>A</a:t>
+            </a:r>
+            <a:r>
+              <a:rPr lang="en-US" sz="1200" b="0" i="0" u="none" strike="noStrike" kern="1200" baseline="0" dirty="0" smtClean="0">
+                <a:solidFill>
+                  <a:schemeClr val="tx1"/>
+                </a:solidFill>
+                <a:latin typeface="+mn-lt"/>
+                <a:ea typeface="+mn-ea"/>
+                <a:cs typeface="+mn-cs"/>
+              </a:rPr>
+              <a:t>) Shape of gamma distributions for</a:t>
+            </a:r>
+          </a:p>
+          <a:p>
+            <a:r>
+              <a:rPr lang="en-US" sz="1200" b="0" i="0" u="none" strike="noStrike" kern="1200" baseline="0" dirty="0" smtClean="0">
+                <a:solidFill>
+                  <a:schemeClr val="tx1"/>
+                </a:solidFill>
+                <a:latin typeface="+mn-lt"/>
+                <a:ea typeface="+mn-ea"/>
+                <a:cs typeface="+mn-cs"/>
+              </a:rPr>
+              <a:t>different  values. The average </a:t>
+            </a:r>
+            <a:r>
+              <a:rPr lang="en-US" sz="1200" b="0" i="0" u="none" strike="noStrike" kern="1200" baseline="0" dirty="0" err="1" smtClean="0">
+                <a:solidFill>
+                  <a:schemeClr val="tx1"/>
+                </a:solidFill>
+                <a:latin typeface="+mn-lt"/>
+                <a:ea typeface="+mn-ea"/>
+                <a:cs typeface="+mn-cs"/>
+              </a:rPr>
+              <a:t>interfocus</a:t>
+            </a:r>
+            <a:r>
+              <a:rPr lang="en-US" sz="1200" b="0" i="0" u="none" strike="noStrike" kern="1200" baseline="0" dirty="0" smtClean="0">
+                <a:solidFill>
+                  <a:schemeClr val="tx1"/>
+                </a:solidFill>
+                <a:latin typeface="+mn-lt"/>
+                <a:ea typeface="+mn-ea"/>
+                <a:cs typeface="+mn-cs"/>
+              </a:rPr>
+              <a:t> distance equals 10 for all distributions</a:t>
+            </a:r>
+          </a:p>
+          <a:p>
+            <a:r>
+              <a:rPr lang="en-US" sz="1200" b="0" i="0" u="none" strike="noStrike" kern="1200" baseline="0" dirty="0" smtClean="0">
+                <a:solidFill>
+                  <a:schemeClr val="tx1"/>
+                </a:solidFill>
+                <a:latin typeface="+mn-lt"/>
+                <a:ea typeface="+mn-ea"/>
+                <a:cs typeface="+mn-cs"/>
+              </a:rPr>
+              <a:t>shown. As  increases, the very short and very long distances become</a:t>
+            </a:r>
+          </a:p>
+          <a:p>
+            <a:r>
+              <a:rPr lang="en-US" sz="1200" b="0" i="0" u="none" strike="noStrike" kern="1200" baseline="0" dirty="0" smtClean="0">
+                <a:solidFill>
+                  <a:schemeClr val="tx1"/>
+                </a:solidFill>
+                <a:latin typeface="+mn-lt"/>
+                <a:ea typeface="+mn-ea"/>
+                <a:cs typeface="+mn-cs"/>
+              </a:rPr>
+              <a:t>sparser, and the distributions become narrower and more symmetrical. (</a:t>
+            </a:r>
+            <a:r>
+              <a:rPr lang="en-US" sz="1200" b="0" i="1" u="none" strike="noStrike" kern="1200" baseline="0" dirty="0" smtClean="0">
+                <a:solidFill>
+                  <a:schemeClr val="tx1"/>
+                </a:solidFill>
+                <a:latin typeface="+mn-lt"/>
+                <a:ea typeface="+mn-ea"/>
+                <a:cs typeface="+mn-cs"/>
+              </a:rPr>
+              <a:t>B</a:t>
+            </a:r>
+            <a:r>
+              <a:rPr lang="en-US" sz="1200" b="0" i="0" u="none" strike="noStrike" kern="1200" baseline="0" dirty="0" smtClean="0">
+                <a:solidFill>
+                  <a:schemeClr val="tx1"/>
+                </a:solidFill>
+                <a:latin typeface="+mn-lt"/>
+                <a:ea typeface="+mn-ea"/>
+                <a:cs typeface="+mn-cs"/>
+              </a:rPr>
+              <a:t>–</a:t>
+            </a:r>
+            <a:r>
+              <a:rPr lang="en-US" sz="1200" b="0" i="1" u="none" strike="noStrike" kern="1200" baseline="0" dirty="0" smtClean="0">
+                <a:solidFill>
+                  <a:schemeClr val="tx1"/>
+                </a:solidFill>
+                <a:latin typeface="+mn-lt"/>
+                <a:ea typeface="+mn-ea"/>
+                <a:cs typeface="+mn-cs"/>
+              </a:rPr>
+              <a:t>D</a:t>
+            </a:r>
+            <a:r>
+              <a:rPr lang="en-US" sz="1200" b="0" i="0" u="none" strike="noStrike" kern="1200" baseline="0" dirty="0" smtClean="0">
+                <a:solidFill>
+                  <a:schemeClr val="tx1"/>
+                </a:solidFill>
+                <a:latin typeface="+mn-lt"/>
+                <a:ea typeface="+mn-ea"/>
+                <a:cs typeface="+mn-cs"/>
+              </a:rPr>
+              <a:t>)</a:t>
+            </a:r>
+          </a:p>
+          <a:p>
+            <a:r>
+              <a:rPr lang="en-US" sz="1200" b="0" i="0" u="none" strike="noStrike" kern="1200" baseline="0" dirty="0" smtClean="0">
+                <a:solidFill>
+                  <a:schemeClr val="tx1"/>
+                </a:solidFill>
+                <a:latin typeface="+mn-lt"/>
+                <a:ea typeface="+mn-ea"/>
+                <a:cs typeface="+mn-cs"/>
+              </a:rPr>
+              <a:t>Examples of histograms of observed </a:t>
+            </a:r>
+            <a:r>
+              <a:rPr lang="en-US" sz="1200" b="0" i="0" u="none" strike="noStrike" kern="1200" baseline="0" dirty="0" err="1" smtClean="0">
+                <a:solidFill>
+                  <a:schemeClr val="tx1"/>
+                </a:solidFill>
+                <a:latin typeface="+mn-lt"/>
+                <a:ea typeface="+mn-ea"/>
+                <a:cs typeface="+mn-cs"/>
+              </a:rPr>
+              <a:t>interfocus</a:t>
+            </a:r>
+            <a:r>
+              <a:rPr lang="en-US" sz="1200" b="0" i="0" u="none" strike="noStrike" kern="1200" baseline="0" dirty="0" smtClean="0">
+                <a:solidFill>
+                  <a:schemeClr val="tx1"/>
+                </a:solidFill>
+                <a:latin typeface="+mn-lt"/>
+                <a:ea typeface="+mn-ea"/>
+                <a:cs typeface="+mn-cs"/>
+              </a:rPr>
+              <a:t> distances in spermatocytes</a:t>
+            </a:r>
+          </a:p>
+          <a:p>
+            <a:r>
+              <a:rPr lang="en-US" sz="1200" b="0" i="0" u="none" strike="noStrike" kern="1200" baseline="0" dirty="0" smtClean="0">
+                <a:solidFill>
+                  <a:schemeClr val="tx1"/>
+                </a:solidFill>
+                <a:latin typeface="+mn-lt"/>
+                <a:ea typeface="+mn-ea"/>
+                <a:cs typeface="+mn-cs"/>
+              </a:rPr>
+              <a:t>(black bars), the best fit of the observed distances to the gamma distribution  (red curves), the  value for which the best fit was obtained (ˆ ), and the</a:t>
+            </a:r>
+          </a:p>
+          <a:p>
+            <a:r>
+              <a:rPr lang="en-US" sz="1200" b="0" i="0" u="none" strike="noStrike" kern="1200" baseline="0" dirty="0" smtClean="0">
+                <a:solidFill>
+                  <a:schemeClr val="tx1"/>
+                </a:solidFill>
+                <a:latin typeface="+mn-lt"/>
+                <a:ea typeface="+mn-ea"/>
+                <a:cs typeface="+mn-cs"/>
+              </a:rPr>
+              <a:t>distributions expected if there were no interference (i.e., 1; blue curves).</a:t>
+            </a:r>
+          </a:p>
+          <a:p>
+            <a:r>
+              <a:rPr lang="en-US" sz="1200" b="0" i="0" u="none" strike="noStrike" kern="1200" baseline="0" dirty="0" smtClean="0">
+                <a:solidFill>
+                  <a:schemeClr val="tx1"/>
+                </a:solidFill>
+                <a:latin typeface="+mn-lt"/>
+                <a:ea typeface="+mn-ea"/>
+                <a:cs typeface="+mn-cs"/>
+              </a:rPr>
+              <a:t>The observed </a:t>
+            </a:r>
+            <a:r>
+              <a:rPr lang="en-US" sz="1200" b="0" i="0" u="none" strike="noStrike" kern="1200" baseline="0" dirty="0" err="1" smtClean="0">
+                <a:solidFill>
+                  <a:schemeClr val="tx1"/>
+                </a:solidFill>
+                <a:latin typeface="+mn-lt"/>
+                <a:ea typeface="+mn-ea"/>
+                <a:cs typeface="+mn-cs"/>
+              </a:rPr>
+              <a:t>interfocus</a:t>
+            </a:r>
+            <a:r>
+              <a:rPr lang="en-US" sz="1200" b="0" i="0" u="none" strike="noStrike" kern="1200" baseline="0" dirty="0" smtClean="0">
+                <a:solidFill>
+                  <a:schemeClr val="tx1"/>
+                </a:solidFill>
+                <a:latin typeface="+mn-lt"/>
+                <a:ea typeface="+mn-ea"/>
+                <a:cs typeface="+mn-cs"/>
+              </a:rPr>
+              <a:t> distances were binned for representation only; the</a:t>
+            </a:r>
+          </a:p>
+          <a:p>
+            <a:r>
+              <a:rPr lang="en-US" sz="1200" b="0" i="0" u="none" strike="noStrike" kern="1200" baseline="0" dirty="0" smtClean="0">
+                <a:solidFill>
+                  <a:schemeClr val="tx1"/>
+                </a:solidFill>
+                <a:latin typeface="+mn-lt"/>
+                <a:ea typeface="+mn-ea"/>
+                <a:cs typeface="+mn-cs"/>
+              </a:rPr>
+              <a:t>best fits to the gamma distribution are based on the exact, </a:t>
+            </a:r>
+            <a:r>
+              <a:rPr lang="en-US" sz="1200" b="0" i="0" u="none" strike="noStrike" kern="1200" baseline="0" dirty="0" err="1" smtClean="0">
+                <a:solidFill>
+                  <a:schemeClr val="tx1"/>
+                </a:solidFill>
+                <a:latin typeface="+mn-lt"/>
+                <a:ea typeface="+mn-ea"/>
+                <a:cs typeface="+mn-cs"/>
+              </a:rPr>
+              <a:t>unbinned</a:t>
+            </a:r>
+            <a:r>
+              <a:rPr lang="en-US" sz="1200" b="0" i="0" u="none" strike="noStrike" kern="1200" baseline="0" dirty="0" smtClean="0">
+                <a:solidFill>
+                  <a:schemeClr val="tx1"/>
+                </a:solidFill>
+                <a:latin typeface="+mn-lt"/>
+                <a:ea typeface="+mn-ea"/>
+                <a:cs typeface="+mn-cs"/>
+              </a:rPr>
+              <a:t> distances.</a:t>
+            </a:r>
+          </a:p>
+          <a:p>
+            <a:r>
+              <a:rPr lang="en-US" sz="1200" b="0" i="0" u="none" strike="noStrike" kern="1200" baseline="0" dirty="0" smtClean="0">
+                <a:solidFill>
+                  <a:schemeClr val="tx1"/>
+                </a:solidFill>
+                <a:latin typeface="+mn-lt"/>
+                <a:ea typeface="+mn-ea"/>
+                <a:cs typeface="+mn-cs"/>
+              </a:rPr>
+              <a:t>Figs. 5 and 6 show histograms of all data sets. </a:t>
+            </a:r>
+            <a:r>
+              <a:rPr lang="en-US" sz="1200" b="1" i="0" u="none" strike="noStrike" kern="1200" baseline="0" dirty="0" smtClean="0">
+                <a:solidFill>
+                  <a:schemeClr val="tx1"/>
+                </a:solidFill>
+                <a:latin typeface="+mn-lt"/>
+                <a:ea typeface="+mn-ea"/>
+                <a:cs typeface="+mn-cs"/>
+              </a:rPr>
+              <a:t>(</a:t>
+            </a:r>
+            <a:r>
+              <a:rPr lang="en-US" sz="1200" b="1" i="1" u="none" strike="noStrike" kern="1200" baseline="0" dirty="0" smtClean="0">
+                <a:solidFill>
+                  <a:schemeClr val="tx1"/>
+                </a:solidFill>
+                <a:latin typeface="+mn-lt"/>
+                <a:ea typeface="+mn-ea"/>
+                <a:cs typeface="+mn-cs"/>
+              </a:rPr>
+              <a:t>E</a:t>
+            </a:r>
+            <a:r>
+              <a:rPr lang="en-US" sz="1200" b="1" i="0" u="none" strike="noStrike" kern="1200" baseline="0" dirty="0" smtClean="0">
+                <a:solidFill>
+                  <a:schemeClr val="tx1"/>
+                </a:solidFill>
+                <a:latin typeface="+mn-lt"/>
+                <a:ea typeface="+mn-ea"/>
+                <a:cs typeface="+mn-cs"/>
+              </a:rPr>
+              <a:t>–</a:t>
+            </a:r>
+            <a:r>
+              <a:rPr lang="en-US" sz="1200" b="1" i="1" u="none" strike="noStrike" kern="1200" baseline="0" dirty="0" smtClean="0">
+                <a:solidFill>
+                  <a:schemeClr val="tx1"/>
+                </a:solidFill>
+                <a:latin typeface="+mn-lt"/>
+                <a:ea typeface="+mn-ea"/>
+                <a:cs typeface="+mn-cs"/>
+              </a:rPr>
+              <a:t>G</a:t>
+            </a:r>
+            <a:r>
+              <a:rPr lang="en-US" sz="1200" b="1" i="0" u="none" strike="noStrike" kern="1200" baseline="0" dirty="0" smtClean="0">
+                <a:solidFill>
+                  <a:schemeClr val="tx1"/>
+                </a:solidFill>
+                <a:latin typeface="+mn-lt"/>
+                <a:ea typeface="+mn-ea"/>
+                <a:cs typeface="+mn-cs"/>
+              </a:rPr>
+              <a:t>) Distribution of foci</a:t>
+            </a:r>
+          </a:p>
+          <a:p>
+            <a:r>
+              <a:rPr lang="en-US" sz="1200" b="1" i="0" u="none" strike="noStrike" kern="1200" baseline="0" dirty="0" smtClean="0">
+                <a:solidFill>
+                  <a:schemeClr val="tx1"/>
+                </a:solidFill>
+                <a:latin typeface="+mn-lt"/>
+                <a:ea typeface="+mn-ea"/>
+                <a:cs typeface="+mn-cs"/>
+              </a:rPr>
+              <a:t>along bivalents</a:t>
+            </a:r>
+            <a:r>
+              <a:rPr lang="en-US" sz="1200" b="0" i="0" u="none" strike="noStrike" kern="1200" baseline="0" dirty="0" smtClean="0">
+                <a:solidFill>
+                  <a:schemeClr val="tx1"/>
+                </a:solidFill>
+                <a:latin typeface="+mn-lt"/>
+                <a:ea typeface="+mn-ea"/>
+                <a:cs typeface="+mn-cs"/>
+              </a:rPr>
+              <a:t>. Shown are the cumulative frequencies of foci as a function of</a:t>
+            </a:r>
+          </a:p>
+          <a:p>
+            <a:r>
+              <a:rPr lang="en-US" sz="1200" b="0" i="0" u="none" strike="noStrike" kern="1200" baseline="0" dirty="0" smtClean="0">
+                <a:solidFill>
+                  <a:schemeClr val="tx1"/>
+                </a:solidFill>
+                <a:latin typeface="+mn-lt"/>
+                <a:ea typeface="+mn-ea"/>
+                <a:cs typeface="+mn-cs"/>
+              </a:rPr>
+              <a:t>the distance to the </a:t>
+            </a:r>
+            <a:r>
+              <a:rPr lang="en-US" sz="1200" b="0" i="0" u="none" strike="noStrike" kern="1200" baseline="0" dirty="0" err="1" smtClean="0">
+                <a:solidFill>
+                  <a:schemeClr val="tx1"/>
+                </a:solidFill>
+                <a:latin typeface="+mn-lt"/>
+                <a:ea typeface="+mn-ea"/>
+                <a:cs typeface="+mn-cs"/>
+              </a:rPr>
+              <a:t>centromeric</a:t>
+            </a:r>
+            <a:r>
+              <a:rPr lang="en-US" sz="1200" b="0" i="0" u="none" strike="noStrike" kern="1200" baseline="0" dirty="0" smtClean="0">
+                <a:solidFill>
+                  <a:schemeClr val="tx1"/>
+                </a:solidFill>
+                <a:latin typeface="+mn-lt"/>
+                <a:ea typeface="+mn-ea"/>
+                <a:cs typeface="+mn-cs"/>
+              </a:rPr>
+              <a:t> end of the </a:t>
+            </a:r>
+            <a:r>
+              <a:rPr lang="en-US" sz="1200" b="1" i="0" u="none" strike="noStrike" kern="1200" baseline="0" dirty="0" smtClean="0">
+                <a:solidFill>
+                  <a:schemeClr val="tx1"/>
+                </a:solidFill>
+                <a:latin typeface="+mn-lt"/>
+                <a:ea typeface="+mn-ea"/>
+                <a:cs typeface="+mn-cs"/>
+              </a:rPr>
+              <a:t>SC (wild type) or AE (</a:t>
+            </a:r>
+            <a:r>
+              <a:rPr lang="en-US" sz="1200" b="1" i="1" u="none" strike="noStrike" kern="1200" baseline="0" dirty="0" smtClean="0">
+                <a:solidFill>
+                  <a:schemeClr val="tx1"/>
+                </a:solidFill>
+                <a:latin typeface="+mn-lt"/>
+                <a:ea typeface="+mn-ea"/>
+                <a:cs typeface="+mn-cs"/>
+              </a:rPr>
+              <a:t>Sycp1</a:t>
+            </a:r>
+            <a:r>
+              <a:rPr lang="en-US" sz="1200" b="1" i="0" u="none" strike="noStrike" kern="1200" baseline="0" dirty="0" smtClean="0">
+                <a:solidFill>
+                  <a:schemeClr val="tx1"/>
+                </a:solidFill>
+                <a:latin typeface="+mn-lt"/>
+                <a:ea typeface="+mn-ea"/>
+                <a:cs typeface="+mn-cs"/>
+              </a:rPr>
+              <a:t>/). </a:t>
+            </a:r>
+            <a:r>
+              <a:rPr lang="en-US" sz="1200" b="0" i="0" u="none" strike="noStrike" kern="1200" baseline="0" dirty="0" smtClean="0">
+                <a:solidFill>
+                  <a:schemeClr val="tx1"/>
+                </a:solidFill>
+                <a:latin typeface="+mn-lt"/>
+                <a:ea typeface="+mn-ea"/>
+                <a:cs typeface="+mn-cs"/>
+              </a:rPr>
               <a:t>The</a:t>
             </a:r>
-            <a:r>
-              <a:rPr lang="en-US" baseline="0" dirty="0" smtClean="0"/>
-              <a:t> overall narrative I’m trying to weave – more variance in females</a:t>
-            </a:r>
-          </a:p>
-          <a:p>
-            <a:r>
-              <a:rPr lang="en-US" baseline="0" dirty="0" smtClean="0"/>
-              <a:t>-Between cells (MLH1 counts)</a:t>
-            </a:r>
-          </a:p>
-          <a:p>
-            <a:r>
-              <a:rPr lang="en-US" baseline="0" dirty="0" smtClean="0"/>
-              <a:t>- Uniform spacing (the 1CO position is not regulated)  (F1 variance is probably larger (F1nrm))</a:t>
-            </a:r>
-          </a:p>
-          <a:p>
-            <a:r>
-              <a:rPr lang="en-US" baseline="0" dirty="0" smtClean="0"/>
-              <a:t>- IFD spacing / interference strength</a:t>
-            </a:r>
-          </a:p>
-          <a:p>
-            <a:endParaRPr lang="en-US" dirty="0" smtClean="0"/>
-          </a:p>
-          <a:p>
-            <a:r>
-              <a:rPr lang="en-US" dirty="0" smtClean="0"/>
-              <a:t>- Lack of distinction between</a:t>
-            </a:r>
-            <a:r>
-              <a:rPr lang="en-US" baseline="0" dirty="0" smtClean="0"/>
-              <a:t> 1CO and 2CO lengths</a:t>
-            </a:r>
-            <a:endParaRPr lang="en-US" dirty="0" smtClean="0"/>
-          </a:p>
-          <a:p>
-            <a:endParaRPr lang="en-US" dirty="0" smtClean="0"/>
-          </a:p>
-          <a:p>
-            <a:r>
-              <a:rPr lang="en-US" dirty="0" smtClean="0"/>
-              <a:t>(longer</a:t>
-            </a:r>
-            <a:r>
-              <a:rPr lang="en-US" baseline="0" dirty="0" smtClean="0"/>
-              <a:t> SC lengths (variance in SC length / I’m not sure this makes sense)</a:t>
-            </a:r>
-            <a:r>
-              <a:rPr lang="en-US" dirty="0" smtClean="0"/>
-              <a:t>)</a:t>
-            </a:r>
-          </a:p>
-          <a:p>
+          </a:p>
+          <a:p>
+            <a:r>
+              <a:rPr lang="en-US" sz="1200" b="0" i="0" u="none" strike="noStrike" kern="1200" baseline="0" dirty="0" smtClean="0">
+                <a:solidFill>
+                  <a:schemeClr val="tx1"/>
+                </a:solidFill>
+                <a:latin typeface="+mn-lt"/>
+                <a:ea typeface="+mn-ea"/>
+                <a:cs typeface="+mn-cs"/>
+              </a:rPr>
+              <a:t>distances are expressed as percentage of the length of the SC AE on which the</a:t>
+            </a:r>
+          </a:p>
+          <a:p>
+            <a:r>
+              <a:rPr lang="en-US" sz="1200" b="0" i="0" u="none" strike="noStrike" kern="1200" baseline="0" dirty="0" smtClean="0">
+                <a:solidFill>
+                  <a:schemeClr val="tx1"/>
+                </a:solidFill>
+                <a:latin typeface="+mn-lt"/>
+                <a:ea typeface="+mn-ea"/>
+                <a:cs typeface="+mn-cs"/>
+              </a:rPr>
+              <a:t>focus was located. </a:t>
+            </a:r>
+            <a:r>
+              <a:rPr lang="en-US" sz="1200" b="1" i="0" u="none" strike="noStrike" kern="1200" baseline="0" dirty="0" smtClean="0">
+                <a:solidFill>
+                  <a:schemeClr val="tx1"/>
+                </a:solidFill>
+                <a:latin typeface="+mn-lt"/>
+                <a:ea typeface="+mn-ea"/>
+                <a:cs typeface="+mn-cs"/>
+              </a:rPr>
+              <a:t>The numbers of foci on which the curves are based are</a:t>
+            </a:r>
+          </a:p>
+          <a:p>
+            <a:r>
+              <a:rPr lang="en-US" sz="1200" b="1" i="0" u="none" strike="noStrike" kern="1200" baseline="0" dirty="0" smtClean="0">
+                <a:solidFill>
+                  <a:schemeClr val="tx1"/>
+                </a:solidFill>
+                <a:latin typeface="+mn-lt"/>
+                <a:ea typeface="+mn-ea"/>
+                <a:cs typeface="+mn-cs"/>
+              </a:rPr>
+              <a:t>shown in the upper left corners, and the chromosome numbers are shown in</a:t>
+            </a:r>
+          </a:p>
+          <a:p>
+            <a:r>
+              <a:rPr lang="en-US" sz="1200" b="1" i="0" u="none" strike="noStrike" kern="1200" baseline="0" dirty="0" smtClean="0">
+                <a:solidFill>
+                  <a:schemeClr val="tx1"/>
+                </a:solidFill>
+                <a:latin typeface="+mn-lt"/>
+                <a:ea typeface="+mn-ea"/>
+                <a:cs typeface="+mn-cs"/>
+              </a:rPr>
+              <a:t>the lower right corners of the graphs</a:t>
+            </a:r>
+            <a:r>
+              <a:rPr lang="en-US" sz="1200" b="0" i="0" u="none" strike="noStrike" kern="1200" baseline="0" dirty="0" smtClean="0">
+                <a:solidFill>
+                  <a:schemeClr val="tx1"/>
+                </a:solidFill>
+                <a:latin typeface="+mn-lt"/>
+                <a:ea typeface="+mn-ea"/>
+                <a:cs typeface="+mn-cs"/>
+              </a:rPr>
+              <a:t>. A uniform distribution of foci would</a:t>
+            </a:r>
+          </a:p>
+          <a:p>
+            <a:r>
+              <a:rPr lang="en-US" sz="1200" b="0" i="0" u="none" strike="noStrike" kern="1200" baseline="0" dirty="0" smtClean="0">
+                <a:solidFill>
+                  <a:schemeClr val="tx1"/>
+                </a:solidFill>
+                <a:latin typeface="+mn-lt"/>
+                <a:ea typeface="+mn-ea"/>
+                <a:cs typeface="+mn-cs"/>
+              </a:rPr>
+              <a:t>yield a straight line from the lower left to the upper right corner of the graph.</a:t>
+            </a:r>
+          </a:p>
+          <a:p>
+            <a:r>
+              <a:rPr lang="en-US" sz="1200" b="0" i="0" u="none" strike="noStrike" kern="1200" baseline="0" dirty="0" smtClean="0">
+                <a:solidFill>
+                  <a:schemeClr val="tx1"/>
+                </a:solidFill>
+                <a:latin typeface="+mn-lt"/>
+                <a:ea typeface="+mn-ea"/>
+                <a:cs typeface="+mn-cs"/>
+              </a:rPr>
+              <a:t>M, male; F, female; </a:t>
+            </a:r>
+            <a:r>
+              <a:rPr lang="en-US" sz="1200" b="0" i="0" u="none" strike="noStrike" kern="1200" baseline="0" dirty="0" err="1" smtClean="0">
+                <a:solidFill>
+                  <a:schemeClr val="tx1"/>
+                </a:solidFill>
+                <a:latin typeface="+mn-lt"/>
+                <a:ea typeface="+mn-ea"/>
+                <a:cs typeface="+mn-cs"/>
+              </a:rPr>
+              <a:t>Wt</a:t>
+            </a:r>
+            <a:r>
+              <a:rPr lang="en-US" sz="1200" b="0" i="0" u="none" strike="noStrike" kern="1200" baseline="0" dirty="0" smtClean="0">
+                <a:solidFill>
+                  <a:schemeClr val="tx1"/>
+                </a:solidFill>
+                <a:latin typeface="+mn-lt"/>
+                <a:ea typeface="+mn-ea"/>
+                <a:cs typeface="+mn-cs"/>
+              </a:rPr>
+              <a:t>, wild type; , </a:t>
+            </a:r>
+            <a:r>
+              <a:rPr lang="en-US" sz="1200" b="0" i="1" u="none" strike="noStrike" kern="1200" baseline="0" dirty="0" smtClean="0">
+                <a:solidFill>
+                  <a:schemeClr val="tx1"/>
+                </a:solidFill>
+                <a:latin typeface="+mn-lt"/>
+                <a:ea typeface="+mn-ea"/>
+                <a:cs typeface="+mn-cs"/>
+              </a:rPr>
+              <a:t>Sycp1</a:t>
+            </a:r>
+            <a:r>
+              <a:rPr lang="en-US" sz="1200" b="0" i="0" u="none" strike="noStrike" kern="1200" baseline="0" dirty="0" smtClean="0">
+                <a:solidFill>
+                  <a:schemeClr val="tx1"/>
+                </a:solidFill>
+                <a:latin typeface="+mn-lt"/>
+                <a:ea typeface="+mn-ea"/>
+                <a:cs typeface="+mn-cs"/>
+              </a:rPr>
+              <a:t>/.</a:t>
+            </a:r>
             <a:endParaRPr lang="en-US" dirty="0"/>
           </a:p>
         </p:txBody>
@@ -1597,7 +2523,7 @@
           <a:p>
             <a:fld id="{2788907E-C72E-4D7B-B8CA-F158589AC799}" type="slidenum">
               <a:rPr lang="en-US" smtClean="0"/>
-              <a:t>10</a:t>
+              <a:t>11</a:t>
             </a:fld>
             <a:endParaRPr lang="en-US"/>
           </a:p>
@@ -1606,7 +2532,7 @@
     </p:spTree>
     <p:extLst>
       <p:ext uri="{BB962C8B-B14F-4D97-AF65-F5344CB8AC3E}">
-        <p14:creationId xmlns:p14="http://schemas.microsoft.com/office/powerpoint/2010/main" val="3243097393"/>
+        <p14:creationId xmlns:p14="http://schemas.microsoft.com/office/powerpoint/2010/main" val="2812527262"/>
       </p:ext>
     </p:extLst>
   </p:cSld>
@@ -1662,79 +2588,63 @@
           <a:p>
             <a:r>
               <a:rPr lang="en-US" dirty="0" smtClean="0"/>
-              <a:t>(motivation)</a:t>
-            </a:r>
-          </a:p>
-          <a:p>
-            <a:r>
-              <a:rPr lang="en-US" dirty="0" smtClean="0"/>
-              <a:t>Given the findings</a:t>
+              <a:t>The</a:t>
             </a:r>
             <a:r>
               <a:rPr lang="en-US" baseline="0" dirty="0" smtClean="0"/>
-              <a:t> with the </a:t>
-            </a:r>
-            <a:r>
-              <a:rPr lang="en-US" baseline="0" dirty="0" err="1" smtClean="0"/>
-              <a:t>gwRR</a:t>
-            </a:r>
+              <a:t> overall narrative I’m trying to weave – more variance in females</a:t>
+            </a:r>
+          </a:p>
+          <a:p>
             <a:r>
               <a:rPr lang="en-US" baseline="0" dirty="0" smtClean="0"/>
-              <a:t> -&gt; </a:t>
-            </a:r>
-            <a:r>
-              <a:rPr lang="en-US" baseline="0" dirty="0" err="1" smtClean="0"/>
-              <a:t>chrm</a:t>
-            </a:r>
+              <a:t>-Between cells (MLH1 counts)</a:t>
+            </a:r>
+          </a:p>
+          <a:p>
             <a:r>
               <a:rPr lang="en-US" baseline="0" dirty="0" smtClean="0"/>
-              <a:t> proportions -&gt; look at single bivalent pattern</a:t>
-            </a:r>
-          </a:p>
-          <a:p>
-            <a:endParaRPr lang="en-US" baseline="0" dirty="0" smtClean="0"/>
+              <a:t>- Uniform spacing (the 1CO position is not regulated)  (F1 variance is probably larger (F1nrm))</a:t>
+            </a:r>
           </a:p>
           <a:p>
             <a:r>
               <a:rPr lang="en-US" baseline="0" dirty="0" smtClean="0"/>
-              <a:t>(chromatin compaction, interference and known sex specific rec landscape features)</a:t>
-            </a:r>
-          </a:p>
-          <a:p>
-            <a:endParaRPr lang="en-US" baseline="0" dirty="0" smtClean="0"/>
-          </a:p>
-          <a:p>
+              <a:t>- IFD spacing / interference strength</a:t>
+            </a:r>
+          </a:p>
+          <a:p>
+            <a:endParaRPr lang="en-US" dirty="0" smtClean="0"/>
+          </a:p>
+          <a:p>
+            <a:r>
+              <a:rPr lang="en-US" dirty="0" smtClean="0"/>
+              <a:t>- Lack of distinction between</a:t>
+            </a:r>
             <a:r>
               <a:rPr lang="en-US" baseline="0" dirty="0" smtClean="0"/>
-              <a:t>(Brief summary for dataset)</a:t>
-            </a:r>
-          </a:p>
-          <a:p>
-            <a:endParaRPr lang="en-US" baseline="0" dirty="0" smtClean="0"/>
-          </a:p>
-          <a:p>
+              <a:t> 1CO and 2CO lengths</a:t>
+            </a:r>
+            <a:endParaRPr lang="en-US" dirty="0" smtClean="0"/>
+          </a:p>
+          <a:p>
+            <a:endParaRPr lang="en-US" dirty="0" smtClean="0"/>
+          </a:p>
+          <a:p>
+            <a:r>
+              <a:rPr lang="en-US" dirty="0" smtClean="0"/>
+              <a:t>(longer</a:t>
+            </a:r>
             <a:r>
               <a:rPr lang="en-US" baseline="0" dirty="0" smtClean="0"/>
-              <a:t>(Focus is on 2 main questions)</a:t>
-            </a:r>
-          </a:p>
-          <a:p>
-            <a:endParaRPr lang="en-US" baseline="0" dirty="0" smtClean="0"/>
-          </a:p>
-          <a:p>
-            <a:r>
-              <a:rPr lang="en-US" baseline="0" dirty="0" smtClean="0"/>
-              <a:t>Animate so that they appear sequentially, then ii) fades</a:t>
-            </a:r>
-          </a:p>
-          <a:p>
-            <a:endParaRPr lang="en-US" baseline="0" dirty="0" smtClean="0"/>
-          </a:p>
-          <a:p>
-            <a:r>
-              <a:rPr lang="en-US" dirty="0" smtClean="0"/>
-              <a:t>Example questions</a:t>
-            </a:r>
+              <a:t> SC lengths (variance in SC length / I’m not sure this makes sense)</a:t>
+            </a:r>
+            <a:r>
+              <a:rPr lang="en-US" dirty="0" smtClean="0"/>
+              <a:t>)</a:t>
+            </a:r>
+          </a:p>
+          <a:p>
             <a:endParaRPr lang="en-US" dirty="0"/>
           </a:p>
         </p:txBody>
@@ -1756,7 +2666,7 @@
           <a:p>
             <a:fld id="{2788907E-C72E-4D7B-B8CA-F158589AC799}" type="slidenum">
               <a:rPr lang="en-US" smtClean="0"/>
-              <a:t>11</a:t>
+              <a:t>12</a:t>
             </a:fld>
             <a:endParaRPr lang="en-US"/>
           </a:p>
@@ -1765,7 +2675,7 @@
     </p:spTree>
     <p:extLst>
       <p:ext uri="{BB962C8B-B14F-4D97-AF65-F5344CB8AC3E}">
-        <p14:creationId xmlns:p14="http://schemas.microsoft.com/office/powerpoint/2010/main" val="3575860465"/>
+        <p14:creationId xmlns:p14="http://schemas.microsoft.com/office/powerpoint/2010/main" val="3243097393"/>
       </p:ext>
     </p:extLst>
   </p:cSld>
@@ -1906,7 +2816,7 @@
           <a:p>
             <a:fld id="{BA11E091-050C-4DAB-ABC8-34B3B7B173DA}" type="datetimeFigureOut">
               <a:rPr lang="en-US" smtClean="0"/>
-              <a:t>2/2/2020</a:t>
+              <a:t>2/3/2020</a:t>
             </a:fld>
             <a:endParaRPr lang="en-US"/>
           </a:p>
@@ -2076,7 +2986,7 @@
           <a:p>
             <a:fld id="{BA11E091-050C-4DAB-ABC8-34B3B7B173DA}" type="datetimeFigureOut">
               <a:rPr lang="en-US" smtClean="0"/>
-              <a:t>2/2/2020</a:t>
+              <a:t>2/3/2020</a:t>
             </a:fld>
             <a:endParaRPr lang="en-US"/>
           </a:p>
@@ -2256,7 +3166,7 @@
           <a:p>
             <a:fld id="{BA11E091-050C-4DAB-ABC8-34B3B7B173DA}" type="datetimeFigureOut">
               <a:rPr lang="en-US" smtClean="0"/>
-              <a:t>2/2/2020</a:t>
+              <a:t>2/3/2020</a:t>
             </a:fld>
             <a:endParaRPr lang="en-US"/>
           </a:p>
@@ -2426,7 +3336,7 @@
           <a:p>
             <a:fld id="{BA11E091-050C-4DAB-ABC8-34B3B7B173DA}" type="datetimeFigureOut">
               <a:rPr lang="en-US" smtClean="0"/>
-              <a:t>2/2/2020</a:t>
+              <a:t>2/3/2020</a:t>
             </a:fld>
             <a:endParaRPr lang="en-US"/>
           </a:p>
@@ -2672,7 +3582,7 @@
           <a:p>
             <a:fld id="{BA11E091-050C-4DAB-ABC8-34B3B7B173DA}" type="datetimeFigureOut">
               <a:rPr lang="en-US" smtClean="0"/>
-              <a:t>2/2/2020</a:t>
+              <a:t>2/3/2020</a:t>
             </a:fld>
             <a:endParaRPr lang="en-US"/>
           </a:p>
@@ -2904,7 +3814,7 @@
           <a:p>
             <a:fld id="{BA11E091-050C-4DAB-ABC8-34B3B7B173DA}" type="datetimeFigureOut">
               <a:rPr lang="en-US" smtClean="0"/>
-              <a:t>2/2/2020</a:t>
+              <a:t>2/3/2020</a:t>
             </a:fld>
             <a:endParaRPr lang="en-US"/>
           </a:p>
@@ -3271,7 +4181,7 @@
           <a:p>
             <a:fld id="{BA11E091-050C-4DAB-ABC8-34B3B7B173DA}" type="datetimeFigureOut">
               <a:rPr lang="en-US" smtClean="0"/>
-              <a:t>2/2/2020</a:t>
+              <a:t>2/3/2020</a:t>
             </a:fld>
             <a:endParaRPr lang="en-US"/>
           </a:p>
@@ -3389,7 +4299,7 @@
           <a:p>
             <a:fld id="{BA11E091-050C-4DAB-ABC8-34B3B7B173DA}" type="datetimeFigureOut">
               <a:rPr lang="en-US" smtClean="0"/>
-              <a:t>2/2/2020</a:t>
+              <a:t>2/3/2020</a:t>
             </a:fld>
             <a:endParaRPr lang="en-US"/>
           </a:p>
@@ -3484,7 +4394,7 @@
           <a:p>
             <a:fld id="{BA11E091-050C-4DAB-ABC8-34B3B7B173DA}" type="datetimeFigureOut">
               <a:rPr lang="en-US" smtClean="0"/>
-              <a:t>2/2/2020</a:t>
+              <a:t>2/3/2020</a:t>
             </a:fld>
             <a:endParaRPr lang="en-US"/>
           </a:p>
@@ -3761,7 +4671,7 @@
           <a:p>
             <a:fld id="{BA11E091-050C-4DAB-ABC8-34B3B7B173DA}" type="datetimeFigureOut">
               <a:rPr lang="en-US" smtClean="0"/>
-              <a:t>2/2/2020</a:t>
+              <a:t>2/3/2020</a:t>
             </a:fld>
             <a:endParaRPr lang="en-US"/>
           </a:p>
@@ -4014,7 +4924,7 @@
           <a:p>
             <a:fld id="{BA11E091-050C-4DAB-ABC8-34B3B7B173DA}" type="datetimeFigureOut">
               <a:rPr lang="en-US" smtClean="0"/>
-              <a:t>2/2/2020</a:t>
+              <a:t>2/3/2020</a:t>
             </a:fld>
             <a:endParaRPr lang="en-US"/>
           </a:p>
@@ -4227,7 +5137,7 @@
           <a:p>
             <a:fld id="{BA11E091-050C-4DAB-ABC8-34B3B7B173DA}" type="datetimeFigureOut">
               <a:rPr lang="en-US" smtClean="0"/>
-              <a:t>2/2/2020</a:t>
+              <a:t>2/3/2020</a:t>
             </a:fld>
             <a:endParaRPr lang="en-US"/>
           </a:p>
@@ -4721,7 +5631,7 @@
           <a:p>
             <a:r>
               <a:rPr lang="en-US" dirty="0" smtClean="0"/>
-              <a:t>Summarize sex specific bivalent patterns</a:t>
+              <a:t>(surprising IFD results)</a:t>
             </a:r>
             <a:endParaRPr lang="en-US" dirty="0"/>
           </a:p>
@@ -4740,84 +5650,79 @@
         <p:spPr/>
         <p:txBody>
           <a:bodyPr>
-            <a:normAutofit fontScale="92500" lnSpcReduction="10000"/>
+            <a:normAutofit fontScale="92500"/>
           </a:bodyPr>
           <a:lstStyle/>
           <a:p>
-            <a:r>
-              <a:rPr lang="en-US" dirty="0" smtClean="0"/>
-              <a:t>(figure ideas?)</a:t>
-            </a:r>
-          </a:p>
-          <a:p>
-            <a:r>
-              <a:rPr lang="en-US" dirty="0" smtClean="0"/>
-              <a:t>Main data / tables</a:t>
-            </a:r>
-          </a:p>
-          <a:p>
             <a:pPr marL="0" indent="0">
               <a:buNone/>
             </a:pPr>
             <a:r>
               <a:rPr lang="en-US" dirty="0" smtClean="0"/>
-              <a:t>Conserved sex specific metrics for single bivalents during meiosis</a:t>
-            </a:r>
+              <a:t>Review results from de Boer (only sex comparison of both sexes)</a:t>
+            </a:r>
+          </a:p>
+          <a:p>
+            <a:r>
+              <a:rPr lang="en-US" dirty="0" smtClean="0"/>
+              <a:t>(illustrate strange results for sex difference in interference?)n</a:t>
+            </a:r>
+          </a:p>
+          <a:p>
+            <a:r>
+              <a:rPr lang="en-US" dirty="0" smtClean="0"/>
+              <a:t>Strange </a:t>
+            </a:r>
+            <a:r>
+              <a:rPr lang="en-US" dirty="0" smtClean="0"/>
+              <a:t>coefficients </a:t>
+            </a:r>
+            <a:r>
+              <a:rPr lang="en-US" dirty="0" smtClean="0"/>
+              <a:t>for the IFD values across sexes</a:t>
+            </a:r>
+          </a:p>
+          <a:p>
+            <a:endParaRPr lang="en-US" dirty="0"/>
           </a:p>
           <a:p>
             <a:pPr marL="0" indent="0">
               <a:buNone/>
             </a:pPr>
             <a:r>
-              <a:rPr lang="en-US" dirty="0"/>
-              <a:t>	</a:t>
-            </a:r>
-            <a:r>
-              <a:rPr lang="en-US" dirty="0" smtClean="0"/>
-              <a:t>- SC compaction</a:t>
-            </a:r>
-          </a:p>
-          <a:p>
-            <a:pPr marL="0" indent="0">
-              <a:buNone/>
-            </a:pPr>
-            <a:r>
-              <a:rPr lang="en-US" dirty="0"/>
-              <a:t>	</a:t>
-            </a:r>
-            <a:r>
-              <a:rPr lang="en-US" dirty="0" smtClean="0"/>
-              <a:t>- uniform CO placement</a:t>
-            </a:r>
-          </a:p>
-          <a:p>
-            <a:pPr marL="0" indent="0">
-              <a:buNone/>
-            </a:pPr>
-            <a:r>
-              <a:rPr lang="en-US" dirty="0" smtClean="0"/>
-              <a:t>Surprise, interference is not conserved… (raw value long in females, normalized versions females have sub class of close together </a:t>
-            </a:r>
-          </a:p>
-          <a:p>
-            <a:pPr marL="0" indent="0">
-              <a:buNone/>
-            </a:pPr>
+              <a:rPr lang="en-US" dirty="0" smtClean="0"/>
+              <a:t>over all pattern:</a:t>
+            </a:r>
+          </a:p>
+          <a:p>
+            <a:r>
+              <a:rPr lang="en-US" dirty="0" smtClean="0"/>
+              <a:t>Female IFD are longer, but the lower </a:t>
+            </a:r>
+            <a:r>
+              <a:rPr lang="en-US" dirty="0" err="1" smtClean="0"/>
+              <a:t>nrmIFD</a:t>
+            </a:r>
+            <a:r>
+              <a:rPr lang="en-US" dirty="0" smtClean="0"/>
+              <a:t> in females is driven by enrichment for short </a:t>
+            </a:r>
+            <a:r>
+              <a:rPr lang="en-US" dirty="0" err="1" smtClean="0"/>
+              <a:t>nrmIFD</a:t>
+            </a:r>
+            <a:r>
+              <a:rPr lang="en-US" dirty="0" smtClean="0"/>
+              <a:t> compared to males.</a:t>
+            </a:r>
+          </a:p>
+          <a:p>
             <a:endParaRPr lang="en-US" dirty="0"/>
           </a:p>
           <a:p>
             <a:r>
               <a:rPr lang="en-US" dirty="0" smtClean="0"/>
-              <a:t>General pattern – for revisiting in discussion</a:t>
-            </a:r>
-          </a:p>
-          <a:p>
-            <a:pPr marL="0" indent="0">
-              <a:buNone/>
-            </a:pPr>
-            <a:r>
-              <a:rPr lang="en-US" dirty="0" smtClean="0"/>
-              <a:t>Female meiotic pathway is less controlled/regulated </a:t>
+              <a:t>(can I connect this result to a less regulated meiotic pathway in females?)</a:t>
             </a:r>
             <a:endParaRPr lang="en-US" dirty="0"/>
           </a:p>
@@ -4826,7 +5731,7 @@
     </p:spTree>
     <p:extLst>
       <p:ext uri="{BB962C8B-B14F-4D97-AF65-F5344CB8AC3E}">
-        <p14:creationId xmlns:p14="http://schemas.microsoft.com/office/powerpoint/2010/main" val="2138578714"/>
+        <p14:creationId xmlns:p14="http://schemas.microsoft.com/office/powerpoint/2010/main" val="1850133818"/>
       </p:ext>
     </p:extLst>
   </p:cSld>
@@ -4876,12 +5781,297 @@
           <a:lstStyle/>
           <a:p>
             <a:r>
-              <a:rPr lang="en-US" dirty="0" smtClean="0"/>
-              <a:t>Single </a:t>
-            </a:r>
-            <a:r>
-              <a:rPr lang="en-US" dirty="0" smtClean="0"/>
-              <a:t>Bivalent patterns</a:t>
+              <a:rPr lang="en-US" dirty="0" err="1" smtClean="0"/>
+              <a:t>DeBoer</a:t>
+            </a:r>
+            <a:r>
+              <a:rPr lang="en-US" dirty="0" smtClean="0"/>
+              <a:t> et al 2006</a:t>
+            </a:r>
+            <a:endParaRPr lang="en-US" dirty="0"/>
+          </a:p>
+        </p:txBody>
+      </p:sp>
+      <p:pic>
+        <p:nvPicPr>
+          <p:cNvPr id="4" name="Picture 3"/>
+          <p:cNvPicPr>
+            <a:picLocks noChangeAspect="1"/>
+          </p:cNvPicPr>
+          <p:nvPr/>
+        </p:nvPicPr>
+        <p:blipFill rotWithShape="1">
+          <a:blip r:embed="rId3"/>
+          <a:srcRect b="65417"/>
+          <a:stretch/>
+        </p:blipFill>
+        <p:spPr>
+          <a:xfrm>
+            <a:off x="0" y="1648717"/>
+            <a:ext cx="5549578" cy="5209283"/>
+          </a:xfrm>
+          <a:prstGeom prst="rect">
+            <a:avLst/>
+          </a:prstGeom>
+        </p:spPr>
+      </p:pic>
+      <p:pic>
+        <p:nvPicPr>
+          <p:cNvPr id="5" name="Picture 4"/>
+          <p:cNvPicPr>
+            <a:picLocks noChangeAspect="1"/>
+          </p:cNvPicPr>
+          <p:nvPr/>
+        </p:nvPicPr>
+        <p:blipFill rotWithShape="1">
+          <a:blip r:embed="rId3"/>
+          <a:srcRect t="34456"/>
+          <a:stretch/>
+        </p:blipFill>
+        <p:spPr>
+          <a:xfrm>
+            <a:off x="7264561" y="-416894"/>
+            <a:ext cx="4089239" cy="7274894"/>
+          </a:xfrm>
+          <a:prstGeom prst="rect">
+            <a:avLst/>
+          </a:prstGeom>
+        </p:spPr>
+      </p:pic>
+      <p:sp>
+        <p:nvSpPr>
+          <p:cNvPr id="6" name="TextBox 5"/>
+          <p:cNvSpPr txBox="1"/>
+          <p:nvPr/>
+        </p:nvSpPr>
+        <p:spPr>
+          <a:xfrm>
+            <a:off x="5549578" y="0"/>
+            <a:ext cx="1156022" cy="1200329"/>
+          </a:xfrm>
+          <a:prstGeom prst="rect">
+            <a:avLst/>
+          </a:prstGeom>
+          <a:noFill/>
+        </p:spPr>
+        <p:txBody>
+          <a:bodyPr wrap="square" rtlCol="0">
+            <a:spAutoFit/>
+          </a:bodyPr>
+          <a:lstStyle/>
+          <a:p>
+            <a:r>
+              <a:rPr lang="en-US" dirty="0" smtClean="0"/>
+              <a:t>Number of foci upper left, </a:t>
+            </a:r>
+            <a:endParaRPr lang="en-US" dirty="0"/>
+          </a:p>
+        </p:txBody>
+      </p:sp>
+    </p:spTree>
+    <p:extLst>
+      <p:ext uri="{BB962C8B-B14F-4D97-AF65-F5344CB8AC3E}">
+        <p14:creationId xmlns:p14="http://schemas.microsoft.com/office/powerpoint/2010/main" val="4132457522"/>
+      </p:ext>
+    </p:extLst>
+  </p:cSld>
+  <p:clrMapOvr>
+    <a:masterClrMapping/>
+  </p:clrMapOvr>
+</p:sld>
+</file>
+
+<file path=ppt/slides/slide12.xml><?xml version="1.0" encoding="utf-8"?>
+<p:sld xmlns:a="http://schemas.openxmlformats.org/drawingml/2006/main" xmlns:r="http://schemas.openxmlformats.org/officeDocument/2006/relationships" xmlns:p="http://schemas.openxmlformats.org/presentationml/2006/main">
+  <p:cSld>
+    <p:spTree>
+      <p:nvGrpSpPr>
+        <p:cNvPr id="1" name=""/>
+        <p:cNvGrpSpPr/>
+        <p:nvPr/>
+      </p:nvGrpSpPr>
+      <p:grpSpPr>
+        <a:xfrm>
+          <a:off x="0" y="0"/>
+          <a:ext cx="0" cy="0"/>
+          <a:chOff x="0" y="0"/>
+          <a:chExt cx="0" cy="0"/>
+        </a:xfrm>
+      </p:grpSpPr>
+      <p:sp>
+        <p:nvSpPr>
+          <p:cNvPr id="2" name="Title 1"/>
+          <p:cNvSpPr>
+            <a:spLocks noGrp="1"/>
+          </p:cNvSpPr>
+          <p:nvPr>
+            <p:ph type="title"/>
+          </p:nvPr>
+        </p:nvSpPr>
+        <p:spPr/>
+        <p:txBody>
+          <a:bodyPr/>
+          <a:lstStyle/>
+          <a:p>
+            <a:r>
+              <a:rPr lang="en-US" dirty="0" smtClean="0"/>
+              <a:t>Summarize sex specific bivalent patterns</a:t>
+            </a:r>
+            <a:endParaRPr lang="en-US" dirty="0"/>
+          </a:p>
+        </p:txBody>
+      </p:sp>
+      <p:sp>
+        <p:nvSpPr>
+          <p:cNvPr id="3" name="Content Placeholder 2"/>
+          <p:cNvSpPr>
+            <a:spLocks noGrp="1"/>
+          </p:cNvSpPr>
+          <p:nvPr>
+            <p:ph idx="1"/>
+          </p:nvPr>
+        </p:nvSpPr>
+        <p:spPr/>
+        <p:txBody>
+          <a:bodyPr>
+            <a:normAutofit fontScale="92500" lnSpcReduction="10000"/>
+          </a:bodyPr>
+          <a:lstStyle/>
+          <a:p>
+            <a:r>
+              <a:rPr lang="en-US" dirty="0" smtClean="0"/>
+              <a:t>(figure ideas?)</a:t>
+            </a:r>
+          </a:p>
+          <a:p>
+            <a:r>
+              <a:rPr lang="en-US" dirty="0" smtClean="0"/>
+              <a:t>Main data / tables</a:t>
+            </a:r>
+          </a:p>
+          <a:p>
+            <a:pPr marL="0" indent="0">
+              <a:buNone/>
+            </a:pPr>
+            <a:r>
+              <a:rPr lang="en-US" dirty="0" smtClean="0"/>
+              <a:t>Conserved sex specific metrics for single bivalents during meiosis</a:t>
+            </a:r>
+          </a:p>
+          <a:p>
+            <a:pPr marL="0" indent="0">
+              <a:buNone/>
+            </a:pPr>
+            <a:r>
+              <a:rPr lang="en-US" dirty="0"/>
+              <a:t>	</a:t>
+            </a:r>
+            <a:r>
+              <a:rPr lang="en-US" dirty="0" smtClean="0"/>
+              <a:t>- SC compaction</a:t>
+            </a:r>
+          </a:p>
+          <a:p>
+            <a:pPr marL="0" indent="0">
+              <a:buNone/>
+            </a:pPr>
+            <a:r>
+              <a:rPr lang="en-US" dirty="0"/>
+              <a:t>	</a:t>
+            </a:r>
+            <a:r>
+              <a:rPr lang="en-US" dirty="0" smtClean="0"/>
+              <a:t>- uniform CO placement</a:t>
+            </a:r>
+          </a:p>
+          <a:p>
+            <a:pPr marL="0" indent="0">
+              <a:buNone/>
+            </a:pPr>
+            <a:r>
+              <a:rPr lang="en-US" dirty="0" smtClean="0"/>
+              <a:t>Surprise, interference is not conserved… (raw value long in females, normalized versions females have sub class of close together </a:t>
+            </a:r>
+          </a:p>
+          <a:p>
+            <a:pPr marL="0" indent="0">
+              <a:buNone/>
+            </a:pPr>
+            <a:endParaRPr lang="en-US" dirty="0"/>
+          </a:p>
+          <a:p>
+            <a:r>
+              <a:rPr lang="en-US" dirty="0" smtClean="0"/>
+              <a:t>General pattern – for revisiting in discussion</a:t>
+            </a:r>
+          </a:p>
+          <a:p>
+            <a:pPr marL="0" indent="0">
+              <a:buNone/>
+            </a:pPr>
+            <a:r>
+              <a:rPr lang="en-US" dirty="0" smtClean="0"/>
+              <a:t>Female meiotic pathway is less controlled/regulated </a:t>
+            </a:r>
+            <a:endParaRPr lang="en-US" dirty="0"/>
+          </a:p>
+        </p:txBody>
+      </p:sp>
+    </p:spTree>
+    <p:extLst>
+      <p:ext uri="{BB962C8B-B14F-4D97-AF65-F5344CB8AC3E}">
+        <p14:creationId xmlns:p14="http://schemas.microsoft.com/office/powerpoint/2010/main" val="2138578714"/>
+      </p:ext>
+    </p:extLst>
+  </p:cSld>
+  <p:clrMapOvr>
+    <a:masterClrMapping/>
+  </p:clrMapOvr>
+  <p:timing>
+    <p:tnLst>
+      <p:par>
+        <p:cTn id="1" dur="indefinite" restart="never" nodeType="tmRoot"/>
+      </p:par>
+    </p:tnLst>
+  </p:timing>
+</p:sld>
+</file>
+
+<file path=ppt/slides/slide13.xml><?xml version="1.0" encoding="utf-8"?>
+<p:sld xmlns:a="http://schemas.openxmlformats.org/drawingml/2006/main" xmlns:r="http://schemas.openxmlformats.org/officeDocument/2006/relationships" xmlns:p="http://schemas.openxmlformats.org/presentationml/2006/main">
+  <p:cSld>
+    <p:spTree>
+      <p:nvGrpSpPr>
+        <p:cNvPr id="1" name=""/>
+        <p:cNvGrpSpPr/>
+        <p:nvPr/>
+      </p:nvGrpSpPr>
+      <p:grpSpPr>
+        <a:xfrm>
+          <a:off x="0" y="0"/>
+          <a:ext cx="0" cy="0"/>
+          <a:chOff x="0" y="0"/>
+          <a:chExt cx="0" cy="0"/>
+        </a:xfrm>
+      </p:grpSpPr>
+      <p:sp>
+        <p:nvSpPr>
+          <p:cNvPr id="2" name="Title 1"/>
+          <p:cNvSpPr>
+            <a:spLocks noGrp="1"/>
+          </p:cNvSpPr>
+          <p:nvPr>
+            <p:ph type="title"/>
+          </p:nvPr>
+        </p:nvSpPr>
+        <p:spPr/>
+        <p:txBody>
+          <a:bodyPr/>
+          <a:lstStyle/>
+          <a:p>
+            <a:r>
+              <a:rPr lang="en-US" dirty="0" smtClean="0"/>
+              <a:t>Single Bivalent patterns</a:t>
             </a:r>
             <a:endParaRPr lang="en-US" dirty="0"/>
           </a:p>
@@ -4918,17 +6108,8 @@
             </a:pPr>
             <a:r>
               <a:rPr lang="en-US" dirty="0" smtClean="0"/>
-              <a:t>-</a:t>
-            </a:r>
-            <a:r>
-              <a:rPr lang="en-US" dirty="0" smtClean="0"/>
-              <a:t>BRIEF, description of </a:t>
-            </a:r>
-            <a:r>
-              <a:rPr lang="en-US" dirty="0" smtClean="0"/>
-              <a:t>data,  ()</a:t>
-            </a:r>
-            <a:endParaRPr lang="en-US" dirty="0" smtClean="0"/>
+              <a:t>-BRIEF, description of data,  ()</a:t>
+            </a:r>
           </a:p>
           <a:p>
             <a:pPr marL="0" indent="0">
@@ -4994,11 +6175,7 @@
             </a:r>
             <a:r>
               <a:rPr lang="en-US" dirty="0" smtClean="0"/>
-              <a:t>strain</a:t>
-            </a:r>
-            <a:r>
-              <a:rPr lang="en-US" dirty="0" smtClean="0"/>
-              <a:t>?</a:t>
+              <a:t>strain?</a:t>
             </a:r>
           </a:p>
           <a:p>
@@ -5485,7 +6662,7 @@
 </p:sld>
 </file>
 
-<file path=ppt/slides/slide12.xml><?xml version="1.0" encoding="utf-8"?>
+<file path=ppt/slides/slide14.xml><?xml version="1.0" encoding="utf-8"?>
 <p:sld xmlns:a="http://schemas.openxmlformats.org/drawingml/2006/main" xmlns:r="http://schemas.openxmlformats.org/officeDocument/2006/relationships" xmlns:p="http://schemas.openxmlformats.org/presentationml/2006/main">
   <p:cSld>
     <p:spTree>
@@ -5682,7 +6859,7 @@
 </p:sld>
 </file>
 
-<file path=ppt/slides/slide13.xml><?xml version="1.0" encoding="utf-8"?>
+<file path=ppt/slides/slide15.xml><?xml version="1.0" encoding="utf-8"?>
 <p:sld xmlns:a="http://schemas.openxmlformats.org/drawingml/2006/main" xmlns:r="http://schemas.openxmlformats.org/officeDocument/2006/relationships" xmlns:p="http://schemas.openxmlformats.org/presentationml/2006/main">
   <p:cSld>
     <p:spTree>
@@ -5854,11 +7031,7 @@
           <a:p>
             <a:r>
               <a:rPr lang="en-US" dirty="0" smtClean="0"/>
-              <a:t>Basic frame </a:t>
-            </a:r>
-            <a:r>
-              <a:rPr lang="en-US" dirty="0" smtClean="0"/>
-              <a:t>work – to investigate the patterns of variation and evolution – use Mixed model;</a:t>
+              <a:t>Basic frame work – to investigate the patterns of variation and evolution – use Mixed model;</a:t>
             </a:r>
           </a:p>
           <a:p>
@@ -6086,6 +7259,100 @@
 </file>
 
 <file path=ppt/slides/slide4.xml><?xml version="1.0" encoding="utf-8"?>
+<p:sld xmlns:a="http://schemas.openxmlformats.org/drawingml/2006/main" xmlns:r="http://schemas.openxmlformats.org/officeDocument/2006/relationships" xmlns:p="http://schemas.openxmlformats.org/presentationml/2006/main">
+  <p:cSld>
+    <p:spTree>
+      <p:nvGrpSpPr>
+        <p:cNvPr id="1" name=""/>
+        <p:cNvGrpSpPr/>
+        <p:nvPr/>
+      </p:nvGrpSpPr>
+      <p:grpSpPr>
+        <a:xfrm>
+          <a:off x="0" y="0"/>
+          <a:ext cx="0" cy="0"/>
+          <a:chOff x="0" y="0"/>
+          <a:chExt cx="0" cy="0"/>
+        </a:xfrm>
+      </p:grpSpPr>
+      <p:sp>
+        <p:nvSpPr>
+          <p:cNvPr id="2" name="Title 1"/>
+          <p:cNvSpPr>
+            <a:spLocks noGrp="1"/>
+          </p:cNvSpPr>
+          <p:nvPr>
+            <p:ph type="title"/>
+          </p:nvPr>
+        </p:nvSpPr>
+        <p:spPr/>
+        <p:txBody>
+          <a:bodyPr/>
+          <a:lstStyle/>
+          <a:p>
+            <a:endParaRPr lang="en-US"/>
+          </a:p>
+        </p:txBody>
+      </p:sp>
+      <p:sp>
+        <p:nvSpPr>
+          <p:cNvPr id="3" name="Content Placeholder 2"/>
+          <p:cNvSpPr>
+            <a:spLocks noGrp="1"/>
+          </p:cNvSpPr>
+          <p:nvPr>
+            <p:ph idx="1"/>
+          </p:nvPr>
+        </p:nvSpPr>
+        <p:spPr/>
+        <p:txBody>
+          <a:bodyPr/>
+          <a:lstStyle/>
+          <a:p>
+            <a:r>
+              <a:rPr lang="en-US" dirty="0" err="1" smtClean="0"/>
+              <a:t>Lmer</a:t>
+            </a:r>
+            <a:r>
+              <a:rPr lang="en-US" dirty="0" smtClean="0"/>
+              <a:t>()</a:t>
+            </a:r>
+          </a:p>
+          <a:p>
+            <a:r>
+              <a:rPr lang="en-US" dirty="0" err="1" smtClean="0"/>
+              <a:t>Mouse.ave</a:t>
+            </a:r>
+            <a:r>
+              <a:rPr lang="en-US" dirty="0" smtClean="0"/>
+              <a:t> ~ </a:t>
+            </a:r>
+            <a:r>
+              <a:rPr lang="en-US" dirty="0" err="1" smtClean="0"/>
+              <a:t>subsp</a:t>
+            </a:r>
+            <a:r>
+              <a:rPr lang="en-US" dirty="0" smtClean="0"/>
+              <a:t> * sex + (1|strain)</a:t>
+            </a:r>
+            <a:endParaRPr lang="en-US" dirty="0"/>
+          </a:p>
+        </p:txBody>
+      </p:sp>
+    </p:spTree>
+    <p:extLst>
+      <p:ext uri="{BB962C8B-B14F-4D97-AF65-F5344CB8AC3E}">
+        <p14:creationId xmlns:p14="http://schemas.microsoft.com/office/powerpoint/2010/main" val="1413494568"/>
+      </p:ext>
+    </p:extLst>
+  </p:cSld>
+  <p:clrMapOvr>
+    <a:masterClrMapping/>
+  </p:clrMapOvr>
+</p:sld>
+</file>
+
+<file path=ppt/slides/slide5.xml><?xml version="1.0" encoding="utf-8"?>
 <p:sld xmlns:a="http://schemas.openxmlformats.org/drawingml/2006/main" xmlns:r="http://schemas.openxmlformats.org/officeDocument/2006/relationships" xmlns:p="http://schemas.openxmlformats.org/presentationml/2006/main">
   <p:cSld>
     <p:spTree>
@@ -6392,7 +7659,7 @@
 </p:sld>
 </file>
 
-<file path=ppt/slides/slide5.xml><?xml version="1.0" encoding="utf-8"?>
+<file path=ppt/slides/slide6.xml><?xml version="1.0" encoding="utf-8"?>
 <p:sld xmlns:a="http://schemas.openxmlformats.org/drawingml/2006/main" xmlns:r="http://schemas.openxmlformats.org/officeDocument/2006/relationships" xmlns:p="http://schemas.openxmlformats.org/presentationml/2006/main">
   <p:cSld>
     <p:spTree>
@@ -6486,7 +7753,7 @@
 </p:sld>
 </file>
 
-<file path=ppt/slides/slide6.xml><?xml version="1.0" encoding="utf-8"?>
+<file path=ppt/slides/slide7.xml><?xml version="1.0" encoding="utf-8"?>
 <p:sld xmlns:a="http://schemas.openxmlformats.org/drawingml/2006/main" xmlns:r="http://schemas.openxmlformats.org/officeDocument/2006/relationships" xmlns:p="http://schemas.openxmlformats.org/presentationml/2006/main">
   <p:cSld>
     <p:spTree>
@@ -6520,11 +7787,7 @@
           <a:p>
             <a:r>
               <a:rPr lang="en-US" dirty="0" smtClean="0"/>
-              <a:t>Single </a:t>
-            </a:r>
-            <a:r>
-              <a:rPr lang="en-US" dirty="0" smtClean="0"/>
-              <a:t>Bivalent patterns</a:t>
+              <a:t>Single Bivalent patterns</a:t>
             </a:r>
             <a:endParaRPr lang="en-US" dirty="0"/>
           </a:p>
@@ -6561,17 +7824,8 @@
             </a:pPr>
             <a:r>
               <a:rPr lang="en-US" dirty="0" smtClean="0"/>
-              <a:t>-</a:t>
-            </a:r>
-            <a:r>
-              <a:rPr lang="en-US" dirty="0" smtClean="0"/>
-              <a:t>BRIEF, description of </a:t>
-            </a:r>
-            <a:r>
-              <a:rPr lang="en-US" dirty="0" smtClean="0"/>
-              <a:t>data,  ()</a:t>
-            </a:r>
-            <a:endParaRPr lang="en-US" dirty="0" smtClean="0"/>
+              <a:t>-BRIEF, description of data,  ()</a:t>
+            </a:r>
           </a:p>
           <a:p>
             <a:pPr marL="0" indent="0">
@@ -6637,11 +7891,7 @@
             </a:r>
             <a:r>
               <a:rPr lang="en-US" dirty="0" smtClean="0"/>
-              <a:t>strain</a:t>
-            </a:r>
-            <a:r>
-              <a:rPr lang="en-US" dirty="0" smtClean="0"/>
-              <a:t>?</a:t>
+              <a:t>strain?</a:t>
             </a:r>
           </a:p>
           <a:p>
@@ -7128,7 +8378,7 @@
 </p:sld>
 </file>
 
-<file path=ppt/slides/slide7.xml><?xml version="1.0" encoding="utf-8"?>
+<file path=ppt/slides/slide8.xml><?xml version="1.0" encoding="utf-8"?>
 <p:sld xmlns:a="http://schemas.openxmlformats.org/drawingml/2006/main" xmlns:r="http://schemas.openxmlformats.org/officeDocument/2006/relationships" xmlns:p="http://schemas.openxmlformats.org/presentationml/2006/main">
   <p:cSld>
     <p:spTree>
@@ -7164,7 +8414,6 @@
               <a:rPr lang="en-US" dirty="0"/>
               <a:t>Predictions for differences between sexes</a:t>
             </a:r>
-            <a:endParaRPr lang="en-US" dirty="0"/>
           </a:p>
         </p:txBody>
       </p:sp>
@@ -7280,7 +8529,7 @@
 </p:sld>
 </file>
 
-<file path=ppt/slides/slide8.xml><?xml version="1.0" encoding="utf-8"?>
+<file path=ppt/slides/slide9.xml><?xml version="1.0" encoding="utf-8"?>
 <p:sld xmlns:a="http://schemas.openxmlformats.org/drawingml/2006/main" xmlns:r="http://schemas.openxmlformats.org/officeDocument/2006/relationships" xmlns:p="http://schemas.openxmlformats.org/presentationml/2006/main">
   <p:cSld>
     <p:spTree>
@@ -7538,11 +8787,7 @@
             </a:pPr>
             <a:r>
               <a:rPr lang="en-US" dirty="0" smtClean="0"/>
-              <a:t>1</a:t>
-            </a:r>
-            <a:r>
-              <a:rPr lang="en-US" dirty="0" smtClean="0"/>
-              <a:t>.</a:t>
+              <a:t>1.</a:t>
             </a:r>
             <a:r>
               <a:rPr lang="en-US" b="1" i="1" dirty="0" smtClean="0"/>
@@ -7556,11 +8801,7 @@
             </a:pPr>
             <a:r>
               <a:rPr lang="en-US" dirty="0" smtClean="0"/>
-              <a:t>2</a:t>
-            </a:r>
-            <a:r>
-              <a:rPr lang="en-US" dirty="0" smtClean="0"/>
-              <a:t>. </a:t>
+              <a:t>2. </a:t>
             </a:r>
             <a:r>
               <a:rPr lang="en-US" b="1" i="1" dirty="0" smtClean="0"/>
@@ -7833,165 +9074,6 @@
             </p:seq>
           </p:childTnLst>
         </p:cTn>
-      </p:par>
-    </p:tnLst>
-  </p:timing>
-</p:sld>
-</file>
-
-<file path=ppt/slides/slide9.xml><?xml version="1.0" encoding="utf-8"?>
-<p:sld xmlns:a="http://schemas.openxmlformats.org/drawingml/2006/main" xmlns:r="http://schemas.openxmlformats.org/officeDocument/2006/relationships" xmlns:p="http://schemas.openxmlformats.org/presentationml/2006/main">
-  <p:cSld>
-    <p:spTree>
-      <p:nvGrpSpPr>
-        <p:cNvPr id="1" name=""/>
-        <p:cNvGrpSpPr/>
-        <p:nvPr/>
-      </p:nvGrpSpPr>
-      <p:grpSpPr>
-        <a:xfrm>
-          <a:off x="0" y="0"/>
-          <a:ext cx="0" cy="0"/>
-          <a:chOff x="0" y="0"/>
-          <a:chExt cx="0" cy="0"/>
-        </a:xfrm>
-      </p:grpSpPr>
-      <p:sp>
-        <p:nvSpPr>
-          <p:cNvPr id="2" name="Title 1"/>
-          <p:cNvSpPr>
-            <a:spLocks noGrp="1"/>
-          </p:cNvSpPr>
-          <p:nvPr>
-            <p:ph type="title"/>
-          </p:nvPr>
-        </p:nvSpPr>
-        <p:spPr/>
-        <p:txBody>
-          <a:bodyPr/>
-          <a:lstStyle/>
-          <a:p>
-            <a:r>
-              <a:rPr lang="en-US" dirty="0" smtClean="0"/>
-              <a:t>(surprising IFD results)</a:t>
-            </a:r>
-            <a:endParaRPr lang="en-US" dirty="0"/>
-          </a:p>
-        </p:txBody>
-      </p:sp>
-      <p:sp>
-        <p:nvSpPr>
-          <p:cNvPr id="3" name="Content Placeholder 2"/>
-          <p:cNvSpPr>
-            <a:spLocks noGrp="1"/>
-          </p:cNvSpPr>
-          <p:nvPr>
-            <p:ph idx="1"/>
-          </p:nvPr>
-        </p:nvSpPr>
-        <p:spPr/>
-        <p:txBody>
-          <a:bodyPr>
-            <a:normAutofit fontScale="92500"/>
-          </a:bodyPr>
-          <a:lstStyle/>
-          <a:p>
-            <a:pPr marL="0" indent="0">
-              <a:buNone/>
-            </a:pPr>
-            <a:r>
-              <a:rPr lang="en-US" dirty="0" smtClean="0"/>
-              <a:t>Review results from de Boer (only sex comparison of both sexes)</a:t>
-            </a:r>
-          </a:p>
-          <a:p>
-            <a:r>
-              <a:rPr lang="en-US" dirty="0" smtClean="0"/>
-              <a:t>(</a:t>
-            </a:r>
-            <a:r>
-              <a:rPr lang="en-US" dirty="0" smtClean="0"/>
-              <a:t>illustrate strange results for sex difference in interference</a:t>
-            </a:r>
-            <a:r>
-              <a:rPr lang="en-US" dirty="0" smtClean="0"/>
-              <a:t>?)n</a:t>
-            </a:r>
-          </a:p>
-          <a:p>
-            <a:r>
-              <a:rPr lang="en-US" dirty="0" smtClean="0"/>
-              <a:t>Strange </a:t>
-            </a:r>
-            <a:r>
-              <a:rPr lang="en-US" dirty="0" err="1" smtClean="0"/>
-              <a:t>coefficicents</a:t>
-            </a:r>
-            <a:r>
-              <a:rPr lang="en-US" dirty="0" smtClean="0"/>
-              <a:t> for the IFD values across sexes</a:t>
-            </a:r>
-          </a:p>
-          <a:p>
-            <a:endParaRPr lang="en-US" dirty="0"/>
-          </a:p>
-          <a:p>
-            <a:pPr marL="0" indent="0">
-              <a:buNone/>
-            </a:pPr>
-            <a:r>
-              <a:rPr lang="en-US" dirty="0" smtClean="0"/>
-              <a:t>over all pattern:</a:t>
-            </a:r>
-          </a:p>
-          <a:p>
-            <a:r>
-              <a:rPr lang="en-US" dirty="0" smtClean="0"/>
-              <a:t>Female IFD are longer, but the lower </a:t>
-            </a:r>
-            <a:r>
-              <a:rPr lang="en-US" dirty="0" err="1" smtClean="0"/>
-              <a:t>nrmIFD</a:t>
-            </a:r>
-            <a:r>
-              <a:rPr lang="en-US" dirty="0" smtClean="0"/>
-              <a:t> in females is driven by enrichment for short </a:t>
-            </a:r>
-            <a:r>
-              <a:rPr lang="en-US" dirty="0" err="1" smtClean="0"/>
-              <a:t>nrmIFD</a:t>
-            </a:r>
-            <a:r>
-              <a:rPr lang="en-US" dirty="0" smtClean="0"/>
-              <a:t> compared to males.</a:t>
-            </a:r>
-          </a:p>
-          <a:p>
-            <a:endParaRPr lang="en-US" dirty="0"/>
-          </a:p>
-          <a:p>
-            <a:r>
-              <a:rPr lang="en-US" dirty="0" smtClean="0"/>
-              <a:t>(can I connect this result to a less regulated meiotic pathway in females?)</a:t>
-            </a:r>
-            <a:endParaRPr lang="en-US" dirty="0"/>
-          </a:p>
-        </p:txBody>
-      </p:sp>
-    </p:spTree>
-    <p:extLst>
-      <p:ext uri="{BB962C8B-B14F-4D97-AF65-F5344CB8AC3E}">
-        <p14:creationId xmlns:p14="http://schemas.microsoft.com/office/powerpoint/2010/main" val="1850133818"/>
-      </p:ext>
-    </p:extLst>
-  </p:cSld>
-  <p:clrMapOvr>
-    <a:masterClrMapping/>
-  </p:clrMapOvr>
-  <p:timing>
-    <p:tnLst>
-      <p:par>
-        <p:cTn id="1" dur="indefinite" restart="never" nodeType="tmRoot"/>
       </p:par>
     </p:tnLst>
   </p:timing>

--- a/AP_labMeeting_2.12.20.pptx
+++ b/AP_labMeeting_2.12.20.pptx
@@ -211,7 +211,7 @@
           <a:p>
             <a:fld id="{582DA5D2-0B3C-4799-B633-4F32A722274F}" type="datetimeFigureOut">
               <a:rPr lang="en-US" smtClean="0"/>
-              <a:t>2/3/2020</a:t>
+              <a:t>2/4/2020</a:t>
             </a:fld>
             <a:endParaRPr lang="en-US"/>
           </a:p>
@@ -1654,23 +1654,11 @@
           <a:p>
             <a:r>
               <a:rPr lang="en-US" dirty="0" smtClean="0"/>
-              <a:t>(</a:t>
-            </a:r>
-            <a:r>
-              <a:rPr lang="en-US" dirty="0" smtClean="0"/>
-              <a:t>longer</a:t>
+              <a:t>(longer</a:t>
             </a:r>
             <a:r>
               <a:rPr lang="en-US" baseline="0" dirty="0" smtClean="0"/>
-              <a:t> </a:t>
-            </a:r>
-            <a:r>
-              <a:rPr lang="en-US" baseline="0" dirty="0" smtClean="0"/>
-              <a:t>SC lengths (variance in SC length / I’m not sure this makes sense</a:t>
-            </a:r>
-            <a:r>
-              <a:rPr lang="en-US" baseline="0" dirty="0" smtClean="0"/>
-              <a:t>)</a:t>
+              <a:t> SC lengths (variance in SC length / I’m not sure this makes sense)</a:t>
             </a:r>
             <a:r>
               <a:rPr lang="en-US" dirty="0" smtClean="0"/>
@@ -2816,7 +2804,7 @@
           <a:p>
             <a:fld id="{BA11E091-050C-4DAB-ABC8-34B3B7B173DA}" type="datetimeFigureOut">
               <a:rPr lang="en-US" smtClean="0"/>
-              <a:t>2/3/2020</a:t>
+              <a:t>2/4/2020</a:t>
             </a:fld>
             <a:endParaRPr lang="en-US"/>
           </a:p>
@@ -2986,7 +2974,7 @@
           <a:p>
             <a:fld id="{BA11E091-050C-4DAB-ABC8-34B3B7B173DA}" type="datetimeFigureOut">
               <a:rPr lang="en-US" smtClean="0"/>
-              <a:t>2/3/2020</a:t>
+              <a:t>2/4/2020</a:t>
             </a:fld>
             <a:endParaRPr lang="en-US"/>
           </a:p>
@@ -3166,7 +3154,7 @@
           <a:p>
             <a:fld id="{BA11E091-050C-4DAB-ABC8-34B3B7B173DA}" type="datetimeFigureOut">
               <a:rPr lang="en-US" smtClean="0"/>
-              <a:t>2/3/2020</a:t>
+              <a:t>2/4/2020</a:t>
             </a:fld>
             <a:endParaRPr lang="en-US"/>
           </a:p>
@@ -3336,7 +3324,7 @@
           <a:p>
             <a:fld id="{BA11E091-050C-4DAB-ABC8-34B3B7B173DA}" type="datetimeFigureOut">
               <a:rPr lang="en-US" smtClean="0"/>
-              <a:t>2/3/2020</a:t>
+              <a:t>2/4/2020</a:t>
             </a:fld>
             <a:endParaRPr lang="en-US"/>
           </a:p>
@@ -3582,7 +3570,7 @@
           <a:p>
             <a:fld id="{BA11E091-050C-4DAB-ABC8-34B3B7B173DA}" type="datetimeFigureOut">
               <a:rPr lang="en-US" smtClean="0"/>
-              <a:t>2/3/2020</a:t>
+              <a:t>2/4/2020</a:t>
             </a:fld>
             <a:endParaRPr lang="en-US"/>
           </a:p>
@@ -3814,7 +3802,7 @@
           <a:p>
             <a:fld id="{BA11E091-050C-4DAB-ABC8-34B3B7B173DA}" type="datetimeFigureOut">
               <a:rPr lang="en-US" smtClean="0"/>
-              <a:t>2/3/2020</a:t>
+              <a:t>2/4/2020</a:t>
             </a:fld>
             <a:endParaRPr lang="en-US"/>
           </a:p>
@@ -4181,7 +4169,7 @@
           <a:p>
             <a:fld id="{BA11E091-050C-4DAB-ABC8-34B3B7B173DA}" type="datetimeFigureOut">
               <a:rPr lang="en-US" smtClean="0"/>
-              <a:t>2/3/2020</a:t>
+              <a:t>2/4/2020</a:t>
             </a:fld>
             <a:endParaRPr lang="en-US"/>
           </a:p>
@@ -4299,7 +4287,7 @@
           <a:p>
             <a:fld id="{BA11E091-050C-4DAB-ABC8-34B3B7B173DA}" type="datetimeFigureOut">
               <a:rPr lang="en-US" smtClean="0"/>
-              <a:t>2/3/2020</a:t>
+              <a:t>2/4/2020</a:t>
             </a:fld>
             <a:endParaRPr lang="en-US"/>
           </a:p>
@@ -4394,7 +4382,7 @@
           <a:p>
             <a:fld id="{BA11E091-050C-4DAB-ABC8-34B3B7B173DA}" type="datetimeFigureOut">
               <a:rPr lang="en-US" smtClean="0"/>
-              <a:t>2/3/2020</a:t>
+              <a:t>2/4/2020</a:t>
             </a:fld>
             <a:endParaRPr lang="en-US"/>
           </a:p>
@@ -4671,7 +4659,7 @@
           <a:p>
             <a:fld id="{BA11E091-050C-4DAB-ABC8-34B3B7B173DA}" type="datetimeFigureOut">
               <a:rPr lang="en-US" smtClean="0"/>
-              <a:t>2/3/2020</a:t>
+              <a:t>2/4/2020</a:t>
             </a:fld>
             <a:endParaRPr lang="en-US"/>
           </a:p>
@@ -4924,7 +4912,7 @@
           <a:p>
             <a:fld id="{BA11E091-050C-4DAB-ABC8-34B3B7B173DA}" type="datetimeFigureOut">
               <a:rPr lang="en-US" smtClean="0"/>
-              <a:t>2/3/2020</a:t>
+              <a:t>2/4/2020</a:t>
             </a:fld>
             <a:endParaRPr lang="en-US"/>
           </a:p>
@@ -5137,7 +5125,7 @@
           <a:p>
             <a:fld id="{BA11E091-050C-4DAB-ABC8-34B3B7B173DA}" type="datetimeFigureOut">
               <a:rPr lang="en-US" smtClean="0"/>
-              <a:t>2/3/2020</a:t>
+              <a:t>2/4/2020</a:t>
             </a:fld>
             <a:endParaRPr lang="en-US"/>
           </a:p>
@@ -5580,6 +5568,10 @@
           <a:bodyPr/>
           <a:lstStyle/>
           <a:p>
+            <a:r>
+              <a:rPr lang="en-US" smtClean="0"/>
+              <a:t>12.2.20</a:t>
+            </a:r>
             <a:endParaRPr lang="en-US"/>
           </a:p>
         </p:txBody>
@@ -5671,15 +5663,7 @@
           <a:p>
             <a:r>
               <a:rPr lang="en-US" dirty="0" smtClean="0"/>
-              <a:t>Strange </a:t>
-            </a:r>
-            <a:r>
-              <a:rPr lang="en-US" dirty="0" smtClean="0"/>
-              <a:t>coefficients </a:t>
-            </a:r>
-            <a:r>
-              <a:rPr lang="en-US" dirty="0" smtClean="0"/>
-              <a:t>for the IFD values across sexes</a:t>
+              <a:t>Strange coefficients for the IFD values across sexes</a:t>
             </a:r>
           </a:p>
           <a:p>

--- a/AP_labMeeting_2.12.20.pptx
+++ b/AP_labMeeting_2.12.20.pptx
@@ -5,24 +5,27 @@
     <p:sldMasterId id="2147483648" r:id="rId1"/>
   </p:sldMasterIdLst>
   <p:notesMasterIdLst>
-    <p:notesMasterId r:id="rId17"/>
+    <p:notesMasterId r:id="rId20"/>
   </p:notesMasterIdLst>
   <p:sldIdLst>
     <p:sldId id="256" r:id="rId2"/>
     <p:sldId id="262" r:id="rId3"/>
     <p:sldId id="267" r:id="rId4"/>
     <p:sldId id="271" r:id="rId5"/>
-    <p:sldId id="263" r:id="rId6"/>
-    <p:sldId id="264" r:id="rId7"/>
-    <p:sldId id="265" r:id="rId8"/>
-    <p:sldId id="259" r:id="rId9"/>
+    <p:sldId id="277" r:id="rId6"/>
+    <p:sldId id="278" r:id="rId7"/>
+    <p:sldId id="276" r:id="rId8"/>
+    <p:sldId id="265" r:id="rId9"/>
     <p:sldId id="257" r:id="rId10"/>
-    <p:sldId id="260" r:id="rId11"/>
-    <p:sldId id="272" r:id="rId12"/>
-    <p:sldId id="269" r:id="rId13"/>
-    <p:sldId id="270" r:id="rId14"/>
-    <p:sldId id="266" r:id="rId15"/>
-    <p:sldId id="268" r:id="rId16"/>
+    <p:sldId id="275" r:id="rId11"/>
+    <p:sldId id="273" r:id="rId12"/>
+    <p:sldId id="274" r:id="rId13"/>
+    <p:sldId id="260" r:id="rId14"/>
+    <p:sldId id="272" r:id="rId15"/>
+    <p:sldId id="269" r:id="rId16"/>
+    <p:sldId id="270" r:id="rId17"/>
+    <p:sldId id="266" r:id="rId18"/>
+    <p:sldId id="268" r:id="rId19"/>
   </p:sldIdLst>
   <p:sldSz cx="12192000" cy="6858000"/>
   <p:notesSz cx="6858000" cy="9144000"/>
@@ -211,7 +214,7 @@
           <a:p>
             <a:fld id="{582DA5D2-0B3C-4799-B633-4F32A722274F}" type="datetimeFigureOut">
               <a:rPr lang="en-US" smtClean="0"/>
-              <a:t>2/4/2020</a:t>
+              <a:t>2/6/2020</a:t>
             </a:fld>
             <a:endParaRPr lang="en-US"/>
           </a:p>
@@ -650,81 +653,6 @@
           <a:bodyPr/>
           <a:lstStyle/>
           <a:p>
-            <a:r>
-              <a:rPr lang="en-US" dirty="0" smtClean="0"/>
-              <a:t>(motivation)</a:t>
-            </a:r>
-          </a:p>
-          <a:p>
-            <a:r>
-              <a:rPr lang="en-US" dirty="0" smtClean="0"/>
-              <a:t>Given the findings</a:t>
-            </a:r>
-            <a:r>
-              <a:rPr lang="en-US" baseline="0" dirty="0" smtClean="0"/>
-              <a:t> with the </a:t>
-            </a:r>
-            <a:r>
-              <a:rPr lang="en-US" baseline="0" dirty="0" err="1" smtClean="0"/>
-              <a:t>gwRR</a:t>
-            </a:r>
-            <a:r>
-              <a:rPr lang="en-US" baseline="0" dirty="0" smtClean="0"/>
-              <a:t> -&gt; </a:t>
-            </a:r>
-            <a:r>
-              <a:rPr lang="en-US" baseline="0" dirty="0" err="1" smtClean="0"/>
-              <a:t>chrm</a:t>
-            </a:r>
-            <a:r>
-              <a:rPr lang="en-US" baseline="0" dirty="0" smtClean="0"/>
-              <a:t> proportions -&gt; look at single bivalent pattern</a:t>
-            </a:r>
-          </a:p>
-          <a:p>
-            <a:endParaRPr lang="en-US" baseline="0" dirty="0" smtClean="0"/>
-          </a:p>
-          <a:p>
-            <a:r>
-              <a:rPr lang="en-US" baseline="0" dirty="0" smtClean="0"/>
-              <a:t>(chromatin compaction, interference and known sex specific rec landscape features)</a:t>
-            </a:r>
-          </a:p>
-          <a:p>
-            <a:endParaRPr lang="en-US" baseline="0" dirty="0" smtClean="0"/>
-          </a:p>
-          <a:p>
-            <a:r>
-              <a:rPr lang="en-US" baseline="0" dirty="0" smtClean="0"/>
-              <a:t>(Brief summary for dataset)</a:t>
-            </a:r>
-          </a:p>
-          <a:p>
-            <a:endParaRPr lang="en-US" baseline="0" dirty="0" smtClean="0"/>
-          </a:p>
-          <a:p>
-            <a:r>
-              <a:rPr lang="en-US" baseline="0" dirty="0" smtClean="0"/>
-              <a:t>(Focus is on 2 main questions)</a:t>
-            </a:r>
-          </a:p>
-          <a:p>
-            <a:endParaRPr lang="en-US" baseline="0" dirty="0" smtClean="0"/>
-          </a:p>
-          <a:p>
-            <a:r>
-              <a:rPr lang="en-US" baseline="0" dirty="0" smtClean="0"/>
-              <a:t>Animate so that they appear sequentially, then ii) fades</a:t>
-            </a:r>
-          </a:p>
-          <a:p>
-            <a:endParaRPr lang="en-US" baseline="0" dirty="0" smtClean="0"/>
-          </a:p>
-          <a:p>
-            <a:r>
-              <a:rPr lang="en-US" dirty="0" smtClean="0"/>
-              <a:t>Example questions</a:t>
-            </a:r>
             <a:endParaRPr lang="en-US" dirty="0"/>
           </a:p>
         </p:txBody>
@@ -746,7 +674,7 @@
           <a:p>
             <a:fld id="{2788907E-C72E-4D7B-B8CA-F158589AC799}" type="slidenum">
               <a:rPr lang="en-US" smtClean="0"/>
-              <a:t>13</a:t>
+              <a:t>12</a:t>
             </a:fld>
             <a:endParaRPr lang="en-US"/>
           </a:p>
@@ -755,7 +683,7 @@
     </p:spTree>
     <p:extLst>
       <p:ext uri="{BB962C8B-B14F-4D97-AF65-F5344CB8AC3E}">
-        <p14:creationId xmlns:p14="http://schemas.microsoft.com/office/powerpoint/2010/main" val="3575860465"/>
+        <p14:creationId xmlns:p14="http://schemas.microsoft.com/office/powerpoint/2010/main" val="3182590352"/>
       </p:ext>
     </p:extLst>
   </p:cSld>
@@ -809,75 +737,891 @@
           <a:bodyPr/>
           <a:lstStyle/>
           <a:p>
-            <a:r>
-              <a:rPr lang="en-US" dirty="0" smtClean="0"/>
-              <a:t>1 way </a:t>
+            <a:endParaRPr lang="en-US" dirty="0" smtClean="0"/>
+          </a:p>
+          <a:p>
+            <a:r>
+              <a:rPr lang="en-US" dirty="0" smtClean="0"/>
+              <a:t>The</a:t>
+            </a:r>
+            <a:r>
+              <a:rPr lang="en-US" baseline="0" dirty="0" smtClean="0"/>
+              <a:t> overall narrative I’m trying to weave – more variance in females</a:t>
+            </a:r>
+          </a:p>
+          <a:p>
+            <a:r>
+              <a:rPr lang="en-US" baseline="0" dirty="0" smtClean="0"/>
+              <a:t>-Between cells (MLH1 counts)</a:t>
+            </a:r>
+          </a:p>
+          <a:p>
+            <a:r>
+              <a:rPr lang="en-US" baseline="0" dirty="0" smtClean="0"/>
+              <a:t>- Uniform spacing (the 1CO position is not regulated)  (F1 variance is probably larger (F1nrm))</a:t>
+            </a:r>
+          </a:p>
+          <a:p>
+            <a:r>
+              <a:rPr lang="en-US" baseline="0" dirty="0" smtClean="0"/>
+              <a:t>- IFD spacing / interference strength</a:t>
+            </a:r>
+          </a:p>
+          <a:p>
+            <a:endParaRPr lang="en-US" dirty="0" smtClean="0"/>
+          </a:p>
+          <a:p>
+            <a:r>
+              <a:rPr lang="en-US" dirty="0" smtClean="0"/>
+              <a:t>- Lack of distinction between</a:t>
+            </a:r>
+            <a:r>
+              <a:rPr lang="en-US" baseline="0" dirty="0" smtClean="0"/>
+              <a:t> 1CO and 2CO lengths</a:t>
+            </a:r>
+            <a:endParaRPr lang="en-US" dirty="0" smtClean="0"/>
+          </a:p>
+          <a:p>
+            <a:endParaRPr lang="en-US" dirty="0" smtClean="0"/>
+          </a:p>
+          <a:p>
+            <a:r>
+              <a:rPr lang="en-US" dirty="0" smtClean="0"/>
+              <a:t>(longer</a:t>
+            </a:r>
+            <a:r>
+              <a:rPr lang="en-US" baseline="0" dirty="0" smtClean="0"/>
+              <a:t> SC lengths (variance in SC length / I’m not sure this makes sense)</a:t>
+            </a:r>
+            <a:r>
+              <a:rPr lang="en-US" dirty="0" smtClean="0"/>
+              <a:t>)  </a:t>
+            </a:r>
+          </a:p>
+          <a:p>
+            <a:endParaRPr lang="en-US" dirty="0" smtClean="0"/>
+          </a:p>
+          <a:p>
+            <a:r>
+              <a:rPr lang="en-US" b="1" dirty="0" err="1" smtClean="0"/>
+              <a:t>deBoer</a:t>
+            </a:r>
+            <a:r>
+              <a:rPr lang="en-US" b="1" baseline="0" dirty="0" smtClean="0"/>
+              <a:t> Summary:</a:t>
+            </a:r>
+          </a:p>
+          <a:p>
+            <a:endParaRPr lang="en-US" baseline="0" dirty="0" smtClean="0"/>
+          </a:p>
+          <a:p>
+            <a:r>
+              <a:rPr lang="en-US" dirty="0" smtClean="0"/>
+              <a:t>MSH4, in WT and Sycp1 -/-.  (found 2 classes of COs / two types of interference). Used FISH for </a:t>
             </a:r>
             <a:r>
               <a:rPr lang="en-US" dirty="0" err="1" smtClean="0"/>
-              <a:t>Anova</a:t>
-            </a:r>
-            <a:r>
-              <a:rPr lang="en-US" dirty="0" smtClean="0"/>
-              <a:t> – at least 1 of the group is different</a:t>
-            </a:r>
-          </a:p>
-          <a:p>
-            <a:r>
-              <a:rPr lang="en-US" dirty="0" smtClean="0"/>
-              <a:t>2. Pairwise </a:t>
+              <a:t>chrms</a:t>
+            </a:r>
+            <a:r>
+              <a:rPr lang="en-US" dirty="0" smtClean="0"/>
+              <a:t> 1,2,18,19; calculated gamma distribution from </a:t>
             </a:r>
             <a:r>
               <a:rPr lang="en-US" dirty="0" err="1" smtClean="0"/>
-              <a:t>t.tests</a:t>
-            </a:r>
-            <a:r>
-              <a:rPr lang="en-US" dirty="0" smtClean="0"/>
-              <a:t>, (maybe</a:t>
+              <a:t>chrm</a:t>
+            </a:r>
+            <a:r>
+              <a:rPr lang="en-US" dirty="0" smtClean="0"/>
+              <a:t> specific intervals</a:t>
+            </a:r>
+          </a:p>
+          <a:p>
+            <a:endParaRPr lang="en-US" dirty="0" smtClean="0"/>
+          </a:p>
+          <a:p>
+            <a:r>
+              <a:rPr lang="en-US" dirty="0" smtClean="0"/>
+              <a:t>Interference much stronger</a:t>
             </a:r>
             <a:r>
               <a:rPr lang="en-US" baseline="0" dirty="0" smtClean="0"/>
-              <a:t> I was using the wrong correction)</a:t>
-            </a:r>
+              <a:t> for MLH1 in pachytene</a:t>
+            </a:r>
+          </a:p>
+          <a:p>
+            <a:endParaRPr lang="en-US" baseline="0" dirty="0" smtClean="0"/>
+          </a:p>
+          <a:p>
+            <a:r>
+              <a:rPr lang="en-US" baseline="0" dirty="0" smtClean="0"/>
+              <a:t>Sex differences --- ?</a:t>
+            </a:r>
+          </a:p>
+          <a:p>
+            <a:r>
+              <a:rPr lang="en-US" baseline="0" dirty="0" smtClean="0"/>
+              <a:t>(the density of MLH1 on SC-AE is more dense in males than females)</a:t>
+            </a:r>
+          </a:p>
+          <a:p>
+            <a:endParaRPr lang="en-US" baseline="0" dirty="0" smtClean="0"/>
+          </a:p>
+          <a:p>
+            <a:r>
+              <a:rPr lang="en-US" dirty="0" smtClean="0"/>
+              <a:t>Male – short </a:t>
+            </a:r>
+            <a:r>
+              <a:rPr lang="en-US" dirty="0" err="1" smtClean="0"/>
+              <a:t>chrms</a:t>
+            </a:r>
+            <a:r>
+              <a:rPr lang="en-US" dirty="0" smtClean="0"/>
+              <a:t> had strong medial placement of MLH1</a:t>
+            </a:r>
+          </a:p>
+          <a:p>
             <a:endParaRPr lang="en-US" dirty="0" smtClean="0"/>
           </a:p>
           <a:p>
             <a:endParaRPr lang="en-US" dirty="0" smtClean="0"/>
           </a:p>
           <a:p>
+            <a:r>
+              <a:rPr lang="en-US" dirty="0" smtClean="0"/>
+              <a:t>(Can I access these data?)</a:t>
+            </a:r>
+          </a:p>
+          <a:p>
             <a:endParaRPr lang="en-US" dirty="0" smtClean="0"/>
           </a:p>
           <a:p>
-            <a:r>
-              <a:rPr lang="en-US" dirty="0" smtClean="0"/>
-              <a:t>What</a:t>
+            <a:endParaRPr lang="en-US" dirty="0"/>
+          </a:p>
+        </p:txBody>
+      </p:sp>
+      <p:sp>
+        <p:nvSpPr>
+          <p:cNvPr id="4" name="Slide Number Placeholder 3"/>
+          <p:cNvSpPr>
+            <a:spLocks noGrp="1"/>
+          </p:cNvSpPr>
+          <p:nvPr>
+            <p:ph type="sldNum" sz="quarter" idx="10"/>
+          </p:nvPr>
+        </p:nvSpPr>
+        <p:spPr/>
+        <p:txBody>
+          <a:bodyPr/>
+          <a:lstStyle/>
+          <a:p>
+            <a:fld id="{2788907E-C72E-4D7B-B8CA-F158589AC799}" type="slidenum">
+              <a:rPr lang="en-US" smtClean="0"/>
+              <a:t>13</a:t>
+            </a:fld>
+            <a:endParaRPr lang="en-US"/>
+          </a:p>
+        </p:txBody>
+      </p:sp>
+    </p:spTree>
+    <p:extLst>
+      <p:ext uri="{BB962C8B-B14F-4D97-AF65-F5344CB8AC3E}">
+        <p14:creationId xmlns:p14="http://schemas.microsoft.com/office/powerpoint/2010/main" val="1496181675"/>
+      </p:ext>
+    </p:extLst>
+  </p:cSld>
+  <p:clrMapOvr>
+    <a:masterClrMapping/>
+  </p:clrMapOvr>
+</p:notes>
+</file>
+
+<file path=ppt/notesSlides/notesSlide12.xml><?xml version="1.0" encoding="utf-8"?>
+<p:notes xmlns:a="http://schemas.openxmlformats.org/drawingml/2006/main" xmlns:r="http://schemas.openxmlformats.org/officeDocument/2006/relationships" xmlns:p="http://schemas.openxmlformats.org/presentationml/2006/main">
+  <p:cSld>
+    <p:spTree>
+      <p:nvGrpSpPr>
+        <p:cNvPr id="1" name=""/>
+        <p:cNvGrpSpPr/>
+        <p:nvPr/>
+      </p:nvGrpSpPr>
+      <p:grpSpPr>
+        <a:xfrm>
+          <a:off x="0" y="0"/>
+          <a:ext cx="0" cy="0"/>
+          <a:chOff x="0" y="0"/>
+          <a:chExt cx="0" cy="0"/>
+        </a:xfrm>
+      </p:grpSpPr>
+      <p:sp>
+        <p:nvSpPr>
+          <p:cNvPr id="2" name="Slide Image Placeholder 1"/>
+          <p:cNvSpPr>
+            <a:spLocks noGrp="1" noRot="1" noChangeAspect="1"/>
+          </p:cNvSpPr>
+          <p:nvPr>
+            <p:ph type="sldImg"/>
+          </p:nvPr>
+        </p:nvSpPr>
+        <p:spPr/>
+      </p:sp>
+      <p:sp>
+        <p:nvSpPr>
+          <p:cNvPr id="3" name="Notes Placeholder 2"/>
+          <p:cNvSpPr>
+            <a:spLocks noGrp="1"/>
+          </p:cNvSpPr>
+          <p:nvPr>
+            <p:ph type="body" idx="1"/>
+          </p:nvPr>
+        </p:nvSpPr>
+        <p:spPr/>
+        <p:txBody>
+          <a:bodyPr/>
+          <a:lstStyle/>
+          <a:p>
+            <a:r>
+              <a:rPr lang="en-US" dirty="0" smtClean="0"/>
+              <a:t>Interference / gamma curves are on the top --- don’t think any are female?</a:t>
+            </a:r>
+          </a:p>
+          <a:p>
+            <a:endParaRPr lang="en-US" dirty="0" smtClean="0"/>
+          </a:p>
+          <a:p>
+            <a:r>
+              <a:rPr lang="en-US" dirty="0" smtClean="0"/>
+              <a:t>(Should I try to remake these cumulative foci plots?)  --- smaller</a:t>
             </a:r>
             <a:r>
               <a:rPr lang="en-US" baseline="0" dirty="0" smtClean="0"/>
-              <a:t> would the point be to run these models? </a:t>
-            </a:r>
-          </a:p>
-          <a:p>
-            <a:endParaRPr lang="en-US" baseline="0" dirty="0" smtClean="0"/>
-          </a:p>
-          <a:p>
+              <a:t> square </a:t>
+            </a:r>
+            <a:r>
+              <a:rPr lang="en-US" dirty="0" smtClean="0"/>
+              <a:t>curve plots are there are all</a:t>
+            </a:r>
             <a:r>
               <a:rPr lang="en-US" baseline="0" dirty="0" smtClean="0"/>
-              <a:t>Distinguish the higher than ‘low’ (Dom) level strains</a:t>
-            </a:r>
-          </a:p>
-          <a:p>
-            <a:r>
-              <a:rPr lang="en-US" dirty="0" smtClean="0"/>
-              <a:t>Allows</a:t>
-            </a:r>
-            <a:r>
-              <a:rPr lang="en-US" baseline="0" dirty="0" smtClean="0"/>
-              <a:t> to add in additional strains not used for sexual </a:t>
-            </a:r>
-            <a:r>
-              <a:rPr lang="en-US" baseline="0" dirty="0" err="1" smtClean="0"/>
-              <a:t>differnces</a:t>
+              <a:t> </a:t>
+            </a:r>
+            <a:r>
+              <a:rPr lang="en-US" b="1" baseline="0" dirty="0" smtClean="0"/>
+              <a:t>distance to cent</a:t>
+            </a:r>
+            <a:r>
+              <a:rPr lang="en-US" b="0" baseline="0" dirty="0" smtClean="0"/>
+              <a:t> (do these pool foci from the same </a:t>
+            </a:r>
+            <a:r>
+              <a:rPr lang="en-US" b="0" baseline="0" dirty="0" err="1" smtClean="0"/>
+              <a:t>biv</a:t>
+            </a:r>
+            <a:r>
+              <a:rPr lang="en-US" b="0" baseline="0" dirty="0" smtClean="0"/>
+              <a:t>?!)</a:t>
+            </a:r>
+            <a:endParaRPr lang="en-US" b="0" dirty="0" smtClean="0"/>
+          </a:p>
+          <a:p>
+            <a:endParaRPr lang="en-US" dirty="0" smtClean="0"/>
+          </a:p>
+          <a:p>
+            <a:r>
+              <a:rPr lang="en-US" sz="1200" b="1" i="0" u="none" strike="noStrike" kern="1200" baseline="0" dirty="0" smtClean="0">
+                <a:solidFill>
+                  <a:schemeClr val="tx1"/>
+                </a:solidFill>
+                <a:latin typeface="+mn-lt"/>
+                <a:ea typeface="+mn-ea"/>
+                <a:cs typeface="+mn-cs"/>
+              </a:rPr>
+              <a:t>Fig. 1. </a:t>
+            </a:r>
+            <a:r>
+              <a:rPr lang="en-US" sz="1200" b="0" i="0" u="none" strike="noStrike" kern="1200" baseline="0" dirty="0" smtClean="0">
+                <a:solidFill>
+                  <a:schemeClr val="tx1"/>
+                </a:solidFill>
+                <a:latin typeface="+mn-lt"/>
+                <a:ea typeface="+mn-ea"/>
+                <a:cs typeface="+mn-cs"/>
+              </a:rPr>
+              <a:t>Analysis of foci along bivalents. (</a:t>
+            </a:r>
+            <a:r>
+              <a:rPr lang="en-US" sz="1200" b="0" i="1" u="none" strike="noStrike" kern="1200" baseline="0" dirty="0" smtClean="0">
+                <a:solidFill>
+                  <a:schemeClr val="tx1"/>
+                </a:solidFill>
+                <a:latin typeface="+mn-lt"/>
+                <a:ea typeface="+mn-ea"/>
+                <a:cs typeface="+mn-cs"/>
+              </a:rPr>
+              <a:t>A</a:t>
+            </a:r>
+            <a:r>
+              <a:rPr lang="en-US" sz="1200" b="0" i="0" u="none" strike="noStrike" kern="1200" baseline="0" dirty="0" smtClean="0">
+                <a:solidFill>
+                  <a:schemeClr val="tx1"/>
+                </a:solidFill>
+                <a:latin typeface="+mn-lt"/>
+                <a:ea typeface="+mn-ea"/>
+                <a:cs typeface="+mn-cs"/>
+              </a:rPr>
+              <a:t>) Shape of gamma distributions for</a:t>
+            </a:r>
+          </a:p>
+          <a:p>
+            <a:r>
+              <a:rPr lang="en-US" sz="1200" b="0" i="0" u="none" strike="noStrike" kern="1200" baseline="0" dirty="0" smtClean="0">
+                <a:solidFill>
+                  <a:schemeClr val="tx1"/>
+                </a:solidFill>
+                <a:latin typeface="+mn-lt"/>
+                <a:ea typeface="+mn-ea"/>
+                <a:cs typeface="+mn-cs"/>
+              </a:rPr>
+              <a:t>different  values. The average </a:t>
+            </a:r>
+            <a:r>
+              <a:rPr lang="en-US" sz="1200" b="0" i="0" u="none" strike="noStrike" kern="1200" baseline="0" dirty="0" err="1" smtClean="0">
+                <a:solidFill>
+                  <a:schemeClr val="tx1"/>
+                </a:solidFill>
+                <a:latin typeface="+mn-lt"/>
+                <a:ea typeface="+mn-ea"/>
+                <a:cs typeface="+mn-cs"/>
+              </a:rPr>
+              <a:t>interfocus</a:t>
+            </a:r>
+            <a:r>
+              <a:rPr lang="en-US" sz="1200" b="0" i="0" u="none" strike="noStrike" kern="1200" baseline="0" dirty="0" smtClean="0">
+                <a:solidFill>
+                  <a:schemeClr val="tx1"/>
+                </a:solidFill>
+                <a:latin typeface="+mn-lt"/>
+                <a:ea typeface="+mn-ea"/>
+                <a:cs typeface="+mn-cs"/>
+              </a:rPr>
+              <a:t> distance equals 10 for all distributions</a:t>
+            </a:r>
+          </a:p>
+          <a:p>
+            <a:r>
+              <a:rPr lang="en-US" sz="1200" b="0" i="0" u="none" strike="noStrike" kern="1200" baseline="0" dirty="0" smtClean="0">
+                <a:solidFill>
+                  <a:schemeClr val="tx1"/>
+                </a:solidFill>
+                <a:latin typeface="+mn-lt"/>
+                <a:ea typeface="+mn-ea"/>
+                <a:cs typeface="+mn-cs"/>
+              </a:rPr>
+              <a:t>shown. As  increases, the very short and very long distances become</a:t>
+            </a:r>
+          </a:p>
+          <a:p>
+            <a:r>
+              <a:rPr lang="en-US" sz="1200" b="0" i="0" u="none" strike="noStrike" kern="1200" baseline="0" dirty="0" smtClean="0">
+                <a:solidFill>
+                  <a:schemeClr val="tx1"/>
+                </a:solidFill>
+                <a:latin typeface="+mn-lt"/>
+                <a:ea typeface="+mn-ea"/>
+                <a:cs typeface="+mn-cs"/>
+              </a:rPr>
+              <a:t>sparser, and the distributions become narrower and more symmetrical. (</a:t>
+            </a:r>
+            <a:r>
+              <a:rPr lang="en-US" sz="1200" b="0" i="1" u="none" strike="noStrike" kern="1200" baseline="0" dirty="0" smtClean="0">
+                <a:solidFill>
+                  <a:schemeClr val="tx1"/>
+                </a:solidFill>
+                <a:latin typeface="+mn-lt"/>
+                <a:ea typeface="+mn-ea"/>
+                <a:cs typeface="+mn-cs"/>
+              </a:rPr>
+              <a:t>B</a:t>
+            </a:r>
+            <a:r>
+              <a:rPr lang="en-US" sz="1200" b="0" i="0" u="none" strike="noStrike" kern="1200" baseline="0" dirty="0" smtClean="0">
+                <a:solidFill>
+                  <a:schemeClr val="tx1"/>
+                </a:solidFill>
+                <a:latin typeface="+mn-lt"/>
+                <a:ea typeface="+mn-ea"/>
+                <a:cs typeface="+mn-cs"/>
+              </a:rPr>
+              <a:t>–</a:t>
+            </a:r>
+            <a:r>
+              <a:rPr lang="en-US" sz="1200" b="0" i="1" u="none" strike="noStrike" kern="1200" baseline="0" dirty="0" smtClean="0">
+                <a:solidFill>
+                  <a:schemeClr val="tx1"/>
+                </a:solidFill>
+                <a:latin typeface="+mn-lt"/>
+                <a:ea typeface="+mn-ea"/>
+                <a:cs typeface="+mn-cs"/>
+              </a:rPr>
+              <a:t>D</a:t>
+            </a:r>
+            <a:r>
+              <a:rPr lang="en-US" sz="1200" b="0" i="0" u="none" strike="noStrike" kern="1200" baseline="0" dirty="0" smtClean="0">
+                <a:solidFill>
+                  <a:schemeClr val="tx1"/>
+                </a:solidFill>
+                <a:latin typeface="+mn-lt"/>
+                <a:ea typeface="+mn-ea"/>
+                <a:cs typeface="+mn-cs"/>
+              </a:rPr>
+              <a:t>)</a:t>
+            </a:r>
+          </a:p>
+          <a:p>
+            <a:r>
+              <a:rPr lang="en-US" sz="1200" b="0" i="0" u="none" strike="noStrike" kern="1200" baseline="0" dirty="0" smtClean="0">
+                <a:solidFill>
+                  <a:schemeClr val="tx1"/>
+                </a:solidFill>
+                <a:latin typeface="+mn-lt"/>
+                <a:ea typeface="+mn-ea"/>
+                <a:cs typeface="+mn-cs"/>
+              </a:rPr>
+              <a:t>Examples of histograms of observed </a:t>
+            </a:r>
+            <a:r>
+              <a:rPr lang="en-US" sz="1200" b="0" i="0" u="none" strike="noStrike" kern="1200" baseline="0" dirty="0" err="1" smtClean="0">
+                <a:solidFill>
+                  <a:schemeClr val="tx1"/>
+                </a:solidFill>
+                <a:latin typeface="+mn-lt"/>
+                <a:ea typeface="+mn-ea"/>
+                <a:cs typeface="+mn-cs"/>
+              </a:rPr>
+              <a:t>interfocus</a:t>
+            </a:r>
+            <a:r>
+              <a:rPr lang="en-US" sz="1200" b="0" i="0" u="none" strike="noStrike" kern="1200" baseline="0" dirty="0" smtClean="0">
+                <a:solidFill>
+                  <a:schemeClr val="tx1"/>
+                </a:solidFill>
+                <a:latin typeface="+mn-lt"/>
+                <a:ea typeface="+mn-ea"/>
+                <a:cs typeface="+mn-cs"/>
+              </a:rPr>
+              <a:t> distances in spermatocytes</a:t>
+            </a:r>
+          </a:p>
+          <a:p>
+            <a:r>
+              <a:rPr lang="en-US" sz="1200" b="0" i="0" u="none" strike="noStrike" kern="1200" baseline="0" dirty="0" smtClean="0">
+                <a:solidFill>
+                  <a:schemeClr val="tx1"/>
+                </a:solidFill>
+                <a:latin typeface="+mn-lt"/>
+                <a:ea typeface="+mn-ea"/>
+                <a:cs typeface="+mn-cs"/>
+              </a:rPr>
+              <a:t>(black bars), the best fit of the observed distances to the gamma distribution  (red curves), the  value for which the best fit was obtained (ˆ ), and the</a:t>
+            </a:r>
+          </a:p>
+          <a:p>
+            <a:r>
+              <a:rPr lang="en-US" sz="1200" b="0" i="0" u="none" strike="noStrike" kern="1200" baseline="0" dirty="0" smtClean="0">
+                <a:solidFill>
+                  <a:schemeClr val="tx1"/>
+                </a:solidFill>
+                <a:latin typeface="+mn-lt"/>
+                <a:ea typeface="+mn-ea"/>
+                <a:cs typeface="+mn-cs"/>
+              </a:rPr>
+              <a:t>distributions expected if there were no interference (i.e., 1; blue curves).</a:t>
+            </a:r>
+          </a:p>
+          <a:p>
+            <a:r>
+              <a:rPr lang="en-US" sz="1200" b="0" i="0" u="none" strike="noStrike" kern="1200" baseline="0" dirty="0" smtClean="0">
+                <a:solidFill>
+                  <a:schemeClr val="tx1"/>
+                </a:solidFill>
+                <a:latin typeface="+mn-lt"/>
+                <a:ea typeface="+mn-ea"/>
+                <a:cs typeface="+mn-cs"/>
+              </a:rPr>
+              <a:t>The observed </a:t>
+            </a:r>
+            <a:r>
+              <a:rPr lang="en-US" sz="1200" b="0" i="0" u="none" strike="noStrike" kern="1200" baseline="0" dirty="0" err="1" smtClean="0">
+                <a:solidFill>
+                  <a:schemeClr val="tx1"/>
+                </a:solidFill>
+                <a:latin typeface="+mn-lt"/>
+                <a:ea typeface="+mn-ea"/>
+                <a:cs typeface="+mn-cs"/>
+              </a:rPr>
+              <a:t>interfocus</a:t>
+            </a:r>
+            <a:r>
+              <a:rPr lang="en-US" sz="1200" b="0" i="0" u="none" strike="noStrike" kern="1200" baseline="0" dirty="0" smtClean="0">
+                <a:solidFill>
+                  <a:schemeClr val="tx1"/>
+                </a:solidFill>
+                <a:latin typeface="+mn-lt"/>
+                <a:ea typeface="+mn-ea"/>
+                <a:cs typeface="+mn-cs"/>
+              </a:rPr>
+              <a:t> distances were binned for representation only; the</a:t>
+            </a:r>
+          </a:p>
+          <a:p>
+            <a:r>
+              <a:rPr lang="en-US" sz="1200" b="0" i="0" u="none" strike="noStrike" kern="1200" baseline="0" dirty="0" smtClean="0">
+                <a:solidFill>
+                  <a:schemeClr val="tx1"/>
+                </a:solidFill>
+                <a:latin typeface="+mn-lt"/>
+                <a:ea typeface="+mn-ea"/>
+                <a:cs typeface="+mn-cs"/>
+              </a:rPr>
+              <a:t>best fits to the gamma distribution are based on the exact, </a:t>
+            </a:r>
+            <a:r>
+              <a:rPr lang="en-US" sz="1200" b="0" i="0" u="none" strike="noStrike" kern="1200" baseline="0" dirty="0" err="1" smtClean="0">
+                <a:solidFill>
+                  <a:schemeClr val="tx1"/>
+                </a:solidFill>
+                <a:latin typeface="+mn-lt"/>
+                <a:ea typeface="+mn-ea"/>
+                <a:cs typeface="+mn-cs"/>
+              </a:rPr>
+              <a:t>unbinned</a:t>
+            </a:r>
+            <a:r>
+              <a:rPr lang="en-US" sz="1200" b="0" i="0" u="none" strike="noStrike" kern="1200" baseline="0" dirty="0" smtClean="0">
+                <a:solidFill>
+                  <a:schemeClr val="tx1"/>
+                </a:solidFill>
+                <a:latin typeface="+mn-lt"/>
+                <a:ea typeface="+mn-ea"/>
+                <a:cs typeface="+mn-cs"/>
+              </a:rPr>
+              <a:t> distances.</a:t>
+            </a:r>
+          </a:p>
+          <a:p>
+            <a:r>
+              <a:rPr lang="en-US" sz="1200" b="0" i="0" u="none" strike="noStrike" kern="1200" baseline="0" dirty="0" smtClean="0">
+                <a:solidFill>
+                  <a:schemeClr val="tx1"/>
+                </a:solidFill>
+                <a:latin typeface="+mn-lt"/>
+                <a:ea typeface="+mn-ea"/>
+                <a:cs typeface="+mn-cs"/>
+              </a:rPr>
+              <a:t>Figs. 5 and 6 show histograms of all data sets. </a:t>
+            </a:r>
+            <a:r>
+              <a:rPr lang="en-US" sz="1200" b="1" i="0" u="none" strike="noStrike" kern="1200" baseline="0" dirty="0" smtClean="0">
+                <a:solidFill>
+                  <a:schemeClr val="tx1"/>
+                </a:solidFill>
+                <a:latin typeface="+mn-lt"/>
+                <a:ea typeface="+mn-ea"/>
+                <a:cs typeface="+mn-cs"/>
+              </a:rPr>
+              <a:t>(</a:t>
+            </a:r>
+            <a:r>
+              <a:rPr lang="en-US" sz="1200" b="1" i="1" u="none" strike="noStrike" kern="1200" baseline="0" dirty="0" smtClean="0">
+                <a:solidFill>
+                  <a:schemeClr val="tx1"/>
+                </a:solidFill>
+                <a:latin typeface="+mn-lt"/>
+                <a:ea typeface="+mn-ea"/>
+                <a:cs typeface="+mn-cs"/>
+              </a:rPr>
+              <a:t>E</a:t>
+            </a:r>
+            <a:r>
+              <a:rPr lang="en-US" sz="1200" b="1" i="0" u="none" strike="noStrike" kern="1200" baseline="0" dirty="0" smtClean="0">
+                <a:solidFill>
+                  <a:schemeClr val="tx1"/>
+                </a:solidFill>
+                <a:latin typeface="+mn-lt"/>
+                <a:ea typeface="+mn-ea"/>
+                <a:cs typeface="+mn-cs"/>
+              </a:rPr>
+              <a:t>–</a:t>
+            </a:r>
+            <a:r>
+              <a:rPr lang="en-US" sz="1200" b="1" i="1" u="none" strike="noStrike" kern="1200" baseline="0" dirty="0" smtClean="0">
+                <a:solidFill>
+                  <a:schemeClr val="tx1"/>
+                </a:solidFill>
+                <a:latin typeface="+mn-lt"/>
+                <a:ea typeface="+mn-ea"/>
+                <a:cs typeface="+mn-cs"/>
+              </a:rPr>
+              <a:t>G</a:t>
+            </a:r>
+            <a:r>
+              <a:rPr lang="en-US" sz="1200" b="1" i="0" u="none" strike="noStrike" kern="1200" baseline="0" dirty="0" smtClean="0">
+                <a:solidFill>
+                  <a:schemeClr val="tx1"/>
+                </a:solidFill>
+                <a:latin typeface="+mn-lt"/>
+                <a:ea typeface="+mn-ea"/>
+                <a:cs typeface="+mn-cs"/>
+              </a:rPr>
+              <a:t>) Distribution of foci</a:t>
+            </a:r>
+          </a:p>
+          <a:p>
+            <a:r>
+              <a:rPr lang="en-US" sz="1200" b="1" i="0" u="none" strike="noStrike" kern="1200" baseline="0" dirty="0" smtClean="0">
+                <a:solidFill>
+                  <a:schemeClr val="tx1"/>
+                </a:solidFill>
+                <a:latin typeface="+mn-lt"/>
+                <a:ea typeface="+mn-ea"/>
+                <a:cs typeface="+mn-cs"/>
+              </a:rPr>
+              <a:t>along bivalents</a:t>
+            </a:r>
+            <a:r>
+              <a:rPr lang="en-US" sz="1200" b="0" i="0" u="none" strike="noStrike" kern="1200" baseline="0" dirty="0" smtClean="0">
+                <a:solidFill>
+                  <a:schemeClr val="tx1"/>
+                </a:solidFill>
+                <a:latin typeface="+mn-lt"/>
+                <a:ea typeface="+mn-ea"/>
+                <a:cs typeface="+mn-cs"/>
+              </a:rPr>
+              <a:t>. Shown are the cumulative frequencies of foci as a function of</a:t>
+            </a:r>
+          </a:p>
+          <a:p>
+            <a:r>
+              <a:rPr lang="en-US" sz="1200" b="0" i="0" u="none" strike="noStrike" kern="1200" baseline="0" dirty="0" smtClean="0">
+                <a:solidFill>
+                  <a:schemeClr val="tx1"/>
+                </a:solidFill>
+                <a:latin typeface="+mn-lt"/>
+                <a:ea typeface="+mn-ea"/>
+                <a:cs typeface="+mn-cs"/>
+              </a:rPr>
+              <a:t>the distance to the </a:t>
+            </a:r>
+            <a:r>
+              <a:rPr lang="en-US" sz="1200" b="0" i="0" u="none" strike="noStrike" kern="1200" baseline="0" dirty="0" err="1" smtClean="0">
+                <a:solidFill>
+                  <a:schemeClr val="tx1"/>
+                </a:solidFill>
+                <a:latin typeface="+mn-lt"/>
+                <a:ea typeface="+mn-ea"/>
+                <a:cs typeface="+mn-cs"/>
+              </a:rPr>
+              <a:t>centromeric</a:t>
+            </a:r>
+            <a:r>
+              <a:rPr lang="en-US" sz="1200" b="0" i="0" u="none" strike="noStrike" kern="1200" baseline="0" dirty="0" smtClean="0">
+                <a:solidFill>
+                  <a:schemeClr val="tx1"/>
+                </a:solidFill>
+                <a:latin typeface="+mn-lt"/>
+                <a:ea typeface="+mn-ea"/>
+                <a:cs typeface="+mn-cs"/>
+              </a:rPr>
+              <a:t> end of the </a:t>
+            </a:r>
+            <a:r>
+              <a:rPr lang="en-US" sz="1200" b="1" i="0" u="none" strike="noStrike" kern="1200" baseline="0" dirty="0" smtClean="0">
+                <a:solidFill>
+                  <a:schemeClr val="tx1"/>
+                </a:solidFill>
+                <a:latin typeface="+mn-lt"/>
+                <a:ea typeface="+mn-ea"/>
+                <a:cs typeface="+mn-cs"/>
+              </a:rPr>
+              <a:t>SC (wild type) or AE (</a:t>
+            </a:r>
+            <a:r>
+              <a:rPr lang="en-US" sz="1200" b="1" i="1" u="none" strike="noStrike" kern="1200" baseline="0" dirty="0" smtClean="0">
+                <a:solidFill>
+                  <a:schemeClr val="tx1"/>
+                </a:solidFill>
+                <a:latin typeface="+mn-lt"/>
+                <a:ea typeface="+mn-ea"/>
+                <a:cs typeface="+mn-cs"/>
+              </a:rPr>
+              <a:t>Sycp1</a:t>
+            </a:r>
+            <a:r>
+              <a:rPr lang="en-US" sz="1200" b="1" i="0" u="none" strike="noStrike" kern="1200" baseline="0" dirty="0" smtClean="0">
+                <a:solidFill>
+                  <a:schemeClr val="tx1"/>
+                </a:solidFill>
+                <a:latin typeface="+mn-lt"/>
+                <a:ea typeface="+mn-ea"/>
+                <a:cs typeface="+mn-cs"/>
+              </a:rPr>
+              <a:t>/). </a:t>
+            </a:r>
+            <a:r>
+              <a:rPr lang="en-US" sz="1200" b="0" i="0" u="none" strike="noStrike" kern="1200" baseline="0" dirty="0" smtClean="0">
+                <a:solidFill>
+                  <a:schemeClr val="tx1"/>
+                </a:solidFill>
+                <a:latin typeface="+mn-lt"/>
+                <a:ea typeface="+mn-ea"/>
+                <a:cs typeface="+mn-cs"/>
+              </a:rPr>
+              <a:t>The</a:t>
+            </a:r>
+          </a:p>
+          <a:p>
+            <a:r>
+              <a:rPr lang="en-US" sz="1200" b="0" i="0" u="none" strike="noStrike" kern="1200" baseline="0" dirty="0" smtClean="0">
+                <a:solidFill>
+                  <a:schemeClr val="tx1"/>
+                </a:solidFill>
+                <a:latin typeface="+mn-lt"/>
+                <a:ea typeface="+mn-ea"/>
+                <a:cs typeface="+mn-cs"/>
+              </a:rPr>
+              <a:t>distances are expressed as percentage of the length of the SC AE on which the</a:t>
+            </a:r>
+          </a:p>
+          <a:p>
+            <a:r>
+              <a:rPr lang="en-US" sz="1200" b="0" i="0" u="none" strike="noStrike" kern="1200" baseline="0" dirty="0" smtClean="0">
+                <a:solidFill>
+                  <a:schemeClr val="tx1"/>
+                </a:solidFill>
+                <a:latin typeface="+mn-lt"/>
+                <a:ea typeface="+mn-ea"/>
+                <a:cs typeface="+mn-cs"/>
+              </a:rPr>
+              <a:t>focus was located. </a:t>
+            </a:r>
+            <a:r>
+              <a:rPr lang="en-US" sz="1200" b="1" i="0" u="none" strike="noStrike" kern="1200" baseline="0" dirty="0" smtClean="0">
+                <a:solidFill>
+                  <a:schemeClr val="tx1"/>
+                </a:solidFill>
+                <a:latin typeface="+mn-lt"/>
+                <a:ea typeface="+mn-ea"/>
+                <a:cs typeface="+mn-cs"/>
+              </a:rPr>
+              <a:t>The numbers of foci on which the curves are based are</a:t>
+            </a:r>
+          </a:p>
+          <a:p>
+            <a:r>
+              <a:rPr lang="en-US" sz="1200" b="1" i="0" u="none" strike="noStrike" kern="1200" baseline="0" dirty="0" smtClean="0">
+                <a:solidFill>
+                  <a:schemeClr val="tx1"/>
+                </a:solidFill>
+                <a:latin typeface="+mn-lt"/>
+                <a:ea typeface="+mn-ea"/>
+                <a:cs typeface="+mn-cs"/>
+              </a:rPr>
+              <a:t>shown in the upper left corners, and the chromosome numbers are shown in</a:t>
+            </a:r>
+          </a:p>
+          <a:p>
+            <a:r>
+              <a:rPr lang="en-US" sz="1200" b="1" i="0" u="none" strike="noStrike" kern="1200" baseline="0" dirty="0" smtClean="0">
+                <a:solidFill>
+                  <a:schemeClr val="tx1"/>
+                </a:solidFill>
+                <a:latin typeface="+mn-lt"/>
+                <a:ea typeface="+mn-ea"/>
+                <a:cs typeface="+mn-cs"/>
+              </a:rPr>
+              <a:t>the lower right corners of the graphs</a:t>
+            </a:r>
+            <a:r>
+              <a:rPr lang="en-US" sz="1200" b="0" i="0" u="none" strike="noStrike" kern="1200" baseline="0" dirty="0" smtClean="0">
+                <a:solidFill>
+                  <a:schemeClr val="tx1"/>
+                </a:solidFill>
+                <a:latin typeface="+mn-lt"/>
+                <a:ea typeface="+mn-ea"/>
+                <a:cs typeface="+mn-cs"/>
+              </a:rPr>
+              <a:t>. A uniform distribution of foci would</a:t>
+            </a:r>
+          </a:p>
+          <a:p>
+            <a:r>
+              <a:rPr lang="en-US" sz="1200" b="0" i="0" u="none" strike="noStrike" kern="1200" baseline="0" dirty="0" smtClean="0">
+                <a:solidFill>
+                  <a:schemeClr val="tx1"/>
+                </a:solidFill>
+                <a:latin typeface="+mn-lt"/>
+                <a:ea typeface="+mn-ea"/>
+                <a:cs typeface="+mn-cs"/>
+              </a:rPr>
+              <a:t>yield a straight line from the lower left to the upper right corner of the graph.</a:t>
+            </a:r>
+          </a:p>
+          <a:p>
+            <a:r>
+              <a:rPr lang="en-US" sz="1200" b="0" i="0" u="none" strike="noStrike" kern="1200" baseline="0" dirty="0" smtClean="0">
+                <a:solidFill>
+                  <a:schemeClr val="tx1"/>
+                </a:solidFill>
+                <a:latin typeface="+mn-lt"/>
+                <a:ea typeface="+mn-ea"/>
+                <a:cs typeface="+mn-cs"/>
+              </a:rPr>
+              <a:t>M, male; F, female; </a:t>
+            </a:r>
+            <a:r>
+              <a:rPr lang="en-US" sz="1200" b="0" i="0" u="none" strike="noStrike" kern="1200" baseline="0" dirty="0" err="1" smtClean="0">
+                <a:solidFill>
+                  <a:schemeClr val="tx1"/>
+                </a:solidFill>
+                <a:latin typeface="+mn-lt"/>
+                <a:ea typeface="+mn-ea"/>
+                <a:cs typeface="+mn-cs"/>
+              </a:rPr>
+              <a:t>Wt</a:t>
+            </a:r>
+            <a:r>
+              <a:rPr lang="en-US" sz="1200" b="0" i="0" u="none" strike="noStrike" kern="1200" baseline="0" dirty="0" smtClean="0">
+                <a:solidFill>
+                  <a:schemeClr val="tx1"/>
+                </a:solidFill>
+                <a:latin typeface="+mn-lt"/>
+                <a:ea typeface="+mn-ea"/>
+                <a:cs typeface="+mn-cs"/>
+              </a:rPr>
+              <a:t>, wild type; , </a:t>
+            </a:r>
+            <a:r>
+              <a:rPr lang="en-US" sz="1200" b="0" i="1" u="none" strike="noStrike" kern="1200" baseline="0" dirty="0" smtClean="0">
+                <a:solidFill>
+                  <a:schemeClr val="tx1"/>
+                </a:solidFill>
+                <a:latin typeface="+mn-lt"/>
+                <a:ea typeface="+mn-ea"/>
+                <a:cs typeface="+mn-cs"/>
+              </a:rPr>
+              <a:t>Sycp1</a:t>
+            </a:r>
+            <a:r>
+              <a:rPr lang="en-US" sz="1200" b="0" i="0" u="none" strike="noStrike" kern="1200" baseline="0" dirty="0" smtClean="0">
+                <a:solidFill>
+                  <a:schemeClr val="tx1"/>
+                </a:solidFill>
+                <a:latin typeface="+mn-lt"/>
+                <a:ea typeface="+mn-ea"/>
+                <a:cs typeface="+mn-cs"/>
+              </a:rPr>
+              <a:t>/.</a:t>
             </a:r>
             <a:endParaRPr lang="en-US" dirty="0"/>
           </a:p>
@@ -901,6 +1645,462 @@
             <a:fld id="{2788907E-C72E-4D7B-B8CA-F158589AC799}" type="slidenum">
               <a:rPr lang="en-US" smtClean="0"/>
               <a:t>14</a:t>
+            </a:fld>
+            <a:endParaRPr lang="en-US"/>
+          </a:p>
+        </p:txBody>
+      </p:sp>
+    </p:spTree>
+    <p:extLst>
+      <p:ext uri="{BB962C8B-B14F-4D97-AF65-F5344CB8AC3E}">
+        <p14:creationId xmlns:p14="http://schemas.microsoft.com/office/powerpoint/2010/main" val="2812527262"/>
+      </p:ext>
+    </p:extLst>
+  </p:cSld>
+  <p:clrMapOvr>
+    <a:masterClrMapping/>
+  </p:clrMapOvr>
+</p:notes>
+</file>
+
+<file path=ppt/notesSlides/notesSlide13.xml><?xml version="1.0" encoding="utf-8"?>
+<p:notes xmlns:a="http://schemas.openxmlformats.org/drawingml/2006/main" xmlns:r="http://schemas.openxmlformats.org/officeDocument/2006/relationships" xmlns:p="http://schemas.openxmlformats.org/presentationml/2006/main">
+  <p:cSld>
+    <p:spTree>
+      <p:nvGrpSpPr>
+        <p:cNvPr id="1" name=""/>
+        <p:cNvGrpSpPr/>
+        <p:nvPr/>
+      </p:nvGrpSpPr>
+      <p:grpSpPr>
+        <a:xfrm>
+          <a:off x="0" y="0"/>
+          <a:ext cx="0" cy="0"/>
+          <a:chOff x="0" y="0"/>
+          <a:chExt cx="0" cy="0"/>
+        </a:xfrm>
+      </p:grpSpPr>
+      <p:sp>
+        <p:nvSpPr>
+          <p:cNvPr id="2" name="Slide Image Placeholder 1"/>
+          <p:cNvSpPr>
+            <a:spLocks noGrp="1" noRot="1" noChangeAspect="1"/>
+          </p:cNvSpPr>
+          <p:nvPr>
+            <p:ph type="sldImg"/>
+          </p:nvPr>
+        </p:nvSpPr>
+        <p:spPr/>
+      </p:sp>
+      <p:sp>
+        <p:nvSpPr>
+          <p:cNvPr id="3" name="Notes Placeholder 2"/>
+          <p:cNvSpPr>
+            <a:spLocks noGrp="1"/>
+          </p:cNvSpPr>
+          <p:nvPr>
+            <p:ph type="body" idx="1"/>
+          </p:nvPr>
+        </p:nvSpPr>
+        <p:spPr/>
+        <p:txBody>
+          <a:bodyPr/>
+          <a:lstStyle/>
+          <a:p>
+            <a:r>
+              <a:rPr lang="en-US" dirty="0" smtClean="0"/>
+              <a:t>The</a:t>
+            </a:r>
+            <a:r>
+              <a:rPr lang="en-US" baseline="0" dirty="0" smtClean="0"/>
+              <a:t> overall narrative I’m trying to weave – more variance in females</a:t>
+            </a:r>
+          </a:p>
+          <a:p>
+            <a:r>
+              <a:rPr lang="en-US" baseline="0" dirty="0" smtClean="0"/>
+              <a:t>-Between cells (MLH1 counts)</a:t>
+            </a:r>
+          </a:p>
+          <a:p>
+            <a:r>
+              <a:rPr lang="en-US" baseline="0" dirty="0" smtClean="0"/>
+              <a:t>- Uniform spacing (the 1CO position is not regulated)  (F1 variance is probably larger (F1nrm))</a:t>
+            </a:r>
+          </a:p>
+          <a:p>
+            <a:r>
+              <a:rPr lang="en-US" baseline="0" dirty="0" smtClean="0"/>
+              <a:t>- IFD spacing / interference strength</a:t>
+            </a:r>
+          </a:p>
+          <a:p>
+            <a:endParaRPr lang="en-US" dirty="0" smtClean="0"/>
+          </a:p>
+          <a:p>
+            <a:r>
+              <a:rPr lang="en-US" dirty="0" smtClean="0"/>
+              <a:t>- Lack of distinction between</a:t>
+            </a:r>
+            <a:r>
+              <a:rPr lang="en-US" baseline="0" dirty="0" smtClean="0"/>
+              <a:t> 1CO and 2CO lengths</a:t>
+            </a:r>
+            <a:endParaRPr lang="en-US" dirty="0" smtClean="0"/>
+          </a:p>
+          <a:p>
+            <a:endParaRPr lang="en-US" dirty="0" smtClean="0"/>
+          </a:p>
+          <a:p>
+            <a:r>
+              <a:rPr lang="en-US" dirty="0" smtClean="0"/>
+              <a:t>(longer</a:t>
+            </a:r>
+            <a:r>
+              <a:rPr lang="en-US" baseline="0" dirty="0" smtClean="0"/>
+              <a:t> SC lengths (variance in SC length / I’m not sure this makes sense)</a:t>
+            </a:r>
+            <a:r>
+              <a:rPr lang="en-US" dirty="0" smtClean="0"/>
+              <a:t>)</a:t>
+            </a:r>
+          </a:p>
+          <a:p>
+            <a:endParaRPr lang="en-US" dirty="0"/>
+          </a:p>
+        </p:txBody>
+      </p:sp>
+      <p:sp>
+        <p:nvSpPr>
+          <p:cNvPr id="4" name="Slide Number Placeholder 3"/>
+          <p:cNvSpPr>
+            <a:spLocks noGrp="1"/>
+          </p:cNvSpPr>
+          <p:nvPr>
+            <p:ph type="sldNum" sz="quarter" idx="10"/>
+          </p:nvPr>
+        </p:nvSpPr>
+        <p:spPr/>
+        <p:txBody>
+          <a:bodyPr/>
+          <a:lstStyle/>
+          <a:p>
+            <a:fld id="{2788907E-C72E-4D7B-B8CA-F158589AC799}" type="slidenum">
+              <a:rPr lang="en-US" smtClean="0"/>
+              <a:t>15</a:t>
+            </a:fld>
+            <a:endParaRPr lang="en-US"/>
+          </a:p>
+        </p:txBody>
+      </p:sp>
+    </p:spTree>
+    <p:extLst>
+      <p:ext uri="{BB962C8B-B14F-4D97-AF65-F5344CB8AC3E}">
+        <p14:creationId xmlns:p14="http://schemas.microsoft.com/office/powerpoint/2010/main" val="3243097393"/>
+      </p:ext>
+    </p:extLst>
+  </p:cSld>
+  <p:clrMapOvr>
+    <a:masterClrMapping/>
+  </p:clrMapOvr>
+</p:notes>
+</file>
+
+<file path=ppt/notesSlides/notesSlide14.xml><?xml version="1.0" encoding="utf-8"?>
+<p:notes xmlns:a="http://schemas.openxmlformats.org/drawingml/2006/main" xmlns:r="http://schemas.openxmlformats.org/officeDocument/2006/relationships" xmlns:p="http://schemas.openxmlformats.org/presentationml/2006/main">
+  <p:cSld>
+    <p:spTree>
+      <p:nvGrpSpPr>
+        <p:cNvPr id="1" name=""/>
+        <p:cNvGrpSpPr/>
+        <p:nvPr/>
+      </p:nvGrpSpPr>
+      <p:grpSpPr>
+        <a:xfrm>
+          <a:off x="0" y="0"/>
+          <a:ext cx="0" cy="0"/>
+          <a:chOff x="0" y="0"/>
+          <a:chExt cx="0" cy="0"/>
+        </a:xfrm>
+      </p:grpSpPr>
+      <p:sp>
+        <p:nvSpPr>
+          <p:cNvPr id="2" name="Slide Image Placeholder 1"/>
+          <p:cNvSpPr>
+            <a:spLocks noGrp="1" noRot="1" noChangeAspect="1"/>
+          </p:cNvSpPr>
+          <p:nvPr>
+            <p:ph type="sldImg"/>
+          </p:nvPr>
+        </p:nvSpPr>
+        <p:spPr/>
+      </p:sp>
+      <p:sp>
+        <p:nvSpPr>
+          <p:cNvPr id="3" name="Notes Placeholder 2"/>
+          <p:cNvSpPr>
+            <a:spLocks noGrp="1"/>
+          </p:cNvSpPr>
+          <p:nvPr>
+            <p:ph type="body" idx="1"/>
+          </p:nvPr>
+        </p:nvSpPr>
+        <p:spPr/>
+        <p:txBody>
+          <a:bodyPr/>
+          <a:lstStyle/>
+          <a:p>
+            <a:r>
+              <a:rPr lang="en-US" dirty="0" smtClean="0"/>
+              <a:t>(motivation)</a:t>
+            </a:r>
+          </a:p>
+          <a:p>
+            <a:r>
+              <a:rPr lang="en-US" dirty="0" smtClean="0"/>
+              <a:t>Given the findings</a:t>
+            </a:r>
+            <a:r>
+              <a:rPr lang="en-US" baseline="0" dirty="0" smtClean="0"/>
+              <a:t> with the </a:t>
+            </a:r>
+            <a:r>
+              <a:rPr lang="en-US" baseline="0" dirty="0" err="1" smtClean="0"/>
+              <a:t>gwRR</a:t>
+            </a:r>
+            <a:r>
+              <a:rPr lang="en-US" baseline="0" dirty="0" smtClean="0"/>
+              <a:t> -&gt; </a:t>
+            </a:r>
+            <a:r>
+              <a:rPr lang="en-US" baseline="0" dirty="0" err="1" smtClean="0"/>
+              <a:t>chrm</a:t>
+            </a:r>
+            <a:r>
+              <a:rPr lang="en-US" baseline="0" dirty="0" smtClean="0"/>
+              <a:t> proportions -&gt; look at single bivalent pattern</a:t>
+            </a:r>
+          </a:p>
+          <a:p>
+            <a:endParaRPr lang="en-US" baseline="0" dirty="0" smtClean="0"/>
+          </a:p>
+          <a:p>
+            <a:r>
+              <a:rPr lang="en-US" baseline="0" dirty="0" smtClean="0"/>
+              <a:t>(chromatin compaction, interference and known sex specific rec landscape features)</a:t>
+            </a:r>
+          </a:p>
+          <a:p>
+            <a:endParaRPr lang="en-US" baseline="0" dirty="0" smtClean="0"/>
+          </a:p>
+          <a:p>
+            <a:r>
+              <a:rPr lang="en-US" baseline="0" dirty="0" smtClean="0"/>
+              <a:t>(Brief summary for dataset)</a:t>
+            </a:r>
+          </a:p>
+          <a:p>
+            <a:endParaRPr lang="en-US" baseline="0" dirty="0" smtClean="0"/>
+          </a:p>
+          <a:p>
+            <a:r>
+              <a:rPr lang="en-US" baseline="0" dirty="0" smtClean="0"/>
+              <a:t>(Focus is on 2 main questions)</a:t>
+            </a:r>
+          </a:p>
+          <a:p>
+            <a:endParaRPr lang="en-US" baseline="0" dirty="0" smtClean="0"/>
+          </a:p>
+          <a:p>
+            <a:r>
+              <a:rPr lang="en-US" baseline="0" dirty="0" smtClean="0"/>
+              <a:t>Animate so that they appear sequentially, then ii) fades</a:t>
+            </a:r>
+          </a:p>
+          <a:p>
+            <a:endParaRPr lang="en-US" baseline="0" dirty="0" smtClean="0"/>
+          </a:p>
+          <a:p>
+            <a:r>
+              <a:rPr lang="en-US" dirty="0" smtClean="0"/>
+              <a:t>Example questions</a:t>
+            </a:r>
+            <a:endParaRPr lang="en-US" dirty="0"/>
+          </a:p>
+        </p:txBody>
+      </p:sp>
+      <p:sp>
+        <p:nvSpPr>
+          <p:cNvPr id="4" name="Slide Number Placeholder 3"/>
+          <p:cNvSpPr>
+            <a:spLocks noGrp="1"/>
+          </p:cNvSpPr>
+          <p:nvPr>
+            <p:ph type="sldNum" sz="quarter" idx="10"/>
+          </p:nvPr>
+        </p:nvSpPr>
+        <p:spPr/>
+        <p:txBody>
+          <a:bodyPr/>
+          <a:lstStyle/>
+          <a:p>
+            <a:fld id="{2788907E-C72E-4D7B-B8CA-F158589AC799}" type="slidenum">
+              <a:rPr lang="en-US" smtClean="0"/>
+              <a:t>16</a:t>
+            </a:fld>
+            <a:endParaRPr lang="en-US"/>
+          </a:p>
+        </p:txBody>
+      </p:sp>
+    </p:spTree>
+    <p:extLst>
+      <p:ext uri="{BB962C8B-B14F-4D97-AF65-F5344CB8AC3E}">
+        <p14:creationId xmlns:p14="http://schemas.microsoft.com/office/powerpoint/2010/main" val="3575860465"/>
+      </p:ext>
+    </p:extLst>
+  </p:cSld>
+  <p:clrMapOvr>
+    <a:masterClrMapping/>
+  </p:clrMapOvr>
+</p:notes>
+</file>
+
+<file path=ppt/notesSlides/notesSlide15.xml><?xml version="1.0" encoding="utf-8"?>
+<p:notes xmlns:a="http://schemas.openxmlformats.org/drawingml/2006/main" xmlns:r="http://schemas.openxmlformats.org/officeDocument/2006/relationships" xmlns:p="http://schemas.openxmlformats.org/presentationml/2006/main">
+  <p:cSld>
+    <p:spTree>
+      <p:nvGrpSpPr>
+        <p:cNvPr id="1" name=""/>
+        <p:cNvGrpSpPr/>
+        <p:nvPr/>
+      </p:nvGrpSpPr>
+      <p:grpSpPr>
+        <a:xfrm>
+          <a:off x="0" y="0"/>
+          <a:ext cx="0" cy="0"/>
+          <a:chOff x="0" y="0"/>
+          <a:chExt cx="0" cy="0"/>
+        </a:xfrm>
+      </p:grpSpPr>
+      <p:sp>
+        <p:nvSpPr>
+          <p:cNvPr id="2" name="Slide Image Placeholder 1"/>
+          <p:cNvSpPr>
+            <a:spLocks noGrp="1" noRot="1" noChangeAspect="1"/>
+          </p:cNvSpPr>
+          <p:nvPr>
+            <p:ph type="sldImg"/>
+          </p:nvPr>
+        </p:nvSpPr>
+        <p:spPr/>
+      </p:sp>
+      <p:sp>
+        <p:nvSpPr>
+          <p:cNvPr id="3" name="Notes Placeholder 2"/>
+          <p:cNvSpPr>
+            <a:spLocks noGrp="1"/>
+          </p:cNvSpPr>
+          <p:nvPr>
+            <p:ph type="body" idx="1"/>
+          </p:nvPr>
+        </p:nvSpPr>
+        <p:spPr/>
+        <p:txBody>
+          <a:bodyPr/>
+          <a:lstStyle/>
+          <a:p>
+            <a:r>
+              <a:rPr lang="en-US" dirty="0" smtClean="0"/>
+              <a:t>1 way </a:t>
+            </a:r>
+            <a:r>
+              <a:rPr lang="en-US" dirty="0" err="1" smtClean="0"/>
+              <a:t>Anova</a:t>
+            </a:r>
+            <a:r>
+              <a:rPr lang="en-US" dirty="0" smtClean="0"/>
+              <a:t> – at least 1 of the group is different</a:t>
+            </a:r>
+          </a:p>
+          <a:p>
+            <a:r>
+              <a:rPr lang="en-US" dirty="0" smtClean="0"/>
+              <a:t>2. Pairwise </a:t>
+            </a:r>
+            <a:r>
+              <a:rPr lang="en-US" dirty="0" err="1" smtClean="0"/>
+              <a:t>t.tests</a:t>
+            </a:r>
+            <a:r>
+              <a:rPr lang="en-US" dirty="0" smtClean="0"/>
+              <a:t>, (maybe</a:t>
+            </a:r>
+            <a:r>
+              <a:rPr lang="en-US" baseline="0" dirty="0" smtClean="0"/>
+              <a:t> I was using the wrong correction)</a:t>
+            </a:r>
+            <a:endParaRPr lang="en-US" dirty="0" smtClean="0"/>
+          </a:p>
+          <a:p>
+            <a:endParaRPr lang="en-US" dirty="0" smtClean="0"/>
+          </a:p>
+          <a:p>
+            <a:endParaRPr lang="en-US" dirty="0" smtClean="0"/>
+          </a:p>
+          <a:p>
+            <a:r>
+              <a:rPr lang="en-US" dirty="0" smtClean="0"/>
+              <a:t>What</a:t>
+            </a:r>
+            <a:r>
+              <a:rPr lang="en-US" baseline="0" dirty="0" smtClean="0"/>
+              <a:t> would the point be to run these models? </a:t>
+            </a:r>
+          </a:p>
+          <a:p>
+            <a:endParaRPr lang="en-US" baseline="0" dirty="0" smtClean="0"/>
+          </a:p>
+          <a:p>
+            <a:r>
+              <a:rPr lang="en-US" baseline="0" dirty="0" smtClean="0"/>
+              <a:t>Distinguish the higher than ‘low’ (Dom) level strains</a:t>
+            </a:r>
+          </a:p>
+          <a:p>
+            <a:r>
+              <a:rPr lang="en-US" dirty="0" smtClean="0"/>
+              <a:t>Allows</a:t>
+            </a:r>
+            <a:r>
+              <a:rPr lang="en-US" baseline="0" dirty="0" smtClean="0"/>
+              <a:t> to add in additional strains not used for sexual </a:t>
+            </a:r>
+            <a:r>
+              <a:rPr lang="en-US" baseline="0" dirty="0" err="1" smtClean="0"/>
+              <a:t>differnces</a:t>
+            </a:r>
+            <a:endParaRPr lang="en-US" dirty="0"/>
+          </a:p>
+        </p:txBody>
+      </p:sp>
+      <p:sp>
+        <p:nvSpPr>
+          <p:cNvPr id="4" name="Slide Number Placeholder 3"/>
+          <p:cNvSpPr>
+            <a:spLocks noGrp="1"/>
+          </p:cNvSpPr>
+          <p:nvPr>
+            <p:ph type="sldNum" sz="quarter" idx="10"/>
+          </p:nvPr>
+        </p:nvSpPr>
+        <p:spPr/>
+        <p:txBody>
+          <a:bodyPr/>
+          <a:lstStyle/>
+          <a:p>
+            <a:fld id="{2788907E-C72E-4D7B-B8CA-F158589AC799}" type="slidenum">
+              <a:rPr lang="en-US" smtClean="0"/>
+              <a:t>17</a:t>
             </a:fld>
             <a:endParaRPr lang="en-US"/>
           </a:p>
@@ -1148,104 +2348,6 @@
           <a:bodyPr/>
           <a:lstStyle/>
           <a:p>
-            <a:r>
-              <a:rPr lang="en-US" dirty="0" smtClean="0"/>
-              <a:t>Did</a:t>
-            </a:r>
-            <a:r>
-              <a:rPr lang="en-US" baseline="0" dirty="0" smtClean="0"/>
-              <a:t> several versions of models, -- but almost all confirm the qualitative pattern</a:t>
-            </a:r>
-          </a:p>
-          <a:p>
-            <a:r>
-              <a:rPr lang="en-US" baseline="0" dirty="0" smtClean="0"/>
-              <a:t>(why say almost all which ones are different)</a:t>
-            </a:r>
-          </a:p>
-          <a:p>
-            <a:endParaRPr lang="en-US" dirty="0" smtClean="0"/>
-          </a:p>
-          <a:p>
-            <a:endParaRPr lang="en-US" dirty="0" smtClean="0"/>
-          </a:p>
-          <a:p>
-            <a:pPr marL="0" indent="0">
-              <a:buNone/>
-            </a:pPr>
-            <a:r>
-              <a:rPr lang="en-US" dirty="0" err="1" smtClean="0"/>
-              <a:t>lmer</a:t>
-            </a:r>
-            <a:r>
-              <a:rPr lang="en-US" dirty="0" smtClean="0"/>
-              <a:t>(</a:t>
-            </a:r>
-          </a:p>
-          <a:p>
-            <a:pPr marL="0" indent="0">
-              <a:buNone/>
-            </a:pPr>
-            <a:r>
-              <a:rPr lang="en-US" dirty="0" err="1" smtClean="0"/>
-              <a:t>Mouse.av.CO.count</a:t>
-            </a:r>
-            <a:r>
-              <a:rPr lang="en-US" dirty="0" smtClean="0"/>
-              <a:t> ~ month + location + quality + (1 | mouse), REML=TRUE</a:t>
-            </a:r>
-          </a:p>
-          <a:p>
-            <a:pPr marL="0" indent="0">
-              <a:buNone/>
-            </a:pPr>
-            <a:r>
-              <a:rPr lang="en-US" dirty="0" smtClean="0"/>
-              <a:t>)</a:t>
-            </a:r>
-          </a:p>
-          <a:p>
-            <a:pPr marL="0" indent="0">
-              <a:buNone/>
-            </a:pPr>
-            <a:endParaRPr lang="en-US" dirty="0" smtClean="0"/>
-          </a:p>
-          <a:p>
-            <a:pPr marL="0" indent="0">
-              <a:buNone/>
-            </a:pPr>
-            <a:r>
-              <a:rPr lang="en-US" dirty="0" smtClean="0"/>
-              <a:t>Tests</a:t>
-            </a:r>
-          </a:p>
-          <a:p>
-            <a:pPr marL="0" indent="0">
-              <a:buNone/>
-            </a:pPr>
-            <a:r>
-              <a:rPr lang="en-US" dirty="0" smtClean="0"/>
-              <a:t>-drop1()  (fixed effects?</a:t>
-            </a:r>
-          </a:p>
-          <a:p>
-            <a:pPr marL="0" indent="0">
-              <a:buNone/>
-            </a:pPr>
-            <a:r>
-              <a:rPr lang="en-US" dirty="0" smtClean="0"/>
-              <a:t>-</a:t>
-            </a:r>
-            <a:r>
-              <a:rPr lang="en-US" dirty="0" err="1" smtClean="0"/>
-              <a:t>exactRLRT</a:t>
-            </a:r>
-            <a:r>
-              <a:rPr lang="en-US" dirty="0" smtClean="0"/>
-              <a:t>()   -test random effects   (is variance due to random 0)</a:t>
-            </a:r>
-          </a:p>
-          <a:p>
             <a:endParaRPr lang="en-US" dirty="0"/>
           </a:p>
         </p:txBody>
@@ -1267,7 +2369,7 @@
           <a:p>
             <a:fld id="{2788907E-C72E-4D7B-B8CA-F158589AC799}" type="slidenum">
               <a:rPr lang="en-US" smtClean="0"/>
-              <a:t>5</a:t>
+              <a:t>4</a:t>
             </a:fld>
             <a:endParaRPr lang="en-US"/>
           </a:p>
@@ -1276,7 +2378,7 @@
     </p:spTree>
     <p:extLst>
       <p:ext uri="{BB962C8B-B14F-4D97-AF65-F5344CB8AC3E}">
-        <p14:creationId xmlns:p14="http://schemas.microsoft.com/office/powerpoint/2010/main" val="3289202867"/>
+        <p14:creationId xmlns:p14="http://schemas.microsoft.com/office/powerpoint/2010/main" val="3590143575"/>
       </p:ext>
     </p:extLst>
   </p:cSld>
@@ -1331,36 +2433,61 @@
           <a:lstStyle/>
           <a:p>
             <a:r>
+              <a:rPr lang="en-US" dirty="0" smtClean="0"/>
+              <a:t>(genome wide rate supported by chromosome level observations)</a:t>
+            </a:r>
+          </a:p>
+          <a:p>
+            <a:r>
+              <a:rPr lang="en-US" dirty="0" smtClean="0"/>
+              <a:t>(test?)</a:t>
+            </a:r>
+          </a:p>
+          <a:p>
+            <a:endParaRPr lang="en-US" dirty="0" smtClean="0"/>
+          </a:p>
+          <a:p>
+            <a:r>
+              <a:rPr lang="en-US" dirty="0" smtClean="0"/>
+              <a:t>(</a:t>
+            </a:r>
+            <a:r>
               <a:rPr lang="en-US" dirty="0" err="1" smtClean="0"/>
               <a:t>gwRR</a:t>
             </a:r>
             <a:r>
               <a:rPr lang="en-US" dirty="0" smtClean="0"/>
-              <a:t> averages are backed up with</a:t>
-            </a:r>
-            <a:r>
-              <a:rPr lang="en-US" baseline="0" dirty="0" smtClean="0"/>
-              <a:t> </a:t>
-            </a:r>
-            <a:r>
-              <a:rPr lang="en-US" baseline="0" dirty="0" err="1" smtClean="0"/>
+              <a:t> evolution is facilitated through </a:t>
+            </a:r>
+            <a:r>
+              <a:rPr lang="en-US" dirty="0" err="1" smtClean="0"/>
               <a:t>chrm</a:t>
             </a:r>
             <a:r>
-              <a:rPr lang="en-US" baseline="0" dirty="0" smtClean="0"/>
-              <a:t> level</a:t>
-            </a:r>
-          </a:p>
-          <a:p>
-            <a:endParaRPr lang="en-US" baseline="0" dirty="0" smtClean="0"/>
-          </a:p>
-          <a:p>
-            <a:r>
-              <a:rPr lang="en-US" baseline="0" dirty="0" smtClean="0"/>
-              <a:t>Merge this with the genome wide model</a:t>
-            </a:r>
-          </a:p>
-          <a:p>
+              <a:rPr lang="en-US" dirty="0" smtClean="0"/>
+              <a:t> levels)</a:t>
+            </a:r>
+          </a:p>
+          <a:p>
+            <a:endParaRPr lang="en-US" dirty="0" smtClean="0"/>
+          </a:p>
+          <a:p>
+            <a:r>
+              <a:rPr lang="en-US" dirty="0" smtClean="0"/>
+              <a:t>(what about the female findings:  G, MSM, )</a:t>
+            </a:r>
+          </a:p>
+          <a:p>
+            <a:endParaRPr lang="en-US" dirty="0" smtClean="0"/>
+          </a:p>
+          <a:p>
+            <a:endParaRPr lang="en-US" dirty="0" smtClean="0"/>
+          </a:p>
+          <a:p>
+            <a:r>
+              <a:rPr lang="en-US" dirty="0" smtClean="0"/>
+              <a:t>Test for these data …. ./</a:t>
+            </a:r>
             <a:endParaRPr lang="en-US" dirty="0"/>
           </a:p>
         </p:txBody>
@@ -1391,7 +2518,7 @@
     </p:spTree>
     <p:extLst>
       <p:ext uri="{BB962C8B-B14F-4D97-AF65-F5344CB8AC3E}">
-        <p14:creationId xmlns:p14="http://schemas.microsoft.com/office/powerpoint/2010/main" val="231915105"/>
+        <p14:creationId xmlns:p14="http://schemas.microsoft.com/office/powerpoint/2010/main" val="855941414"/>
       </p:ext>
     </p:extLst>
   </p:cSld>
@@ -1447,79 +2574,29 @@
           <a:p>
             <a:r>
               <a:rPr lang="en-US" dirty="0" smtClean="0"/>
-              <a:t>(motivation)</a:t>
-            </a:r>
-          </a:p>
-          <a:p>
-            <a:r>
-              <a:rPr lang="en-US" dirty="0" smtClean="0"/>
-              <a:t>Given the findings</a:t>
+              <a:t>Example to illustrate the Bivalent Data </a:t>
+            </a:r>
+          </a:p>
+          <a:p>
+            <a:endParaRPr lang="en-US" dirty="0" smtClean="0"/>
+          </a:p>
+          <a:p>
+            <a:r>
+              <a:rPr lang="en-US" dirty="0" smtClean="0"/>
+              <a:t>Almost all</a:t>
             </a:r>
             <a:r>
               <a:rPr lang="en-US" baseline="0" dirty="0" smtClean="0"/>
-              <a:t> with the </a:t>
-            </a:r>
-            <a:r>
-              <a:rPr lang="en-US" baseline="0" dirty="0" err="1" smtClean="0"/>
-              <a:t>gwRR</a:t>
-            </a:r>
-            <a:r>
-              <a:rPr lang="en-US" baseline="0" dirty="0" smtClean="0"/>
-              <a:t> -&gt; </a:t>
-            </a:r>
-            <a:r>
-              <a:rPr lang="en-US" baseline="0" dirty="0" err="1" smtClean="0"/>
-              <a:t>chrm</a:t>
-            </a:r>
-            <a:r>
-              <a:rPr lang="en-US" baseline="0" dirty="0" smtClean="0"/>
-              <a:t> proportions -&gt; look at single bivalent pattern</a:t>
-            </a:r>
-          </a:p>
-          <a:p>
-            <a:endParaRPr lang="en-US" baseline="0" dirty="0" smtClean="0"/>
-          </a:p>
-          <a:p>
-            <a:r>
-              <a:rPr lang="en-US" baseline="0" dirty="0" smtClean="0"/>
-              <a:t>(chromatin compaction, interference and known sex specific rec landscape features)</a:t>
-            </a:r>
-          </a:p>
-          <a:p>
-            <a:endParaRPr lang="en-US" baseline="0" dirty="0" smtClean="0"/>
-          </a:p>
-          <a:p>
-            <a:r>
-              <a:rPr lang="en-US" baseline="0" dirty="0" smtClean="0"/>
-              <a:t>(Brief summary for dataset)</a:t>
-            </a:r>
-          </a:p>
-          <a:p>
-            <a:endParaRPr lang="en-US" baseline="0" dirty="0" smtClean="0"/>
-          </a:p>
-          <a:p>
-            <a:r>
-              <a:rPr lang="en-US" baseline="0" dirty="0" smtClean="0"/>
-              <a:t>(Focus is on 2 main questions)</a:t>
-            </a:r>
-          </a:p>
-          <a:p>
-            <a:endParaRPr lang="en-US" baseline="0" dirty="0" smtClean="0"/>
-          </a:p>
-          <a:p>
-            <a:r>
-              <a:rPr lang="en-US" baseline="0" dirty="0" smtClean="0"/>
-              <a:t>Animate so that they appear sequentially, then ii) fades</a:t>
-            </a:r>
-          </a:p>
-          <a:p>
-            <a:endParaRPr lang="en-US" baseline="0" dirty="0" smtClean="0"/>
-          </a:p>
-          <a:p>
-            <a:r>
-              <a:rPr lang="en-US" dirty="0" smtClean="0"/>
-              <a:t>Example questions</a:t>
-            </a:r>
+              <a:t> the mice used in the MLH1 data set – have Bivalent observations</a:t>
+            </a:r>
+          </a:p>
+          <a:p>
+            <a:endParaRPr lang="en-US" dirty="0" smtClean="0"/>
+          </a:p>
+          <a:p>
+            <a:endParaRPr lang="en-US" dirty="0" smtClean="0"/>
+          </a:p>
+          <a:p>
             <a:endParaRPr lang="en-US" dirty="0"/>
           </a:p>
         </p:txBody>
@@ -1550,7 +2627,7 @@
     </p:spTree>
     <p:extLst>
       <p:ext uri="{BB962C8B-B14F-4D97-AF65-F5344CB8AC3E}">
-        <p14:creationId xmlns:p14="http://schemas.microsoft.com/office/powerpoint/2010/main" val="2620983905"/>
+        <p14:creationId xmlns:p14="http://schemas.microsoft.com/office/powerpoint/2010/main" val="1147173803"/>
       </p:ext>
     </p:extLst>
   </p:cSld>
@@ -1604,164 +2681,115 @@
           <a:bodyPr/>
           <a:lstStyle/>
           <a:p>
+            <a:r>
+              <a:rPr lang="en-US" dirty="0" smtClean="0"/>
+              <a:t>(motivation)</a:t>
+            </a:r>
+          </a:p>
+          <a:p>
+            <a:r>
+              <a:rPr lang="en-US" dirty="0" smtClean="0"/>
+              <a:t>Given the findings</a:t>
+            </a:r>
+            <a:r>
+              <a:rPr lang="en-US" baseline="0" dirty="0" smtClean="0"/>
+              <a:t> with the </a:t>
+            </a:r>
+            <a:r>
+              <a:rPr lang="en-US" baseline="0" dirty="0" err="1" smtClean="0"/>
+              <a:t>gwRR</a:t>
+            </a:r>
+            <a:r>
+              <a:rPr lang="en-US" baseline="0" dirty="0" smtClean="0"/>
+              <a:t> -&gt; </a:t>
+            </a:r>
+            <a:r>
+              <a:rPr lang="en-US" baseline="0" dirty="0" err="1" smtClean="0"/>
+              <a:t>chrm</a:t>
+            </a:r>
+            <a:r>
+              <a:rPr lang="en-US" baseline="0" dirty="0" smtClean="0"/>
+              <a:t> proportions -&gt; look at single bivalent pattern</a:t>
+            </a:r>
+          </a:p>
+          <a:p>
+            <a:endParaRPr lang="en-US" baseline="0" dirty="0" smtClean="0"/>
+          </a:p>
+          <a:p>
+            <a:r>
+              <a:rPr lang="en-US" baseline="0" dirty="0" smtClean="0"/>
+              <a:t>(chromatin compaction, interference and known sex specific rec landscape features)</a:t>
+            </a:r>
+          </a:p>
+          <a:p>
+            <a:endParaRPr lang="en-US" baseline="0" dirty="0" smtClean="0"/>
+          </a:p>
+          <a:p>
+            <a:r>
+              <a:rPr lang="en-US" baseline="0" dirty="0" smtClean="0"/>
+              <a:t>(Brief summary for dataset)</a:t>
+            </a:r>
+          </a:p>
+          <a:p>
+            <a:endParaRPr lang="en-US" baseline="0" dirty="0" smtClean="0"/>
+          </a:p>
+          <a:p>
+            <a:r>
+              <a:rPr lang="en-US" baseline="0" dirty="0" smtClean="0"/>
+              <a:t>(Focus is on 2 main questions)</a:t>
+            </a:r>
+          </a:p>
+          <a:p>
+            <a:endParaRPr lang="en-US" baseline="0" dirty="0" smtClean="0"/>
+          </a:p>
+          <a:p>
+            <a:r>
+              <a:rPr lang="en-US" baseline="0" dirty="0" smtClean="0"/>
+              <a:t>Animate so that they appear sequentially, then ii) fades</a:t>
+            </a:r>
+          </a:p>
+          <a:p>
+            <a:endParaRPr lang="en-US" baseline="0" dirty="0" smtClean="0"/>
+          </a:p>
+          <a:p>
+            <a:r>
+              <a:rPr lang="en-US" dirty="0" smtClean="0"/>
+              <a:t>Example </a:t>
+            </a:r>
+            <a:r>
+              <a:rPr lang="en-US" dirty="0" smtClean="0"/>
+              <a:t>questions</a:t>
+            </a:r>
+          </a:p>
+          <a:p>
             <a:endParaRPr lang="en-US" dirty="0" smtClean="0"/>
           </a:p>
           <a:p>
             <a:r>
               <a:rPr lang="en-US" dirty="0" smtClean="0"/>
-              <a:t>The</a:t>
+              <a:t>Walk</a:t>
             </a:r>
             <a:r>
               <a:rPr lang="en-US" baseline="0" dirty="0" smtClean="0"/>
-              <a:t> overall narrative I’m trying to weave – more variance in females</a:t>
-            </a:r>
+              <a:t> through these predictions:</a:t>
+            </a:r>
+          </a:p>
+          <a:p>
+            <a:endParaRPr lang="en-US" baseline="0" dirty="0" smtClean="0"/>
           </a:p>
           <a:p>
             <a:r>
               <a:rPr lang="en-US" baseline="0" dirty="0" smtClean="0"/>
-              <a:t>-Between cells (MLH1 counts)</a:t>
-            </a:r>
-          </a:p>
-          <a:p>
+              <a:t>The first 2 are well supported by the literature, while the 3</a:t>
+            </a:r>
+            <a:r>
+              <a:rPr lang="en-US" baseline="30000" dirty="0" smtClean="0"/>
+              <a:t>rd</a:t>
+            </a:r>
             <a:r>
               <a:rPr lang="en-US" baseline="0" dirty="0" smtClean="0"/>
-              <a:t>- Uniform spacing (the 1CO position is not regulated)  (F1 variance is probably larger (F1nrm))</a:t>
-            </a:r>
-          </a:p>
-          <a:p>
-            <a:r>
-              <a:rPr lang="en-US" baseline="0" dirty="0" smtClean="0"/>
-              <a:t>- IFD spacing / interference strength</a:t>
-            </a:r>
-          </a:p>
-          <a:p>
-            <a:endParaRPr lang="en-US" dirty="0" smtClean="0"/>
-          </a:p>
-          <a:p>
-            <a:r>
-              <a:rPr lang="en-US" dirty="0" smtClean="0"/>
-              <a:t>- Lack of distinction between</a:t>
-            </a:r>
-            <a:r>
-              <a:rPr lang="en-US" baseline="0" dirty="0" smtClean="0"/>
-              <a:t> 1CO and 2CO lengths</a:t>
-            </a:r>
-            <a:endParaRPr lang="en-US" dirty="0" smtClean="0"/>
-          </a:p>
-          <a:p>
-            <a:endParaRPr lang="en-US" dirty="0" smtClean="0"/>
-          </a:p>
-          <a:p>
-            <a:r>
-              <a:rPr lang="en-US" dirty="0" smtClean="0"/>
-              <a:t>(longer</a:t>
-            </a:r>
-            <a:r>
-              <a:rPr lang="en-US" baseline="0" dirty="0" smtClean="0"/>
-              <a:t> SC lengths (variance in SC length / I’m not sure this makes sense)</a:t>
-            </a:r>
-            <a:r>
-              <a:rPr lang="en-US" dirty="0" smtClean="0"/>
-              <a:t>)  </a:t>
-            </a:r>
-          </a:p>
-          <a:p>
-            <a:endParaRPr lang="en-US" dirty="0" smtClean="0"/>
-          </a:p>
-          <a:p>
-            <a:r>
-              <a:rPr lang="en-US" b="1" dirty="0" err="1" smtClean="0"/>
-              <a:t>deBoer</a:t>
-            </a:r>
-            <a:r>
-              <a:rPr lang="en-US" b="1" baseline="0" dirty="0" smtClean="0"/>
-              <a:t> Summary:</a:t>
-            </a:r>
-          </a:p>
-          <a:p>
-            <a:endParaRPr lang="en-US" baseline="0" dirty="0" smtClean="0"/>
-          </a:p>
-          <a:p>
-            <a:r>
-              <a:rPr lang="en-US" dirty="0" smtClean="0"/>
-              <a:t>MSH4, in WT and Sycp1 -/-.  (found 2 classes of COs / two types of interference). Used FISH for </a:t>
-            </a:r>
-            <a:r>
-              <a:rPr lang="en-US" dirty="0" err="1" smtClean="0"/>
-              <a:t>chrms</a:t>
-            </a:r>
-            <a:r>
-              <a:rPr lang="en-US" dirty="0" smtClean="0"/>
-              <a:t> 1,2,18,19; calculated gamma distribution from </a:t>
-            </a:r>
-            <a:r>
-              <a:rPr lang="en-US" dirty="0" err="1" smtClean="0"/>
-              <a:t>chrm</a:t>
-            </a:r>
-            <a:r>
-              <a:rPr lang="en-US" dirty="0" smtClean="0"/>
-              <a:t> specific intervals</a:t>
-            </a:r>
-          </a:p>
-          <a:p>
-            <a:endParaRPr lang="en-US" dirty="0" smtClean="0"/>
-          </a:p>
-          <a:p>
-            <a:r>
-              <a:rPr lang="en-US" dirty="0" smtClean="0"/>
-              <a:t>Interference much stronger</a:t>
-            </a:r>
-            <a:r>
-              <a:rPr lang="en-US" baseline="0" dirty="0" smtClean="0"/>
-              <a:t> for MLH1 in pachytene</a:t>
-            </a:r>
-          </a:p>
-          <a:p>
-            <a:endParaRPr lang="en-US" baseline="0" dirty="0" smtClean="0"/>
-          </a:p>
-          <a:p>
-            <a:r>
-              <a:rPr lang="en-US" baseline="0" dirty="0" smtClean="0"/>
-              <a:t>Sex differences --- ?</a:t>
-            </a:r>
-          </a:p>
-          <a:p>
-            <a:r>
-              <a:rPr lang="en-US" baseline="0" dirty="0" smtClean="0"/>
-              <a:t>(the density of MLH1 on SC-AE is more dense in males than females)</a:t>
-            </a:r>
-          </a:p>
-          <a:p>
-            <a:endParaRPr lang="en-US" baseline="0" dirty="0" smtClean="0"/>
-          </a:p>
-          <a:p>
-            <a:r>
-              <a:rPr lang="en-US" dirty="0" smtClean="0"/>
-              <a:t>Male – short </a:t>
-            </a:r>
-            <a:r>
-              <a:rPr lang="en-US" dirty="0" err="1" smtClean="0"/>
-              <a:t>chrms</a:t>
-            </a:r>
-            <a:r>
-              <a:rPr lang="en-US" dirty="0" smtClean="0"/>
-              <a:t> had strong medial placement of MLH1</a:t>
-            </a:r>
-          </a:p>
-          <a:p>
-            <a:endParaRPr lang="en-US" dirty="0" smtClean="0"/>
-          </a:p>
-          <a:p>
-            <a:endParaRPr lang="en-US" dirty="0" smtClean="0"/>
-          </a:p>
-          <a:p>
-            <a:r>
-              <a:rPr lang="en-US" dirty="0" smtClean="0"/>
-              <a:t>(Can I access these data?)</a:t>
-            </a:r>
-          </a:p>
-          <a:p>
-            <a:endParaRPr lang="en-US" dirty="0" smtClean="0"/>
+              <a:t> there is only 1 paper I could find with cytological data for interfocal distance for both sexes.</a:t>
+            </a:r>
           </a:p>
           <a:p>
             <a:endParaRPr lang="en-US" dirty="0"/>
@@ -1785,7 +2813,7 @@
           <a:p>
             <a:fld id="{2788907E-C72E-4D7B-B8CA-F158589AC799}" type="slidenum">
               <a:rPr lang="en-US" smtClean="0"/>
-              <a:t>10</a:t>
+              <a:t>8</a:t>
             </a:fld>
             <a:endParaRPr lang="en-US"/>
           </a:p>
@@ -1794,7 +2822,7 @@
     </p:spTree>
     <p:extLst>
       <p:ext uri="{BB962C8B-B14F-4D97-AF65-F5344CB8AC3E}">
-        <p14:creationId xmlns:p14="http://schemas.microsoft.com/office/powerpoint/2010/main" val="1496181675"/>
+        <p14:creationId xmlns:p14="http://schemas.microsoft.com/office/powerpoint/2010/main" val="2620983905"/>
       </p:ext>
     </p:extLst>
   </p:cSld>
@@ -1850,645 +2878,23 @@
           <a:p>
             <a:r>
               <a:rPr lang="en-US" dirty="0" smtClean="0"/>
-              <a:t>Interference / gamma curves are on the top --- don’t think any are female?</a:t>
-            </a:r>
-          </a:p>
-          <a:p>
-            <a:endParaRPr lang="en-US" dirty="0" smtClean="0"/>
-          </a:p>
-          <a:p>
-            <a:r>
-              <a:rPr lang="en-US" dirty="0" smtClean="0"/>
-              <a:t>(Should I try to remake these cumulative foci plots?)  --- smaller</a:t>
+              <a:t>Frame</a:t>
             </a:r>
             <a:r>
               <a:rPr lang="en-US" baseline="0" dirty="0" smtClean="0"/>
-              <a:t> square </a:t>
-            </a:r>
-            <a:r>
-              <a:rPr lang="en-US" dirty="0" smtClean="0"/>
-              <a:t>curve plots are there are all</a:t>
-            </a:r>
+              <a:t> work, use the same equations as for the MLH1</a:t>
+            </a:r>
+          </a:p>
+          <a:p>
             <a:r>
               <a:rPr lang="en-US" baseline="0" dirty="0" smtClean="0"/>
               <a:t> </a:t>
             </a:r>
-            <a:r>
-              <a:rPr lang="en-US" b="1" baseline="0" dirty="0" smtClean="0"/>
-              <a:t>distance to cent</a:t>
-            </a:r>
-            <a:r>
-              <a:rPr lang="en-US" b="0" baseline="0" dirty="0" smtClean="0"/>
-              <a:t> (do these pool foci from the same </a:t>
-            </a:r>
-            <a:r>
-              <a:rPr lang="en-US" b="0" baseline="0" dirty="0" err="1" smtClean="0"/>
-              <a:t>biv</a:t>
-            </a:r>
-            <a:r>
-              <a:rPr lang="en-US" b="0" baseline="0" dirty="0" smtClean="0"/>
-              <a:t>?!)</a:t>
-            </a:r>
-            <a:endParaRPr lang="en-US" b="0" dirty="0" smtClean="0"/>
-          </a:p>
-          <a:p>
-            <a:endParaRPr lang="en-US" dirty="0" smtClean="0"/>
-          </a:p>
-          <a:p>
-            <a:r>
-              <a:rPr lang="en-US" sz="1200" b="1" i="0" u="none" strike="noStrike" kern="1200" baseline="0" dirty="0" smtClean="0">
-                <a:solidFill>
-                  <a:schemeClr val="tx1"/>
-                </a:solidFill>
-                <a:latin typeface="+mn-lt"/>
-                <a:ea typeface="+mn-ea"/>
-                <a:cs typeface="+mn-cs"/>
-              </a:rPr>
-              <a:t>Fig. 1. </a:t>
-            </a:r>
-            <a:r>
-              <a:rPr lang="en-US" sz="1200" b="0" i="0" u="none" strike="noStrike" kern="1200" baseline="0" dirty="0" smtClean="0">
-                <a:solidFill>
-                  <a:schemeClr val="tx1"/>
-                </a:solidFill>
-                <a:latin typeface="+mn-lt"/>
-                <a:ea typeface="+mn-ea"/>
-                <a:cs typeface="+mn-cs"/>
-              </a:rPr>
-              <a:t>Analysis of foci along bivalents. (</a:t>
-            </a:r>
-            <a:r>
-              <a:rPr lang="en-US" sz="1200" b="0" i="1" u="none" strike="noStrike" kern="1200" baseline="0" dirty="0" smtClean="0">
-                <a:solidFill>
-                  <a:schemeClr val="tx1"/>
-                </a:solidFill>
-                <a:latin typeface="+mn-lt"/>
-                <a:ea typeface="+mn-ea"/>
-                <a:cs typeface="+mn-cs"/>
-              </a:rPr>
-              <a:t>A</a:t>
-            </a:r>
-            <a:r>
-              <a:rPr lang="en-US" sz="1200" b="0" i="0" u="none" strike="noStrike" kern="1200" baseline="0" dirty="0" smtClean="0">
-                <a:solidFill>
-                  <a:schemeClr val="tx1"/>
-                </a:solidFill>
-                <a:latin typeface="+mn-lt"/>
-                <a:ea typeface="+mn-ea"/>
-                <a:cs typeface="+mn-cs"/>
-              </a:rPr>
-              <a:t>) Shape of gamma distributions for</a:t>
-            </a:r>
-          </a:p>
-          <a:p>
-            <a:r>
-              <a:rPr lang="en-US" sz="1200" b="0" i="0" u="none" strike="noStrike" kern="1200" baseline="0" dirty="0" smtClean="0">
-                <a:solidFill>
-                  <a:schemeClr val="tx1"/>
-                </a:solidFill>
-                <a:latin typeface="+mn-lt"/>
-                <a:ea typeface="+mn-ea"/>
-                <a:cs typeface="+mn-cs"/>
-              </a:rPr>
-              <a:t>different  values. The average </a:t>
-            </a:r>
-            <a:r>
-              <a:rPr lang="en-US" sz="1200" b="0" i="0" u="none" strike="noStrike" kern="1200" baseline="0" dirty="0" err="1" smtClean="0">
-                <a:solidFill>
-                  <a:schemeClr val="tx1"/>
-                </a:solidFill>
-                <a:latin typeface="+mn-lt"/>
-                <a:ea typeface="+mn-ea"/>
-                <a:cs typeface="+mn-cs"/>
-              </a:rPr>
-              <a:t>interfocus</a:t>
-            </a:r>
-            <a:r>
-              <a:rPr lang="en-US" sz="1200" b="0" i="0" u="none" strike="noStrike" kern="1200" baseline="0" dirty="0" smtClean="0">
-                <a:solidFill>
-                  <a:schemeClr val="tx1"/>
-                </a:solidFill>
-                <a:latin typeface="+mn-lt"/>
-                <a:ea typeface="+mn-ea"/>
-                <a:cs typeface="+mn-cs"/>
-              </a:rPr>
-              <a:t> distance equals 10 for all distributions</a:t>
-            </a:r>
-          </a:p>
-          <a:p>
-            <a:r>
-              <a:rPr lang="en-US" sz="1200" b="0" i="0" u="none" strike="noStrike" kern="1200" baseline="0" dirty="0" smtClean="0">
-                <a:solidFill>
-                  <a:schemeClr val="tx1"/>
-                </a:solidFill>
-                <a:latin typeface="+mn-lt"/>
-                <a:ea typeface="+mn-ea"/>
-                <a:cs typeface="+mn-cs"/>
-              </a:rPr>
-              <a:t>shown. As  increases, the very short and very long distances become</a:t>
-            </a:r>
-          </a:p>
-          <a:p>
-            <a:r>
-              <a:rPr lang="en-US" sz="1200" b="0" i="0" u="none" strike="noStrike" kern="1200" baseline="0" dirty="0" smtClean="0">
-                <a:solidFill>
-                  <a:schemeClr val="tx1"/>
-                </a:solidFill>
-                <a:latin typeface="+mn-lt"/>
-                <a:ea typeface="+mn-ea"/>
-                <a:cs typeface="+mn-cs"/>
-              </a:rPr>
-              <a:t>sparser, and the distributions become narrower and more symmetrical. (</a:t>
-            </a:r>
-            <a:r>
-              <a:rPr lang="en-US" sz="1200" b="0" i="1" u="none" strike="noStrike" kern="1200" baseline="0" dirty="0" smtClean="0">
-                <a:solidFill>
-                  <a:schemeClr val="tx1"/>
-                </a:solidFill>
-                <a:latin typeface="+mn-lt"/>
-                <a:ea typeface="+mn-ea"/>
-                <a:cs typeface="+mn-cs"/>
-              </a:rPr>
-              <a:t>B</a:t>
-            </a:r>
-            <a:r>
-              <a:rPr lang="en-US" sz="1200" b="0" i="0" u="none" strike="noStrike" kern="1200" baseline="0" dirty="0" smtClean="0">
-                <a:solidFill>
-                  <a:schemeClr val="tx1"/>
-                </a:solidFill>
-                <a:latin typeface="+mn-lt"/>
-                <a:ea typeface="+mn-ea"/>
-                <a:cs typeface="+mn-cs"/>
-              </a:rPr>
-              <a:t>–</a:t>
-            </a:r>
-            <a:r>
-              <a:rPr lang="en-US" sz="1200" b="0" i="1" u="none" strike="noStrike" kern="1200" baseline="0" dirty="0" smtClean="0">
-                <a:solidFill>
-                  <a:schemeClr val="tx1"/>
-                </a:solidFill>
-                <a:latin typeface="+mn-lt"/>
-                <a:ea typeface="+mn-ea"/>
-                <a:cs typeface="+mn-cs"/>
-              </a:rPr>
-              <a:t>D</a:t>
-            </a:r>
-            <a:r>
-              <a:rPr lang="en-US" sz="1200" b="0" i="0" u="none" strike="noStrike" kern="1200" baseline="0" dirty="0" smtClean="0">
-                <a:solidFill>
-                  <a:schemeClr val="tx1"/>
-                </a:solidFill>
-                <a:latin typeface="+mn-lt"/>
-                <a:ea typeface="+mn-ea"/>
-                <a:cs typeface="+mn-cs"/>
-              </a:rPr>
-              <a:t>)</a:t>
-            </a:r>
-          </a:p>
-          <a:p>
-            <a:r>
-              <a:rPr lang="en-US" sz="1200" b="0" i="0" u="none" strike="noStrike" kern="1200" baseline="0" dirty="0" smtClean="0">
-                <a:solidFill>
-                  <a:schemeClr val="tx1"/>
-                </a:solidFill>
-                <a:latin typeface="+mn-lt"/>
-                <a:ea typeface="+mn-ea"/>
-                <a:cs typeface="+mn-cs"/>
-              </a:rPr>
-              <a:t>Examples of histograms of observed </a:t>
-            </a:r>
-            <a:r>
-              <a:rPr lang="en-US" sz="1200" b="0" i="0" u="none" strike="noStrike" kern="1200" baseline="0" dirty="0" err="1" smtClean="0">
-                <a:solidFill>
-                  <a:schemeClr val="tx1"/>
-                </a:solidFill>
-                <a:latin typeface="+mn-lt"/>
-                <a:ea typeface="+mn-ea"/>
-                <a:cs typeface="+mn-cs"/>
-              </a:rPr>
-              <a:t>interfocus</a:t>
-            </a:r>
-            <a:r>
-              <a:rPr lang="en-US" sz="1200" b="0" i="0" u="none" strike="noStrike" kern="1200" baseline="0" dirty="0" smtClean="0">
-                <a:solidFill>
-                  <a:schemeClr val="tx1"/>
-                </a:solidFill>
-                <a:latin typeface="+mn-lt"/>
-                <a:ea typeface="+mn-ea"/>
-                <a:cs typeface="+mn-cs"/>
-              </a:rPr>
-              <a:t> distances in spermatocytes</a:t>
-            </a:r>
-          </a:p>
-          <a:p>
-            <a:r>
-              <a:rPr lang="en-US" sz="1200" b="0" i="0" u="none" strike="noStrike" kern="1200" baseline="0" dirty="0" smtClean="0">
-                <a:solidFill>
-                  <a:schemeClr val="tx1"/>
-                </a:solidFill>
-                <a:latin typeface="+mn-lt"/>
-                <a:ea typeface="+mn-ea"/>
-                <a:cs typeface="+mn-cs"/>
-              </a:rPr>
-              <a:t>(black bars), the best fit of the observed distances to the gamma distribution  (red curves), the  value for which the best fit was obtained (ˆ ), and the</a:t>
-            </a:r>
-          </a:p>
-          <a:p>
-            <a:r>
-              <a:rPr lang="en-US" sz="1200" b="0" i="0" u="none" strike="noStrike" kern="1200" baseline="0" dirty="0" smtClean="0">
-                <a:solidFill>
-                  <a:schemeClr val="tx1"/>
-                </a:solidFill>
-                <a:latin typeface="+mn-lt"/>
-                <a:ea typeface="+mn-ea"/>
-                <a:cs typeface="+mn-cs"/>
-              </a:rPr>
-              <a:t>distributions expected if there were no interference (i.e., 1; blue curves).</a:t>
-            </a:r>
-          </a:p>
-          <a:p>
-            <a:r>
-              <a:rPr lang="en-US" sz="1200" b="0" i="0" u="none" strike="noStrike" kern="1200" baseline="0" dirty="0" smtClean="0">
-                <a:solidFill>
-                  <a:schemeClr val="tx1"/>
-                </a:solidFill>
-                <a:latin typeface="+mn-lt"/>
-                <a:ea typeface="+mn-ea"/>
-                <a:cs typeface="+mn-cs"/>
-              </a:rPr>
-              <a:t>The observed </a:t>
-            </a:r>
-            <a:r>
-              <a:rPr lang="en-US" sz="1200" b="0" i="0" u="none" strike="noStrike" kern="1200" baseline="0" dirty="0" err="1" smtClean="0">
-                <a:solidFill>
-                  <a:schemeClr val="tx1"/>
-                </a:solidFill>
-                <a:latin typeface="+mn-lt"/>
-                <a:ea typeface="+mn-ea"/>
-                <a:cs typeface="+mn-cs"/>
-              </a:rPr>
-              <a:t>interfocus</a:t>
-            </a:r>
-            <a:r>
-              <a:rPr lang="en-US" sz="1200" b="0" i="0" u="none" strike="noStrike" kern="1200" baseline="0" dirty="0" smtClean="0">
-                <a:solidFill>
-                  <a:schemeClr val="tx1"/>
-                </a:solidFill>
-                <a:latin typeface="+mn-lt"/>
-                <a:ea typeface="+mn-ea"/>
-                <a:cs typeface="+mn-cs"/>
-              </a:rPr>
-              <a:t> distances were binned for representation only; the</a:t>
-            </a:r>
-          </a:p>
-          <a:p>
-            <a:r>
-              <a:rPr lang="en-US" sz="1200" b="0" i="0" u="none" strike="noStrike" kern="1200" baseline="0" dirty="0" smtClean="0">
-                <a:solidFill>
-                  <a:schemeClr val="tx1"/>
-                </a:solidFill>
-                <a:latin typeface="+mn-lt"/>
-                <a:ea typeface="+mn-ea"/>
-                <a:cs typeface="+mn-cs"/>
-              </a:rPr>
-              <a:t>best fits to the gamma distribution are based on the exact, </a:t>
-            </a:r>
-            <a:r>
-              <a:rPr lang="en-US" sz="1200" b="0" i="0" u="none" strike="noStrike" kern="1200" baseline="0" dirty="0" err="1" smtClean="0">
-                <a:solidFill>
-                  <a:schemeClr val="tx1"/>
-                </a:solidFill>
-                <a:latin typeface="+mn-lt"/>
-                <a:ea typeface="+mn-ea"/>
-                <a:cs typeface="+mn-cs"/>
-              </a:rPr>
-              <a:t>unbinned</a:t>
-            </a:r>
-            <a:r>
-              <a:rPr lang="en-US" sz="1200" b="0" i="0" u="none" strike="noStrike" kern="1200" baseline="0" dirty="0" smtClean="0">
-                <a:solidFill>
-                  <a:schemeClr val="tx1"/>
-                </a:solidFill>
-                <a:latin typeface="+mn-lt"/>
-                <a:ea typeface="+mn-ea"/>
-                <a:cs typeface="+mn-cs"/>
-              </a:rPr>
-              <a:t> distances.</a:t>
-            </a:r>
-          </a:p>
-          <a:p>
-            <a:r>
-              <a:rPr lang="en-US" sz="1200" b="0" i="0" u="none" strike="noStrike" kern="1200" baseline="0" dirty="0" smtClean="0">
-                <a:solidFill>
-                  <a:schemeClr val="tx1"/>
-                </a:solidFill>
-                <a:latin typeface="+mn-lt"/>
-                <a:ea typeface="+mn-ea"/>
-                <a:cs typeface="+mn-cs"/>
-              </a:rPr>
-              <a:t>Figs. 5 and 6 show histograms of all data sets. </a:t>
-            </a:r>
-            <a:r>
-              <a:rPr lang="en-US" sz="1200" b="1" i="0" u="none" strike="noStrike" kern="1200" baseline="0" dirty="0" smtClean="0">
-                <a:solidFill>
-                  <a:schemeClr val="tx1"/>
-                </a:solidFill>
-                <a:latin typeface="+mn-lt"/>
-                <a:ea typeface="+mn-ea"/>
-                <a:cs typeface="+mn-cs"/>
-              </a:rPr>
-              <a:t>(</a:t>
-            </a:r>
-            <a:r>
-              <a:rPr lang="en-US" sz="1200" b="1" i="1" u="none" strike="noStrike" kern="1200" baseline="0" dirty="0" smtClean="0">
-                <a:solidFill>
-                  <a:schemeClr val="tx1"/>
-                </a:solidFill>
-                <a:latin typeface="+mn-lt"/>
-                <a:ea typeface="+mn-ea"/>
-                <a:cs typeface="+mn-cs"/>
-              </a:rPr>
-              <a:t>E</a:t>
-            </a:r>
-            <a:r>
-              <a:rPr lang="en-US" sz="1200" b="1" i="0" u="none" strike="noStrike" kern="1200" baseline="0" dirty="0" smtClean="0">
-                <a:solidFill>
-                  <a:schemeClr val="tx1"/>
-                </a:solidFill>
-                <a:latin typeface="+mn-lt"/>
-                <a:ea typeface="+mn-ea"/>
-                <a:cs typeface="+mn-cs"/>
-              </a:rPr>
-              <a:t>–</a:t>
-            </a:r>
-            <a:r>
-              <a:rPr lang="en-US" sz="1200" b="1" i="1" u="none" strike="noStrike" kern="1200" baseline="0" dirty="0" smtClean="0">
-                <a:solidFill>
-                  <a:schemeClr val="tx1"/>
-                </a:solidFill>
-                <a:latin typeface="+mn-lt"/>
-                <a:ea typeface="+mn-ea"/>
-                <a:cs typeface="+mn-cs"/>
-              </a:rPr>
-              <a:t>G</a:t>
-            </a:r>
-            <a:r>
-              <a:rPr lang="en-US" sz="1200" b="1" i="0" u="none" strike="noStrike" kern="1200" baseline="0" dirty="0" smtClean="0">
-                <a:solidFill>
-                  <a:schemeClr val="tx1"/>
-                </a:solidFill>
-                <a:latin typeface="+mn-lt"/>
-                <a:ea typeface="+mn-ea"/>
-                <a:cs typeface="+mn-cs"/>
-              </a:rPr>
-              <a:t>) Distribution of foci</a:t>
-            </a:r>
-          </a:p>
-          <a:p>
-            <a:r>
-              <a:rPr lang="en-US" sz="1200" b="1" i="0" u="none" strike="noStrike" kern="1200" baseline="0" dirty="0" smtClean="0">
-                <a:solidFill>
-                  <a:schemeClr val="tx1"/>
-                </a:solidFill>
-                <a:latin typeface="+mn-lt"/>
-                <a:ea typeface="+mn-ea"/>
-                <a:cs typeface="+mn-cs"/>
-              </a:rPr>
-              <a:t>along bivalents</a:t>
-            </a:r>
-            <a:r>
-              <a:rPr lang="en-US" sz="1200" b="0" i="0" u="none" strike="noStrike" kern="1200" baseline="0" dirty="0" smtClean="0">
-                <a:solidFill>
-                  <a:schemeClr val="tx1"/>
-                </a:solidFill>
-                <a:latin typeface="+mn-lt"/>
-                <a:ea typeface="+mn-ea"/>
-                <a:cs typeface="+mn-cs"/>
-              </a:rPr>
-              <a:t>. Shown are the cumulative frequencies of foci as a function of</a:t>
-            </a:r>
-          </a:p>
-          <a:p>
-            <a:r>
-              <a:rPr lang="en-US" sz="1200" b="0" i="0" u="none" strike="noStrike" kern="1200" baseline="0" dirty="0" smtClean="0">
-                <a:solidFill>
-                  <a:schemeClr val="tx1"/>
-                </a:solidFill>
-                <a:latin typeface="+mn-lt"/>
-                <a:ea typeface="+mn-ea"/>
-                <a:cs typeface="+mn-cs"/>
-              </a:rPr>
-              <a:t>the distance to the </a:t>
-            </a:r>
-            <a:r>
-              <a:rPr lang="en-US" sz="1200" b="0" i="0" u="none" strike="noStrike" kern="1200" baseline="0" dirty="0" err="1" smtClean="0">
-                <a:solidFill>
-                  <a:schemeClr val="tx1"/>
-                </a:solidFill>
-                <a:latin typeface="+mn-lt"/>
-                <a:ea typeface="+mn-ea"/>
-                <a:cs typeface="+mn-cs"/>
-              </a:rPr>
-              <a:t>centromeric</a:t>
-            </a:r>
-            <a:r>
-              <a:rPr lang="en-US" sz="1200" b="0" i="0" u="none" strike="noStrike" kern="1200" baseline="0" dirty="0" smtClean="0">
-                <a:solidFill>
-                  <a:schemeClr val="tx1"/>
-                </a:solidFill>
-                <a:latin typeface="+mn-lt"/>
-                <a:ea typeface="+mn-ea"/>
-                <a:cs typeface="+mn-cs"/>
-              </a:rPr>
-              <a:t> end of the </a:t>
-            </a:r>
-            <a:r>
-              <a:rPr lang="en-US" sz="1200" b="1" i="0" u="none" strike="noStrike" kern="1200" baseline="0" dirty="0" smtClean="0">
-                <a:solidFill>
-                  <a:schemeClr val="tx1"/>
-                </a:solidFill>
-                <a:latin typeface="+mn-lt"/>
-                <a:ea typeface="+mn-ea"/>
-                <a:cs typeface="+mn-cs"/>
-              </a:rPr>
-              <a:t>SC (wild type) or AE (</a:t>
-            </a:r>
-            <a:r>
-              <a:rPr lang="en-US" sz="1200" b="1" i="1" u="none" strike="noStrike" kern="1200" baseline="0" dirty="0" smtClean="0">
-                <a:solidFill>
-                  <a:schemeClr val="tx1"/>
-                </a:solidFill>
-                <a:latin typeface="+mn-lt"/>
-                <a:ea typeface="+mn-ea"/>
-                <a:cs typeface="+mn-cs"/>
-              </a:rPr>
-              <a:t>Sycp1</a:t>
-            </a:r>
-            <a:r>
-              <a:rPr lang="en-US" sz="1200" b="1" i="0" u="none" strike="noStrike" kern="1200" baseline="0" dirty="0" smtClean="0">
-                <a:solidFill>
-                  <a:schemeClr val="tx1"/>
-                </a:solidFill>
-                <a:latin typeface="+mn-lt"/>
-                <a:ea typeface="+mn-ea"/>
-                <a:cs typeface="+mn-cs"/>
-              </a:rPr>
-              <a:t>/). </a:t>
-            </a:r>
-            <a:r>
-              <a:rPr lang="en-US" sz="1200" b="0" i="0" u="none" strike="noStrike" kern="1200" baseline="0" dirty="0" smtClean="0">
-                <a:solidFill>
-                  <a:schemeClr val="tx1"/>
-                </a:solidFill>
-                <a:latin typeface="+mn-lt"/>
-                <a:ea typeface="+mn-ea"/>
-                <a:cs typeface="+mn-cs"/>
-              </a:rPr>
-              <a:t>The</a:t>
-            </a:r>
-          </a:p>
-          <a:p>
-            <a:r>
-              <a:rPr lang="en-US" sz="1200" b="0" i="0" u="none" strike="noStrike" kern="1200" baseline="0" dirty="0" smtClean="0">
-                <a:solidFill>
-                  <a:schemeClr val="tx1"/>
-                </a:solidFill>
-                <a:latin typeface="+mn-lt"/>
-                <a:ea typeface="+mn-ea"/>
-                <a:cs typeface="+mn-cs"/>
-              </a:rPr>
-              <a:t>distances are expressed as percentage of the length of the SC AE on which the</a:t>
-            </a:r>
-          </a:p>
-          <a:p>
-            <a:r>
-              <a:rPr lang="en-US" sz="1200" b="0" i="0" u="none" strike="noStrike" kern="1200" baseline="0" dirty="0" smtClean="0">
-                <a:solidFill>
-                  <a:schemeClr val="tx1"/>
-                </a:solidFill>
-                <a:latin typeface="+mn-lt"/>
-                <a:ea typeface="+mn-ea"/>
-                <a:cs typeface="+mn-cs"/>
-              </a:rPr>
-              <a:t>focus was located. </a:t>
-            </a:r>
-            <a:r>
-              <a:rPr lang="en-US" sz="1200" b="1" i="0" u="none" strike="noStrike" kern="1200" baseline="0" dirty="0" smtClean="0">
-                <a:solidFill>
-                  <a:schemeClr val="tx1"/>
-                </a:solidFill>
-                <a:latin typeface="+mn-lt"/>
-                <a:ea typeface="+mn-ea"/>
-                <a:cs typeface="+mn-cs"/>
-              </a:rPr>
-              <a:t>The numbers of foci on which the curves are based are</a:t>
-            </a:r>
-          </a:p>
-          <a:p>
-            <a:r>
-              <a:rPr lang="en-US" sz="1200" b="1" i="0" u="none" strike="noStrike" kern="1200" baseline="0" dirty="0" smtClean="0">
-                <a:solidFill>
-                  <a:schemeClr val="tx1"/>
-                </a:solidFill>
-                <a:latin typeface="+mn-lt"/>
-                <a:ea typeface="+mn-ea"/>
-                <a:cs typeface="+mn-cs"/>
-              </a:rPr>
-              <a:t>shown in the upper left corners, and the chromosome numbers are shown in</a:t>
-            </a:r>
-          </a:p>
-          <a:p>
-            <a:r>
-              <a:rPr lang="en-US" sz="1200" b="1" i="0" u="none" strike="noStrike" kern="1200" baseline="0" dirty="0" smtClean="0">
-                <a:solidFill>
-                  <a:schemeClr val="tx1"/>
-                </a:solidFill>
-                <a:latin typeface="+mn-lt"/>
-                <a:ea typeface="+mn-ea"/>
-                <a:cs typeface="+mn-cs"/>
-              </a:rPr>
-              <a:t>the lower right corners of the graphs</a:t>
-            </a:r>
-            <a:r>
-              <a:rPr lang="en-US" sz="1200" b="0" i="0" u="none" strike="noStrike" kern="1200" baseline="0" dirty="0" smtClean="0">
-                <a:solidFill>
-                  <a:schemeClr val="tx1"/>
-                </a:solidFill>
-                <a:latin typeface="+mn-lt"/>
-                <a:ea typeface="+mn-ea"/>
-                <a:cs typeface="+mn-cs"/>
-              </a:rPr>
-              <a:t>. A uniform distribution of foci would</a:t>
-            </a:r>
-          </a:p>
-          <a:p>
-            <a:r>
-              <a:rPr lang="en-US" sz="1200" b="0" i="0" u="none" strike="noStrike" kern="1200" baseline="0" dirty="0" smtClean="0">
-                <a:solidFill>
-                  <a:schemeClr val="tx1"/>
-                </a:solidFill>
-                <a:latin typeface="+mn-lt"/>
-                <a:ea typeface="+mn-ea"/>
-                <a:cs typeface="+mn-cs"/>
-              </a:rPr>
-              <a:t>yield a straight line from the lower left to the upper right corner of the graph.</a:t>
-            </a:r>
-          </a:p>
-          <a:p>
-            <a:r>
-              <a:rPr lang="en-US" sz="1200" b="0" i="0" u="none" strike="noStrike" kern="1200" baseline="0" dirty="0" smtClean="0">
-                <a:solidFill>
-                  <a:schemeClr val="tx1"/>
-                </a:solidFill>
-                <a:latin typeface="+mn-lt"/>
-                <a:ea typeface="+mn-ea"/>
-                <a:cs typeface="+mn-cs"/>
-              </a:rPr>
-              <a:t>M, male; F, female; </a:t>
-            </a:r>
-            <a:r>
-              <a:rPr lang="en-US" sz="1200" b="0" i="0" u="none" strike="noStrike" kern="1200" baseline="0" dirty="0" err="1" smtClean="0">
-                <a:solidFill>
-                  <a:schemeClr val="tx1"/>
-                </a:solidFill>
-                <a:latin typeface="+mn-lt"/>
-                <a:ea typeface="+mn-ea"/>
-                <a:cs typeface="+mn-cs"/>
-              </a:rPr>
-              <a:t>Wt</a:t>
-            </a:r>
-            <a:r>
-              <a:rPr lang="en-US" sz="1200" b="0" i="0" u="none" strike="noStrike" kern="1200" baseline="0" dirty="0" smtClean="0">
-                <a:solidFill>
-                  <a:schemeClr val="tx1"/>
-                </a:solidFill>
-                <a:latin typeface="+mn-lt"/>
-                <a:ea typeface="+mn-ea"/>
-                <a:cs typeface="+mn-cs"/>
-              </a:rPr>
-              <a:t>, wild type; , </a:t>
-            </a:r>
-            <a:r>
-              <a:rPr lang="en-US" sz="1200" b="0" i="1" u="none" strike="noStrike" kern="1200" baseline="0" dirty="0" smtClean="0">
-                <a:solidFill>
-                  <a:schemeClr val="tx1"/>
-                </a:solidFill>
-                <a:latin typeface="+mn-lt"/>
-                <a:ea typeface="+mn-ea"/>
-                <a:cs typeface="+mn-cs"/>
-              </a:rPr>
-              <a:t>Sycp1</a:t>
-            </a:r>
-            <a:r>
-              <a:rPr lang="en-US" sz="1200" b="0" i="0" u="none" strike="noStrike" kern="1200" baseline="0" dirty="0" smtClean="0">
-                <a:solidFill>
-                  <a:schemeClr val="tx1"/>
-                </a:solidFill>
-                <a:latin typeface="+mn-lt"/>
-                <a:ea typeface="+mn-ea"/>
-                <a:cs typeface="+mn-cs"/>
-              </a:rPr>
-              <a:t>/.</a:t>
+          </a:p>
+          <a:p>
+            <a:r>
+              <a:rPr lang="en-US" baseline="0" dirty="0" smtClean="0"/>
+              <a:t>-- use mouse averages, for the single bivalent level</a:t>
             </a:r>
             <a:endParaRPr lang="en-US" dirty="0"/>
           </a:p>
@@ -2511,7 +2917,7 @@
           <a:p>
             <a:fld id="{2788907E-C72E-4D7B-B8CA-F158589AC799}" type="slidenum">
               <a:rPr lang="en-US" smtClean="0"/>
-              <a:t>11</a:t>
+              <a:t>9</a:t>
             </a:fld>
             <a:endParaRPr lang="en-US"/>
           </a:p>
@@ -2520,7 +2926,7 @@
     </p:spTree>
     <p:extLst>
       <p:ext uri="{BB962C8B-B14F-4D97-AF65-F5344CB8AC3E}">
-        <p14:creationId xmlns:p14="http://schemas.microsoft.com/office/powerpoint/2010/main" val="2812527262"/>
+        <p14:creationId xmlns:p14="http://schemas.microsoft.com/office/powerpoint/2010/main" val="1478660013"/>
       </p:ext>
     </p:extLst>
   </p:cSld>
@@ -2574,65 +2980,6 @@
           <a:bodyPr/>
           <a:lstStyle/>
           <a:p>
-            <a:r>
-              <a:rPr lang="en-US" dirty="0" smtClean="0"/>
-              <a:t>The</a:t>
-            </a:r>
-            <a:r>
-              <a:rPr lang="en-US" baseline="0" dirty="0" smtClean="0"/>
-              <a:t> overall narrative I’m trying to weave – more variance in females</a:t>
-            </a:r>
-          </a:p>
-          <a:p>
-            <a:r>
-              <a:rPr lang="en-US" baseline="0" dirty="0" smtClean="0"/>
-              <a:t>-Between cells (MLH1 counts)</a:t>
-            </a:r>
-          </a:p>
-          <a:p>
-            <a:r>
-              <a:rPr lang="en-US" baseline="0" dirty="0" smtClean="0"/>
-              <a:t>- Uniform spacing (the 1CO position is not regulated)  (F1 variance is probably larger (F1nrm))</a:t>
-            </a:r>
-          </a:p>
-          <a:p>
-            <a:r>
-              <a:rPr lang="en-US" baseline="0" dirty="0" smtClean="0"/>
-              <a:t>- IFD spacing / interference strength</a:t>
-            </a:r>
-          </a:p>
-          <a:p>
-            <a:endParaRPr lang="en-US" dirty="0" smtClean="0"/>
-          </a:p>
-          <a:p>
-            <a:r>
-              <a:rPr lang="en-US" dirty="0" smtClean="0"/>
-              <a:t>- Lack of distinction between</a:t>
-            </a:r>
-            <a:r>
-              <a:rPr lang="en-US" baseline="0" dirty="0" smtClean="0"/>
-              <a:t> 1CO and 2CO lengths</a:t>
-            </a:r>
-            <a:endParaRPr lang="en-US" dirty="0" smtClean="0"/>
-          </a:p>
-          <a:p>
-            <a:endParaRPr lang="en-US" dirty="0" smtClean="0"/>
-          </a:p>
-          <a:p>
-            <a:r>
-              <a:rPr lang="en-US" dirty="0" smtClean="0"/>
-              <a:t>(longer</a:t>
-            </a:r>
-            <a:r>
-              <a:rPr lang="en-US" baseline="0" dirty="0" smtClean="0"/>
-              <a:t> SC lengths (variance in SC length / I’m not sure this makes sense)</a:t>
-            </a:r>
-            <a:r>
-              <a:rPr lang="en-US" dirty="0" smtClean="0"/>
-              <a:t>)</a:t>
-            </a:r>
-          </a:p>
-          <a:p>
             <a:endParaRPr lang="en-US" dirty="0"/>
           </a:p>
         </p:txBody>
@@ -2654,7 +3001,7 @@
           <a:p>
             <a:fld id="{2788907E-C72E-4D7B-B8CA-F158589AC799}" type="slidenum">
               <a:rPr lang="en-US" smtClean="0"/>
-              <a:t>12</a:t>
+              <a:t>11</a:t>
             </a:fld>
             <a:endParaRPr lang="en-US"/>
           </a:p>
@@ -2663,7 +3010,7 @@
     </p:spTree>
     <p:extLst>
       <p:ext uri="{BB962C8B-B14F-4D97-AF65-F5344CB8AC3E}">
-        <p14:creationId xmlns:p14="http://schemas.microsoft.com/office/powerpoint/2010/main" val="3243097393"/>
+        <p14:creationId xmlns:p14="http://schemas.microsoft.com/office/powerpoint/2010/main" val="113741569"/>
       </p:ext>
     </p:extLst>
   </p:cSld>
@@ -2804,7 +3151,7 @@
           <a:p>
             <a:fld id="{BA11E091-050C-4DAB-ABC8-34B3B7B173DA}" type="datetimeFigureOut">
               <a:rPr lang="en-US" smtClean="0"/>
-              <a:t>2/4/2020</a:t>
+              <a:t>2/6/2020</a:t>
             </a:fld>
             <a:endParaRPr lang="en-US"/>
           </a:p>
@@ -2974,7 +3321,7 @@
           <a:p>
             <a:fld id="{BA11E091-050C-4DAB-ABC8-34B3B7B173DA}" type="datetimeFigureOut">
               <a:rPr lang="en-US" smtClean="0"/>
-              <a:t>2/4/2020</a:t>
+              <a:t>2/6/2020</a:t>
             </a:fld>
             <a:endParaRPr lang="en-US"/>
           </a:p>
@@ -3154,7 +3501,7 @@
           <a:p>
             <a:fld id="{BA11E091-050C-4DAB-ABC8-34B3B7B173DA}" type="datetimeFigureOut">
               <a:rPr lang="en-US" smtClean="0"/>
-              <a:t>2/4/2020</a:t>
+              <a:t>2/6/2020</a:t>
             </a:fld>
             <a:endParaRPr lang="en-US"/>
           </a:p>
@@ -3324,7 +3671,7 @@
           <a:p>
             <a:fld id="{BA11E091-050C-4DAB-ABC8-34B3B7B173DA}" type="datetimeFigureOut">
               <a:rPr lang="en-US" smtClean="0"/>
-              <a:t>2/4/2020</a:t>
+              <a:t>2/6/2020</a:t>
             </a:fld>
             <a:endParaRPr lang="en-US"/>
           </a:p>
@@ -3570,7 +3917,7 @@
           <a:p>
             <a:fld id="{BA11E091-050C-4DAB-ABC8-34B3B7B173DA}" type="datetimeFigureOut">
               <a:rPr lang="en-US" smtClean="0"/>
-              <a:t>2/4/2020</a:t>
+              <a:t>2/6/2020</a:t>
             </a:fld>
             <a:endParaRPr lang="en-US"/>
           </a:p>
@@ -3802,7 +4149,7 @@
           <a:p>
             <a:fld id="{BA11E091-050C-4DAB-ABC8-34B3B7B173DA}" type="datetimeFigureOut">
               <a:rPr lang="en-US" smtClean="0"/>
-              <a:t>2/4/2020</a:t>
+              <a:t>2/6/2020</a:t>
             </a:fld>
             <a:endParaRPr lang="en-US"/>
           </a:p>
@@ -4169,7 +4516,7 @@
           <a:p>
             <a:fld id="{BA11E091-050C-4DAB-ABC8-34B3B7B173DA}" type="datetimeFigureOut">
               <a:rPr lang="en-US" smtClean="0"/>
-              <a:t>2/4/2020</a:t>
+              <a:t>2/6/2020</a:t>
             </a:fld>
             <a:endParaRPr lang="en-US"/>
           </a:p>
@@ -4287,7 +4634,7 @@
           <a:p>
             <a:fld id="{BA11E091-050C-4DAB-ABC8-34B3B7B173DA}" type="datetimeFigureOut">
               <a:rPr lang="en-US" smtClean="0"/>
-              <a:t>2/4/2020</a:t>
+              <a:t>2/6/2020</a:t>
             </a:fld>
             <a:endParaRPr lang="en-US"/>
           </a:p>
@@ -4382,7 +4729,7 @@
           <a:p>
             <a:fld id="{BA11E091-050C-4DAB-ABC8-34B3B7B173DA}" type="datetimeFigureOut">
               <a:rPr lang="en-US" smtClean="0"/>
-              <a:t>2/4/2020</a:t>
+              <a:t>2/6/2020</a:t>
             </a:fld>
             <a:endParaRPr lang="en-US"/>
           </a:p>
@@ -4659,7 +5006,7 @@
           <a:p>
             <a:fld id="{BA11E091-050C-4DAB-ABC8-34B3B7B173DA}" type="datetimeFigureOut">
               <a:rPr lang="en-US" smtClean="0"/>
-              <a:t>2/4/2020</a:t>
+              <a:t>2/6/2020</a:t>
             </a:fld>
             <a:endParaRPr lang="en-US"/>
           </a:p>
@@ -4912,7 +5259,7 @@
           <a:p>
             <a:fld id="{BA11E091-050C-4DAB-ABC8-34B3B7B173DA}" type="datetimeFigureOut">
               <a:rPr lang="en-US" smtClean="0"/>
-              <a:t>2/4/2020</a:t>
+              <a:t>2/6/2020</a:t>
             </a:fld>
             <a:endParaRPr lang="en-US"/>
           </a:p>
@@ -5125,7 +5472,7 @@
           <a:p>
             <a:fld id="{BA11E091-050C-4DAB-ABC8-34B3B7B173DA}" type="datetimeFigureOut">
               <a:rPr lang="en-US" smtClean="0"/>
-              <a:t>2/4/2020</a:t>
+              <a:t>2/6/2020</a:t>
             </a:fld>
             <a:endParaRPr lang="en-US"/>
           </a:p>
@@ -5606,6 +5953,1080 @@
           <a:chExt cx="0" cy="0"/>
         </a:xfrm>
       </p:grpSpPr>
+      <p:pic>
+        <p:nvPicPr>
+          <p:cNvPr id="4" name="Picture 3"/>
+          <p:cNvPicPr>
+            <a:picLocks noChangeAspect="1"/>
+          </p:cNvPicPr>
+          <p:nvPr/>
+        </p:nvPicPr>
+        <p:blipFill rotWithShape="1">
+          <a:blip r:embed="rId2"/>
+          <a:srcRect r="30591"/>
+          <a:stretch/>
+        </p:blipFill>
+        <p:spPr>
+          <a:xfrm>
+            <a:off x="237926" y="1471309"/>
+            <a:ext cx="3033369" cy="4070263"/>
+          </a:xfrm>
+          <a:prstGeom prst="rect">
+            <a:avLst/>
+          </a:prstGeom>
+        </p:spPr>
+      </p:pic>
+      <p:pic>
+        <p:nvPicPr>
+          <p:cNvPr id="5" name="Picture 4"/>
+          <p:cNvPicPr>
+            <a:picLocks noChangeAspect="1"/>
+          </p:cNvPicPr>
+          <p:nvPr/>
+        </p:nvPicPr>
+        <p:blipFill rotWithShape="1">
+          <a:blip r:embed="rId3"/>
+          <a:srcRect r="32122"/>
+          <a:stretch/>
+        </p:blipFill>
+        <p:spPr>
+          <a:xfrm>
+            <a:off x="3438546" y="1445183"/>
+            <a:ext cx="2985466" cy="4096389"/>
+          </a:xfrm>
+          <a:prstGeom prst="rect">
+            <a:avLst/>
+          </a:prstGeom>
+        </p:spPr>
+      </p:pic>
+      <p:pic>
+        <p:nvPicPr>
+          <p:cNvPr id="6" name="Picture 5"/>
+          <p:cNvPicPr>
+            <a:picLocks noChangeAspect="1"/>
+          </p:cNvPicPr>
+          <p:nvPr/>
+        </p:nvPicPr>
+        <p:blipFill>
+          <a:blip r:embed="rId4"/>
+          <a:stretch>
+            <a:fillRect/>
+          </a:stretch>
+        </p:blipFill>
+        <p:spPr>
+          <a:xfrm>
+            <a:off x="6591263" y="1191071"/>
+            <a:ext cx="5480377" cy="4630738"/>
+          </a:xfrm>
+          <a:prstGeom prst="rect">
+            <a:avLst/>
+          </a:prstGeom>
+        </p:spPr>
+      </p:pic>
+      <p:sp>
+        <p:nvSpPr>
+          <p:cNvPr id="7" name="TextBox 6"/>
+          <p:cNvSpPr txBox="1"/>
+          <p:nvPr/>
+        </p:nvSpPr>
+        <p:spPr>
+          <a:xfrm>
+            <a:off x="865608" y="5792663"/>
+            <a:ext cx="2090058" cy="646331"/>
+          </a:xfrm>
+          <a:prstGeom prst="rect">
+            <a:avLst/>
+          </a:prstGeom>
+          <a:noFill/>
+        </p:spPr>
+        <p:txBody>
+          <a:bodyPr wrap="square" rtlCol="0">
+            <a:spAutoFit/>
+          </a:bodyPr>
+          <a:lstStyle/>
+          <a:p>
+            <a:r>
+              <a:rPr lang="en-US" dirty="0" smtClean="0"/>
+              <a:t>Sim means, for raw IFD</a:t>
+            </a:r>
+            <a:endParaRPr lang="en-US" dirty="0"/>
+          </a:p>
+        </p:txBody>
+      </p:sp>
+      <p:sp>
+        <p:nvSpPr>
+          <p:cNvPr id="8" name="TextBox 7"/>
+          <p:cNvSpPr txBox="1"/>
+          <p:nvPr/>
+        </p:nvSpPr>
+        <p:spPr>
+          <a:xfrm>
+            <a:off x="4084320" y="5821809"/>
+            <a:ext cx="2090058" cy="369332"/>
+          </a:xfrm>
+          <a:prstGeom prst="rect">
+            <a:avLst/>
+          </a:prstGeom>
+          <a:noFill/>
+        </p:spPr>
+        <p:txBody>
+          <a:bodyPr wrap="square" rtlCol="0">
+            <a:spAutoFit/>
+          </a:bodyPr>
+          <a:lstStyle/>
+          <a:p>
+            <a:r>
+              <a:rPr lang="en-US" dirty="0" smtClean="0"/>
+              <a:t>Male mean greater</a:t>
+            </a:r>
+            <a:endParaRPr lang="en-US" dirty="0"/>
+          </a:p>
+        </p:txBody>
+      </p:sp>
+      <p:sp>
+        <p:nvSpPr>
+          <p:cNvPr id="9" name="TextBox 8"/>
+          <p:cNvSpPr txBox="1"/>
+          <p:nvPr/>
+        </p:nvSpPr>
+        <p:spPr>
+          <a:xfrm>
+            <a:off x="7315201" y="5858558"/>
+            <a:ext cx="3696788" cy="646331"/>
+          </a:xfrm>
+          <a:prstGeom prst="rect">
+            <a:avLst/>
+          </a:prstGeom>
+          <a:noFill/>
+        </p:spPr>
+        <p:txBody>
+          <a:bodyPr wrap="square" rtlCol="0">
+            <a:spAutoFit/>
+          </a:bodyPr>
+          <a:lstStyle/>
+          <a:p>
+            <a:r>
+              <a:rPr lang="en-US" dirty="0" smtClean="0"/>
+              <a:t>--- Threshold for the males, not in the females</a:t>
+            </a:r>
+            <a:endParaRPr lang="en-US" dirty="0"/>
+          </a:p>
+        </p:txBody>
+      </p:sp>
+      <p:cxnSp>
+        <p:nvCxnSpPr>
+          <p:cNvPr id="11" name="Straight Connector 10"/>
+          <p:cNvCxnSpPr/>
+          <p:nvPr/>
+        </p:nvCxnSpPr>
+        <p:spPr>
+          <a:xfrm>
+            <a:off x="7293429" y="4415246"/>
+            <a:ext cx="3718560" cy="13063"/>
+          </a:xfrm>
+          <a:prstGeom prst="line">
+            <a:avLst/>
+          </a:prstGeom>
+          <a:ln w="28575">
+            <a:solidFill>
+              <a:srgbClr val="FF0000"/>
+            </a:solidFill>
+          </a:ln>
+        </p:spPr>
+        <p:style>
+          <a:lnRef idx="1">
+            <a:schemeClr val="accent1"/>
+          </a:lnRef>
+          <a:fillRef idx="0">
+            <a:schemeClr val="accent1"/>
+          </a:fillRef>
+          <a:effectRef idx="0">
+            <a:schemeClr val="accent1"/>
+          </a:effectRef>
+          <a:fontRef idx="minor">
+            <a:schemeClr val="tx1"/>
+          </a:fontRef>
+        </p:style>
+      </p:cxnSp>
+    </p:spTree>
+    <p:extLst>
+      <p:ext uri="{BB962C8B-B14F-4D97-AF65-F5344CB8AC3E}">
+        <p14:creationId xmlns:p14="http://schemas.microsoft.com/office/powerpoint/2010/main" val="4189102710"/>
+      </p:ext>
+    </p:extLst>
+  </p:cSld>
+  <p:clrMapOvr>
+    <a:masterClrMapping/>
+  </p:clrMapOvr>
+  <p:timing>
+    <p:tnLst>
+      <p:par>
+        <p:cTn id="1" dur="indefinite" restart="never" nodeType="tmRoot">
+          <p:childTnLst>
+            <p:seq concurrent="1" nextAc="seek">
+              <p:cTn id="2" dur="indefinite" nodeType="mainSeq">
+                <p:childTnLst>
+                  <p:par>
+                    <p:cTn id="3" fill="hold">
+                      <p:stCondLst>
+                        <p:cond delay="indefinite"/>
+                      </p:stCondLst>
+                      <p:childTnLst>
+                        <p:par>
+                          <p:cTn id="4" fill="hold">
+                            <p:stCondLst>
+                              <p:cond delay="0"/>
+                            </p:stCondLst>
+                            <p:childTnLst>
+                              <p:par>
+                                <p:cTn id="5" presetID="1" presetClass="entr" presetSubtype="0" fill="hold" nodeType="clickEffect">
+                                  <p:stCondLst>
+                                    <p:cond delay="0"/>
+                                  </p:stCondLst>
+                                  <p:childTnLst>
+                                    <p:set>
+                                      <p:cBhvr>
+                                        <p:cTn id="6" dur="1" fill="hold">
+                                          <p:stCondLst>
+                                            <p:cond delay="0"/>
+                                          </p:stCondLst>
+                                        </p:cTn>
+                                        <p:tgtEl>
+                                          <p:spTgt spid="5"/>
+                                        </p:tgtEl>
+                                        <p:attrNameLst>
+                                          <p:attrName>style.visibility</p:attrName>
+                                        </p:attrNameLst>
+                                      </p:cBhvr>
+                                      <p:to>
+                                        <p:strVal val="visible"/>
+                                      </p:to>
+                                    </p:set>
+                                  </p:childTnLst>
+                                </p:cTn>
+                              </p:par>
+                            </p:childTnLst>
+                          </p:cTn>
+                        </p:par>
+                      </p:childTnLst>
+                    </p:cTn>
+                  </p:par>
+                  <p:par>
+                    <p:cTn id="7" fill="hold">
+                      <p:stCondLst>
+                        <p:cond delay="indefinite"/>
+                      </p:stCondLst>
+                      <p:childTnLst>
+                        <p:par>
+                          <p:cTn id="8" fill="hold">
+                            <p:stCondLst>
+                              <p:cond delay="0"/>
+                            </p:stCondLst>
+                            <p:childTnLst>
+                              <p:par>
+                                <p:cTn id="9" presetID="1" presetClass="entr" presetSubtype="0" fill="hold" nodeType="clickEffect">
+                                  <p:stCondLst>
+                                    <p:cond delay="0"/>
+                                  </p:stCondLst>
+                                  <p:childTnLst>
+                                    <p:set>
+                                      <p:cBhvr>
+                                        <p:cTn id="10" dur="1" fill="hold">
+                                          <p:stCondLst>
+                                            <p:cond delay="0"/>
+                                          </p:stCondLst>
+                                        </p:cTn>
+                                        <p:tgtEl>
+                                          <p:spTgt spid="6"/>
+                                        </p:tgtEl>
+                                        <p:attrNameLst>
+                                          <p:attrName>style.visibility</p:attrName>
+                                        </p:attrNameLst>
+                                      </p:cBhvr>
+                                      <p:to>
+                                        <p:strVal val="visible"/>
+                                      </p:to>
+                                    </p:set>
+                                  </p:childTnLst>
+                                </p:cTn>
+                              </p:par>
+                            </p:childTnLst>
+                          </p:cTn>
+                        </p:par>
+                      </p:childTnLst>
+                    </p:cTn>
+                  </p:par>
+                </p:childTnLst>
+              </p:cTn>
+              <p:prevCondLst>
+                <p:cond evt="onPrev" delay="0">
+                  <p:tgtEl>
+                    <p:sldTgt/>
+                  </p:tgtEl>
+                </p:cond>
+              </p:prevCondLst>
+              <p:nextCondLst>
+                <p:cond evt="onNext" delay="0">
+                  <p:tgtEl>
+                    <p:sldTgt/>
+                  </p:tgtEl>
+                </p:cond>
+              </p:nextCondLst>
+            </p:seq>
+          </p:childTnLst>
+        </p:cTn>
+      </p:par>
+    </p:tnLst>
+  </p:timing>
+</p:sld>
+</file>
+
+<file path=ppt/slides/slide11.xml><?xml version="1.0" encoding="utf-8"?>
+<p:sld xmlns:a="http://schemas.openxmlformats.org/drawingml/2006/main" xmlns:r="http://schemas.openxmlformats.org/officeDocument/2006/relationships" xmlns:p="http://schemas.openxmlformats.org/presentationml/2006/main">
+  <p:cSld>
+    <p:spTree>
+      <p:nvGrpSpPr>
+        <p:cNvPr id="1" name=""/>
+        <p:cNvGrpSpPr/>
+        <p:nvPr/>
+      </p:nvGrpSpPr>
+      <p:grpSpPr>
+        <a:xfrm>
+          <a:off x="0" y="0"/>
+          <a:ext cx="0" cy="0"/>
+          <a:chOff x="0" y="0"/>
+          <a:chExt cx="0" cy="0"/>
+        </a:xfrm>
+      </p:grpSpPr>
+      <p:sp>
+        <p:nvSpPr>
+          <p:cNvPr id="2" name="Title 1"/>
+          <p:cNvSpPr>
+            <a:spLocks noGrp="1"/>
+          </p:cNvSpPr>
+          <p:nvPr>
+            <p:ph type="title"/>
+          </p:nvPr>
+        </p:nvSpPr>
+        <p:spPr/>
+        <p:txBody>
+          <a:bodyPr/>
+          <a:lstStyle/>
+          <a:p>
+            <a:endParaRPr lang="en-US"/>
+          </a:p>
+        </p:txBody>
+      </p:sp>
+      <p:pic>
+        <p:nvPicPr>
+          <p:cNvPr id="8" name="Picture 7"/>
+          <p:cNvPicPr/>
+          <p:nvPr/>
+        </p:nvPicPr>
+        <p:blipFill rotWithShape="1">
+          <a:blip r:embed="rId3">
+            <a:extLst>
+              <a:ext uri="{28A0092B-C50C-407E-A947-70E740481C1C}">
+                <a14:useLocalDpi xmlns:a14="http://schemas.microsoft.com/office/drawing/2010/main" val="0"/>
+              </a:ext>
+            </a:extLst>
+          </a:blip>
+          <a:srcRect r="31786"/>
+          <a:stretch/>
+        </p:blipFill>
+        <p:spPr bwMode="auto">
+          <a:xfrm>
+            <a:off x="374380" y="1905318"/>
+            <a:ext cx="2954036" cy="3507930"/>
+          </a:xfrm>
+          <a:prstGeom prst="rect">
+            <a:avLst/>
+          </a:prstGeom>
+          <a:noFill/>
+          <a:ln>
+            <a:noFill/>
+          </a:ln>
+          <a:extLst>
+            <a:ext uri="{53640926-AAD7-44D8-BBD7-CCE9431645EC}">
+              <a14:shadowObscured xmlns:a14="http://schemas.microsoft.com/office/drawing/2010/main"/>
+            </a:ext>
+          </a:extLst>
+        </p:spPr>
+      </p:pic>
+      <p:pic>
+        <p:nvPicPr>
+          <p:cNvPr id="9" name="Picture 8"/>
+          <p:cNvPicPr/>
+          <p:nvPr/>
+        </p:nvPicPr>
+        <p:blipFill>
+          <a:blip r:embed="rId4">
+            <a:extLst>
+              <a:ext uri="{28A0092B-C50C-407E-A947-70E740481C1C}">
+                <a14:useLocalDpi xmlns:a14="http://schemas.microsoft.com/office/drawing/2010/main" val="0"/>
+              </a:ext>
+            </a:extLst>
+          </a:blip>
+          <a:srcRect/>
+          <a:stretch>
+            <a:fillRect/>
+          </a:stretch>
+        </p:blipFill>
+        <p:spPr bwMode="auto">
+          <a:xfrm>
+            <a:off x="6529174" y="1690688"/>
+            <a:ext cx="5346691" cy="3983418"/>
+          </a:xfrm>
+          <a:prstGeom prst="rect">
+            <a:avLst/>
+          </a:prstGeom>
+          <a:noFill/>
+          <a:ln>
+            <a:noFill/>
+          </a:ln>
+        </p:spPr>
+      </p:pic>
+      <p:pic>
+        <p:nvPicPr>
+          <p:cNvPr id="10" name="Picture 9"/>
+          <p:cNvPicPr/>
+          <p:nvPr/>
+        </p:nvPicPr>
+        <p:blipFill rotWithShape="1">
+          <a:blip r:embed="rId5">
+            <a:extLst>
+              <a:ext uri="{28A0092B-C50C-407E-A947-70E740481C1C}">
+                <a14:useLocalDpi xmlns:a14="http://schemas.microsoft.com/office/drawing/2010/main" val="0"/>
+              </a:ext>
+            </a:extLst>
+          </a:blip>
+          <a:srcRect r="31939"/>
+          <a:stretch/>
+        </p:blipFill>
+        <p:spPr bwMode="auto">
+          <a:xfrm>
+            <a:off x="3657957" y="1905318"/>
+            <a:ext cx="2669692" cy="3507930"/>
+          </a:xfrm>
+          <a:prstGeom prst="rect">
+            <a:avLst/>
+          </a:prstGeom>
+          <a:noFill/>
+          <a:ln>
+            <a:noFill/>
+          </a:ln>
+          <a:extLst>
+            <a:ext uri="{53640926-AAD7-44D8-BBD7-CCE9431645EC}">
+              <a14:shadowObscured xmlns:a14="http://schemas.microsoft.com/office/drawing/2010/main"/>
+            </a:ext>
+          </a:extLst>
+        </p:spPr>
+      </p:pic>
+      <p:cxnSp>
+        <p:nvCxnSpPr>
+          <p:cNvPr id="11" name="Straight Connector 10"/>
+          <p:cNvCxnSpPr/>
+          <p:nvPr/>
+        </p:nvCxnSpPr>
+        <p:spPr>
+          <a:xfrm>
+            <a:off x="7000821" y="4488398"/>
+            <a:ext cx="3718560" cy="13063"/>
+          </a:xfrm>
+          <a:prstGeom prst="line">
+            <a:avLst/>
+          </a:prstGeom>
+          <a:ln w="28575">
+            <a:solidFill>
+              <a:srgbClr val="FF0000"/>
+            </a:solidFill>
+          </a:ln>
+        </p:spPr>
+        <p:style>
+          <a:lnRef idx="1">
+            <a:schemeClr val="accent1"/>
+          </a:lnRef>
+          <a:fillRef idx="0">
+            <a:schemeClr val="accent1"/>
+          </a:fillRef>
+          <a:effectRef idx="0">
+            <a:schemeClr val="accent1"/>
+          </a:effectRef>
+          <a:fontRef idx="minor">
+            <a:schemeClr val="tx1"/>
+          </a:fontRef>
+        </p:style>
+      </p:cxnSp>
+      <p:sp>
+        <p:nvSpPr>
+          <p:cNvPr id="12" name="TextBox 11"/>
+          <p:cNvSpPr txBox="1"/>
+          <p:nvPr/>
+        </p:nvSpPr>
+        <p:spPr>
+          <a:xfrm>
+            <a:off x="7315201" y="5858558"/>
+            <a:ext cx="3696788" cy="646331"/>
+          </a:xfrm>
+          <a:prstGeom prst="rect">
+            <a:avLst/>
+          </a:prstGeom>
+          <a:noFill/>
+        </p:spPr>
+        <p:txBody>
+          <a:bodyPr wrap="square" rtlCol="0">
+            <a:spAutoFit/>
+          </a:bodyPr>
+          <a:lstStyle/>
+          <a:p>
+            <a:r>
+              <a:rPr lang="en-US" dirty="0" smtClean="0"/>
+              <a:t>Threshold not as strict --- in ‘low’ rec </a:t>
+            </a:r>
+            <a:r>
+              <a:rPr lang="en-US" dirty="0" err="1" smtClean="0"/>
+              <a:t>straions</a:t>
+            </a:r>
+            <a:endParaRPr lang="en-US" dirty="0"/>
+          </a:p>
+        </p:txBody>
+      </p:sp>
+    </p:spTree>
+    <p:extLst>
+      <p:ext uri="{BB962C8B-B14F-4D97-AF65-F5344CB8AC3E}">
+        <p14:creationId xmlns:p14="http://schemas.microsoft.com/office/powerpoint/2010/main" val="972332830"/>
+      </p:ext>
+    </p:extLst>
+  </p:cSld>
+  <p:clrMapOvr>
+    <a:masterClrMapping/>
+  </p:clrMapOvr>
+  <p:timing>
+    <p:tnLst>
+      <p:par>
+        <p:cTn id="1" dur="indefinite" restart="never" nodeType="tmRoot">
+          <p:childTnLst>
+            <p:seq concurrent="1" nextAc="seek">
+              <p:cTn id="2" dur="indefinite" nodeType="mainSeq">
+                <p:childTnLst>
+                  <p:par>
+                    <p:cTn id="3" fill="hold">
+                      <p:stCondLst>
+                        <p:cond delay="indefinite"/>
+                      </p:stCondLst>
+                      <p:childTnLst>
+                        <p:par>
+                          <p:cTn id="4" fill="hold">
+                            <p:stCondLst>
+                              <p:cond delay="0"/>
+                            </p:stCondLst>
+                            <p:childTnLst>
+                              <p:par>
+                                <p:cTn id="5" presetID="1" presetClass="entr" presetSubtype="0" fill="hold" nodeType="clickEffect">
+                                  <p:stCondLst>
+                                    <p:cond delay="0"/>
+                                  </p:stCondLst>
+                                  <p:childTnLst>
+                                    <p:set>
+                                      <p:cBhvr>
+                                        <p:cTn id="6" dur="1" fill="hold">
+                                          <p:stCondLst>
+                                            <p:cond delay="0"/>
+                                          </p:stCondLst>
+                                        </p:cTn>
+                                        <p:tgtEl>
+                                          <p:spTgt spid="10"/>
+                                        </p:tgtEl>
+                                        <p:attrNameLst>
+                                          <p:attrName>style.visibility</p:attrName>
+                                        </p:attrNameLst>
+                                      </p:cBhvr>
+                                      <p:to>
+                                        <p:strVal val="visible"/>
+                                      </p:to>
+                                    </p:set>
+                                  </p:childTnLst>
+                                </p:cTn>
+                              </p:par>
+                            </p:childTnLst>
+                          </p:cTn>
+                        </p:par>
+                      </p:childTnLst>
+                    </p:cTn>
+                  </p:par>
+                  <p:par>
+                    <p:cTn id="7" fill="hold">
+                      <p:stCondLst>
+                        <p:cond delay="indefinite"/>
+                      </p:stCondLst>
+                      <p:childTnLst>
+                        <p:par>
+                          <p:cTn id="8" fill="hold">
+                            <p:stCondLst>
+                              <p:cond delay="0"/>
+                            </p:stCondLst>
+                            <p:childTnLst>
+                              <p:par>
+                                <p:cTn id="9" presetID="1" presetClass="entr" presetSubtype="0" fill="hold" nodeType="clickEffect">
+                                  <p:stCondLst>
+                                    <p:cond delay="0"/>
+                                  </p:stCondLst>
+                                  <p:childTnLst>
+                                    <p:set>
+                                      <p:cBhvr>
+                                        <p:cTn id="10" dur="1" fill="hold">
+                                          <p:stCondLst>
+                                            <p:cond delay="0"/>
+                                          </p:stCondLst>
+                                        </p:cTn>
+                                        <p:tgtEl>
+                                          <p:spTgt spid="9"/>
+                                        </p:tgtEl>
+                                        <p:attrNameLst>
+                                          <p:attrName>style.visibility</p:attrName>
+                                        </p:attrNameLst>
+                                      </p:cBhvr>
+                                      <p:to>
+                                        <p:strVal val="visible"/>
+                                      </p:to>
+                                    </p:set>
+                                  </p:childTnLst>
+                                </p:cTn>
+                              </p:par>
+                            </p:childTnLst>
+                          </p:cTn>
+                        </p:par>
+                      </p:childTnLst>
+                    </p:cTn>
+                  </p:par>
+                </p:childTnLst>
+              </p:cTn>
+              <p:prevCondLst>
+                <p:cond evt="onPrev" delay="0">
+                  <p:tgtEl>
+                    <p:sldTgt/>
+                  </p:tgtEl>
+                </p:cond>
+              </p:prevCondLst>
+              <p:nextCondLst>
+                <p:cond evt="onNext" delay="0">
+                  <p:tgtEl>
+                    <p:sldTgt/>
+                  </p:tgtEl>
+                </p:cond>
+              </p:nextCondLst>
+            </p:seq>
+          </p:childTnLst>
+        </p:cTn>
+      </p:par>
+    </p:tnLst>
+  </p:timing>
+</p:sld>
+</file>
+
+<file path=ppt/slides/slide12.xml><?xml version="1.0" encoding="utf-8"?>
+<p:sld xmlns:a="http://schemas.openxmlformats.org/drawingml/2006/main" xmlns:r="http://schemas.openxmlformats.org/officeDocument/2006/relationships" xmlns:p="http://schemas.openxmlformats.org/presentationml/2006/main">
+  <p:cSld>
+    <p:spTree>
+      <p:nvGrpSpPr>
+        <p:cNvPr id="1" name=""/>
+        <p:cNvGrpSpPr/>
+        <p:nvPr/>
+      </p:nvGrpSpPr>
+      <p:grpSpPr>
+        <a:xfrm>
+          <a:off x="0" y="0"/>
+          <a:ext cx="0" cy="0"/>
+          <a:chOff x="0" y="0"/>
+          <a:chExt cx="0" cy="0"/>
+        </a:xfrm>
+      </p:grpSpPr>
+      <p:sp>
+        <p:nvSpPr>
+          <p:cNvPr id="2" name="Title 1"/>
+          <p:cNvSpPr>
+            <a:spLocks noGrp="1"/>
+          </p:cNvSpPr>
+          <p:nvPr>
+            <p:ph type="title"/>
+          </p:nvPr>
+        </p:nvSpPr>
+        <p:spPr/>
+        <p:txBody>
+          <a:bodyPr/>
+          <a:lstStyle/>
+          <a:p>
+            <a:endParaRPr lang="en-US"/>
+          </a:p>
+        </p:txBody>
+      </p:sp>
+      <p:sp>
+        <p:nvSpPr>
+          <p:cNvPr id="3" name="Content Placeholder 2"/>
+          <p:cNvSpPr>
+            <a:spLocks noGrp="1"/>
+          </p:cNvSpPr>
+          <p:nvPr>
+            <p:ph idx="1"/>
+          </p:nvPr>
+        </p:nvSpPr>
+        <p:spPr/>
+        <p:txBody>
+          <a:bodyPr/>
+          <a:lstStyle/>
+          <a:p>
+            <a:endParaRPr lang="en-US"/>
+          </a:p>
+        </p:txBody>
+      </p:sp>
+      <p:pic>
+        <p:nvPicPr>
+          <p:cNvPr id="4" name="Picture 3"/>
+          <p:cNvPicPr/>
+          <p:nvPr/>
+        </p:nvPicPr>
+        <p:blipFill rotWithShape="1">
+          <a:blip r:embed="rId3">
+            <a:extLst>
+              <a:ext uri="{28A0092B-C50C-407E-A947-70E740481C1C}">
+                <a14:useLocalDpi xmlns:a14="http://schemas.microsoft.com/office/drawing/2010/main" val="0"/>
+              </a:ext>
+            </a:extLst>
+          </a:blip>
+          <a:srcRect r="32383"/>
+          <a:stretch/>
+        </p:blipFill>
+        <p:spPr bwMode="auto">
+          <a:xfrm>
+            <a:off x="0" y="1330227"/>
+            <a:ext cx="3162300" cy="4352925"/>
+          </a:xfrm>
+          <a:prstGeom prst="rect">
+            <a:avLst/>
+          </a:prstGeom>
+          <a:noFill/>
+          <a:ln>
+            <a:noFill/>
+          </a:ln>
+          <a:extLst>
+            <a:ext uri="{53640926-AAD7-44D8-BBD7-CCE9431645EC}">
+              <a14:shadowObscured xmlns:a14="http://schemas.microsoft.com/office/drawing/2010/main"/>
+            </a:ext>
+          </a:extLst>
+        </p:spPr>
+      </p:pic>
+      <p:pic>
+        <p:nvPicPr>
+          <p:cNvPr id="5" name="Picture 4"/>
+          <p:cNvPicPr/>
+          <p:nvPr/>
+        </p:nvPicPr>
+        <p:blipFill rotWithShape="1">
+          <a:blip r:embed="rId4">
+            <a:extLst>
+              <a:ext uri="{28A0092B-C50C-407E-A947-70E740481C1C}">
+                <a14:useLocalDpi xmlns:a14="http://schemas.microsoft.com/office/drawing/2010/main" val="0"/>
+              </a:ext>
+            </a:extLst>
+          </a:blip>
+          <a:srcRect r="30462"/>
+          <a:stretch/>
+        </p:blipFill>
+        <p:spPr bwMode="auto">
+          <a:xfrm>
+            <a:off x="3488153" y="1489612"/>
+            <a:ext cx="3133725" cy="4193540"/>
+          </a:xfrm>
+          <a:prstGeom prst="rect">
+            <a:avLst/>
+          </a:prstGeom>
+          <a:noFill/>
+          <a:ln>
+            <a:noFill/>
+          </a:ln>
+          <a:extLst>
+            <a:ext uri="{53640926-AAD7-44D8-BBD7-CCE9431645EC}">
+              <a14:shadowObscured xmlns:a14="http://schemas.microsoft.com/office/drawing/2010/main"/>
+            </a:ext>
+          </a:extLst>
+        </p:spPr>
+      </p:pic>
+      <p:pic>
+        <p:nvPicPr>
+          <p:cNvPr id="6" name="Picture 5"/>
+          <p:cNvPicPr/>
+          <p:nvPr/>
+        </p:nvPicPr>
+        <p:blipFill>
+          <a:blip r:embed="rId5">
+            <a:extLst>
+              <a:ext uri="{28A0092B-C50C-407E-A947-70E740481C1C}">
+                <a14:useLocalDpi xmlns:a14="http://schemas.microsoft.com/office/drawing/2010/main" val="0"/>
+              </a:ext>
+            </a:extLst>
+          </a:blip>
+          <a:srcRect/>
+          <a:stretch>
+            <a:fillRect/>
+          </a:stretch>
+        </p:blipFill>
+        <p:spPr bwMode="auto">
+          <a:xfrm>
+            <a:off x="6947731" y="1815391"/>
+            <a:ext cx="4923155" cy="3524250"/>
+          </a:xfrm>
+          <a:prstGeom prst="rect">
+            <a:avLst/>
+          </a:prstGeom>
+          <a:noFill/>
+          <a:ln>
+            <a:noFill/>
+          </a:ln>
+        </p:spPr>
+      </p:pic>
+      <p:sp>
+        <p:nvSpPr>
+          <p:cNvPr id="7" name="TextBox 6"/>
+          <p:cNvSpPr txBox="1"/>
+          <p:nvPr/>
+        </p:nvSpPr>
+        <p:spPr>
+          <a:xfrm>
+            <a:off x="1581150" y="5693386"/>
+            <a:ext cx="9179169" cy="646331"/>
+          </a:xfrm>
+          <a:prstGeom prst="rect">
+            <a:avLst/>
+          </a:prstGeom>
+          <a:solidFill>
+            <a:schemeClr val="bg1"/>
+          </a:solidFill>
+          <a:ln>
+            <a:solidFill>
+              <a:schemeClr val="tx1"/>
+            </a:solidFill>
+          </a:ln>
+        </p:spPr>
+        <p:txBody>
+          <a:bodyPr wrap="square" rtlCol="0">
+            <a:spAutoFit/>
+          </a:bodyPr>
+          <a:lstStyle/>
+          <a:p>
+            <a:pPr algn="ctr"/>
+            <a:r>
+              <a:rPr lang="en-US" dirty="0" smtClean="0"/>
+              <a:t>High rec males: Sharpe threshold of normalized IFDs ~ 30%</a:t>
+            </a:r>
+          </a:p>
+          <a:p>
+            <a:pPr algn="ctr"/>
+            <a:r>
+              <a:rPr lang="en-US" dirty="0" smtClean="0"/>
+              <a:t>Females: enrichment of shorter normalized IFDs</a:t>
+            </a:r>
+            <a:endParaRPr lang="en-US" dirty="0"/>
+          </a:p>
+        </p:txBody>
+      </p:sp>
+    </p:spTree>
+    <p:extLst>
+      <p:ext uri="{BB962C8B-B14F-4D97-AF65-F5344CB8AC3E}">
+        <p14:creationId xmlns:p14="http://schemas.microsoft.com/office/powerpoint/2010/main" val="2539616369"/>
+      </p:ext>
+    </p:extLst>
+  </p:cSld>
+  <p:clrMapOvr>
+    <a:masterClrMapping/>
+  </p:clrMapOvr>
+  <p:timing>
+    <p:tnLst>
+      <p:par>
+        <p:cTn id="1" dur="indefinite" restart="never" nodeType="tmRoot">
+          <p:childTnLst>
+            <p:seq concurrent="1" nextAc="seek">
+              <p:cTn id="2" dur="indefinite" nodeType="mainSeq">
+                <p:childTnLst>
+                  <p:par>
+                    <p:cTn id="3" fill="hold">
+                      <p:stCondLst>
+                        <p:cond delay="indefinite"/>
+                      </p:stCondLst>
+                      <p:childTnLst>
+                        <p:par>
+                          <p:cTn id="4" fill="hold">
+                            <p:stCondLst>
+                              <p:cond delay="0"/>
+                            </p:stCondLst>
+                            <p:childTnLst>
+                              <p:par>
+                                <p:cTn id="5" presetID="1" presetClass="entr" presetSubtype="0" fill="hold" nodeType="clickEffect">
+                                  <p:stCondLst>
+                                    <p:cond delay="0"/>
+                                  </p:stCondLst>
+                                  <p:childTnLst>
+                                    <p:set>
+                                      <p:cBhvr>
+                                        <p:cTn id="6" dur="1" fill="hold">
+                                          <p:stCondLst>
+                                            <p:cond delay="0"/>
+                                          </p:stCondLst>
+                                        </p:cTn>
+                                        <p:tgtEl>
+                                          <p:spTgt spid="5"/>
+                                        </p:tgtEl>
+                                        <p:attrNameLst>
+                                          <p:attrName>style.visibility</p:attrName>
+                                        </p:attrNameLst>
+                                      </p:cBhvr>
+                                      <p:to>
+                                        <p:strVal val="visible"/>
+                                      </p:to>
+                                    </p:set>
+                                  </p:childTnLst>
+                                </p:cTn>
+                              </p:par>
+                            </p:childTnLst>
+                          </p:cTn>
+                        </p:par>
+                      </p:childTnLst>
+                    </p:cTn>
+                  </p:par>
+                  <p:par>
+                    <p:cTn id="7" fill="hold">
+                      <p:stCondLst>
+                        <p:cond delay="indefinite"/>
+                      </p:stCondLst>
+                      <p:childTnLst>
+                        <p:par>
+                          <p:cTn id="8" fill="hold">
+                            <p:stCondLst>
+                              <p:cond delay="0"/>
+                            </p:stCondLst>
+                            <p:childTnLst>
+                              <p:par>
+                                <p:cTn id="9" presetID="1" presetClass="entr" presetSubtype="0" fill="hold" nodeType="clickEffect">
+                                  <p:stCondLst>
+                                    <p:cond delay="0"/>
+                                  </p:stCondLst>
+                                  <p:childTnLst>
+                                    <p:set>
+                                      <p:cBhvr>
+                                        <p:cTn id="10" dur="1" fill="hold">
+                                          <p:stCondLst>
+                                            <p:cond delay="0"/>
+                                          </p:stCondLst>
+                                        </p:cTn>
+                                        <p:tgtEl>
+                                          <p:spTgt spid="6"/>
+                                        </p:tgtEl>
+                                        <p:attrNameLst>
+                                          <p:attrName>style.visibility</p:attrName>
+                                        </p:attrNameLst>
+                                      </p:cBhvr>
+                                      <p:to>
+                                        <p:strVal val="visible"/>
+                                      </p:to>
+                                    </p:set>
+                                  </p:childTnLst>
+                                </p:cTn>
+                              </p:par>
+                            </p:childTnLst>
+                          </p:cTn>
+                        </p:par>
+                      </p:childTnLst>
+                    </p:cTn>
+                  </p:par>
+                  <p:par>
+                    <p:cTn id="11" fill="hold">
+                      <p:stCondLst>
+                        <p:cond delay="indefinite"/>
+                      </p:stCondLst>
+                      <p:childTnLst>
+                        <p:par>
+                          <p:cTn id="12" fill="hold">
+                            <p:stCondLst>
+                              <p:cond delay="0"/>
+                            </p:stCondLst>
+                            <p:childTnLst>
+                              <p:par>
+                                <p:cTn id="13" presetID="1" presetClass="entr" presetSubtype="0" fill="hold" grpId="0" nodeType="clickEffect">
+                                  <p:stCondLst>
+                                    <p:cond delay="0"/>
+                                  </p:stCondLst>
+                                  <p:childTnLst>
+                                    <p:set>
+                                      <p:cBhvr>
+                                        <p:cTn id="14" dur="1" fill="hold">
+                                          <p:stCondLst>
+                                            <p:cond delay="0"/>
+                                          </p:stCondLst>
+                                        </p:cTn>
+                                        <p:tgtEl>
+                                          <p:spTgt spid="7"/>
+                                        </p:tgtEl>
+                                        <p:attrNameLst>
+                                          <p:attrName>style.visibility</p:attrName>
+                                        </p:attrNameLst>
+                                      </p:cBhvr>
+                                      <p:to>
+                                        <p:strVal val="visible"/>
+                                      </p:to>
+                                    </p:set>
+                                  </p:childTnLst>
+                                </p:cTn>
+                              </p:par>
+                            </p:childTnLst>
+                          </p:cTn>
+                        </p:par>
+                      </p:childTnLst>
+                    </p:cTn>
+                  </p:par>
+                </p:childTnLst>
+              </p:cTn>
+              <p:prevCondLst>
+                <p:cond evt="onPrev" delay="0">
+                  <p:tgtEl>
+                    <p:sldTgt/>
+                  </p:tgtEl>
+                </p:cond>
+              </p:prevCondLst>
+              <p:nextCondLst>
+                <p:cond evt="onNext" delay="0">
+                  <p:tgtEl>
+                    <p:sldTgt/>
+                  </p:tgtEl>
+                </p:cond>
+              </p:nextCondLst>
+            </p:seq>
+          </p:childTnLst>
+        </p:cTn>
+      </p:par>
+    </p:tnLst>
+    <p:bldLst>
+      <p:bldP spid="7" grpId="0" animBg="1"/>
+    </p:bldLst>
+  </p:timing>
+</p:sld>
+</file>
+
+<file path=ppt/slides/slide13.xml><?xml version="1.0" encoding="utf-8"?>
+<p:sld xmlns:a="http://schemas.openxmlformats.org/drawingml/2006/main" xmlns:r="http://schemas.openxmlformats.org/officeDocument/2006/relationships" xmlns:p="http://schemas.openxmlformats.org/presentationml/2006/main">
+  <p:cSld>
+    <p:spTree>
+      <p:nvGrpSpPr>
+        <p:cNvPr id="1" name=""/>
+        <p:cNvGrpSpPr/>
+        <p:nvPr/>
+      </p:nvGrpSpPr>
+      <p:grpSpPr>
+        <a:xfrm>
+          <a:off x="0" y="0"/>
+          <a:ext cx="0" cy="0"/>
+          <a:chOff x="0" y="0"/>
+          <a:chExt cx="0" cy="0"/>
+        </a:xfrm>
+      </p:grpSpPr>
       <p:sp>
         <p:nvSpPr>
           <p:cNvPr id="2" name="Title 1"/>
@@ -5732,7 +7153,7 @@
 </p:sld>
 </file>
 
-<file path=ppt/slides/slide11.xml><?xml version="1.0" encoding="utf-8"?>
+<file path=ppt/slides/slide14.xml><?xml version="1.0" encoding="utf-8"?>
 <p:sld xmlns:a="http://schemas.openxmlformats.org/drawingml/2006/main" xmlns:r="http://schemas.openxmlformats.org/officeDocument/2006/relationships" xmlns:p="http://schemas.openxmlformats.org/presentationml/2006/main">
   <p:cSld>
     <p:spTree>
@@ -5865,7 +7286,7 @@
 </p:sld>
 </file>
 
-<file path=ppt/slides/slide12.xml><?xml version="1.0" encoding="utf-8"?>
+<file path=ppt/slides/slide15.xml><?xml version="1.0" encoding="utf-8"?>
 <p:sld xmlns:a="http://schemas.openxmlformats.org/drawingml/2006/main" xmlns:r="http://schemas.openxmlformats.org/officeDocument/2006/relationships" xmlns:p="http://schemas.openxmlformats.org/presentationml/2006/main">
   <p:cSld>
     <p:spTree>
@@ -6021,7 +7442,7 @@
 </p:sld>
 </file>
 
-<file path=ppt/slides/slide13.xml><?xml version="1.0" encoding="utf-8"?>
+<file path=ppt/slides/slide16.xml><?xml version="1.0" encoding="utf-8"?>
 <p:sld xmlns:a="http://schemas.openxmlformats.org/drawingml/2006/main" xmlns:r="http://schemas.openxmlformats.org/officeDocument/2006/relationships" xmlns:p="http://schemas.openxmlformats.org/presentationml/2006/main">
   <p:cSld>
     <p:spTree>
@@ -6646,7 +8067,7 @@
 </p:sld>
 </file>
 
-<file path=ppt/slides/slide14.xml><?xml version="1.0" encoding="utf-8"?>
+<file path=ppt/slides/slide17.xml><?xml version="1.0" encoding="utf-8"?>
 <p:sld xmlns:a="http://schemas.openxmlformats.org/drawingml/2006/main" xmlns:r="http://schemas.openxmlformats.org/officeDocument/2006/relationships" xmlns:p="http://schemas.openxmlformats.org/presentationml/2006/main">
   <p:cSld>
     <p:spTree>
@@ -6843,7 +8264,7 @@
 </p:sld>
 </file>
 
-<file path=ppt/slides/slide15.xml><?xml version="1.0" encoding="utf-8"?>
+<file path=ppt/slides/slide18.xml><?xml version="1.0" encoding="utf-8"?>
 <p:sld xmlns:a="http://schemas.openxmlformats.org/drawingml/2006/main" xmlns:r="http://schemas.openxmlformats.org/officeDocument/2006/relationships" xmlns:p="http://schemas.openxmlformats.org/presentationml/2006/main">
   <p:cSld>
     <p:spTree>
@@ -6924,6 +8345,544 @@
           </a:p>
         </p:txBody>
       </p:sp>
+      <p:sp>
+        <p:nvSpPr>
+          <p:cNvPr id="4" name="TextBox 3"/>
+          <p:cNvSpPr txBox="1"/>
+          <p:nvPr/>
+        </p:nvSpPr>
+        <p:spPr>
+          <a:xfrm>
+            <a:off x="674077" y="5199016"/>
+            <a:ext cx="2782389" cy="1200329"/>
+          </a:xfrm>
+          <a:prstGeom prst="rect">
+            <a:avLst/>
+          </a:prstGeom>
+          <a:noFill/>
+        </p:spPr>
+        <p:txBody>
+          <a:bodyPr wrap="square" rtlCol="0">
+            <a:spAutoFit/>
+          </a:bodyPr>
+          <a:lstStyle/>
+          <a:p>
+            <a:r>
+              <a:rPr lang="en-US" sz="2400" b="1" dirty="0" smtClean="0"/>
+              <a:t>I</a:t>
+            </a:r>
+            <a:r>
+              <a:rPr lang="en-US" sz="2400" dirty="0" smtClean="0"/>
+              <a:t>nter-</a:t>
+            </a:r>
+          </a:p>
+          <a:p>
+            <a:r>
+              <a:rPr lang="en-US" sz="2400" b="1" dirty="0"/>
+              <a:t>F</a:t>
+            </a:r>
+            <a:r>
+              <a:rPr lang="en-US" sz="2400" dirty="0" smtClean="0"/>
+              <a:t>ocal</a:t>
+            </a:r>
+          </a:p>
+          <a:p>
+            <a:r>
+              <a:rPr lang="en-US" sz="2400" b="1" dirty="0" smtClean="0"/>
+              <a:t>D</a:t>
+            </a:r>
+            <a:r>
+              <a:rPr lang="en-US" sz="2400" dirty="0" smtClean="0"/>
+              <a:t>istance</a:t>
+            </a:r>
+            <a:endParaRPr lang="en-US" sz="2400" dirty="0"/>
+          </a:p>
+        </p:txBody>
+      </p:sp>
+      <p:grpSp>
+        <p:nvGrpSpPr>
+          <p:cNvPr id="5" name="Group 4"/>
+          <p:cNvGrpSpPr/>
+          <p:nvPr/>
+        </p:nvGrpSpPr>
+        <p:grpSpPr>
+          <a:xfrm>
+            <a:off x="3370994" y="5423641"/>
+            <a:ext cx="1263126" cy="926500"/>
+            <a:chOff x="9883992" y="4615448"/>
+            <a:chExt cx="1263126" cy="926500"/>
+          </a:xfrm>
+        </p:grpSpPr>
+        <p:sp>
+          <p:nvSpPr>
+            <p:cNvPr id="6" name="Freeform 5"/>
+            <p:cNvSpPr/>
+            <p:nvPr/>
+          </p:nvSpPr>
+          <p:spPr>
+            <a:xfrm rot="10955890">
+              <a:off x="9883992" y="4763016"/>
+              <a:ext cx="1263126" cy="778932"/>
+            </a:xfrm>
+            <a:custGeom>
+              <a:avLst/>
+              <a:gdLst>
+                <a:gd name="connsiteX0" fmla="*/ 0 w 1263126"/>
+                <a:gd name="connsiteY0" fmla="*/ 0 h 778932"/>
+                <a:gd name="connsiteX1" fmla="*/ 330740 w 1263126"/>
+                <a:gd name="connsiteY1" fmla="*/ 680936 h 778932"/>
+                <a:gd name="connsiteX2" fmla="*/ 836579 w 1263126"/>
+                <a:gd name="connsiteY2" fmla="*/ 778212 h 778932"/>
+                <a:gd name="connsiteX3" fmla="*/ 1225685 w 1263126"/>
+                <a:gd name="connsiteY3" fmla="*/ 719847 h 778932"/>
+                <a:gd name="connsiteX4" fmla="*/ 1225685 w 1263126"/>
+                <a:gd name="connsiteY4" fmla="*/ 700391 h 778932"/>
+              </a:gdLst>
+              <a:ahLst/>
+              <a:cxnLst>
+                <a:cxn ang="0">
+                  <a:pos x="connsiteX0" y="connsiteY0"/>
+                </a:cxn>
+                <a:cxn ang="0">
+                  <a:pos x="connsiteX1" y="connsiteY1"/>
+                </a:cxn>
+                <a:cxn ang="0">
+                  <a:pos x="connsiteX2" y="connsiteY2"/>
+                </a:cxn>
+                <a:cxn ang="0">
+                  <a:pos x="connsiteX3" y="connsiteY3"/>
+                </a:cxn>
+                <a:cxn ang="0">
+                  <a:pos x="connsiteX4" y="connsiteY4"/>
+                </a:cxn>
+              </a:cxnLst>
+              <a:rect l="l" t="t" r="r" b="b"/>
+              <a:pathLst>
+                <a:path w="1263126" h="778932">
+                  <a:moveTo>
+                    <a:pt x="0" y="0"/>
+                  </a:moveTo>
+                  <a:cubicBezTo>
+                    <a:pt x="95655" y="275617"/>
+                    <a:pt x="191310" y="551234"/>
+                    <a:pt x="330740" y="680936"/>
+                  </a:cubicBezTo>
+                  <a:cubicBezTo>
+                    <a:pt x="470170" y="810638"/>
+                    <a:pt x="687422" y="771727"/>
+                    <a:pt x="836579" y="778212"/>
+                  </a:cubicBezTo>
+                  <a:cubicBezTo>
+                    <a:pt x="985736" y="784697"/>
+                    <a:pt x="1160834" y="732817"/>
+                    <a:pt x="1225685" y="719847"/>
+                  </a:cubicBezTo>
+                  <a:cubicBezTo>
+                    <a:pt x="1290536" y="706877"/>
+                    <a:pt x="1258110" y="703634"/>
+                    <a:pt x="1225685" y="700391"/>
+                  </a:cubicBezTo>
+                </a:path>
+              </a:pathLst>
+            </a:custGeom>
+            <a:noFill/>
+            <a:ln w="76200">
+              <a:solidFill>
+                <a:srgbClr val="FF0000"/>
+              </a:solidFill>
+            </a:ln>
+          </p:spPr>
+          <p:style>
+            <a:lnRef idx="2">
+              <a:schemeClr val="accent1">
+                <a:shade val="50000"/>
+              </a:schemeClr>
+            </a:lnRef>
+            <a:fillRef idx="1">
+              <a:schemeClr val="accent1"/>
+            </a:fillRef>
+            <a:effectRef idx="0">
+              <a:schemeClr val="accent1"/>
+            </a:effectRef>
+            <a:fontRef idx="minor">
+              <a:schemeClr val="lt1"/>
+            </a:fontRef>
+          </p:style>
+          <p:txBody>
+            <a:bodyPr rtlCol="0" anchor="ctr"/>
+            <a:lstStyle/>
+            <a:p>
+              <a:pPr algn="ctr"/>
+              <a:endParaRPr lang="en-US"/>
+            </a:p>
+          </p:txBody>
+        </p:sp>
+        <p:sp>
+          <p:nvSpPr>
+            <p:cNvPr id="7" name="Flowchart: Connector 6"/>
+            <p:cNvSpPr/>
+            <p:nvPr/>
+          </p:nvSpPr>
+          <p:spPr>
+            <a:xfrm rot="10955890">
+              <a:off x="10120800" y="4615448"/>
+              <a:ext cx="214009" cy="237793"/>
+            </a:xfrm>
+            <a:prstGeom prst="flowChartConnector">
+              <a:avLst/>
+            </a:prstGeom>
+            <a:solidFill>
+              <a:srgbClr val="92D050"/>
+            </a:solidFill>
+            <a:ln>
+              <a:solidFill>
+                <a:srgbClr val="92D050"/>
+              </a:solidFill>
+            </a:ln>
+          </p:spPr>
+          <p:style>
+            <a:lnRef idx="2">
+              <a:schemeClr val="accent1">
+                <a:shade val="50000"/>
+              </a:schemeClr>
+            </a:lnRef>
+            <a:fillRef idx="1">
+              <a:schemeClr val="accent1"/>
+            </a:fillRef>
+            <a:effectRef idx="0">
+              <a:schemeClr val="accent1"/>
+            </a:effectRef>
+            <a:fontRef idx="minor">
+              <a:schemeClr val="lt1"/>
+            </a:fontRef>
+          </p:style>
+          <p:txBody>
+            <a:bodyPr rtlCol="0" anchor="ctr"/>
+            <a:lstStyle/>
+            <a:p>
+              <a:pPr algn="ctr"/>
+              <a:endParaRPr lang="en-US"/>
+            </a:p>
+          </p:txBody>
+        </p:sp>
+        <p:sp>
+          <p:nvSpPr>
+            <p:cNvPr id="8" name="Flowchart: Connector 7"/>
+            <p:cNvSpPr/>
+            <p:nvPr/>
+          </p:nvSpPr>
+          <p:spPr>
+            <a:xfrm rot="10955890">
+              <a:off x="10824529" y="4941303"/>
+              <a:ext cx="214009" cy="237793"/>
+            </a:xfrm>
+            <a:prstGeom prst="flowChartConnector">
+              <a:avLst/>
+            </a:prstGeom>
+            <a:solidFill>
+              <a:srgbClr val="92D050"/>
+            </a:solidFill>
+            <a:ln>
+              <a:solidFill>
+                <a:srgbClr val="92D050"/>
+              </a:solidFill>
+            </a:ln>
+          </p:spPr>
+          <p:style>
+            <a:lnRef idx="2">
+              <a:schemeClr val="accent1">
+                <a:shade val="50000"/>
+              </a:schemeClr>
+            </a:lnRef>
+            <a:fillRef idx="1">
+              <a:schemeClr val="accent1"/>
+            </a:fillRef>
+            <a:effectRef idx="0">
+              <a:schemeClr val="accent1"/>
+            </a:effectRef>
+            <a:fontRef idx="minor">
+              <a:schemeClr val="lt1"/>
+            </a:fontRef>
+          </p:style>
+          <p:txBody>
+            <a:bodyPr rtlCol="0" anchor="ctr"/>
+            <a:lstStyle/>
+            <a:p>
+              <a:pPr algn="ctr"/>
+              <a:endParaRPr lang="en-US"/>
+            </a:p>
+          </p:txBody>
+        </p:sp>
+      </p:grpSp>
+      <p:grpSp>
+        <p:nvGrpSpPr>
+          <p:cNvPr id="9" name="Group 8"/>
+          <p:cNvGrpSpPr/>
+          <p:nvPr/>
+        </p:nvGrpSpPr>
+        <p:grpSpPr>
+          <a:xfrm>
+            <a:off x="5512894" y="5173934"/>
+            <a:ext cx="785476" cy="1110663"/>
+            <a:chOff x="8902639" y="4950988"/>
+            <a:chExt cx="785476" cy="1110663"/>
+          </a:xfrm>
+        </p:grpSpPr>
+        <p:sp>
+          <p:nvSpPr>
+            <p:cNvPr id="10" name="Freeform 9"/>
+            <p:cNvSpPr/>
+            <p:nvPr/>
+          </p:nvSpPr>
+          <p:spPr>
+            <a:xfrm rot="10955890">
+              <a:off x="8964127" y="4950988"/>
+              <a:ext cx="723988" cy="1110663"/>
+            </a:xfrm>
+            <a:custGeom>
+              <a:avLst/>
+              <a:gdLst>
+                <a:gd name="connsiteX0" fmla="*/ 0 w 723988"/>
+                <a:gd name="connsiteY0" fmla="*/ 429727 h 1110663"/>
+                <a:gd name="connsiteX1" fmla="*/ 389106 w 723988"/>
+                <a:gd name="connsiteY1" fmla="*/ 1710 h 1110663"/>
+                <a:gd name="connsiteX2" fmla="*/ 719847 w 723988"/>
+                <a:gd name="connsiteY2" fmla="*/ 312995 h 1110663"/>
+                <a:gd name="connsiteX3" fmla="*/ 583659 w 723988"/>
+                <a:gd name="connsiteY3" fmla="*/ 1091208 h 1110663"/>
+                <a:gd name="connsiteX4" fmla="*/ 583659 w 723988"/>
+                <a:gd name="connsiteY4" fmla="*/ 1091208 h 1110663"/>
+                <a:gd name="connsiteX5" fmla="*/ 583659 w 723988"/>
+                <a:gd name="connsiteY5" fmla="*/ 1110663 h 1110663"/>
+              </a:gdLst>
+              <a:ahLst/>
+              <a:cxnLst>
+                <a:cxn ang="0">
+                  <a:pos x="connsiteX0" y="connsiteY0"/>
+                </a:cxn>
+                <a:cxn ang="0">
+                  <a:pos x="connsiteX1" y="connsiteY1"/>
+                </a:cxn>
+                <a:cxn ang="0">
+                  <a:pos x="connsiteX2" y="connsiteY2"/>
+                </a:cxn>
+                <a:cxn ang="0">
+                  <a:pos x="connsiteX3" y="connsiteY3"/>
+                </a:cxn>
+                <a:cxn ang="0">
+                  <a:pos x="connsiteX4" y="connsiteY4"/>
+                </a:cxn>
+                <a:cxn ang="0">
+                  <a:pos x="connsiteX5" y="connsiteY5"/>
+                </a:cxn>
+              </a:cxnLst>
+              <a:rect l="l" t="t" r="r" b="b"/>
+              <a:pathLst>
+                <a:path w="723988" h="1110663">
+                  <a:moveTo>
+                    <a:pt x="0" y="429727"/>
+                  </a:moveTo>
+                  <a:cubicBezTo>
+                    <a:pt x="134566" y="225446"/>
+                    <a:pt x="269132" y="21165"/>
+                    <a:pt x="389106" y="1710"/>
+                  </a:cubicBezTo>
+                  <a:cubicBezTo>
+                    <a:pt x="509081" y="-17745"/>
+                    <a:pt x="687422" y="131412"/>
+                    <a:pt x="719847" y="312995"/>
+                  </a:cubicBezTo>
+                  <a:cubicBezTo>
+                    <a:pt x="752273" y="494578"/>
+                    <a:pt x="583659" y="1091208"/>
+                    <a:pt x="583659" y="1091208"/>
+                  </a:cubicBezTo>
+                  <a:lnTo>
+                    <a:pt x="583659" y="1091208"/>
+                  </a:lnTo>
+                  <a:lnTo>
+                    <a:pt x="583659" y="1110663"/>
+                  </a:lnTo>
+                </a:path>
+              </a:pathLst>
+            </a:custGeom>
+            <a:noFill/>
+            <a:ln w="76200">
+              <a:solidFill>
+                <a:srgbClr val="FF0000"/>
+              </a:solidFill>
+            </a:ln>
+          </p:spPr>
+          <p:style>
+            <a:lnRef idx="2">
+              <a:schemeClr val="accent1">
+                <a:shade val="50000"/>
+              </a:schemeClr>
+            </a:lnRef>
+            <a:fillRef idx="1">
+              <a:schemeClr val="accent1"/>
+            </a:fillRef>
+            <a:effectRef idx="0">
+              <a:schemeClr val="accent1"/>
+            </a:effectRef>
+            <a:fontRef idx="minor">
+              <a:schemeClr val="lt1"/>
+            </a:fontRef>
+          </p:style>
+          <p:txBody>
+            <a:bodyPr rtlCol="0" anchor="ctr"/>
+            <a:lstStyle/>
+            <a:p>
+              <a:pPr algn="ctr"/>
+              <a:endParaRPr lang="en-US"/>
+            </a:p>
+          </p:txBody>
+        </p:sp>
+        <p:sp>
+          <p:nvSpPr>
+            <p:cNvPr id="11" name="Flowchart: Connector 10"/>
+            <p:cNvSpPr/>
+            <p:nvPr/>
+          </p:nvSpPr>
+          <p:spPr>
+            <a:xfrm rot="10955890">
+              <a:off x="8902639" y="5506648"/>
+              <a:ext cx="214009" cy="237793"/>
+            </a:xfrm>
+            <a:prstGeom prst="flowChartConnector">
+              <a:avLst/>
+            </a:prstGeom>
+            <a:solidFill>
+              <a:srgbClr val="92D050"/>
+            </a:solidFill>
+            <a:ln>
+              <a:solidFill>
+                <a:srgbClr val="92D050"/>
+              </a:solidFill>
+            </a:ln>
+          </p:spPr>
+          <p:style>
+            <a:lnRef idx="2">
+              <a:schemeClr val="accent1">
+                <a:shade val="50000"/>
+              </a:schemeClr>
+            </a:lnRef>
+            <a:fillRef idx="1">
+              <a:schemeClr val="accent1"/>
+            </a:fillRef>
+            <a:effectRef idx="0">
+              <a:schemeClr val="accent1"/>
+            </a:effectRef>
+            <a:fontRef idx="minor">
+              <a:schemeClr val="lt1"/>
+            </a:fontRef>
+          </p:style>
+          <p:txBody>
+            <a:bodyPr rtlCol="0" anchor="ctr"/>
+            <a:lstStyle/>
+            <a:p>
+              <a:pPr algn="ctr"/>
+              <a:endParaRPr lang="en-US"/>
+            </a:p>
+          </p:txBody>
+        </p:sp>
+        <p:sp>
+          <p:nvSpPr>
+            <p:cNvPr id="12" name="Flowchart: Connector 11"/>
+            <p:cNvSpPr/>
+            <p:nvPr/>
+          </p:nvSpPr>
+          <p:spPr>
+            <a:xfrm rot="10955890">
+              <a:off x="9380668" y="5758305"/>
+              <a:ext cx="214009" cy="237793"/>
+            </a:xfrm>
+            <a:prstGeom prst="flowChartConnector">
+              <a:avLst/>
+            </a:prstGeom>
+            <a:solidFill>
+              <a:srgbClr val="92D050"/>
+            </a:solidFill>
+            <a:ln>
+              <a:solidFill>
+                <a:srgbClr val="92D050"/>
+              </a:solidFill>
+            </a:ln>
+          </p:spPr>
+          <p:style>
+            <a:lnRef idx="2">
+              <a:schemeClr val="accent1">
+                <a:shade val="50000"/>
+              </a:schemeClr>
+            </a:lnRef>
+            <a:fillRef idx="1">
+              <a:schemeClr val="accent1"/>
+            </a:fillRef>
+            <a:effectRef idx="0">
+              <a:schemeClr val="accent1"/>
+            </a:effectRef>
+            <a:fontRef idx="minor">
+              <a:schemeClr val="lt1"/>
+            </a:fontRef>
+          </p:style>
+          <p:txBody>
+            <a:bodyPr rtlCol="0" anchor="ctr"/>
+            <a:lstStyle/>
+            <a:p>
+              <a:pPr algn="ctr"/>
+              <a:endParaRPr lang="en-US"/>
+            </a:p>
+          </p:txBody>
+        </p:sp>
+        <p:sp>
+          <p:nvSpPr>
+            <p:cNvPr id="13" name="Flowchart: Connector 12"/>
+            <p:cNvSpPr/>
+            <p:nvPr/>
+          </p:nvSpPr>
+          <p:spPr>
+            <a:xfrm rot="10955890">
+              <a:off x="8999061" y="4977901"/>
+              <a:ext cx="214009" cy="237793"/>
+            </a:xfrm>
+            <a:prstGeom prst="flowChartConnector">
+              <a:avLst/>
+            </a:prstGeom>
+            <a:solidFill>
+              <a:srgbClr val="92D050"/>
+            </a:solidFill>
+            <a:ln>
+              <a:solidFill>
+                <a:srgbClr val="92D050"/>
+              </a:solidFill>
+            </a:ln>
+          </p:spPr>
+          <p:style>
+            <a:lnRef idx="2">
+              <a:schemeClr val="accent1">
+                <a:shade val="50000"/>
+              </a:schemeClr>
+            </a:lnRef>
+            <a:fillRef idx="1">
+              <a:schemeClr val="accent1"/>
+            </a:fillRef>
+            <a:effectRef idx="0">
+              <a:schemeClr val="accent1"/>
+            </a:effectRef>
+            <a:fontRef idx="minor">
+              <a:schemeClr val="lt1"/>
+            </a:fontRef>
+          </p:style>
+          <p:txBody>
+            <a:bodyPr rtlCol="0" anchor="ctr"/>
+            <a:lstStyle/>
+            <a:p>
+              <a:pPr algn="ctr"/>
+              <a:endParaRPr lang="en-US"/>
+            </a:p>
+          </p:txBody>
+        </p:sp>
+      </p:grpSp>
     </p:spTree>
     <p:extLst>
       <p:ext uri="{BB962C8B-B14F-4D97-AF65-F5344CB8AC3E}">
@@ -7100,6 +9059,13 @@
   <p:clrMapOvr>
     <a:masterClrMapping/>
   </p:clrMapOvr>
+  <p:timing>
+    <p:tnLst>
+      <p:par>
+        <p:cTn id="1" dur="indefinite" restart="never" nodeType="tmRoot"/>
+      </p:par>
+    </p:tnLst>
+  </p:timing>
 </p:sld>
 </file>
 
@@ -7239,6 +9205,13 @@
   <p:clrMapOvr>
     <a:masterClrMapping/>
   </p:clrMapOvr>
+  <p:timing>
+    <p:tnLst>
+      <p:par>
+        <p:cTn id="1" dur="indefinite" restart="never" nodeType="tmRoot"/>
+      </p:par>
+    </p:tnLst>
+  </p:timing>
 </p:sld>
 </file>
 
@@ -7274,7 +9247,19 @@
           <a:bodyPr/>
           <a:lstStyle/>
           <a:p>
-            <a:endParaRPr lang="en-US"/>
+            <a:r>
+              <a:rPr lang="en-US" dirty="0" smtClean="0"/>
+              <a:t>Sex specific – </a:t>
+            </a:r>
+            <a:r>
+              <a:rPr lang="en-US" dirty="0" err="1" smtClean="0"/>
+              <a:t>gwRR</a:t>
+            </a:r>
+            <a:r>
+              <a:rPr lang="en-US" dirty="0" smtClean="0"/>
+              <a:t> patterns</a:t>
+            </a:r>
+            <a:endParaRPr lang="en-US" dirty="0"/>
           </a:p>
         </p:txBody>
       </p:sp>
@@ -7293,32 +9278,89 @@
           <a:bodyPr/>
           <a:lstStyle/>
           <a:p>
+            <a:pPr marL="0" indent="0">
+              <a:buNone/>
+            </a:pPr>
+            <a:r>
+              <a:rPr lang="en-US" dirty="0" smtClean="0"/>
+              <a:t>- lm( mouse.av.CO ~ strain )</a:t>
+            </a:r>
+          </a:p>
+          <a:p>
+            <a:pPr marL="0" indent="0">
+              <a:buNone/>
+            </a:pPr>
+            <a:r>
+              <a:rPr lang="en-US" dirty="0" smtClean="0"/>
+              <a:t>For males: PWD, MSM and SKIVE have significant effects</a:t>
+            </a:r>
+          </a:p>
+          <a:p>
+            <a:pPr marL="0" indent="0">
+              <a:buNone/>
+            </a:pPr>
+            <a:r>
+              <a:rPr lang="en-US" dirty="0" smtClean="0"/>
+              <a:t>For female: </a:t>
+            </a:r>
+            <a:r>
+              <a:rPr lang="en-US" b="1" dirty="0" smtClean="0"/>
+              <a:t>G</a:t>
+            </a:r>
+            <a:r>
+              <a:rPr lang="en-US" dirty="0" smtClean="0"/>
+              <a:t>, LEW, PWD, </a:t>
+            </a:r>
+            <a:r>
+              <a:rPr lang="en-US" b="1" dirty="0" smtClean="0"/>
+              <a:t>MSM</a:t>
+            </a:r>
+            <a:r>
+              <a:rPr lang="en-US" dirty="0" smtClean="0"/>
+              <a:t> are significant  (G and MSM are the most sig)</a:t>
+            </a:r>
+          </a:p>
+          <a:p>
+            <a:pPr marL="0" indent="0">
+              <a:buNone/>
+            </a:pPr>
+            <a:endParaRPr lang="en-US" dirty="0" smtClean="0"/>
+          </a:p>
+          <a:p>
+            <a:pPr marL="0" indent="0">
+              <a:buNone/>
+            </a:pPr>
+            <a:r>
+              <a:rPr lang="en-US" dirty="0" smtClean="0"/>
+              <a:t>-MSM, both sexes have ‘evolution’ / increase of </a:t>
+            </a:r>
             <a:r>
               <a:rPr lang="en-US" dirty="0" err="1" smtClean="0"/>
-              <a:t>Lmer</a:t>
-            </a:r>
-            <a:r>
-              <a:rPr lang="en-US" dirty="0" smtClean="0"/>
-              <a:t>()</a:t>
-            </a:r>
-          </a:p>
-          <a:p>
-            <a:r>
-              <a:rPr lang="en-US" dirty="0" err="1" smtClean="0"/>
-              <a:t>Mouse.ave</a:t>
-            </a:r>
-            <a:r>
-              <a:rPr lang="en-US" dirty="0" smtClean="0"/>
-              <a:t> ~ </a:t>
-            </a:r>
-            <a:r>
-              <a:rPr lang="en-US" dirty="0" err="1" smtClean="0"/>
-              <a:t>subsp</a:t>
-            </a:r>
-            <a:r>
-              <a:rPr lang="en-US" dirty="0" smtClean="0"/>
-              <a:t> * sex + (1|strain)</a:t>
-            </a:r>
+              <a:t>gwRR</a:t>
+            </a:r>
+            <a:r>
+              <a:rPr lang="en-US" dirty="0" smtClean="0"/>
+              <a:t>. </a:t>
+            </a:r>
+          </a:p>
+          <a:p>
+            <a:pPr marL="0" indent="0">
+              <a:buNone/>
+            </a:pPr>
+            <a:r>
+              <a:rPr lang="en-US" dirty="0" smtClean="0"/>
+              <a:t>G, PWD, SKIVE have sex specifi</a:t>
+            </a:r>
+            <a:r>
+              <a:rPr lang="en-US" dirty="0" smtClean="0"/>
+              <a:t>c pattern (higher than other mice)</a:t>
+            </a:r>
+            <a:endParaRPr lang="en-US" dirty="0"/>
+          </a:p>
+          <a:p>
+            <a:pPr marL="0" indent="0">
+              <a:buNone/>
+            </a:pPr>
             <a:endParaRPr lang="en-US" dirty="0"/>
           </a:p>
         </p:txBody>
@@ -7333,6 +9375,13 @@
   <p:clrMapOvr>
     <a:masterClrMapping/>
   </p:clrMapOvr>
+  <p:timing>
+    <p:tnLst>
+      <p:par>
+        <p:cTn id="1" dur="indefinite" restart="never" nodeType="tmRoot"/>
+      </p:par>
+    </p:tnLst>
+  </p:timing>
 </p:sld>
 </file>
 
@@ -7370,7 +9419,7 @@
           <a:p>
             <a:r>
               <a:rPr lang="en-US" dirty="0" smtClean="0"/>
-              <a:t>Genome wide Pattern</a:t>
+              <a:t>CO variance per cell (within mouse variance)</a:t>
             </a:r>
             <a:endParaRPr lang="en-US" dirty="0"/>
           </a:p>
@@ -7386,59 +9435,1385 @@
             <p:ph idx="1"/>
           </p:nvPr>
         </p:nvSpPr>
+        <p:spPr/>
+        <p:txBody>
+          <a:bodyPr/>
+          <a:lstStyle/>
+          <a:p>
+            <a:endParaRPr lang="en-US" dirty="0" smtClean="0"/>
+          </a:p>
+          <a:p>
+            <a:r>
+              <a:rPr lang="en-US" dirty="0" smtClean="0"/>
+              <a:t>For female -- </a:t>
+            </a:r>
+            <a:endParaRPr lang="en-US" dirty="0"/>
+          </a:p>
+        </p:txBody>
+      </p:sp>
+    </p:spTree>
+    <p:extLst>
+      <p:ext uri="{BB962C8B-B14F-4D97-AF65-F5344CB8AC3E}">
+        <p14:creationId xmlns:p14="http://schemas.microsoft.com/office/powerpoint/2010/main" val="359611132"/>
+      </p:ext>
+    </p:extLst>
+  </p:cSld>
+  <p:clrMapOvr>
+    <a:masterClrMapping/>
+  </p:clrMapOvr>
+  <p:timing>
+    <p:tnLst>
+      <p:par>
+        <p:cTn id="1" dur="indefinite" restart="never" nodeType="tmRoot"/>
+      </p:par>
+    </p:tnLst>
+  </p:timing>
+</p:sld>
+</file>
+
+<file path=ppt/slides/slide6.xml><?xml version="1.0" encoding="utf-8"?>
+<p:sld xmlns:a="http://schemas.openxmlformats.org/drawingml/2006/main" xmlns:r="http://schemas.openxmlformats.org/officeDocument/2006/relationships" xmlns:p="http://schemas.openxmlformats.org/presentationml/2006/main">
+  <p:cSld>
+    <p:spTree>
+      <p:nvGrpSpPr>
+        <p:cNvPr id="1" name=""/>
+        <p:cNvGrpSpPr/>
+        <p:nvPr/>
+      </p:nvGrpSpPr>
+      <p:grpSpPr>
+        <a:xfrm>
+          <a:off x="0" y="0"/>
+          <a:ext cx="0" cy="0"/>
+          <a:chOff x="0" y="0"/>
+          <a:chExt cx="0" cy="0"/>
+        </a:xfrm>
+      </p:grpSpPr>
+      <p:sp>
+        <p:nvSpPr>
+          <p:cNvPr id="2" name="Title 1"/>
+          <p:cNvSpPr>
+            <a:spLocks noGrp="1"/>
+          </p:cNvSpPr>
+          <p:nvPr>
+            <p:ph type="title"/>
+          </p:nvPr>
+        </p:nvSpPr>
+        <p:spPr/>
+        <p:txBody>
+          <a:bodyPr/>
+          <a:lstStyle/>
+          <a:p>
+            <a:r>
+              <a:rPr lang="en-US" dirty="0"/>
+              <a:t>Chromosome proportions</a:t>
+            </a:r>
+          </a:p>
+        </p:txBody>
+      </p:sp>
+      <p:pic>
+        <p:nvPicPr>
+          <p:cNvPr id="4" name="Picture 3"/>
+          <p:cNvPicPr>
+            <a:picLocks noChangeAspect="1"/>
+          </p:cNvPicPr>
+          <p:nvPr/>
+        </p:nvPicPr>
+        <p:blipFill rotWithShape="1">
+          <a:blip r:embed="rId3"/>
+          <a:srcRect l="35679" t="33905" r="28964" b="20761"/>
+          <a:stretch/>
+        </p:blipFill>
         <p:spPr>
           <a:xfrm>
-            <a:off x="838200" y="1825625"/>
-            <a:ext cx="4278923" cy="2324344"/>
+            <a:off x="538841" y="1926602"/>
+            <a:ext cx="5277395" cy="3806122"/>
+          </a:xfrm>
+          <a:prstGeom prst="rect">
+            <a:avLst/>
+          </a:prstGeom>
+        </p:spPr>
+      </p:pic>
+      <p:pic>
+        <p:nvPicPr>
+          <p:cNvPr id="5" name="Picture 4"/>
+          <p:cNvPicPr>
+            <a:picLocks noChangeAspect="1"/>
+          </p:cNvPicPr>
+          <p:nvPr/>
+        </p:nvPicPr>
+        <p:blipFill rotWithShape="1">
+          <a:blip r:embed="rId4"/>
+          <a:srcRect l="35464" t="19429" r="29179" b="34666"/>
+          <a:stretch/>
+        </p:blipFill>
+        <p:spPr>
+          <a:xfrm>
+            <a:off x="6427199" y="2130324"/>
+            <a:ext cx="5083356" cy="3712392"/>
+          </a:xfrm>
+          <a:prstGeom prst="rect">
+            <a:avLst/>
+          </a:prstGeom>
+        </p:spPr>
+      </p:pic>
+      <p:sp>
+        <p:nvSpPr>
+          <p:cNvPr id="6" name="Isosceles Triangle 5"/>
+          <p:cNvSpPr/>
+          <p:nvPr/>
+        </p:nvSpPr>
+        <p:spPr>
+          <a:xfrm rot="10800000">
+            <a:off x="8085907" y="4592302"/>
+            <a:ext cx="274320" cy="240957"/>
+          </a:xfrm>
+          <a:prstGeom prst="triangle">
+            <a:avLst/>
+          </a:prstGeom>
+        </p:spPr>
+        <p:style>
+          <a:lnRef idx="2">
+            <a:schemeClr val="accent1">
+              <a:shade val="50000"/>
+            </a:schemeClr>
+          </a:lnRef>
+          <a:fillRef idx="1">
+            <a:schemeClr val="accent1"/>
+          </a:fillRef>
+          <a:effectRef idx="0">
+            <a:schemeClr val="accent1"/>
+          </a:effectRef>
+          <a:fontRef idx="minor">
+            <a:schemeClr val="lt1"/>
+          </a:fontRef>
+        </p:style>
+        <p:txBody>
+          <a:bodyPr rtlCol="0" anchor="ctr"/>
+          <a:lstStyle/>
+          <a:p>
+            <a:pPr algn="ctr"/>
+            <a:endParaRPr lang="en-US"/>
+          </a:p>
+        </p:txBody>
+      </p:sp>
+      <p:sp>
+        <p:nvSpPr>
+          <p:cNvPr id="7" name="Isosceles Triangle 6"/>
+          <p:cNvSpPr/>
+          <p:nvPr/>
+        </p:nvSpPr>
+        <p:spPr>
+          <a:xfrm rot="10800000">
+            <a:off x="9440090" y="4513927"/>
+            <a:ext cx="274320" cy="240957"/>
+          </a:xfrm>
+          <a:prstGeom prst="triangle">
+            <a:avLst/>
+          </a:prstGeom>
+        </p:spPr>
+        <p:style>
+          <a:lnRef idx="2">
+            <a:schemeClr val="accent1">
+              <a:shade val="50000"/>
+            </a:schemeClr>
+          </a:lnRef>
+          <a:fillRef idx="1">
+            <a:schemeClr val="accent1"/>
+          </a:fillRef>
+          <a:effectRef idx="0">
+            <a:schemeClr val="accent1"/>
+          </a:effectRef>
+          <a:fontRef idx="minor">
+            <a:schemeClr val="lt1"/>
+          </a:fontRef>
+        </p:style>
+        <p:txBody>
+          <a:bodyPr rtlCol="0" anchor="ctr"/>
+          <a:lstStyle/>
+          <a:p>
+            <a:pPr algn="ctr"/>
+            <a:endParaRPr lang="en-US"/>
+          </a:p>
+        </p:txBody>
+      </p:sp>
+      <p:sp>
+        <p:nvSpPr>
+          <p:cNvPr id="8" name="Isosceles Triangle 7"/>
+          <p:cNvSpPr/>
+          <p:nvPr/>
+        </p:nvSpPr>
+        <p:spPr>
+          <a:xfrm rot="10800000">
+            <a:off x="7215050" y="2837527"/>
+            <a:ext cx="274320" cy="240957"/>
+          </a:xfrm>
+          <a:prstGeom prst="triangle">
+            <a:avLst/>
+          </a:prstGeom>
+        </p:spPr>
+        <p:style>
+          <a:lnRef idx="2">
+            <a:schemeClr val="accent1">
+              <a:shade val="50000"/>
+            </a:schemeClr>
+          </a:lnRef>
+          <a:fillRef idx="1">
+            <a:schemeClr val="accent1"/>
+          </a:fillRef>
+          <a:effectRef idx="0">
+            <a:schemeClr val="accent1"/>
+          </a:effectRef>
+          <a:fontRef idx="minor">
+            <a:schemeClr val="lt1"/>
+          </a:fontRef>
+        </p:style>
+        <p:txBody>
+          <a:bodyPr rtlCol="0" anchor="ctr"/>
+          <a:lstStyle/>
+          <a:p>
+            <a:pPr algn="ctr"/>
+            <a:endParaRPr lang="en-US"/>
+          </a:p>
+        </p:txBody>
+      </p:sp>
+      <p:sp>
+        <p:nvSpPr>
+          <p:cNvPr id="9" name="TextBox 8"/>
+          <p:cNvSpPr txBox="1"/>
+          <p:nvPr/>
+        </p:nvSpPr>
+        <p:spPr>
+          <a:xfrm>
+            <a:off x="7489370" y="1027906"/>
+            <a:ext cx="3044518" cy="369332"/>
+          </a:xfrm>
+          <a:prstGeom prst="rect">
+            <a:avLst/>
+          </a:prstGeom>
+          <a:noFill/>
+        </p:spPr>
+        <p:txBody>
+          <a:bodyPr wrap="square" rtlCol="0">
+            <a:spAutoFit/>
+          </a:bodyPr>
+          <a:lstStyle/>
+          <a:p>
+            <a:r>
+              <a:rPr lang="en-US" dirty="0" smtClean="0"/>
+              <a:t>The mice with distinct </a:t>
+            </a:r>
+            <a:r>
+              <a:rPr lang="en-US" dirty="0" err="1" smtClean="0"/>
+              <a:t>gwRR</a:t>
+            </a:r>
+            <a:endParaRPr lang="en-US" dirty="0"/>
+          </a:p>
+        </p:txBody>
+      </p:sp>
+      <p:sp>
+        <p:nvSpPr>
+          <p:cNvPr id="10" name="Isosceles Triangle 9"/>
+          <p:cNvSpPr/>
+          <p:nvPr/>
+        </p:nvSpPr>
+        <p:spPr>
+          <a:xfrm rot="10800000">
+            <a:off x="8275319" y="4432637"/>
+            <a:ext cx="274320" cy="240957"/>
+          </a:xfrm>
+          <a:prstGeom prst="triangle">
+            <a:avLst/>
+          </a:prstGeom>
+        </p:spPr>
+        <p:style>
+          <a:lnRef idx="2">
+            <a:schemeClr val="accent1">
+              <a:shade val="50000"/>
+            </a:schemeClr>
+          </a:lnRef>
+          <a:fillRef idx="1">
+            <a:schemeClr val="accent1"/>
+          </a:fillRef>
+          <a:effectRef idx="0">
+            <a:schemeClr val="accent1"/>
+          </a:effectRef>
+          <a:fontRef idx="minor">
+            <a:schemeClr val="lt1"/>
+          </a:fontRef>
+        </p:style>
+        <p:txBody>
+          <a:bodyPr rtlCol="0" anchor="ctr"/>
+          <a:lstStyle/>
+          <a:p>
+            <a:pPr algn="ctr"/>
+            <a:endParaRPr lang="en-US"/>
+          </a:p>
+        </p:txBody>
+      </p:sp>
+      <p:sp>
+        <p:nvSpPr>
+          <p:cNvPr id="11" name="TextBox 10"/>
+          <p:cNvSpPr txBox="1"/>
+          <p:nvPr/>
+        </p:nvSpPr>
+        <p:spPr>
+          <a:xfrm>
+            <a:off x="538841" y="6071616"/>
+            <a:ext cx="3685687" cy="369332"/>
+          </a:xfrm>
+          <a:prstGeom prst="rect">
+            <a:avLst/>
+          </a:prstGeom>
+          <a:noFill/>
+        </p:spPr>
+        <p:txBody>
+          <a:bodyPr wrap="square" rtlCol="0">
+            <a:spAutoFit/>
+          </a:bodyPr>
+          <a:lstStyle/>
+          <a:p>
+            <a:r>
+              <a:rPr lang="en-US" dirty="0" smtClean="0"/>
+              <a:t>Chi square test ?  </a:t>
+            </a:r>
+            <a:r>
+              <a:rPr lang="en-US" smtClean="0"/>
+              <a:t>Not done yet </a:t>
+            </a:r>
+            <a:endParaRPr lang="en-US" dirty="0"/>
+          </a:p>
+        </p:txBody>
+      </p:sp>
+    </p:spTree>
+    <p:extLst>
+      <p:ext uri="{BB962C8B-B14F-4D97-AF65-F5344CB8AC3E}">
+        <p14:creationId xmlns:p14="http://schemas.microsoft.com/office/powerpoint/2010/main" val="214531164"/>
+      </p:ext>
+    </p:extLst>
+  </p:cSld>
+  <p:clrMapOvr>
+    <a:masterClrMapping/>
+  </p:clrMapOvr>
+  <p:timing>
+    <p:tnLst>
+      <p:par>
+        <p:cTn id="1" dur="indefinite" restart="never" nodeType="tmRoot"/>
+      </p:par>
+    </p:tnLst>
+  </p:timing>
+</p:sld>
+</file>
+
+<file path=ppt/slides/slide7.xml><?xml version="1.0" encoding="utf-8"?>
+<p:sld xmlns:a="http://schemas.openxmlformats.org/drawingml/2006/main" xmlns:r="http://schemas.openxmlformats.org/officeDocument/2006/relationships" xmlns:p="http://schemas.openxmlformats.org/presentationml/2006/main">
+  <p:cSld>
+    <p:spTree>
+      <p:nvGrpSpPr>
+        <p:cNvPr id="1" name=""/>
+        <p:cNvGrpSpPr/>
+        <p:nvPr/>
+      </p:nvGrpSpPr>
+      <p:grpSpPr>
+        <a:xfrm>
+          <a:off x="0" y="0"/>
+          <a:ext cx="0" cy="0"/>
+          <a:chOff x="0" y="0"/>
+          <a:chExt cx="0" cy="0"/>
+        </a:xfrm>
+      </p:grpSpPr>
+      <p:sp>
+        <p:nvSpPr>
+          <p:cNvPr id="2" name="Title 1"/>
+          <p:cNvSpPr>
+            <a:spLocks noGrp="1"/>
+          </p:cNvSpPr>
+          <p:nvPr>
+            <p:ph type="title"/>
+          </p:nvPr>
+        </p:nvSpPr>
+        <p:spPr/>
+        <p:txBody>
+          <a:bodyPr/>
+          <a:lstStyle/>
+          <a:p>
+            <a:r>
+              <a:rPr lang="en-US" dirty="0" smtClean="0"/>
+              <a:t>Single Bivalent Dataset</a:t>
+            </a:r>
+            <a:endParaRPr lang="en-US" dirty="0"/>
+          </a:p>
+        </p:txBody>
+      </p:sp>
+      <p:sp>
+        <p:nvSpPr>
+          <p:cNvPr id="3" name="Content Placeholder 2"/>
+          <p:cNvSpPr>
+            <a:spLocks noGrp="1"/>
+          </p:cNvSpPr>
+          <p:nvPr>
+            <p:ph idx="1"/>
+          </p:nvPr>
+        </p:nvSpPr>
+        <p:spPr>
+          <a:xfrm>
+            <a:off x="6792687" y="1825625"/>
+            <a:ext cx="4561114" cy="4351338"/>
           </a:xfrm>
         </p:spPr>
         <p:txBody>
-          <a:bodyPr/>
-          <a:lstStyle/>
-          <a:p>
-            <a:r>
-              <a:rPr lang="en-US" dirty="0" smtClean="0"/>
-              <a:t>MM – for </a:t>
-            </a:r>
-            <a:r>
-              <a:rPr lang="en-US" dirty="0" err="1" smtClean="0"/>
-              <a:t>gwRR</a:t>
-            </a:r>
-            <a:r>
-              <a:rPr lang="en-US" dirty="0" smtClean="0"/>
-              <a:t>, nuanced </a:t>
-            </a:r>
-          </a:p>
+          <a:bodyPr>
+            <a:normAutofit fontScale="92500" lnSpcReduction="10000"/>
+          </a:bodyPr>
+          <a:lstStyle/>
           <a:p>
             <a:pPr marL="0" indent="0">
               <a:buNone/>
             </a:pPr>
             <a:r>
               <a:rPr lang="en-US" dirty="0" smtClean="0"/>
-              <a:t>Model</a:t>
-            </a:r>
+              <a:t>~ 10,400 Automated Single Bivalent Measures</a:t>
+            </a:r>
+          </a:p>
+          <a:p>
+            <a:r>
+              <a:rPr lang="en-US" dirty="0" smtClean="0"/>
+              <a:t>(Curated – make sure the algorithm ran correctly)</a:t>
+            </a:r>
+          </a:p>
+          <a:p>
+            <a:endParaRPr lang="en-US" dirty="0"/>
           </a:p>
           <a:p>
             <a:pPr marL="0" indent="0">
               <a:buNone/>
             </a:pPr>
+            <a:r>
+              <a:rPr lang="en-US" dirty="0"/>
+              <a:t>3 types of metrics</a:t>
+            </a:r>
+          </a:p>
+          <a:p>
+            <a:pPr lvl="1"/>
+            <a:r>
+              <a:rPr lang="en-US" dirty="0"/>
+              <a:t>1. Length of individual bivalents (SC signal) </a:t>
+            </a:r>
+          </a:p>
+          <a:p>
+            <a:pPr lvl="1"/>
+            <a:r>
+              <a:rPr lang="en-US" dirty="0"/>
+              <a:t>2. Position of single CO on a bivalent</a:t>
+            </a:r>
+          </a:p>
+          <a:p>
+            <a:pPr lvl="1"/>
+            <a:r>
+              <a:rPr lang="en-US" dirty="0"/>
+              <a:t>3. Interference </a:t>
+            </a:r>
+            <a:r>
+              <a:rPr lang="en-US" dirty="0" smtClean="0"/>
+              <a:t>strength, </a:t>
+            </a:r>
+            <a:r>
+              <a:rPr lang="en-US" dirty="0" err="1" smtClean="0"/>
+              <a:t>InterFocal</a:t>
+            </a:r>
+            <a:r>
+              <a:rPr lang="en-US" dirty="0" smtClean="0"/>
+              <a:t> Distance (IFD)</a:t>
+            </a:r>
             <a:endParaRPr lang="en-US" dirty="0"/>
           </a:p>
+        </p:txBody>
+      </p:sp>
+      <p:pic>
+        <p:nvPicPr>
+          <p:cNvPr id="4" name="Content Placeholder 3"/>
+          <p:cNvPicPr>
+            <a:picLocks noChangeAspect="1"/>
+          </p:cNvPicPr>
+          <p:nvPr/>
+        </p:nvPicPr>
+        <p:blipFill rotWithShape="1">
+          <a:blip r:embed="rId3">
+            <a:extLst>
+              <a:ext uri="{28A0092B-C50C-407E-A947-70E740481C1C}">
+                <a14:useLocalDpi xmlns:a14="http://schemas.microsoft.com/office/drawing/2010/main" val="0"/>
+              </a:ext>
+            </a:extLst>
+          </a:blip>
+          <a:srcRect l="6951" t="6331" r="8163" b="3470"/>
+          <a:stretch/>
+        </p:blipFill>
+        <p:spPr>
+          <a:xfrm>
+            <a:off x="369278" y="1825625"/>
+            <a:ext cx="5852993" cy="4663098"/>
+          </a:xfrm>
+          <a:prstGeom prst="rect">
+            <a:avLst/>
+          </a:prstGeom>
+        </p:spPr>
+      </p:pic>
+      <p:pic>
+        <p:nvPicPr>
+          <p:cNvPr id="5" name="Picture 4"/>
+          <p:cNvPicPr>
+            <a:picLocks noChangeAspect="1"/>
+          </p:cNvPicPr>
+          <p:nvPr/>
+        </p:nvPicPr>
+        <p:blipFill rotWithShape="1">
+          <a:blip r:embed="rId4" cstate="print">
+            <a:extLst>
+              <a:ext uri="{28A0092B-C50C-407E-A947-70E740481C1C}">
+                <a14:useLocalDpi xmlns:a14="http://schemas.microsoft.com/office/drawing/2010/main" val="0"/>
+              </a:ext>
+            </a:extLst>
+          </a:blip>
+          <a:srcRect l="13760" t="8242" r="64394" b="10879"/>
+          <a:stretch/>
+        </p:blipFill>
+        <p:spPr>
+          <a:xfrm>
+            <a:off x="5786637" y="4070217"/>
+            <a:ext cx="871268" cy="2418506"/>
+          </a:xfrm>
+          <a:prstGeom prst="rect">
+            <a:avLst/>
+          </a:prstGeom>
+          <a:ln>
+            <a:solidFill>
+              <a:schemeClr val="bg1"/>
+            </a:solidFill>
+          </a:ln>
+        </p:spPr>
+      </p:pic>
+    </p:spTree>
+    <p:extLst>
+      <p:ext uri="{BB962C8B-B14F-4D97-AF65-F5344CB8AC3E}">
+        <p14:creationId xmlns:p14="http://schemas.microsoft.com/office/powerpoint/2010/main" val="3964468962"/>
+      </p:ext>
+    </p:extLst>
+  </p:cSld>
+  <p:clrMapOvr>
+    <a:masterClrMapping/>
+  </p:clrMapOvr>
+  <p:timing>
+    <p:tnLst>
+      <p:par>
+        <p:cTn id="1" dur="indefinite" restart="never" nodeType="tmRoot"/>
+      </p:par>
+    </p:tnLst>
+  </p:timing>
+</p:sld>
+</file>
+
+<file path=ppt/slides/slide8.xml><?xml version="1.0" encoding="utf-8"?>
+<p:sld xmlns:a="http://schemas.openxmlformats.org/drawingml/2006/main" xmlns:r="http://schemas.openxmlformats.org/officeDocument/2006/relationships" xmlns:p="http://schemas.openxmlformats.org/presentationml/2006/main">
+  <p:cSld>
+    <p:spTree>
+      <p:nvGrpSpPr>
+        <p:cNvPr id="1" name=""/>
+        <p:cNvGrpSpPr/>
+        <p:nvPr/>
+      </p:nvGrpSpPr>
+      <p:grpSpPr>
+        <a:xfrm>
+          <a:off x="0" y="0"/>
+          <a:ext cx="0" cy="0"/>
+          <a:chOff x="0" y="0"/>
+          <a:chExt cx="0" cy="0"/>
+        </a:xfrm>
+      </p:grpSpPr>
+      <p:sp>
+        <p:nvSpPr>
+          <p:cNvPr id="2" name="Title 1"/>
+          <p:cNvSpPr>
+            <a:spLocks noGrp="1"/>
+          </p:cNvSpPr>
+          <p:nvPr>
+            <p:ph type="title"/>
+          </p:nvPr>
+        </p:nvSpPr>
+        <p:spPr/>
+        <p:txBody>
+          <a:bodyPr/>
+          <a:lstStyle/>
+          <a:p>
+            <a:r>
+              <a:rPr lang="en-US" dirty="0" smtClean="0"/>
+              <a:t>Single Bivalent </a:t>
+            </a:r>
+            <a:r>
+              <a:rPr lang="en-US" dirty="0" smtClean="0"/>
+              <a:t>Sex Specific P</a:t>
+            </a:r>
+            <a:r>
+              <a:rPr lang="en-US" dirty="0" smtClean="0"/>
+              <a:t>atterns</a:t>
+            </a:r>
+            <a:endParaRPr lang="en-US" dirty="0"/>
+          </a:p>
+        </p:txBody>
+      </p:sp>
+      <p:sp>
+        <p:nvSpPr>
+          <p:cNvPr id="3" name="Content Placeholder 2"/>
+          <p:cNvSpPr>
+            <a:spLocks noGrp="1"/>
+          </p:cNvSpPr>
+          <p:nvPr>
+            <p:ph idx="1"/>
+          </p:nvPr>
+        </p:nvSpPr>
+        <p:spPr/>
+        <p:txBody>
+          <a:bodyPr>
+            <a:normAutofit fontScale="77500" lnSpcReduction="20000"/>
+          </a:bodyPr>
+          <a:lstStyle/>
           <a:p>
             <a:pPr marL="0" indent="0">
               <a:buNone/>
             </a:pPr>
             <a:r>
               <a:rPr lang="en-US" dirty="0" smtClean="0"/>
-              <a:t>Results – no effects are sig</a:t>
+              <a:t>Driving </a:t>
+            </a:r>
+            <a:r>
+              <a:rPr lang="en-US" dirty="0" smtClean="0"/>
+              <a:t>questions</a:t>
             </a:r>
             <a:endParaRPr lang="en-US" dirty="0"/>
           </a:p>
-        </p:txBody>
-      </p:sp>
-      <p:sp>
-        <p:nvSpPr>
-          <p:cNvPr id="4" name="Content Placeholder 2"/>
+          <a:p>
+            <a:r>
+              <a:rPr lang="en-US" dirty="0" smtClean="0"/>
+              <a:t>Q1) </a:t>
+            </a:r>
+            <a:r>
+              <a:rPr lang="en-US" dirty="0"/>
+              <a:t>What are the main differences between males and </a:t>
+            </a:r>
+            <a:r>
+              <a:rPr lang="en-US" dirty="0" smtClean="0"/>
+              <a:t>females?</a:t>
+            </a:r>
+            <a:endParaRPr lang="en-US" dirty="0" smtClean="0">
+              <a:effectLst/>
+            </a:endParaRPr>
+          </a:p>
+          <a:p>
+            <a:r>
+              <a:rPr lang="en-US" dirty="0" smtClean="0"/>
+              <a:t>Q2</a:t>
+            </a:r>
+            <a:r>
+              <a:rPr lang="en-US" dirty="0" smtClean="0"/>
+              <a:t>) </a:t>
+            </a:r>
+            <a:r>
+              <a:rPr lang="en-US" dirty="0" smtClean="0"/>
+              <a:t>What </a:t>
+            </a:r>
+            <a:r>
+              <a:rPr lang="en-US" dirty="0"/>
+              <a:t>are the differences between high </a:t>
+            </a:r>
+            <a:r>
+              <a:rPr lang="en-US" dirty="0" err="1"/>
+              <a:t>musc</a:t>
+            </a:r>
+            <a:r>
+              <a:rPr lang="en-US" dirty="0"/>
+              <a:t> and low </a:t>
+            </a:r>
+            <a:r>
+              <a:rPr lang="en-US" dirty="0" err="1"/>
+              <a:t>musc</a:t>
+            </a:r>
+            <a:r>
+              <a:rPr lang="en-US" dirty="0"/>
+              <a:t> </a:t>
+            </a:r>
+            <a:r>
+              <a:rPr lang="en-US" dirty="0" smtClean="0"/>
+              <a:t>strain</a:t>
+            </a:r>
+            <a:r>
+              <a:rPr lang="en-US" dirty="0" smtClean="0"/>
+              <a:t>?</a:t>
+            </a:r>
+          </a:p>
+          <a:p>
+            <a:endParaRPr lang="en-US" dirty="0"/>
+          </a:p>
+          <a:p>
+            <a:pPr marL="0" indent="0">
+              <a:buNone/>
+            </a:pPr>
+            <a:r>
+              <a:rPr lang="en-US" dirty="0"/>
+              <a:t>Predictions</a:t>
+            </a:r>
+          </a:p>
+          <a:p>
+            <a:r>
+              <a:rPr lang="en-US" dirty="0"/>
+              <a:t>1.</a:t>
+            </a:r>
+            <a:r>
+              <a:rPr lang="en-US" b="1" i="1" dirty="0"/>
+              <a:t> SC length will be sexually dimorphic</a:t>
+            </a:r>
+            <a:endParaRPr lang="en-US" dirty="0"/>
+          </a:p>
+          <a:p>
+            <a:r>
+              <a:rPr lang="en-US" dirty="0"/>
+              <a:t>2. </a:t>
+            </a:r>
+            <a:r>
+              <a:rPr lang="en-US" b="1" i="1" dirty="0"/>
+              <a:t>1CO normalized positions will be sexually dimorphic</a:t>
+            </a:r>
+            <a:endParaRPr lang="en-US" dirty="0"/>
+          </a:p>
+          <a:p>
+            <a:r>
+              <a:rPr lang="en-US" dirty="0"/>
+              <a:t>3. </a:t>
+            </a:r>
+            <a:r>
+              <a:rPr lang="en-US" b="1" i="1" dirty="0"/>
+              <a:t>No difference in physical distance between foci on the same bivalent.*</a:t>
+            </a:r>
+          </a:p>
+          <a:p>
+            <a:pPr marL="0" indent="0">
+              <a:buNone/>
+            </a:pPr>
+            <a:endParaRPr lang="en-US" b="1" i="1" dirty="0"/>
+          </a:p>
+          <a:p>
+            <a:pPr marL="0" indent="0">
+              <a:buNone/>
+            </a:pPr>
+            <a:r>
+              <a:rPr lang="en-US" dirty="0"/>
+              <a:t>*only 1 paper with cytological data for IFD of both sexes (mice B6). No difference found in physical (um) scale.</a:t>
+            </a:r>
+          </a:p>
+          <a:p>
+            <a:pPr marL="0" indent="0">
+              <a:buNone/>
+            </a:pPr>
+            <a:r>
+              <a:rPr lang="en-US" sz="2200" b="1" dirty="0"/>
+              <a:t>de Boer</a:t>
+            </a:r>
+            <a:r>
+              <a:rPr lang="en-US" sz="2200" dirty="0"/>
+              <a:t>, E., </a:t>
+            </a:r>
+            <a:r>
+              <a:rPr lang="en-US" sz="2200" dirty="0" err="1"/>
+              <a:t>Stam</a:t>
+            </a:r>
+            <a:r>
+              <a:rPr lang="en-US" sz="2200" dirty="0"/>
+              <a:t>, P., Dietrich, A. J., </a:t>
+            </a:r>
+            <a:r>
+              <a:rPr lang="en-US" sz="2200" dirty="0" err="1"/>
+              <a:t>Pastink</a:t>
+            </a:r>
+            <a:r>
+              <a:rPr lang="en-US" sz="2200" dirty="0"/>
+              <a:t>, A., &amp; </a:t>
+            </a:r>
+            <a:r>
+              <a:rPr lang="en-US" sz="2200" dirty="0" err="1"/>
+              <a:t>Heyting</a:t>
+            </a:r>
+            <a:r>
+              <a:rPr lang="en-US" sz="2200" dirty="0"/>
+              <a:t>, C. </a:t>
+            </a:r>
+            <a:r>
+              <a:rPr lang="en-US" sz="2200" b="1" dirty="0"/>
+              <a:t>(2006). </a:t>
+            </a:r>
+            <a:r>
+              <a:rPr lang="en-US" sz="2200" dirty="0"/>
+              <a:t>Two levels of interference in mouse meiotic recombination. </a:t>
+            </a:r>
+            <a:r>
+              <a:rPr lang="en-US" sz="2200" i="1" dirty="0"/>
+              <a:t>Proceedings of the National Academy of Sciences</a:t>
+            </a:r>
+            <a:r>
+              <a:rPr lang="en-US" sz="2200" dirty="0"/>
+              <a:t>, </a:t>
+            </a:r>
+            <a:r>
+              <a:rPr lang="en-US" sz="2200" i="1" dirty="0"/>
+              <a:t>103</a:t>
+            </a:r>
+            <a:r>
+              <a:rPr lang="en-US" sz="2200" dirty="0"/>
+              <a:t>(25), 9607-9612</a:t>
+            </a:r>
+            <a:r>
+              <a:rPr lang="en-US" sz="2200" dirty="0" smtClean="0"/>
+              <a:t>.</a:t>
+            </a:r>
+            <a:endParaRPr lang="en-US" dirty="0" smtClean="0"/>
+          </a:p>
+          <a:p>
+            <a:endParaRPr lang="en-US" dirty="0">
+              <a:effectLst/>
+            </a:endParaRPr>
+          </a:p>
+        </p:txBody>
+      </p:sp>
+    </p:spTree>
+    <p:extLst>
+      <p:ext uri="{BB962C8B-B14F-4D97-AF65-F5344CB8AC3E}">
+        <p14:creationId xmlns:p14="http://schemas.microsoft.com/office/powerpoint/2010/main" val="2833730430"/>
+      </p:ext>
+    </p:extLst>
+  </p:cSld>
+  <p:clrMapOvr>
+    <a:masterClrMapping/>
+  </p:clrMapOvr>
+  <p:timing>
+    <p:tnLst>
+      <p:par>
+        <p:cTn id="1" dur="indefinite" restart="never" nodeType="tmRoot">
+          <p:childTnLst>
+            <p:seq concurrent="1" nextAc="seek">
+              <p:cTn id="2" dur="indefinite" nodeType="mainSeq">
+                <p:childTnLst>
+                  <p:par>
+                    <p:cTn id="3" fill="hold">
+                      <p:stCondLst>
+                        <p:cond delay="indefinite"/>
+                      </p:stCondLst>
+                      <p:childTnLst>
+                        <p:par>
+                          <p:cTn id="4" fill="hold">
+                            <p:stCondLst>
+                              <p:cond delay="0"/>
+                            </p:stCondLst>
+                            <p:childTnLst>
+                              <p:par>
+                                <p:cTn id="5" presetID="1" presetClass="entr" presetSubtype="0" fill="hold" nodeType="clickEffect">
+                                  <p:stCondLst>
+                                    <p:cond delay="0"/>
+                                  </p:stCondLst>
+                                  <p:childTnLst>
+                                    <p:set>
+                                      <p:cBhvr>
+                                        <p:cTn id="6" dur="1" fill="hold">
+                                          <p:stCondLst>
+                                            <p:cond delay="0"/>
+                                          </p:stCondLst>
+                                        </p:cTn>
+                                        <p:tgtEl>
+                                          <p:spTgt spid="3">
+                                            <p:txEl>
+                                              <p:pRg st="0" end="0"/>
+                                            </p:txEl>
+                                          </p:spTgt>
+                                        </p:tgtEl>
+                                        <p:attrNameLst>
+                                          <p:attrName>style.visibility</p:attrName>
+                                        </p:attrNameLst>
+                                      </p:cBhvr>
+                                      <p:to>
+                                        <p:strVal val="visible"/>
+                                      </p:to>
+                                    </p:set>
+                                  </p:childTnLst>
+                                </p:cTn>
+                              </p:par>
+                            </p:childTnLst>
+                          </p:cTn>
+                        </p:par>
+                      </p:childTnLst>
+                    </p:cTn>
+                  </p:par>
+                  <p:par>
+                    <p:cTn id="7" fill="hold">
+                      <p:stCondLst>
+                        <p:cond delay="indefinite"/>
+                      </p:stCondLst>
+                      <p:childTnLst>
+                        <p:par>
+                          <p:cTn id="8" fill="hold">
+                            <p:stCondLst>
+                              <p:cond delay="0"/>
+                            </p:stCondLst>
+                            <p:childTnLst>
+                              <p:par>
+                                <p:cTn id="9" presetID="18" presetClass="emph" presetSubtype="0" fill="hold" nodeType="clickEffect">
+                                  <p:stCondLst>
+                                    <p:cond delay="0"/>
+                                  </p:stCondLst>
+                                  <p:iterate type="lt">
+                                    <p:tmPct val="4000"/>
+                                  </p:iterate>
+                                  <p:childTnLst>
+                                    <p:set>
+                                      <p:cBhvr override="childStyle">
+                                        <p:cTn id="10" dur="500" fill="hold"/>
+                                        <p:tgtEl>
+                                          <p:spTgt spid="3">
+                                            <p:txEl>
+                                              <p:pRg st="1" end="1"/>
+                                            </p:txEl>
+                                          </p:spTgt>
+                                        </p:tgtEl>
+                                        <p:attrNameLst>
+                                          <p:attrName>style.textDecorationUnderline</p:attrName>
+                                        </p:attrNameLst>
+                                      </p:cBhvr>
+                                      <p:to>
+                                        <p:strVal val="true"/>
+                                      </p:to>
+                                    </p:set>
+                                  </p:childTnLst>
+                                </p:cTn>
+                              </p:par>
+                            </p:childTnLst>
+                          </p:cTn>
+                        </p:par>
+                      </p:childTnLst>
+                    </p:cTn>
+                  </p:par>
+                  <p:par>
+                    <p:cTn id="11" fill="hold">
+                      <p:stCondLst>
+                        <p:cond delay="indefinite"/>
+                      </p:stCondLst>
+                      <p:childTnLst>
+                        <p:par>
+                          <p:cTn id="12" fill="hold">
+                            <p:stCondLst>
+                              <p:cond delay="0"/>
+                            </p:stCondLst>
+                            <p:childTnLst>
+                              <p:par>
+                                <p:cTn id="13" presetID="1" presetClass="entr" presetSubtype="0" fill="hold" nodeType="clickEffect">
+                                  <p:stCondLst>
+                                    <p:cond delay="0"/>
+                                  </p:stCondLst>
+                                  <p:childTnLst>
+                                    <p:set>
+                                      <p:cBhvr>
+                                        <p:cTn id="14" dur="1" fill="hold">
+                                          <p:stCondLst>
+                                            <p:cond delay="0"/>
+                                          </p:stCondLst>
+                                        </p:cTn>
+                                        <p:tgtEl>
+                                          <p:spTgt spid="3">
+                                            <p:txEl>
+                                              <p:pRg st="2" end="2"/>
+                                            </p:txEl>
+                                          </p:spTgt>
+                                        </p:tgtEl>
+                                        <p:attrNameLst>
+                                          <p:attrName>style.visibility</p:attrName>
+                                        </p:attrNameLst>
+                                      </p:cBhvr>
+                                      <p:to>
+                                        <p:strVal val="visible"/>
+                                      </p:to>
+                                    </p:set>
+                                  </p:childTnLst>
+                                </p:cTn>
+                              </p:par>
+                            </p:childTnLst>
+                          </p:cTn>
+                        </p:par>
+                      </p:childTnLst>
+                    </p:cTn>
+                  </p:par>
+                  <p:par>
+                    <p:cTn id="15" fill="hold">
+                      <p:stCondLst>
+                        <p:cond delay="indefinite"/>
+                      </p:stCondLst>
+                      <p:childTnLst>
+                        <p:par>
+                          <p:cTn id="16" fill="hold">
+                            <p:stCondLst>
+                              <p:cond delay="0"/>
+                            </p:stCondLst>
+                            <p:childTnLst>
+                              <p:par>
+                                <p:cTn id="17" presetID="1" presetClass="entr" presetSubtype="0" fill="hold" nodeType="clickEffect">
+                                  <p:stCondLst>
+                                    <p:cond delay="0"/>
+                                  </p:stCondLst>
+                                  <p:childTnLst>
+                                    <p:set>
+                                      <p:cBhvr>
+                                        <p:cTn id="18" dur="1" fill="hold">
+                                          <p:stCondLst>
+                                            <p:cond delay="0"/>
+                                          </p:stCondLst>
+                                        </p:cTn>
+                                        <p:tgtEl>
+                                          <p:spTgt spid="3">
+                                            <p:txEl>
+                                              <p:pRg st="4" end="4"/>
+                                            </p:txEl>
+                                          </p:spTgt>
+                                        </p:tgtEl>
+                                        <p:attrNameLst>
+                                          <p:attrName>style.visibility</p:attrName>
+                                        </p:attrNameLst>
+                                      </p:cBhvr>
+                                      <p:to>
+                                        <p:strVal val="visible"/>
+                                      </p:to>
+                                    </p:set>
+                                  </p:childTnLst>
+                                </p:cTn>
+                              </p:par>
+                            </p:childTnLst>
+                          </p:cTn>
+                        </p:par>
+                      </p:childTnLst>
+                    </p:cTn>
+                  </p:par>
+                  <p:par>
+                    <p:cTn id="19" fill="hold">
+                      <p:stCondLst>
+                        <p:cond delay="indefinite"/>
+                      </p:stCondLst>
+                      <p:childTnLst>
+                        <p:par>
+                          <p:cTn id="20" fill="hold">
+                            <p:stCondLst>
+                              <p:cond delay="0"/>
+                            </p:stCondLst>
+                            <p:childTnLst>
+                              <p:par>
+                                <p:cTn id="21" presetID="1" presetClass="entr" presetSubtype="0" fill="hold" nodeType="clickEffect">
+                                  <p:stCondLst>
+                                    <p:cond delay="0"/>
+                                  </p:stCondLst>
+                                  <p:childTnLst>
+                                    <p:set>
+                                      <p:cBhvr>
+                                        <p:cTn id="22" dur="1" fill="hold">
+                                          <p:stCondLst>
+                                            <p:cond delay="0"/>
+                                          </p:stCondLst>
+                                        </p:cTn>
+                                        <p:tgtEl>
+                                          <p:spTgt spid="3">
+                                            <p:txEl>
+                                              <p:pRg st="5" end="5"/>
+                                            </p:txEl>
+                                          </p:spTgt>
+                                        </p:tgtEl>
+                                        <p:attrNameLst>
+                                          <p:attrName>style.visibility</p:attrName>
+                                        </p:attrNameLst>
+                                      </p:cBhvr>
+                                      <p:to>
+                                        <p:strVal val="visible"/>
+                                      </p:to>
+                                    </p:set>
+                                  </p:childTnLst>
+                                </p:cTn>
+                              </p:par>
+                            </p:childTnLst>
+                          </p:cTn>
+                        </p:par>
+                      </p:childTnLst>
+                    </p:cTn>
+                  </p:par>
+                  <p:par>
+                    <p:cTn id="23" fill="hold">
+                      <p:stCondLst>
+                        <p:cond delay="indefinite"/>
+                      </p:stCondLst>
+                      <p:childTnLst>
+                        <p:par>
+                          <p:cTn id="24" fill="hold">
+                            <p:stCondLst>
+                              <p:cond delay="0"/>
+                            </p:stCondLst>
+                            <p:childTnLst>
+                              <p:par>
+                                <p:cTn id="25" presetID="1" presetClass="entr" presetSubtype="0" fill="hold" nodeType="clickEffect">
+                                  <p:stCondLst>
+                                    <p:cond delay="0"/>
+                                  </p:stCondLst>
+                                  <p:childTnLst>
+                                    <p:set>
+                                      <p:cBhvr>
+                                        <p:cTn id="26" dur="1" fill="hold">
+                                          <p:stCondLst>
+                                            <p:cond delay="0"/>
+                                          </p:stCondLst>
+                                        </p:cTn>
+                                        <p:tgtEl>
+                                          <p:spTgt spid="3">
+                                            <p:txEl>
+                                              <p:pRg st="6" end="6"/>
+                                            </p:txEl>
+                                          </p:spTgt>
+                                        </p:tgtEl>
+                                        <p:attrNameLst>
+                                          <p:attrName>style.visibility</p:attrName>
+                                        </p:attrNameLst>
+                                      </p:cBhvr>
+                                      <p:to>
+                                        <p:strVal val="visible"/>
+                                      </p:to>
+                                    </p:set>
+                                  </p:childTnLst>
+                                </p:cTn>
+                              </p:par>
+                            </p:childTnLst>
+                          </p:cTn>
+                        </p:par>
+                      </p:childTnLst>
+                    </p:cTn>
+                  </p:par>
+                  <p:par>
+                    <p:cTn id="27" fill="hold">
+                      <p:stCondLst>
+                        <p:cond delay="indefinite"/>
+                      </p:stCondLst>
+                      <p:childTnLst>
+                        <p:par>
+                          <p:cTn id="28" fill="hold">
+                            <p:stCondLst>
+                              <p:cond delay="0"/>
+                            </p:stCondLst>
+                            <p:childTnLst>
+                              <p:par>
+                                <p:cTn id="29" presetID="1" presetClass="entr" presetSubtype="0" fill="hold" nodeType="clickEffect">
+                                  <p:stCondLst>
+                                    <p:cond delay="0"/>
+                                  </p:stCondLst>
+                                  <p:childTnLst>
+                                    <p:set>
+                                      <p:cBhvr>
+                                        <p:cTn id="30" dur="1" fill="hold">
+                                          <p:stCondLst>
+                                            <p:cond delay="0"/>
+                                          </p:stCondLst>
+                                        </p:cTn>
+                                        <p:tgtEl>
+                                          <p:spTgt spid="3">
+                                            <p:txEl>
+                                              <p:pRg st="7" end="7"/>
+                                            </p:txEl>
+                                          </p:spTgt>
+                                        </p:tgtEl>
+                                        <p:attrNameLst>
+                                          <p:attrName>style.visibility</p:attrName>
+                                        </p:attrNameLst>
+                                      </p:cBhvr>
+                                      <p:to>
+                                        <p:strVal val="visible"/>
+                                      </p:to>
+                                    </p:set>
+                                  </p:childTnLst>
+                                </p:cTn>
+                              </p:par>
+                            </p:childTnLst>
+                          </p:cTn>
+                        </p:par>
+                      </p:childTnLst>
+                    </p:cTn>
+                  </p:par>
+                  <p:par>
+                    <p:cTn id="31" fill="hold">
+                      <p:stCondLst>
+                        <p:cond delay="indefinite"/>
+                      </p:stCondLst>
+                      <p:childTnLst>
+                        <p:par>
+                          <p:cTn id="32" fill="hold">
+                            <p:stCondLst>
+                              <p:cond delay="0"/>
+                            </p:stCondLst>
+                            <p:childTnLst>
+                              <p:par>
+                                <p:cTn id="33" presetID="1" presetClass="entr" presetSubtype="0" fill="hold" nodeType="clickEffect">
+                                  <p:stCondLst>
+                                    <p:cond delay="0"/>
+                                  </p:stCondLst>
+                                  <p:childTnLst>
+                                    <p:set>
+                                      <p:cBhvr>
+                                        <p:cTn id="34" dur="1" fill="hold">
+                                          <p:stCondLst>
+                                            <p:cond delay="0"/>
+                                          </p:stCondLst>
+                                        </p:cTn>
+                                        <p:tgtEl>
+                                          <p:spTgt spid="3">
+                                            <p:txEl>
+                                              <p:pRg st="9" end="9"/>
+                                            </p:txEl>
+                                          </p:spTgt>
+                                        </p:tgtEl>
+                                        <p:attrNameLst>
+                                          <p:attrName>style.visibility</p:attrName>
+                                        </p:attrNameLst>
+                                      </p:cBhvr>
+                                      <p:to>
+                                        <p:strVal val="visible"/>
+                                      </p:to>
+                                    </p:set>
+                                  </p:childTnLst>
+                                </p:cTn>
+                              </p:par>
+                            </p:childTnLst>
+                          </p:cTn>
+                        </p:par>
+                      </p:childTnLst>
+                    </p:cTn>
+                  </p:par>
+                  <p:par>
+                    <p:cTn id="35" fill="hold">
+                      <p:stCondLst>
+                        <p:cond delay="indefinite"/>
+                      </p:stCondLst>
+                      <p:childTnLst>
+                        <p:par>
+                          <p:cTn id="36" fill="hold">
+                            <p:stCondLst>
+                              <p:cond delay="0"/>
+                            </p:stCondLst>
+                            <p:childTnLst>
+                              <p:par>
+                                <p:cTn id="37" presetID="1" presetClass="entr" presetSubtype="0" fill="hold" nodeType="clickEffect">
+                                  <p:stCondLst>
+                                    <p:cond delay="0"/>
+                                  </p:stCondLst>
+                                  <p:childTnLst>
+                                    <p:set>
+                                      <p:cBhvr>
+                                        <p:cTn id="38" dur="1" fill="hold">
+                                          <p:stCondLst>
+                                            <p:cond delay="0"/>
+                                          </p:stCondLst>
+                                        </p:cTn>
+                                        <p:tgtEl>
+                                          <p:spTgt spid="3">
+                                            <p:txEl>
+                                              <p:pRg st="10" end="10"/>
+                                            </p:txEl>
+                                          </p:spTgt>
+                                        </p:tgtEl>
+                                        <p:attrNameLst>
+                                          <p:attrName>style.visibility</p:attrName>
+                                        </p:attrNameLst>
+                                      </p:cBhvr>
+                                      <p:to>
+                                        <p:strVal val="visible"/>
+                                      </p:to>
+                                    </p:set>
+                                  </p:childTnLst>
+                                </p:cTn>
+                              </p:par>
+                            </p:childTnLst>
+                          </p:cTn>
+                        </p:par>
+                      </p:childTnLst>
+                    </p:cTn>
+                  </p:par>
+                </p:childTnLst>
+              </p:cTn>
+              <p:prevCondLst>
+                <p:cond evt="onPrev" delay="0">
+                  <p:tgtEl>
+                    <p:sldTgt/>
+                  </p:tgtEl>
+                </p:cond>
+              </p:prevCondLst>
+              <p:nextCondLst>
+                <p:cond evt="onNext" delay="0">
+                  <p:tgtEl>
+                    <p:sldTgt/>
+                  </p:tgtEl>
+                </p:cond>
+              </p:nextCondLst>
+            </p:seq>
+          </p:childTnLst>
+        </p:cTn>
+      </p:par>
+    </p:tnLst>
+  </p:timing>
+</p:sld>
+</file>
+
+<file path=ppt/slides/slide9.xml><?xml version="1.0" encoding="utf-8"?>
+<p:sld xmlns:a="http://schemas.openxmlformats.org/drawingml/2006/main" xmlns:r="http://schemas.openxmlformats.org/officeDocument/2006/relationships" xmlns:p="http://schemas.openxmlformats.org/presentationml/2006/main">
+  <p:cSld>
+    <p:spTree>
+      <p:nvGrpSpPr>
+        <p:cNvPr id="1" name=""/>
+        <p:cNvGrpSpPr/>
+        <p:nvPr/>
+      </p:nvGrpSpPr>
+      <p:grpSpPr>
+        <a:xfrm>
+          <a:off x="0" y="0"/>
+          <a:ext cx="0" cy="0"/>
+          <a:chOff x="0" y="0"/>
+          <a:chExt cx="0" cy="0"/>
+        </a:xfrm>
+      </p:grpSpPr>
+      <p:sp>
+        <p:nvSpPr>
+          <p:cNvPr id="2" name="Title 1"/>
+          <p:cNvSpPr>
+            <a:spLocks noGrp="1"/>
+          </p:cNvSpPr>
+          <p:nvPr>
+            <p:ph type="title"/>
+          </p:nvPr>
+        </p:nvSpPr>
+        <p:spPr/>
+        <p:txBody>
+          <a:bodyPr/>
+          <a:lstStyle/>
+          <a:p>
+            <a:r>
+              <a:rPr lang="en-US" dirty="0" smtClean="0"/>
+              <a:t>Bivalent Data </a:t>
+            </a:r>
+            <a:r>
+              <a:rPr lang="en-US" dirty="0"/>
+              <a:t>S</a:t>
+            </a:r>
+            <a:r>
+              <a:rPr lang="en-US" dirty="0" smtClean="0"/>
+              <a:t>ex Specific Results</a:t>
+            </a:r>
+            <a:endParaRPr lang="en-US" dirty="0"/>
+          </a:p>
+        </p:txBody>
+      </p:sp>
+      <p:sp>
+        <p:nvSpPr>
+          <p:cNvPr id="5" name="Content Placeholder 2"/>
           <p:cNvSpPr txBox="1">
             <a:spLocks/>
           </p:cNvSpPr>
@@ -7446,8 +10821,8 @@
         </p:nvSpPr>
         <p:spPr>
           <a:xfrm>
-            <a:off x="674077" y="4149969"/>
-            <a:ext cx="4278923" cy="1327883"/>
+            <a:off x="674076" y="1872517"/>
+            <a:ext cx="11194835" cy="4583147"/>
           </a:xfrm>
           <a:prstGeom prst="rect">
             <a:avLst/>
@@ -7622,184 +10997,12 @@
             </a:lvl9pPr>
           </a:lstStyle>
           <a:p>
-            <a:r>
-              <a:rPr lang="en-US" dirty="0" smtClean="0"/>
-              <a:t>But pattern clear looking at data</a:t>
-            </a:r>
-            <a:endParaRPr lang="en-US" dirty="0"/>
-          </a:p>
-        </p:txBody>
-      </p:sp>
-    </p:spTree>
-    <p:extLst>
-      <p:ext uri="{BB962C8B-B14F-4D97-AF65-F5344CB8AC3E}">
-        <p14:creationId xmlns:p14="http://schemas.microsoft.com/office/powerpoint/2010/main" val="2899814298"/>
-      </p:ext>
-    </p:extLst>
-  </p:cSld>
-  <p:clrMapOvr>
-    <a:masterClrMapping/>
-  </p:clrMapOvr>
-</p:sld>
-</file>
-
-<file path=ppt/slides/slide6.xml><?xml version="1.0" encoding="utf-8"?>
-<p:sld xmlns:a="http://schemas.openxmlformats.org/drawingml/2006/main" xmlns:r="http://schemas.openxmlformats.org/officeDocument/2006/relationships" xmlns:p="http://schemas.openxmlformats.org/presentationml/2006/main">
-  <p:cSld>
-    <p:spTree>
-      <p:nvGrpSpPr>
-        <p:cNvPr id="1" name=""/>
-        <p:cNvGrpSpPr/>
-        <p:nvPr/>
-      </p:nvGrpSpPr>
-      <p:grpSpPr>
-        <a:xfrm>
-          <a:off x="0" y="0"/>
-          <a:ext cx="0" cy="0"/>
-          <a:chOff x="0" y="0"/>
-          <a:chExt cx="0" cy="0"/>
-        </a:xfrm>
-      </p:grpSpPr>
-      <p:sp>
-        <p:nvSpPr>
-          <p:cNvPr id="2" name="Title 1"/>
-          <p:cNvSpPr>
-            <a:spLocks noGrp="1"/>
-          </p:cNvSpPr>
-          <p:nvPr>
-            <p:ph type="title"/>
-          </p:nvPr>
-        </p:nvSpPr>
-        <p:spPr/>
-        <p:txBody>
-          <a:bodyPr/>
-          <a:lstStyle/>
-          <a:p>
-            <a:r>
-              <a:rPr lang="en-US" dirty="0" smtClean="0"/>
-              <a:t>Chromosome proportions</a:t>
-            </a:r>
-            <a:endParaRPr lang="en-US" dirty="0"/>
-          </a:p>
-        </p:txBody>
-      </p:sp>
-      <p:sp>
-        <p:nvSpPr>
-          <p:cNvPr id="3" name="Content Placeholder 2"/>
-          <p:cNvSpPr>
-            <a:spLocks noGrp="1"/>
-          </p:cNvSpPr>
-          <p:nvPr>
-            <p:ph idx="1"/>
-          </p:nvPr>
-        </p:nvSpPr>
-        <p:spPr/>
-        <p:txBody>
-          <a:bodyPr/>
-          <a:lstStyle/>
-          <a:p>
-            <a:r>
-              <a:rPr lang="en-US" dirty="0" smtClean="0"/>
-              <a:t>(genome wide rate supported by chromosome level observations)</a:t>
-            </a:r>
-          </a:p>
-          <a:p>
-            <a:r>
-              <a:rPr lang="en-US" dirty="0" smtClean="0"/>
-              <a:t>(test?)</a:t>
-            </a:r>
-          </a:p>
-          <a:p>
-            <a:endParaRPr lang="en-US" dirty="0"/>
-          </a:p>
-          <a:p>
-            <a:endParaRPr lang="en-US" dirty="0"/>
-          </a:p>
-        </p:txBody>
-      </p:sp>
-    </p:spTree>
-    <p:extLst>
-      <p:ext uri="{BB962C8B-B14F-4D97-AF65-F5344CB8AC3E}">
-        <p14:creationId xmlns:p14="http://schemas.microsoft.com/office/powerpoint/2010/main" val="3788419076"/>
-      </p:ext>
-    </p:extLst>
-  </p:cSld>
-  <p:clrMapOvr>
-    <a:masterClrMapping/>
-  </p:clrMapOvr>
-  <p:timing>
-    <p:tnLst>
-      <p:par>
-        <p:cTn id="1" dur="indefinite" restart="never" nodeType="tmRoot"/>
-      </p:par>
-    </p:tnLst>
-  </p:timing>
-</p:sld>
-</file>
-
-<file path=ppt/slides/slide7.xml><?xml version="1.0" encoding="utf-8"?>
-<p:sld xmlns:a="http://schemas.openxmlformats.org/drawingml/2006/main" xmlns:r="http://schemas.openxmlformats.org/officeDocument/2006/relationships" xmlns:p="http://schemas.openxmlformats.org/presentationml/2006/main">
-  <p:cSld>
-    <p:spTree>
-      <p:nvGrpSpPr>
-        <p:cNvPr id="1" name=""/>
-        <p:cNvGrpSpPr/>
-        <p:nvPr/>
-      </p:nvGrpSpPr>
-      <p:grpSpPr>
-        <a:xfrm>
-          <a:off x="0" y="0"/>
-          <a:ext cx="0" cy="0"/>
-          <a:chOff x="0" y="0"/>
-          <a:chExt cx="0" cy="0"/>
-        </a:xfrm>
-      </p:grpSpPr>
-      <p:sp>
-        <p:nvSpPr>
-          <p:cNvPr id="2" name="Title 1"/>
-          <p:cNvSpPr>
-            <a:spLocks noGrp="1"/>
-          </p:cNvSpPr>
-          <p:nvPr>
-            <p:ph type="title"/>
-          </p:nvPr>
-        </p:nvSpPr>
-        <p:spPr/>
-        <p:txBody>
-          <a:bodyPr/>
-          <a:lstStyle/>
-          <a:p>
-            <a:r>
-              <a:rPr lang="en-US" dirty="0" smtClean="0"/>
-              <a:t>Single Bivalent patterns</a:t>
-            </a:r>
-            <a:endParaRPr lang="en-US" dirty="0"/>
-          </a:p>
-        </p:txBody>
-      </p:sp>
-      <p:sp>
-        <p:nvSpPr>
-          <p:cNvPr id="3" name="Content Placeholder 2"/>
-          <p:cNvSpPr>
-            <a:spLocks noGrp="1"/>
-          </p:cNvSpPr>
-          <p:nvPr>
-            <p:ph idx="1"/>
-          </p:nvPr>
-        </p:nvSpPr>
-        <p:spPr/>
-        <p:txBody>
-          <a:bodyPr>
-            <a:normAutofit fontScale="92500" lnSpcReduction="20000"/>
-          </a:bodyPr>
-          <a:lstStyle/>
-          <a:p>
             <a:pPr marL="0" indent="0">
               <a:buNone/>
             </a:pPr>
             <a:r>
               <a:rPr lang="en-US" dirty="0" smtClean="0"/>
-              <a:t>(example of segmented cell)</a:t>
+              <a:t>(tests used – the same mixed model)</a:t>
             </a:r>
           </a:p>
           <a:p>
@@ -7808,13 +11011,49 @@
             </a:pPr>
             <a:r>
               <a:rPr lang="en-US" dirty="0" smtClean="0"/>
-              <a:t>-BRIEF, description of data,  ()</a:t>
+              <a:t>Framework ()</a:t>
             </a:r>
           </a:p>
           <a:p>
             <a:pPr marL="0" indent="0">
               <a:buNone/>
             </a:pPr>
+            <a:r>
+              <a:rPr lang="en-US" dirty="0" smtClean="0"/>
+              <a:t>1. </a:t>
+            </a:r>
+            <a:r>
+              <a:rPr lang="en-US" dirty="0" err="1" smtClean="0"/>
+              <a:t>lme</a:t>
+            </a:r>
+            <a:r>
+              <a:rPr lang="en-US" dirty="0" smtClean="0"/>
+              <a:t>(</a:t>
+            </a:r>
+            <a:r>
+              <a:rPr lang="en-US" dirty="0" err="1" smtClean="0"/>
+              <a:t>mean_co</a:t>
+            </a:r>
+            <a:r>
+              <a:rPr lang="en-US" dirty="0" smtClean="0"/>
+              <a:t> </a:t>
+            </a:r>
+            <a:r>
+              <a:rPr lang="en-US" dirty="0"/>
+              <a:t>~ </a:t>
+            </a:r>
+            <a:r>
+              <a:rPr lang="en-US" dirty="0" err="1"/>
+              <a:t>subsp</a:t>
+            </a:r>
+            <a:r>
+              <a:rPr lang="en-US" dirty="0"/>
+              <a:t> * </a:t>
+            </a:r>
+            <a:r>
+              <a:rPr lang="en-US" dirty="0" smtClean="0"/>
+              <a:t>sex + (1|strain)</a:t>
+            </a:r>
             <a:endParaRPr lang="en-US" dirty="0" smtClean="0"/>
           </a:p>
           <a:p>
@@ -7823,941 +11062,14 @@
             </a:pPr>
             <a:r>
               <a:rPr lang="en-US" dirty="0" smtClean="0"/>
-              <a:t>Driving questions</a:t>
-            </a:r>
-            <a:endParaRPr lang="en-US" dirty="0"/>
-          </a:p>
-          <a:p>
-            <a:r>
-              <a:rPr lang="en-US" dirty="0" err="1" smtClean="0"/>
-              <a:t>i</a:t>
-            </a:r>
-            <a:r>
-              <a:rPr lang="en-US" dirty="0"/>
-              <a:t>) What are the main differences between males and </a:t>
-            </a:r>
-            <a:r>
-              <a:rPr lang="en-US" dirty="0" smtClean="0"/>
-              <a:t>females?</a:t>
-            </a:r>
-            <a:endParaRPr lang="en-US" dirty="0" smtClean="0">
-              <a:effectLst/>
-            </a:endParaRPr>
-          </a:p>
-          <a:p>
-            <a:r>
-              <a:rPr lang="en-US" dirty="0"/>
-              <a:t>ii) </a:t>
-            </a:r>
-            <a:r>
-              <a:rPr lang="en-US" dirty="0" smtClean="0"/>
-              <a:t>What </a:t>
-            </a:r>
-            <a:r>
-              <a:rPr lang="en-US" dirty="0"/>
-              <a:t>are the differences between high </a:t>
-            </a:r>
-            <a:r>
-              <a:rPr lang="en-US" dirty="0" err="1"/>
-              <a:t>musc</a:t>
-            </a:r>
-            <a:r>
-              <a:rPr lang="en-US" dirty="0"/>
-              <a:t> and low </a:t>
-            </a:r>
-            <a:r>
-              <a:rPr lang="en-US" dirty="0" err="1"/>
-              <a:t>musc</a:t>
-            </a:r>
-            <a:r>
-              <a:rPr lang="en-US" dirty="0"/>
-              <a:t> </a:t>
-            </a:r>
-            <a:r>
-              <a:rPr lang="en-US" dirty="0" smtClean="0"/>
-              <a:t>strain?</a:t>
-            </a:r>
-          </a:p>
-          <a:p>
-            <a:endParaRPr lang="en-US" dirty="0">
-              <a:effectLst/>
-            </a:endParaRPr>
-          </a:p>
-          <a:p>
-            <a:r>
-              <a:rPr lang="en-US" dirty="0"/>
-              <a:t>3 types of metrics</a:t>
-            </a:r>
-          </a:p>
-          <a:p>
-            <a:pPr lvl="1"/>
-            <a:r>
-              <a:rPr lang="en-US" dirty="0"/>
-              <a:t>1. Length of individual bivalents (SC signal) </a:t>
-            </a:r>
-          </a:p>
-          <a:p>
-            <a:pPr lvl="1"/>
-            <a:r>
-              <a:rPr lang="en-US" dirty="0"/>
-              <a:t>2. Position of single CO on a bivalent</a:t>
-            </a:r>
-          </a:p>
-          <a:p>
-            <a:pPr lvl="1"/>
-            <a:r>
-              <a:rPr lang="en-US" dirty="0"/>
-              <a:t>3. Interference strength (</a:t>
-            </a:r>
-            <a:r>
-              <a:rPr lang="en-US" dirty="0" err="1"/>
-              <a:t>interfocal</a:t>
-            </a:r>
-            <a:r>
-              <a:rPr lang="en-US" dirty="0"/>
-              <a:t> distance</a:t>
-            </a:r>
-            <a:r>
-              <a:rPr lang="en-US" dirty="0" smtClean="0"/>
-              <a:t>)</a:t>
-            </a:r>
-            <a:endParaRPr lang="en-US" dirty="0"/>
-          </a:p>
-        </p:txBody>
-      </p:sp>
-    </p:spTree>
-    <p:extLst>
-      <p:ext uri="{BB962C8B-B14F-4D97-AF65-F5344CB8AC3E}">
-        <p14:creationId xmlns:p14="http://schemas.microsoft.com/office/powerpoint/2010/main" val="2833730430"/>
-      </p:ext>
-    </p:extLst>
-  </p:cSld>
-  <p:clrMapOvr>
-    <a:masterClrMapping/>
-  </p:clrMapOvr>
-  <p:timing>
-    <p:tnLst>
-      <p:par>
-        <p:cTn id="1" dur="indefinite" restart="never" nodeType="tmRoot">
-          <p:childTnLst>
-            <p:seq concurrent="1" nextAc="seek">
-              <p:cTn id="2" dur="indefinite" nodeType="mainSeq">
-                <p:childTnLst>
-                  <p:par>
-                    <p:cTn id="3" fill="hold">
-                      <p:stCondLst>
-                        <p:cond delay="indefinite"/>
-                      </p:stCondLst>
-                      <p:childTnLst>
-                        <p:par>
-                          <p:cTn id="4" fill="hold">
-                            <p:stCondLst>
-                              <p:cond delay="0"/>
-                            </p:stCondLst>
-                            <p:childTnLst>
-                              <p:par>
-                                <p:cTn id="5" presetID="1" presetClass="entr" presetSubtype="0" fill="hold" nodeType="clickEffect">
-                                  <p:stCondLst>
-                                    <p:cond delay="0"/>
-                                  </p:stCondLst>
-                                  <p:childTnLst>
-                                    <p:set>
-                                      <p:cBhvr>
-                                        <p:cTn id="6" dur="1" fill="hold">
-                                          <p:stCondLst>
-                                            <p:cond delay="0"/>
-                                          </p:stCondLst>
-                                        </p:cTn>
-                                        <p:tgtEl>
-                                          <p:spTgt spid="3">
-                                            <p:txEl>
-                                              <p:pRg st="3" end="3"/>
-                                            </p:txEl>
-                                          </p:spTgt>
-                                        </p:tgtEl>
-                                        <p:attrNameLst>
-                                          <p:attrName>style.visibility</p:attrName>
-                                        </p:attrNameLst>
-                                      </p:cBhvr>
-                                      <p:to>
-                                        <p:strVal val="visible"/>
-                                      </p:to>
-                                    </p:set>
-                                  </p:childTnLst>
-                                </p:cTn>
-                              </p:par>
-                            </p:childTnLst>
-                          </p:cTn>
-                        </p:par>
-                      </p:childTnLst>
-                    </p:cTn>
-                  </p:par>
-                  <p:par>
-                    <p:cTn id="7" fill="hold">
-                      <p:stCondLst>
-                        <p:cond delay="indefinite"/>
-                      </p:stCondLst>
-                      <p:childTnLst>
-                        <p:par>
-                          <p:cTn id="8" fill="hold">
-                            <p:stCondLst>
-                              <p:cond delay="0"/>
-                            </p:stCondLst>
-                            <p:childTnLst>
-                              <p:par>
-                                <p:cTn id="9" presetID="1" presetClass="entr" presetSubtype="0" fill="hold" nodeType="clickEffect">
-                                  <p:stCondLst>
-                                    <p:cond delay="0"/>
-                                  </p:stCondLst>
-                                  <p:iterate type="lt">
-                                    <p:tmAbs val="0"/>
-                                  </p:iterate>
-                                  <p:childTnLst>
-                                    <p:set>
-                                      <p:cBhvr>
-                                        <p:cTn id="10" dur="1" fill="hold">
-                                          <p:stCondLst>
-                                            <p:cond delay="0"/>
-                                          </p:stCondLst>
-                                        </p:cTn>
-                                        <p:tgtEl>
-                                          <p:spTgt spid="3">
-                                            <p:txEl>
-                                              <p:pRg st="4" end="4"/>
-                                            </p:txEl>
-                                          </p:spTgt>
-                                        </p:tgtEl>
-                                        <p:attrNameLst>
-                                          <p:attrName>style.visibility</p:attrName>
-                                        </p:attrNameLst>
-                                      </p:cBhvr>
-                                      <p:to>
-                                        <p:strVal val="visible"/>
-                                      </p:to>
-                                    </p:set>
-                                  </p:childTnLst>
-                                </p:cTn>
-                              </p:par>
-                            </p:childTnLst>
-                          </p:cTn>
-                        </p:par>
-                      </p:childTnLst>
-                    </p:cTn>
-                  </p:par>
-                  <p:par>
-                    <p:cTn id="11" fill="hold">
-                      <p:stCondLst>
-                        <p:cond delay="indefinite"/>
-                      </p:stCondLst>
-                      <p:childTnLst>
-                        <p:par>
-                          <p:cTn id="12" fill="hold">
-                            <p:stCondLst>
-                              <p:cond delay="0"/>
-                            </p:stCondLst>
-                            <p:childTnLst>
-                              <p:par>
-                                <p:cTn id="13" presetID="1" presetClass="entr" presetSubtype="0" fill="hold" nodeType="clickEffect">
-                                  <p:stCondLst>
-                                    <p:cond delay="0"/>
-                                  </p:stCondLst>
-                                  <p:childTnLst>
-                                    <p:set>
-                                      <p:cBhvr>
-                                        <p:cTn id="14" dur="1" fill="hold">
-                                          <p:stCondLst>
-                                            <p:cond delay="0"/>
-                                          </p:stCondLst>
-                                        </p:cTn>
-                                        <p:tgtEl>
-                                          <p:spTgt spid="3">
-                                            <p:txEl>
-                                              <p:pRg st="5" end="5"/>
-                                            </p:txEl>
-                                          </p:spTgt>
-                                        </p:tgtEl>
-                                        <p:attrNameLst>
-                                          <p:attrName>style.visibility</p:attrName>
-                                        </p:attrNameLst>
-                                      </p:cBhvr>
-                                      <p:to>
-                                        <p:strVal val="visible"/>
-                                      </p:to>
-                                    </p:set>
-                                  </p:childTnLst>
-                                </p:cTn>
-                              </p:par>
-                            </p:childTnLst>
-                          </p:cTn>
-                        </p:par>
-                      </p:childTnLst>
-                    </p:cTn>
-                  </p:par>
-                  <p:par>
-                    <p:cTn id="15" fill="hold">
-                      <p:stCondLst>
-                        <p:cond delay="indefinite"/>
-                      </p:stCondLst>
-                      <p:childTnLst>
-                        <p:par>
-                          <p:cTn id="16" fill="hold">
-                            <p:stCondLst>
-                              <p:cond delay="0"/>
-                            </p:stCondLst>
-                            <p:childTnLst>
-                              <p:par>
-                                <p:cTn id="17" presetID="1" presetClass="entr" presetSubtype="0" fill="hold" nodeType="clickEffect">
-                                  <p:stCondLst>
-                                    <p:cond delay="0"/>
-                                  </p:stCondLst>
-                                  <p:childTnLst>
-                                    <p:set>
-                                      <p:cBhvr>
-                                        <p:cTn id="18" dur="1" fill="hold">
-                                          <p:stCondLst>
-                                            <p:cond delay="0"/>
-                                          </p:stCondLst>
-                                        </p:cTn>
-                                        <p:tgtEl>
-                                          <p:spTgt spid="3">
-                                            <p:txEl>
-                                              <p:pRg st="7" end="7"/>
-                                            </p:txEl>
-                                          </p:spTgt>
-                                        </p:tgtEl>
-                                        <p:attrNameLst>
-                                          <p:attrName>style.visibility</p:attrName>
-                                        </p:attrNameLst>
-                                      </p:cBhvr>
-                                      <p:to>
-                                        <p:strVal val="visible"/>
-                                      </p:to>
-                                    </p:set>
-                                  </p:childTnLst>
-                                </p:cTn>
-                              </p:par>
-                            </p:childTnLst>
-                          </p:cTn>
-                        </p:par>
-                      </p:childTnLst>
-                    </p:cTn>
-                  </p:par>
-                  <p:par>
-                    <p:cTn id="19" fill="hold">
-                      <p:stCondLst>
-                        <p:cond delay="indefinite"/>
-                      </p:stCondLst>
-                      <p:childTnLst>
-                        <p:par>
-                          <p:cTn id="20" fill="hold">
-                            <p:stCondLst>
-                              <p:cond delay="0"/>
-                            </p:stCondLst>
-                            <p:childTnLst>
-                              <p:par>
-                                <p:cTn id="21" presetID="1" presetClass="entr" presetSubtype="0" fill="hold" nodeType="clickEffect">
-                                  <p:stCondLst>
-                                    <p:cond delay="0"/>
-                                  </p:stCondLst>
-                                  <p:childTnLst>
-                                    <p:set>
-                                      <p:cBhvr>
-                                        <p:cTn id="22" dur="1" fill="hold">
-                                          <p:stCondLst>
-                                            <p:cond delay="0"/>
-                                          </p:stCondLst>
-                                        </p:cTn>
-                                        <p:tgtEl>
-                                          <p:spTgt spid="3">
-                                            <p:txEl>
-                                              <p:pRg st="8" end="8"/>
-                                            </p:txEl>
-                                          </p:spTgt>
-                                        </p:tgtEl>
-                                        <p:attrNameLst>
-                                          <p:attrName>style.visibility</p:attrName>
-                                        </p:attrNameLst>
-                                      </p:cBhvr>
-                                      <p:to>
-                                        <p:strVal val="visible"/>
-                                      </p:to>
-                                    </p:set>
-                                  </p:childTnLst>
-                                </p:cTn>
-                              </p:par>
-                            </p:childTnLst>
-                          </p:cTn>
-                        </p:par>
-                      </p:childTnLst>
-                    </p:cTn>
-                  </p:par>
-                  <p:par>
-                    <p:cTn id="23" fill="hold">
-                      <p:stCondLst>
-                        <p:cond delay="indefinite"/>
-                      </p:stCondLst>
-                      <p:childTnLst>
-                        <p:par>
-                          <p:cTn id="24" fill="hold">
-                            <p:stCondLst>
-                              <p:cond delay="0"/>
-                            </p:stCondLst>
-                            <p:childTnLst>
-                              <p:par>
-                                <p:cTn id="25" presetID="1" presetClass="entr" presetSubtype="0" fill="hold" nodeType="clickEffect">
-                                  <p:stCondLst>
-                                    <p:cond delay="0"/>
-                                  </p:stCondLst>
-                                  <p:childTnLst>
-                                    <p:set>
-                                      <p:cBhvr>
-                                        <p:cTn id="26" dur="1" fill="hold">
-                                          <p:stCondLst>
-                                            <p:cond delay="0"/>
-                                          </p:stCondLst>
-                                        </p:cTn>
-                                        <p:tgtEl>
-                                          <p:spTgt spid="3">
-                                            <p:txEl>
-                                              <p:pRg st="9" end="9"/>
-                                            </p:txEl>
-                                          </p:spTgt>
-                                        </p:tgtEl>
-                                        <p:attrNameLst>
-                                          <p:attrName>style.visibility</p:attrName>
-                                        </p:attrNameLst>
-                                      </p:cBhvr>
-                                      <p:to>
-                                        <p:strVal val="visible"/>
-                                      </p:to>
-                                    </p:set>
-                                  </p:childTnLst>
-                                </p:cTn>
-                              </p:par>
-                            </p:childTnLst>
-                          </p:cTn>
-                        </p:par>
-                      </p:childTnLst>
-                    </p:cTn>
-                  </p:par>
-                  <p:par>
-                    <p:cTn id="27" fill="hold">
-                      <p:stCondLst>
-                        <p:cond delay="indefinite"/>
-                      </p:stCondLst>
-                      <p:childTnLst>
-                        <p:par>
-                          <p:cTn id="28" fill="hold">
-                            <p:stCondLst>
-                              <p:cond delay="0"/>
-                            </p:stCondLst>
-                            <p:childTnLst>
-                              <p:par>
-                                <p:cTn id="29" presetID="1" presetClass="entr" presetSubtype="0" fill="hold" nodeType="clickEffect">
-                                  <p:stCondLst>
-                                    <p:cond delay="0"/>
-                                  </p:stCondLst>
-                                  <p:childTnLst>
-                                    <p:set>
-                                      <p:cBhvr>
-                                        <p:cTn id="30" dur="1" fill="hold">
-                                          <p:stCondLst>
-                                            <p:cond delay="0"/>
-                                          </p:stCondLst>
-                                        </p:cTn>
-                                        <p:tgtEl>
-                                          <p:spTgt spid="3">
-                                            <p:txEl>
-                                              <p:pRg st="10" end="10"/>
-                                            </p:txEl>
-                                          </p:spTgt>
-                                        </p:tgtEl>
-                                        <p:attrNameLst>
-                                          <p:attrName>style.visibility</p:attrName>
-                                        </p:attrNameLst>
-                                      </p:cBhvr>
-                                      <p:to>
-                                        <p:strVal val="visible"/>
-                                      </p:to>
-                                    </p:set>
-                                  </p:childTnLst>
-                                </p:cTn>
-                              </p:par>
-                            </p:childTnLst>
-                          </p:cTn>
-                        </p:par>
-                      </p:childTnLst>
-                    </p:cTn>
-                  </p:par>
-                  <p:par>
-                    <p:cTn id="31" fill="hold">
-                      <p:stCondLst>
-                        <p:cond delay="indefinite"/>
-                      </p:stCondLst>
-                      <p:childTnLst>
-                        <p:par>
-                          <p:cTn id="32" fill="hold">
-                            <p:stCondLst>
-                              <p:cond delay="0"/>
-                            </p:stCondLst>
-                            <p:childTnLst>
-                              <p:par>
-                                <p:cTn id="33" presetID="18" presetClass="emph" presetSubtype="0" fill="hold" nodeType="clickEffect">
-                                  <p:stCondLst>
-                                    <p:cond delay="0"/>
-                                  </p:stCondLst>
-                                  <p:iterate type="lt">
-                                    <p:tmPct val="4000"/>
-                                  </p:iterate>
-                                  <p:childTnLst>
-                                    <p:set>
-                                      <p:cBhvr override="childStyle">
-                                        <p:cTn id="34" dur="500" fill="hold"/>
-                                        <p:tgtEl>
-                                          <p:spTgt spid="3">
-                                            <p:txEl>
-                                              <p:pRg st="4" end="4"/>
-                                            </p:txEl>
-                                          </p:spTgt>
-                                        </p:tgtEl>
-                                        <p:attrNameLst>
-                                          <p:attrName>style.textDecorationUnderline</p:attrName>
-                                        </p:attrNameLst>
-                                      </p:cBhvr>
-                                      <p:to>
-                                        <p:strVal val="true"/>
-                                      </p:to>
-                                    </p:set>
-                                  </p:childTnLst>
-                                </p:cTn>
-                              </p:par>
-                            </p:childTnLst>
-                          </p:cTn>
-                        </p:par>
-                      </p:childTnLst>
-                    </p:cTn>
-                  </p:par>
-                </p:childTnLst>
-              </p:cTn>
-              <p:prevCondLst>
-                <p:cond evt="onPrev" delay="0">
-                  <p:tgtEl>
-                    <p:sldTgt/>
-                  </p:tgtEl>
-                </p:cond>
-              </p:prevCondLst>
-              <p:nextCondLst>
-                <p:cond evt="onNext" delay="0">
-                  <p:tgtEl>
-                    <p:sldTgt/>
-                  </p:tgtEl>
-                </p:cond>
-              </p:nextCondLst>
-            </p:seq>
-          </p:childTnLst>
-        </p:cTn>
-      </p:par>
-    </p:tnLst>
-  </p:timing>
-</p:sld>
-</file>
-
-<file path=ppt/slides/slide8.xml><?xml version="1.0" encoding="utf-8"?>
-<p:sld xmlns:a="http://schemas.openxmlformats.org/drawingml/2006/main" xmlns:r="http://schemas.openxmlformats.org/officeDocument/2006/relationships" xmlns:p="http://schemas.openxmlformats.org/presentationml/2006/main">
-  <p:cSld>
-    <p:spTree>
-      <p:nvGrpSpPr>
-        <p:cNvPr id="1" name=""/>
-        <p:cNvGrpSpPr/>
-        <p:nvPr/>
-      </p:nvGrpSpPr>
-      <p:grpSpPr>
-        <a:xfrm>
-          <a:off x="0" y="0"/>
-          <a:ext cx="0" cy="0"/>
-          <a:chOff x="0" y="0"/>
-          <a:chExt cx="0" cy="0"/>
-        </a:xfrm>
-      </p:grpSpPr>
-      <p:sp>
-        <p:nvSpPr>
-          <p:cNvPr id="2" name="Title 1"/>
-          <p:cNvSpPr>
-            <a:spLocks noGrp="1"/>
-          </p:cNvSpPr>
-          <p:nvPr>
-            <p:ph type="title"/>
-          </p:nvPr>
-        </p:nvSpPr>
-        <p:spPr/>
-        <p:txBody>
-          <a:bodyPr/>
-          <a:lstStyle/>
-          <a:p>
-            <a:r>
-              <a:rPr lang="en-US" dirty="0"/>
-              <a:t>Predictions for differences between sexes</a:t>
-            </a:r>
-          </a:p>
-        </p:txBody>
-      </p:sp>
-      <p:sp>
-        <p:nvSpPr>
-          <p:cNvPr id="3" name="Content Placeholder 2"/>
-          <p:cNvSpPr>
-            <a:spLocks noGrp="1"/>
-          </p:cNvSpPr>
-          <p:nvPr>
-            <p:ph idx="1"/>
-          </p:nvPr>
-        </p:nvSpPr>
-        <p:spPr/>
-        <p:txBody>
-          <a:bodyPr/>
-          <a:lstStyle/>
-          <a:p>
-            <a:r>
-              <a:rPr lang="en-US" dirty="0" smtClean="0"/>
-              <a:t>Predictions</a:t>
-            </a:r>
-          </a:p>
-          <a:p>
-            <a:r>
-              <a:rPr lang="en-US" dirty="0" smtClean="0"/>
-              <a:t>1.</a:t>
-            </a:r>
-            <a:r>
-              <a:rPr lang="en-US" b="1" i="1" dirty="0"/>
-              <a:t> SC length will be sexually dimorphic</a:t>
-            </a:r>
-            <a:endParaRPr lang="en-US" dirty="0" smtClean="0"/>
-          </a:p>
-          <a:p>
-            <a:r>
-              <a:rPr lang="en-US" dirty="0" smtClean="0"/>
-              <a:t>2. </a:t>
-            </a:r>
-            <a:r>
-              <a:rPr lang="en-US" b="1" i="1" dirty="0" smtClean="0">
-                <a:effectLst/>
-              </a:rPr>
-              <a:t>1CO normalized positions will be sexually dimorphic</a:t>
-            </a:r>
-            <a:endParaRPr lang="en-US" dirty="0" smtClean="0"/>
-          </a:p>
-          <a:p>
-            <a:r>
-              <a:rPr lang="en-US" dirty="0" smtClean="0"/>
-              <a:t>3. </a:t>
-            </a:r>
-            <a:r>
-              <a:rPr lang="en-US" b="1" i="1" dirty="0"/>
-              <a:t>No </a:t>
-            </a:r>
-            <a:r>
-              <a:rPr lang="en-US" b="1" i="1" dirty="0" smtClean="0"/>
-              <a:t>difference </a:t>
-            </a:r>
-            <a:r>
-              <a:rPr lang="en-US" b="1" i="1" dirty="0"/>
-              <a:t>in physical distance between foci on the </a:t>
-            </a:r>
-            <a:r>
-              <a:rPr lang="en-US" b="1" i="1" dirty="0" smtClean="0"/>
-              <a:t>same bivalent.</a:t>
-            </a:r>
-          </a:p>
-          <a:p>
-            <a:endParaRPr lang="en-US" b="1" i="1" dirty="0"/>
-          </a:p>
-          <a:p>
-            <a:endParaRPr lang="en-US" b="1" i="1" dirty="0" smtClean="0"/>
+              <a:t>2. lm( mouse av. metric) ~ sex * strain</a:t>
+            </a:r>
           </a:p>
           <a:p>
             <a:pPr marL="0" indent="0">
               <a:buNone/>
             </a:pPr>
-            <a:r>
-              <a:rPr lang="en-US" dirty="0" smtClean="0"/>
-              <a:t>*Cite </a:t>
-            </a:r>
-            <a:r>
-              <a:rPr lang="en-US" dirty="0" err="1" smtClean="0"/>
-              <a:t>DeBoer</a:t>
-            </a:r>
-            <a:r>
-              <a:rPr lang="en-US" dirty="0" smtClean="0"/>
-              <a:t> – CO interference (mediated thru SC) thought to be conserved / within species (in the physical scale)</a:t>
-            </a:r>
             <a:endParaRPr lang="en-US" dirty="0"/>
-          </a:p>
-        </p:txBody>
-      </p:sp>
-    </p:spTree>
-    <p:extLst>
-      <p:ext uri="{BB962C8B-B14F-4D97-AF65-F5344CB8AC3E}">
-        <p14:creationId xmlns:p14="http://schemas.microsoft.com/office/powerpoint/2010/main" val="1500836117"/>
-      </p:ext>
-    </p:extLst>
-  </p:cSld>
-  <p:clrMapOvr>
-    <a:masterClrMapping/>
-  </p:clrMapOvr>
-  <p:timing>
-    <p:tnLst>
-      <p:par>
-        <p:cTn id="1" dur="indefinite" restart="never" nodeType="tmRoot"/>
-      </p:par>
-    </p:tnLst>
-  </p:timing>
-</p:sld>
-</file>
-
-<file path=ppt/slides/slide9.xml><?xml version="1.0" encoding="utf-8"?>
-<p:sld xmlns:a="http://schemas.openxmlformats.org/drawingml/2006/main" xmlns:r="http://schemas.openxmlformats.org/officeDocument/2006/relationships" xmlns:p="http://schemas.openxmlformats.org/presentationml/2006/main">
-  <p:cSld>
-    <p:spTree>
-      <p:nvGrpSpPr>
-        <p:cNvPr id="1" name=""/>
-        <p:cNvGrpSpPr/>
-        <p:nvPr/>
-      </p:nvGrpSpPr>
-      <p:grpSpPr>
-        <a:xfrm>
-          <a:off x="0" y="0"/>
-          <a:ext cx="0" cy="0"/>
-          <a:chOff x="0" y="0"/>
-          <a:chExt cx="0" cy="0"/>
-        </a:xfrm>
-      </p:grpSpPr>
-      <p:sp>
-        <p:nvSpPr>
-          <p:cNvPr id="2" name="Title 1"/>
-          <p:cNvSpPr>
-            <a:spLocks noGrp="1"/>
-          </p:cNvSpPr>
-          <p:nvPr>
-            <p:ph type="title"/>
-          </p:nvPr>
-        </p:nvSpPr>
-        <p:spPr/>
-        <p:txBody>
-          <a:bodyPr/>
-          <a:lstStyle/>
-          <a:p>
-            <a:r>
-              <a:rPr lang="en-US" dirty="0" err="1" smtClean="0"/>
-              <a:t>BivData</a:t>
-            </a:r>
-            <a:r>
-              <a:rPr lang="en-US" dirty="0" smtClean="0"/>
-              <a:t> </a:t>
-            </a:r>
-            <a:r>
-              <a:rPr lang="en-US" dirty="0"/>
-              <a:t>S</a:t>
-            </a:r>
-            <a:r>
-              <a:rPr lang="en-US" dirty="0" smtClean="0"/>
-              <a:t>ex Specific Results</a:t>
-            </a:r>
-            <a:endParaRPr lang="en-US" dirty="0"/>
-          </a:p>
-        </p:txBody>
-      </p:sp>
-      <p:sp>
-        <p:nvSpPr>
-          <p:cNvPr id="5" name="Content Placeholder 2"/>
-          <p:cNvSpPr txBox="1">
-            <a:spLocks/>
-          </p:cNvSpPr>
-          <p:nvPr/>
-        </p:nvSpPr>
-        <p:spPr>
-          <a:xfrm>
-            <a:off x="674077" y="1872517"/>
-            <a:ext cx="10515600" cy="2775683"/>
-          </a:xfrm>
-          <a:prstGeom prst="rect">
-            <a:avLst/>
-          </a:prstGeom>
-        </p:spPr>
-        <p:txBody>
-          <a:bodyPr vert="horz" lIns="91440" tIns="45720" rIns="91440" bIns="45720" rtlCol="0">
-            <a:normAutofit lnSpcReduction="10000"/>
-          </a:bodyPr>
-          <a:lstStyle>
-            <a:lvl1pPr marL="228600" indent="-228600" algn="l" defTabSz="914400" rtl="0" eaLnBrk="1" latinLnBrk="0" hangingPunct="1">
-              <a:lnSpc>
-                <a:spcPct val="90000"/>
-              </a:lnSpc>
-              <a:spcBef>
-                <a:spcPts val="1000"/>
-              </a:spcBef>
-              <a:buFont typeface="Arial" panose="020B0604020202020204" pitchFamily="34" charset="0"/>
-              <a:buChar char="•"/>
-              <a:defRPr sz="2800" kern="1200">
-                <a:solidFill>
-                  <a:schemeClr val="tx1"/>
-                </a:solidFill>
-                <a:latin typeface="+mn-lt"/>
-                <a:ea typeface="+mn-ea"/>
-                <a:cs typeface="+mn-cs"/>
-              </a:defRPr>
-            </a:lvl1pPr>
-            <a:lvl2pPr marL="685800" indent="-228600" algn="l" defTabSz="914400" rtl="0" eaLnBrk="1" latinLnBrk="0" hangingPunct="1">
-              <a:lnSpc>
-                <a:spcPct val="90000"/>
-              </a:lnSpc>
-              <a:spcBef>
-                <a:spcPts val="500"/>
-              </a:spcBef>
-              <a:buFont typeface="Arial" panose="020B0604020202020204" pitchFamily="34" charset="0"/>
-              <a:buChar char="•"/>
-              <a:defRPr sz="2400" kern="1200">
-                <a:solidFill>
-                  <a:schemeClr val="tx1"/>
-                </a:solidFill>
-                <a:latin typeface="+mn-lt"/>
-                <a:ea typeface="+mn-ea"/>
-                <a:cs typeface="+mn-cs"/>
-              </a:defRPr>
-            </a:lvl2pPr>
-            <a:lvl3pPr marL="1143000" indent="-228600" algn="l" defTabSz="914400" rtl="0" eaLnBrk="1" latinLnBrk="0" hangingPunct="1">
-              <a:lnSpc>
-                <a:spcPct val="90000"/>
-              </a:lnSpc>
-              <a:spcBef>
-                <a:spcPts val="500"/>
-              </a:spcBef>
-              <a:buFont typeface="Arial" panose="020B0604020202020204" pitchFamily="34" charset="0"/>
-              <a:buChar char="•"/>
-              <a:defRPr sz="2000" kern="1200">
-                <a:solidFill>
-                  <a:schemeClr val="tx1"/>
-                </a:solidFill>
-                <a:latin typeface="+mn-lt"/>
-                <a:ea typeface="+mn-ea"/>
-                <a:cs typeface="+mn-cs"/>
-              </a:defRPr>
-            </a:lvl3pPr>
-            <a:lvl4pPr marL="1600200" indent="-228600" algn="l" defTabSz="914400" rtl="0" eaLnBrk="1" latinLnBrk="0" hangingPunct="1">
-              <a:lnSpc>
-                <a:spcPct val="90000"/>
-              </a:lnSpc>
-              <a:spcBef>
-                <a:spcPts val="500"/>
-              </a:spcBef>
-              <a:buFont typeface="Arial" panose="020B0604020202020204" pitchFamily="34" charset="0"/>
-              <a:buChar char="•"/>
-              <a:defRPr sz="1800" kern="1200">
-                <a:solidFill>
-                  <a:schemeClr val="tx1"/>
-                </a:solidFill>
-                <a:latin typeface="+mn-lt"/>
-                <a:ea typeface="+mn-ea"/>
-                <a:cs typeface="+mn-cs"/>
-              </a:defRPr>
-            </a:lvl4pPr>
-            <a:lvl5pPr marL="2057400" indent="-228600" algn="l" defTabSz="914400" rtl="0" eaLnBrk="1" latinLnBrk="0" hangingPunct="1">
-              <a:lnSpc>
-                <a:spcPct val="90000"/>
-              </a:lnSpc>
-              <a:spcBef>
-                <a:spcPts val="500"/>
-              </a:spcBef>
-              <a:buFont typeface="Arial" panose="020B0604020202020204" pitchFamily="34" charset="0"/>
-              <a:buChar char="•"/>
-              <a:defRPr sz="1800" kern="1200">
-                <a:solidFill>
-                  <a:schemeClr val="tx1"/>
-                </a:solidFill>
-                <a:latin typeface="+mn-lt"/>
-                <a:ea typeface="+mn-ea"/>
-                <a:cs typeface="+mn-cs"/>
-              </a:defRPr>
-            </a:lvl5pPr>
-            <a:lvl6pPr marL="2514600" indent="-228600" algn="l" defTabSz="914400" rtl="0" eaLnBrk="1" latinLnBrk="0" hangingPunct="1">
-              <a:lnSpc>
-                <a:spcPct val="90000"/>
-              </a:lnSpc>
-              <a:spcBef>
-                <a:spcPts val="500"/>
-              </a:spcBef>
-              <a:buFont typeface="Arial" panose="020B0604020202020204" pitchFamily="34" charset="0"/>
-              <a:buChar char="•"/>
-              <a:defRPr sz="1800" kern="1200">
-                <a:solidFill>
-                  <a:schemeClr val="tx1"/>
-                </a:solidFill>
-                <a:latin typeface="+mn-lt"/>
-                <a:ea typeface="+mn-ea"/>
-                <a:cs typeface="+mn-cs"/>
-              </a:defRPr>
-            </a:lvl6pPr>
-            <a:lvl7pPr marL="2971800" indent="-228600" algn="l" defTabSz="914400" rtl="0" eaLnBrk="1" latinLnBrk="0" hangingPunct="1">
-              <a:lnSpc>
-                <a:spcPct val="90000"/>
-              </a:lnSpc>
-              <a:spcBef>
-                <a:spcPts val="500"/>
-              </a:spcBef>
-              <a:buFont typeface="Arial" panose="020B0604020202020204" pitchFamily="34" charset="0"/>
-              <a:buChar char="•"/>
-              <a:defRPr sz="1800" kern="1200">
-                <a:solidFill>
-                  <a:schemeClr val="tx1"/>
-                </a:solidFill>
-                <a:latin typeface="+mn-lt"/>
-                <a:ea typeface="+mn-ea"/>
-                <a:cs typeface="+mn-cs"/>
-              </a:defRPr>
-            </a:lvl7pPr>
-            <a:lvl8pPr marL="3429000" indent="-228600" algn="l" defTabSz="914400" rtl="0" eaLnBrk="1" latinLnBrk="0" hangingPunct="1">
-              <a:lnSpc>
-                <a:spcPct val="90000"/>
-              </a:lnSpc>
-              <a:spcBef>
-                <a:spcPts val="500"/>
-              </a:spcBef>
-              <a:buFont typeface="Arial" panose="020B0604020202020204" pitchFamily="34" charset="0"/>
-              <a:buChar char="•"/>
-              <a:defRPr sz="1800" kern="1200">
-                <a:solidFill>
-                  <a:schemeClr val="tx1"/>
-                </a:solidFill>
-                <a:latin typeface="+mn-lt"/>
-                <a:ea typeface="+mn-ea"/>
-                <a:cs typeface="+mn-cs"/>
-              </a:defRPr>
-            </a:lvl8pPr>
-            <a:lvl9pPr marL="3886200" indent="-228600" algn="l" defTabSz="914400" rtl="0" eaLnBrk="1" latinLnBrk="0" hangingPunct="1">
-              <a:lnSpc>
-                <a:spcPct val="90000"/>
-              </a:lnSpc>
-              <a:spcBef>
-                <a:spcPts val="500"/>
-              </a:spcBef>
-              <a:buFont typeface="Arial" panose="020B0604020202020204" pitchFamily="34" charset="0"/>
-              <a:buChar char="•"/>
-              <a:defRPr sz="1800" kern="1200">
-                <a:solidFill>
-                  <a:schemeClr val="tx1"/>
-                </a:solidFill>
-                <a:latin typeface="+mn-lt"/>
-                <a:ea typeface="+mn-ea"/>
-                <a:cs typeface="+mn-cs"/>
-              </a:defRPr>
-            </a:lvl9pPr>
-          </a:lstStyle>
-          <a:p>
-            <a:pPr marL="0" indent="0">
-              <a:buNone/>
-            </a:pPr>
-            <a:r>
-              <a:rPr lang="en-US" dirty="0" smtClean="0"/>
-              <a:t>(tests used – the same mixed model)</a:t>
-            </a:r>
           </a:p>
           <a:p>
             <a:pPr marL="0" indent="0">
@@ -8823,14 +11135,14 @@
           <p:nvPr/>
         </p:nvPicPr>
         <p:blipFill>
-          <a:blip r:embed="rId2"/>
+          <a:blip r:embed="rId3"/>
           <a:stretch>
             <a:fillRect/>
           </a:stretch>
         </p:blipFill>
         <p:spPr>
           <a:xfrm>
-            <a:off x="6743699" y="2615429"/>
+            <a:off x="7998228" y="4712218"/>
             <a:ext cx="628650" cy="590550"/>
           </a:xfrm>
           <a:prstGeom prst="rect">
@@ -8847,14 +11159,14 @@
           <p:nvPr/>
         </p:nvPicPr>
         <p:blipFill>
-          <a:blip r:embed="rId2"/>
+          <a:blip r:embed="rId3"/>
           <a:stretch>
             <a:fillRect/>
           </a:stretch>
         </p:blipFill>
         <p:spPr>
           <a:xfrm>
-            <a:off x="9025324" y="3091543"/>
+            <a:off x="10279853" y="5188332"/>
             <a:ext cx="628650" cy="590550"/>
           </a:xfrm>
           <a:prstGeom prst="rect">
@@ -8871,14 +11183,14 @@
           <p:nvPr/>
         </p:nvPicPr>
         <p:blipFill>
-          <a:blip r:embed="rId3"/>
+          <a:blip r:embed="rId4"/>
           <a:stretch>
             <a:fillRect/>
           </a:stretch>
         </p:blipFill>
         <p:spPr>
           <a:xfrm>
-            <a:off x="10151076" y="3835854"/>
+            <a:off x="11405605" y="5932643"/>
             <a:ext cx="926611" cy="704850"/>
           </a:xfrm>
           <a:prstGeom prst="rect">

--- a/AP_labMeeting_2.12.20.pptx
+++ b/AP_labMeeting_2.12.20.pptx
@@ -9774,11 +9774,7 @@
           <a:p>
             <a:r>
               <a:rPr lang="en-US" dirty="0" smtClean="0"/>
-              <a:t>Chi square test ?  </a:t>
-            </a:r>
-            <a:r>
-              <a:rPr lang="en-US" smtClean="0"/>
-              <a:t>Not done yet </a:t>
+              <a:t>Chi square test ?  Not done yet </a:t>
             </a:r>
             <a:endParaRPr lang="en-US" dirty="0"/>
           </a:p>

--- a/AP_labMeeting_2.12.20.pptx
+++ b/AP_labMeeting_2.12.20.pptx
@@ -5,7 +5,7 @@
     <p:sldMasterId id="2147483648" r:id="rId1"/>
   </p:sldMasterIdLst>
   <p:notesMasterIdLst>
-    <p:notesMasterId r:id="rId20"/>
+    <p:notesMasterId r:id="rId21"/>
   </p:notesMasterIdLst>
   <p:sldIdLst>
     <p:sldId id="256" r:id="rId2"/>
@@ -21,11 +21,12 @@
     <p:sldId id="273" r:id="rId12"/>
     <p:sldId id="274" r:id="rId13"/>
     <p:sldId id="260" r:id="rId14"/>
-    <p:sldId id="272" r:id="rId15"/>
-    <p:sldId id="269" r:id="rId16"/>
-    <p:sldId id="270" r:id="rId17"/>
-    <p:sldId id="266" r:id="rId18"/>
-    <p:sldId id="268" r:id="rId19"/>
+    <p:sldId id="279" r:id="rId15"/>
+    <p:sldId id="272" r:id="rId16"/>
+    <p:sldId id="269" r:id="rId17"/>
+    <p:sldId id="270" r:id="rId18"/>
+    <p:sldId id="266" r:id="rId19"/>
+    <p:sldId id="268" r:id="rId20"/>
   </p:sldIdLst>
   <p:sldSz cx="12192000" cy="6858000"/>
   <p:notesSz cx="6858000" cy="9144000"/>
@@ -214,7 +215,7 @@
           <a:p>
             <a:fld id="{582DA5D2-0B3C-4799-B633-4F32A722274F}" type="datetimeFigureOut">
               <a:rPr lang="en-US" smtClean="0"/>
-              <a:t>2/6/2020</a:t>
+              <a:t>2/7/2020</a:t>
             </a:fld>
             <a:endParaRPr lang="en-US"/>
           </a:p>
@@ -981,648 +982,54 @@
           <a:bodyPr/>
           <a:lstStyle/>
           <a:p>
-            <a:r>
-              <a:rPr lang="en-US" dirty="0" smtClean="0"/>
-              <a:t>Interference / gamma curves are on the top --- don’t think any are female?</a:t>
-            </a:r>
-          </a:p>
-          <a:p>
-            <a:endParaRPr lang="en-US" dirty="0" smtClean="0"/>
-          </a:p>
-          <a:p>
-            <a:r>
-              <a:rPr lang="en-US" dirty="0" smtClean="0"/>
-              <a:t>(Should I try to remake these cumulative foci plots?)  --- smaller</a:t>
-            </a:r>
-            <a:r>
-              <a:rPr lang="en-US" baseline="0" dirty="0" smtClean="0"/>
-              <a:t> square </a:t>
-            </a:r>
-            <a:r>
-              <a:rPr lang="en-US" dirty="0" smtClean="0"/>
-              <a:t>curve plots are there are all</a:t>
+            <a:pPr marL="228600" indent="-228600">
+              <a:buAutoNum type="arabicPeriod"/>
+            </a:pPr>
+            <a:r>
+              <a:rPr lang="en-US" dirty="0" smtClean="0"/>
+              <a:t>WSB has the most</a:t>
             </a:r>
             <a:r>
               <a:rPr lang="en-US" baseline="0" dirty="0" smtClean="0"/>
               <a:t> </a:t>
             </a:r>
             <a:r>
-              <a:rPr lang="en-US" b="1" baseline="0" dirty="0" smtClean="0"/>
-              <a:t>distance to cent</a:t>
-            </a:r>
-            <a:r>
-              <a:rPr lang="en-US" b="0" baseline="0" dirty="0" smtClean="0"/>
-              <a:t> (do these pool foci from the same </a:t>
-            </a:r>
-            <a:r>
-              <a:rPr lang="en-US" b="0" baseline="0" dirty="0" err="1" smtClean="0"/>
-              <a:t>biv</a:t>
-            </a:r>
-            <a:r>
-              <a:rPr lang="en-US" b="0" baseline="0" dirty="0" smtClean="0"/>
-              <a:t>?!)</a:t>
-            </a:r>
-            <a:endParaRPr lang="en-US" b="0" dirty="0" smtClean="0"/>
-          </a:p>
-          <a:p>
+              <a:rPr lang="en-US" baseline="0" dirty="0" err="1" smtClean="0"/>
+              <a:t>telomeric</a:t>
+            </a:r>
+            <a:r>
+              <a:rPr lang="en-US" baseline="0" dirty="0" smtClean="0"/>
+              <a:t> landscape</a:t>
+            </a:r>
+          </a:p>
+          <a:p>
+            <a:pPr marL="228600" indent="-228600">
+              <a:buAutoNum type="arabicPeriod"/>
+            </a:pPr>
+            <a:r>
+              <a:rPr lang="en-US" baseline="0" dirty="0" smtClean="0"/>
+              <a:t>High rec strains</a:t>
+            </a:r>
             <a:endParaRPr lang="en-US" dirty="0" smtClean="0"/>
           </a:p>
           <a:p>
-            <a:r>
-              <a:rPr lang="en-US" sz="1200" b="1" i="0" u="none" strike="noStrike" kern="1200" baseline="0" dirty="0" smtClean="0">
-                <a:solidFill>
-                  <a:schemeClr val="tx1"/>
-                </a:solidFill>
-                <a:latin typeface="+mn-lt"/>
-                <a:ea typeface="+mn-ea"/>
-                <a:cs typeface="+mn-cs"/>
-              </a:rPr>
-              <a:t>Fig. 1. </a:t>
-            </a:r>
-            <a:r>
-              <a:rPr lang="en-US" sz="1200" b="0" i="0" u="none" strike="noStrike" kern="1200" baseline="0" dirty="0" smtClean="0">
-                <a:solidFill>
-                  <a:schemeClr val="tx1"/>
-                </a:solidFill>
-                <a:latin typeface="+mn-lt"/>
-                <a:ea typeface="+mn-ea"/>
-                <a:cs typeface="+mn-cs"/>
-              </a:rPr>
-              <a:t>Analysis of foci along bivalents. (</a:t>
-            </a:r>
-            <a:r>
-              <a:rPr lang="en-US" sz="1200" b="0" i="1" u="none" strike="noStrike" kern="1200" baseline="0" dirty="0" smtClean="0">
-                <a:solidFill>
-                  <a:schemeClr val="tx1"/>
-                </a:solidFill>
-                <a:latin typeface="+mn-lt"/>
-                <a:ea typeface="+mn-ea"/>
-                <a:cs typeface="+mn-cs"/>
-              </a:rPr>
-              <a:t>A</a:t>
-            </a:r>
-            <a:r>
-              <a:rPr lang="en-US" sz="1200" b="0" i="0" u="none" strike="noStrike" kern="1200" baseline="0" dirty="0" smtClean="0">
-                <a:solidFill>
-                  <a:schemeClr val="tx1"/>
-                </a:solidFill>
-                <a:latin typeface="+mn-lt"/>
-                <a:ea typeface="+mn-ea"/>
-                <a:cs typeface="+mn-cs"/>
-              </a:rPr>
-              <a:t>) Shape of gamma distributions for</a:t>
-            </a:r>
-          </a:p>
-          <a:p>
-            <a:r>
-              <a:rPr lang="en-US" sz="1200" b="0" i="0" u="none" strike="noStrike" kern="1200" baseline="0" dirty="0" smtClean="0">
-                <a:solidFill>
-                  <a:schemeClr val="tx1"/>
-                </a:solidFill>
-                <a:latin typeface="+mn-lt"/>
-                <a:ea typeface="+mn-ea"/>
-                <a:cs typeface="+mn-cs"/>
-              </a:rPr>
-              <a:t>different  values. The average </a:t>
-            </a:r>
-            <a:r>
-              <a:rPr lang="en-US" sz="1200" b="0" i="0" u="none" strike="noStrike" kern="1200" baseline="0" dirty="0" err="1" smtClean="0">
-                <a:solidFill>
-                  <a:schemeClr val="tx1"/>
-                </a:solidFill>
-                <a:latin typeface="+mn-lt"/>
-                <a:ea typeface="+mn-ea"/>
-                <a:cs typeface="+mn-cs"/>
-              </a:rPr>
-              <a:t>interfocus</a:t>
-            </a:r>
-            <a:r>
-              <a:rPr lang="en-US" sz="1200" b="0" i="0" u="none" strike="noStrike" kern="1200" baseline="0" dirty="0" smtClean="0">
-                <a:solidFill>
-                  <a:schemeClr val="tx1"/>
-                </a:solidFill>
-                <a:latin typeface="+mn-lt"/>
-                <a:ea typeface="+mn-ea"/>
-                <a:cs typeface="+mn-cs"/>
-              </a:rPr>
-              <a:t> distance equals 10 for all distributions</a:t>
-            </a:r>
-          </a:p>
-          <a:p>
-            <a:r>
-              <a:rPr lang="en-US" sz="1200" b="0" i="0" u="none" strike="noStrike" kern="1200" baseline="0" dirty="0" smtClean="0">
-                <a:solidFill>
-                  <a:schemeClr val="tx1"/>
-                </a:solidFill>
-                <a:latin typeface="+mn-lt"/>
-                <a:ea typeface="+mn-ea"/>
-                <a:cs typeface="+mn-cs"/>
-              </a:rPr>
-              <a:t>shown. As  increases, the very short and very long distances become</a:t>
-            </a:r>
-          </a:p>
-          <a:p>
-            <a:r>
-              <a:rPr lang="en-US" sz="1200" b="0" i="0" u="none" strike="noStrike" kern="1200" baseline="0" dirty="0" smtClean="0">
-                <a:solidFill>
-                  <a:schemeClr val="tx1"/>
-                </a:solidFill>
-                <a:latin typeface="+mn-lt"/>
-                <a:ea typeface="+mn-ea"/>
-                <a:cs typeface="+mn-cs"/>
-              </a:rPr>
-              <a:t>sparser, and the distributions become narrower and more symmetrical. (</a:t>
-            </a:r>
-            <a:r>
-              <a:rPr lang="en-US" sz="1200" b="0" i="1" u="none" strike="noStrike" kern="1200" baseline="0" dirty="0" smtClean="0">
-                <a:solidFill>
-                  <a:schemeClr val="tx1"/>
-                </a:solidFill>
-                <a:latin typeface="+mn-lt"/>
-                <a:ea typeface="+mn-ea"/>
-                <a:cs typeface="+mn-cs"/>
-              </a:rPr>
-              <a:t>B</a:t>
-            </a:r>
-            <a:r>
-              <a:rPr lang="en-US" sz="1200" b="0" i="0" u="none" strike="noStrike" kern="1200" baseline="0" dirty="0" smtClean="0">
-                <a:solidFill>
-                  <a:schemeClr val="tx1"/>
-                </a:solidFill>
-                <a:latin typeface="+mn-lt"/>
-                <a:ea typeface="+mn-ea"/>
-                <a:cs typeface="+mn-cs"/>
-              </a:rPr>
-              <a:t>–</a:t>
-            </a:r>
-            <a:r>
-              <a:rPr lang="en-US" sz="1200" b="0" i="1" u="none" strike="noStrike" kern="1200" baseline="0" dirty="0" smtClean="0">
-                <a:solidFill>
-                  <a:schemeClr val="tx1"/>
-                </a:solidFill>
-                <a:latin typeface="+mn-lt"/>
-                <a:ea typeface="+mn-ea"/>
-                <a:cs typeface="+mn-cs"/>
-              </a:rPr>
-              <a:t>D</a:t>
-            </a:r>
-            <a:r>
-              <a:rPr lang="en-US" sz="1200" b="0" i="0" u="none" strike="noStrike" kern="1200" baseline="0" dirty="0" smtClean="0">
-                <a:solidFill>
-                  <a:schemeClr val="tx1"/>
-                </a:solidFill>
-                <a:latin typeface="+mn-lt"/>
-                <a:ea typeface="+mn-ea"/>
-                <a:cs typeface="+mn-cs"/>
-              </a:rPr>
-              <a:t>)</a:t>
-            </a:r>
-          </a:p>
-          <a:p>
-            <a:r>
-              <a:rPr lang="en-US" sz="1200" b="0" i="0" u="none" strike="noStrike" kern="1200" baseline="0" dirty="0" smtClean="0">
-                <a:solidFill>
-                  <a:schemeClr val="tx1"/>
-                </a:solidFill>
-                <a:latin typeface="+mn-lt"/>
-                <a:ea typeface="+mn-ea"/>
-                <a:cs typeface="+mn-cs"/>
-              </a:rPr>
-              <a:t>Examples of histograms of observed </a:t>
-            </a:r>
-            <a:r>
-              <a:rPr lang="en-US" sz="1200" b="0" i="0" u="none" strike="noStrike" kern="1200" baseline="0" dirty="0" err="1" smtClean="0">
-                <a:solidFill>
-                  <a:schemeClr val="tx1"/>
-                </a:solidFill>
-                <a:latin typeface="+mn-lt"/>
-                <a:ea typeface="+mn-ea"/>
-                <a:cs typeface="+mn-cs"/>
-              </a:rPr>
-              <a:t>interfocus</a:t>
-            </a:r>
-            <a:r>
-              <a:rPr lang="en-US" sz="1200" b="0" i="0" u="none" strike="noStrike" kern="1200" baseline="0" dirty="0" smtClean="0">
-                <a:solidFill>
-                  <a:schemeClr val="tx1"/>
-                </a:solidFill>
-                <a:latin typeface="+mn-lt"/>
-                <a:ea typeface="+mn-ea"/>
-                <a:cs typeface="+mn-cs"/>
-              </a:rPr>
-              <a:t> distances in spermatocytes</a:t>
-            </a:r>
-          </a:p>
-          <a:p>
-            <a:r>
-              <a:rPr lang="en-US" sz="1200" b="0" i="0" u="none" strike="noStrike" kern="1200" baseline="0" dirty="0" smtClean="0">
-                <a:solidFill>
-                  <a:schemeClr val="tx1"/>
-                </a:solidFill>
-                <a:latin typeface="+mn-lt"/>
-                <a:ea typeface="+mn-ea"/>
-                <a:cs typeface="+mn-cs"/>
-              </a:rPr>
-              <a:t>(black bars), the best fit of the observed distances to the gamma distribution  (red curves), the  value for which the best fit was obtained (ˆ ), and the</a:t>
-            </a:r>
-          </a:p>
-          <a:p>
-            <a:r>
-              <a:rPr lang="en-US" sz="1200" b="0" i="0" u="none" strike="noStrike" kern="1200" baseline="0" dirty="0" smtClean="0">
-                <a:solidFill>
-                  <a:schemeClr val="tx1"/>
-                </a:solidFill>
-                <a:latin typeface="+mn-lt"/>
-                <a:ea typeface="+mn-ea"/>
-                <a:cs typeface="+mn-cs"/>
-              </a:rPr>
-              <a:t>distributions expected if there were no interference (i.e., 1; blue curves).</a:t>
-            </a:r>
-          </a:p>
-          <a:p>
-            <a:r>
-              <a:rPr lang="en-US" sz="1200" b="0" i="0" u="none" strike="noStrike" kern="1200" baseline="0" dirty="0" smtClean="0">
-                <a:solidFill>
-                  <a:schemeClr val="tx1"/>
-                </a:solidFill>
-                <a:latin typeface="+mn-lt"/>
-                <a:ea typeface="+mn-ea"/>
-                <a:cs typeface="+mn-cs"/>
-              </a:rPr>
-              <a:t>The observed </a:t>
-            </a:r>
-            <a:r>
-              <a:rPr lang="en-US" sz="1200" b="0" i="0" u="none" strike="noStrike" kern="1200" baseline="0" dirty="0" err="1" smtClean="0">
-                <a:solidFill>
-                  <a:schemeClr val="tx1"/>
-                </a:solidFill>
-                <a:latin typeface="+mn-lt"/>
-                <a:ea typeface="+mn-ea"/>
-                <a:cs typeface="+mn-cs"/>
-              </a:rPr>
-              <a:t>interfocus</a:t>
-            </a:r>
-            <a:r>
-              <a:rPr lang="en-US" sz="1200" b="0" i="0" u="none" strike="noStrike" kern="1200" baseline="0" dirty="0" smtClean="0">
-                <a:solidFill>
-                  <a:schemeClr val="tx1"/>
-                </a:solidFill>
-                <a:latin typeface="+mn-lt"/>
-                <a:ea typeface="+mn-ea"/>
-                <a:cs typeface="+mn-cs"/>
-              </a:rPr>
-              <a:t> distances were binned for representation only; the</a:t>
-            </a:r>
-          </a:p>
-          <a:p>
-            <a:r>
-              <a:rPr lang="en-US" sz="1200" b="0" i="0" u="none" strike="noStrike" kern="1200" baseline="0" dirty="0" smtClean="0">
-                <a:solidFill>
-                  <a:schemeClr val="tx1"/>
-                </a:solidFill>
-                <a:latin typeface="+mn-lt"/>
-                <a:ea typeface="+mn-ea"/>
-                <a:cs typeface="+mn-cs"/>
-              </a:rPr>
-              <a:t>best fits to the gamma distribution are based on the exact, </a:t>
-            </a:r>
-            <a:r>
-              <a:rPr lang="en-US" sz="1200" b="0" i="0" u="none" strike="noStrike" kern="1200" baseline="0" dirty="0" err="1" smtClean="0">
-                <a:solidFill>
-                  <a:schemeClr val="tx1"/>
-                </a:solidFill>
-                <a:latin typeface="+mn-lt"/>
-                <a:ea typeface="+mn-ea"/>
-                <a:cs typeface="+mn-cs"/>
-              </a:rPr>
-              <a:t>unbinned</a:t>
-            </a:r>
-            <a:r>
-              <a:rPr lang="en-US" sz="1200" b="0" i="0" u="none" strike="noStrike" kern="1200" baseline="0" dirty="0" smtClean="0">
-                <a:solidFill>
-                  <a:schemeClr val="tx1"/>
-                </a:solidFill>
-                <a:latin typeface="+mn-lt"/>
-                <a:ea typeface="+mn-ea"/>
-                <a:cs typeface="+mn-cs"/>
-              </a:rPr>
-              <a:t> distances.</a:t>
-            </a:r>
-          </a:p>
-          <a:p>
-            <a:r>
-              <a:rPr lang="en-US" sz="1200" b="0" i="0" u="none" strike="noStrike" kern="1200" baseline="0" dirty="0" smtClean="0">
-                <a:solidFill>
-                  <a:schemeClr val="tx1"/>
-                </a:solidFill>
-                <a:latin typeface="+mn-lt"/>
-                <a:ea typeface="+mn-ea"/>
-                <a:cs typeface="+mn-cs"/>
-              </a:rPr>
-              <a:t>Figs. 5 and 6 show histograms of all data sets. </a:t>
-            </a:r>
-            <a:r>
-              <a:rPr lang="en-US" sz="1200" b="1" i="0" u="none" strike="noStrike" kern="1200" baseline="0" dirty="0" smtClean="0">
-                <a:solidFill>
-                  <a:schemeClr val="tx1"/>
-                </a:solidFill>
-                <a:latin typeface="+mn-lt"/>
-                <a:ea typeface="+mn-ea"/>
-                <a:cs typeface="+mn-cs"/>
-              </a:rPr>
-              <a:t>(</a:t>
-            </a:r>
-            <a:r>
-              <a:rPr lang="en-US" sz="1200" b="1" i="1" u="none" strike="noStrike" kern="1200" baseline="0" dirty="0" smtClean="0">
-                <a:solidFill>
-                  <a:schemeClr val="tx1"/>
-                </a:solidFill>
-                <a:latin typeface="+mn-lt"/>
-                <a:ea typeface="+mn-ea"/>
-                <a:cs typeface="+mn-cs"/>
-              </a:rPr>
-              <a:t>E</a:t>
-            </a:r>
-            <a:r>
-              <a:rPr lang="en-US" sz="1200" b="1" i="0" u="none" strike="noStrike" kern="1200" baseline="0" dirty="0" smtClean="0">
-                <a:solidFill>
-                  <a:schemeClr val="tx1"/>
-                </a:solidFill>
-                <a:latin typeface="+mn-lt"/>
-                <a:ea typeface="+mn-ea"/>
-                <a:cs typeface="+mn-cs"/>
-              </a:rPr>
-              <a:t>–</a:t>
-            </a:r>
-            <a:r>
-              <a:rPr lang="en-US" sz="1200" b="1" i="1" u="none" strike="noStrike" kern="1200" baseline="0" dirty="0" smtClean="0">
-                <a:solidFill>
-                  <a:schemeClr val="tx1"/>
-                </a:solidFill>
-                <a:latin typeface="+mn-lt"/>
-                <a:ea typeface="+mn-ea"/>
-                <a:cs typeface="+mn-cs"/>
-              </a:rPr>
-              <a:t>G</a:t>
-            </a:r>
-            <a:r>
-              <a:rPr lang="en-US" sz="1200" b="1" i="0" u="none" strike="noStrike" kern="1200" baseline="0" dirty="0" smtClean="0">
-                <a:solidFill>
-                  <a:schemeClr val="tx1"/>
-                </a:solidFill>
-                <a:latin typeface="+mn-lt"/>
-                <a:ea typeface="+mn-ea"/>
-                <a:cs typeface="+mn-cs"/>
-              </a:rPr>
-              <a:t>) Distribution of foci</a:t>
-            </a:r>
-          </a:p>
-          <a:p>
-            <a:r>
-              <a:rPr lang="en-US" sz="1200" b="1" i="0" u="none" strike="noStrike" kern="1200" baseline="0" dirty="0" smtClean="0">
-                <a:solidFill>
-                  <a:schemeClr val="tx1"/>
-                </a:solidFill>
-                <a:latin typeface="+mn-lt"/>
-                <a:ea typeface="+mn-ea"/>
-                <a:cs typeface="+mn-cs"/>
-              </a:rPr>
-              <a:t>along bivalents</a:t>
-            </a:r>
-            <a:r>
-              <a:rPr lang="en-US" sz="1200" b="0" i="0" u="none" strike="noStrike" kern="1200" baseline="0" dirty="0" smtClean="0">
-                <a:solidFill>
-                  <a:schemeClr val="tx1"/>
-                </a:solidFill>
-                <a:latin typeface="+mn-lt"/>
-                <a:ea typeface="+mn-ea"/>
-                <a:cs typeface="+mn-cs"/>
-              </a:rPr>
-              <a:t>. Shown are the cumulative frequencies of foci as a function of</a:t>
-            </a:r>
-          </a:p>
-          <a:p>
-            <a:r>
-              <a:rPr lang="en-US" sz="1200" b="0" i="0" u="none" strike="noStrike" kern="1200" baseline="0" dirty="0" smtClean="0">
-                <a:solidFill>
-                  <a:schemeClr val="tx1"/>
-                </a:solidFill>
-                <a:latin typeface="+mn-lt"/>
-                <a:ea typeface="+mn-ea"/>
-                <a:cs typeface="+mn-cs"/>
-              </a:rPr>
-              <a:t>the distance to the </a:t>
-            </a:r>
-            <a:r>
-              <a:rPr lang="en-US" sz="1200" b="0" i="0" u="none" strike="noStrike" kern="1200" baseline="0" dirty="0" err="1" smtClean="0">
-                <a:solidFill>
-                  <a:schemeClr val="tx1"/>
-                </a:solidFill>
-                <a:latin typeface="+mn-lt"/>
-                <a:ea typeface="+mn-ea"/>
-                <a:cs typeface="+mn-cs"/>
-              </a:rPr>
-              <a:t>centromeric</a:t>
-            </a:r>
-            <a:r>
-              <a:rPr lang="en-US" sz="1200" b="0" i="0" u="none" strike="noStrike" kern="1200" baseline="0" dirty="0" smtClean="0">
-                <a:solidFill>
-                  <a:schemeClr val="tx1"/>
-                </a:solidFill>
-                <a:latin typeface="+mn-lt"/>
-                <a:ea typeface="+mn-ea"/>
-                <a:cs typeface="+mn-cs"/>
-              </a:rPr>
-              <a:t> end of the </a:t>
-            </a:r>
-            <a:r>
-              <a:rPr lang="en-US" sz="1200" b="1" i="0" u="none" strike="noStrike" kern="1200" baseline="0" dirty="0" smtClean="0">
-                <a:solidFill>
-                  <a:schemeClr val="tx1"/>
-                </a:solidFill>
-                <a:latin typeface="+mn-lt"/>
-                <a:ea typeface="+mn-ea"/>
-                <a:cs typeface="+mn-cs"/>
-              </a:rPr>
-              <a:t>SC (wild type) or AE (</a:t>
-            </a:r>
-            <a:r>
-              <a:rPr lang="en-US" sz="1200" b="1" i="1" u="none" strike="noStrike" kern="1200" baseline="0" dirty="0" smtClean="0">
-                <a:solidFill>
-                  <a:schemeClr val="tx1"/>
-                </a:solidFill>
-                <a:latin typeface="+mn-lt"/>
-                <a:ea typeface="+mn-ea"/>
-                <a:cs typeface="+mn-cs"/>
-              </a:rPr>
-              <a:t>Sycp1</a:t>
-            </a:r>
-            <a:r>
-              <a:rPr lang="en-US" sz="1200" b="1" i="0" u="none" strike="noStrike" kern="1200" baseline="0" dirty="0" smtClean="0">
-                <a:solidFill>
-                  <a:schemeClr val="tx1"/>
-                </a:solidFill>
-                <a:latin typeface="+mn-lt"/>
-                <a:ea typeface="+mn-ea"/>
-                <a:cs typeface="+mn-cs"/>
-              </a:rPr>
-              <a:t>/). </a:t>
-            </a:r>
-            <a:r>
-              <a:rPr lang="en-US" sz="1200" b="0" i="0" u="none" strike="noStrike" kern="1200" baseline="0" dirty="0" smtClean="0">
-                <a:solidFill>
-                  <a:schemeClr val="tx1"/>
-                </a:solidFill>
-                <a:latin typeface="+mn-lt"/>
-                <a:ea typeface="+mn-ea"/>
-                <a:cs typeface="+mn-cs"/>
-              </a:rPr>
-              <a:t>The</a:t>
-            </a:r>
-          </a:p>
-          <a:p>
-            <a:r>
-              <a:rPr lang="en-US" sz="1200" b="0" i="0" u="none" strike="noStrike" kern="1200" baseline="0" dirty="0" smtClean="0">
-                <a:solidFill>
-                  <a:schemeClr val="tx1"/>
-                </a:solidFill>
-                <a:latin typeface="+mn-lt"/>
-                <a:ea typeface="+mn-ea"/>
-                <a:cs typeface="+mn-cs"/>
-              </a:rPr>
-              <a:t>distances are expressed as percentage of the length of the SC AE on which the</a:t>
-            </a:r>
-          </a:p>
-          <a:p>
-            <a:r>
-              <a:rPr lang="en-US" sz="1200" b="0" i="0" u="none" strike="noStrike" kern="1200" baseline="0" dirty="0" smtClean="0">
-                <a:solidFill>
-                  <a:schemeClr val="tx1"/>
-                </a:solidFill>
-                <a:latin typeface="+mn-lt"/>
-                <a:ea typeface="+mn-ea"/>
-                <a:cs typeface="+mn-cs"/>
-              </a:rPr>
-              <a:t>focus was located. </a:t>
-            </a:r>
-            <a:r>
-              <a:rPr lang="en-US" sz="1200" b="1" i="0" u="none" strike="noStrike" kern="1200" baseline="0" dirty="0" smtClean="0">
-                <a:solidFill>
-                  <a:schemeClr val="tx1"/>
-                </a:solidFill>
-                <a:latin typeface="+mn-lt"/>
-                <a:ea typeface="+mn-ea"/>
-                <a:cs typeface="+mn-cs"/>
-              </a:rPr>
-              <a:t>The numbers of foci on which the curves are based are</a:t>
-            </a:r>
-          </a:p>
-          <a:p>
-            <a:r>
-              <a:rPr lang="en-US" sz="1200" b="1" i="0" u="none" strike="noStrike" kern="1200" baseline="0" dirty="0" smtClean="0">
-                <a:solidFill>
-                  <a:schemeClr val="tx1"/>
-                </a:solidFill>
-                <a:latin typeface="+mn-lt"/>
-                <a:ea typeface="+mn-ea"/>
-                <a:cs typeface="+mn-cs"/>
-              </a:rPr>
-              <a:t>shown in the upper left corners, and the chromosome numbers are shown in</a:t>
-            </a:r>
-          </a:p>
-          <a:p>
-            <a:r>
-              <a:rPr lang="en-US" sz="1200" b="1" i="0" u="none" strike="noStrike" kern="1200" baseline="0" dirty="0" smtClean="0">
-                <a:solidFill>
-                  <a:schemeClr val="tx1"/>
-                </a:solidFill>
-                <a:latin typeface="+mn-lt"/>
-                <a:ea typeface="+mn-ea"/>
-                <a:cs typeface="+mn-cs"/>
-              </a:rPr>
-              <a:t>the lower right corners of the graphs</a:t>
-            </a:r>
-            <a:r>
-              <a:rPr lang="en-US" sz="1200" b="0" i="0" u="none" strike="noStrike" kern="1200" baseline="0" dirty="0" smtClean="0">
-                <a:solidFill>
-                  <a:schemeClr val="tx1"/>
-                </a:solidFill>
-                <a:latin typeface="+mn-lt"/>
-                <a:ea typeface="+mn-ea"/>
-                <a:cs typeface="+mn-cs"/>
-              </a:rPr>
-              <a:t>. A uniform distribution of foci would</a:t>
-            </a:r>
-          </a:p>
-          <a:p>
-            <a:r>
-              <a:rPr lang="en-US" sz="1200" b="0" i="0" u="none" strike="noStrike" kern="1200" baseline="0" dirty="0" smtClean="0">
-                <a:solidFill>
-                  <a:schemeClr val="tx1"/>
-                </a:solidFill>
-                <a:latin typeface="+mn-lt"/>
-                <a:ea typeface="+mn-ea"/>
-                <a:cs typeface="+mn-cs"/>
-              </a:rPr>
-              <a:t>yield a straight line from the lower left to the upper right corner of the graph.</a:t>
-            </a:r>
-          </a:p>
-          <a:p>
-            <a:r>
-              <a:rPr lang="en-US" sz="1200" b="0" i="0" u="none" strike="noStrike" kern="1200" baseline="0" dirty="0" smtClean="0">
-                <a:solidFill>
-                  <a:schemeClr val="tx1"/>
-                </a:solidFill>
-                <a:latin typeface="+mn-lt"/>
-                <a:ea typeface="+mn-ea"/>
-                <a:cs typeface="+mn-cs"/>
-              </a:rPr>
-              <a:t>M, male; F, female; </a:t>
-            </a:r>
-            <a:r>
-              <a:rPr lang="en-US" sz="1200" b="0" i="0" u="none" strike="noStrike" kern="1200" baseline="0" dirty="0" err="1" smtClean="0">
-                <a:solidFill>
-                  <a:schemeClr val="tx1"/>
-                </a:solidFill>
-                <a:latin typeface="+mn-lt"/>
-                <a:ea typeface="+mn-ea"/>
-                <a:cs typeface="+mn-cs"/>
-              </a:rPr>
-              <a:t>Wt</a:t>
-            </a:r>
-            <a:r>
-              <a:rPr lang="en-US" sz="1200" b="0" i="0" u="none" strike="noStrike" kern="1200" baseline="0" dirty="0" smtClean="0">
-                <a:solidFill>
-                  <a:schemeClr val="tx1"/>
-                </a:solidFill>
-                <a:latin typeface="+mn-lt"/>
-                <a:ea typeface="+mn-ea"/>
-                <a:cs typeface="+mn-cs"/>
-              </a:rPr>
-              <a:t>, wild type; , </a:t>
-            </a:r>
-            <a:r>
-              <a:rPr lang="en-US" sz="1200" b="0" i="1" u="none" strike="noStrike" kern="1200" baseline="0" dirty="0" smtClean="0">
-                <a:solidFill>
-                  <a:schemeClr val="tx1"/>
-                </a:solidFill>
-                <a:latin typeface="+mn-lt"/>
-                <a:ea typeface="+mn-ea"/>
-                <a:cs typeface="+mn-cs"/>
-              </a:rPr>
-              <a:t>Sycp1</a:t>
-            </a:r>
-            <a:r>
-              <a:rPr lang="en-US" sz="1200" b="0" i="0" u="none" strike="noStrike" kern="1200" baseline="0" dirty="0" smtClean="0">
-                <a:solidFill>
-                  <a:schemeClr val="tx1"/>
-                </a:solidFill>
-                <a:latin typeface="+mn-lt"/>
-                <a:ea typeface="+mn-ea"/>
-                <a:cs typeface="+mn-cs"/>
-              </a:rPr>
-              <a:t>/.</a:t>
-            </a:r>
+            <a:endParaRPr lang="en-US" dirty="0" smtClean="0"/>
+          </a:p>
+          <a:p>
+            <a:r>
+              <a:rPr lang="en-US" dirty="0" smtClean="0"/>
+              <a:t>For some reasons the patterns change – maybe the first one included</a:t>
+            </a:r>
+            <a:r>
+              <a:rPr lang="en-US" baseline="0" dirty="0" smtClean="0"/>
+              <a:t> more than 1CO</a:t>
+            </a:r>
+            <a:endParaRPr lang="en-US" dirty="0" smtClean="0"/>
+          </a:p>
+          <a:p>
+            <a:endParaRPr lang="en-US" dirty="0" smtClean="0"/>
+          </a:p>
+          <a:p>
             <a:endParaRPr lang="en-US" dirty="0"/>
           </a:p>
         </p:txBody>
@@ -1653,7 +1060,7 @@
     </p:spTree>
     <p:extLst>
       <p:ext uri="{BB962C8B-B14F-4D97-AF65-F5344CB8AC3E}">
-        <p14:creationId xmlns:p14="http://schemas.microsoft.com/office/powerpoint/2010/main" val="2812527262"/>
+        <p14:creationId xmlns:p14="http://schemas.microsoft.com/office/powerpoint/2010/main" val="3369798618"/>
       </p:ext>
     </p:extLst>
   </p:cSld>
@@ -1709,63 +1116,646 @@
           <a:p>
             <a:r>
               <a:rPr lang="en-US" dirty="0" smtClean="0"/>
+              <a:t>Interference / gamma curves are on the top --- don’t think any are female?</a:t>
+            </a:r>
+          </a:p>
+          <a:p>
+            <a:endParaRPr lang="en-US" dirty="0" smtClean="0"/>
+          </a:p>
+          <a:p>
+            <a:r>
+              <a:rPr lang="en-US" dirty="0" smtClean="0"/>
+              <a:t>(Should I try to remake these cumulative foci plots?)  --- smaller</a:t>
+            </a:r>
+            <a:r>
+              <a:rPr lang="en-US" baseline="0" dirty="0" smtClean="0"/>
+              <a:t> square </a:t>
+            </a:r>
+            <a:r>
+              <a:rPr lang="en-US" dirty="0" smtClean="0"/>
+              <a:t>curve plots are there are all</a:t>
+            </a:r>
+            <a:r>
+              <a:rPr lang="en-US" baseline="0" dirty="0" smtClean="0"/>
+              <a:t> </a:t>
+            </a:r>
+            <a:r>
+              <a:rPr lang="en-US" b="1" baseline="0" dirty="0" smtClean="0"/>
+              <a:t>distance to cent</a:t>
+            </a:r>
+            <a:r>
+              <a:rPr lang="en-US" b="0" baseline="0" dirty="0" smtClean="0"/>
+              <a:t> (do these pool foci from the same </a:t>
+            </a:r>
+            <a:r>
+              <a:rPr lang="en-US" b="0" baseline="0" dirty="0" err="1" smtClean="0"/>
+              <a:t>biv</a:t>
+            </a:r>
+            <a:r>
+              <a:rPr lang="en-US" b="0" baseline="0" dirty="0" smtClean="0"/>
+              <a:t>?!)</a:t>
+            </a:r>
+            <a:endParaRPr lang="en-US" b="0" dirty="0" smtClean="0"/>
+          </a:p>
+          <a:p>
+            <a:endParaRPr lang="en-US" dirty="0" smtClean="0"/>
+          </a:p>
+          <a:p>
+            <a:r>
+              <a:rPr lang="en-US" sz="1200" b="1" i="0" u="none" strike="noStrike" kern="1200" baseline="0" dirty="0" smtClean="0">
+                <a:solidFill>
+                  <a:schemeClr val="tx1"/>
+                </a:solidFill>
+                <a:latin typeface="+mn-lt"/>
+                <a:ea typeface="+mn-ea"/>
+                <a:cs typeface="+mn-cs"/>
+              </a:rPr>
+              <a:t>Fig. 1. </a:t>
+            </a:r>
+            <a:r>
+              <a:rPr lang="en-US" sz="1200" b="0" i="0" u="none" strike="noStrike" kern="1200" baseline="0" dirty="0" smtClean="0">
+                <a:solidFill>
+                  <a:schemeClr val="tx1"/>
+                </a:solidFill>
+                <a:latin typeface="+mn-lt"/>
+                <a:ea typeface="+mn-ea"/>
+                <a:cs typeface="+mn-cs"/>
+              </a:rPr>
+              <a:t>Analysis of foci along bivalents. (</a:t>
+            </a:r>
+            <a:r>
+              <a:rPr lang="en-US" sz="1200" b="0" i="1" u="none" strike="noStrike" kern="1200" baseline="0" dirty="0" smtClean="0">
+                <a:solidFill>
+                  <a:schemeClr val="tx1"/>
+                </a:solidFill>
+                <a:latin typeface="+mn-lt"/>
+                <a:ea typeface="+mn-ea"/>
+                <a:cs typeface="+mn-cs"/>
+              </a:rPr>
+              <a:t>A</a:t>
+            </a:r>
+            <a:r>
+              <a:rPr lang="en-US" sz="1200" b="0" i="0" u="none" strike="noStrike" kern="1200" baseline="0" dirty="0" smtClean="0">
+                <a:solidFill>
+                  <a:schemeClr val="tx1"/>
+                </a:solidFill>
+                <a:latin typeface="+mn-lt"/>
+                <a:ea typeface="+mn-ea"/>
+                <a:cs typeface="+mn-cs"/>
+              </a:rPr>
+              <a:t>) Shape of gamma distributions for</a:t>
+            </a:r>
+          </a:p>
+          <a:p>
+            <a:r>
+              <a:rPr lang="en-US" sz="1200" b="0" i="0" u="none" strike="noStrike" kern="1200" baseline="0" dirty="0" smtClean="0">
+                <a:solidFill>
+                  <a:schemeClr val="tx1"/>
+                </a:solidFill>
+                <a:latin typeface="+mn-lt"/>
+                <a:ea typeface="+mn-ea"/>
+                <a:cs typeface="+mn-cs"/>
+              </a:rPr>
+              <a:t>different  values. The average </a:t>
+            </a:r>
+            <a:r>
+              <a:rPr lang="en-US" sz="1200" b="0" i="0" u="none" strike="noStrike" kern="1200" baseline="0" dirty="0" err="1" smtClean="0">
+                <a:solidFill>
+                  <a:schemeClr val="tx1"/>
+                </a:solidFill>
+                <a:latin typeface="+mn-lt"/>
+                <a:ea typeface="+mn-ea"/>
+                <a:cs typeface="+mn-cs"/>
+              </a:rPr>
+              <a:t>interfocus</a:t>
+            </a:r>
+            <a:r>
+              <a:rPr lang="en-US" sz="1200" b="0" i="0" u="none" strike="noStrike" kern="1200" baseline="0" dirty="0" smtClean="0">
+                <a:solidFill>
+                  <a:schemeClr val="tx1"/>
+                </a:solidFill>
+                <a:latin typeface="+mn-lt"/>
+                <a:ea typeface="+mn-ea"/>
+                <a:cs typeface="+mn-cs"/>
+              </a:rPr>
+              <a:t> distance equals 10 for all distributions</a:t>
+            </a:r>
+          </a:p>
+          <a:p>
+            <a:r>
+              <a:rPr lang="en-US" sz="1200" b="0" i="0" u="none" strike="noStrike" kern="1200" baseline="0" dirty="0" smtClean="0">
+                <a:solidFill>
+                  <a:schemeClr val="tx1"/>
+                </a:solidFill>
+                <a:latin typeface="+mn-lt"/>
+                <a:ea typeface="+mn-ea"/>
+                <a:cs typeface="+mn-cs"/>
+              </a:rPr>
+              <a:t>shown. As  increases, the very short and very long distances become</a:t>
+            </a:r>
+          </a:p>
+          <a:p>
+            <a:r>
+              <a:rPr lang="en-US" sz="1200" b="0" i="0" u="none" strike="noStrike" kern="1200" baseline="0" dirty="0" smtClean="0">
+                <a:solidFill>
+                  <a:schemeClr val="tx1"/>
+                </a:solidFill>
+                <a:latin typeface="+mn-lt"/>
+                <a:ea typeface="+mn-ea"/>
+                <a:cs typeface="+mn-cs"/>
+              </a:rPr>
+              <a:t>sparser, and the distributions become narrower and more symmetrical. (</a:t>
+            </a:r>
+            <a:r>
+              <a:rPr lang="en-US" sz="1200" b="0" i="1" u="none" strike="noStrike" kern="1200" baseline="0" dirty="0" smtClean="0">
+                <a:solidFill>
+                  <a:schemeClr val="tx1"/>
+                </a:solidFill>
+                <a:latin typeface="+mn-lt"/>
+                <a:ea typeface="+mn-ea"/>
+                <a:cs typeface="+mn-cs"/>
+              </a:rPr>
+              <a:t>B</a:t>
+            </a:r>
+            <a:r>
+              <a:rPr lang="en-US" sz="1200" b="0" i="0" u="none" strike="noStrike" kern="1200" baseline="0" dirty="0" smtClean="0">
+                <a:solidFill>
+                  <a:schemeClr val="tx1"/>
+                </a:solidFill>
+                <a:latin typeface="+mn-lt"/>
+                <a:ea typeface="+mn-ea"/>
+                <a:cs typeface="+mn-cs"/>
+              </a:rPr>
+              <a:t>–</a:t>
+            </a:r>
+            <a:r>
+              <a:rPr lang="en-US" sz="1200" b="0" i="1" u="none" strike="noStrike" kern="1200" baseline="0" dirty="0" smtClean="0">
+                <a:solidFill>
+                  <a:schemeClr val="tx1"/>
+                </a:solidFill>
+                <a:latin typeface="+mn-lt"/>
+                <a:ea typeface="+mn-ea"/>
+                <a:cs typeface="+mn-cs"/>
+              </a:rPr>
+              <a:t>D</a:t>
+            </a:r>
+            <a:r>
+              <a:rPr lang="en-US" sz="1200" b="0" i="0" u="none" strike="noStrike" kern="1200" baseline="0" dirty="0" smtClean="0">
+                <a:solidFill>
+                  <a:schemeClr val="tx1"/>
+                </a:solidFill>
+                <a:latin typeface="+mn-lt"/>
+                <a:ea typeface="+mn-ea"/>
+                <a:cs typeface="+mn-cs"/>
+              </a:rPr>
+              <a:t>)</a:t>
+            </a:r>
+          </a:p>
+          <a:p>
+            <a:r>
+              <a:rPr lang="en-US" sz="1200" b="0" i="0" u="none" strike="noStrike" kern="1200" baseline="0" dirty="0" smtClean="0">
+                <a:solidFill>
+                  <a:schemeClr val="tx1"/>
+                </a:solidFill>
+                <a:latin typeface="+mn-lt"/>
+                <a:ea typeface="+mn-ea"/>
+                <a:cs typeface="+mn-cs"/>
+              </a:rPr>
+              <a:t>Examples of histograms of observed </a:t>
+            </a:r>
+            <a:r>
+              <a:rPr lang="en-US" sz="1200" b="0" i="0" u="none" strike="noStrike" kern="1200" baseline="0" dirty="0" err="1" smtClean="0">
+                <a:solidFill>
+                  <a:schemeClr val="tx1"/>
+                </a:solidFill>
+                <a:latin typeface="+mn-lt"/>
+                <a:ea typeface="+mn-ea"/>
+                <a:cs typeface="+mn-cs"/>
+              </a:rPr>
+              <a:t>interfocus</a:t>
+            </a:r>
+            <a:r>
+              <a:rPr lang="en-US" sz="1200" b="0" i="0" u="none" strike="noStrike" kern="1200" baseline="0" dirty="0" smtClean="0">
+                <a:solidFill>
+                  <a:schemeClr val="tx1"/>
+                </a:solidFill>
+                <a:latin typeface="+mn-lt"/>
+                <a:ea typeface="+mn-ea"/>
+                <a:cs typeface="+mn-cs"/>
+              </a:rPr>
+              <a:t> distances in spermatocytes</a:t>
+            </a:r>
+          </a:p>
+          <a:p>
+            <a:r>
+              <a:rPr lang="en-US" sz="1200" b="0" i="0" u="none" strike="noStrike" kern="1200" baseline="0" dirty="0" smtClean="0">
+                <a:solidFill>
+                  <a:schemeClr val="tx1"/>
+                </a:solidFill>
+                <a:latin typeface="+mn-lt"/>
+                <a:ea typeface="+mn-ea"/>
+                <a:cs typeface="+mn-cs"/>
+              </a:rPr>
+              <a:t>(black bars), the best fit of the observed distances to the gamma distribution  (red curves), the  value for which the best fit was obtained (ˆ ), and the</a:t>
+            </a:r>
+          </a:p>
+          <a:p>
+            <a:r>
+              <a:rPr lang="en-US" sz="1200" b="0" i="0" u="none" strike="noStrike" kern="1200" baseline="0" dirty="0" smtClean="0">
+                <a:solidFill>
+                  <a:schemeClr val="tx1"/>
+                </a:solidFill>
+                <a:latin typeface="+mn-lt"/>
+                <a:ea typeface="+mn-ea"/>
+                <a:cs typeface="+mn-cs"/>
+              </a:rPr>
+              <a:t>distributions expected if there were no interference (i.e., 1; blue curves).</a:t>
+            </a:r>
+          </a:p>
+          <a:p>
+            <a:r>
+              <a:rPr lang="en-US" sz="1200" b="0" i="0" u="none" strike="noStrike" kern="1200" baseline="0" dirty="0" smtClean="0">
+                <a:solidFill>
+                  <a:schemeClr val="tx1"/>
+                </a:solidFill>
+                <a:latin typeface="+mn-lt"/>
+                <a:ea typeface="+mn-ea"/>
+                <a:cs typeface="+mn-cs"/>
+              </a:rPr>
+              <a:t>The observed </a:t>
+            </a:r>
+            <a:r>
+              <a:rPr lang="en-US" sz="1200" b="0" i="0" u="none" strike="noStrike" kern="1200" baseline="0" dirty="0" err="1" smtClean="0">
+                <a:solidFill>
+                  <a:schemeClr val="tx1"/>
+                </a:solidFill>
+                <a:latin typeface="+mn-lt"/>
+                <a:ea typeface="+mn-ea"/>
+                <a:cs typeface="+mn-cs"/>
+              </a:rPr>
+              <a:t>interfocus</a:t>
+            </a:r>
+            <a:r>
+              <a:rPr lang="en-US" sz="1200" b="0" i="0" u="none" strike="noStrike" kern="1200" baseline="0" dirty="0" smtClean="0">
+                <a:solidFill>
+                  <a:schemeClr val="tx1"/>
+                </a:solidFill>
+                <a:latin typeface="+mn-lt"/>
+                <a:ea typeface="+mn-ea"/>
+                <a:cs typeface="+mn-cs"/>
+              </a:rPr>
+              <a:t> distances were binned for representation only; the</a:t>
+            </a:r>
+          </a:p>
+          <a:p>
+            <a:r>
+              <a:rPr lang="en-US" sz="1200" b="0" i="0" u="none" strike="noStrike" kern="1200" baseline="0" dirty="0" smtClean="0">
+                <a:solidFill>
+                  <a:schemeClr val="tx1"/>
+                </a:solidFill>
+                <a:latin typeface="+mn-lt"/>
+                <a:ea typeface="+mn-ea"/>
+                <a:cs typeface="+mn-cs"/>
+              </a:rPr>
+              <a:t>best fits to the gamma distribution are based on the exact, </a:t>
+            </a:r>
+            <a:r>
+              <a:rPr lang="en-US" sz="1200" b="0" i="0" u="none" strike="noStrike" kern="1200" baseline="0" dirty="0" err="1" smtClean="0">
+                <a:solidFill>
+                  <a:schemeClr val="tx1"/>
+                </a:solidFill>
+                <a:latin typeface="+mn-lt"/>
+                <a:ea typeface="+mn-ea"/>
+                <a:cs typeface="+mn-cs"/>
+              </a:rPr>
+              <a:t>unbinned</a:t>
+            </a:r>
+            <a:r>
+              <a:rPr lang="en-US" sz="1200" b="0" i="0" u="none" strike="noStrike" kern="1200" baseline="0" dirty="0" smtClean="0">
+                <a:solidFill>
+                  <a:schemeClr val="tx1"/>
+                </a:solidFill>
+                <a:latin typeface="+mn-lt"/>
+                <a:ea typeface="+mn-ea"/>
+                <a:cs typeface="+mn-cs"/>
+              </a:rPr>
+              <a:t> distances.</a:t>
+            </a:r>
+          </a:p>
+          <a:p>
+            <a:r>
+              <a:rPr lang="en-US" sz="1200" b="0" i="0" u="none" strike="noStrike" kern="1200" baseline="0" dirty="0" smtClean="0">
+                <a:solidFill>
+                  <a:schemeClr val="tx1"/>
+                </a:solidFill>
+                <a:latin typeface="+mn-lt"/>
+                <a:ea typeface="+mn-ea"/>
+                <a:cs typeface="+mn-cs"/>
+              </a:rPr>
+              <a:t>Figs. 5 and 6 show histograms of all data sets. </a:t>
+            </a:r>
+            <a:r>
+              <a:rPr lang="en-US" sz="1200" b="1" i="0" u="none" strike="noStrike" kern="1200" baseline="0" dirty="0" smtClean="0">
+                <a:solidFill>
+                  <a:schemeClr val="tx1"/>
+                </a:solidFill>
+                <a:latin typeface="+mn-lt"/>
+                <a:ea typeface="+mn-ea"/>
+                <a:cs typeface="+mn-cs"/>
+              </a:rPr>
+              <a:t>(</a:t>
+            </a:r>
+            <a:r>
+              <a:rPr lang="en-US" sz="1200" b="1" i="1" u="none" strike="noStrike" kern="1200" baseline="0" dirty="0" smtClean="0">
+                <a:solidFill>
+                  <a:schemeClr val="tx1"/>
+                </a:solidFill>
+                <a:latin typeface="+mn-lt"/>
+                <a:ea typeface="+mn-ea"/>
+                <a:cs typeface="+mn-cs"/>
+              </a:rPr>
+              <a:t>E</a:t>
+            </a:r>
+            <a:r>
+              <a:rPr lang="en-US" sz="1200" b="1" i="0" u="none" strike="noStrike" kern="1200" baseline="0" dirty="0" smtClean="0">
+                <a:solidFill>
+                  <a:schemeClr val="tx1"/>
+                </a:solidFill>
+                <a:latin typeface="+mn-lt"/>
+                <a:ea typeface="+mn-ea"/>
+                <a:cs typeface="+mn-cs"/>
+              </a:rPr>
+              <a:t>–</a:t>
+            </a:r>
+            <a:r>
+              <a:rPr lang="en-US" sz="1200" b="1" i="1" u="none" strike="noStrike" kern="1200" baseline="0" dirty="0" smtClean="0">
+                <a:solidFill>
+                  <a:schemeClr val="tx1"/>
+                </a:solidFill>
+                <a:latin typeface="+mn-lt"/>
+                <a:ea typeface="+mn-ea"/>
+                <a:cs typeface="+mn-cs"/>
+              </a:rPr>
+              <a:t>G</a:t>
+            </a:r>
+            <a:r>
+              <a:rPr lang="en-US" sz="1200" b="1" i="0" u="none" strike="noStrike" kern="1200" baseline="0" dirty="0" smtClean="0">
+                <a:solidFill>
+                  <a:schemeClr val="tx1"/>
+                </a:solidFill>
+                <a:latin typeface="+mn-lt"/>
+                <a:ea typeface="+mn-ea"/>
+                <a:cs typeface="+mn-cs"/>
+              </a:rPr>
+              <a:t>) Distribution of foci</a:t>
+            </a:r>
+          </a:p>
+          <a:p>
+            <a:r>
+              <a:rPr lang="en-US" sz="1200" b="1" i="0" u="none" strike="noStrike" kern="1200" baseline="0" dirty="0" smtClean="0">
+                <a:solidFill>
+                  <a:schemeClr val="tx1"/>
+                </a:solidFill>
+                <a:latin typeface="+mn-lt"/>
+                <a:ea typeface="+mn-ea"/>
+                <a:cs typeface="+mn-cs"/>
+              </a:rPr>
+              <a:t>along bivalents</a:t>
+            </a:r>
+            <a:r>
+              <a:rPr lang="en-US" sz="1200" b="0" i="0" u="none" strike="noStrike" kern="1200" baseline="0" dirty="0" smtClean="0">
+                <a:solidFill>
+                  <a:schemeClr val="tx1"/>
+                </a:solidFill>
+                <a:latin typeface="+mn-lt"/>
+                <a:ea typeface="+mn-ea"/>
+                <a:cs typeface="+mn-cs"/>
+              </a:rPr>
+              <a:t>. Shown are the cumulative frequencies of foci as a function of</a:t>
+            </a:r>
+          </a:p>
+          <a:p>
+            <a:r>
+              <a:rPr lang="en-US" sz="1200" b="0" i="0" u="none" strike="noStrike" kern="1200" baseline="0" dirty="0" smtClean="0">
+                <a:solidFill>
+                  <a:schemeClr val="tx1"/>
+                </a:solidFill>
+                <a:latin typeface="+mn-lt"/>
+                <a:ea typeface="+mn-ea"/>
+                <a:cs typeface="+mn-cs"/>
+              </a:rPr>
+              <a:t>the distance to the </a:t>
+            </a:r>
+            <a:r>
+              <a:rPr lang="en-US" sz="1200" b="0" i="0" u="none" strike="noStrike" kern="1200" baseline="0" dirty="0" err="1" smtClean="0">
+                <a:solidFill>
+                  <a:schemeClr val="tx1"/>
+                </a:solidFill>
+                <a:latin typeface="+mn-lt"/>
+                <a:ea typeface="+mn-ea"/>
+                <a:cs typeface="+mn-cs"/>
+              </a:rPr>
+              <a:t>centromeric</a:t>
+            </a:r>
+            <a:r>
+              <a:rPr lang="en-US" sz="1200" b="0" i="0" u="none" strike="noStrike" kern="1200" baseline="0" dirty="0" smtClean="0">
+                <a:solidFill>
+                  <a:schemeClr val="tx1"/>
+                </a:solidFill>
+                <a:latin typeface="+mn-lt"/>
+                <a:ea typeface="+mn-ea"/>
+                <a:cs typeface="+mn-cs"/>
+              </a:rPr>
+              <a:t> end of the </a:t>
+            </a:r>
+            <a:r>
+              <a:rPr lang="en-US" sz="1200" b="1" i="0" u="none" strike="noStrike" kern="1200" baseline="0" dirty="0" smtClean="0">
+                <a:solidFill>
+                  <a:schemeClr val="tx1"/>
+                </a:solidFill>
+                <a:latin typeface="+mn-lt"/>
+                <a:ea typeface="+mn-ea"/>
+                <a:cs typeface="+mn-cs"/>
+              </a:rPr>
+              <a:t>SC (wild type) or AE (</a:t>
+            </a:r>
+            <a:r>
+              <a:rPr lang="en-US" sz="1200" b="1" i="1" u="none" strike="noStrike" kern="1200" baseline="0" dirty="0" smtClean="0">
+                <a:solidFill>
+                  <a:schemeClr val="tx1"/>
+                </a:solidFill>
+                <a:latin typeface="+mn-lt"/>
+                <a:ea typeface="+mn-ea"/>
+                <a:cs typeface="+mn-cs"/>
+              </a:rPr>
+              <a:t>Sycp1</a:t>
+            </a:r>
+            <a:r>
+              <a:rPr lang="en-US" sz="1200" b="1" i="0" u="none" strike="noStrike" kern="1200" baseline="0" dirty="0" smtClean="0">
+                <a:solidFill>
+                  <a:schemeClr val="tx1"/>
+                </a:solidFill>
+                <a:latin typeface="+mn-lt"/>
+                <a:ea typeface="+mn-ea"/>
+                <a:cs typeface="+mn-cs"/>
+              </a:rPr>
+              <a:t>/). </a:t>
+            </a:r>
+            <a:r>
+              <a:rPr lang="en-US" sz="1200" b="0" i="0" u="none" strike="noStrike" kern="1200" baseline="0" dirty="0" smtClean="0">
+                <a:solidFill>
+                  <a:schemeClr val="tx1"/>
+                </a:solidFill>
+                <a:latin typeface="+mn-lt"/>
+                <a:ea typeface="+mn-ea"/>
+                <a:cs typeface="+mn-cs"/>
+              </a:rPr>
               <a:t>The</a:t>
             </a:r>
-            <a:r>
-              <a:rPr lang="en-US" baseline="0" dirty="0" smtClean="0"/>
-              <a:t> overall narrative I’m trying to weave – more variance in females</a:t>
-            </a:r>
-          </a:p>
-          <a:p>
-            <a:r>
-              <a:rPr lang="en-US" baseline="0" dirty="0" smtClean="0"/>
-              <a:t>-Between cells (MLH1 counts)</a:t>
-            </a:r>
-          </a:p>
-          <a:p>
-            <a:r>
-              <a:rPr lang="en-US" baseline="0" dirty="0" smtClean="0"/>
-              <a:t>- Uniform spacing (the 1CO position is not regulated)  (F1 variance is probably larger (F1nrm))</a:t>
-            </a:r>
-          </a:p>
-          <a:p>
-            <a:r>
-              <a:rPr lang="en-US" baseline="0" dirty="0" smtClean="0"/>
-              <a:t>- IFD spacing / interference strength</a:t>
-            </a:r>
-          </a:p>
-          <a:p>
-            <a:endParaRPr lang="en-US" dirty="0" smtClean="0"/>
-          </a:p>
-          <a:p>
-            <a:r>
-              <a:rPr lang="en-US" dirty="0" smtClean="0"/>
-              <a:t>- Lack of distinction between</a:t>
-            </a:r>
-            <a:r>
-              <a:rPr lang="en-US" baseline="0" dirty="0" smtClean="0"/>
-              <a:t> 1CO and 2CO lengths</a:t>
-            </a:r>
-            <a:endParaRPr lang="en-US" dirty="0" smtClean="0"/>
-          </a:p>
-          <a:p>
-            <a:endParaRPr lang="en-US" dirty="0" smtClean="0"/>
-          </a:p>
-          <a:p>
-            <a:r>
-              <a:rPr lang="en-US" dirty="0" smtClean="0"/>
-              <a:t>(longer</a:t>
-            </a:r>
-            <a:r>
-              <a:rPr lang="en-US" baseline="0" dirty="0" smtClean="0"/>
-              <a:t> SC lengths (variance in SC length / I’m not sure this makes sense)</a:t>
-            </a:r>
-            <a:r>
-              <a:rPr lang="en-US" dirty="0" smtClean="0"/>
-              <a:t>)</a:t>
-            </a:r>
-          </a:p>
-          <a:p>
+          </a:p>
+          <a:p>
+            <a:r>
+              <a:rPr lang="en-US" sz="1200" b="0" i="0" u="none" strike="noStrike" kern="1200" baseline="0" dirty="0" smtClean="0">
+                <a:solidFill>
+                  <a:schemeClr val="tx1"/>
+                </a:solidFill>
+                <a:latin typeface="+mn-lt"/>
+                <a:ea typeface="+mn-ea"/>
+                <a:cs typeface="+mn-cs"/>
+              </a:rPr>
+              <a:t>distances are expressed as percentage of the length of the SC AE on which the</a:t>
+            </a:r>
+          </a:p>
+          <a:p>
+            <a:r>
+              <a:rPr lang="en-US" sz="1200" b="0" i="0" u="none" strike="noStrike" kern="1200" baseline="0" dirty="0" smtClean="0">
+                <a:solidFill>
+                  <a:schemeClr val="tx1"/>
+                </a:solidFill>
+                <a:latin typeface="+mn-lt"/>
+                <a:ea typeface="+mn-ea"/>
+                <a:cs typeface="+mn-cs"/>
+              </a:rPr>
+              <a:t>focus was located. </a:t>
+            </a:r>
+            <a:r>
+              <a:rPr lang="en-US" sz="1200" b="1" i="0" u="none" strike="noStrike" kern="1200" baseline="0" dirty="0" smtClean="0">
+                <a:solidFill>
+                  <a:schemeClr val="tx1"/>
+                </a:solidFill>
+                <a:latin typeface="+mn-lt"/>
+                <a:ea typeface="+mn-ea"/>
+                <a:cs typeface="+mn-cs"/>
+              </a:rPr>
+              <a:t>The numbers of foci on which the curves are based are</a:t>
+            </a:r>
+          </a:p>
+          <a:p>
+            <a:r>
+              <a:rPr lang="en-US" sz="1200" b="1" i="0" u="none" strike="noStrike" kern="1200" baseline="0" dirty="0" smtClean="0">
+                <a:solidFill>
+                  <a:schemeClr val="tx1"/>
+                </a:solidFill>
+                <a:latin typeface="+mn-lt"/>
+                <a:ea typeface="+mn-ea"/>
+                <a:cs typeface="+mn-cs"/>
+              </a:rPr>
+              <a:t>shown in the upper left corners, and the chromosome numbers are shown in</a:t>
+            </a:r>
+          </a:p>
+          <a:p>
+            <a:r>
+              <a:rPr lang="en-US" sz="1200" b="1" i="0" u="none" strike="noStrike" kern="1200" baseline="0" dirty="0" smtClean="0">
+                <a:solidFill>
+                  <a:schemeClr val="tx1"/>
+                </a:solidFill>
+                <a:latin typeface="+mn-lt"/>
+                <a:ea typeface="+mn-ea"/>
+                <a:cs typeface="+mn-cs"/>
+              </a:rPr>
+              <a:t>the lower right corners of the graphs</a:t>
+            </a:r>
+            <a:r>
+              <a:rPr lang="en-US" sz="1200" b="0" i="0" u="none" strike="noStrike" kern="1200" baseline="0" dirty="0" smtClean="0">
+                <a:solidFill>
+                  <a:schemeClr val="tx1"/>
+                </a:solidFill>
+                <a:latin typeface="+mn-lt"/>
+                <a:ea typeface="+mn-ea"/>
+                <a:cs typeface="+mn-cs"/>
+              </a:rPr>
+              <a:t>. A uniform distribution of foci would</a:t>
+            </a:r>
+          </a:p>
+          <a:p>
+            <a:r>
+              <a:rPr lang="en-US" sz="1200" b="0" i="0" u="none" strike="noStrike" kern="1200" baseline="0" dirty="0" smtClean="0">
+                <a:solidFill>
+                  <a:schemeClr val="tx1"/>
+                </a:solidFill>
+                <a:latin typeface="+mn-lt"/>
+                <a:ea typeface="+mn-ea"/>
+                <a:cs typeface="+mn-cs"/>
+              </a:rPr>
+              <a:t>yield a straight line from the lower left to the upper right corner of the graph.</a:t>
+            </a:r>
+          </a:p>
+          <a:p>
+            <a:r>
+              <a:rPr lang="en-US" sz="1200" b="0" i="0" u="none" strike="noStrike" kern="1200" baseline="0" dirty="0" smtClean="0">
+                <a:solidFill>
+                  <a:schemeClr val="tx1"/>
+                </a:solidFill>
+                <a:latin typeface="+mn-lt"/>
+                <a:ea typeface="+mn-ea"/>
+                <a:cs typeface="+mn-cs"/>
+              </a:rPr>
+              <a:t>M, male; F, female; </a:t>
+            </a:r>
+            <a:r>
+              <a:rPr lang="en-US" sz="1200" b="0" i="0" u="none" strike="noStrike" kern="1200" baseline="0" dirty="0" err="1" smtClean="0">
+                <a:solidFill>
+                  <a:schemeClr val="tx1"/>
+                </a:solidFill>
+                <a:latin typeface="+mn-lt"/>
+                <a:ea typeface="+mn-ea"/>
+                <a:cs typeface="+mn-cs"/>
+              </a:rPr>
+              <a:t>Wt</a:t>
+            </a:r>
+            <a:r>
+              <a:rPr lang="en-US" sz="1200" b="0" i="0" u="none" strike="noStrike" kern="1200" baseline="0" dirty="0" smtClean="0">
+                <a:solidFill>
+                  <a:schemeClr val="tx1"/>
+                </a:solidFill>
+                <a:latin typeface="+mn-lt"/>
+                <a:ea typeface="+mn-ea"/>
+                <a:cs typeface="+mn-cs"/>
+              </a:rPr>
+              <a:t>, wild type; , </a:t>
+            </a:r>
+            <a:r>
+              <a:rPr lang="en-US" sz="1200" b="0" i="1" u="none" strike="noStrike" kern="1200" baseline="0" dirty="0" smtClean="0">
+                <a:solidFill>
+                  <a:schemeClr val="tx1"/>
+                </a:solidFill>
+                <a:latin typeface="+mn-lt"/>
+                <a:ea typeface="+mn-ea"/>
+                <a:cs typeface="+mn-cs"/>
+              </a:rPr>
+              <a:t>Sycp1</a:t>
+            </a:r>
+            <a:r>
+              <a:rPr lang="en-US" sz="1200" b="0" i="0" u="none" strike="noStrike" kern="1200" baseline="0" dirty="0" smtClean="0">
+                <a:solidFill>
+                  <a:schemeClr val="tx1"/>
+                </a:solidFill>
+                <a:latin typeface="+mn-lt"/>
+                <a:ea typeface="+mn-ea"/>
+                <a:cs typeface="+mn-cs"/>
+              </a:rPr>
+              <a:t>/.</a:t>
+            </a:r>
             <a:endParaRPr lang="en-US" dirty="0"/>
           </a:p>
         </p:txBody>
@@ -1796,7 +1786,7 @@
     </p:spTree>
     <p:extLst>
       <p:ext uri="{BB962C8B-B14F-4D97-AF65-F5344CB8AC3E}">
-        <p14:creationId xmlns:p14="http://schemas.microsoft.com/office/powerpoint/2010/main" val="3243097393"/>
+        <p14:creationId xmlns:p14="http://schemas.microsoft.com/office/powerpoint/2010/main" val="2812527262"/>
       </p:ext>
     </p:extLst>
   </p:cSld>
@@ -1852,79 +1842,63 @@
           <a:p>
             <a:r>
               <a:rPr lang="en-US" dirty="0" smtClean="0"/>
-              <a:t>(motivation)</a:t>
-            </a:r>
-          </a:p>
-          <a:p>
-            <a:r>
-              <a:rPr lang="en-US" dirty="0" smtClean="0"/>
-              <a:t>Given the findings</a:t>
+              <a:t>The</a:t>
             </a:r>
             <a:r>
               <a:rPr lang="en-US" baseline="0" dirty="0" smtClean="0"/>
-              <a:t> with the </a:t>
-            </a:r>
-            <a:r>
-              <a:rPr lang="en-US" baseline="0" dirty="0" err="1" smtClean="0"/>
-              <a:t>gwRR</a:t>
-            </a:r>
+              <a:t> overall narrative I’m trying to weave – more variance in females</a:t>
+            </a:r>
+          </a:p>
+          <a:p>
             <a:r>
               <a:rPr lang="en-US" baseline="0" dirty="0" smtClean="0"/>
-              <a:t> -&gt; </a:t>
-            </a:r>
-            <a:r>
-              <a:rPr lang="en-US" baseline="0" dirty="0" err="1" smtClean="0"/>
-              <a:t>chrm</a:t>
-            </a:r>
+              <a:t>-Between cells (MLH1 counts)</a:t>
+            </a:r>
+          </a:p>
+          <a:p>
             <a:r>
               <a:rPr lang="en-US" baseline="0" dirty="0" smtClean="0"/>
-              <a:t> proportions -&gt; look at single bivalent pattern</a:t>
-            </a:r>
-          </a:p>
-          <a:p>
-            <a:endParaRPr lang="en-US" baseline="0" dirty="0" smtClean="0"/>
+              <a:t>- Uniform spacing (the 1CO position is not regulated)  (F1 variance is probably larger (F1nrm))</a:t>
+            </a:r>
           </a:p>
           <a:p>
             <a:r>
               <a:rPr lang="en-US" baseline="0" dirty="0" smtClean="0"/>
-              <a:t>(chromatin compaction, interference and known sex specific rec landscape features)</a:t>
-            </a:r>
-          </a:p>
-          <a:p>
-            <a:endParaRPr lang="en-US" baseline="0" dirty="0" smtClean="0"/>
-          </a:p>
-          <a:p>
+              <a:t>- IFD spacing / interference strength</a:t>
+            </a:r>
+          </a:p>
+          <a:p>
+            <a:endParaRPr lang="en-US" dirty="0" smtClean="0"/>
+          </a:p>
+          <a:p>
+            <a:r>
+              <a:rPr lang="en-US" dirty="0" smtClean="0"/>
+              <a:t>- Lack of distinction between</a:t>
+            </a:r>
             <a:r>
               <a:rPr lang="en-US" baseline="0" dirty="0" smtClean="0"/>
-              <a:t>(Brief summary for dataset)</a:t>
-            </a:r>
-          </a:p>
-          <a:p>
-            <a:endParaRPr lang="en-US" baseline="0" dirty="0" smtClean="0"/>
-          </a:p>
-          <a:p>
+              <a:t> 1CO and 2CO lengths</a:t>
+            </a:r>
+            <a:endParaRPr lang="en-US" dirty="0" smtClean="0"/>
+          </a:p>
+          <a:p>
+            <a:endParaRPr lang="en-US" dirty="0" smtClean="0"/>
+          </a:p>
+          <a:p>
+            <a:r>
+              <a:rPr lang="en-US" dirty="0" smtClean="0"/>
+              <a:t>(longer</a:t>
+            </a:r>
             <a:r>
               <a:rPr lang="en-US" baseline="0" dirty="0" smtClean="0"/>
-              <a:t>(Focus is on 2 main questions)</a:t>
-            </a:r>
-          </a:p>
-          <a:p>
-            <a:endParaRPr lang="en-US" baseline="0" dirty="0" smtClean="0"/>
-          </a:p>
-          <a:p>
-            <a:r>
-              <a:rPr lang="en-US" baseline="0" dirty="0" smtClean="0"/>
-              <a:t>Animate so that they appear sequentially, then ii) fades</a:t>
-            </a:r>
-          </a:p>
-          <a:p>
-            <a:endParaRPr lang="en-US" baseline="0" dirty="0" smtClean="0"/>
-          </a:p>
-          <a:p>
-            <a:r>
-              <a:rPr lang="en-US" dirty="0" smtClean="0"/>
-              <a:t>Example questions</a:t>
-            </a:r>
+              <a:t> SC lengths (variance in SC length / I’m not sure this makes sense)</a:t>
+            </a:r>
+            <a:r>
+              <a:rPr lang="en-US" dirty="0" smtClean="0"/>
+              <a:t>)</a:t>
+            </a:r>
+          </a:p>
+          <a:p>
             <a:endParaRPr lang="en-US" dirty="0"/>
           </a:p>
         </p:txBody>
@@ -1955,7 +1929,7 @@
     </p:spTree>
     <p:extLst>
       <p:ext uri="{BB962C8B-B14F-4D97-AF65-F5344CB8AC3E}">
-        <p14:creationId xmlns:p14="http://schemas.microsoft.com/office/powerpoint/2010/main" val="3575860465"/>
+        <p14:creationId xmlns:p14="http://schemas.microsoft.com/office/powerpoint/2010/main" val="3243097393"/>
       </p:ext>
     </p:extLst>
   </p:cSld>
@@ -2011,50 +1985,33 @@
           <a:p>
             <a:r>
               <a:rPr lang="en-US" dirty="0" smtClean="0"/>
-              <a:t>1 way </a:t>
-            </a:r>
-            <a:r>
-              <a:rPr lang="en-US" dirty="0" err="1" smtClean="0"/>
-              <a:t>Anova</a:t>
-            </a:r>
-            <a:r>
-              <a:rPr lang="en-US" dirty="0" smtClean="0"/>
-              <a:t> – at least 1 of the group is different</a:t>
-            </a:r>
-          </a:p>
-          <a:p>
-            <a:r>
-              <a:rPr lang="en-US" dirty="0" smtClean="0"/>
-              <a:t>2. Pairwise </a:t>
-            </a:r>
-            <a:r>
-              <a:rPr lang="en-US" dirty="0" err="1" smtClean="0"/>
-              <a:t>t.tests</a:t>
-            </a:r>
-            <a:r>
-              <a:rPr lang="en-US" dirty="0" smtClean="0"/>
-              <a:t>, (maybe</a:t>
+              <a:t>(motivation)</a:t>
+            </a:r>
+          </a:p>
+          <a:p>
+            <a:r>
+              <a:rPr lang="en-US" dirty="0" smtClean="0"/>
+              <a:t>Given the findings</a:t>
             </a:r>
             <a:r>
               <a:rPr lang="en-US" baseline="0" dirty="0" smtClean="0"/>
-              <a:t> I was using the wrong correction)</a:t>
-            </a:r>
-            <a:endParaRPr lang="en-US" dirty="0" smtClean="0"/>
-          </a:p>
-          <a:p>
-            <a:endParaRPr lang="en-US" dirty="0" smtClean="0"/>
-          </a:p>
-          <a:p>
-            <a:endParaRPr lang="en-US" dirty="0" smtClean="0"/>
-          </a:p>
-          <a:p>
-            <a:r>
-              <a:rPr lang="en-US" dirty="0" smtClean="0"/>
-              <a:t>What</a:t>
+              <a:t> with the </a:t>
+            </a:r>
+            <a:r>
+              <a:rPr lang="en-US" baseline="0" dirty="0" err="1" smtClean="0"/>
+              <a:t>gwRR</a:t>
             </a:r>
             <a:r>
               <a:rPr lang="en-US" baseline="0" dirty="0" smtClean="0"/>
-              <a:t> would the point be to run these models? </a:t>
+              <a:t> -&gt; </a:t>
+            </a:r>
+            <a:r>
+              <a:rPr lang="en-US" baseline="0" dirty="0" err="1" smtClean="0"/>
+              <a:t>chrm</a:t>
+            </a:r>
+            <a:r>
+              <a:rPr lang="en-US" baseline="0" dirty="0" smtClean="0"/>
+              <a:t> proportions -&gt; look at single bivalent pattern</a:t>
             </a:r>
           </a:p>
           <a:p>
@@ -2063,21 +2020,43 @@
           <a:p>
             <a:r>
               <a:rPr lang="en-US" baseline="0" dirty="0" smtClean="0"/>
-              <a:t>Distinguish the higher than ‘low’ (Dom) level strains</a:t>
-            </a:r>
-          </a:p>
-          <a:p>
-            <a:r>
-              <a:rPr lang="en-US" dirty="0" smtClean="0"/>
-              <a:t>Allows</a:t>
-            </a:r>
+              <a:t>(chromatin compaction, interference and known sex specific rec landscape features)</a:t>
+            </a:r>
+          </a:p>
+          <a:p>
+            <a:endParaRPr lang="en-US" baseline="0" dirty="0" smtClean="0"/>
+          </a:p>
+          <a:p>
             <a:r>
               <a:rPr lang="en-US" baseline="0" dirty="0" smtClean="0"/>
-              <a:t> to add in additional strains not used for sexual </a:t>
-            </a:r>
-            <a:r>
-              <a:rPr lang="en-US" baseline="0" dirty="0" err="1" smtClean="0"/>
-              <a:t>differnces</a:t>
+              <a:t>(Brief summary for dataset)</a:t>
+            </a:r>
+          </a:p>
+          <a:p>
+            <a:endParaRPr lang="en-US" baseline="0" dirty="0" smtClean="0"/>
+          </a:p>
+          <a:p>
+            <a:r>
+              <a:rPr lang="en-US" baseline="0" dirty="0" smtClean="0"/>
+              <a:t>(Focus is on 2 main questions)</a:t>
+            </a:r>
+          </a:p>
+          <a:p>
+            <a:endParaRPr lang="en-US" baseline="0" dirty="0" smtClean="0"/>
+          </a:p>
+          <a:p>
+            <a:r>
+              <a:rPr lang="en-US" baseline="0" dirty="0" smtClean="0"/>
+              <a:t>Animate so that they appear sequentially, then ii) fades</a:t>
+            </a:r>
+          </a:p>
+          <a:p>
+            <a:endParaRPr lang="en-US" baseline="0" dirty="0" smtClean="0"/>
+          </a:p>
+          <a:p>
+            <a:r>
+              <a:rPr lang="en-US" dirty="0" smtClean="0"/>
+              <a:t>Example questions</a:t>
             </a:r>
             <a:endParaRPr lang="en-US" dirty="0"/>
           </a:p>
@@ -2101,6 +2080,160 @@
             <a:fld id="{2788907E-C72E-4D7B-B8CA-F158589AC799}" type="slidenum">
               <a:rPr lang="en-US" smtClean="0"/>
               <a:t>17</a:t>
+            </a:fld>
+            <a:endParaRPr lang="en-US"/>
+          </a:p>
+        </p:txBody>
+      </p:sp>
+    </p:spTree>
+    <p:extLst>
+      <p:ext uri="{BB962C8B-B14F-4D97-AF65-F5344CB8AC3E}">
+        <p14:creationId xmlns:p14="http://schemas.microsoft.com/office/powerpoint/2010/main" val="3575860465"/>
+      </p:ext>
+    </p:extLst>
+  </p:cSld>
+  <p:clrMapOvr>
+    <a:masterClrMapping/>
+  </p:clrMapOvr>
+</p:notes>
+</file>
+
+<file path=ppt/notesSlides/notesSlide16.xml><?xml version="1.0" encoding="utf-8"?>
+<p:notes xmlns:a="http://schemas.openxmlformats.org/drawingml/2006/main" xmlns:r="http://schemas.openxmlformats.org/officeDocument/2006/relationships" xmlns:p="http://schemas.openxmlformats.org/presentationml/2006/main">
+  <p:cSld>
+    <p:spTree>
+      <p:nvGrpSpPr>
+        <p:cNvPr id="1" name=""/>
+        <p:cNvGrpSpPr/>
+        <p:nvPr/>
+      </p:nvGrpSpPr>
+      <p:grpSpPr>
+        <a:xfrm>
+          <a:off x="0" y="0"/>
+          <a:ext cx="0" cy="0"/>
+          <a:chOff x="0" y="0"/>
+          <a:chExt cx="0" cy="0"/>
+        </a:xfrm>
+      </p:grpSpPr>
+      <p:sp>
+        <p:nvSpPr>
+          <p:cNvPr id="2" name="Slide Image Placeholder 1"/>
+          <p:cNvSpPr>
+            <a:spLocks noGrp="1" noRot="1" noChangeAspect="1"/>
+          </p:cNvSpPr>
+          <p:nvPr>
+            <p:ph type="sldImg"/>
+          </p:nvPr>
+        </p:nvSpPr>
+        <p:spPr/>
+      </p:sp>
+      <p:sp>
+        <p:nvSpPr>
+          <p:cNvPr id="3" name="Notes Placeholder 2"/>
+          <p:cNvSpPr>
+            <a:spLocks noGrp="1"/>
+          </p:cNvSpPr>
+          <p:nvPr>
+            <p:ph type="body" idx="1"/>
+          </p:nvPr>
+        </p:nvSpPr>
+        <p:spPr/>
+        <p:txBody>
+          <a:bodyPr/>
+          <a:lstStyle/>
+          <a:p>
+            <a:r>
+              <a:rPr lang="en-US" dirty="0" smtClean="0"/>
+              <a:t>1 way </a:t>
+            </a:r>
+            <a:r>
+              <a:rPr lang="en-US" dirty="0" err="1" smtClean="0"/>
+              <a:t>Anova</a:t>
+            </a:r>
+            <a:r>
+              <a:rPr lang="en-US" dirty="0" smtClean="0"/>
+              <a:t> – at least 1 of the group is different</a:t>
+            </a:r>
+          </a:p>
+          <a:p>
+            <a:r>
+              <a:rPr lang="en-US" dirty="0" smtClean="0"/>
+              <a:t>2. Pairwise </a:t>
+            </a:r>
+            <a:r>
+              <a:rPr lang="en-US" dirty="0" err="1" smtClean="0"/>
+              <a:t>t.tests</a:t>
+            </a:r>
+            <a:r>
+              <a:rPr lang="en-US" dirty="0" smtClean="0"/>
+              <a:t>, (maybe</a:t>
+            </a:r>
+            <a:r>
+              <a:rPr lang="en-US" baseline="0" dirty="0" smtClean="0"/>
+              <a:t> I was using the wrong correction)</a:t>
+            </a:r>
+            <a:endParaRPr lang="en-US" dirty="0" smtClean="0"/>
+          </a:p>
+          <a:p>
+            <a:endParaRPr lang="en-US" dirty="0" smtClean="0"/>
+          </a:p>
+          <a:p>
+            <a:endParaRPr lang="en-US" dirty="0" smtClean="0"/>
+          </a:p>
+          <a:p>
+            <a:r>
+              <a:rPr lang="en-US" dirty="0" smtClean="0"/>
+              <a:t>What</a:t>
+            </a:r>
+            <a:r>
+              <a:rPr lang="en-US" baseline="0" dirty="0" smtClean="0"/>
+              <a:t> would the point be to run these models? </a:t>
+            </a:r>
+          </a:p>
+          <a:p>
+            <a:endParaRPr lang="en-US" baseline="0" dirty="0" smtClean="0"/>
+          </a:p>
+          <a:p>
+            <a:r>
+              <a:rPr lang="en-US" baseline="0" dirty="0" smtClean="0"/>
+              <a:t>Distinguish the higher than ‘low’ (Dom) level strains</a:t>
+            </a:r>
+          </a:p>
+          <a:p>
+            <a:r>
+              <a:rPr lang="en-US" dirty="0" smtClean="0"/>
+              <a:t>Allows</a:t>
+            </a:r>
+            <a:r>
+              <a:rPr lang="en-US" baseline="0" dirty="0" smtClean="0"/>
+              <a:t> to add in additional strains not used for sexual </a:t>
+            </a:r>
+            <a:r>
+              <a:rPr lang="en-US" baseline="0" dirty="0" err="1" smtClean="0"/>
+              <a:t>differnces</a:t>
+            </a:r>
+            <a:endParaRPr lang="en-US" dirty="0"/>
+          </a:p>
+        </p:txBody>
+      </p:sp>
+      <p:sp>
+        <p:nvSpPr>
+          <p:cNvPr id="4" name="Slide Number Placeholder 3"/>
+          <p:cNvSpPr>
+            <a:spLocks noGrp="1"/>
+          </p:cNvSpPr>
+          <p:nvPr>
+            <p:ph type="sldNum" sz="quarter" idx="10"/>
+          </p:nvPr>
+        </p:nvSpPr>
+        <p:spPr/>
+        <p:txBody>
+          <a:bodyPr/>
+          <a:lstStyle/>
+          <a:p>
+            <a:fld id="{2788907E-C72E-4D7B-B8CA-F158589AC799}" type="slidenum">
+              <a:rPr lang="en-US" smtClean="0"/>
+              <a:t>18</a:t>
             </a:fld>
             <a:endParaRPr lang="en-US"/>
           </a:p>
@@ -2754,11 +2887,7 @@
           <a:p>
             <a:r>
               <a:rPr lang="en-US" dirty="0" smtClean="0"/>
-              <a:t>Example </a:t>
-            </a:r>
-            <a:r>
-              <a:rPr lang="en-US" dirty="0" smtClean="0"/>
-              <a:t>questions</a:t>
+              <a:t>Example questions</a:t>
             </a:r>
           </a:p>
           <a:p>
@@ -3151,7 +3280,7 @@
           <a:p>
             <a:fld id="{BA11E091-050C-4DAB-ABC8-34B3B7B173DA}" type="datetimeFigureOut">
               <a:rPr lang="en-US" smtClean="0"/>
-              <a:t>2/6/2020</a:t>
+              <a:t>2/7/2020</a:t>
             </a:fld>
             <a:endParaRPr lang="en-US"/>
           </a:p>
@@ -3321,7 +3450,7 @@
           <a:p>
             <a:fld id="{BA11E091-050C-4DAB-ABC8-34B3B7B173DA}" type="datetimeFigureOut">
               <a:rPr lang="en-US" smtClean="0"/>
-              <a:t>2/6/2020</a:t>
+              <a:t>2/7/2020</a:t>
             </a:fld>
             <a:endParaRPr lang="en-US"/>
           </a:p>
@@ -3501,7 +3630,7 @@
           <a:p>
             <a:fld id="{BA11E091-050C-4DAB-ABC8-34B3B7B173DA}" type="datetimeFigureOut">
               <a:rPr lang="en-US" smtClean="0"/>
-              <a:t>2/6/2020</a:t>
+              <a:t>2/7/2020</a:t>
             </a:fld>
             <a:endParaRPr lang="en-US"/>
           </a:p>
@@ -3671,7 +3800,7 @@
           <a:p>
             <a:fld id="{BA11E091-050C-4DAB-ABC8-34B3B7B173DA}" type="datetimeFigureOut">
               <a:rPr lang="en-US" smtClean="0"/>
-              <a:t>2/6/2020</a:t>
+              <a:t>2/7/2020</a:t>
             </a:fld>
             <a:endParaRPr lang="en-US"/>
           </a:p>
@@ -3917,7 +4046,7 @@
           <a:p>
             <a:fld id="{BA11E091-050C-4DAB-ABC8-34B3B7B173DA}" type="datetimeFigureOut">
               <a:rPr lang="en-US" smtClean="0"/>
-              <a:t>2/6/2020</a:t>
+              <a:t>2/7/2020</a:t>
             </a:fld>
             <a:endParaRPr lang="en-US"/>
           </a:p>
@@ -4149,7 +4278,7 @@
           <a:p>
             <a:fld id="{BA11E091-050C-4DAB-ABC8-34B3B7B173DA}" type="datetimeFigureOut">
               <a:rPr lang="en-US" smtClean="0"/>
-              <a:t>2/6/2020</a:t>
+              <a:t>2/7/2020</a:t>
             </a:fld>
             <a:endParaRPr lang="en-US"/>
           </a:p>
@@ -4516,7 +4645,7 @@
           <a:p>
             <a:fld id="{BA11E091-050C-4DAB-ABC8-34B3B7B173DA}" type="datetimeFigureOut">
               <a:rPr lang="en-US" smtClean="0"/>
-              <a:t>2/6/2020</a:t>
+              <a:t>2/7/2020</a:t>
             </a:fld>
             <a:endParaRPr lang="en-US"/>
           </a:p>
@@ -4634,7 +4763,7 @@
           <a:p>
             <a:fld id="{BA11E091-050C-4DAB-ABC8-34B3B7B173DA}" type="datetimeFigureOut">
               <a:rPr lang="en-US" smtClean="0"/>
-              <a:t>2/6/2020</a:t>
+              <a:t>2/7/2020</a:t>
             </a:fld>
             <a:endParaRPr lang="en-US"/>
           </a:p>
@@ -4729,7 +4858,7 @@
           <a:p>
             <a:fld id="{BA11E091-050C-4DAB-ABC8-34B3B7B173DA}" type="datetimeFigureOut">
               <a:rPr lang="en-US" smtClean="0"/>
-              <a:t>2/6/2020</a:t>
+              <a:t>2/7/2020</a:t>
             </a:fld>
             <a:endParaRPr lang="en-US"/>
           </a:p>
@@ -5006,7 +5135,7 @@
           <a:p>
             <a:fld id="{BA11E091-050C-4DAB-ABC8-34B3B7B173DA}" type="datetimeFigureOut">
               <a:rPr lang="en-US" smtClean="0"/>
-              <a:t>2/6/2020</a:t>
+              <a:t>2/7/2020</a:t>
             </a:fld>
             <a:endParaRPr lang="en-US"/>
           </a:p>
@@ -5259,7 +5388,7 @@
           <a:p>
             <a:fld id="{BA11E091-050C-4DAB-ABC8-34B3B7B173DA}" type="datetimeFigureOut">
               <a:rPr lang="en-US" smtClean="0"/>
-              <a:t>2/6/2020</a:t>
+              <a:t>2/7/2020</a:t>
             </a:fld>
             <a:endParaRPr lang="en-US"/>
           </a:p>
@@ -5472,7 +5601,7 @@
           <a:p>
             <a:fld id="{BA11E091-050C-4DAB-ABC8-34B3B7B173DA}" type="datetimeFigureOut">
               <a:rPr lang="en-US" smtClean="0"/>
-              <a:t>2/6/2020</a:t>
+              <a:t>2/7/2020</a:t>
             </a:fld>
             <a:endParaRPr lang="en-US"/>
           </a:p>
@@ -7185,6 +7314,113 @@
           <a:bodyPr/>
           <a:lstStyle/>
           <a:p>
+            <a:endParaRPr lang="en-US" dirty="0"/>
+          </a:p>
+        </p:txBody>
+      </p:sp>
+      <p:pic>
+        <p:nvPicPr>
+          <p:cNvPr id="6" name="Picture 5"/>
+          <p:cNvPicPr>
+            <a:picLocks noChangeAspect="1"/>
+          </p:cNvPicPr>
+          <p:nvPr/>
+        </p:nvPicPr>
+        <p:blipFill>
+          <a:blip r:embed="rId3"/>
+          <a:stretch>
+            <a:fillRect/>
+          </a:stretch>
+        </p:blipFill>
+        <p:spPr>
+          <a:xfrm>
+            <a:off x="1699812" y="811333"/>
+            <a:ext cx="8792374" cy="5767561"/>
+          </a:xfrm>
+          <a:prstGeom prst="rect">
+            <a:avLst/>
+          </a:prstGeom>
+        </p:spPr>
+      </p:pic>
+      <p:sp>
+        <p:nvSpPr>
+          <p:cNvPr id="5" name="TextBox 4"/>
+          <p:cNvSpPr txBox="1"/>
+          <p:nvPr/>
+        </p:nvSpPr>
+        <p:spPr>
+          <a:xfrm>
+            <a:off x="838200" y="5370779"/>
+            <a:ext cx="10650071" cy="461665"/>
+          </a:xfrm>
+          <a:prstGeom prst="rect">
+            <a:avLst/>
+          </a:prstGeom>
+          <a:solidFill>
+            <a:schemeClr val="bg1"/>
+          </a:solidFill>
+          <a:ln>
+            <a:solidFill>
+              <a:schemeClr val="tx1"/>
+            </a:solidFill>
+          </a:ln>
+        </p:spPr>
+        <p:txBody>
+          <a:bodyPr wrap="square" rtlCol="0">
+            <a:spAutoFit/>
+          </a:bodyPr>
+          <a:lstStyle/>
+          <a:p>
+            <a:pPr algn="ctr"/>
+            <a:endParaRPr lang="en-US" sz="2400" dirty="0"/>
+          </a:p>
+        </p:txBody>
+      </p:sp>
+    </p:spTree>
+    <p:extLst>
+      <p:ext uri="{BB962C8B-B14F-4D97-AF65-F5344CB8AC3E}">
+        <p14:creationId xmlns:p14="http://schemas.microsoft.com/office/powerpoint/2010/main" val="137388871"/>
+      </p:ext>
+    </p:extLst>
+  </p:cSld>
+  <p:clrMapOvr>
+    <a:masterClrMapping/>
+  </p:clrMapOvr>
+</p:sld>
+</file>
+
+<file path=ppt/slides/slide15.xml><?xml version="1.0" encoding="utf-8"?>
+<p:sld xmlns:a="http://schemas.openxmlformats.org/drawingml/2006/main" xmlns:r="http://schemas.openxmlformats.org/officeDocument/2006/relationships" xmlns:p="http://schemas.openxmlformats.org/presentationml/2006/main">
+  <p:cSld>
+    <p:spTree>
+      <p:nvGrpSpPr>
+        <p:cNvPr id="1" name=""/>
+        <p:cNvGrpSpPr/>
+        <p:nvPr/>
+      </p:nvGrpSpPr>
+      <p:grpSpPr>
+        <a:xfrm>
+          <a:off x="0" y="0"/>
+          <a:ext cx="0" cy="0"/>
+          <a:chOff x="0" y="0"/>
+          <a:chExt cx="0" cy="0"/>
+        </a:xfrm>
+      </p:grpSpPr>
+      <p:sp>
+        <p:nvSpPr>
+          <p:cNvPr id="2" name="Title 1"/>
+          <p:cNvSpPr>
+            <a:spLocks noGrp="1"/>
+          </p:cNvSpPr>
+          <p:nvPr>
+            <p:ph type="title"/>
+          </p:nvPr>
+        </p:nvSpPr>
+        <p:spPr/>
+        <p:txBody>
+          <a:bodyPr/>
+          <a:lstStyle/>
+          <a:p>
             <a:r>
               <a:rPr lang="en-US" dirty="0" err="1" smtClean="0"/>
               <a:t>DeBoer</a:t>
@@ -7286,7 +7522,7 @@
 </p:sld>
 </file>
 
-<file path=ppt/slides/slide15.xml><?xml version="1.0" encoding="utf-8"?>
+<file path=ppt/slides/slide16.xml><?xml version="1.0" encoding="utf-8"?>
 <p:sld xmlns:a="http://schemas.openxmlformats.org/drawingml/2006/main" xmlns:r="http://schemas.openxmlformats.org/officeDocument/2006/relationships" xmlns:p="http://schemas.openxmlformats.org/presentationml/2006/main">
   <p:cSld>
     <p:spTree>
@@ -7442,7 +7678,7 @@
 </p:sld>
 </file>
 
-<file path=ppt/slides/slide16.xml><?xml version="1.0" encoding="utf-8"?>
+<file path=ppt/slides/slide17.xml><?xml version="1.0" encoding="utf-8"?>
 <p:sld xmlns:a="http://schemas.openxmlformats.org/drawingml/2006/main" xmlns:r="http://schemas.openxmlformats.org/officeDocument/2006/relationships" xmlns:p="http://schemas.openxmlformats.org/presentationml/2006/main">
   <p:cSld>
     <p:spTree>
@@ -8067,7 +8303,7 @@
 </p:sld>
 </file>
 
-<file path=ppt/slides/slide17.xml><?xml version="1.0" encoding="utf-8"?>
+<file path=ppt/slides/slide18.xml><?xml version="1.0" encoding="utf-8"?>
 <p:sld xmlns:a="http://schemas.openxmlformats.org/drawingml/2006/main" xmlns:r="http://schemas.openxmlformats.org/officeDocument/2006/relationships" xmlns:p="http://schemas.openxmlformats.org/presentationml/2006/main">
   <p:cSld>
     <p:spTree>
@@ -8264,7 +8500,7 @@
 </p:sld>
 </file>
 
-<file path=ppt/slides/slide18.xml><?xml version="1.0" encoding="utf-8"?>
+<file path=ppt/slides/slide19.xml><?xml version="1.0" encoding="utf-8"?>
 <p:sld xmlns:a="http://schemas.openxmlformats.org/drawingml/2006/main" xmlns:r="http://schemas.openxmlformats.org/officeDocument/2006/relationships" xmlns:p="http://schemas.openxmlformats.org/presentationml/2006/main">
   <p:cSld>
     <p:spTree>
@@ -9349,11 +9585,7 @@
             </a:pPr>
             <a:r>
               <a:rPr lang="en-US" dirty="0" smtClean="0"/>
-              <a:t>G, PWD, SKIVE have sex specifi</a:t>
-            </a:r>
-            <a:r>
-              <a:rPr lang="en-US" dirty="0" smtClean="0"/>
-              <a:t>c pattern (higher than other mice)</a:t>
+              <a:t>G, PWD, SKIVE have sex specific pattern (higher than other mice)</a:t>
             </a:r>
             <a:endParaRPr lang="en-US" dirty="0"/>
           </a:p>
@@ -10041,15 +10273,7 @@
           <a:p>
             <a:r>
               <a:rPr lang="en-US" dirty="0" smtClean="0"/>
-              <a:t>Single Bivalent </a:t>
-            </a:r>
-            <a:r>
-              <a:rPr lang="en-US" dirty="0" smtClean="0"/>
-              <a:t>Sex Specific P</a:t>
-            </a:r>
-            <a:r>
-              <a:rPr lang="en-US" dirty="0" smtClean="0"/>
-              <a:t>atterns</a:t>
+              <a:t>Single Bivalent Sex Specific Patterns</a:t>
             </a:r>
             <a:endParaRPr lang="en-US" dirty="0"/>
           </a:p>
@@ -10077,11 +10301,7 @@
             </a:pPr>
             <a:r>
               <a:rPr lang="en-US" dirty="0" smtClean="0"/>
-              <a:t>Driving </a:t>
-            </a:r>
-            <a:r>
-              <a:rPr lang="en-US" dirty="0" smtClean="0"/>
-              <a:t>questions</a:t>
+              <a:t>Driving questions</a:t>
             </a:r>
             <a:endParaRPr lang="en-US" dirty="0"/>
           </a:p>
@@ -10105,15 +10325,7 @@
           <a:p>
             <a:r>
               <a:rPr lang="en-US" dirty="0" smtClean="0"/>
-              <a:t>Q2</a:t>
-            </a:r>
-            <a:r>
-              <a:rPr lang="en-US" dirty="0" smtClean="0"/>
-              <a:t>) </a:t>
-            </a:r>
-            <a:r>
-              <a:rPr lang="en-US" dirty="0" smtClean="0"/>
-              <a:t>What </a:t>
+              <a:t>Q2) What </a:t>
             </a:r>
             <a:r>
               <a:rPr lang="en-US" dirty="0"/>
@@ -10137,11 +10349,7 @@
             </a:r>
             <a:r>
               <a:rPr lang="en-US" dirty="0" smtClean="0"/>
-              <a:t>strain</a:t>
-            </a:r>
-            <a:r>
-              <a:rPr lang="en-US" dirty="0" smtClean="0"/>
-              <a:t>?</a:t>
+              <a:t>strain?</a:t>
             </a:r>
           </a:p>
           <a:p>
@@ -11050,7 +11258,6 @@
               <a:rPr lang="en-US" dirty="0" smtClean="0"/>
               <a:t>sex + (1|strain)</a:t>
             </a:r>
-            <a:endParaRPr lang="en-US" dirty="0" smtClean="0"/>
           </a:p>
           <a:p>
             <a:pPr marL="0" indent="0">

--- a/AP_labMeeting_2.12.20.pptx
+++ b/AP_labMeeting_2.12.20.pptx
@@ -5,7 +5,7 @@
     <p:sldMasterId id="2147483648" r:id="rId1"/>
   </p:sldMasterIdLst>
   <p:notesMasterIdLst>
-    <p:notesMasterId r:id="rId21"/>
+    <p:notesMasterId r:id="rId22"/>
   </p:notesMasterIdLst>
   <p:sldIdLst>
     <p:sldId id="256" r:id="rId2"/>
@@ -27,6 +27,7 @@
     <p:sldId id="270" r:id="rId18"/>
     <p:sldId id="266" r:id="rId19"/>
     <p:sldId id="268" r:id="rId20"/>
+    <p:sldId id="280" r:id="rId21"/>
   </p:sldIdLst>
   <p:sldSz cx="12192000" cy="6858000"/>
   <p:notesSz cx="6858000" cy="9144000"/>
@@ -215,7 +216,7 @@
           <a:p>
             <a:fld id="{582DA5D2-0B3C-4799-B633-4F32A722274F}" type="datetimeFigureOut">
               <a:rPr lang="en-US" smtClean="0"/>
-              <a:t>2/7/2020</a:t>
+              <a:t>2/9/2020</a:t>
             </a:fld>
             <a:endParaRPr lang="en-US"/>
           </a:p>
@@ -2252,6 +2253,915 @@
 </p:notes>
 </file>
 
+<file path=ppt/notesSlides/notesSlide17.xml><?xml version="1.0" encoding="utf-8"?>
+<p:notes xmlns:a="http://schemas.openxmlformats.org/drawingml/2006/main" xmlns:r="http://schemas.openxmlformats.org/officeDocument/2006/relationships" xmlns:p="http://schemas.openxmlformats.org/presentationml/2006/main">
+  <p:cSld>
+    <p:spTree>
+      <p:nvGrpSpPr>
+        <p:cNvPr id="1" name=""/>
+        <p:cNvGrpSpPr/>
+        <p:nvPr/>
+      </p:nvGrpSpPr>
+      <p:grpSpPr>
+        <a:xfrm>
+          <a:off x="0" y="0"/>
+          <a:ext cx="0" cy="0"/>
+          <a:chOff x="0" y="0"/>
+          <a:chExt cx="0" cy="0"/>
+        </a:xfrm>
+      </p:grpSpPr>
+      <p:sp>
+        <p:nvSpPr>
+          <p:cNvPr id="2" name="Slide Image Placeholder 1"/>
+          <p:cNvSpPr>
+            <a:spLocks noGrp="1" noRot="1" noChangeAspect="1"/>
+          </p:cNvSpPr>
+          <p:nvPr>
+            <p:ph type="sldImg"/>
+          </p:nvPr>
+        </p:nvSpPr>
+        <p:spPr/>
+      </p:sp>
+      <p:sp>
+        <p:nvSpPr>
+          <p:cNvPr id="3" name="Notes Placeholder 2"/>
+          <p:cNvSpPr>
+            <a:spLocks noGrp="1"/>
+          </p:cNvSpPr>
+          <p:nvPr>
+            <p:ph type="body" idx="1"/>
+          </p:nvPr>
+        </p:nvSpPr>
+        <p:spPr/>
+        <p:txBody>
+          <a:bodyPr/>
+          <a:lstStyle/>
+          <a:p>
+            <a:r>
+              <a:rPr lang="en-US" sz="1200" kern="1200" dirty="0" smtClean="0">
+                <a:solidFill>
+                  <a:schemeClr val="tx1"/>
+                </a:solidFill>
+                <a:effectLst/>
+                <a:latin typeface="+mn-lt"/>
+                <a:ea typeface="+mn-ea"/>
+                <a:cs typeface="+mn-cs"/>
+              </a:rPr>
+              <a:t> </a:t>
+            </a:r>
+          </a:p>
+          <a:p>
+            <a:r>
+              <a:rPr lang="en-US" sz="1200" b="1" kern="1200" dirty="0" smtClean="0">
+                <a:solidFill>
+                  <a:schemeClr val="tx1"/>
+                </a:solidFill>
+                <a:effectLst/>
+                <a:latin typeface="+mn-lt"/>
+                <a:ea typeface="+mn-ea"/>
+                <a:cs typeface="+mn-cs"/>
+              </a:rPr>
+              <a:t>Discussion</a:t>
+            </a:r>
+            <a:endParaRPr lang="en-US" sz="1300" b="1" kern="1200" dirty="0" smtClean="0">
+              <a:solidFill>
+                <a:schemeClr val="tx1"/>
+              </a:solidFill>
+              <a:effectLst/>
+              <a:latin typeface="+mn-lt"/>
+              <a:ea typeface="+mn-ea"/>
+              <a:cs typeface="+mn-cs"/>
+            </a:endParaRPr>
+          </a:p>
+          <a:p>
+            <a:r>
+              <a:rPr lang="en-US" sz="1200" kern="1200" dirty="0" smtClean="0">
+                <a:solidFill>
+                  <a:schemeClr val="tx1"/>
+                </a:solidFill>
+                <a:effectLst/>
+                <a:latin typeface="+mn-lt"/>
+                <a:ea typeface="+mn-ea"/>
+                <a:cs typeface="+mn-cs"/>
+              </a:rPr>
+              <a:t> </a:t>
+            </a:r>
+          </a:p>
+          <a:p>
+            <a:r>
+              <a:rPr lang="en-US" sz="1200" dirty="0" smtClean="0">
+                <a:effectLst/>
+              </a:rPr>
+              <a:t>Table X, Current models and their predictions for the evolution of heterochiasmy</a:t>
+            </a:r>
+            <a:endParaRPr lang="en-US" dirty="0" smtClean="0">
+              <a:effectLst/>
+            </a:endParaRPr>
+          </a:p>
+          <a:p>
+            <a:r>
+              <a:rPr lang="en-US" sz="1200" dirty="0" smtClean="0">
+                <a:effectLst/>
+              </a:rPr>
+              <a:t>Table X, results from proposed predictions</a:t>
+            </a:r>
+            <a:endParaRPr lang="en-US" dirty="0" smtClean="0">
+              <a:effectLst/>
+            </a:endParaRPr>
+          </a:p>
+          <a:p>
+            <a:r>
+              <a:rPr lang="en-US" sz="1200" dirty="0" smtClean="0">
+                <a:effectLst/>
+              </a:rPr>
+              <a:t>(Figure X, cartoon of difference in bivalent on spindle for 1CO and 2COs)</a:t>
+            </a:r>
+            <a:endParaRPr lang="en-US" dirty="0" smtClean="0">
+              <a:effectLst/>
+            </a:endParaRPr>
+          </a:p>
+          <a:p>
+            <a:pPr lvl="0"/>
+            <a:r>
+              <a:rPr lang="en-US" sz="1200" kern="1200" dirty="0" smtClean="0">
+                <a:solidFill>
+                  <a:schemeClr val="tx1"/>
+                </a:solidFill>
+                <a:effectLst/>
+                <a:latin typeface="+mn-lt"/>
+                <a:ea typeface="+mn-ea"/>
+                <a:cs typeface="+mn-cs"/>
+              </a:rPr>
+              <a:t>Review main patterns</a:t>
+            </a:r>
+            <a:endParaRPr lang="en-US" sz="1100" kern="1200" dirty="0" smtClean="0">
+              <a:solidFill>
+                <a:schemeClr val="tx1"/>
+              </a:solidFill>
+              <a:effectLst/>
+              <a:latin typeface="+mn-lt"/>
+              <a:ea typeface="+mn-ea"/>
+              <a:cs typeface="+mn-cs"/>
+            </a:endParaRPr>
+          </a:p>
+          <a:p>
+            <a:pPr lvl="1"/>
+            <a:r>
+              <a:rPr lang="en-US" sz="1200" kern="1200" dirty="0" smtClean="0">
+                <a:solidFill>
+                  <a:schemeClr val="tx1"/>
+                </a:solidFill>
+                <a:effectLst/>
+                <a:latin typeface="+mn-lt"/>
+                <a:ea typeface="+mn-ea"/>
+                <a:cs typeface="+mn-cs"/>
+              </a:rPr>
+              <a:t>Male specific polymorphism for </a:t>
+            </a:r>
+            <a:r>
+              <a:rPr lang="en-US" sz="1200" kern="1200" dirty="0" err="1" smtClean="0">
+                <a:solidFill>
+                  <a:schemeClr val="tx1"/>
+                </a:solidFill>
+                <a:effectLst/>
+                <a:latin typeface="+mn-lt"/>
+                <a:ea typeface="+mn-ea"/>
+                <a:cs typeface="+mn-cs"/>
+              </a:rPr>
+              <a:t>gwRR</a:t>
+            </a:r>
+            <a:r>
+              <a:rPr lang="en-US" sz="1200" kern="1200" dirty="0" smtClean="0">
+                <a:solidFill>
+                  <a:schemeClr val="tx1"/>
+                </a:solidFill>
+                <a:effectLst/>
+                <a:latin typeface="+mn-lt"/>
+                <a:ea typeface="+mn-ea"/>
+                <a:cs typeface="+mn-cs"/>
+              </a:rPr>
+              <a:t> in </a:t>
+            </a:r>
+            <a:r>
+              <a:rPr lang="en-US" sz="1200" kern="1200" dirty="0" err="1" smtClean="0">
+                <a:solidFill>
+                  <a:schemeClr val="tx1"/>
+                </a:solidFill>
+                <a:effectLst/>
+                <a:latin typeface="+mn-lt"/>
+                <a:ea typeface="+mn-ea"/>
+                <a:cs typeface="+mn-cs"/>
+              </a:rPr>
+              <a:t>musculus</a:t>
+            </a:r>
+            <a:r>
+              <a:rPr lang="en-US" sz="1200" kern="1200" dirty="0" smtClean="0">
+                <a:solidFill>
+                  <a:schemeClr val="tx1"/>
+                </a:solidFill>
+                <a:effectLst/>
+                <a:latin typeface="+mn-lt"/>
+                <a:ea typeface="+mn-ea"/>
+                <a:cs typeface="+mn-cs"/>
+              </a:rPr>
+              <a:t> and </a:t>
+            </a:r>
+            <a:r>
+              <a:rPr lang="en-US" sz="1200" kern="1200" dirty="0" err="1" smtClean="0">
+                <a:solidFill>
+                  <a:schemeClr val="tx1"/>
+                </a:solidFill>
+                <a:effectLst/>
+                <a:latin typeface="+mn-lt"/>
+                <a:ea typeface="+mn-ea"/>
+                <a:cs typeface="+mn-cs"/>
+              </a:rPr>
+              <a:t>molossisnus</a:t>
+            </a:r>
+            <a:r>
+              <a:rPr lang="en-US" sz="1200" kern="1200" dirty="0" smtClean="0">
+                <a:solidFill>
+                  <a:schemeClr val="tx1"/>
+                </a:solidFill>
+                <a:effectLst/>
+                <a:latin typeface="+mn-lt"/>
+                <a:ea typeface="+mn-ea"/>
+                <a:cs typeface="+mn-cs"/>
+              </a:rPr>
+              <a:t>, may not be a species wide optimum for </a:t>
+            </a:r>
+            <a:r>
+              <a:rPr lang="en-US" sz="1200" kern="1200" dirty="0" err="1" smtClean="0">
+                <a:solidFill>
+                  <a:schemeClr val="tx1"/>
+                </a:solidFill>
+                <a:effectLst/>
+                <a:latin typeface="+mn-lt"/>
+                <a:ea typeface="+mn-ea"/>
+                <a:cs typeface="+mn-cs"/>
+              </a:rPr>
+              <a:t>gwRR</a:t>
+            </a:r>
+            <a:endParaRPr lang="en-US" sz="1100" kern="1200" dirty="0" smtClean="0">
+              <a:solidFill>
+                <a:schemeClr val="tx1"/>
+              </a:solidFill>
+              <a:effectLst/>
+              <a:latin typeface="+mn-lt"/>
+              <a:ea typeface="+mn-ea"/>
+              <a:cs typeface="+mn-cs"/>
+            </a:endParaRPr>
+          </a:p>
+          <a:p>
+            <a:pPr lvl="1"/>
+            <a:r>
+              <a:rPr lang="en-US" sz="1200" kern="1200" dirty="0" smtClean="0">
+                <a:solidFill>
+                  <a:schemeClr val="tx1"/>
+                </a:solidFill>
+                <a:effectLst/>
+                <a:latin typeface="+mn-lt"/>
+                <a:ea typeface="+mn-ea"/>
+                <a:cs typeface="+mn-cs"/>
+              </a:rPr>
+              <a:t>More variance in females for meiotic features, resulting in greater variation in </a:t>
+            </a:r>
+            <a:r>
+              <a:rPr lang="en-US" sz="1200" kern="1200" dirty="0" err="1" smtClean="0">
+                <a:solidFill>
+                  <a:schemeClr val="tx1"/>
+                </a:solidFill>
+                <a:effectLst/>
+                <a:latin typeface="+mn-lt"/>
+                <a:ea typeface="+mn-ea"/>
+                <a:cs typeface="+mn-cs"/>
+              </a:rPr>
+              <a:t>gwRR</a:t>
+            </a:r>
+            <a:endParaRPr lang="en-US" sz="1100" kern="1200" dirty="0" smtClean="0">
+              <a:solidFill>
+                <a:schemeClr val="tx1"/>
+              </a:solidFill>
+              <a:effectLst/>
+              <a:latin typeface="+mn-lt"/>
+              <a:ea typeface="+mn-ea"/>
+              <a:cs typeface="+mn-cs"/>
+            </a:endParaRPr>
+          </a:p>
+          <a:p>
+            <a:pPr lvl="1"/>
+            <a:r>
+              <a:rPr lang="en-US" sz="1200" kern="1200" dirty="0" smtClean="0">
+                <a:solidFill>
+                  <a:schemeClr val="tx1"/>
+                </a:solidFill>
+                <a:effectLst/>
+                <a:latin typeface="+mn-lt"/>
+                <a:ea typeface="+mn-ea"/>
+                <a:cs typeface="+mn-cs"/>
+              </a:rPr>
+              <a:t>Rapid male specific evolution upstream of CO repair stage</a:t>
+            </a:r>
+            <a:endParaRPr lang="en-US" sz="1100" kern="1200" dirty="0" smtClean="0">
+              <a:solidFill>
+                <a:schemeClr val="tx1"/>
+              </a:solidFill>
+              <a:effectLst/>
+              <a:latin typeface="+mn-lt"/>
+              <a:ea typeface="+mn-ea"/>
+              <a:cs typeface="+mn-cs"/>
+            </a:endParaRPr>
+          </a:p>
+          <a:p>
+            <a:r>
+              <a:rPr lang="en-US" sz="1200" kern="1200" dirty="0" smtClean="0">
+                <a:solidFill>
+                  <a:schemeClr val="tx1"/>
+                </a:solidFill>
+                <a:effectLst/>
+                <a:latin typeface="+mn-lt"/>
+                <a:ea typeface="+mn-ea"/>
+                <a:cs typeface="+mn-cs"/>
+              </a:rPr>
+              <a:t> </a:t>
+            </a:r>
+            <a:endParaRPr lang="en-US" sz="1100" kern="1200" dirty="0" smtClean="0">
+              <a:solidFill>
+                <a:schemeClr val="tx1"/>
+              </a:solidFill>
+              <a:effectLst/>
+              <a:latin typeface="+mn-lt"/>
+              <a:ea typeface="+mn-ea"/>
+              <a:cs typeface="+mn-cs"/>
+            </a:endParaRPr>
+          </a:p>
+          <a:p>
+            <a:pPr lvl="0"/>
+            <a:r>
+              <a:rPr lang="en-US" sz="1200" kern="1200" dirty="0" smtClean="0">
+                <a:solidFill>
+                  <a:schemeClr val="tx1"/>
+                </a:solidFill>
+                <a:effectLst/>
+                <a:latin typeface="+mn-lt"/>
+                <a:ea typeface="+mn-ea"/>
+                <a:cs typeface="+mn-cs"/>
+              </a:rPr>
+              <a:t>SACE predictions and bivalent selection models are not mutually exclusive,</a:t>
+            </a:r>
+            <a:endParaRPr lang="en-US" sz="1100" kern="1200" dirty="0" smtClean="0">
+              <a:solidFill>
+                <a:schemeClr val="tx1"/>
+              </a:solidFill>
+              <a:effectLst/>
+              <a:latin typeface="+mn-lt"/>
+              <a:ea typeface="+mn-ea"/>
+              <a:cs typeface="+mn-cs"/>
+            </a:endParaRPr>
+          </a:p>
+          <a:p>
+            <a:pPr lvl="0"/>
+            <a:r>
+              <a:rPr lang="en-US" sz="1200" kern="1200" dirty="0" smtClean="0">
+                <a:solidFill>
+                  <a:schemeClr val="tx1"/>
+                </a:solidFill>
+                <a:effectLst/>
+                <a:latin typeface="+mn-lt"/>
+                <a:ea typeface="+mn-ea"/>
+                <a:cs typeface="+mn-cs"/>
+              </a:rPr>
+              <a:t>Importance of broad scale patterns for recombination</a:t>
+            </a:r>
+            <a:endParaRPr lang="en-US" sz="1100" kern="1200" dirty="0" smtClean="0">
+              <a:solidFill>
+                <a:schemeClr val="tx1"/>
+              </a:solidFill>
+              <a:effectLst/>
+              <a:latin typeface="+mn-lt"/>
+              <a:ea typeface="+mn-ea"/>
+              <a:cs typeface="+mn-cs"/>
+            </a:endParaRPr>
+          </a:p>
+          <a:p>
+            <a:r>
+              <a:rPr lang="en-US" sz="1200" kern="1200" dirty="0" smtClean="0">
+                <a:solidFill>
+                  <a:schemeClr val="tx1"/>
+                </a:solidFill>
+                <a:effectLst/>
+                <a:latin typeface="+mn-lt"/>
+                <a:ea typeface="+mn-ea"/>
+                <a:cs typeface="+mn-cs"/>
+              </a:rPr>
+              <a:t>(centromere effects for </a:t>
+            </a:r>
+            <a:r>
+              <a:rPr lang="en-US" sz="1200" kern="1200" dirty="0" err="1" smtClean="0">
+                <a:solidFill>
+                  <a:schemeClr val="tx1"/>
+                </a:solidFill>
+                <a:effectLst/>
+                <a:latin typeface="+mn-lt"/>
+                <a:ea typeface="+mn-ea"/>
+                <a:cs typeface="+mn-cs"/>
+              </a:rPr>
+              <a:t>mis</a:t>
+            </a:r>
+            <a:r>
+              <a:rPr lang="en-US" sz="1200" kern="1200" dirty="0" smtClean="0">
+                <a:solidFill>
+                  <a:schemeClr val="tx1"/>
+                </a:solidFill>
+                <a:effectLst/>
+                <a:latin typeface="+mn-lt"/>
+                <a:ea typeface="+mn-ea"/>
+                <a:cs typeface="+mn-cs"/>
+              </a:rPr>
+              <a:t>-segregation rates) - (high rate of </a:t>
+            </a:r>
+            <a:r>
+              <a:rPr lang="en-US" sz="1200" kern="1200" dirty="0" err="1" smtClean="0">
+                <a:solidFill>
+                  <a:schemeClr val="tx1"/>
+                </a:solidFill>
+                <a:effectLst/>
+                <a:latin typeface="+mn-lt"/>
+                <a:ea typeface="+mn-ea"/>
+                <a:cs typeface="+mn-cs"/>
+              </a:rPr>
+              <a:t>robertsonian</a:t>
+            </a:r>
+            <a:r>
+              <a:rPr lang="en-US" sz="1200" kern="1200" dirty="0" smtClean="0">
+                <a:solidFill>
+                  <a:schemeClr val="tx1"/>
+                </a:solidFill>
+                <a:effectLst/>
+                <a:latin typeface="+mn-lt"/>
+                <a:ea typeface="+mn-ea"/>
+                <a:cs typeface="+mn-cs"/>
+              </a:rPr>
+              <a:t> translocation in Dom, and absent in </a:t>
+            </a:r>
+            <a:r>
+              <a:rPr lang="en-US" sz="1200" kern="1200" dirty="0" err="1" smtClean="0">
+                <a:solidFill>
+                  <a:schemeClr val="tx1"/>
+                </a:solidFill>
+                <a:effectLst/>
+                <a:latin typeface="+mn-lt"/>
+                <a:ea typeface="+mn-ea"/>
+                <a:cs typeface="+mn-cs"/>
+              </a:rPr>
+              <a:t>Musc</a:t>
+            </a:r>
+            <a:r>
+              <a:rPr lang="en-US" sz="1200" kern="1200" dirty="0" smtClean="0">
+                <a:solidFill>
+                  <a:schemeClr val="tx1"/>
+                </a:solidFill>
+                <a:effectLst/>
+                <a:latin typeface="+mn-lt"/>
+                <a:ea typeface="+mn-ea"/>
+                <a:cs typeface="+mn-cs"/>
+              </a:rPr>
+              <a:t> – maybe something about centromeres (encourages </a:t>
+            </a:r>
+            <a:r>
+              <a:rPr lang="en-US" sz="1200" kern="1200" dirty="0" err="1" smtClean="0">
+                <a:solidFill>
+                  <a:schemeClr val="tx1"/>
+                </a:solidFill>
+                <a:effectLst/>
+                <a:latin typeface="+mn-lt"/>
+                <a:ea typeface="+mn-ea"/>
+                <a:cs typeface="+mn-cs"/>
+              </a:rPr>
+              <a:t>transloactions</a:t>
+            </a:r>
+            <a:r>
+              <a:rPr lang="en-US" sz="1200" kern="1200" dirty="0" smtClean="0">
+                <a:solidFill>
+                  <a:schemeClr val="tx1"/>
+                </a:solidFill>
+                <a:effectLst/>
+                <a:latin typeface="+mn-lt"/>
+                <a:ea typeface="+mn-ea"/>
+                <a:cs typeface="+mn-cs"/>
+              </a:rPr>
+              <a:t> + suppresses 2CO (rec near centromere) in DOM</a:t>
+            </a:r>
+            <a:endParaRPr lang="en-US" sz="1100" kern="1200" dirty="0" smtClean="0">
+              <a:solidFill>
+                <a:schemeClr val="tx1"/>
+              </a:solidFill>
+              <a:effectLst/>
+              <a:latin typeface="+mn-lt"/>
+              <a:ea typeface="+mn-ea"/>
+              <a:cs typeface="+mn-cs"/>
+            </a:endParaRPr>
+          </a:p>
+          <a:p>
+            <a:r>
+              <a:rPr lang="en-US" sz="1200" kern="1200" dirty="0" smtClean="0">
+                <a:solidFill>
+                  <a:schemeClr val="tx1"/>
+                </a:solidFill>
+                <a:effectLst/>
+                <a:latin typeface="+mn-lt"/>
+                <a:ea typeface="+mn-ea"/>
+                <a:cs typeface="+mn-cs"/>
+              </a:rPr>
+              <a:t>(that has changed in </a:t>
+            </a:r>
+            <a:r>
+              <a:rPr lang="en-US" sz="1200" kern="1200" dirty="0" err="1" smtClean="0">
+                <a:solidFill>
+                  <a:schemeClr val="tx1"/>
+                </a:solidFill>
+                <a:effectLst/>
+                <a:latin typeface="+mn-lt"/>
+                <a:ea typeface="+mn-ea"/>
+                <a:cs typeface="+mn-cs"/>
+              </a:rPr>
+              <a:t>Musc</a:t>
+            </a:r>
+            <a:r>
+              <a:rPr lang="en-US" sz="1200" kern="1200" dirty="0" smtClean="0">
+                <a:solidFill>
+                  <a:schemeClr val="tx1"/>
+                </a:solidFill>
+                <a:effectLst/>
+                <a:latin typeface="+mn-lt"/>
+                <a:ea typeface="+mn-ea"/>
+                <a:cs typeface="+mn-cs"/>
+              </a:rPr>
+              <a:t>, REC near centromere suppresses rates of </a:t>
+            </a:r>
+            <a:r>
+              <a:rPr lang="en-US" sz="1200" kern="1200" dirty="0" err="1" smtClean="0">
+                <a:solidFill>
+                  <a:schemeClr val="tx1"/>
+                </a:solidFill>
+                <a:effectLst/>
+                <a:latin typeface="+mn-lt"/>
+                <a:ea typeface="+mn-ea"/>
+                <a:cs typeface="+mn-cs"/>
+              </a:rPr>
+              <a:t>robertsonian</a:t>
+            </a:r>
+            <a:r>
+              <a:rPr lang="en-US" sz="1200" kern="1200" dirty="0" smtClean="0">
+                <a:solidFill>
+                  <a:schemeClr val="tx1"/>
+                </a:solidFill>
+                <a:effectLst/>
+                <a:latin typeface="+mn-lt"/>
+                <a:ea typeface="+mn-ea"/>
+                <a:cs typeface="+mn-cs"/>
+              </a:rPr>
+              <a:t> translocation)</a:t>
+            </a:r>
+            <a:endParaRPr lang="en-US" sz="1100" kern="1200" dirty="0" smtClean="0">
+              <a:solidFill>
+                <a:schemeClr val="tx1"/>
+              </a:solidFill>
+              <a:effectLst/>
+              <a:latin typeface="+mn-lt"/>
+              <a:ea typeface="+mn-ea"/>
+              <a:cs typeface="+mn-cs"/>
+            </a:endParaRPr>
+          </a:p>
+          <a:p>
+            <a:endParaRPr lang="en-US" sz="1200" b="1" dirty="0" smtClean="0">
+              <a:effectLst/>
+            </a:endParaRPr>
+          </a:p>
+          <a:p>
+            <a:r>
+              <a:rPr lang="en-US" sz="1200" b="1" dirty="0" smtClean="0">
+                <a:effectLst/>
+              </a:rPr>
+              <a:t>Discussion</a:t>
+            </a:r>
+            <a:endParaRPr lang="en-US" dirty="0" smtClean="0">
+              <a:effectLst/>
+            </a:endParaRPr>
+          </a:p>
+          <a:p>
+            <a:r>
+              <a:rPr lang="en-US" sz="1200" dirty="0" smtClean="0">
+                <a:effectLst/>
+              </a:rPr>
+              <a:t>Table X, Current models and their predictions for the evolution of heterochiasmy</a:t>
+            </a:r>
+            <a:endParaRPr lang="en-US" dirty="0" smtClean="0">
+              <a:effectLst/>
+            </a:endParaRPr>
+          </a:p>
+          <a:p>
+            <a:r>
+              <a:rPr lang="en-US" sz="1200" dirty="0" smtClean="0">
+                <a:effectLst/>
+              </a:rPr>
+              <a:t>Table X, results from proposed predictions</a:t>
+            </a:r>
+            <a:endParaRPr lang="en-US" dirty="0" smtClean="0">
+              <a:effectLst/>
+            </a:endParaRPr>
+          </a:p>
+          <a:p>
+            <a:r>
+              <a:rPr lang="en-US" sz="1200" dirty="0" smtClean="0">
+                <a:effectLst/>
+              </a:rPr>
+              <a:t>(Figure X, cartoon of difference in bivalent on spindle for 1CO and 2COs)</a:t>
+            </a:r>
+            <a:endParaRPr lang="en-US" dirty="0" smtClean="0">
+              <a:effectLst/>
+            </a:endParaRPr>
+          </a:p>
+          <a:p>
+            <a:pPr lvl="0"/>
+            <a:r>
+              <a:rPr lang="en-US" sz="1200" kern="1200" dirty="0" smtClean="0">
+                <a:solidFill>
+                  <a:schemeClr val="tx1"/>
+                </a:solidFill>
+                <a:effectLst/>
+                <a:latin typeface="+mn-lt"/>
+                <a:ea typeface="+mn-ea"/>
+                <a:cs typeface="+mn-cs"/>
+              </a:rPr>
+              <a:t>Review main patterns</a:t>
+            </a:r>
+            <a:endParaRPr lang="en-US" sz="1100" kern="1200" dirty="0" smtClean="0">
+              <a:solidFill>
+                <a:schemeClr val="tx1"/>
+              </a:solidFill>
+              <a:effectLst/>
+              <a:latin typeface="+mn-lt"/>
+              <a:ea typeface="+mn-ea"/>
+              <a:cs typeface="+mn-cs"/>
+            </a:endParaRPr>
+          </a:p>
+          <a:p>
+            <a:pPr lvl="1"/>
+            <a:r>
+              <a:rPr lang="en-US" sz="1200" kern="1200" dirty="0" smtClean="0">
+                <a:solidFill>
+                  <a:schemeClr val="tx1"/>
+                </a:solidFill>
+                <a:effectLst/>
+                <a:latin typeface="+mn-lt"/>
+                <a:ea typeface="+mn-ea"/>
+                <a:cs typeface="+mn-cs"/>
+              </a:rPr>
+              <a:t>Male specific polymorphism for </a:t>
+            </a:r>
+            <a:r>
+              <a:rPr lang="en-US" sz="1200" kern="1200" dirty="0" err="1" smtClean="0">
+                <a:solidFill>
+                  <a:schemeClr val="tx1"/>
+                </a:solidFill>
+                <a:effectLst/>
+                <a:latin typeface="+mn-lt"/>
+                <a:ea typeface="+mn-ea"/>
+                <a:cs typeface="+mn-cs"/>
+              </a:rPr>
+              <a:t>gwRR</a:t>
+            </a:r>
+            <a:r>
+              <a:rPr lang="en-US" sz="1200" kern="1200" dirty="0" smtClean="0">
+                <a:solidFill>
+                  <a:schemeClr val="tx1"/>
+                </a:solidFill>
+                <a:effectLst/>
+                <a:latin typeface="+mn-lt"/>
+                <a:ea typeface="+mn-ea"/>
+                <a:cs typeface="+mn-cs"/>
+              </a:rPr>
+              <a:t> in </a:t>
+            </a:r>
+            <a:r>
+              <a:rPr lang="en-US" sz="1200" kern="1200" dirty="0" err="1" smtClean="0">
+                <a:solidFill>
+                  <a:schemeClr val="tx1"/>
+                </a:solidFill>
+                <a:effectLst/>
+                <a:latin typeface="+mn-lt"/>
+                <a:ea typeface="+mn-ea"/>
+                <a:cs typeface="+mn-cs"/>
+              </a:rPr>
+              <a:t>musculus</a:t>
+            </a:r>
+            <a:r>
+              <a:rPr lang="en-US" sz="1200" kern="1200" dirty="0" smtClean="0">
+                <a:solidFill>
+                  <a:schemeClr val="tx1"/>
+                </a:solidFill>
+                <a:effectLst/>
+                <a:latin typeface="+mn-lt"/>
+                <a:ea typeface="+mn-ea"/>
+                <a:cs typeface="+mn-cs"/>
+              </a:rPr>
+              <a:t> and </a:t>
+            </a:r>
+            <a:r>
+              <a:rPr lang="en-US" sz="1200" kern="1200" dirty="0" err="1" smtClean="0">
+                <a:solidFill>
+                  <a:schemeClr val="tx1"/>
+                </a:solidFill>
+                <a:effectLst/>
+                <a:latin typeface="+mn-lt"/>
+                <a:ea typeface="+mn-ea"/>
+                <a:cs typeface="+mn-cs"/>
+              </a:rPr>
+              <a:t>molossisnus</a:t>
+            </a:r>
+            <a:r>
+              <a:rPr lang="en-US" sz="1200" kern="1200" dirty="0" smtClean="0">
+                <a:solidFill>
+                  <a:schemeClr val="tx1"/>
+                </a:solidFill>
+                <a:effectLst/>
+                <a:latin typeface="+mn-lt"/>
+                <a:ea typeface="+mn-ea"/>
+                <a:cs typeface="+mn-cs"/>
+              </a:rPr>
+              <a:t>, may not be a species wide optimum for </a:t>
+            </a:r>
+            <a:r>
+              <a:rPr lang="en-US" sz="1200" kern="1200" dirty="0" err="1" smtClean="0">
+                <a:solidFill>
+                  <a:schemeClr val="tx1"/>
+                </a:solidFill>
+                <a:effectLst/>
+                <a:latin typeface="+mn-lt"/>
+                <a:ea typeface="+mn-ea"/>
+                <a:cs typeface="+mn-cs"/>
+              </a:rPr>
+              <a:t>gwRR</a:t>
+            </a:r>
+            <a:endParaRPr lang="en-US" sz="1100" kern="1200" dirty="0" smtClean="0">
+              <a:solidFill>
+                <a:schemeClr val="tx1"/>
+              </a:solidFill>
+              <a:effectLst/>
+              <a:latin typeface="+mn-lt"/>
+              <a:ea typeface="+mn-ea"/>
+              <a:cs typeface="+mn-cs"/>
+            </a:endParaRPr>
+          </a:p>
+          <a:p>
+            <a:pPr lvl="1"/>
+            <a:r>
+              <a:rPr lang="en-US" sz="1200" kern="1200" dirty="0" smtClean="0">
+                <a:solidFill>
+                  <a:schemeClr val="tx1"/>
+                </a:solidFill>
+                <a:effectLst/>
+                <a:latin typeface="+mn-lt"/>
+                <a:ea typeface="+mn-ea"/>
+                <a:cs typeface="+mn-cs"/>
+              </a:rPr>
+              <a:t>More variance in females for meiotic features, resulting in greater variation in </a:t>
+            </a:r>
+            <a:r>
+              <a:rPr lang="en-US" sz="1200" kern="1200" dirty="0" err="1" smtClean="0">
+                <a:solidFill>
+                  <a:schemeClr val="tx1"/>
+                </a:solidFill>
+                <a:effectLst/>
+                <a:latin typeface="+mn-lt"/>
+                <a:ea typeface="+mn-ea"/>
+                <a:cs typeface="+mn-cs"/>
+              </a:rPr>
+              <a:t>gwRR</a:t>
+            </a:r>
+            <a:endParaRPr lang="en-US" sz="1100" kern="1200" dirty="0" smtClean="0">
+              <a:solidFill>
+                <a:schemeClr val="tx1"/>
+              </a:solidFill>
+              <a:effectLst/>
+              <a:latin typeface="+mn-lt"/>
+              <a:ea typeface="+mn-ea"/>
+              <a:cs typeface="+mn-cs"/>
+            </a:endParaRPr>
+          </a:p>
+          <a:p>
+            <a:r>
+              <a:rPr lang="en-US" sz="1200" kern="1200" dirty="0" smtClean="0">
+                <a:solidFill>
+                  <a:schemeClr val="tx1"/>
+                </a:solidFill>
+                <a:effectLst/>
+                <a:latin typeface="+mn-lt"/>
+                <a:ea typeface="+mn-ea"/>
+                <a:cs typeface="+mn-cs"/>
+              </a:rPr>
+              <a:t> </a:t>
+            </a:r>
+            <a:endParaRPr lang="en-US" sz="1100" kern="1200" dirty="0" smtClean="0">
+              <a:solidFill>
+                <a:schemeClr val="tx1"/>
+              </a:solidFill>
+              <a:effectLst/>
+              <a:latin typeface="+mn-lt"/>
+              <a:ea typeface="+mn-ea"/>
+              <a:cs typeface="+mn-cs"/>
+            </a:endParaRPr>
+          </a:p>
+          <a:p>
+            <a:pPr lvl="0"/>
+            <a:r>
+              <a:rPr lang="en-US" sz="1200" kern="1200" dirty="0" smtClean="0">
+                <a:solidFill>
+                  <a:schemeClr val="tx1"/>
+                </a:solidFill>
+                <a:effectLst/>
+                <a:latin typeface="+mn-lt"/>
+                <a:ea typeface="+mn-ea"/>
+                <a:cs typeface="+mn-cs"/>
+              </a:rPr>
+              <a:t>SACE predictions and bivalent selection models are not mutually exclusive,</a:t>
+            </a:r>
+            <a:endParaRPr lang="en-US" sz="1100" kern="1200" dirty="0" smtClean="0">
+              <a:solidFill>
+                <a:schemeClr val="tx1"/>
+              </a:solidFill>
+              <a:effectLst/>
+              <a:latin typeface="+mn-lt"/>
+              <a:ea typeface="+mn-ea"/>
+              <a:cs typeface="+mn-cs"/>
+            </a:endParaRPr>
+          </a:p>
+          <a:p>
+            <a:pPr lvl="0"/>
+            <a:r>
+              <a:rPr lang="en-US" sz="1200" kern="1200" dirty="0" smtClean="0">
+                <a:solidFill>
+                  <a:schemeClr val="tx1"/>
+                </a:solidFill>
+                <a:effectLst/>
+                <a:latin typeface="+mn-lt"/>
+                <a:ea typeface="+mn-ea"/>
+                <a:cs typeface="+mn-cs"/>
+              </a:rPr>
+              <a:t>Importance of broad scale patterns for recombination</a:t>
+            </a:r>
+            <a:endParaRPr lang="en-US" sz="1100" kern="1200" dirty="0" smtClean="0">
+              <a:solidFill>
+                <a:schemeClr val="tx1"/>
+              </a:solidFill>
+              <a:effectLst/>
+              <a:latin typeface="+mn-lt"/>
+              <a:ea typeface="+mn-ea"/>
+              <a:cs typeface="+mn-cs"/>
+            </a:endParaRPr>
+          </a:p>
+          <a:p>
+            <a:endParaRPr lang="en-US" dirty="0"/>
+          </a:p>
+        </p:txBody>
+      </p:sp>
+      <p:sp>
+        <p:nvSpPr>
+          <p:cNvPr id="4" name="Slide Number Placeholder 3"/>
+          <p:cNvSpPr>
+            <a:spLocks noGrp="1"/>
+          </p:cNvSpPr>
+          <p:nvPr>
+            <p:ph type="sldNum" sz="quarter" idx="10"/>
+          </p:nvPr>
+        </p:nvSpPr>
+        <p:spPr/>
+        <p:txBody>
+          <a:bodyPr/>
+          <a:lstStyle/>
+          <a:p>
+            <a:fld id="{2788907E-C72E-4D7B-B8CA-F158589AC799}" type="slidenum">
+              <a:rPr lang="en-US" smtClean="0"/>
+              <a:t>20</a:t>
+            </a:fld>
+            <a:endParaRPr lang="en-US"/>
+          </a:p>
+        </p:txBody>
+      </p:sp>
+    </p:spTree>
+    <p:extLst>
+      <p:ext uri="{BB962C8B-B14F-4D97-AF65-F5344CB8AC3E}">
+        <p14:creationId xmlns:p14="http://schemas.microsoft.com/office/powerpoint/2010/main" val="1091368869"/>
+      </p:ext>
+    </p:extLst>
+  </p:cSld>
+  <p:clrMapOvr>
+    <a:masterClrMapping/>
+  </p:clrMapOvr>
+</p:notes>
+</file>
+
 <file path=ppt/notesSlides/notesSlide2.xml><?xml version="1.0" encoding="utf-8"?>
 <p:notes xmlns:a="http://schemas.openxmlformats.org/drawingml/2006/main" xmlns:r="http://schemas.openxmlformats.org/officeDocument/2006/relationships" xmlns:p="http://schemas.openxmlformats.org/presentationml/2006/main">
   <p:cSld>
@@ -3280,7 +4190,7 @@
           <a:p>
             <a:fld id="{BA11E091-050C-4DAB-ABC8-34B3B7B173DA}" type="datetimeFigureOut">
               <a:rPr lang="en-US" smtClean="0"/>
-              <a:t>2/7/2020</a:t>
+              <a:t>2/9/2020</a:t>
             </a:fld>
             <a:endParaRPr lang="en-US"/>
           </a:p>
@@ -3450,7 +4360,7 @@
           <a:p>
             <a:fld id="{BA11E091-050C-4DAB-ABC8-34B3B7B173DA}" type="datetimeFigureOut">
               <a:rPr lang="en-US" smtClean="0"/>
-              <a:t>2/7/2020</a:t>
+              <a:t>2/9/2020</a:t>
             </a:fld>
             <a:endParaRPr lang="en-US"/>
           </a:p>
@@ -3630,7 +4540,7 @@
           <a:p>
             <a:fld id="{BA11E091-050C-4DAB-ABC8-34B3B7B173DA}" type="datetimeFigureOut">
               <a:rPr lang="en-US" smtClean="0"/>
-              <a:t>2/7/2020</a:t>
+              <a:t>2/9/2020</a:t>
             </a:fld>
             <a:endParaRPr lang="en-US"/>
           </a:p>
@@ -3800,7 +4710,7 @@
           <a:p>
             <a:fld id="{BA11E091-050C-4DAB-ABC8-34B3B7B173DA}" type="datetimeFigureOut">
               <a:rPr lang="en-US" smtClean="0"/>
-              <a:t>2/7/2020</a:t>
+              <a:t>2/9/2020</a:t>
             </a:fld>
             <a:endParaRPr lang="en-US"/>
           </a:p>
@@ -4046,7 +4956,7 @@
           <a:p>
             <a:fld id="{BA11E091-050C-4DAB-ABC8-34B3B7B173DA}" type="datetimeFigureOut">
               <a:rPr lang="en-US" smtClean="0"/>
-              <a:t>2/7/2020</a:t>
+              <a:t>2/9/2020</a:t>
             </a:fld>
             <a:endParaRPr lang="en-US"/>
           </a:p>
@@ -4278,7 +5188,7 @@
           <a:p>
             <a:fld id="{BA11E091-050C-4DAB-ABC8-34B3B7B173DA}" type="datetimeFigureOut">
               <a:rPr lang="en-US" smtClean="0"/>
-              <a:t>2/7/2020</a:t>
+              <a:t>2/9/2020</a:t>
             </a:fld>
             <a:endParaRPr lang="en-US"/>
           </a:p>
@@ -4645,7 +5555,7 @@
           <a:p>
             <a:fld id="{BA11E091-050C-4DAB-ABC8-34B3B7B173DA}" type="datetimeFigureOut">
               <a:rPr lang="en-US" smtClean="0"/>
-              <a:t>2/7/2020</a:t>
+              <a:t>2/9/2020</a:t>
             </a:fld>
             <a:endParaRPr lang="en-US"/>
           </a:p>
@@ -4763,7 +5673,7 @@
           <a:p>
             <a:fld id="{BA11E091-050C-4DAB-ABC8-34B3B7B173DA}" type="datetimeFigureOut">
               <a:rPr lang="en-US" smtClean="0"/>
-              <a:t>2/7/2020</a:t>
+              <a:t>2/9/2020</a:t>
             </a:fld>
             <a:endParaRPr lang="en-US"/>
           </a:p>
@@ -4858,7 +5768,7 @@
           <a:p>
             <a:fld id="{BA11E091-050C-4DAB-ABC8-34B3B7B173DA}" type="datetimeFigureOut">
               <a:rPr lang="en-US" smtClean="0"/>
-              <a:t>2/7/2020</a:t>
+              <a:t>2/9/2020</a:t>
             </a:fld>
             <a:endParaRPr lang="en-US"/>
           </a:p>
@@ -5135,7 +6045,7 @@
           <a:p>
             <a:fld id="{BA11E091-050C-4DAB-ABC8-34B3B7B173DA}" type="datetimeFigureOut">
               <a:rPr lang="en-US" smtClean="0"/>
-              <a:t>2/7/2020</a:t>
+              <a:t>2/9/2020</a:t>
             </a:fld>
             <a:endParaRPr lang="en-US"/>
           </a:p>
@@ -5388,7 +6298,7 @@
           <a:p>
             <a:fld id="{BA11E091-050C-4DAB-ABC8-34B3B7B173DA}" type="datetimeFigureOut">
               <a:rPr lang="en-US" smtClean="0"/>
-              <a:t>2/7/2020</a:t>
+              <a:t>2/9/2020</a:t>
             </a:fld>
             <a:endParaRPr lang="en-US"/>
           </a:p>
@@ -5601,7 +6511,7 @@
           <a:p>
             <a:fld id="{BA11E091-050C-4DAB-ABC8-34B3B7B173DA}" type="datetimeFigureOut">
               <a:rPr lang="en-US" smtClean="0"/>
-              <a:t>2/7/2020</a:t>
+              <a:t>2/9/2020</a:t>
             </a:fld>
             <a:endParaRPr lang="en-US"/>
           </a:p>
@@ -9302,6 +10212,222 @@
       </p:par>
     </p:tnLst>
   </p:timing>
+</p:sld>
+</file>
+
+<file path=ppt/slides/slide20.xml><?xml version="1.0" encoding="utf-8"?>
+<p:sld xmlns:a="http://schemas.openxmlformats.org/drawingml/2006/main" xmlns:r="http://schemas.openxmlformats.org/officeDocument/2006/relationships" xmlns:p="http://schemas.openxmlformats.org/presentationml/2006/main">
+  <p:cSld>
+    <p:spTree>
+      <p:nvGrpSpPr>
+        <p:cNvPr id="1" name=""/>
+        <p:cNvGrpSpPr/>
+        <p:nvPr/>
+      </p:nvGrpSpPr>
+      <p:grpSpPr>
+        <a:xfrm>
+          <a:off x="0" y="0"/>
+          <a:ext cx="0" cy="0"/>
+          <a:chOff x="0" y="0"/>
+          <a:chExt cx="0" cy="0"/>
+        </a:xfrm>
+      </p:grpSpPr>
+      <p:sp>
+        <p:nvSpPr>
+          <p:cNvPr id="2" name="Title 1"/>
+          <p:cNvSpPr>
+            <a:spLocks noGrp="1"/>
+          </p:cNvSpPr>
+          <p:nvPr>
+            <p:ph type="title"/>
+          </p:nvPr>
+        </p:nvSpPr>
+        <p:spPr/>
+        <p:txBody>
+          <a:bodyPr/>
+          <a:lstStyle/>
+          <a:p>
+            <a:endParaRPr lang="en-US"/>
+          </a:p>
+        </p:txBody>
+      </p:sp>
+      <p:sp>
+        <p:nvSpPr>
+          <p:cNvPr id="3" name="Content Placeholder 2"/>
+          <p:cNvSpPr>
+            <a:spLocks noGrp="1"/>
+          </p:cNvSpPr>
+          <p:nvPr>
+            <p:ph idx="1"/>
+          </p:nvPr>
+        </p:nvSpPr>
+        <p:spPr/>
+        <p:txBody>
+          <a:bodyPr>
+            <a:normAutofit fontScale="62500" lnSpcReduction="20000"/>
+          </a:bodyPr>
+          <a:lstStyle/>
+          <a:p>
+            <a:r>
+              <a:rPr lang="en-US" dirty="0"/>
+              <a:t>-lme4 (use RLTR exact() for testing random effects --- what are the random effects in these models?</a:t>
+            </a:r>
+          </a:p>
+          <a:p>
+            <a:r>
+              <a:rPr lang="en-US" dirty="0"/>
+              <a:t>-ANOVA? (one way </a:t>
+            </a:r>
+            <a:r>
+              <a:rPr lang="en-US" dirty="0" err="1"/>
+              <a:t>anova</a:t>
+            </a:r>
+            <a:r>
+              <a:rPr lang="en-US" dirty="0"/>
+              <a:t> – 1 factor in this group is different from the others</a:t>
+            </a:r>
+          </a:p>
+          <a:p>
+            <a:r>
+              <a:rPr lang="en-US" dirty="0"/>
+              <a:t>fit &lt;- </a:t>
+            </a:r>
+            <a:r>
+              <a:rPr lang="en-US" dirty="0" err="1"/>
+              <a:t>aov</a:t>
+            </a:r>
+            <a:r>
+              <a:rPr lang="en-US" dirty="0"/>
+              <a:t>(y ~ A, data=</a:t>
+            </a:r>
+            <a:r>
+              <a:rPr lang="en-US" dirty="0" err="1"/>
+              <a:t>mydataframe</a:t>
+            </a:r>
+            <a:r>
+              <a:rPr lang="en-US" dirty="0"/>
+              <a:t>)</a:t>
+            </a:r>
+            <a:endParaRPr lang="en-US" dirty="0"/>
+          </a:p>
+          <a:p>
+            <a:r>
+              <a:rPr lang="en-US" b="1" dirty="0"/>
+              <a:t>ANOVA test hypotheses</a:t>
+            </a:r>
+            <a:r>
+              <a:rPr lang="en-US" dirty="0"/>
+              <a:t>:</a:t>
+            </a:r>
+          </a:p>
+          <a:p>
+            <a:pPr lvl="0"/>
+            <a:r>
+              <a:rPr lang="en-US" dirty="0"/>
+              <a:t>Null hypothesis: the means of the different groups are the same</a:t>
+            </a:r>
+          </a:p>
+          <a:p>
+            <a:pPr lvl="0"/>
+            <a:r>
+              <a:rPr lang="en-US" dirty="0"/>
+              <a:t>Alternative hypothesis: At least one sample mean is not equal to the others.</a:t>
+            </a:r>
+          </a:p>
+          <a:p>
+            <a:r>
+              <a:rPr lang="en-US" u="sng" dirty="0">
+                <a:hlinkClick r:id="rId3"/>
+              </a:rPr>
+              <a:t>http://www.sthda.com/english/wiki/one-way-anova-test-in-r</a:t>
+            </a:r>
+            <a:endParaRPr lang="en-US" dirty="0"/>
+          </a:p>
+          <a:p>
+            <a:pPr lvl="0"/>
+            <a:r>
+              <a:rPr lang="en-US" b="1" dirty="0"/>
+              <a:t>Non-sig </a:t>
+            </a:r>
+            <a:r>
+              <a:rPr lang="en-US" b="1" dirty="0" err="1"/>
+              <a:t>anova</a:t>
+            </a:r>
+            <a:endParaRPr lang="en-US" dirty="0"/>
+          </a:p>
+          <a:p>
+            <a:pPr lvl="0"/>
+            <a:r>
+              <a:rPr lang="en-US" b="1" dirty="0"/>
+              <a:t>Sig </a:t>
+            </a:r>
+            <a:r>
+              <a:rPr lang="en-US" b="1" dirty="0" err="1"/>
+              <a:t>anova</a:t>
+            </a:r>
+            <a:endParaRPr lang="en-US" dirty="0"/>
+          </a:p>
+          <a:p>
+            <a:pPr lvl="0"/>
+            <a:r>
+              <a:rPr lang="en-US" b="1" dirty="0"/>
+              <a:t>Sig </a:t>
+            </a:r>
+            <a:r>
+              <a:rPr lang="en-US" b="1" dirty="0" err="1"/>
+              <a:t>anova</a:t>
+            </a:r>
+            <a:endParaRPr lang="en-US" dirty="0"/>
+          </a:p>
+          <a:p>
+            <a:r>
+              <a:rPr lang="en-US" dirty="0"/>
+              <a:t> </a:t>
+            </a:r>
+          </a:p>
+          <a:p>
+            <a:r>
+              <a:rPr lang="en-US" b="1" dirty="0"/>
+              <a:t>Pairwise </a:t>
+            </a:r>
+            <a:r>
+              <a:rPr lang="en-US" b="1" dirty="0" err="1"/>
+              <a:t>t.test</a:t>
+            </a:r>
+            <a:r>
+              <a:rPr lang="en-US" b="1" dirty="0"/>
+              <a:t> results for the 3 </a:t>
+            </a:r>
+            <a:r>
+              <a:rPr lang="en-US" b="1" dirty="0" err="1"/>
+              <a:t>subsp</a:t>
+            </a:r>
+            <a:endParaRPr lang="en-US" dirty="0"/>
+          </a:p>
+          <a:p>
+            <a:r>
+              <a:rPr lang="en-US" dirty="0"/>
+              <a:t> </a:t>
+            </a:r>
+          </a:p>
+          <a:p>
+            <a:endParaRPr lang="en-US" dirty="0" smtClean="0"/>
+          </a:p>
+          <a:p>
+            <a:endParaRPr lang="en-US" dirty="0"/>
+          </a:p>
+        </p:txBody>
+      </p:sp>
+    </p:spTree>
+    <p:extLst>
+      <p:ext uri="{BB962C8B-B14F-4D97-AF65-F5344CB8AC3E}">
+        <p14:creationId xmlns:p14="http://schemas.microsoft.com/office/powerpoint/2010/main" val="2578452167"/>
+      </p:ext>
+    </p:extLst>
+  </p:cSld>
+  <p:clrMapOvr>
+    <a:masterClrMapping/>
+  </p:clrMapOvr>
 </p:sld>
 </file>
 

--- a/AP_labMeeting_2.12.20.pptx
+++ b/AP_labMeeting_2.12.20.pptx
@@ -5,29 +5,37 @@
     <p:sldMasterId id="2147483648" r:id="rId1"/>
   </p:sldMasterIdLst>
   <p:notesMasterIdLst>
-    <p:notesMasterId r:id="rId22"/>
+    <p:notesMasterId r:id="rId30"/>
   </p:notesMasterIdLst>
   <p:sldIdLst>
     <p:sldId id="256" r:id="rId2"/>
     <p:sldId id="262" r:id="rId3"/>
     <p:sldId id="267" r:id="rId4"/>
     <p:sldId id="271" r:id="rId5"/>
-    <p:sldId id="277" r:id="rId6"/>
-    <p:sldId id="278" r:id="rId7"/>
-    <p:sldId id="276" r:id="rId8"/>
-    <p:sldId id="265" r:id="rId9"/>
-    <p:sldId id="257" r:id="rId10"/>
-    <p:sldId id="275" r:id="rId11"/>
-    <p:sldId id="273" r:id="rId12"/>
-    <p:sldId id="274" r:id="rId13"/>
-    <p:sldId id="260" r:id="rId14"/>
-    <p:sldId id="279" r:id="rId15"/>
-    <p:sldId id="272" r:id="rId16"/>
-    <p:sldId id="269" r:id="rId17"/>
-    <p:sldId id="270" r:id="rId18"/>
-    <p:sldId id="266" r:id="rId19"/>
-    <p:sldId id="268" r:id="rId20"/>
-    <p:sldId id="280" r:id="rId21"/>
+    <p:sldId id="283" r:id="rId6"/>
+    <p:sldId id="284" r:id="rId7"/>
+    <p:sldId id="285" r:id="rId8"/>
+    <p:sldId id="286" r:id="rId9"/>
+    <p:sldId id="287" r:id="rId10"/>
+    <p:sldId id="290" r:id="rId11"/>
+    <p:sldId id="291" r:id="rId12"/>
+    <p:sldId id="288" r:id="rId13"/>
+    <p:sldId id="289" r:id="rId14"/>
+    <p:sldId id="282" r:id="rId15"/>
+    <p:sldId id="276" r:id="rId16"/>
+    <p:sldId id="265" r:id="rId17"/>
+    <p:sldId id="257" r:id="rId18"/>
+    <p:sldId id="275" r:id="rId19"/>
+    <p:sldId id="273" r:id="rId20"/>
+    <p:sldId id="274" r:id="rId21"/>
+    <p:sldId id="260" r:id="rId22"/>
+    <p:sldId id="279" r:id="rId23"/>
+    <p:sldId id="272" r:id="rId24"/>
+    <p:sldId id="269" r:id="rId25"/>
+    <p:sldId id="270" r:id="rId26"/>
+    <p:sldId id="266" r:id="rId27"/>
+    <p:sldId id="268" r:id="rId28"/>
+    <p:sldId id="280" r:id="rId29"/>
   </p:sldIdLst>
   <p:sldSz cx="12192000" cy="6858000"/>
   <p:notesSz cx="6858000" cy="9144000"/>
@@ -216,7 +224,7 @@
           <a:p>
             <a:fld id="{582DA5D2-0B3C-4799-B633-4F32A722274F}" type="datetimeFigureOut">
               <a:rPr lang="en-US" smtClean="0"/>
-              <a:t>2/9/2020</a:t>
+              <a:t>2/11/2020</a:t>
             </a:fld>
             <a:endParaRPr lang="en-US"/>
           </a:p>
@@ -676,7 +684,7 @@
           <a:p>
             <a:fld id="{2788907E-C72E-4D7B-B8CA-F158589AC799}" type="slidenum">
               <a:rPr lang="en-US" smtClean="0"/>
-              <a:t>12</a:t>
+              <a:t>19</a:t>
             </a:fld>
             <a:endParaRPr lang="en-US"/>
           </a:p>
@@ -685,7 +693,7 @@
     </p:spTree>
     <p:extLst>
       <p:ext uri="{BB962C8B-B14F-4D97-AF65-F5344CB8AC3E}">
-        <p14:creationId xmlns:p14="http://schemas.microsoft.com/office/powerpoint/2010/main" val="3182590352"/>
+        <p14:creationId xmlns:p14="http://schemas.microsoft.com/office/powerpoint/2010/main" val="113741569"/>
       </p:ext>
     </p:extLst>
   </p:cSld>
@@ -739,166 +747,6 @@
           <a:bodyPr/>
           <a:lstStyle/>
           <a:p>
-            <a:endParaRPr lang="en-US" dirty="0" smtClean="0"/>
-          </a:p>
-          <a:p>
-            <a:r>
-              <a:rPr lang="en-US" dirty="0" smtClean="0"/>
-              <a:t>The</a:t>
-            </a:r>
-            <a:r>
-              <a:rPr lang="en-US" baseline="0" dirty="0" smtClean="0"/>
-              <a:t> overall narrative I’m trying to weave – more variance in females</a:t>
-            </a:r>
-          </a:p>
-          <a:p>
-            <a:r>
-              <a:rPr lang="en-US" baseline="0" dirty="0" smtClean="0"/>
-              <a:t>-Between cells (MLH1 counts)</a:t>
-            </a:r>
-          </a:p>
-          <a:p>
-            <a:r>
-              <a:rPr lang="en-US" baseline="0" dirty="0" smtClean="0"/>
-              <a:t>- Uniform spacing (the 1CO position is not regulated)  (F1 variance is probably larger (F1nrm))</a:t>
-            </a:r>
-          </a:p>
-          <a:p>
-            <a:r>
-              <a:rPr lang="en-US" baseline="0" dirty="0" smtClean="0"/>
-              <a:t>- IFD spacing / interference strength</a:t>
-            </a:r>
-          </a:p>
-          <a:p>
-            <a:endParaRPr lang="en-US" dirty="0" smtClean="0"/>
-          </a:p>
-          <a:p>
-            <a:r>
-              <a:rPr lang="en-US" dirty="0" smtClean="0"/>
-              <a:t>- Lack of distinction between</a:t>
-            </a:r>
-            <a:r>
-              <a:rPr lang="en-US" baseline="0" dirty="0" smtClean="0"/>
-              <a:t> 1CO and 2CO lengths</a:t>
-            </a:r>
-            <a:endParaRPr lang="en-US" dirty="0" smtClean="0"/>
-          </a:p>
-          <a:p>
-            <a:endParaRPr lang="en-US" dirty="0" smtClean="0"/>
-          </a:p>
-          <a:p>
-            <a:r>
-              <a:rPr lang="en-US" dirty="0" smtClean="0"/>
-              <a:t>(longer</a:t>
-            </a:r>
-            <a:r>
-              <a:rPr lang="en-US" baseline="0" dirty="0" smtClean="0"/>
-              <a:t> SC lengths (variance in SC length / I’m not sure this makes sense)</a:t>
-            </a:r>
-            <a:r>
-              <a:rPr lang="en-US" dirty="0" smtClean="0"/>
-              <a:t>)  </a:t>
-            </a:r>
-          </a:p>
-          <a:p>
-            <a:endParaRPr lang="en-US" dirty="0" smtClean="0"/>
-          </a:p>
-          <a:p>
-            <a:r>
-              <a:rPr lang="en-US" b="1" dirty="0" err="1" smtClean="0"/>
-              <a:t>deBoer</a:t>
-            </a:r>
-            <a:r>
-              <a:rPr lang="en-US" b="1" baseline="0" dirty="0" smtClean="0"/>
-              <a:t> Summary:</a:t>
-            </a:r>
-          </a:p>
-          <a:p>
-            <a:endParaRPr lang="en-US" baseline="0" dirty="0" smtClean="0"/>
-          </a:p>
-          <a:p>
-            <a:r>
-              <a:rPr lang="en-US" dirty="0" smtClean="0"/>
-              <a:t>MSH4, in WT and Sycp1 -/-.  (found 2 classes of COs / two types of interference). Used FISH for </a:t>
-            </a:r>
-            <a:r>
-              <a:rPr lang="en-US" dirty="0" err="1" smtClean="0"/>
-              <a:t>chrms</a:t>
-            </a:r>
-            <a:r>
-              <a:rPr lang="en-US" dirty="0" smtClean="0"/>
-              <a:t> 1,2,18,19; calculated gamma distribution from </a:t>
-            </a:r>
-            <a:r>
-              <a:rPr lang="en-US" dirty="0" err="1" smtClean="0"/>
-              <a:t>chrm</a:t>
-            </a:r>
-            <a:r>
-              <a:rPr lang="en-US" dirty="0" smtClean="0"/>
-              <a:t> specific intervals</a:t>
-            </a:r>
-          </a:p>
-          <a:p>
-            <a:endParaRPr lang="en-US" dirty="0" smtClean="0"/>
-          </a:p>
-          <a:p>
-            <a:r>
-              <a:rPr lang="en-US" dirty="0" smtClean="0"/>
-              <a:t>Interference much stronger</a:t>
-            </a:r>
-            <a:r>
-              <a:rPr lang="en-US" baseline="0" dirty="0" smtClean="0"/>
-              <a:t> for MLH1 in pachytene</a:t>
-            </a:r>
-          </a:p>
-          <a:p>
-            <a:endParaRPr lang="en-US" baseline="0" dirty="0" smtClean="0"/>
-          </a:p>
-          <a:p>
-            <a:r>
-              <a:rPr lang="en-US" baseline="0" dirty="0" smtClean="0"/>
-              <a:t>Sex differences --- ?</a:t>
-            </a:r>
-          </a:p>
-          <a:p>
-            <a:r>
-              <a:rPr lang="en-US" baseline="0" dirty="0" smtClean="0"/>
-              <a:t>(the density of MLH1 on SC-AE is more dense in males than females)</a:t>
-            </a:r>
-          </a:p>
-          <a:p>
-            <a:endParaRPr lang="en-US" baseline="0" dirty="0" smtClean="0"/>
-          </a:p>
-          <a:p>
-            <a:r>
-              <a:rPr lang="en-US" dirty="0" smtClean="0"/>
-              <a:t>Male – short </a:t>
-            </a:r>
-            <a:r>
-              <a:rPr lang="en-US" dirty="0" err="1" smtClean="0"/>
-              <a:t>chrms</a:t>
-            </a:r>
-            <a:r>
-              <a:rPr lang="en-US" dirty="0" smtClean="0"/>
-              <a:t> had strong medial placement of MLH1</a:t>
-            </a:r>
-          </a:p>
-          <a:p>
-            <a:endParaRPr lang="en-US" dirty="0" smtClean="0"/>
-          </a:p>
-          <a:p>
-            <a:endParaRPr lang="en-US" dirty="0" smtClean="0"/>
-          </a:p>
-          <a:p>
-            <a:r>
-              <a:rPr lang="en-US" dirty="0" smtClean="0"/>
-              <a:t>(Can I access these data?)</a:t>
-            </a:r>
-          </a:p>
-          <a:p>
-            <a:endParaRPr lang="en-US" dirty="0" smtClean="0"/>
-          </a:p>
-          <a:p>
             <a:endParaRPr lang="en-US" dirty="0"/>
           </a:p>
         </p:txBody>
@@ -920,7 +768,7 @@
           <a:p>
             <a:fld id="{2788907E-C72E-4D7B-B8CA-F158589AC799}" type="slidenum">
               <a:rPr lang="en-US" smtClean="0"/>
-              <a:t>13</a:t>
+              <a:t>20</a:t>
             </a:fld>
             <a:endParaRPr lang="en-US"/>
           </a:p>
@@ -929,7 +777,7 @@
     </p:spTree>
     <p:extLst>
       <p:ext uri="{BB962C8B-B14F-4D97-AF65-F5344CB8AC3E}">
-        <p14:creationId xmlns:p14="http://schemas.microsoft.com/office/powerpoint/2010/main" val="1496181675"/>
+        <p14:creationId xmlns:p14="http://schemas.microsoft.com/office/powerpoint/2010/main" val="3182590352"/>
       </p:ext>
     </p:extLst>
   </p:cSld>
@@ -983,49 +831,161 @@
           <a:bodyPr/>
           <a:lstStyle/>
           <a:p>
-            <a:pPr marL="228600" indent="-228600">
-              <a:buAutoNum type="arabicPeriod"/>
-            </a:pPr>
-            <a:r>
-              <a:rPr lang="en-US" dirty="0" smtClean="0"/>
-              <a:t>WSB has the most</a:t>
+            <a:endParaRPr lang="en-US" dirty="0" smtClean="0"/>
+          </a:p>
+          <a:p>
+            <a:r>
+              <a:rPr lang="en-US" dirty="0" smtClean="0"/>
+              <a:t>The</a:t>
             </a:r>
             <a:r>
               <a:rPr lang="en-US" baseline="0" dirty="0" smtClean="0"/>
-              <a:t> </a:t>
-            </a:r>
-            <a:r>
-              <a:rPr lang="en-US" baseline="0" dirty="0" err="1" smtClean="0"/>
-              <a:t>telomeric</a:t>
-            </a:r>
+              <a:t> overall narrative I’m trying to weave – more variance in females</a:t>
+            </a:r>
+          </a:p>
+          <a:p>
             <a:r>
               <a:rPr lang="en-US" baseline="0" dirty="0" smtClean="0"/>
-              <a:t> landscape</a:t>
-            </a:r>
-          </a:p>
-          <a:p>
-            <a:pPr marL="228600" indent="-228600">
-              <a:buAutoNum type="arabicPeriod"/>
-            </a:pPr>
+              <a:t>-Between cells (MLH1 counts)</a:t>
+            </a:r>
+          </a:p>
+          <a:p>
             <a:r>
               <a:rPr lang="en-US" baseline="0" dirty="0" smtClean="0"/>
-              <a:t>High rec strains</a:t>
-            </a:r>
+              <a:t>- Uniform spacing (the 1CO position is not regulated)  (F1 variance is probably larger (F1nrm))</a:t>
+            </a:r>
+          </a:p>
+          <a:p>
+            <a:r>
+              <a:rPr lang="en-US" baseline="0" dirty="0" smtClean="0"/>
+              <a:t>- IFD spacing / interference strength</a:t>
+            </a:r>
+          </a:p>
+          <a:p>
             <a:endParaRPr lang="en-US" dirty="0" smtClean="0"/>
           </a:p>
           <a:p>
+            <a:r>
+              <a:rPr lang="en-US" dirty="0" smtClean="0"/>
+              <a:t>- Lack of distinction between</a:t>
+            </a:r>
+            <a:r>
+              <a:rPr lang="en-US" baseline="0" dirty="0" smtClean="0"/>
+              <a:t> 1CO and 2CO lengths</a:t>
+            </a:r>
             <a:endParaRPr lang="en-US" dirty="0" smtClean="0"/>
           </a:p>
           <a:p>
-            <a:r>
-              <a:rPr lang="en-US" dirty="0" smtClean="0"/>
-              <a:t>For some reasons the patterns change – maybe the first one included</a:t>
+            <a:endParaRPr lang="en-US" dirty="0" smtClean="0"/>
+          </a:p>
+          <a:p>
+            <a:r>
+              <a:rPr lang="en-US" dirty="0" smtClean="0"/>
+              <a:t>(longer</a:t>
             </a:r>
             <a:r>
               <a:rPr lang="en-US" baseline="0" dirty="0" smtClean="0"/>
-              <a:t> more than 1CO</a:t>
-            </a:r>
+              <a:t> SC lengths (variance in SC length / I’m not sure this makes sense)</a:t>
+            </a:r>
+            <a:r>
+              <a:rPr lang="en-US" dirty="0" smtClean="0"/>
+              <a:t>)  </a:t>
+            </a:r>
+          </a:p>
+          <a:p>
             <a:endParaRPr lang="en-US" dirty="0" smtClean="0"/>
+          </a:p>
+          <a:p>
+            <a:r>
+              <a:rPr lang="en-US" b="1" dirty="0" err="1" smtClean="0"/>
+              <a:t>deBoer</a:t>
+            </a:r>
+            <a:r>
+              <a:rPr lang="en-US" b="1" baseline="0" dirty="0" smtClean="0"/>
+              <a:t> Summary:</a:t>
+            </a:r>
+          </a:p>
+          <a:p>
+            <a:endParaRPr lang="en-US" baseline="0" dirty="0" smtClean="0"/>
+          </a:p>
+          <a:p>
+            <a:r>
+              <a:rPr lang="en-US" dirty="0" smtClean="0"/>
+              <a:t>MSH4, in WT and Sycp1 -/-.  (found 2 classes of COs / two types of interference). Used FISH for </a:t>
+            </a:r>
+            <a:r>
+              <a:rPr lang="en-US" dirty="0" err="1" smtClean="0"/>
+              <a:t>chrms</a:t>
+            </a:r>
+            <a:r>
+              <a:rPr lang="en-US" dirty="0" smtClean="0"/>
+              <a:t> 1,2,18,19; calculated gamma distribution from </a:t>
+            </a:r>
+            <a:r>
+              <a:rPr lang="en-US" dirty="0" err="1" smtClean="0"/>
+              <a:t>chrm</a:t>
+            </a:r>
+            <a:r>
+              <a:rPr lang="en-US" dirty="0" smtClean="0"/>
+              <a:t> specific intervals</a:t>
+            </a:r>
+          </a:p>
+          <a:p>
+            <a:endParaRPr lang="en-US" dirty="0" smtClean="0"/>
+          </a:p>
+          <a:p>
+            <a:r>
+              <a:rPr lang="en-US" dirty="0" smtClean="0"/>
+              <a:t>Interference much stronger</a:t>
+            </a:r>
+            <a:r>
+              <a:rPr lang="en-US" baseline="0" dirty="0" smtClean="0"/>
+              <a:t> for MLH1 in pachytene</a:t>
+            </a:r>
+          </a:p>
+          <a:p>
+            <a:endParaRPr lang="en-US" baseline="0" dirty="0" smtClean="0"/>
+          </a:p>
+          <a:p>
+            <a:r>
+              <a:rPr lang="en-US" baseline="0" dirty="0" smtClean="0"/>
+              <a:t>Sex differences --- ?</a:t>
+            </a:r>
+          </a:p>
+          <a:p>
+            <a:r>
+              <a:rPr lang="en-US" baseline="0" dirty="0" smtClean="0"/>
+              <a:t>(the density of MLH1 on SC-AE is more dense in males than females)</a:t>
+            </a:r>
+          </a:p>
+          <a:p>
+            <a:endParaRPr lang="en-US" baseline="0" dirty="0" smtClean="0"/>
+          </a:p>
+          <a:p>
+            <a:r>
+              <a:rPr lang="en-US" dirty="0" smtClean="0"/>
+              <a:t>Male – short </a:t>
+            </a:r>
+            <a:r>
+              <a:rPr lang="en-US" dirty="0" err="1" smtClean="0"/>
+              <a:t>chrms</a:t>
+            </a:r>
+            <a:r>
+              <a:rPr lang="en-US" dirty="0" smtClean="0"/>
+              <a:t> had strong medial placement of MLH1</a:t>
+            </a:r>
+          </a:p>
+          <a:p>
+            <a:endParaRPr lang="en-US" dirty="0" smtClean="0"/>
+          </a:p>
+          <a:p>
+            <a:endParaRPr lang="en-US" dirty="0" smtClean="0"/>
+          </a:p>
+          <a:p>
+            <a:r>
+              <a:rPr lang="en-US" dirty="0" smtClean="0"/>
+              <a:t>(Can I access these data?)</a:t>
+            </a:r>
           </a:p>
           <a:p>
             <a:endParaRPr lang="en-US" dirty="0" smtClean="0"/>
@@ -1052,7 +1012,7 @@
           <a:p>
             <a:fld id="{2788907E-C72E-4D7B-B8CA-F158589AC799}" type="slidenum">
               <a:rPr lang="en-US" smtClean="0"/>
-              <a:t>14</a:t>
+              <a:t>21</a:t>
             </a:fld>
             <a:endParaRPr lang="en-US"/>
           </a:p>
@@ -1061,7 +1021,7 @@
     </p:spTree>
     <p:extLst>
       <p:ext uri="{BB962C8B-B14F-4D97-AF65-F5344CB8AC3E}">
-        <p14:creationId xmlns:p14="http://schemas.microsoft.com/office/powerpoint/2010/main" val="3369798618"/>
+        <p14:creationId xmlns:p14="http://schemas.microsoft.com/office/powerpoint/2010/main" val="1496181675"/>
       </p:ext>
     </p:extLst>
   </p:cSld>
@@ -1115,648 +1075,54 @@
           <a:bodyPr/>
           <a:lstStyle/>
           <a:p>
-            <a:r>
-              <a:rPr lang="en-US" dirty="0" smtClean="0"/>
-              <a:t>Interference / gamma curves are on the top --- don’t think any are female?</a:t>
-            </a:r>
-          </a:p>
-          <a:p>
-            <a:endParaRPr lang="en-US" dirty="0" smtClean="0"/>
-          </a:p>
-          <a:p>
-            <a:r>
-              <a:rPr lang="en-US" dirty="0" smtClean="0"/>
-              <a:t>(Should I try to remake these cumulative foci plots?)  --- smaller</a:t>
-            </a:r>
-            <a:r>
-              <a:rPr lang="en-US" baseline="0" dirty="0" smtClean="0"/>
-              <a:t> square </a:t>
-            </a:r>
-            <a:r>
-              <a:rPr lang="en-US" dirty="0" smtClean="0"/>
-              <a:t>curve plots are there are all</a:t>
+            <a:pPr marL="228600" indent="-228600">
+              <a:buAutoNum type="arabicPeriod"/>
+            </a:pPr>
+            <a:r>
+              <a:rPr lang="en-US" dirty="0" smtClean="0"/>
+              <a:t>WSB has the most</a:t>
             </a:r>
             <a:r>
               <a:rPr lang="en-US" baseline="0" dirty="0" smtClean="0"/>
               <a:t> </a:t>
             </a:r>
             <a:r>
-              <a:rPr lang="en-US" b="1" baseline="0" dirty="0" smtClean="0"/>
-              <a:t>distance to cent</a:t>
-            </a:r>
-            <a:r>
-              <a:rPr lang="en-US" b="0" baseline="0" dirty="0" smtClean="0"/>
-              <a:t> (do these pool foci from the same </a:t>
-            </a:r>
-            <a:r>
-              <a:rPr lang="en-US" b="0" baseline="0" dirty="0" err="1" smtClean="0"/>
-              <a:t>biv</a:t>
-            </a:r>
-            <a:r>
-              <a:rPr lang="en-US" b="0" baseline="0" dirty="0" smtClean="0"/>
-              <a:t>?!)</a:t>
-            </a:r>
-            <a:endParaRPr lang="en-US" b="0" dirty="0" smtClean="0"/>
-          </a:p>
-          <a:p>
+              <a:rPr lang="en-US" baseline="0" dirty="0" err="1" smtClean="0"/>
+              <a:t>telomeric</a:t>
+            </a:r>
+            <a:r>
+              <a:rPr lang="en-US" baseline="0" dirty="0" smtClean="0"/>
+              <a:t> landscape</a:t>
+            </a:r>
+          </a:p>
+          <a:p>
+            <a:pPr marL="228600" indent="-228600">
+              <a:buAutoNum type="arabicPeriod"/>
+            </a:pPr>
+            <a:r>
+              <a:rPr lang="en-US" baseline="0" dirty="0" smtClean="0"/>
+              <a:t>High rec strains</a:t>
+            </a:r>
             <a:endParaRPr lang="en-US" dirty="0" smtClean="0"/>
           </a:p>
           <a:p>
-            <a:r>
-              <a:rPr lang="en-US" sz="1200" b="1" i="0" u="none" strike="noStrike" kern="1200" baseline="0" dirty="0" smtClean="0">
-                <a:solidFill>
-                  <a:schemeClr val="tx1"/>
-                </a:solidFill>
-                <a:latin typeface="+mn-lt"/>
-                <a:ea typeface="+mn-ea"/>
-                <a:cs typeface="+mn-cs"/>
-              </a:rPr>
-              <a:t>Fig. 1. </a:t>
-            </a:r>
-            <a:r>
-              <a:rPr lang="en-US" sz="1200" b="0" i="0" u="none" strike="noStrike" kern="1200" baseline="0" dirty="0" smtClean="0">
-                <a:solidFill>
-                  <a:schemeClr val="tx1"/>
-                </a:solidFill>
-                <a:latin typeface="+mn-lt"/>
-                <a:ea typeface="+mn-ea"/>
-                <a:cs typeface="+mn-cs"/>
-              </a:rPr>
-              <a:t>Analysis of foci along bivalents. (</a:t>
-            </a:r>
-            <a:r>
-              <a:rPr lang="en-US" sz="1200" b="0" i="1" u="none" strike="noStrike" kern="1200" baseline="0" dirty="0" smtClean="0">
-                <a:solidFill>
-                  <a:schemeClr val="tx1"/>
-                </a:solidFill>
-                <a:latin typeface="+mn-lt"/>
-                <a:ea typeface="+mn-ea"/>
-                <a:cs typeface="+mn-cs"/>
-              </a:rPr>
-              <a:t>A</a:t>
-            </a:r>
-            <a:r>
-              <a:rPr lang="en-US" sz="1200" b="0" i="0" u="none" strike="noStrike" kern="1200" baseline="0" dirty="0" smtClean="0">
-                <a:solidFill>
-                  <a:schemeClr val="tx1"/>
-                </a:solidFill>
-                <a:latin typeface="+mn-lt"/>
-                <a:ea typeface="+mn-ea"/>
-                <a:cs typeface="+mn-cs"/>
-              </a:rPr>
-              <a:t>) Shape of gamma distributions for</a:t>
-            </a:r>
-          </a:p>
-          <a:p>
-            <a:r>
-              <a:rPr lang="en-US" sz="1200" b="0" i="0" u="none" strike="noStrike" kern="1200" baseline="0" dirty="0" smtClean="0">
-                <a:solidFill>
-                  <a:schemeClr val="tx1"/>
-                </a:solidFill>
-                <a:latin typeface="+mn-lt"/>
-                <a:ea typeface="+mn-ea"/>
-                <a:cs typeface="+mn-cs"/>
-              </a:rPr>
-              <a:t>different  values. The average </a:t>
-            </a:r>
-            <a:r>
-              <a:rPr lang="en-US" sz="1200" b="0" i="0" u="none" strike="noStrike" kern="1200" baseline="0" dirty="0" err="1" smtClean="0">
-                <a:solidFill>
-                  <a:schemeClr val="tx1"/>
-                </a:solidFill>
-                <a:latin typeface="+mn-lt"/>
-                <a:ea typeface="+mn-ea"/>
-                <a:cs typeface="+mn-cs"/>
-              </a:rPr>
-              <a:t>interfocus</a:t>
-            </a:r>
-            <a:r>
-              <a:rPr lang="en-US" sz="1200" b="0" i="0" u="none" strike="noStrike" kern="1200" baseline="0" dirty="0" smtClean="0">
-                <a:solidFill>
-                  <a:schemeClr val="tx1"/>
-                </a:solidFill>
-                <a:latin typeface="+mn-lt"/>
-                <a:ea typeface="+mn-ea"/>
-                <a:cs typeface="+mn-cs"/>
-              </a:rPr>
-              <a:t> distance equals 10 for all distributions</a:t>
-            </a:r>
-          </a:p>
-          <a:p>
-            <a:r>
-              <a:rPr lang="en-US" sz="1200" b="0" i="0" u="none" strike="noStrike" kern="1200" baseline="0" dirty="0" smtClean="0">
-                <a:solidFill>
-                  <a:schemeClr val="tx1"/>
-                </a:solidFill>
-                <a:latin typeface="+mn-lt"/>
-                <a:ea typeface="+mn-ea"/>
-                <a:cs typeface="+mn-cs"/>
-              </a:rPr>
-              <a:t>shown. As  increases, the very short and very long distances become</a:t>
-            </a:r>
-          </a:p>
-          <a:p>
-            <a:r>
-              <a:rPr lang="en-US" sz="1200" b="0" i="0" u="none" strike="noStrike" kern="1200" baseline="0" dirty="0" smtClean="0">
-                <a:solidFill>
-                  <a:schemeClr val="tx1"/>
-                </a:solidFill>
-                <a:latin typeface="+mn-lt"/>
-                <a:ea typeface="+mn-ea"/>
-                <a:cs typeface="+mn-cs"/>
-              </a:rPr>
-              <a:t>sparser, and the distributions become narrower and more symmetrical. (</a:t>
-            </a:r>
-            <a:r>
-              <a:rPr lang="en-US" sz="1200" b="0" i="1" u="none" strike="noStrike" kern="1200" baseline="0" dirty="0" smtClean="0">
-                <a:solidFill>
-                  <a:schemeClr val="tx1"/>
-                </a:solidFill>
-                <a:latin typeface="+mn-lt"/>
-                <a:ea typeface="+mn-ea"/>
-                <a:cs typeface="+mn-cs"/>
-              </a:rPr>
-              <a:t>B</a:t>
-            </a:r>
-            <a:r>
-              <a:rPr lang="en-US" sz="1200" b="0" i="0" u="none" strike="noStrike" kern="1200" baseline="0" dirty="0" smtClean="0">
-                <a:solidFill>
-                  <a:schemeClr val="tx1"/>
-                </a:solidFill>
-                <a:latin typeface="+mn-lt"/>
-                <a:ea typeface="+mn-ea"/>
-                <a:cs typeface="+mn-cs"/>
-              </a:rPr>
-              <a:t>–</a:t>
-            </a:r>
-            <a:r>
-              <a:rPr lang="en-US" sz="1200" b="0" i="1" u="none" strike="noStrike" kern="1200" baseline="0" dirty="0" smtClean="0">
-                <a:solidFill>
-                  <a:schemeClr val="tx1"/>
-                </a:solidFill>
-                <a:latin typeface="+mn-lt"/>
-                <a:ea typeface="+mn-ea"/>
-                <a:cs typeface="+mn-cs"/>
-              </a:rPr>
-              <a:t>D</a:t>
-            </a:r>
-            <a:r>
-              <a:rPr lang="en-US" sz="1200" b="0" i="0" u="none" strike="noStrike" kern="1200" baseline="0" dirty="0" smtClean="0">
-                <a:solidFill>
-                  <a:schemeClr val="tx1"/>
-                </a:solidFill>
-                <a:latin typeface="+mn-lt"/>
-                <a:ea typeface="+mn-ea"/>
-                <a:cs typeface="+mn-cs"/>
-              </a:rPr>
-              <a:t>)</a:t>
-            </a:r>
-          </a:p>
-          <a:p>
-            <a:r>
-              <a:rPr lang="en-US" sz="1200" b="0" i="0" u="none" strike="noStrike" kern="1200" baseline="0" dirty="0" smtClean="0">
-                <a:solidFill>
-                  <a:schemeClr val="tx1"/>
-                </a:solidFill>
-                <a:latin typeface="+mn-lt"/>
-                <a:ea typeface="+mn-ea"/>
-                <a:cs typeface="+mn-cs"/>
-              </a:rPr>
-              <a:t>Examples of histograms of observed </a:t>
-            </a:r>
-            <a:r>
-              <a:rPr lang="en-US" sz="1200" b="0" i="0" u="none" strike="noStrike" kern="1200" baseline="0" dirty="0" err="1" smtClean="0">
-                <a:solidFill>
-                  <a:schemeClr val="tx1"/>
-                </a:solidFill>
-                <a:latin typeface="+mn-lt"/>
-                <a:ea typeface="+mn-ea"/>
-                <a:cs typeface="+mn-cs"/>
-              </a:rPr>
-              <a:t>interfocus</a:t>
-            </a:r>
-            <a:r>
-              <a:rPr lang="en-US" sz="1200" b="0" i="0" u="none" strike="noStrike" kern="1200" baseline="0" dirty="0" smtClean="0">
-                <a:solidFill>
-                  <a:schemeClr val="tx1"/>
-                </a:solidFill>
-                <a:latin typeface="+mn-lt"/>
-                <a:ea typeface="+mn-ea"/>
-                <a:cs typeface="+mn-cs"/>
-              </a:rPr>
-              <a:t> distances in spermatocytes</a:t>
-            </a:r>
-          </a:p>
-          <a:p>
-            <a:r>
-              <a:rPr lang="en-US" sz="1200" b="0" i="0" u="none" strike="noStrike" kern="1200" baseline="0" dirty="0" smtClean="0">
-                <a:solidFill>
-                  <a:schemeClr val="tx1"/>
-                </a:solidFill>
-                <a:latin typeface="+mn-lt"/>
-                <a:ea typeface="+mn-ea"/>
-                <a:cs typeface="+mn-cs"/>
-              </a:rPr>
-              <a:t>(black bars), the best fit of the observed distances to the gamma distribution  (red curves), the  value for which the best fit was obtained (ˆ ), and the</a:t>
-            </a:r>
-          </a:p>
-          <a:p>
-            <a:r>
-              <a:rPr lang="en-US" sz="1200" b="0" i="0" u="none" strike="noStrike" kern="1200" baseline="0" dirty="0" smtClean="0">
-                <a:solidFill>
-                  <a:schemeClr val="tx1"/>
-                </a:solidFill>
-                <a:latin typeface="+mn-lt"/>
-                <a:ea typeface="+mn-ea"/>
-                <a:cs typeface="+mn-cs"/>
-              </a:rPr>
-              <a:t>distributions expected if there were no interference (i.e., 1; blue curves).</a:t>
-            </a:r>
-          </a:p>
-          <a:p>
-            <a:r>
-              <a:rPr lang="en-US" sz="1200" b="0" i="0" u="none" strike="noStrike" kern="1200" baseline="0" dirty="0" smtClean="0">
-                <a:solidFill>
-                  <a:schemeClr val="tx1"/>
-                </a:solidFill>
-                <a:latin typeface="+mn-lt"/>
-                <a:ea typeface="+mn-ea"/>
-                <a:cs typeface="+mn-cs"/>
-              </a:rPr>
-              <a:t>The observed </a:t>
-            </a:r>
-            <a:r>
-              <a:rPr lang="en-US" sz="1200" b="0" i="0" u="none" strike="noStrike" kern="1200" baseline="0" dirty="0" err="1" smtClean="0">
-                <a:solidFill>
-                  <a:schemeClr val="tx1"/>
-                </a:solidFill>
-                <a:latin typeface="+mn-lt"/>
-                <a:ea typeface="+mn-ea"/>
-                <a:cs typeface="+mn-cs"/>
-              </a:rPr>
-              <a:t>interfocus</a:t>
-            </a:r>
-            <a:r>
-              <a:rPr lang="en-US" sz="1200" b="0" i="0" u="none" strike="noStrike" kern="1200" baseline="0" dirty="0" smtClean="0">
-                <a:solidFill>
-                  <a:schemeClr val="tx1"/>
-                </a:solidFill>
-                <a:latin typeface="+mn-lt"/>
-                <a:ea typeface="+mn-ea"/>
-                <a:cs typeface="+mn-cs"/>
-              </a:rPr>
-              <a:t> distances were binned for representation only; the</a:t>
-            </a:r>
-          </a:p>
-          <a:p>
-            <a:r>
-              <a:rPr lang="en-US" sz="1200" b="0" i="0" u="none" strike="noStrike" kern="1200" baseline="0" dirty="0" smtClean="0">
-                <a:solidFill>
-                  <a:schemeClr val="tx1"/>
-                </a:solidFill>
-                <a:latin typeface="+mn-lt"/>
-                <a:ea typeface="+mn-ea"/>
-                <a:cs typeface="+mn-cs"/>
-              </a:rPr>
-              <a:t>best fits to the gamma distribution are based on the exact, </a:t>
-            </a:r>
-            <a:r>
-              <a:rPr lang="en-US" sz="1200" b="0" i="0" u="none" strike="noStrike" kern="1200" baseline="0" dirty="0" err="1" smtClean="0">
-                <a:solidFill>
-                  <a:schemeClr val="tx1"/>
-                </a:solidFill>
-                <a:latin typeface="+mn-lt"/>
-                <a:ea typeface="+mn-ea"/>
-                <a:cs typeface="+mn-cs"/>
-              </a:rPr>
-              <a:t>unbinned</a:t>
-            </a:r>
-            <a:r>
-              <a:rPr lang="en-US" sz="1200" b="0" i="0" u="none" strike="noStrike" kern="1200" baseline="0" dirty="0" smtClean="0">
-                <a:solidFill>
-                  <a:schemeClr val="tx1"/>
-                </a:solidFill>
-                <a:latin typeface="+mn-lt"/>
-                <a:ea typeface="+mn-ea"/>
-                <a:cs typeface="+mn-cs"/>
-              </a:rPr>
-              <a:t> distances.</a:t>
-            </a:r>
-          </a:p>
-          <a:p>
-            <a:r>
-              <a:rPr lang="en-US" sz="1200" b="0" i="0" u="none" strike="noStrike" kern="1200" baseline="0" dirty="0" smtClean="0">
-                <a:solidFill>
-                  <a:schemeClr val="tx1"/>
-                </a:solidFill>
-                <a:latin typeface="+mn-lt"/>
-                <a:ea typeface="+mn-ea"/>
-                <a:cs typeface="+mn-cs"/>
-              </a:rPr>
-              <a:t>Figs. 5 and 6 show histograms of all data sets. </a:t>
-            </a:r>
-            <a:r>
-              <a:rPr lang="en-US" sz="1200" b="1" i="0" u="none" strike="noStrike" kern="1200" baseline="0" dirty="0" smtClean="0">
-                <a:solidFill>
-                  <a:schemeClr val="tx1"/>
-                </a:solidFill>
-                <a:latin typeface="+mn-lt"/>
-                <a:ea typeface="+mn-ea"/>
-                <a:cs typeface="+mn-cs"/>
-              </a:rPr>
-              <a:t>(</a:t>
-            </a:r>
-            <a:r>
-              <a:rPr lang="en-US" sz="1200" b="1" i="1" u="none" strike="noStrike" kern="1200" baseline="0" dirty="0" smtClean="0">
-                <a:solidFill>
-                  <a:schemeClr val="tx1"/>
-                </a:solidFill>
-                <a:latin typeface="+mn-lt"/>
-                <a:ea typeface="+mn-ea"/>
-                <a:cs typeface="+mn-cs"/>
-              </a:rPr>
-              <a:t>E</a:t>
-            </a:r>
-            <a:r>
-              <a:rPr lang="en-US" sz="1200" b="1" i="0" u="none" strike="noStrike" kern="1200" baseline="0" dirty="0" smtClean="0">
-                <a:solidFill>
-                  <a:schemeClr val="tx1"/>
-                </a:solidFill>
-                <a:latin typeface="+mn-lt"/>
-                <a:ea typeface="+mn-ea"/>
-                <a:cs typeface="+mn-cs"/>
-              </a:rPr>
-              <a:t>–</a:t>
-            </a:r>
-            <a:r>
-              <a:rPr lang="en-US" sz="1200" b="1" i="1" u="none" strike="noStrike" kern="1200" baseline="0" dirty="0" smtClean="0">
-                <a:solidFill>
-                  <a:schemeClr val="tx1"/>
-                </a:solidFill>
-                <a:latin typeface="+mn-lt"/>
-                <a:ea typeface="+mn-ea"/>
-                <a:cs typeface="+mn-cs"/>
-              </a:rPr>
-              <a:t>G</a:t>
-            </a:r>
-            <a:r>
-              <a:rPr lang="en-US" sz="1200" b="1" i="0" u="none" strike="noStrike" kern="1200" baseline="0" dirty="0" smtClean="0">
-                <a:solidFill>
-                  <a:schemeClr val="tx1"/>
-                </a:solidFill>
-                <a:latin typeface="+mn-lt"/>
-                <a:ea typeface="+mn-ea"/>
-                <a:cs typeface="+mn-cs"/>
-              </a:rPr>
-              <a:t>) Distribution of foci</a:t>
-            </a:r>
-          </a:p>
-          <a:p>
-            <a:r>
-              <a:rPr lang="en-US" sz="1200" b="1" i="0" u="none" strike="noStrike" kern="1200" baseline="0" dirty="0" smtClean="0">
-                <a:solidFill>
-                  <a:schemeClr val="tx1"/>
-                </a:solidFill>
-                <a:latin typeface="+mn-lt"/>
-                <a:ea typeface="+mn-ea"/>
-                <a:cs typeface="+mn-cs"/>
-              </a:rPr>
-              <a:t>along bivalents</a:t>
-            </a:r>
-            <a:r>
-              <a:rPr lang="en-US" sz="1200" b="0" i="0" u="none" strike="noStrike" kern="1200" baseline="0" dirty="0" smtClean="0">
-                <a:solidFill>
-                  <a:schemeClr val="tx1"/>
-                </a:solidFill>
-                <a:latin typeface="+mn-lt"/>
-                <a:ea typeface="+mn-ea"/>
-                <a:cs typeface="+mn-cs"/>
-              </a:rPr>
-              <a:t>. Shown are the cumulative frequencies of foci as a function of</a:t>
-            </a:r>
-          </a:p>
-          <a:p>
-            <a:r>
-              <a:rPr lang="en-US" sz="1200" b="0" i="0" u="none" strike="noStrike" kern="1200" baseline="0" dirty="0" smtClean="0">
-                <a:solidFill>
-                  <a:schemeClr val="tx1"/>
-                </a:solidFill>
-                <a:latin typeface="+mn-lt"/>
-                <a:ea typeface="+mn-ea"/>
-                <a:cs typeface="+mn-cs"/>
-              </a:rPr>
-              <a:t>the distance to the </a:t>
-            </a:r>
-            <a:r>
-              <a:rPr lang="en-US" sz="1200" b="0" i="0" u="none" strike="noStrike" kern="1200" baseline="0" dirty="0" err="1" smtClean="0">
-                <a:solidFill>
-                  <a:schemeClr val="tx1"/>
-                </a:solidFill>
-                <a:latin typeface="+mn-lt"/>
-                <a:ea typeface="+mn-ea"/>
-                <a:cs typeface="+mn-cs"/>
-              </a:rPr>
-              <a:t>centromeric</a:t>
-            </a:r>
-            <a:r>
-              <a:rPr lang="en-US" sz="1200" b="0" i="0" u="none" strike="noStrike" kern="1200" baseline="0" dirty="0" smtClean="0">
-                <a:solidFill>
-                  <a:schemeClr val="tx1"/>
-                </a:solidFill>
-                <a:latin typeface="+mn-lt"/>
-                <a:ea typeface="+mn-ea"/>
-                <a:cs typeface="+mn-cs"/>
-              </a:rPr>
-              <a:t> end of the </a:t>
-            </a:r>
-            <a:r>
-              <a:rPr lang="en-US" sz="1200" b="1" i="0" u="none" strike="noStrike" kern="1200" baseline="0" dirty="0" smtClean="0">
-                <a:solidFill>
-                  <a:schemeClr val="tx1"/>
-                </a:solidFill>
-                <a:latin typeface="+mn-lt"/>
-                <a:ea typeface="+mn-ea"/>
-                <a:cs typeface="+mn-cs"/>
-              </a:rPr>
-              <a:t>SC (wild type) or AE (</a:t>
-            </a:r>
-            <a:r>
-              <a:rPr lang="en-US" sz="1200" b="1" i="1" u="none" strike="noStrike" kern="1200" baseline="0" dirty="0" smtClean="0">
-                <a:solidFill>
-                  <a:schemeClr val="tx1"/>
-                </a:solidFill>
-                <a:latin typeface="+mn-lt"/>
-                <a:ea typeface="+mn-ea"/>
-                <a:cs typeface="+mn-cs"/>
-              </a:rPr>
-              <a:t>Sycp1</a:t>
-            </a:r>
-            <a:r>
-              <a:rPr lang="en-US" sz="1200" b="1" i="0" u="none" strike="noStrike" kern="1200" baseline="0" dirty="0" smtClean="0">
-                <a:solidFill>
-                  <a:schemeClr val="tx1"/>
-                </a:solidFill>
-                <a:latin typeface="+mn-lt"/>
-                <a:ea typeface="+mn-ea"/>
-                <a:cs typeface="+mn-cs"/>
-              </a:rPr>
-              <a:t>/). </a:t>
-            </a:r>
-            <a:r>
-              <a:rPr lang="en-US" sz="1200" b="0" i="0" u="none" strike="noStrike" kern="1200" baseline="0" dirty="0" smtClean="0">
-                <a:solidFill>
-                  <a:schemeClr val="tx1"/>
-                </a:solidFill>
-                <a:latin typeface="+mn-lt"/>
-                <a:ea typeface="+mn-ea"/>
-                <a:cs typeface="+mn-cs"/>
-              </a:rPr>
-              <a:t>The</a:t>
-            </a:r>
-          </a:p>
-          <a:p>
-            <a:r>
-              <a:rPr lang="en-US" sz="1200" b="0" i="0" u="none" strike="noStrike" kern="1200" baseline="0" dirty="0" smtClean="0">
-                <a:solidFill>
-                  <a:schemeClr val="tx1"/>
-                </a:solidFill>
-                <a:latin typeface="+mn-lt"/>
-                <a:ea typeface="+mn-ea"/>
-                <a:cs typeface="+mn-cs"/>
-              </a:rPr>
-              <a:t>distances are expressed as percentage of the length of the SC AE on which the</a:t>
-            </a:r>
-          </a:p>
-          <a:p>
-            <a:r>
-              <a:rPr lang="en-US" sz="1200" b="0" i="0" u="none" strike="noStrike" kern="1200" baseline="0" dirty="0" smtClean="0">
-                <a:solidFill>
-                  <a:schemeClr val="tx1"/>
-                </a:solidFill>
-                <a:latin typeface="+mn-lt"/>
-                <a:ea typeface="+mn-ea"/>
-                <a:cs typeface="+mn-cs"/>
-              </a:rPr>
-              <a:t>focus was located. </a:t>
-            </a:r>
-            <a:r>
-              <a:rPr lang="en-US" sz="1200" b="1" i="0" u="none" strike="noStrike" kern="1200" baseline="0" dirty="0" smtClean="0">
-                <a:solidFill>
-                  <a:schemeClr val="tx1"/>
-                </a:solidFill>
-                <a:latin typeface="+mn-lt"/>
-                <a:ea typeface="+mn-ea"/>
-                <a:cs typeface="+mn-cs"/>
-              </a:rPr>
-              <a:t>The numbers of foci on which the curves are based are</a:t>
-            </a:r>
-          </a:p>
-          <a:p>
-            <a:r>
-              <a:rPr lang="en-US" sz="1200" b="1" i="0" u="none" strike="noStrike" kern="1200" baseline="0" dirty="0" smtClean="0">
-                <a:solidFill>
-                  <a:schemeClr val="tx1"/>
-                </a:solidFill>
-                <a:latin typeface="+mn-lt"/>
-                <a:ea typeface="+mn-ea"/>
-                <a:cs typeface="+mn-cs"/>
-              </a:rPr>
-              <a:t>shown in the upper left corners, and the chromosome numbers are shown in</a:t>
-            </a:r>
-          </a:p>
-          <a:p>
-            <a:r>
-              <a:rPr lang="en-US" sz="1200" b="1" i="0" u="none" strike="noStrike" kern="1200" baseline="0" dirty="0" smtClean="0">
-                <a:solidFill>
-                  <a:schemeClr val="tx1"/>
-                </a:solidFill>
-                <a:latin typeface="+mn-lt"/>
-                <a:ea typeface="+mn-ea"/>
-                <a:cs typeface="+mn-cs"/>
-              </a:rPr>
-              <a:t>the lower right corners of the graphs</a:t>
-            </a:r>
-            <a:r>
-              <a:rPr lang="en-US" sz="1200" b="0" i="0" u="none" strike="noStrike" kern="1200" baseline="0" dirty="0" smtClean="0">
-                <a:solidFill>
-                  <a:schemeClr val="tx1"/>
-                </a:solidFill>
-                <a:latin typeface="+mn-lt"/>
-                <a:ea typeface="+mn-ea"/>
-                <a:cs typeface="+mn-cs"/>
-              </a:rPr>
-              <a:t>. A uniform distribution of foci would</a:t>
-            </a:r>
-          </a:p>
-          <a:p>
-            <a:r>
-              <a:rPr lang="en-US" sz="1200" b="0" i="0" u="none" strike="noStrike" kern="1200" baseline="0" dirty="0" smtClean="0">
-                <a:solidFill>
-                  <a:schemeClr val="tx1"/>
-                </a:solidFill>
-                <a:latin typeface="+mn-lt"/>
-                <a:ea typeface="+mn-ea"/>
-                <a:cs typeface="+mn-cs"/>
-              </a:rPr>
-              <a:t>yield a straight line from the lower left to the upper right corner of the graph.</a:t>
-            </a:r>
-          </a:p>
-          <a:p>
-            <a:r>
-              <a:rPr lang="en-US" sz="1200" b="0" i="0" u="none" strike="noStrike" kern="1200" baseline="0" dirty="0" smtClean="0">
-                <a:solidFill>
-                  <a:schemeClr val="tx1"/>
-                </a:solidFill>
-                <a:latin typeface="+mn-lt"/>
-                <a:ea typeface="+mn-ea"/>
-                <a:cs typeface="+mn-cs"/>
-              </a:rPr>
-              <a:t>M, male; F, female; </a:t>
-            </a:r>
-            <a:r>
-              <a:rPr lang="en-US" sz="1200" b="0" i="0" u="none" strike="noStrike" kern="1200" baseline="0" dirty="0" err="1" smtClean="0">
-                <a:solidFill>
-                  <a:schemeClr val="tx1"/>
-                </a:solidFill>
-                <a:latin typeface="+mn-lt"/>
-                <a:ea typeface="+mn-ea"/>
-                <a:cs typeface="+mn-cs"/>
-              </a:rPr>
-              <a:t>Wt</a:t>
-            </a:r>
-            <a:r>
-              <a:rPr lang="en-US" sz="1200" b="0" i="0" u="none" strike="noStrike" kern="1200" baseline="0" dirty="0" smtClean="0">
-                <a:solidFill>
-                  <a:schemeClr val="tx1"/>
-                </a:solidFill>
-                <a:latin typeface="+mn-lt"/>
-                <a:ea typeface="+mn-ea"/>
-                <a:cs typeface="+mn-cs"/>
-              </a:rPr>
-              <a:t>, wild type; , </a:t>
-            </a:r>
-            <a:r>
-              <a:rPr lang="en-US" sz="1200" b="0" i="1" u="none" strike="noStrike" kern="1200" baseline="0" dirty="0" smtClean="0">
-                <a:solidFill>
-                  <a:schemeClr val="tx1"/>
-                </a:solidFill>
-                <a:latin typeface="+mn-lt"/>
-                <a:ea typeface="+mn-ea"/>
-                <a:cs typeface="+mn-cs"/>
-              </a:rPr>
-              <a:t>Sycp1</a:t>
-            </a:r>
-            <a:r>
-              <a:rPr lang="en-US" sz="1200" b="0" i="0" u="none" strike="noStrike" kern="1200" baseline="0" dirty="0" smtClean="0">
-                <a:solidFill>
-                  <a:schemeClr val="tx1"/>
-                </a:solidFill>
-                <a:latin typeface="+mn-lt"/>
-                <a:ea typeface="+mn-ea"/>
-                <a:cs typeface="+mn-cs"/>
-              </a:rPr>
-              <a:t>/.</a:t>
-            </a:r>
+            <a:endParaRPr lang="en-US" dirty="0" smtClean="0"/>
+          </a:p>
+          <a:p>
+            <a:r>
+              <a:rPr lang="en-US" dirty="0" smtClean="0"/>
+              <a:t>For some reasons the patterns change – maybe the first one included</a:t>
+            </a:r>
+            <a:r>
+              <a:rPr lang="en-US" baseline="0" dirty="0" smtClean="0"/>
+              <a:t> more than 1CO</a:t>
+            </a:r>
+            <a:endParaRPr lang="en-US" dirty="0" smtClean="0"/>
+          </a:p>
+          <a:p>
+            <a:endParaRPr lang="en-US" dirty="0" smtClean="0"/>
+          </a:p>
+          <a:p>
             <a:endParaRPr lang="en-US" dirty="0"/>
           </a:p>
         </p:txBody>
@@ -1778,7 +1144,7 @@
           <a:p>
             <a:fld id="{2788907E-C72E-4D7B-B8CA-F158589AC799}" type="slidenum">
               <a:rPr lang="en-US" smtClean="0"/>
-              <a:t>15</a:t>
+              <a:t>22</a:t>
             </a:fld>
             <a:endParaRPr lang="en-US"/>
           </a:p>
@@ -1787,7 +1153,7 @@
     </p:spTree>
     <p:extLst>
       <p:ext uri="{BB962C8B-B14F-4D97-AF65-F5344CB8AC3E}">
-        <p14:creationId xmlns:p14="http://schemas.microsoft.com/office/powerpoint/2010/main" val="2812527262"/>
+        <p14:creationId xmlns:p14="http://schemas.microsoft.com/office/powerpoint/2010/main" val="3369798618"/>
       </p:ext>
     </p:extLst>
   </p:cSld>
@@ -1843,63 +1209,646 @@
           <a:p>
             <a:r>
               <a:rPr lang="en-US" dirty="0" smtClean="0"/>
+              <a:t>Interference / gamma curves are on the top --- don’t think any are female?</a:t>
+            </a:r>
+          </a:p>
+          <a:p>
+            <a:endParaRPr lang="en-US" dirty="0" smtClean="0"/>
+          </a:p>
+          <a:p>
+            <a:r>
+              <a:rPr lang="en-US" dirty="0" smtClean="0"/>
+              <a:t>(Should I try to remake these cumulative foci plots?)  --- smaller</a:t>
+            </a:r>
+            <a:r>
+              <a:rPr lang="en-US" baseline="0" dirty="0" smtClean="0"/>
+              <a:t> square </a:t>
+            </a:r>
+            <a:r>
+              <a:rPr lang="en-US" dirty="0" smtClean="0"/>
+              <a:t>curve plots are there are all</a:t>
+            </a:r>
+            <a:r>
+              <a:rPr lang="en-US" baseline="0" dirty="0" smtClean="0"/>
+              <a:t> </a:t>
+            </a:r>
+            <a:r>
+              <a:rPr lang="en-US" b="1" baseline="0" dirty="0" smtClean="0"/>
+              <a:t>distance to cent</a:t>
+            </a:r>
+            <a:r>
+              <a:rPr lang="en-US" b="0" baseline="0" dirty="0" smtClean="0"/>
+              <a:t> (do these pool foci from the same </a:t>
+            </a:r>
+            <a:r>
+              <a:rPr lang="en-US" b="0" baseline="0" dirty="0" err="1" smtClean="0"/>
+              <a:t>biv</a:t>
+            </a:r>
+            <a:r>
+              <a:rPr lang="en-US" b="0" baseline="0" dirty="0" smtClean="0"/>
+              <a:t>?!)</a:t>
+            </a:r>
+            <a:endParaRPr lang="en-US" b="0" dirty="0" smtClean="0"/>
+          </a:p>
+          <a:p>
+            <a:endParaRPr lang="en-US" dirty="0" smtClean="0"/>
+          </a:p>
+          <a:p>
+            <a:r>
+              <a:rPr lang="en-US" sz="1200" b="1" i="0" u="none" strike="noStrike" kern="1200" baseline="0" dirty="0" smtClean="0">
+                <a:solidFill>
+                  <a:schemeClr val="tx1"/>
+                </a:solidFill>
+                <a:latin typeface="+mn-lt"/>
+                <a:ea typeface="+mn-ea"/>
+                <a:cs typeface="+mn-cs"/>
+              </a:rPr>
+              <a:t>Fig. 1. </a:t>
+            </a:r>
+            <a:r>
+              <a:rPr lang="en-US" sz="1200" b="0" i="0" u="none" strike="noStrike" kern="1200" baseline="0" dirty="0" smtClean="0">
+                <a:solidFill>
+                  <a:schemeClr val="tx1"/>
+                </a:solidFill>
+                <a:latin typeface="+mn-lt"/>
+                <a:ea typeface="+mn-ea"/>
+                <a:cs typeface="+mn-cs"/>
+              </a:rPr>
+              <a:t>Analysis of foci along bivalents. (</a:t>
+            </a:r>
+            <a:r>
+              <a:rPr lang="en-US" sz="1200" b="0" i="1" u="none" strike="noStrike" kern="1200" baseline="0" dirty="0" smtClean="0">
+                <a:solidFill>
+                  <a:schemeClr val="tx1"/>
+                </a:solidFill>
+                <a:latin typeface="+mn-lt"/>
+                <a:ea typeface="+mn-ea"/>
+                <a:cs typeface="+mn-cs"/>
+              </a:rPr>
+              <a:t>A</a:t>
+            </a:r>
+            <a:r>
+              <a:rPr lang="en-US" sz="1200" b="0" i="0" u="none" strike="noStrike" kern="1200" baseline="0" dirty="0" smtClean="0">
+                <a:solidFill>
+                  <a:schemeClr val="tx1"/>
+                </a:solidFill>
+                <a:latin typeface="+mn-lt"/>
+                <a:ea typeface="+mn-ea"/>
+                <a:cs typeface="+mn-cs"/>
+              </a:rPr>
+              <a:t>) Shape of gamma distributions for</a:t>
+            </a:r>
+          </a:p>
+          <a:p>
+            <a:r>
+              <a:rPr lang="en-US" sz="1200" b="0" i="0" u="none" strike="noStrike" kern="1200" baseline="0" dirty="0" smtClean="0">
+                <a:solidFill>
+                  <a:schemeClr val="tx1"/>
+                </a:solidFill>
+                <a:latin typeface="+mn-lt"/>
+                <a:ea typeface="+mn-ea"/>
+                <a:cs typeface="+mn-cs"/>
+              </a:rPr>
+              <a:t>different  values. The average </a:t>
+            </a:r>
+            <a:r>
+              <a:rPr lang="en-US" sz="1200" b="0" i="0" u="none" strike="noStrike" kern="1200" baseline="0" dirty="0" err="1" smtClean="0">
+                <a:solidFill>
+                  <a:schemeClr val="tx1"/>
+                </a:solidFill>
+                <a:latin typeface="+mn-lt"/>
+                <a:ea typeface="+mn-ea"/>
+                <a:cs typeface="+mn-cs"/>
+              </a:rPr>
+              <a:t>interfocus</a:t>
+            </a:r>
+            <a:r>
+              <a:rPr lang="en-US" sz="1200" b="0" i="0" u="none" strike="noStrike" kern="1200" baseline="0" dirty="0" smtClean="0">
+                <a:solidFill>
+                  <a:schemeClr val="tx1"/>
+                </a:solidFill>
+                <a:latin typeface="+mn-lt"/>
+                <a:ea typeface="+mn-ea"/>
+                <a:cs typeface="+mn-cs"/>
+              </a:rPr>
+              <a:t> distance equals 10 for all distributions</a:t>
+            </a:r>
+          </a:p>
+          <a:p>
+            <a:r>
+              <a:rPr lang="en-US" sz="1200" b="0" i="0" u="none" strike="noStrike" kern="1200" baseline="0" dirty="0" smtClean="0">
+                <a:solidFill>
+                  <a:schemeClr val="tx1"/>
+                </a:solidFill>
+                <a:latin typeface="+mn-lt"/>
+                <a:ea typeface="+mn-ea"/>
+                <a:cs typeface="+mn-cs"/>
+              </a:rPr>
+              <a:t>shown. As  increases, the very short and very long distances become</a:t>
+            </a:r>
+          </a:p>
+          <a:p>
+            <a:r>
+              <a:rPr lang="en-US" sz="1200" b="0" i="0" u="none" strike="noStrike" kern="1200" baseline="0" dirty="0" smtClean="0">
+                <a:solidFill>
+                  <a:schemeClr val="tx1"/>
+                </a:solidFill>
+                <a:latin typeface="+mn-lt"/>
+                <a:ea typeface="+mn-ea"/>
+                <a:cs typeface="+mn-cs"/>
+              </a:rPr>
+              <a:t>sparser, and the distributions become narrower and more symmetrical. (</a:t>
+            </a:r>
+            <a:r>
+              <a:rPr lang="en-US" sz="1200" b="0" i="1" u="none" strike="noStrike" kern="1200" baseline="0" dirty="0" smtClean="0">
+                <a:solidFill>
+                  <a:schemeClr val="tx1"/>
+                </a:solidFill>
+                <a:latin typeface="+mn-lt"/>
+                <a:ea typeface="+mn-ea"/>
+                <a:cs typeface="+mn-cs"/>
+              </a:rPr>
+              <a:t>B</a:t>
+            </a:r>
+            <a:r>
+              <a:rPr lang="en-US" sz="1200" b="0" i="0" u="none" strike="noStrike" kern="1200" baseline="0" dirty="0" smtClean="0">
+                <a:solidFill>
+                  <a:schemeClr val="tx1"/>
+                </a:solidFill>
+                <a:latin typeface="+mn-lt"/>
+                <a:ea typeface="+mn-ea"/>
+                <a:cs typeface="+mn-cs"/>
+              </a:rPr>
+              <a:t>–</a:t>
+            </a:r>
+            <a:r>
+              <a:rPr lang="en-US" sz="1200" b="0" i="1" u="none" strike="noStrike" kern="1200" baseline="0" dirty="0" smtClean="0">
+                <a:solidFill>
+                  <a:schemeClr val="tx1"/>
+                </a:solidFill>
+                <a:latin typeface="+mn-lt"/>
+                <a:ea typeface="+mn-ea"/>
+                <a:cs typeface="+mn-cs"/>
+              </a:rPr>
+              <a:t>D</a:t>
+            </a:r>
+            <a:r>
+              <a:rPr lang="en-US" sz="1200" b="0" i="0" u="none" strike="noStrike" kern="1200" baseline="0" dirty="0" smtClean="0">
+                <a:solidFill>
+                  <a:schemeClr val="tx1"/>
+                </a:solidFill>
+                <a:latin typeface="+mn-lt"/>
+                <a:ea typeface="+mn-ea"/>
+                <a:cs typeface="+mn-cs"/>
+              </a:rPr>
+              <a:t>)</a:t>
+            </a:r>
+          </a:p>
+          <a:p>
+            <a:r>
+              <a:rPr lang="en-US" sz="1200" b="0" i="0" u="none" strike="noStrike" kern="1200" baseline="0" dirty="0" smtClean="0">
+                <a:solidFill>
+                  <a:schemeClr val="tx1"/>
+                </a:solidFill>
+                <a:latin typeface="+mn-lt"/>
+                <a:ea typeface="+mn-ea"/>
+                <a:cs typeface="+mn-cs"/>
+              </a:rPr>
+              <a:t>Examples of histograms of observed </a:t>
+            </a:r>
+            <a:r>
+              <a:rPr lang="en-US" sz="1200" b="0" i="0" u="none" strike="noStrike" kern="1200" baseline="0" dirty="0" err="1" smtClean="0">
+                <a:solidFill>
+                  <a:schemeClr val="tx1"/>
+                </a:solidFill>
+                <a:latin typeface="+mn-lt"/>
+                <a:ea typeface="+mn-ea"/>
+                <a:cs typeface="+mn-cs"/>
+              </a:rPr>
+              <a:t>interfocus</a:t>
+            </a:r>
+            <a:r>
+              <a:rPr lang="en-US" sz="1200" b="0" i="0" u="none" strike="noStrike" kern="1200" baseline="0" dirty="0" smtClean="0">
+                <a:solidFill>
+                  <a:schemeClr val="tx1"/>
+                </a:solidFill>
+                <a:latin typeface="+mn-lt"/>
+                <a:ea typeface="+mn-ea"/>
+                <a:cs typeface="+mn-cs"/>
+              </a:rPr>
+              <a:t> distances in spermatocytes</a:t>
+            </a:r>
+          </a:p>
+          <a:p>
+            <a:r>
+              <a:rPr lang="en-US" sz="1200" b="0" i="0" u="none" strike="noStrike" kern="1200" baseline="0" dirty="0" smtClean="0">
+                <a:solidFill>
+                  <a:schemeClr val="tx1"/>
+                </a:solidFill>
+                <a:latin typeface="+mn-lt"/>
+                <a:ea typeface="+mn-ea"/>
+                <a:cs typeface="+mn-cs"/>
+              </a:rPr>
+              <a:t>(black bars), the best fit of the observed distances to the gamma distribution  (red curves), the  value for which the best fit was obtained (ˆ ), and the</a:t>
+            </a:r>
+          </a:p>
+          <a:p>
+            <a:r>
+              <a:rPr lang="en-US" sz="1200" b="0" i="0" u="none" strike="noStrike" kern="1200" baseline="0" dirty="0" smtClean="0">
+                <a:solidFill>
+                  <a:schemeClr val="tx1"/>
+                </a:solidFill>
+                <a:latin typeface="+mn-lt"/>
+                <a:ea typeface="+mn-ea"/>
+                <a:cs typeface="+mn-cs"/>
+              </a:rPr>
+              <a:t>distributions expected if there were no interference (i.e., 1; blue curves).</a:t>
+            </a:r>
+          </a:p>
+          <a:p>
+            <a:r>
+              <a:rPr lang="en-US" sz="1200" b="0" i="0" u="none" strike="noStrike" kern="1200" baseline="0" dirty="0" smtClean="0">
+                <a:solidFill>
+                  <a:schemeClr val="tx1"/>
+                </a:solidFill>
+                <a:latin typeface="+mn-lt"/>
+                <a:ea typeface="+mn-ea"/>
+                <a:cs typeface="+mn-cs"/>
+              </a:rPr>
+              <a:t>The observed </a:t>
+            </a:r>
+            <a:r>
+              <a:rPr lang="en-US" sz="1200" b="0" i="0" u="none" strike="noStrike" kern="1200" baseline="0" dirty="0" err="1" smtClean="0">
+                <a:solidFill>
+                  <a:schemeClr val="tx1"/>
+                </a:solidFill>
+                <a:latin typeface="+mn-lt"/>
+                <a:ea typeface="+mn-ea"/>
+                <a:cs typeface="+mn-cs"/>
+              </a:rPr>
+              <a:t>interfocus</a:t>
+            </a:r>
+            <a:r>
+              <a:rPr lang="en-US" sz="1200" b="0" i="0" u="none" strike="noStrike" kern="1200" baseline="0" dirty="0" smtClean="0">
+                <a:solidFill>
+                  <a:schemeClr val="tx1"/>
+                </a:solidFill>
+                <a:latin typeface="+mn-lt"/>
+                <a:ea typeface="+mn-ea"/>
+                <a:cs typeface="+mn-cs"/>
+              </a:rPr>
+              <a:t> distances were binned for representation only; the</a:t>
+            </a:r>
+          </a:p>
+          <a:p>
+            <a:r>
+              <a:rPr lang="en-US" sz="1200" b="0" i="0" u="none" strike="noStrike" kern="1200" baseline="0" dirty="0" smtClean="0">
+                <a:solidFill>
+                  <a:schemeClr val="tx1"/>
+                </a:solidFill>
+                <a:latin typeface="+mn-lt"/>
+                <a:ea typeface="+mn-ea"/>
+                <a:cs typeface="+mn-cs"/>
+              </a:rPr>
+              <a:t>best fits to the gamma distribution are based on the exact, </a:t>
+            </a:r>
+            <a:r>
+              <a:rPr lang="en-US" sz="1200" b="0" i="0" u="none" strike="noStrike" kern="1200" baseline="0" dirty="0" err="1" smtClean="0">
+                <a:solidFill>
+                  <a:schemeClr val="tx1"/>
+                </a:solidFill>
+                <a:latin typeface="+mn-lt"/>
+                <a:ea typeface="+mn-ea"/>
+                <a:cs typeface="+mn-cs"/>
+              </a:rPr>
+              <a:t>unbinned</a:t>
+            </a:r>
+            <a:r>
+              <a:rPr lang="en-US" sz="1200" b="0" i="0" u="none" strike="noStrike" kern="1200" baseline="0" dirty="0" smtClean="0">
+                <a:solidFill>
+                  <a:schemeClr val="tx1"/>
+                </a:solidFill>
+                <a:latin typeface="+mn-lt"/>
+                <a:ea typeface="+mn-ea"/>
+                <a:cs typeface="+mn-cs"/>
+              </a:rPr>
+              <a:t> distances.</a:t>
+            </a:r>
+          </a:p>
+          <a:p>
+            <a:r>
+              <a:rPr lang="en-US" sz="1200" b="0" i="0" u="none" strike="noStrike" kern="1200" baseline="0" dirty="0" smtClean="0">
+                <a:solidFill>
+                  <a:schemeClr val="tx1"/>
+                </a:solidFill>
+                <a:latin typeface="+mn-lt"/>
+                <a:ea typeface="+mn-ea"/>
+                <a:cs typeface="+mn-cs"/>
+              </a:rPr>
+              <a:t>Figs. 5 and 6 show histograms of all data sets. </a:t>
+            </a:r>
+            <a:r>
+              <a:rPr lang="en-US" sz="1200" b="1" i="0" u="none" strike="noStrike" kern="1200" baseline="0" dirty="0" smtClean="0">
+                <a:solidFill>
+                  <a:schemeClr val="tx1"/>
+                </a:solidFill>
+                <a:latin typeface="+mn-lt"/>
+                <a:ea typeface="+mn-ea"/>
+                <a:cs typeface="+mn-cs"/>
+              </a:rPr>
+              <a:t>(</a:t>
+            </a:r>
+            <a:r>
+              <a:rPr lang="en-US" sz="1200" b="1" i="1" u="none" strike="noStrike" kern="1200" baseline="0" dirty="0" smtClean="0">
+                <a:solidFill>
+                  <a:schemeClr val="tx1"/>
+                </a:solidFill>
+                <a:latin typeface="+mn-lt"/>
+                <a:ea typeface="+mn-ea"/>
+                <a:cs typeface="+mn-cs"/>
+              </a:rPr>
+              <a:t>E</a:t>
+            </a:r>
+            <a:r>
+              <a:rPr lang="en-US" sz="1200" b="1" i="0" u="none" strike="noStrike" kern="1200" baseline="0" dirty="0" smtClean="0">
+                <a:solidFill>
+                  <a:schemeClr val="tx1"/>
+                </a:solidFill>
+                <a:latin typeface="+mn-lt"/>
+                <a:ea typeface="+mn-ea"/>
+                <a:cs typeface="+mn-cs"/>
+              </a:rPr>
+              <a:t>–</a:t>
+            </a:r>
+            <a:r>
+              <a:rPr lang="en-US" sz="1200" b="1" i="1" u="none" strike="noStrike" kern="1200" baseline="0" dirty="0" smtClean="0">
+                <a:solidFill>
+                  <a:schemeClr val="tx1"/>
+                </a:solidFill>
+                <a:latin typeface="+mn-lt"/>
+                <a:ea typeface="+mn-ea"/>
+                <a:cs typeface="+mn-cs"/>
+              </a:rPr>
+              <a:t>G</a:t>
+            </a:r>
+            <a:r>
+              <a:rPr lang="en-US" sz="1200" b="1" i="0" u="none" strike="noStrike" kern="1200" baseline="0" dirty="0" smtClean="0">
+                <a:solidFill>
+                  <a:schemeClr val="tx1"/>
+                </a:solidFill>
+                <a:latin typeface="+mn-lt"/>
+                <a:ea typeface="+mn-ea"/>
+                <a:cs typeface="+mn-cs"/>
+              </a:rPr>
+              <a:t>) Distribution of foci</a:t>
+            </a:r>
+          </a:p>
+          <a:p>
+            <a:r>
+              <a:rPr lang="en-US" sz="1200" b="1" i="0" u="none" strike="noStrike" kern="1200" baseline="0" dirty="0" smtClean="0">
+                <a:solidFill>
+                  <a:schemeClr val="tx1"/>
+                </a:solidFill>
+                <a:latin typeface="+mn-lt"/>
+                <a:ea typeface="+mn-ea"/>
+                <a:cs typeface="+mn-cs"/>
+              </a:rPr>
+              <a:t>along bivalents</a:t>
+            </a:r>
+            <a:r>
+              <a:rPr lang="en-US" sz="1200" b="0" i="0" u="none" strike="noStrike" kern="1200" baseline="0" dirty="0" smtClean="0">
+                <a:solidFill>
+                  <a:schemeClr val="tx1"/>
+                </a:solidFill>
+                <a:latin typeface="+mn-lt"/>
+                <a:ea typeface="+mn-ea"/>
+                <a:cs typeface="+mn-cs"/>
+              </a:rPr>
+              <a:t>. Shown are the cumulative frequencies of foci as a function of</a:t>
+            </a:r>
+          </a:p>
+          <a:p>
+            <a:r>
+              <a:rPr lang="en-US" sz="1200" b="0" i="0" u="none" strike="noStrike" kern="1200" baseline="0" dirty="0" smtClean="0">
+                <a:solidFill>
+                  <a:schemeClr val="tx1"/>
+                </a:solidFill>
+                <a:latin typeface="+mn-lt"/>
+                <a:ea typeface="+mn-ea"/>
+                <a:cs typeface="+mn-cs"/>
+              </a:rPr>
+              <a:t>the distance to the </a:t>
+            </a:r>
+            <a:r>
+              <a:rPr lang="en-US" sz="1200" b="0" i="0" u="none" strike="noStrike" kern="1200" baseline="0" dirty="0" err="1" smtClean="0">
+                <a:solidFill>
+                  <a:schemeClr val="tx1"/>
+                </a:solidFill>
+                <a:latin typeface="+mn-lt"/>
+                <a:ea typeface="+mn-ea"/>
+                <a:cs typeface="+mn-cs"/>
+              </a:rPr>
+              <a:t>centromeric</a:t>
+            </a:r>
+            <a:r>
+              <a:rPr lang="en-US" sz="1200" b="0" i="0" u="none" strike="noStrike" kern="1200" baseline="0" dirty="0" smtClean="0">
+                <a:solidFill>
+                  <a:schemeClr val="tx1"/>
+                </a:solidFill>
+                <a:latin typeface="+mn-lt"/>
+                <a:ea typeface="+mn-ea"/>
+                <a:cs typeface="+mn-cs"/>
+              </a:rPr>
+              <a:t> end of the </a:t>
+            </a:r>
+            <a:r>
+              <a:rPr lang="en-US" sz="1200" b="1" i="0" u="none" strike="noStrike" kern="1200" baseline="0" dirty="0" smtClean="0">
+                <a:solidFill>
+                  <a:schemeClr val="tx1"/>
+                </a:solidFill>
+                <a:latin typeface="+mn-lt"/>
+                <a:ea typeface="+mn-ea"/>
+                <a:cs typeface="+mn-cs"/>
+              </a:rPr>
+              <a:t>SC (wild type) or AE (</a:t>
+            </a:r>
+            <a:r>
+              <a:rPr lang="en-US" sz="1200" b="1" i="1" u="none" strike="noStrike" kern="1200" baseline="0" dirty="0" smtClean="0">
+                <a:solidFill>
+                  <a:schemeClr val="tx1"/>
+                </a:solidFill>
+                <a:latin typeface="+mn-lt"/>
+                <a:ea typeface="+mn-ea"/>
+                <a:cs typeface="+mn-cs"/>
+              </a:rPr>
+              <a:t>Sycp1</a:t>
+            </a:r>
+            <a:r>
+              <a:rPr lang="en-US" sz="1200" b="1" i="0" u="none" strike="noStrike" kern="1200" baseline="0" dirty="0" smtClean="0">
+                <a:solidFill>
+                  <a:schemeClr val="tx1"/>
+                </a:solidFill>
+                <a:latin typeface="+mn-lt"/>
+                <a:ea typeface="+mn-ea"/>
+                <a:cs typeface="+mn-cs"/>
+              </a:rPr>
+              <a:t>/). </a:t>
+            </a:r>
+            <a:r>
+              <a:rPr lang="en-US" sz="1200" b="0" i="0" u="none" strike="noStrike" kern="1200" baseline="0" dirty="0" smtClean="0">
+                <a:solidFill>
+                  <a:schemeClr val="tx1"/>
+                </a:solidFill>
+                <a:latin typeface="+mn-lt"/>
+                <a:ea typeface="+mn-ea"/>
+                <a:cs typeface="+mn-cs"/>
+              </a:rPr>
               <a:t>The</a:t>
             </a:r>
-            <a:r>
-              <a:rPr lang="en-US" baseline="0" dirty="0" smtClean="0"/>
-              <a:t> overall narrative I’m trying to weave – more variance in females</a:t>
-            </a:r>
-          </a:p>
-          <a:p>
-            <a:r>
-              <a:rPr lang="en-US" baseline="0" dirty="0" smtClean="0"/>
-              <a:t>-Between cells (MLH1 counts)</a:t>
-            </a:r>
-          </a:p>
-          <a:p>
-            <a:r>
-              <a:rPr lang="en-US" baseline="0" dirty="0" smtClean="0"/>
-              <a:t>- Uniform spacing (the 1CO position is not regulated)  (F1 variance is probably larger (F1nrm))</a:t>
-            </a:r>
-          </a:p>
-          <a:p>
-            <a:r>
-              <a:rPr lang="en-US" baseline="0" dirty="0" smtClean="0"/>
-              <a:t>- IFD spacing / interference strength</a:t>
-            </a:r>
-          </a:p>
-          <a:p>
-            <a:endParaRPr lang="en-US" dirty="0" smtClean="0"/>
-          </a:p>
-          <a:p>
-            <a:r>
-              <a:rPr lang="en-US" dirty="0" smtClean="0"/>
-              <a:t>- Lack of distinction between</a:t>
-            </a:r>
-            <a:r>
-              <a:rPr lang="en-US" baseline="0" dirty="0" smtClean="0"/>
-              <a:t> 1CO and 2CO lengths</a:t>
-            </a:r>
-            <a:endParaRPr lang="en-US" dirty="0" smtClean="0"/>
-          </a:p>
-          <a:p>
-            <a:endParaRPr lang="en-US" dirty="0" smtClean="0"/>
-          </a:p>
-          <a:p>
-            <a:r>
-              <a:rPr lang="en-US" dirty="0" smtClean="0"/>
-              <a:t>(longer</a:t>
-            </a:r>
-            <a:r>
-              <a:rPr lang="en-US" baseline="0" dirty="0" smtClean="0"/>
-              <a:t> SC lengths (variance in SC length / I’m not sure this makes sense)</a:t>
-            </a:r>
-            <a:r>
-              <a:rPr lang="en-US" dirty="0" smtClean="0"/>
-              <a:t>)</a:t>
-            </a:r>
-          </a:p>
-          <a:p>
+          </a:p>
+          <a:p>
+            <a:r>
+              <a:rPr lang="en-US" sz="1200" b="0" i="0" u="none" strike="noStrike" kern="1200" baseline="0" dirty="0" smtClean="0">
+                <a:solidFill>
+                  <a:schemeClr val="tx1"/>
+                </a:solidFill>
+                <a:latin typeface="+mn-lt"/>
+                <a:ea typeface="+mn-ea"/>
+                <a:cs typeface="+mn-cs"/>
+              </a:rPr>
+              <a:t>distances are expressed as percentage of the length of the SC AE on which the</a:t>
+            </a:r>
+          </a:p>
+          <a:p>
+            <a:r>
+              <a:rPr lang="en-US" sz="1200" b="0" i="0" u="none" strike="noStrike" kern="1200" baseline="0" dirty="0" smtClean="0">
+                <a:solidFill>
+                  <a:schemeClr val="tx1"/>
+                </a:solidFill>
+                <a:latin typeface="+mn-lt"/>
+                <a:ea typeface="+mn-ea"/>
+                <a:cs typeface="+mn-cs"/>
+              </a:rPr>
+              <a:t>focus was located. </a:t>
+            </a:r>
+            <a:r>
+              <a:rPr lang="en-US" sz="1200" b="1" i="0" u="none" strike="noStrike" kern="1200" baseline="0" dirty="0" smtClean="0">
+                <a:solidFill>
+                  <a:schemeClr val="tx1"/>
+                </a:solidFill>
+                <a:latin typeface="+mn-lt"/>
+                <a:ea typeface="+mn-ea"/>
+                <a:cs typeface="+mn-cs"/>
+              </a:rPr>
+              <a:t>The numbers of foci on which the curves are based are</a:t>
+            </a:r>
+          </a:p>
+          <a:p>
+            <a:r>
+              <a:rPr lang="en-US" sz="1200" b="1" i="0" u="none" strike="noStrike" kern="1200" baseline="0" dirty="0" smtClean="0">
+                <a:solidFill>
+                  <a:schemeClr val="tx1"/>
+                </a:solidFill>
+                <a:latin typeface="+mn-lt"/>
+                <a:ea typeface="+mn-ea"/>
+                <a:cs typeface="+mn-cs"/>
+              </a:rPr>
+              <a:t>shown in the upper left corners, and the chromosome numbers are shown in</a:t>
+            </a:r>
+          </a:p>
+          <a:p>
+            <a:r>
+              <a:rPr lang="en-US" sz="1200" b="1" i="0" u="none" strike="noStrike" kern="1200" baseline="0" dirty="0" smtClean="0">
+                <a:solidFill>
+                  <a:schemeClr val="tx1"/>
+                </a:solidFill>
+                <a:latin typeface="+mn-lt"/>
+                <a:ea typeface="+mn-ea"/>
+                <a:cs typeface="+mn-cs"/>
+              </a:rPr>
+              <a:t>the lower right corners of the graphs</a:t>
+            </a:r>
+            <a:r>
+              <a:rPr lang="en-US" sz="1200" b="0" i="0" u="none" strike="noStrike" kern="1200" baseline="0" dirty="0" smtClean="0">
+                <a:solidFill>
+                  <a:schemeClr val="tx1"/>
+                </a:solidFill>
+                <a:latin typeface="+mn-lt"/>
+                <a:ea typeface="+mn-ea"/>
+                <a:cs typeface="+mn-cs"/>
+              </a:rPr>
+              <a:t>. A uniform distribution of foci would</a:t>
+            </a:r>
+          </a:p>
+          <a:p>
+            <a:r>
+              <a:rPr lang="en-US" sz="1200" b="0" i="0" u="none" strike="noStrike" kern="1200" baseline="0" dirty="0" smtClean="0">
+                <a:solidFill>
+                  <a:schemeClr val="tx1"/>
+                </a:solidFill>
+                <a:latin typeface="+mn-lt"/>
+                <a:ea typeface="+mn-ea"/>
+                <a:cs typeface="+mn-cs"/>
+              </a:rPr>
+              <a:t>yield a straight line from the lower left to the upper right corner of the graph.</a:t>
+            </a:r>
+          </a:p>
+          <a:p>
+            <a:r>
+              <a:rPr lang="en-US" sz="1200" b="0" i="0" u="none" strike="noStrike" kern="1200" baseline="0" dirty="0" smtClean="0">
+                <a:solidFill>
+                  <a:schemeClr val="tx1"/>
+                </a:solidFill>
+                <a:latin typeface="+mn-lt"/>
+                <a:ea typeface="+mn-ea"/>
+                <a:cs typeface="+mn-cs"/>
+              </a:rPr>
+              <a:t>M, male; F, female; </a:t>
+            </a:r>
+            <a:r>
+              <a:rPr lang="en-US" sz="1200" b="0" i="0" u="none" strike="noStrike" kern="1200" baseline="0" dirty="0" err="1" smtClean="0">
+                <a:solidFill>
+                  <a:schemeClr val="tx1"/>
+                </a:solidFill>
+                <a:latin typeface="+mn-lt"/>
+                <a:ea typeface="+mn-ea"/>
+                <a:cs typeface="+mn-cs"/>
+              </a:rPr>
+              <a:t>Wt</a:t>
+            </a:r>
+            <a:r>
+              <a:rPr lang="en-US" sz="1200" b="0" i="0" u="none" strike="noStrike" kern="1200" baseline="0" dirty="0" smtClean="0">
+                <a:solidFill>
+                  <a:schemeClr val="tx1"/>
+                </a:solidFill>
+                <a:latin typeface="+mn-lt"/>
+                <a:ea typeface="+mn-ea"/>
+                <a:cs typeface="+mn-cs"/>
+              </a:rPr>
+              <a:t>, wild type; , </a:t>
+            </a:r>
+            <a:r>
+              <a:rPr lang="en-US" sz="1200" b="0" i="1" u="none" strike="noStrike" kern="1200" baseline="0" dirty="0" smtClean="0">
+                <a:solidFill>
+                  <a:schemeClr val="tx1"/>
+                </a:solidFill>
+                <a:latin typeface="+mn-lt"/>
+                <a:ea typeface="+mn-ea"/>
+                <a:cs typeface="+mn-cs"/>
+              </a:rPr>
+              <a:t>Sycp1</a:t>
+            </a:r>
+            <a:r>
+              <a:rPr lang="en-US" sz="1200" b="0" i="0" u="none" strike="noStrike" kern="1200" baseline="0" dirty="0" smtClean="0">
+                <a:solidFill>
+                  <a:schemeClr val="tx1"/>
+                </a:solidFill>
+                <a:latin typeface="+mn-lt"/>
+                <a:ea typeface="+mn-ea"/>
+                <a:cs typeface="+mn-cs"/>
+              </a:rPr>
+              <a:t>/.</a:t>
+            </a:r>
             <a:endParaRPr lang="en-US" dirty="0"/>
           </a:p>
         </p:txBody>
@@ -1921,7 +1870,7 @@
           <a:p>
             <a:fld id="{2788907E-C72E-4D7B-B8CA-F158589AC799}" type="slidenum">
               <a:rPr lang="en-US" smtClean="0"/>
-              <a:t>16</a:t>
+              <a:t>23</a:t>
             </a:fld>
             <a:endParaRPr lang="en-US"/>
           </a:p>
@@ -1930,7 +1879,7 @@
     </p:spTree>
     <p:extLst>
       <p:ext uri="{BB962C8B-B14F-4D97-AF65-F5344CB8AC3E}">
-        <p14:creationId xmlns:p14="http://schemas.microsoft.com/office/powerpoint/2010/main" val="3243097393"/>
+        <p14:creationId xmlns:p14="http://schemas.microsoft.com/office/powerpoint/2010/main" val="2812527262"/>
       </p:ext>
     </p:extLst>
   </p:cSld>
@@ -1986,79 +1935,63 @@
           <a:p>
             <a:r>
               <a:rPr lang="en-US" dirty="0" smtClean="0"/>
-              <a:t>(motivation)</a:t>
-            </a:r>
-          </a:p>
-          <a:p>
-            <a:r>
-              <a:rPr lang="en-US" dirty="0" smtClean="0"/>
-              <a:t>Given the findings</a:t>
+              <a:t>The</a:t>
             </a:r>
             <a:r>
               <a:rPr lang="en-US" baseline="0" dirty="0" smtClean="0"/>
-              <a:t> with the </a:t>
-            </a:r>
-            <a:r>
-              <a:rPr lang="en-US" baseline="0" dirty="0" err="1" smtClean="0"/>
-              <a:t>gwRR</a:t>
-            </a:r>
+              <a:t> overall narrative I’m trying to weave – more variance in females</a:t>
+            </a:r>
+          </a:p>
+          <a:p>
             <a:r>
               <a:rPr lang="en-US" baseline="0" dirty="0" smtClean="0"/>
-              <a:t> -&gt; </a:t>
-            </a:r>
-            <a:r>
-              <a:rPr lang="en-US" baseline="0" dirty="0" err="1" smtClean="0"/>
-              <a:t>chrm</a:t>
-            </a:r>
+              <a:t>-Between cells (MLH1 counts)</a:t>
+            </a:r>
+          </a:p>
+          <a:p>
             <a:r>
               <a:rPr lang="en-US" baseline="0" dirty="0" smtClean="0"/>
-              <a:t> proportions -&gt; look at single bivalent pattern</a:t>
-            </a:r>
-          </a:p>
-          <a:p>
-            <a:endParaRPr lang="en-US" baseline="0" dirty="0" smtClean="0"/>
+              <a:t>- Uniform spacing (the 1CO position is not regulated)  (F1 variance is probably larger (F1nrm))</a:t>
+            </a:r>
           </a:p>
           <a:p>
             <a:r>
               <a:rPr lang="en-US" baseline="0" dirty="0" smtClean="0"/>
-              <a:t>(chromatin compaction, interference and known sex specific rec landscape features)</a:t>
-            </a:r>
-          </a:p>
-          <a:p>
-            <a:endParaRPr lang="en-US" baseline="0" dirty="0" smtClean="0"/>
-          </a:p>
-          <a:p>
+              <a:t>- IFD spacing / interference strength</a:t>
+            </a:r>
+          </a:p>
+          <a:p>
+            <a:endParaRPr lang="en-US" dirty="0" smtClean="0"/>
+          </a:p>
+          <a:p>
+            <a:r>
+              <a:rPr lang="en-US" dirty="0" smtClean="0"/>
+              <a:t>- Lack of distinction between</a:t>
+            </a:r>
             <a:r>
               <a:rPr lang="en-US" baseline="0" dirty="0" smtClean="0"/>
-              <a:t>(Brief summary for dataset)</a:t>
-            </a:r>
-          </a:p>
-          <a:p>
-            <a:endParaRPr lang="en-US" baseline="0" dirty="0" smtClean="0"/>
-          </a:p>
-          <a:p>
+              <a:t> 1CO and 2CO lengths</a:t>
+            </a:r>
+            <a:endParaRPr lang="en-US" dirty="0" smtClean="0"/>
+          </a:p>
+          <a:p>
+            <a:endParaRPr lang="en-US" dirty="0" smtClean="0"/>
+          </a:p>
+          <a:p>
+            <a:r>
+              <a:rPr lang="en-US" dirty="0" smtClean="0"/>
+              <a:t>(longer</a:t>
+            </a:r>
             <a:r>
               <a:rPr lang="en-US" baseline="0" dirty="0" smtClean="0"/>
-              <a:t>(Focus is on 2 main questions)</a:t>
-            </a:r>
-          </a:p>
-          <a:p>
-            <a:endParaRPr lang="en-US" baseline="0" dirty="0" smtClean="0"/>
-          </a:p>
-          <a:p>
-            <a:r>
-              <a:rPr lang="en-US" baseline="0" dirty="0" smtClean="0"/>
-              <a:t>Animate so that they appear sequentially, then ii) fades</a:t>
-            </a:r>
-          </a:p>
-          <a:p>
-            <a:endParaRPr lang="en-US" baseline="0" dirty="0" smtClean="0"/>
-          </a:p>
-          <a:p>
-            <a:r>
-              <a:rPr lang="en-US" dirty="0" smtClean="0"/>
-              <a:t>Example questions</a:t>
-            </a:r>
+              <a:t> SC lengths (variance in SC length / I’m not sure this makes sense)</a:t>
+            </a:r>
+            <a:r>
+              <a:rPr lang="en-US" dirty="0" smtClean="0"/>
+              <a:t>)</a:t>
+            </a:r>
+          </a:p>
+          <a:p>
             <a:endParaRPr lang="en-US" dirty="0"/>
           </a:p>
         </p:txBody>
@@ -2080,7 +2013,7 @@
           <a:p>
             <a:fld id="{2788907E-C72E-4D7B-B8CA-F158589AC799}" type="slidenum">
               <a:rPr lang="en-US" smtClean="0"/>
-              <a:t>17</a:t>
+              <a:t>24</a:t>
             </a:fld>
             <a:endParaRPr lang="en-US"/>
           </a:p>
@@ -2089,7 +2022,7 @@
     </p:spTree>
     <p:extLst>
       <p:ext uri="{BB962C8B-B14F-4D97-AF65-F5344CB8AC3E}">
-        <p14:creationId xmlns:p14="http://schemas.microsoft.com/office/powerpoint/2010/main" val="3575860465"/>
+        <p14:creationId xmlns:p14="http://schemas.microsoft.com/office/powerpoint/2010/main" val="3243097393"/>
       </p:ext>
     </p:extLst>
   </p:cSld>
@@ -2145,50 +2078,33 @@
           <a:p>
             <a:r>
               <a:rPr lang="en-US" dirty="0" smtClean="0"/>
-              <a:t>1 way </a:t>
-            </a:r>
-            <a:r>
-              <a:rPr lang="en-US" dirty="0" err="1" smtClean="0"/>
-              <a:t>Anova</a:t>
-            </a:r>
-            <a:r>
-              <a:rPr lang="en-US" dirty="0" smtClean="0"/>
-              <a:t> – at least 1 of the group is different</a:t>
-            </a:r>
-          </a:p>
-          <a:p>
-            <a:r>
-              <a:rPr lang="en-US" dirty="0" smtClean="0"/>
-              <a:t>2. Pairwise </a:t>
-            </a:r>
-            <a:r>
-              <a:rPr lang="en-US" dirty="0" err="1" smtClean="0"/>
-              <a:t>t.tests</a:t>
-            </a:r>
-            <a:r>
-              <a:rPr lang="en-US" dirty="0" smtClean="0"/>
-              <a:t>, (maybe</a:t>
+              <a:t>(motivation)</a:t>
+            </a:r>
+          </a:p>
+          <a:p>
+            <a:r>
+              <a:rPr lang="en-US" dirty="0" smtClean="0"/>
+              <a:t>Given the findings</a:t>
             </a:r>
             <a:r>
               <a:rPr lang="en-US" baseline="0" dirty="0" smtClean="0"/>
-              <a:t> I was using the wrong correction)</a:t>
-            </a:r>
-            <a:endParaRPr lang="en-US" dirty="0" smtClean="0"/>
-          </a:p>
-          <a:p>
-            <a:endParaRPr lang="en-US" dirty="0" smtClean="0"/>
-          </a:p>
-          <a:p>
-            <a:endParaRPr lang="en-US" dirty="0" smtClean="0"/>
-          </a:p>
-          <a:p>
-            <a:r>
-              <a:rPr lang="en-US" dirty="0" smtClean="0"/>
-              <a:t>What</a:t>
+              <a:t> with the </a:t>
+            </a:r>
+            <a:r>
+              <a:rPr lang="en-US" baseline="0" dirty="0" err="1" smtClean="0"/>
+              <a:t>gwRR</a:t>
             </a:r>
             <a:r>
               <a:rPr lang="en-US" baseline="0" dirty="0" smtClean="0"/>
-              <a:t> would the point be to run these models? </a:t>
+              <a:t> -&gt; </a:t>
+            </a:r>
+            <a:r>
+              <a:rPr lang="en-US" baseline="0" dirty="0" err="1" smtClean="0"/>
+              <a:t>chrm</a:t>
+            </a:r>
+            <a:r>
+              <a:rPr lang="en-US" baseline="0" dirty="0" smtClean="0"/>
+              <a:t> proportions -&gt; look at single bivalent pattern</a:t>
             </a:r>
           </a:p>
           <a:p>
@@ -2197,21 +2113,43 @@
           <a:p>
             <a:r>
               <a:rPr lang="en-US" baseline="0" dirty="0" smtClean="0"/>
-              <a:t>Distinguish the higher than ‘low’ (Dom) level strains</a:t>
-            </a:r>
-          </a:p>
-          <a:p>
-            <a:r>
-              <a:rPr lang="en-US" dirty="0" smtClean="0"/>
-              <a:t>Allows</a:t>
-            </a:r>
+              <a:t>(chromatin compaction, interference and known sex specific rec landscape features)</a:t>
+            </a:r>
+          </a:p>
+          <a:p>
+            <a:endParaRPr lang="en-US" baseline="0" dirty="0" smtClean="0"/>
+          </a:p>
+          <a:p>
             <a:r>
               <a:rPr lang="en-US" baseline="0" dirty="0" smtClean="0"/>
-              <a:t> to add in additional strains not used for sexual </a:t>
-            </a:r>
-            <a:r>
-              <a:rPr lang="en-US" baseline="0" dirty="0" err="1" smtClean="0"/>
-              <a:t>differnces</a:t>
+              <a:t>(Brief summary for dataset)</a:t>
+            </a:r>
+          </a:p>
+          <a:p>
+            <a:endParaRPr lang="en-US" baseline="0" dirty="0" smtClean="0"/>
+          </a:p>
+          <a:p>
+            <a:r>
+              <a:rPr lang="en-US" baseline="0" dirty="0" smtClean="0"/>
+              <a:t>(Focus is on 2 main questions)</a:t>
+            </a:r>
+          </a:p>
+          <a:p>
+            <a:endParaRPr lang="en-US" baseline="0" dirty="0" smtClean="0"/>
+          </a:p>
+          <a:p>
+            <a:r>
+              <a:rPr lang="en-US" baseline="0" dirty="0" smtClean="0"/>
+              <a:t>Animate so that they appear sequentially, then ii) fades</a:t>
+            </a:r>
+          </a:p>
+          <a:p>
+            <a:endParaRPr lang="en-US" baseline="0" dirty="0" smtClean="0"/>
+          </a:p>
+          <a:p>
+            <a:r>
+              <a:rPr lang="en-US" dirty="0" smtClean="0"/>
+              <a:t>Example questions</a:t>
             </a:r>
             <a:endParaRPr lang="en-US" dirty="0"/>
           </a:p>
@@ -2234,7 +2172,7 @@
           <a:p>
             <a:fld id="{2788907E-C72E-4D7B-B8CA-F158589AC799}" type="slidenum">
               <a:rPr lang="en-US" smtClean="0"/>
-              <a:t>18</a:t>
+              <a:t>25</a:t>
             </a:fld>
             <a:endParaRPr lang="en-US"/>
           </a:p>
@@ -2243,7 +2181,7 @@
     </p:spTree>
     <p:extLst>
       <p:ext uri="{BB962C8B-B14F-4D97-AF65-F5344CB8AC3E}">
-        <p14:creationId xmlns:p14="http://schemas.microsoft.com/office/powerpoint/2010/main" val="39540735"/>
+        <p14:creationId xmlns:p14="http://schemas.microsoft.com/office/powerpoint/2010/main" val="3575860465"/>
       </p:ext>
     </p:extLst>
   </p:cSld>
@@ -2298,6 +2236,160 @@
           <a:lstStyle/>
           <a:p>
             <a:r>
+              <a:rPr lang="en-US" dirty="0" smtClean="0"/>
+              <a:t>1 way </a:t>
+            </a:r>
+            <a:r>
+              <a:rPr lang="en-US" dirty="0" err="1" smtClean="0"/>
+              <a:t>Anova</a:t>
+            </a:r>
+            <a:r>
+              <a:rPr lang="en-US" dirty="0" smtClean="0"/>
+              <a:t> – at least 1 of the group is different</a:t>
+            </a:r>
+          </a:p>
+          <a:p>
+            <a:r>
+              <a:rPr lang="en-US" dirty="0" smtClean="0"/>
+              <a:t>2. Pairwise </a:t>
+            </a:r>
+            <a:r>
+              <a:rPr lang="en-US" dirty="0" err="1" smtClean="0"/>
+              <a:t>t.tests</a:t>
+            </a:r>
+            <a:r>
+              <a:rPr lang="en-US" dirty="0" smtClean="0"/>
+              <a:t>, (maybe</a:t>
+            </a:r>
+            <a:r>
+              <a:rPr lang="en-US" baseline="0" dirty="0" smtClean="0"/>
+              <a:t> I was using the wrong correction)</a:t>
+            </a:r>
+            <a:endParaRPr lang="en-US" dirty="0" smtClean="0"/>
+          </a:p>
+          <a:p>
+            <a:endParaRPr lang="en-US" dirty="0" smtClean="0"/>
+          </a:p>
+          <a:p>
+            <a:endParaRPr lang="en-US" dirty="0" smtClean="0"/>
+          </a:p>
+          <a:p>
+            <a:r>
+              <a:rPr lang="en-US" dirty="0" smtClean="0"/>
+              <a:t>What</a:t>
+            </a:r>
+            <a:r>
+              <a:rPr lang="en-US" baseline="0" dirty="0" smtClean="0"/>
+              <a:t> would the point be to run these models? </a:t>
+            </a:r>
+          </a:p>
+          <a:p>
+            <a:endParaRPr lang="en-US" baseline="0" dirty="0" smtClean="0"/>
+          </a:p>
+          <a:p>
+            <a:r>
+              <a:rPr lang="en-US" baseline="0" dirty="0" smtClean="0"/>
+              <a:t>Distinguish the higher than ‘low’ (Dom) level strains</a:t>
+            </a:r>
+          </a:p>
+          <a:p>
+            <a:r>
+              <a:rPr lang="en-US" dirty="0" smtClean="0"/>
+              <a:t>Allows</a:t>
+            </a:r>
+            <a:r>
+              <a:rPr lang="en-US" baseline="0" dirty="0" smtClean="0"/>
+              <a:t> to add in additional strains not used for sexual </a:t>
+            </a:r>
+            <a:r>
+              <a:rPr lang="en-US" baseline="0" dirty="0" err="1" smtClean="0"/>
+              <a:t>differnces</a:t>
+            </a:r>
+            <a:endParaRPr lang="en-US" dirty="0"/>
+          </a:p>
+        </p:txBody>
+      </p:sp>
+      <p:sp>
+        <p:nvSpPr>
+          <p:cNvPr id="4" name="Slide Number Placeholder 3"/>
+          <p:cNvSpPr>
+            <a:spLocks noGrp="1"/>
+          </p:cNvSpPr>
+          <p:nvPr>
+            <p:ph type="sldNum" sz="quarter" idx="10"/>
+          </p:nvPr>
+        </p:nvSpPr>
+        <p:spPr/>
+        <p:txBody>
+          <a:bodyPr/>
+          <a:lstStyle/>
+          <a:p>
+            <a:fld id="{2788907E-C72E-4D7B-B8CA-F158589AC799}" type="slidenum">
+              <a:rPr lang="en-US" smtClean="0"/>
+              <a:t>26</a:t>
+            </a:fld>
+            <a:endParaRPr lang="en-US"/>
+          </a:p>
+        </p:txBody>
+      </p:sp>
+    </p:spTree>
+    <p:extLst>
+      <p:ext uri="{BB962C8B-B14F-4D97-AF65-F5344CB8AC3E}">
+        <p14:creationId xmlns:p14="http://schemas.microsoft.com/office/powerpoint/2010/main" val="39540735"/>
+      </p:ext>
+    </p:extLst>
+  </p:cSld>
+  <p:clrMapOvr>
+    <a:masterClrMapping/>
+  </p:clrMapOvr>
+</p:notes>
+</file>
+
+<file path=ppt/notesSlides/notesSlide18.xml><?xml version="1.0" encoding="utf-8"?>
+<p:notes xmlns:a="http://schemas.openxmlformats.org/drawingml/2006/main" xmlns:r="http://schemas.openxmlformats.org/officeDocument/2006/relationships" xmlns:p="http://schemas.openxmlformats.org/presentationml/2006/main">
+  <p:cSld>
+    <p:spTree>
+      <p:nvGrpSpPr>
+        <p:cNvPr id="1" name=""/>
+        <p:cNvGrpSpPr/>
+        <p:nvPr/>
+      </p:nvGrpSpPr>
+      <p:grpSpPr>
+        <a:xfrm>
+          <a:off x="0" y="0"/>
+          <a:ext cx="0" cy="0"/>
+          <a:chOff x="0" y="0"/>
+          <a:chExt cx="0" cy="0"/>
+        </a:xfrm>
+      </p:grpSpPr>
+      <p:sp>
+        <p:nvSpPr>
+          <p:cNvPr id="2" name="Slide Image Placeholder 1"/>
+          <p:cNvSpPr>
+            <a:spLocks noGrp="1" noRot="1" noChangeAspect="1"/>
+          </p:cNvSpPr>
+          <p:nvPr>
+            <p:ph type="sldImg"/>
+          </p:nvPr>
+        </p:nvSpPr>
+        <p:spPr/>
+      </p:sp>
+      <p:sp>
+        <p:nvSpPr>
+          <p:cNvPr id="3" name="Notes Placeholder 2"/>
+          <p:cNvSpPr>
+            <a:spLocks noGrp="1"/>
+          </p:cNvSpPr>
+          <p:nvPr>
+            <p:ph type="body" idx="1"/>
+          </p:nvPr>
+        </p:nvSpPr>
+        <p:spPr/>
+        <p:txBody>
+          <a:bodyPr/>
+          <a:lstStyle/>
+          <a:p>
+            <a:r>
               <a:rPr lang="en-US" sz="1200" kern="1200" dirty="0" smtClean="0">
                 <a:solidFill>
                   <a:schemeClr val="tx1"/>
@@ -3143,7 +3235,7 @@
           <a:p>
             <a:fld id="{2788907E-C72E-4D7B-B8CA-F158589AC799}" type="slidenum">
               <a:rPr lang="en-US" smtClean="0"/>
-              <a:t>20</a:t>
+              <a:t>28</a:t>
             </a:fld>
             <a:endParaRPr lang="en-US"/>
           </a:p>
@@ -3475,62 +3567,6 @@
           <a:bodyPr/>
           <a:lstStyle/>
           <a:p>
-            <a:r>
-              <a:rPr lang="en-US" dirty="0" smtClean="0"/>
-              <a:t>(genome wide rate supported by chromosome level observations)</a:t>
-            </a:r>
-          </a:p>
-          <a:p>
-            <a:r>
-              <a:rPr lang="en-US" dirty="0" smtClean="0"/>
-              <a:t>(test?)</a:t>
-            </a:r>
-          </a:p>
-          <a:p>
-            <a:endParaRPr lang="en-US" dirty="0" smtClean="0"/>
-          </a:p>
-          <a:p>
-            <a:r>
-              <a:rPr lang="en-US" dirty="0" smtClean="0"/>
-              <a:t>(</a:t>
-            </a:r>
-            <a:r>
-              <a:rPr lang="en-US" dirty="0" err="1" smtClean="0"/>
-              <a:t>gwRR</a:t>
-            </a:r>
-            <a:r>
-              <a:rPr lang="en-US" dirty="0" smtClean="0"/>
-              <a:t> evolution is facilitated through </a:t>
-            </a:r>
-            <a:r>
-              <a:rPr lang="en-US" dirty="0" err="1" smtClean="0"/>
-              <a:t>chrm</a:t>
-            </a:r>
-            <a:r>
-              <a:rPr lang="en-US" dirty="0" smtClean="0"/>
-              <a:t> levels)</a:t>
-            </a:r>
-          </a:p>
-          <a:p>
-            <a:endParaRPr lang="en-US" dirty="0" smtClean="0"/>
-          </a:p>
-          <a:p>
-            <a:r>
-              <a:rPr lang="en-US" dirty="0" smtClean="0"/>
-              <a:t>(what about the female findings:  G, MSM, )</a:t>
-            </a:r>
-          </a:p>
-          <a:p>
-            <a:endParaRPr lang="en-US" dirty="0" smtClean="0"/>
-          </a:p>
-          <a:p>
-            <a:endParaRPr lang="en-US" dirty="0" smtClean="0"/>
-          </a:p>
-          <a:p>
-            <a:r>
-              <a:rPr lang="en-US" dirty="0" smtClean="0"/>
-              <a:t>Test for these data …. ./</a:t>
-            </a:r>
             <a:endParaRPr lang="en-US" dirty="0"/>
           </a:p>
         </p:txBody>
@@ -3552,7 +3588,7 @@
           <a:p>
             <a:fld id="{2788907E-C72E-4D7B-B8CA-F158589AC799}" type="slidenum">
               <a:rPr lang="en-US" smtClean="0"/>
-              <a:t>6</a:t>
+              <a:t>10</a:t>
             </a:fld>
             <a:endParaRPr lang="en-US"/>
           </a:p>
@@ -3561,7 +3597,7 @@
     </p:spTree>
     <p:extLst>
       <p:ext uri="{BB962C8B-B14F-4D97-AF65-F5344CB8AC3E}">
-        <p14:creationId xmlns:p14="http://schemas.microsoft.com/office/powerpoint/2010/main" val="855941414"/>
+        <p14:creationId xmlns:p14="http://schemas.microsoft.com/office/powerpoint/2010/main" val="3148021427"/>
       </p:ext>
     </p:extLst>
   </p:cSld>
@@ -3617,7 +3653,13 @@
           <a:p>
             <a:r>
               <a:rPr lang="en-US" dirty="0" smtClean="0"/>
-              <a:t>Example to illustrate the Bivalent Data </a:t>
+              <a:t>(genome wide rate supported by chromosome level observations)</a:t>
+            </a:r>
+          </a:p>
+          <a:p>
+            <a:r>
+              <a:rPr lang="en-US" dirty="0" smtClean="0"/>
+              <a:t>(test?)</a:t>
             </a:r>
           </a:p>
           <a:p>
@@ -3626,20 +3668,61 @@
           <a:p>
             <a:r>
               <a:rPr lang="en-US" dirty="0" smtClean="0"/>
-              <a:t>Almost all</a:t>
-            </a:r>
-            <a:r>
-              <a:rPr lang="en-US" baseline="0" dirty="0" smtClean="0"/>
-              <a:t> the mice used in the MLH1 data set – have Bivalent observations</a:t>
+              <a:t>(</a:t>
+            </a:r>
+            <a:r>
+              <a:rPr lang="en-US" dirty="0" err="1" smtClean="0"/>
+              <a:t>gwRR</a:t>
+            </a:r>
+            <a:r>
+              <a:rPr lang="en-US" dirty="0" smtClean="0"/>
+              <a:t> evolution is facilitated through </a:t>
+            </a:r>
+            <a:r>
+              <a:rPr lang="en-US" dirty="0" err="1" smtClean="0"/>
+              <a:t>chrm</a:t>
+            </a:r>
+            <a:r>
+              <a:rPr lang="en-US" dirty="0" smtClean="0"/>
+              <a:t> levels)</a:t>
             </a:r>
           </a:p>
           <a:p>
             <a:endParaRPr lang="en-US" dirty="0" smtClean="0"/>
           </a:p>
           <a:p>
+            <a:r>
+              <a:rPr lang="en-US" dirty="0" smtClean="0"/>
+              <a:t>(what about the female findings:  G, MSM, )</a:t>
+            </a:r>
+          </a:p>
+          <a:p>
             <a:endParaRPr lang="en-US" dirty="0" smtClean="0"/>
           </a:p>
           <a:p>
+            <a:endParaRPr lang="en-US" dirty="0" smtClean="0"/>
+          </a:p>
+          <a:p>
+            <a:r>
+              <a:rPr lang="en-US" dirty="0" smtClean="0"/>
+              <a:t>Test for these data …. </a:t>
+            </a:r>
+            <a:r>
+              <a:rPr lang="en-US" dirty="0" smtClean="0"/>
+              <a:t>./</a:t>
+            </a:r>
+          </a:p>
+          <a:p>
+            <a:endParaRPr lang="en-US" dirty="0" smtClean="0"/>
+          </a:p>
+          <a:p>
+            <a:endParaRPr lang="en-US" dirty="0" smtClean="0"/>
+          </a:p>
+          <a:p>
+            <a:r>
+              <a:rPr lang="en-US" dirty="0" smtClean="0"/>
+              <a:t>**MSM 60% &gt; PWD 50% &gt; SKIVE 30% &gt;  20 - 10% remaining (low) strains**</a:t>
+            </a:r>
             <a:endParaRPr lang="en-US" dirty="0"/>
           </a:p>
         </p:txBody>
@@ -3661,7 +3744,7 @@
           <a:p>
             <a:fld id="{2788907E-C72E-4D7B-B8CA-F158589AC799}" type="slidenum">
               <a:rPr lang="en-US" smtClean="0"/>
-              <a:t>7</a:t>
+              <a:t>12</a:t>
             </a:fld>
             <a:endParaRPr lang="en-US"/>
           </a:p>
@@ -3670,7 +3753,7 @@
     </p:spTree>
     <p:extLst>
       <p:ext uri="{BB962C8B-B14F-4D97-AF65-F5344CB8AC3E}">
-        <p14:creationId xmlns:p14="http://schemas.microsoft.com/office/powerpoint/2010/main" val="1147173803"/>
+        <p14:creationId xmlns:p14="http://schemas.microsoft.com/office/powerpoint/2010/main" val="3886798990"/>
       </p:ext>
     </p:extLst>
   </p:cSld>
@@ -3726,109 +3809,27 @@
           <a:p>
             <a:r>
               <a:rPr lang="en-US" dirty="0" smtClean="0"/>
-              <a:t>(motivation)</a:t>
-            </a:r>
-          </a:p>
-          <a:p>
-            <a:r>
-              <a:rPr lang="en-US" dirty="0" smtClean="0"/>
-              <a:t>Given the findings</a:t>
+              <a:t>Example to illustrate the Bivalent Data </a:t>
+            </a:r>
+          </a:p>
+          <a:p>
+            <a:endParaRPr lang="en-US" dirty="0" smtClean="0"/>
+          </a:p>
+          <a:p>
+            <a:r>
+              <a:rPr lang="en-US" dirty="0" smtClean="0"/>
+              <a:t>Almost all</a:t>
             </a:r>
             <a:r>
               <a:rPr lang="en-US" baseline="0" dirty="0" smtClean="0"/>
-              <a:t> with the </a:t>
-            </a:r>
-            <a:r>
-              <a:rPr lang="en-US" baseline="0" dirty="0" err="1" smtClean="0"/>
-              <a:t>gwRR</a:t>
-            </a:r>
-            <a:r>
-              <a:rPr lang="en-US" baseline="0" dirty="0" smtClean="0"/>
-              <a:t> -&gt; </a:t>
-            </a:r>
-            <a:r>
-              <a:rPr lang="en-US" baseline="0" dirty="0" err="1" smtClean="0"/>
-              <a:t>chrm</a:t>
-            </a:r>
-            <a:r>
-              <a:rPr lang="en-US" baseline="0" dirty="0" smtClean="0"/>
-              <a:t> proportions -&gt; look at single bivalent pattern</a:t>
-            </a:r>
-          </a:p>
-          <a:p>
-            <a:endParaRPr lang="en-US" baseline="0" dirty="0" smtClean="0"/>
-          </a:p>
-          <a:p>
-            <a:r>
-              <a:rPr lang="en-US" baseline="0" dirty="0" smtClean="0"/>
-              <a:t>(chromatin compaction, interference and known sex specific rec landscape features)</a:t>
-            </a:r>
-          </a:p>
-          <a:p>
-            <a:endParaRPr lang="en-US" baseline="0" dirty="0" smtClean="0"/>
-          </a:p>
-          <a:p>
-            <a:r>
-              <a:rPr lang="en-US" baseline="0" dirty="0" smtClean="0"/>
-              <a:t>(Brief summary for dataset)</a:t>
-            </a:r>
-          </a:p>
-          <a:p>
-            <a:endParaRPr lang="en-US" baseline="0" dirty="0" smtClean="0"/>
-          </a:p>
-          <a:p>
-            <a:r>
-              <a:rPr lang="en-US" baseline="0" dirty="0" smtClean="0"/>
-              <a:t>(Focus is on 2 main questions)</a:t>
-            </a:r>
-          </a:p>
-          <a:p>
-            <a:endParaRPr lang="en-US" baseline="0" dirty="0" smtClean="0"/>
-          </a:p>
-          <a:p>
-            <a:r>
-              <a:rPr lang="en-US" baseline="0" dirty="0" smtClean="0"/>
-              <a:t>Animate so that they appear sequentially, then ii) fades</a:t>
-            </a:r>
-          </a:p>
-          <a:p>
-            <a:endParaRPr lang="en-US" baseline="0" dirty="0" smtClean="0"/>
-          </a:p>
-          <a:p>
-            <a:r>
-              <a:rPr lang="en-US" dirty="0" smtClean="0"/>
-              <a:t>Example questions</a:t>
+              <a:t> the mice used in the MLH1 data set – have Bivalent observations</a:t>
             </a:r>
           </a:p>
           <a:p>
             <a:endParaRPr lang="en-US" dirty="0" smtClean="0"/>
           </a:p>
           <a:p>
-            <a:r>
-              <a:rPr lang="en-US" dirty="0" smtClean="0"/>
-              <a:t>Walk</a:t>
-            </a:r>
-            <a:r>
-              <a:rPr lang="en-US" baseline="0" dirty="0" smtClean="0"/>
-              <a:t> through these predictions:</a:t>
-            </a:r>
-          </a:p>
-          <a:p>
-            <a:endParaRPr lang="en-US" baseline="0" dirty="0" smtClean="0"/>
-          </a:p>
-          <a:p>
-            <a:r>
-              <a:rPr lang="en-US" baseline="0" dirty="0" smtClean="0"/>
-              <a:t>The first 2 are well supported by the literature, while the 3</a:t>
-            </a:r>
-            <a:r>
-              <a:rPr lang="en-US" baseline="30000" dirty="0" smtClean="0"/>
-              <a:t>rd</a:t>
-            </a:r>
-            <a:r>
-              <a:rPr lang="en-US" baseline="0" dirty="0" smtClean="0"/>
-              <a:t> there is only 1 paper I could find with cytological data for interfocal distance for both sexes.</a:t>
-            </a:r>
+            <a:endParaRPr lang="en-US" dirty="0" smtClean="0"/>
           </a:p>
           <a:p>
             <a:endParaRPr lang="en-US" dirty="0"/>
@@ -3852,7 +3853,7 @@
           <a:p>
             <a:fld id="{2788907E-C72E-4D7B-B8CA-F158589AC799}" type="slidenum">
               <a:rPr lang="en-US" smtClean="0"/>
-              <a:t>8</a:t>
+              <a:t>15</a:t>
             </a:fld>
             <a:endParaRPr lang="en-US"/>
           </a:p>
@@ -3861,7 +3862,7 @@
     </p:spTree>
     <p:extLst>
       <p:ext uri="{BB962C8B-B14F-4D97-AF65-F5344CB8AC3E}">
-        <p14:creationId xmlns:p14="http://schemas.microsoft.com/office/powerpoint/2010/main" val="2620983905"/>
+        <p14:creationId xmlns:p14="http://schemas.microsoft.com/office/powerpoint/2010/main" val="1147173803"/>
       </p:ext>
     </p:extLst>
   </p:cSld>
@@ -3917,24 +3918,111 @@
           <a:p>
             <a:r>
               <a:rPr lang="en-US" dirty="0" smtClean="0"/>
-              <a:t>Frame</a:t>
+              <a:t>(motivation)</a:t>
+            </a:r>
+          </a:p>
+          <a:p>
+            <a:r>
+              <a:rPr lang="en-US" dirty="0" smtClean="0"/>
+              <a:t>Given the findings</a:t>
             </a:r>
             <a:r>
               <a:rPr lang="en-US" baseline="0" dirty="0" smtClean="0"/>
-              <a:t> work, use the same equations as for the MLH1</a:t>
-            </a:r>
-          </a:p>
-          <a:p>
+              <a:t> with the </a:t>
+            </a:r>
+            <a:r>
+              <a:rPr lang="en-US" baseline="0" dirty="0" err="1" smtClean="0"/>
+              <a:t>gwRR</a:t>
+            </a:r>
             <a:r>
               <a:rPr lang="en-US" baseline="0" dirty="0" smtClean="0"/>
-              <a:t> </a:t>
-            </a:r>
-          </a:p>
-          <a:p>
+              <a:t> -&gt; </a:t>
+            </a:r>
+            <a:r>
+              <a:rPr lang="en-US" baseline="0" dirty="0" err="1" smtClean="0"/>
+              <a:t>chrm</a:t>
+            </a:r>
             <a:r>
               <a:rPr lang="en-US" baseline="0" dirty="0" smtClean="0"/>
-              <a:t>-- use mouse averages, for the single bivalent level</a:t>
-            </a:r>
+              <a:t> proportions -&gt; look at single bivalent pattern</a:t>
+            </a:r>
+          </a:p>
+          <a:p>
+            <a:endParaRPr lang="en-US" baseline="0" dirty="0" smtClean="0"/>
+          </a:p>
+          <a:p>
+            <a:r>
+              <a:rPr lang="en-US" baseline="0" dirty="0" smtClean="0"/>
+              <a:t>(chromatin compaction, interference and known sex specific rec landscape features)</a:t>
+            </a:r>
+          </a:p>
+          <a:p>
+            <a:endParaRPr lang="en-US" baseline="0" dirty="0" smtClean="0"/>
+          </a:p>
+          <a:p>
+            <a:r>
+              <a:rPr lang="en-US" baseline="0" dirty="0" smtClean="0"/>
+              <a:t>(Brief summary for dataset)</a:t>
+            </a:r>
+          </a:p>
+          <a:p>
+            <a:endParaRPr lang="en-US" baseline="0" dirty="0" smtClean="0"/>
+          </a:p>
+          <a:p>
+            <a:r>
+              <a:rPr lang="en-US" baseline="0" dirty="0" smtClean="0"/>
+              <a:t>(Focus is on 2 main questions)</a:t>
+            </a:r>
+          </a:p>
+          <a:p>
+            <a:endParaRPr lang="en-US" baseline="0" dirty="0" smtClean="0"/>
+          </a:p>
+          <a:p>
+            <a:r>
+              <a:rPr lang="en-US" baseline="0" dirty="0" smtClean="0"/>
+              <a:t>Animate so that they appear sequentially, then ii) fades</a:t>
+            </a:r>
+          </a:p>
+          <a:p>
+            <a:endParaRPr lang="en-US" baseline="0" dirty="0" smtClean="0"/>
+          </a:p>
+          <a:p>
+            <a:r>
+              <a:rPr lang="en-US" dirty="0" smtClean="0"/>
+              <a:t>Example questions</a:t>
+            </a:r>
+          </a:p>
+          <a:p>
+            <a:endParaRPr lang="en-US" dirty="0" smtClean="0"/>
+          </a:p>
+          <a:p>
+            <a:r>
+              <a:rPr lang="en-US" dirty="0" smtClean="0"/>
+              <a:t>Walk</a:t>
+            </a:r>
+            <a:r>
+              <a:rPr lang="en-US" baseline="0" dirty="0" smtClean="0"/>
+              <a:t> through these predictions:</a:t>
+            </a:r>
+          </a:p>
+          <a:p>
+            <a:endParaRPr lang="en-US" baseline="0" dirty="0" smtClean="0"/>
+          </a:p>
+          <a:p>
+            <a:r>
+              <a:rPr lang="en-US" baseline="0" dirty="0" smtClean="0"/>
+              <a:t>The first 2 are well supported by the literature, while the 3</a:t>
+            </a:r>
+            <a:r>
+              <a:rPr lang="en-US" baseline="30000" dirty="0" smtClean="0"/>
+              <a:t>rd</a:t>
+            </a:r>
+            <a:r>
+              <a:rPr lang="en-US" baseline="0" dirty="0" smtClean="0"/>
+              <a:t> there is only 1 paper I could find with cytological data for interfocal distance for both sexes.</a:t>
+            </a:r>
+          </a:p>
+          <a:p>
             <a:endParaRPr lang="en-US" dirty="0"/>
           </a:p>
         </p:txBody>
@@ -3956,7 +4044,7 @@
           <a:p>
             <a:fld id="{2788907E-C72E-4D7B-B8CA-F158589AC799}" type="slidenum">
               <a:rPr lang="en-US" smtClean="0"/>
-              <a:t>9</a:t>
+              <a:t>16</a:t>
             </a:fld>
             <a:endParaRPr lang="en-US"/>
           </a:p>
@@ -3965,7 +4053,7 @@
     </p:spTree>
     <p:extLst>
       <p:ext uri="{BB962C8B-B14F-4D97-AF65-F5344CB8AC3E}">
-        <p14:creationId xmlns:p14="http://schemas.microsoft.com/office/powerpoint/2010/main" val="1478660013"/>
+        <p14:creationId xmlns:p14="http://schemas.microsoft.com/office/powerpoint/2010/main" val="2620983905"/>
       </p:ext>
     </p:extLst>
   </p:cSld>
@@ -4019,6 +4107,26 @@
           <a:bodyPr/>
           <a:lstStyle/>
           <a:p>
+            <a:r>
+              <a:rPr lang="en-US" dirty="0" smtClean="0"/>
+              <a:t>Frame</a:t>
+            </a:r>
+            <a:r>
+              <a:rPr lang="en-US" baseline="0" dirty="0" smtClean="0"/>
+              <a:t> work, use the same equations as for the MLH1</a:t>
+            </a:r>
+          </a:p>
+          <a:p>
+            <a:r>
+              <a:rPr lang="en-US" baseline="0" dirty="0" smtClean="0"/>
+              <a:t> </a:t>
+            </a:r>
+          </a:p>
+          <a:p>
+            <a:r>
+              <a:rPr lang="en-US" baseline="0" dirty="0" smtClean="0"/>
+              <a:t>-- use mouse averages, for the single bivalent level</a:t>
+            </a:r>
             <a:endParaRPr lang="en-US" dirty="0"/>
           </a:p>
         </p:txBody>
@@ -4040,7 +4148,7 @@
           <a:p>
             <a:fld id="{2788907E-C72E-4D7B-B8CA-F158589AC799}" type="slidenum">
               <a:rPr lang="en-US" smtClean="0"/>
-              <a:t>11</a:t>
+              <a:t>17</a:t>
             </a:fld>
             <a:endParaRPr lang="en-US"/>
           </a:p>
@@ -4049,7 +4157,7 @@
     </p:spTree>
     <p:extLst>
       <p:ext uri="{BB962C8B-B14F-4D97-AF65-F5344CB8AC3E}">
-        <p14:creationId xmlns:p14="http://schemas.microsoft.com/office/powerpoint/2010/main" val="113741569"/>
+        <p14:creationId xmlns:p14="http://schemas.microsoft.com/office/powerpoint/2010/main" val="1478660013"/>
       </p:ext>
     </p:extLst>
   </p:cSld>
@@ -4190,7 +4298,7 @@
           <a:p>
             <a:fld id="{BA11E091-050C-4DAB-ABC8-34B3B7B173DA}" type="datetimeFigureOut">
               <a:rPr lang="en-US" smtClean="0"/>
-              <a:t>2/9/2020</a:t>
+              <a:t>2/11/2020</a:t>
             </a:fld>
             <a:endParaRPr lang="en-US"/>
           </a:p>
@@ -4360,7 +4468,7 @@
           <a:p>
             <a:fld id="{BA11E091-050C-4DAB-ABC8-34B3B7B173DA}" type="datetimeFigureOut">
               <a:rPr lang="en-US" smtClean="0"/>
-              <a:t>2/9/2020</a:t>
+              <a:t>2/11/2020</a:t>
             </a:fld>
             <a:endParaRPr lang="en-US"/>
           </a:p>
@@ -4540,7 +4648,7 @@
           <a:p>
             <a:fld id="{BA11E091-050C-4DAB-ABC8-34B3B7B173DA}" type="datetimeFigureOut">
               <a:rPr lang="en-US" smtClean="0"/>
-              <a:t>2/9/2020</a:t>
+              <a:t>2/11/2020</a:t>
             </a:fld>
             <a:endParaRPr lang="en-US"/>
           </a:p>
@@ -4710,7 +4818,7 @@
           <a:p>
             <a:fld id="{BA11E091-050C-4DAB-ABC8-34B3B7B173DA}" type="datetimeFigureOut">
               <a:rPr lang="en-US" smtClean="0"/>
-              <a:t>2/9/2020</a:t>
+              <a:t>2/11/2020</a:t>
             </a:fld>
             <a:endParaRPr lang="en-US"/>
           </a:p>
@@ -4956,7 +5064,7 @@
           <a:p>
             <a:fld id="{BA11E091-050C-4DAB-ABC8-34B3B7B173DA}" type="datetimeFigureOut">
               <a:rPr lang="en-US" smtClean="0"/>
-              <a:t>2/9/2020</a:t>
+              <a:t>2/11/2020</a:t>
             </a:fld>
             <a:endParaRPr lang="en-US"/>
           </a:p>
@@ -5188,7 +5296,7 @@
           <a:p>
             <a:fld id="{BA11E091-050C-4DAB-ABC8-34B3B7B173DA}" type="datetimeFigureOut">
               <a:rPr lang="en-US" smtClean="0"/>
-              <a:t>2/9/2020</a:t>
+              <a:t>2/11/2020</a:t>
             </a:fld>
             <a:endParaRPr lang="en-US"/>
           </a:p>
@@ -5555,7 +5663,7 @@
           <a:p>
             <a:fld id="{BA11E091-050C-4DAB-ABC8-34B3B7B173DA}" type="datetimeFigureOut">
               <a:rPr lang="en-US" smtClean="0"/>
-              <a:t>2/9/2020</a:t>
+              <a:t>2/11/2020</a:t>
             </a:fld>
             <a:endParaRPr lang="en-US"/>
           </a:p>
@@ -5673,7 +5781,7 @@
           <a:p>
             <a:fld id="{BA11E091-050C-4DAB-ABC8-34B3B7B173DA}" type="datetimeFigureOut">
               <a:rPr lang="en-US" smtClean="0"/>
-              <a:t>2/9/2020</a:t>
+              <a:t>2/11/2020</a:t>
             </a:fld>
             <a:endParaRPr lang="en-US"/>
           </a:p>
@@ -5768,7 +5876,7 @@
           <a:p>
             <a:fld id="{BA11E091-050C-4DAB-ABC8-34B3B7B173DA}" type="datetimeFigureOut">
               <a:rPr lang="en-US" smtClean="0"/>
-              <a:t>2/9/2020</a:t>
+              <a:t>2/11/2020</a:t>
             </a:fld>
             <a:endParaRPr lang="en-US"/>
           </a:p>
@@ -6045,7 +6153,7 @@
           <a:p>
             <a:fld id="{BA11E091-050C-4DAB-ABC8-34B3B7B173DA}" type="datetimeFigureOut">
               <a:rPr lang="en-US" smtClean="0"/>
-              <a:t>2/9/2020</a:t>
+              <a:t>2/11/2020</a:t>
             </a:fld>
             <a:endParaRPr lang="en-US"/>
           </a:p>
@@ -6298,7 +6406,7 @@
           <a:p>
             <a:fld id="{BA11E091-050C-4DAB-ABC8-34B3B7B173DA}" type="datetimeFigureOut">
               <a:rPr lang="en-US" smtClean="0"/>
-              <a:t>2/9/2020</a:t>
+              <a:t>2/11/2020</a:t>
             </a:fld>
             <a:endParaRPr lang="en-US"/>
           </a:p>
@@ -6511,7 +6619,7 @@
           <a:p>
             <a:fld id="{BA11E091-050C-4DAB-ABC8-34B3B7B173DA}" type="datetimeFigureOut">
               <a:rPr lang="en-US" smtClean="0"/>
-              <a:t>2/9/2020</a:t>
+              <a:t>2/11/2020</a:t>
             </a:fld>
             <a:endParaRPr lang="en-US"/>
           </a:p>
@@ -6992,6 +7100,2619 @@
           <a:chExt cx="0" cy="0"/>
         </a:xfrm>
       </p:grpSpPr>
+      <p:sp>
+        <p:nvSpPr>
+          <p:cNvPr id="2" name="Title 1"/>
+          <p:cNvSpPr>
+            <a:spLocks noGrp="1"/>
+          </p:cNvSpPr>
+          <p:nvPr>
+            <p:ph type="title"/>
+          </p:nvPr>
+        </p:nvSpPr>
+        <p:spPr/>
+        <p:txBody>
+          <a:bodyPr/>
+          <a:lstStyle/>
+          <a:p>
+            <a:r>
+              <a:rPr lang="en-US" dirty="0" smtClean="0"/>
+              <a:t>DMC1 Results</a:t>
+            </a:r>
+            <a:endParaRPr lang="en-US" dirty="0"/>
+          </a:p>
+        </p:txBody>
+      </p:sp>
+      <p:pic>
+        <p:nvPicPr>
+          <p:cNvPr id="4" name="Picture 3"/>
+          <p:cNvPicPr/>
+          <p:nvPr/>
+        </p:nvPicPr>
+        <p:blipFill>
+          <a:blip r:embed="rId3">
+            <a:extLst>
+              <a:ext uri="{28A0092B-C50C-407E-A947-70E740481C1C}">
+                <a14:useLocalDpi xmlns:a14="http://schemas.microsoft.com/office/drawing/2010/main" val="0"/>
+              </a:ext>
+            </a:extLst>
+          </a:blip>
+          <a:srcRect/>
+          <a:stretch>
+            <a:fillRect/>
+          </a:stretch>
+        </p:blipFill>
+        <p:spPr bwMode="auto">
+          <a:xfrm>
+            <a:off x="694765" y="2042664"/>
+            <a:ext cx="6918512" cy="4447783"/>
+          </a:xfrm>
+          <a:prstGeom prst="rect">
+            <a:avLst/>
+          </a:prstGeom>
+          <a:noFill/>
+          <a:ln>
+            <a:noFill/>
+          </a:ln>
+        </p:spPr>
+      </p:pic>
+      <p:sp>
+        <p:nvSpPr>
+          <p:cNvPr id="5" name="Content Placeholder 2"/>
+          <p:cNvSpPr>
+            <a:spLocks noGrp="1"/>
+          </p:cNvSpPr>
+          <p:nvPr>
+            <p:ph idx="1"/>
+          </p:nvPr>
+        </p:nvSpPr>
+        <p:spPr>
+          <a:xfrm>
+            <a:off x="8193740" y="1825625"/>
+            <a:ext cx="3160059" cy="4351338"/>
+          </a:xfrm>
+        </p:spPr>
+        <p:txBody>
+          <a:bodyPr/>
+          <a:lstStyle/>
+          <a:p>
+            <a:endParaRPr lang="en-US"/>
+          </a:p>
+        </p:txBody>
+      </p:sp>
+    </p:spTree>
+    <p:extLst>
+      <p:ext uri="{BB962C8B-B14F-4D97-AF65-F5344CB8AC3E}">
+        <p14:creationId xmlns:p14="http://schemas.microsoft.com/office/powerpoint/2010/main" val="2224091450"/>
+      </p:ext>
+    </p:extLst>
+  </p:cSld>
+  <p:clrMapOvr>
+    <a:masterClrMapping/>
+  </p:clrMapOvr>
+  <p:timing>
+    <p:tnLst>
+      <p:par>
+        <p:cTn id="1" dur="indefinite" restart="never" nodeType="tmRoot"/>
+      </p:par>
+    </p:tnLst>
+  </p:timing>
+</p:sld>
+</file>
+
+<file path=ppt/slides/slide11.xml><?xml version="1.0" encoding="utf-8"?>
+<p:sld xmlns:a="http://schemas.openxmlformats.org/drawingml/2006/main" xmlns:r="http://schemas.openxmlformats.org/officeDocument/2006/relationships" xmlns:p="http://schemas.openxmlformats.org/presentationml/2006/main">
+  <p:cSld>
+    <p:spTree>
+      <p:nvGrpSpPr>
+        <p:cNvPr id="1" name=""/>
+        <p:cNvGrpSpPr/>
+        <p:nvPr/>
+      </p:nvGrpSpPr>
+      <p:grpSpPr>
+        <a:xfrm>
+          <a:off x="0" y="0"/>
+          <a:ext cx="0" cy="0"/>
+          <a:chOff x="0" y="0"/>
+          <a:chExt cx="0" cy="0"/>
+        </a:xfrm>
+      </p:grpSpPr>
+      <p:sp>
+        <p:nvSpPr>
+          <p:cNvPr id="2" name="Title 1"/>
+          <p:cNvSpPr>
+            <a:spLocks noGrp="1"/>
+          </p:cNvSpPr>
+          <p:nvPr>
+            <p:ph type="title"/>
+          </p:nvPr>
+        </p:nvSpPr>
+        <p:spPr/>
+        <p:txBody>
+          <a:bodyPr/>
+          <a:lstStyle/>
+          <a:p>
+            <a:endParaRPr lang="en-US" dirty="0"/>
+          </a:p>
+        </p:txBody>
+      </p:sp>
+      <p:sp>
+        <p:nvSpPr>
+          <p:cNvPr id="3" name="Content Placeholder 2"/>
+          <p:cNvSpPr>
+            <a:spLocks noGrp="1"/>
+          </p:cNvSpPr>
+          <p:nvPr>
+            <p:ph idx="1"/>
+          </p:nvPr>
+        </p:nvSpPr>
+        <p:spPr>
+          <a:xfrm>
+            <a:off x="8247528" y="1825624"/>
+            <a:ext cx="3411071" cy="4351338"/>
+          </a:xfrm>
+        </p:spPr>
+        <p:txBody>
+          <a:bodyPr/>
+          <a:lstStyle/>
+          <a:p>
+            <a:r>
+              <a:rPr lang="en-US" dirty="0" smtClean="0"/>
+              <a:t>Strains divided into high and low strains</a:t>
+            </a:r>
+          </a:p>
+          <a:p>
+            <a:endParaRPr lang="en-US" dirty="0"/>
+          </a:p>
+          <a:p>
+            <a:r>
+              <a:rPr lang="en-US" dirty="0" smtClean="0"/>
+              <a:t>Only significant difference is observed for the earlier </a:t>
+            </a:r>
+            <a:r>
+              <a:rPr lang="en-US" dirty="0" err="1" smtClean="0"/>
+              <a:t>timepoint</a:t>
+            </a:r>
+            <a:endParaRPr lang="en-US" dirty="0"/>
+          </a:p>
+        </p:txBody>
+      </p:sp>
+      <p:pic>
+        <p:nvPicPr>
+          <p:cNvPr id="5" name="Picture 4"/>
+          <p:cNvPicPr>
+            <a:picLocks noChangeAspect="1"/>
+          </p:cNvPicPr>
+          <p:nvPr/>
+        </p:nvPicPr>
+        <p:blipFill>
+          <a:blip r:embed="rId2"/>
+          <a:stretch>
+            <a:fillRect/>
+          </a:stretch>
+        </p:blipFill>
+        <p:spPr>
+          <a:xfrm>
+            <a:off x="375891" y="2091190"/>
+            <a:ext cx="6777946" cy="4378814"/>
+          </a:xfrm>
+          <a:prstGeom prst="rect">
+            <a:avLst/>
+          </a:prstGeom>
+        </p:spPr>
+      </p:pic>
+    </p:spTree>
+    <p:extLst>
+      <p:ext uri="{BB962C8B-B14F-4D97-AF65-F5344CB8AC3E}">
+        <p14:creationId xmlns:p14="http://schemas.microsoft.com/office/powerpoint/2010/main" val="4192043334"/>
+      </p:ext>
+    </p:extLst>
+  </p:cSld>
+  <p:clrMapOvr>
+    <a:masterClrMapping/>
+  </p:clrMapOvr>
+</p:sld>
+</file>
+
+<file path=ppt/slides/slide12.xml><?xml version="1.0" encoding="utf-8"?>
+<p:sld xmlns:a="http://schemas.openxmlformats.org/drawingml/2006/main" xmlns:r="http://schemas.openxmlformats.org/officeDocument/2006/relationships" xmlns:p="http://schemas.openxmlformats.org/presentationml/2006/main">
+  <p:cSld>
+    <p:spTree>
+      <p:nvGrpSpPr>
+        <p:cNvPr id="1" name=""/>
+        <p:cNvGrpSpPr/>
+        <p:nvPr/>
+      </p:nvGrpSpPr>
+      <p:grpSpPr>
+        <a:xfrm>
+          <a:off x="0" y="0"/>
+          <a:ext cx="0" cy="0"/>
+          <a:chOff x="0" y="0"/>
+          <a:chExt cx="0" cy="0"/>
+        </a:xfrm>
+      </p:grpSpPr>
+      <p:sp>
+        <p:nvSpPr>
+          <p:cNvPr id="2" name="Title 1"/>
+          <p:cNvSpPr>
+            <a:spLocks noGrp="1"/>
+          </p:cNvSpPr>
+          <p:nvPr>
+            <p:ph type="title"/>
+          </p:nvPr>
+        </p:nvSpPr>
+        <p:spPr/>
+        <p:txBody>
+          <a:bodyPr/>
+          <a:lstStyle/>
+          <a:p>
+            <a:r>
+              <a:rPr lang="en-US" dirty="0"/>
+              <a:t>Chromosome proportions</a:t>
+            </a:r>
+          </a:p>
+        </p:txBody>
+      </p:sp>
+      <p:pic>
+        <p:nvPicPr>
+          <p:cNvPr id="4" name="Picture 3"/>
+          <p:cNvPicPr>
+            <a:picLocks noChangeAspect="1"/>
+          </p:cNvPicPr>
+          <p:nvPr/>
+        </p:nvPicPr>
+        <p:blipFill rotWithShape="1">
+          <a:blip r:embed="rId3"/>
+          <a:srcRect l="35679" t="33905" r="28964" b="20761"/>
+          <a:stretch/>
+        </p:blipFill>
+        <p:spPr>
+          <a:xfrm>
+            <a:off x="538841" y="1926602"/>
+            <a:ext cx="5277395" cy="3806122"/>
+          </a:xfrm>
+          <a:prstGeom prst="rect">
+            <a:avLst/>
+          </a:prstGeom>
+        </p:spPr>
+      </p:pic>
+      <p:pic>
+        <p:nvPicPr>
+          <p:cNvPr id="5" name="Picture 4"/>
+          <p:cNvPicPr>
+            <a:picLocks noChangeAspect="1"/>
+          </p:cNvPicPr>
+          <p:nvPr/>
+        </p:nvPicPr>
+        <p:blipFill rotWithShape="1">
+          <a:blip r:embed="rId4"/>
+          <a:srcRect l="35464" t="19429" r="29179" b="34666"/>
+          <a:stretch/>
+        </p:blipFill>
+        <p:spPr>
+          <a:xfrm>
+            <a:off x="6427199" y="2130324"/>
+            <a:ext cx="5083356" cy="3712392"/>
+          </a:xfrm>
+          <a:prstGeom prst="rect">
+            <a:avLst/>
+          </a:prstGeom>
+        </p:spPr>
+      </p:pic>
+      <p:sp>
+        <p:nvSpPr>
+          <p:cNvPr id="6" name="Isosceles Triangle 5"/>
+          <p:cNvSpPr/>
+          <p:nvPr/>
+        </p:nvSpPr>
+        <p:spPr>
+          <a:xfrm rot="10800000">
+            <a:off x="8085907" y="4592302"/>
+            <a:ext cx="274320" cy="240957"/>
+          </a:xfrm>
+          <a:prstGeom prst="triangle">
+            <a:avLst/>
+          </a:prstGeom>
+        </p:spPr>
+        <p:style>
+          <a:lnRef idx="2">
+            <a:schemeClr val="accent1">
+              <a:shade val="50000"/>
+            </a:schemeClr>
+          </a:lnRef>
+          <a:fillRef idx="1">
+            <a:schemeClr val="accent1"/>
+          </a:fillRef>
+          <a:effectRef idx="0">
+            <a:schemeClr val="accent1"/>
+          </a:effectRef>
+          <a:fontRef idx="minor">
+            <a:schemeClr val="lt1"/>
+          </a:fontRef>
+        </p:style>
+        <p:txBody>
+          <a:bodyPr rtlCol="0" anchor="ctr"/>
+          <a:lstStyle/>
+          <a:p>
+            <a:pPr algn="ctr"/>
+            <a:endParaRPr lang="en-US"/>
+          </a:p>
+        </p:txBody>
+      </p:sp>
+      <p:sp>
+        <p:nvSpPr>
+          <p:cNvPr id="7" name="Isosceles Triangle 6"/>
+          <p:cNvSpPr/>
+          <p:nvPr/>
+        </p:nvSpPr>
+        <p:spPr>
+          <a:xfrm rot="10800000">
+            <a:off x="9440090" y="4513927"/>
+            <a:ext cx="274320" cy="240957"/>
+          </a:xfrm>
+          <a:prstGeom prst="triangle">
+            <a:avLst/>
+          </a:prstGeom>
+        </p:spPr>
+        <p:style>
+          <a:lnRef idx="2">
+            <a:schemeClr val="accent1">
+              <a:shade val="50000"/>
+            </a:schemeClr>
+          </a:lnRef>
+          <a:fillRef idx="1">
+            <a:schemeClr val="accent1"/>
+          </a:fillRef>
+          <a:effectRef idx="0">
+            <a:schemeClr val="accent1"/>
+          </a:effectRef>
+          <a:fontRef idx="minor">
+            <a:schemeClr val="lt1"/>
+          </a:fontRef>
+        </p:style>
+        <p:txBody>
+          <a:bodyPr rtlCol="0" anchor="ctr"/>
+          <a:lstStyle/>
+          <a:p>
+            <a:pPr algn="ctr"/>
+            <a:endParaRPr lang="en-US"/>
+          </a:p>
+        </p:txBody>
+      </p:sp>
+      <p:sp>
+        <p:nvSpPr>
+          <p:cNvPr id="8" name="Isosceles Triangle 7"/>
+          <p:cNvSpPr/>
+          <p:nvPr/>
+        </p:nvSpPr>
+        <p:spPr>
+          <a:xfrm rot="10800000">
+            <a:off x="7215050" y="2837527"/>
+            <a:ext cx="274320" cy="240957"/>
+          </a:xfrm>
+          <a:prstGeom prst="triangle">
+            <a:avLst/>
+          </a:prstGeom>
+        </p:spPr>
+        <p:style>
+          <a:lnRef idx="2">
+            <a:schemeClr val="accent1">
+              <a:shade val="50000"/>
+            </a:schemeClr>
+          </a:lnRef>
+          <a:fillRef idx="1">
+            <a:schemeClr val="accent1"/>
+          </a:fillRef>
+          <a:effectRef idx="0">
+            <a:schemeClr val="accent1"/>
+          </a:effectRef>
+          <a:fontRef idx="minor">
+            <a:schemeClr val="lt1"/>
+          </a:fontRef>
+        </p:style>
+        <p:txBody>
+          <a:bodyPr rtlCol="0" anchor="ctr"/>
+          <a:lstStyle/>
+          <a:p>
+            <a:pPr algn="ctr"/>
+            <a:endParaRPr lang="en-US"/>
+          </a:p>
+        </p:txBody>
+      </p:sp>
+      <p:sp>
+        <p:nvSpPr>
+          <p:cNvPr id="9" name="TextBox 8"/>
+          <p:cNvSpPr txBox="1"/>
+          <p:nvPr/>
+        </p:nvSpPr>
+        <p:spPr>
+          <a:xfrm>
+            <a:off x="7489370" y="1027906"/>
+            <a:ext cx="3044518" cy="369332"/>
+          </a:xfrm>
+          <a:prstGeom prst="rect">
+            <a:avLst/>
+          </a:prstGeom>
+          <a:noFill/>
+        </p:spPr>
+        <p:txBody>
+          <a:bodyPr wrap="square" rtlCol="0">
+            <a:spAutoFit/>
+          </a:bodyPr>
+          <a:lstStyle/>
+          <a:p>
+            <a:r>
+              <a:rPr lang="en-US" dirty="0" smtClean="0"/>
+              <a:t>The mice with distinct </a:t>
+            </a:r>
+            <a:r>
+              <a:rPr lang="en-US" dirty="0" err="1" smtClean="0"/>
+              <a:t>gwRR</a:t>
+            </a:r>
+            <a:endParaRPr lang="en-US" dirty="0"/>
+          </a:p>
+        </p:txBody>
+      </p:sp>
+      <p:sp>
+        <p:nvSpPr>
+          <p:cNvPr id="10" name="Isosceles Triangle 9"/>
+          <p:cNvSpPr/>
+          <p:nvPr/>
+        </p:nvSpPr>
+        <p:spPr>
+          <a:xfrm rot="10800000">
+            <a:off x="8275319" y="4432637"/>
+            <a:ext cx="274320" cy="240957"/>
+          </a:xfrm>
+          <a:prstGeom prst="triangle">
+            <a:avLst/>
+          </a:prstGeom>
+        </p:spPr>
+        <p:style>
+          <a:lnRef idx="2">
+            <a:schemeClr val="accent1">
+              <a:shade val="50000"/>
+            </a:schemeClr>
+          </a:lnRef>
+          <a:fillRef idx="1">
+            <a:schemeClr val="accent1"/>
+          </a:fillRef>
+          <a:effectRef idx="0">
+            <a:schemeClr val="accent1"/>
+          </a:effectRef>
+          <a:fontRef idx="minor">
+            <a:schemeClr val="lt1"/>
+          </a:fontRef>
+        </p:style>
+        <p:txBody>
+          <a:bodyPr rtlCol="0" anchor="ctr"/>
+          <a:lstStyle/>
+          <a:p>
+            <a:pPr algn="ctr"/>
+            <a:endParaRPr lang="en-US"/>
+          </a:p>
+        </p:txBody>
+      </p:sp>
+      <p:sp>
+        <p:nvSpPr>
+          <p:cNvPr id="11" name="TextBox 10"/>
+          <p:cNvSpPr txBox="1"/>
+          <p:nvPr/>
+        </p:nvSpPr>
+        <p:spPr>
+          <a:xfrm>
+            <a:off x="538841" y="6071616"/>
+            <a:ext cx="3685687" cy="369332"/>
+          </a:xfrm>
+          <a:prstGeom prst="rect">
+            <a:avLst/>
+          </a:prstGeom>
+          <a:noFill/>
+        </p:spPr>
+        <p:txBody>
+          <a:bodyPr wrap="square" rtlCol="0">
+            <a:spAutoFit/>
+          </a:bodyPr>
+          <a:lstStyle/>
+          <a:p>
+            <a:r>
+              <a:rPr lang="en-US" dirty="0" smtClean="0"/>
+              <a:t>Chi square test ?  Not done yet </a:t>
+            </a:r>
+            <a:endParaRPr lang="en-US" dirty="0"/>
+          </a:p>
+        </p:txBody>
+      </p:sp>
+      <p:sp>
+        <p:nvSpPr>
+          <p:cNvPr id="3" name="TextBox 2"/>
+          <p:cNvSpPr txBox="1"/>
+          <p:nvPr/>
+        </p:nvSpPr>
+        <p:spPr>
+          <a:xfrm>
+            <a:off x="393952" y="4870267"/>
+            <a:ext cx="12066494" cy="1569660"/>
+          </a:xfrm>
+          <a:prstGeom prst="rect">
+            <a:avLst/>
+          </a:prstGeom>
+          <a:solidFill>
+            <a:schemeClr val="bg1"/>
+          </a:solidFill>
+          <a:ln>
+            <a:solidFill>
+              <a:schemeClr val="tx1"/>
+            </a:solidFill>
+          </a:ln>
+        </p:spPr>
+        <p:txBody>
+          <a:bodyPr wrap="square" rtlCol="0">
+            <a:spAutoFit/>
+          </a:bodyPr>
+          <a:lstStyle/>
+          <a:p>
+            <a:r>
+              <a:rPr lang="en-US" sz="3200" b="1" dirty="0" smtClean="0"/>
+              <a:t>Male pattern</a:t>
+            </a:r>
+          </a:p>
+          <a:p>
+            <a:r>
+              <a:rPr lang="en-US" sz="3200" b="1" dirty="0" smtClean="0"/>
+              <a:t>**</a:t>
+            </a:r>
+            <a:r>
+              <a:rPr lang="en-US" sz="3200" b="1" dirty="0"/>
+              <a:t>MSM 60% &gt; PWD 50% &gt; SKIVE 30% &gt;  20 - 10% remaining (low) strains**</a:t>
+            </a:r>
+          </a:p>
+        </p:txBody>
+      </p:sp>
+    </p:spTree>
+    <p:extLst>
+      <p:ext uri="{BB962C8B-B14F-4D97-AF65-F5344CB8AC3E}">
+        <p14:creationId xmlns:p14="http://schemas.microsoft.com/office/powerpoint/2010/main" val="513544964"/>
+      </p:ext>
+    </p:extLst>
+  </p:cSld>
+  <p:clrMapOvr>
+    <a:masterClrMapping/>
+  </p:clrMapOvr>
+  <p:timing>
+    <p:tnLst>
+      <p:par>
+        <p:cTn id="1" dur="indefinite" restart="never" nodeType="tmRoot"/>
+      </p:par>
+    </p:tnLst>
+  </p:timing>
+</p:sld>
+</file>
+
+<file path=ppt/slides/slide13.xml><?xml version="1.0" encoding="utf-8"?>
+<p:sld xmlns:a="http://schemas.openxmlformats.org/drawingml/2006/main" xmlns:r="http://schemas.openxmlformats.org/officeDocument/2006/relationships" xmlns:p="http://schemas.openxmlformats.org/presentationml/2006/main">
+  <p:cSld>
+    <p:spTree>
+      <p:nvGrpSpPr>
+        <p:cNvPr id="1" name=""/>
+        <p:cNvGrpSpPr/>
+        <p:nvPr/>
+      </p:nvGrpSpPr>
+      <p:grpSpPr>
+        <a:xfrm>
+          <a:off x="0" y="0"/>
+          <a:ext cx="0" cy="0"/>
+          <a:chOff x="0" y="0"/>
+          <a:chExt cx="0" cy="0"/>
+        </a:xfrm>
+      </p:grpSpPr>
+      <p:sp>
+        <p:nvSpPr>
+          <p:cNvPr id="2" name="Title 1"/>
+          <p:cNvSpPr>
+            <a:spLocks noGrp="1"/>
+          </p:cNvSpPr>
+          <p:nvPr>
+            <p:ph type="title"/>
+          </p:nvPr>
+        </p:nvSpPr>
+        <p:spPr/>
+        <p:txBody>
+          <a:bodyPr/>
+          <a:lstStyle/>
+          <a:p>
+            <a:endParaRPr lang="en-US" dirty="0"/>
+          </a:p>
+        </p:txBody>
+      </p:sp>
+      <p:sp>
+        <p:nvSpPr>
+          <p:cNvPr id="3" name="Content Placeholder 2"/>
+          <p:cNvSpPr>
+            <a:spLocks noGrp="1"/>
+          </p:cNvSpPr>
+          <p:nvPr>
+            <p:ph idx="1"/>
+          </p:nvPr>
+        </p:nvSpPr>
+        <p:spPr/>
+        <p:txBody>
+          <a:bodyPr/>
+          <a:lstStyle/>
+          <a:p>
+            <a:endParaRPr lang="en-US"/>
+          </a:p>
+        </p:txBody>
+      </p:sp>
+      <p:pic>
+        <p:nvPicPr>
+          <p:cNvPr id="4" name="Picture 3"/>
+          <p:cNvPicPr>
+            <a:picLocks noChangeAspect="1"/>
+          </p:cNvPicPr>
+          <p:nvPr/>
+        </p:nvPicPr>
+        <p:blipFill>
+          <a:blip r:embed="rId2"/>
+          <a:stretch>
+            <a:fillRect/>
+          </a:stretch>
+        </p:blipFill>
+        <p:spPr>
+          <a:xfrm>
+            <a:off x="838200" y="645459"/>
+            <a:ext cx="9818818" cy="5968294"/>
+          </a:xfrm>
+          <a:prstGeom prst="rect">
+            <a:avLst/>
+          </a:prstGeom>
+        </p:spPr>
+      </p:pic>
+      <p:sp>
+        <p:nvSpPr>
+          <p:cNvPr id="5" name="TextBox 4"/>
+          <p:cNvSpPr txBox="1"/>
+          <p:nvPr/>
+        </p:nvSpPr>
+        <p:spPr>
+          <a:xfrm>
+            <a:off x="393952" y="4870267"/>
+            <a:ext cx="12066494" cy="1569660"/>
+          </a:xfrm>
+          <a:prstGeom prst="rect">
+            <a:avLst/>
+          </a:prstGeom>
+          <a:solidFill>
+            <a:schemeClr val="bg1"/>
+          </a:solidFill>
+          <a:ln>
+            <a:solidFill>
+              <a:schemeClr val="tx1"/>
+            </a:solidFill>
+          </a:ln>
+        </p:spPr>
+        <p:txBody>
+          <a:bodyPr wrap="square" rtlCol="0">
+            <a:spAutoFit/>
+          </a:bodyPr>
+          <a:lstStyle/>
+          <a:p>
+            <a:r>
+              <a:rPr lang="en-US" sz="3200" b="1" dirty="0" smtClean="0"/>
+              <a:t>Male pattern</a:t>
+            </a:r>
+          </a:p>
+          <a:p>
+            <a:r>
+              <a:rPr lang="en-US" sz="3200" b="1" dirty="0" smtClean="0"/>
+              <a:t>**</a:t>
+            </a:r>
+            <a:r>
+              <a:rPr lang="en-US" sz="3200" b="1" dirty="0"/>
+              <a:t>MSM 60% &gt; PWD 50% &gt; SKIVE 30% &gt;  20 - 10% remaining (low) strains**</a:t>
+            </a:r>
+          </a:p>
+        </p:txBody>
+      </p:sp>
+      <p:sp>
+        <p:nvSpPr>
+          <p:cNvPr id="6" name="TextBox 5"/>
+          <p:cNvSpPr txBox="1"/>
+          <p:nvPr/>
+        </p:nvSpPr>
+        <p:spPr>
+          <a:xfrm>
+            <a:off x="393952" y="1778286"/>
+            <a:ext cx="12066494" cy="2554545"/>
+          </a:xfrm>
+          <a:prstGeom prst="rect">
+            <a:avLst/>
+          </a:prstGeom>
+          <a:solidFill>
+            <a:schemeClr val="bg1"/>
+          </a:solidFill>
+          <a:ln>
+            <a:solidFill>
+              <a:schemeClr val="tx1"/>
+            </a:solidFill>
+          </a:ln>
+        </p:spPr>
+        <p:txBody>
+          <a:bodyPr wrap="square" rtlCol="0">
+            <a:spAutoFit/>
+          </a:bodyPr>
+          <a:lstStyle/>
+          <a:p>
+            <a:r>
+              <a:rPr lang="en-US" sz="3200" b="1" dirty="0" smtClean="0"/>
+              <a:t>Female pattern</a:t>
+            </a:r>
+          </a:p>
+          <a:p>
+            <a:r>
+              <a:rPr lang="en-US" sz="3200" b="1" dirty="0" smtClean="0"/>
+              <a:t>High female strains, G and LEW,</a:t>
+            </a:r>
+          </a:p>
+          <a:p>
+            <a:endParaRPr lang="en-US" sz="3200" b="1" dirty="0"/>
+          </a:p>
+          <a:p>
+            <a:r>
+              <a:rPr lang="en-US" sz="3200" b="1" dirty="0" smtClean="0"/>
+              <a:t>High Rec females have more 2CO </a:t>
+            </a:r>
+            <a:r>
+              <a:rPr lang="en-US" sz="3200" b="1" dirty="0" err="1" smtClean="0"/>
+              <a:t>chrms</a:t>
+            </a:r>
+            <a:r>
+              <a:rPr lang="en-US" sz="3200" b="1" dirty="0" smtClean="0"/>
+              <a:t>, ~33% vs (23% - 27%)</a:t>
+            </a:r>
+            <a:endParaRPr lang="en-US" sz="3200" b="1" dirty="0"/>
+          </a:p>
+          <a:p>
+            <a:endParaRPr lang="en-US" sz="3200" b="1" dirty="0" smtClean="0"/>
+          </a:p>
+        </p:txBody>
+      </p:sp>
+      <p:sp>
+        <p:nvSpPr>
+          <p:cNvPr id="7" name="Isosceles Triangle 6"/>
+          <p:cNvSpPr/>
+          <p:nvPr/>
+        </p:nvSpPr>
+        <p:spPr>
+          <a:xfrm rot="10800000">
+            <a:off x="11179909" y="2266477"/>
+            <a:ext cx="274320" cy="240957"/>
+          </a:xfrm>
+          <a:prstGeom prst="triangle">
+            <a:avLst/>
+          </a:prstGeom>
+        </p:spPr>
+        <p:style>
+          <a:lnRef idx="2">
+            <a:schemeClr val="accent1">
+              <a:shade val="50000"/>
+            </a:schemeClr>
+          </a:lnRef>
+          <a:fillRef idx="1">
+            <a:schemeClr val="accent1"/>
+          </a:fillRef>
+          <a:effectRef idx="0">
+            <a:schemeClr val="accent1"/>
+          </a:effectRef>
+          <a:fontRef idx="minor">
+            <a:schemeClr val="lt1"/>
+          </a:fontRef>
+        </p:style>
+        <p:txBody>
+          <a:bodyPr rtlCol="0" anchor="ctr"/>
+          <a:lstStyle/>
+          <a:p>
+            <a:pPr algn="ctr"/>
+            <a:endParaRPr lang="en-US"/>
+          </a:p>
+        </p:txBody>
+      </p:sp>
+      <p:sp>
+        <p:nvSpPr>
+          <p:cNvPr id="8" name="Isosceles Triangle 7"/>
+          <p:cNvSpPr/>
+          <p:nvPr/>
+        </p:nvSpPr>
+        <p:spPr>
+          <a:xfrm rot="10800000">
+            <a:off x="12534092" y="2188102"/>
+            <a:ext cx="274320" cy="240957"/>
+          </a:xfrm>
+          <a:prstGeom prst="triangle">
+            <a:avLst/>
+          </a:prstGeom>
+        </p:spPr>
+        <p:style>
+          <a:lnRef idx="2">
+            <a:schemeClr val="accent1">
+              <a:shade val="50000"/>
+            </a:schemeClr>
+          </a:lnRef>
+          <a:fillRef idx="1">
+            <a:schemeClr val="accent1"/>
+          </a:fillRef>
+          <a:effectRef idx="0">
+            <a:schemeClr val="accent1"/>
+          </a:effectRef>
+          <a:fontRef idx="minor">
+            <a:schemeClr val="lt1"/>
+          </a:fontRef>
+        </p:style>
+        <p:txBody>
+          <a:bodyPr rtlCol="0" anchor="ctr"/>
+          <a:lstStyle/>
+          <a:p>
+            <a:pPr algn="ctr"/>
+            <a:endParaRPr lang="en-US"/>
+          </a:p>
+        </p:txBody>
+      </p:sp>
+      <p:sp>
+        <p:nvSpPr>
+          <p:cNvPr id="9" name="Isosceles Triangle 8"/>
+          <p:cNvSpPr/>
+          <p:nvPr/>
+        </p:nvSpPr>
+        <p:spPr>
+          <a:xfrm rot="10800000">
+            <a:off x="10309052" y="511702"/>
+            <a:ext cx="274320" cy="240957"/>
+          </a:xfrm>
+          <a:prstGeom prst="triangle">
+            <a:avLst/>
+          </a:prstGeom>
+        </p:spPr>
+        <p:style>
+          <a:lnRef idx="2">
+            <a:schemeClr val="accent1">
+              <a:shade val="50000"/>
+            </a:schemeClr>
+          </a:lnRef>
+          <a:fillRef idx="1">
+            <a:schemeClr val="accent1"/>
+          </a:fillRef>
+          <a:effectRef idx="0">
+            <a:schemeClr val="accent1"/>
+          </a:effectRef>
+          <a:fontRef idx="minor">
+            <a:schemeClr val="lt1"/>
+          </a:fontRef>
+        </p:style>
+        <p:txBody>
+          <a:bodyPr rtlCol="0" anchor="ctr"/>
+          <a:lstStyle/>
+          <a:p>
+            <a:pPr algn="ctr"/>
+            <a:endParaRPr lang="en-US"/>
+          </a:p>
+        </p:txBody>
+      </p:sp>
+      <p:sp>
+        <p:nvSpPr>
+          <p:cNvPr id="10" name="Isosceles Triangle 9"/>
+          <p:cNvSpPr/>
+          <p:nvPr/>
+        </p:nvSpPr>
+        <p:spPr>
+          <a:xfrm rot="10800000">
+            <a:off x="11369321" y="2106812"/>
+            <a:ext cx="274320" cy="240957"/>
+          </a:xfrm>
+          <a:prstGeom prst="triangle">
+            <a:avLst/>
+          </a:prstGeom>
+        </p:spPr>
+        <p:style>
+          <a:lnRef idx="2">
+            <a:schemeClr val="accent1">
+              <a:shade val="50000"/>
+            </a:schemeClr>
+          </a:lnRef>
+          <a:fillRef idx="1">
+            <a:schemeClr val="accent1"/>
+          </a:fillRef>
+          <a:effectRef idx="0">
+            <a:schemeClr val="accent1"/>
+          </a:effectRef>
+          <a:fontRef idx="minor">
+            <a:schemeClr val="lt1"/>
+          </a:fontRef>
+        </p:style>
+        <p:txBody>
+          <a:bodyPr rtlCol="0" anchor="ctr"/>
+          <a:lstStyle/>
+          <a:p>
+            <a:pPr algn="ctr"/>
+            <a:endParaRPr lang="en-US"/>
+          </a:p>
+        </p:txBody>
+      </p:sp>
+    </p:spTree>
+    <p:extLst>
+      <p:ext uri="{BB962C8B-B14F-4D97-AF65-F5344CB8AC3E}">
+        <p14:creationId xmlns:p14="http://schemas.microsoft.com/office/powerpoint/2010/main" val="2650481867"/>
+      </p:ext>
+    </p:extLst>
+  </p:cSld>
+  <p:clrMapOvr>
+    <a:masterClrMapping/>
+  </p:clrMapOvr>
+  <p:timing>
+    <p:tnLst>
+      <p:par>
+        <p:cTn id="1" dur="indefinite" restart="never" nodeType="tmRoot"/>
+      </p:par>
+    </p:tnLst>
+  </p:timing>
+</p:sld>
+</file>
+
+<file path=ppt/slides/slide14.xml><?xml version="1.0" encoding="utf-8"?>
+<p:sld xmlns:a="http://schemas.openxmlformats.org/drawingml/2006/main" xmlns:r="http://schemas.openxmlformats.org/officeDocument/2006/relationships" xmlns:p="http://schemas.openxmlformats.org/presentationml/2006/main">
+  <p:cSld>
+    <p:spTree>
+      <p:nvGrpSpPr>
+        <p:cNvPr id="1" name=""/>
+        <p:cNvGrpSpPr/>
+        <p:nvPr/>
+      </p:nvGrpSpPr>
+      <p:grpSpPr>
+        <a:xfrm>
+          <a:off x="0" y="0"/>
+          <a:ext cx="0" cy="0"/>
+          <a:chOff x="0" y="0"/>
+          <a:chExt cx="0" cy="0"/>
+        </a:xfrm>
+      </p:grpSpPr>
+      <p:sp>
+        <p:nvSpPr>
+          <p:cNvPr id="2" name="Title 1"/>
+          <p:cNvSpPr>
+            <a:spLocks noGrp="1"/>
+          </p:cNvSpPr>
+          <p:nvPr>
+            <p:ph type="title"/>
+          </p:nvPr>
+        </p:nvSpPr>
+        <p:spPr/>
+        <p:txBody>
+          <a:bodyPr/>
+          <a:lstStyle/>
+          <a:p>
+            <a:endParaRPr lang="en-US" dirty="0"/>
+          </a:p>
+        </p:txBody>
+      </p:sp>
+      <p:sp>
+        <p:nvSpPr>
+          <p:cNvPr id="3" name="Content Placeholder 2"/>
+          <p:cNvSpPr>
+            <a:spLocks noGrp="1"/>
+          </p:cNvSpPr>
+          <p:nvPr>
+            <p:ph idx="1"/>
+          </p:nvPr>
+        </p:nvSpPr>
+        <p:spPr/>
+        <p:txBody>
+          <a:bodyPr/>
+          <a:lstStyle/>
+          <a:p>
+            <a:endParaRPr lang="en-US"/>
+          </a:p>
+        </p:txBody>
+      </p:sp>
+      <p:pic>
+        <p:nvPicPr>
+          <p:cNvPr id="4" name="Picture 3"/>
+          <p:cNvPicPr>
+            <a:picLocks noChangeAspect="1"/>
+          </p:cNvPicPr>
+          <p:nvPr/>
+        </p:nvPicPr>
+        <p:blipFill rotWithShape="1">
+          <a:blip r:embed="rId2"/>
+          <a:srcRect r="13312" b="48930"/>
+          <a:stretch/>
+        </p:blipFill>
+        <p:spPr>
+          <a:xfrm>
+            <a:off x="0" y="502023"/>
+            <a:ext cx="11766177" cy="4213412"/>
+          </a:xfrm>
+          <a:prstGeom prst="rect">
+            <a:avLst/>
+          </a:prstGeom>
+        </p:spPr>
+      </p:pic>
+    </p:spTree>
+    <p:extLst>
+      <p:ext uri="{BB962C8B-B14F-4D97-AF65-F5344CB8AC3E}">
+        <p14:creationId xmlns:p14="http://schemas.microsoft.com/office/powerpoint/2010/main" val="2566750544"/>
+      </p:ext>
+    </p:extLst>
+  </p:cSld>
+  <p:clrMapOvr>
+    <a:masterClrMapping/>
+  </p:clrMapOvr>
+  <p:timing>
+    <p:tnLst>
+      <p:par>
+        <p:cTn id="1" dur="indefinite" restart="never" nodeType="tmRoot"/>
+      </p:par>
+    </p:tnLst>
+  </p:timing>
+</p:sld>
+</file>
+
+<file path=ppt/slides/slide15.xml><?xml version="1.0" encoding="utf-8"?>
+<p:sld xmlns:a="http://schemas.openxmlformats.org/drawingml/2006/main" xmlns:r="http://schemas.openxmlformats.org/officeDocument/2006/relationships" xmlns:p="http://schemas.openxmlformats.org/presentationml/2006/main">
+  <p:cSld>
+    <p:spTree>
+      <p:nvGrpSpPr>
+        <p:cNvPr id="1" name=""/>
+        <p:cNvGrpSpPr/>
+        <p:nvPr/>
+      </p:nvGrpSpPr>
+      <p:grpSpPr>
+        <a:xfrm>
+          <a:off x="0" y="0"/>
+          <a:ext cx="0" cy="0"/>
+          <a:chOff x="0" y="0"/>
+          <a:chExt cx="0" cy="0"/>
+        </a:xfrm>
+      </p:grpSpPr>
+      <p:sp>
+        <p:nvSpPr>
+          <p:cNvPr id="2" name="Title 1"/>
+          <p:cNvSpPr>
+            <a:spLocks noGrp="1"/>
+          </p:cNvSpPr>
+          <p:nvPr>
+            <p:ph type="title"/>
+          </p:nvPr>
+        </p:nvSpPr>
+        <p:spPr/>
+        <p:txBody>
+          <a:bodyPr/>
+          <a:lstStyle/>
+          <a:p>
+            <a:r>
+              <a:rPr lang="en-US" dirty="0" smtClean="0"/>
+              <a:t>Single Bivalent Dataset</a:t>
+            </a:r>
+            <a:endParaRPr lang="en-US" dirty="0"/>
+          </a:p>
+        </p:txBody>
+      </p:sp>
+      <p:sp>
+        <p:nvSpPr>
+          <p:cNvPr id="3" name="Content Placeholder 2"/>
+          <p:cNvSpPr>
+            <a:spLocks noGrp="1"/>
+          </p:cNvSpPr>
+          <p:nvPr>
+            <p:ph idx="1"/>
+          </p:nvPr>
+        </p:nvSpPr>
+        <p:spPr>
+          <a:xfrm>
+            <a:off x="6792687" y="1825625"/>
+            <a:ext cx="4561114" cy="4351338"/>
+          </a:xfrm>
+        </p:spPr>
+        <p:txBody>
+          <a:bodyPr>
+            <a:normAutofit fontScale="92500" lnSpcReduction="10000"/>
+          </a:bodyPr>
+          <a:lstStyle/>
+          <a:p>
+            <a:pPr marL="0" indent="0">
+              <a:buNone/>
+            </a:pPr>
+            <a:r>
+              <a:rPr lang="en-US" dirty="0" smtClean="0"/>
+              <a:t>~ 10,400 Automated Single Bivalent Measures</a:t>
+            </a:r>
+          </a:p>
+          <a:p>
+            <a:r>
+              <a:rPr lang="en-US" dirty="0" smtClean="0"/>
+              <a:t>(Curated – make sure the algorithm ran correctly)</a:t>
+            </a:r>
+          </a:p>
+          <a:p>
+            <a:endParaRPr lang="en-US" dirty="0"/>
+          </a:p>
+          <a:p>
+            <a:pPr marL="0" indent="0">
+              <a:buNone/>
+            </a:pPr>
+            <a:r>
+              <a:rPr lang="en-US" dirty="0"/>
+              <a:t>3 types of metrics</a:t>
+            </a:r>
+          </a:p>
+          <a:p>
+            <a:pPr lvl="1"/>
+            <a:r>
+              <a:rPr lang="en-US" dirty="0"/>
+              <a:t>1. Length of individual bivalents (SC signal) </a:t>
+            </a:r>
+          </a:p>
+          <a:p>
+            <a:pPr lvl="1"/>
+            <a:r>
+              <a:rPr lang="en-US" dirty="0"/>
+              <a:t>2. Position of single CO on a bivalent</a:t>
+            </a:r>
+          </a:p>
+          <a:p>
+            <a:pPr lvl="1"/>
+            <a:r>
+              <a:rPr lang="en-US" dirty="0"/>
+              <a:t>3. Interference </a:t>
+            </a:r>
+            <a:r>
+              <a:rPr lang="en-US" dirty="0" smtClean="0"/>
+              <a:t>strength, </a:t>
+            </a:r>
+            <a:r>
+              <a:rPr lang="en-US" dirty="0" err="1" smtClean="0"/>
+              <a:t>InterFocal</a:t>
+            </a:r>
+            <a:r>
+              <a:rPr lang="en-US" dirty="0" smtClean="0"/>
+              <a:t> Distance (IFD)</a:t>
+            </a:r>
+            <a:endParaRPr lang="en-US" dirty="0"/>
+          </a:p>
+        </p:txBody>
+      </p:sp>
+      <p:pic>
+        <p:nvPicPr>
+          <p:cNvPr id="4" name="Content Placeholder 3"/>
+          <p:cNvPicPr>
+            <a:picLocks noChangeAspect="1"/>
+          </p:cNvPicPr>
+          <p:nvPr/>
+        </p:nvPicPr>
+        <p:blipFill rotWithShape="1">
+          <a:blip r:embed="rId3">
+            <a:extLst>
+              <a:ext uri="{28A0092B-C50C-407E-A947-70E740481C1C}">
+                <a14:useLocalDpi xmlns:a14="http://schemas.microsoft.com/office/drawing/2010/main" val="0"/>
+              </a:ext>
+            </a:extLst>
+          </a:blip>
+          <a:srcRect l="6951" t="6331" r="8163" b="3470"/>
+          <a:stretch/>
+        </p:blipFill>
+        <p:spPr>
+          <a:xfrm>
+            <a:off x="369278" y="1825625"/>
+            <a:ext cx="5852993" cy="4663098"/>
+          </a:xfrm>
+          <a:prstGeom prst="rect">
+            <a:avLst/>
+          </a:prstGeom>
+        </p:spPr>
+      </p:pic>
+      <p:pic>
+        <p:nvPicPr>
+          <p:cNvPr id="5" name="Picture 4"/>
+          <p:cNvPicPr>
+            <a:picLocks noChangeAspect="1"/>
+          </p:cNvPicPr>
+          <p:nvPr/>
+        </p:nvPicPr>
+        <p:blipFill rotWithShape="1">
+          <a:blip r:embed="rId4" cstate="print">
+            <a:extLst>
+              <a:ext uri="{28A0092B-C50C-407E-A947-70E740481C1C}">
+                <a14:useLocalDpi xmlns:a14="http://schemas.microsoft.com/office/drawing/2010/main" val="0"/>
+              </a:ext>
+            </a:extLst>
+          </a:blip>
+          <a:srcRect l="13760" t="8242" r="64394" b="10879"/>
+          <a:stretch/>
+        </p:blipFill>
+        <p:spPr>
+          <a:xfrm>
+            <a:off x="5786637" y="4070217"/>
+            <a:ext cx="871268" cy="2418506"/>
+          </a:xfrm>
+          <a:prstGeom prst="rect">
+            <a:avLst/>
+          </a:prstGeom>
+          <a:ln>
+            <a:solidFill>
+              <a:schemeClr val="bg1"/>
+            </a:solidFill>
+          </a:ln>
+        </p:spPr>
+      </p:pic>
+    </p:spTree>
+    <p:extLst>
+      <p:ext uri="{BB962C8B-B14F-4D97-AF65-F5344CB8AC3E}">
+        <p14:creationId xmlns:p14="http://schemas.microsoft.com/office/powerpoint/2010/main" val="3964468962"/>
+      </p:ext>
+    </p:extLst>
+  </p:cSld>
+  <p:clrMapOvr>
+    <a:masterClrMapping/>
+  </p:clrMapOvr>
+  <p:timing>
+    <p:tnLst>
+      <p:par>
+        <p:cTn id="1" dur="indefinite" restart="never" nodeType="tmRoot"/>
+      </p:par>
+    </p:tnLst>
+  </p:timing>
+</p:sld>
+</file>
+
+<file path=ppt/slides/slide16.xml><?xml version="1.0" encoding="utf-8"?>
+<p:sld xmlns:a="http://schemas.openxmlformats.org/drawingml/2006/main" xmlns:r="http://schemas.openxmlformats.org/officeDocument/2006/relationships" xmlns:p="http://schemas.openxmlformats.org/presentationml/2006/main">
+  <p:cSld>
+    <p:spTree>
+      <p:nvGrpSpPr>
+        <p:cNvPr id="1" name=""/>
+        <p:cNvGrpSpPr/>
+        <p:nvPr/>
+      </p:nvGrpSpPr>
+      <p:grpSpPr>
+        <a:xfrm>
+          <a:off x="0" y="0"/>
+          <a:ext cx="0" cy="0"/>
+          <a:chOff x="0" y="0"/>
+          <a:chExt cx="0" cy="0"/>
+        </a:xfrm>
+      </p:grpSpPr>
+      <p:sp>
+        <p:nvSpPr>
+          <p:cNvPr id="2" name="Title 1"/>
+          <p:cNvSpPr>
+            <a:spLocks noGrp="1"/>
+          </p:cNvSpPr>
+          <p:nvPr>
+            <p:ph type="title"/>
+          </p:nvPr>
+        </p:nvSpPr>
+        <p:spPr/>
+        <p:txBody>
+          <a:bodyPr/>
+          <a:lstStyle/>
+          <a:p>
+            <a:r>
+              <a:rPr lang="en-US" dirty="0" smtClean="0"/>
+              <a:t>Single Bivalent Sex Specific Patterns</a:t>
+            </a:r>
+            <a:endParaRPr lang="en-US" dirty="0"/>
+          </a:p>
+        </p:txBody>
+      </p:sp>
+      <p:sp>
+        <p:nvSpPr>
+          <p:cNvPr id="3" name="Content Placeholder 2"/>
+          <p:cNvSpPr>
+            <a:spLocks noGrp="1"/>
+          </p:cNvSpPr>
+          <p:nvPr>
+            <p:ph idx="1"/>
+          </p:nvPr>
+        </p:nvSpPr>
+        <p:spPr/>
+        <p:txBody>
+          <a:bodyPr>
+            <a:normAutofit fontScale="77500" lnSpcReduction="20000"/>
+          </a:bodyPr>
+          <a:lstStyle/>
+          <a:p>
+            <a:pPr marL="0" indent="0">
+              <a:buNone/>
+            </a:pPr>
+            <a:r>
+              <a:rPr lang="en-US" dirty="0" smtClean="0"/>
+              <a:t>Driving questions</a:t>
+            </a:r>
+            <a:endParaRPr lang="en-US" dirty="0"/>
+          </a:p>
+          <a:p>
+            <a:r>
+              <a:rPr lang="en-US" dirty="0" smtClean="0"/>
+              <a:t>Q1) </a:t>
+            </a:r>
+            <a:r>
+              <a:rPr lang="en-US" dirty="0"/>
+              <a:t>What are the main differences between males and </a:t>
+            </a:r>
+            <a:r>
+              <a:rPr lang="en-US" dirty="0" smtClean="0"/>
+              <a:t>females?</a:t>
+            </a:r>
+            <a:endParaRPr lang="en-US" dirty="0" smtClean="0">
+              <a:effectLst/>
+            </a:endParaRPr>
+          </a:p>
+          <a:p>
+            <a:r>
+              <a:rPr lang="en-US" dirty="0" smtClean="0"/>
+              <a:t>Q2) What </a:t>
+            </a:r>
+            <a:r>
+              <a:rPr lang="en-US" dirty="0"/>
+              <a:t>are the differences between high </a:t>
+            </a:r>
+            <a:r>
+              <a:rPr lang="en-US" dirty="0" err="1"/>
+              <a:t>musc</a:t>
+            </a:r>
+            <a:r>
+              <a:rPr lang="en-US" dirty="0"/>
+              <a:t> and low </a:t>
+            </a:r>
+            <a:r>
+              <a:rPr lang="en-US" dirty="0" err="1"/>
+              <a:t>musc</a:t>
+            </a:r>
+            <a:r>
+              <a:rPr lang="en-US" dirty="0"/>
+              <a:t> </a:t>
+            </a:r>
+            <a:r>
+              <a:rPr lang="en-US" dirty="0" smtClean="0"/>
+              <a:t>strain?</a:t>
+            </a:r>
+          </a:p>
+          <a:p>
+            <a:endParaRPr lang="en-US" dirty="0"/>
+          </a:p>
+          <a:p>
+            <a:pPr marL="0" indent="0">
+              <a:buNone/>
+            </a:pPr>
+            <a:r>
+              <a:rPr lang="en-US" dirty="0"/>
+              <a:t>Predictions</a:t>
+            </a:r>
+          </a:p>
+          <a:p>
+            <a:r>
+              <a:rPr lang="en-US" dirty="0"/>
+              <a:t>1.</a:t>
+            </a:r>
+            <a:r>
+              <a:rPr lang="en-US" b="1" i="1" dirty="0"/>
+              <a:t> SC length will be sexually dimorphic</a:t>
+            </a:r>
+            <a:endParaRPr lang="en-US" dirty="0"/>
+          </a:p>
+          <a:p>
+            <a:r>
+              <a:rPr lang="en-US" dirty="0"/>
+              <a:t>2. </a:t>
+            </a:r>
+            <a:r>
+              <a:rPr lang="en-US" b="1" i="1" dirty="0"/>
+              <a:t>1CO normalized positions will be sexually dimorphic</a:t>
+            </a:r>
+            <a:endParaRPr lang="en-US" dirty="0"/>
+          </a:p>
+          <a:p>
+            <a:r>
+              <a:rPr lang="en-US" dirty="0"/>
+              <a:t>3. </a:t>
+            </a:r>
+            <a:r>
+              <a:rPr lang="en-US" b="1" i="1" dirty="0"/>
+              <a:t>No difference in physical distance between foci on the same bivalent.*</a:t>
+            </a:r>
+          </a:p>
+          <a:p>
+            <a:pPr marL="0" indent="0">
+              <a:buNone/>
+            </a:pPr>
+            <a:endParaRPr lang="en-US" b="1" i="1" dirty="0"/>
+          </a:p>
+          <a:p>
+            <a:pPr marL="0" indent="0">
+              <a:buNone/>
+            </a:pPr>
+            <a:r>
+              <a:rPr lang="en-US" dirty="0"/>
+              <a:t>*only 1 paper with cytological data for IFD of both sexes (mice B6). No difference found in physical (um) scale.</a:t>
+            </a:r>
+          </a:p>
+          <a:p>
+            <a:pPr marL="0" indent="0">
+              <a:buNone/>
+            </a:pPr>
+            <a:r>
+              <a:rPr lang="en-US" sz="2200" b="1" dirty="0"/>
+              <a:t>de Boer</a:t>
+            </a:r>
+            <a:r>
+              <a:rPr lang="en-US" sz="2200" dirty="0"/>
+              <a:t>, E., </a:t>
+            </a:r>
+            <a:r>
+              <a:rPr lang="en-US" sz="2200" dirty="0" err="1"/>
+              <a:t>Stam</a:t>
+            </a:r>
+            <a:r>
+              <a:rPr lang="en-US" sz="2200" dirty="0"/>
+              <a:t>, P., Dietrich, A. J., </a:t>
+            </a:r>
+            <a:r>
+              <a:rPr lang="en-US" sz="2200" dirty="0" err="1"/>
+              <a:t>Pastink</a:t>
+            </a:r>
+            <a:r>
+              <a:rPr lang="en-US" sz="2200" dirty="0"/>
+              <a:t>, A., &amp; </a:t>
+            </a:r>
+            <a:r>
+              <a:rPr lang="en-US" sz="2200" dirty="0" err="1"/>
+              <a:t>Heyting</a:t>
+            </a:r>
+            <a:r>
+              <a:rPr lang="en-US" sz="2200" dirty="0"/>
+              <a:t>, C. </a:t>
+            </a:r>
+            <a:r>
+              <a:rPr lang="en-US" sz="2200" b="1" dirty="0"/>
+              <a:t>(2006). </a:t>
+            </a:r>
+            <a:r>
+              <a:rPr lang="en-US" sz="2200" dirty="0"/>
+              <a:t>Two levels of interference in mouse meiotic recombination. </a:t>
+            </a:r>
+            <a:r>
+              <a:rPr lang="en-US" sz="2200" i="1" dirty="0"/>
+              <a:t>Proceedings of the National Academy of Sciences</a:t>
+            </a:r>
+            <a:r>
+              <a:rPr lang="en-US" sz="2200" dirty="0"/>
+              <a:t>, </a:t>
+            </a:r>
+            <a:r>
+              <a:rPr lang="en-US" sz="2200" i="1" dirty="0"/>
+              <a:t>103</a:t>
+            </a:r>
+            <a:r>
+              <a:rPr lang="en-US" sz="2200" dirty="0"/>
+              <a:t>(25), 9607-9612</a:t>
+            </a:r>
+            <a:r>
+              <a:rPr lang="en-US" sz="2200" dirty="0" smtClean="0"/>
+              <a:t>.</a:t>
+            </a:r>
+            <a:endParaRPr lang="en-US" dirty="0" smtClean="0"/>
+          </a:p>
+          <a:p>
+            <a:endParaRPr lang="en-US" dirty="0">
+              <a:effectLst/>
+            </a:endParaRPr>
+          </a:p>
+        </p:txBody>
+      </p:sp>
+    </p:spTree>
+    <p:extLst>
+      <p:ext uri="{BB962C8B-B14F-4D97-AF65-F5344CB8AC3E}">
+        <p14:creationId xmlns:p14="http://schemas.microsoft.com/office/powerpoint/2010/main" val="2833730430"/>
+      </p:ext>
+    </p:extLst>
+  </p:cSld>
+  <p:clrMapOvr>
+    <a:masterClrMapping/>
+  </p:clrMapOvr>
+  <p:timing>
+    <p:tnLst>
+      <p:par>
+        <p:cTn id="1" dur="indefinite" restart="never" nodeType="tmRoot">
+          <p:childTnLst>
+            <p:seq concurrent="1" nextAc="seek">
+              <p:cTn id="2" dur="indefinite" nodeType="mainSeq">
+                <p:childTnLst>
+                  <p:par>
+                    <p:cTn id="3" fill="hold">
+                      <p:stCondLst>
+                        <p:cond delay="indefinite"/>
+                      </p:stCondLst>
+                      <p:childTnLst>
+                        <p:par>
+                          <p:cTn id="4" fill="hold">
+                            <p:stCondLst>
+                              <p:cond delay="0"/>
+                            </p:stCondLst>
+                            <p:childTnLst>
+                              <p:par>
+                                <p:cTn id="5" presetID="1" presetClass="entr" presetSubtype="0" fill="hold" nodeType="clickEffect">
+                                  <p:stCondLst>
+                                    <p:cond delay="0"/>
+                                  </p:stCondLst>
+                                  <p:childTnLst>
+                                    <p:set>
+                                      <p:cBhvr>
+                                        <p:cTn id="6" dur="1" fill="hold">
+                                          <p:stCondLst>
+                                            <p:cond delay="0"/>
+                                          </p:stCondLst>
+                                        </p:cTn>
+                                        <p:tgtEl>
+                                          <p:spTgt spid="3">
+                                            <p:txEl>
+                                              <p:pRg st="0" end="0"/>
+                                            </p:txEl>
+                                          </p:spTgt>
+                                        </p:tgtEl>
+                                        <p:attrNameLst>
+                                          <p:attrName>style.visibility</p:attrName>
+                                        </p:attrNameLst>
+                                      </p:cBhvr>
+                                      <p:to>
+                                        <p:strVal val="visible"/>
+                                      </p:to>
+                                    </p:set>
+                                  </p:childTnLst>
+                                </p:cTn>
+                              </p:par>
+                            </p:childTnLst>
+                          </p:cTn>
+                        </p:par>
+                      </p:childTnLst>
+                    </p:cTn>
+                  </p:par>
+                  <p:par>
+                    <p:cTn id="7" fill="hold">
+                      <p:stCondLst>
+                        <p:cond delay="indefinite"/>
+                      </p:stCondLst>
+                      <p:childTnLst>
+                        <p:par>
+                          <p:cTn id="8" fill="hold">
+                            <p:stCondLst>
+                              <p:cond delay="0"/>
+                            </p:stCondLst>
+                            <p:childTnLst>
+                              <p:par>
+                                <p:cTn id="9" presetID="18" presetClass="emph" presetSubtype="0" fill="hold" nodeType="clickEffect">
+                                  <p:stCondLst>
+                                    <p:cond delay="0"/>
+                                  </p:stCondLst>
+                                  <p:iterate type="lt">
+                                    <p:tmPct val="4000"/>
+                                  </p:iterate>
+                                  <p:childTnLst>
+                                    <p:set>
+                                      <p:cBhvr override="childStyle">
+                                        <p:cTn id="10" dur="500" fill="hold"/>
+                                        <p:tgtEl>
+                                          <p:spTgt spid="3">
+                                            <p:txEl>
+                                              <p:pRg st="1" end="1"/>
+                                            </p:txEl>
+                                          </p:spTgt>
+                                        </p:tgtEl>
+                                        <p:attrNameLst>
+                                          <p:attrName>style.textDecorationUnderline</p:attrName>
+                                        </p:attrNameLst>
+                                      </p:cBhvr>
+                                      <p:to>
+                                        <p:strVal val="true"/>
+                                      </p:to>
+                                    </p:set>
+                                  </p:childTnLst>
+                                </p:cTn>
+                              </p:par>
+                            </p:childTnLst>
+                          </p:cTn>
+                        </p:par>
+                      </p:childTnLst>
+                    </p:cTn>
+                  </p:par>
+                  <p:par>
+                    <p:cTn id="11" fill="hold">
+                      <p:stCondLst>
+                        <p:cond delay="indefinite"/>
+                      </p:stCondLst>
+                      <p:childTnLst>
+                        <p:par>
+                          <p:cTn id="12" fill="hold">
+                            <p:stCondLst>
+                              <p:cond delay="0"/>
+                            </p:stCondLst>
+                            <p:childTnLst>
+                              <p:par>
+                                <p:cTn id="13" presetID="1" presetClass="entr" presetSubtype="0" fill="hold" nodeType="clickEffect">
+                                  <p:stCondLst>
+                                    <p:cond delay="0"/>
+                                  </p:stCondLst>
+                                  <p:childTnLst>
+                                    <p:set>
+                                      <p:cBhvr>
+                                        <p:cTn id="14" dur="1" fill="hold">
+                                          <p:stCondLst>
+                                            <p:cond delay="0"/>
+                                          </p:stCondLst>
+                                        </p:cTn>
+                                        <p:tgtEl>
+                                          <p:spTgt spid="3">
+                                            <p:txEl>
+                                              <p:pRg st="2" end="2"/>
+                                            </p:txEl>
+                                          </p:spTgt>
+                                        </p:tgtEl>
+                                        <p:attrNameLst>
+                                          <p:attrName>style.visibility</p:attrName>
+                                        </p:attrNameLst>
+                                      </p:cBhvr>
+                                      <p:to>
+                                        <p:strVal val="visible"/>
+                                      </p:to>
+                                    </p:set>
+                                  </p:childTnLst>
+                                </p:cTn>
+                              </p:par>
+                            </p:childTnLst>
+                          </p:cTn>
+                        </p:par>
+                      </p:childTnLst>
+                    </p:cTn>
+                  </p:par>
+                  <p:par>
+                    <p:cTn id="15" fill="hold">
+                      <p:stCondLst>
+                        <p:cond delay="indefinite"/>
+                      </p:stCondLst>
+                      <p:childTnLst>
+                        <p:par>
+                          <p:cTn id="16" fill="hold">
+                            <p:stCondLst>
+                              <p:cond delay="0"/>
+                            </p:stCondLst>
+                            <p:childTnLst>
+                              <p:par>
+                                <p:cTn id="17" presetID="1" presetClass="entr" presetSubtype="0" fill="hold" nodeType="clickEffect">
+                                  <p:stCondLst>
+                                    <p:cond delay="0"/>
+                                  </p:stCondLst>
+                                  <p:childTnLst>
+                                    <p:set>
+                                      <p:cBhvr>
+                                        <p:cTn id="18" dur="1" fill="hold">
+                                          <p:stCondLst>
+                                            <p:cond delay="0"/>
+                                          </p:stCondLst>
+                                        </p:cTn>
+                                        <p:tgtEl>
+                                          <p:spTgt spid="3">
+                                            <p:txEl>
+                                              <p:pRg st="4" end="4"/>
+                                            </p:txEl>
+                                          </p:spTgt>
+                                        </p:tgtEl>
+                                        <p:attrNameLst>
+                                          <p:attrName>style.visibility</p:attrName>
+                                        </p:attrNameLst>
+                                      </p:cBhvr>
+                                      <p:to>
+                                        <p:strVal val="visible"/>
+                                      </p:to>
+                                    </p:set>
+                                  </p:childTnLst>
+                                </p:cTn>
+                              </p:par>
+                            </p:childTnLst>
+                          </p:cTn>
+                        </p:par>
+                      </p:childTnLst>
+                    </p:cTn>
+                  </p:par>
+                  <p:par>
+                    <p:cTn id="19" fill="hold">
+                      <p:stCondLst>
+                        <p:cond delay="indefinite"/>
+                      </p:stCondLst>
+                      <p:childTnLst>
+                        <p:par>
+                          <p:cTn id="20" fill="hold">
+                            <p:stCondLst>
+                              <p:cond delay="0"/>
+                            </p:stCondLst>
+                            <p:childTnLst>
+                              <p:par>
+                                <p:cTn id="21" presetID="1" presetClass="entr" presetSubtype="0" fill="hold" nodeType="clickEffect">
+                                  <p:stCondLst>
+                                    <p:cond delay="0"/>
+                                  </p:stCondLst>
+                                  <p:childTnLst>
+                                    <p:set>
+                                      <p:cBhvr>
+                                        <p:cTn id="22" dur="1" fill="hold">
+                                          <p:stCondLst>
+                                            <p:cond delay="0"/>
+                                          </p:stCondLst>
+                                        </p:cTn>
+                                        <p:tgtEl>
+                                          <p:spTgt spid="3">
+                                            <p:txEl>
+                                              <p:pRg st="5" end="5"/>
+                                            </p:txEl>
+                                          </p:spTgt>
+                                        </p:tgtEl>
+                                        <p:attrNameLst>
+                                          <p:attrName>style.visibility</p:attrName>
+                                        </p:attrNameLst>
+                                      </p:cBhvr>
+                                      <p:to>
+                                        <p:strVal val="visible"/>
+                                      </p:to>
+                                    </p:set>
+                                  </p:childTnLst>
+                                </p:cTn>
+                              </p:par>
+                            </p:childTnLst>
+                          </p:cTn>
+                        </p:par>
+                      </p:childTnLst>
+                    </p:cTn>
+                  </p:par>
+                  <p:par>
+                    <p:cTn id="23" fill="hold">
+                      <p:stCondLst>
+                        <p:cond delay="indefinite"/>
+                      </p:stCondLst>
+                      <p:childTnLst>
+                        <p:par>
+                          <p:cTn id="24" fill="hold">
+                            <p:stCondLst>
+                              <p:cond delay="0"/>
+                            </p:stCondLst>
+                            <p:childTnLst>
+                              <p:par>
+                                <p:cTn id="25" presetID="1" presetClass="entr" presetSubtype="0" fill="hold" nodeType="clickEffect">
+                                  <p:stCondLst>
+                                    <p:cond delay="0"/>
+                                  </p:stCondLst>
+                                  <p:childTnLst>
+                                    <p:set>
+                                      <p:cBhvr>
+                                        <p:cTn id="26" dur="1" fill="hold">
+                                          <p:stCondLst>
+                                            <p:cond delay="0"/>
+                                          </p:stCondLst>
+                                        </p:cTn>
+                                        <p:tgtEl>
+                                          <p:spTgt spid="3">
+                                            <p:txEl>
+                                              <p:pRg st="6" end="6"/>
+                                            </p:txEl>
+                                          </p:spTgt>
+                                        </p:tgtEl>
+                                        <p:attrNameLst>
+                                          <p:attrName>style.visibility</p:attrName>
+                                        </p:attrNameLst>
+                                      </p:cBhvr>
+                                      <p:to>
+                                        <p:strVal val="visible"/>
+                                      </p:to>
+                                    </p:set>
+                                  </p:childTnLst>
+                                </p:cTn>
+                              </p:par>
+                            </p:childTnLst>
+                          </p:cTn>
+                        </p:par>
+                      </p:childTnLst>
+                    </p:cTn>
+                  </p:par>
+                  <p:par>
+                    <p:cTn id="27" fill="hold">
+                      <p:stCondLst>
+                        <p:cond delay="indefinite"/>
+                      </p:stCondLst>
+                      <p:childTnLst>
+                        <p:par>
+                          <p:cTn id="28" fill="hold">
+                            <p:stCondLst>
+                              <p:cond delay="0"/>
+                            </p:stCondLst>
+                            <p:childTnLst>
+                              <p:par>
+                                <p:cTn id="29" presetID="1" presetClass="entr" presetSubtype="0" fill="hold" nodeType="clickEffect">
+                                  <p:stCondLst>
+                                    <p:cond delay="0"/>
+                                  </p:stCondLst>
+                                  <p:childTnLst>
+                                    <p:set>
+                                      <p:cBhvr>
+                                        <p:cTn id="30" dur="1" fill="hold">
+                                          <p:stCondLst>
+                                            <p:cond delay="0"/>
+                                          </p:stCondLst>
+                                        </p:cTn>
+                                        <p:tgtEl>
+                                          <p:spTgt spid="3">
+                                            <p:txEl>
+                                              <p:pRg st="7" end="7"/>
+                                            </p:txEl>
+                                          </p:spTgt>
+                                        </p:tgtEl>
+                                        <p:attrNameLst>
+                                          <p:attrName>style.visibility</p:attrName>
+                                        </p:attrNameLst>
+                                      </p:cBhvr>
+                                      <p:to>
+                                        <p:strVal val="visible"/>
+                                      </p:to>
+                                    </p:set>
+                                  </p:childTnLst>
+                                </p:cTn>
+                              </p:par>
+                            </p:childTnLst>
+                          </p:cTn>
+                        </p:par>
+                      </p:childTnLst>
+                    </p:cTn>
+                  </p:par>
+                  <p:par>
+                    <p:cTn id="31" fill="hold">
+                      <p:stCondLst>
+                        <p:cond delay="indefinite"/>
+                      </p:stCondLst>
+                      <p:childTnLst>
+                        <p:par>
+                          <p:cTn id="32" fill="hold">
+                            <p:stCondLst>
+                              <p:cond delay="0"/>
+                            </p:stCondLst>
+                            <p:childTnLst>
+                              <p:par>
+                                <p:cTn id="33" presetID="1" presetClass="entr" presetSubtype="0" fill="hold" nodeType="clickEffect">
+                                  <p:stCondLst>
+                                    <p:cond delay="0"/>
+                                  </p:stCondLst>
+                                  <p:childTnLst>
+                                    <p:set>
+                                      <p:cBhvr>
+                                        <p:cTn id="34" dur="1" fill="hold">
+                                          <p:stCondLst>
+                                            <p:cond delay="0"/>
+                                          </p:stCondLst>
+                                        </p:cTn>
+                                        <p:tgtEl>
+                                          <p:spTgt spid="3">
+                                            <p:txEl>
+                                              <p:pRg st="9" end="9"/>
+                                            </p:txEl>
+                                          </p:spTgt>
+                                        </p:tgtEl>
+                                        <p:attrNameLst>
+                                          <p:attrName>style.visibility</p:attrName>
+                                        </p:attrNameLst>
+                                      </p:cBhvr>
+                                      <p:to>
+                                        <p:strVal val="visible"/>
+                                      </p:to>
+                                    </p:set>
+                                  </p:childTnLst>
+                                </p:cTn>
+                              </p:par>
+                            </p:childTnLst>
+                          </p:cTn>
+                        </p:par>
+                      </p:childTnLst>
+                    </p:cTn>
+                  </p:par>
+                  <p:par>
+                    <p:cTn id="35" fill="hold">
+                      <p:stCondLst>
+                        <p:cond delay="indefinite"/>
+                      </p:stCondLst>
+                      <p:childTnLst>
+                        <p:par>
+                          <p:cTn id="36" fill="hold">
+                            <p:stCondLst>
+                              <p:cond delay="0"/>
+                            </p:stCondLst>
+                            <p:childTnLst>
+                              <p:par>
+                                <p:cTn id="37" presetID="1" presetClass="entr" presetSubtype="0" fill="hold" nodeType="clickEffect">
+                                  <p:stCondLst>
+                                    <p:cond delay="0"/>
+                                  </p:stCondLst>
+                                  <p:childTnLst>
+                                    <p:set>
+                                      <p:cBhvr>
+                                        <p:cTn id="38" dur="1" fill="hold">
+                                          <p:stCondLst>
+                                            <p:cond delay="0"/>
+                                          </p:stCondLst>
+                                        </p:cTn>
+                                        <p:tgtEl>
+                                          <p:spTgt spid="3">
+                                            <p:txEl>
+                                              <p:pRg st="10" end="10"/>
+                                            </p:txEl>
+                                          </p:spTgt>
+                                        </p:tgtEl>
+                                        <p:attrNameLst>
+                                          <p:attrName>style.visibility</p:attrName>
+                                        </p:attrNameLst>
+                                      </p:cBhvr>
+                                      <p:to>
+                                        <p:strVal val="visible"/>
+                                      </p:to>
+                                    </p:set>
+                                  </p:childTnLst>
+                                </p:cTn>
+                              </p:par>
+                            </p:childTnLst>
+                          </p:cTn>
+                        </p:par>
+                      </p:childTnLst>
+                    </p:cTn>
+                  </p:par>
+                </p:childTnLst>
+              </p:cTn>
+              <p:prevCondLst>
+                <p:cond evt="onPrev" delay="0">
+                  <p:tgtEl>
+                    <p:sldTgt/>
+                  </p:tgtEl>
+                </p:cond>
+              </p:prevCondLst>
+              <p:nextCondLst>
+                <p:cond evt="onNext" delay="0">
+                  <p:tgtEl>
+                    <p:sldTgt/>
+                  </p:tgtEl>
+                </p:cond>
+              </p:nextCondLst>
+            </p:seq>
+          </p:childTnLst>
+        </p:cTn>
+      </p:par>
+    </p:tnLst>
+  </p:timing>
+</p:sld>
+</file>
+
+<file path=ppt/slides/slide17.xml><?xml version="1.0" encoding="utf-8"?>
+<p:sld xmlns:a="http://schemas.openxmlformats.org/drawingml/2006/main" xmlns:r="http://schemas.openxmlformats.org/officeDocument/2006/relationships" xmlns:p="http://schemas.openxmlformats.org/presentationml/2006/main">
+  <p:cSld>
+    <p:spTree>
+      <p:nvGrpSpPr>
+        <p:cNvPr id="1" name=""/>
+        <p:cNvGrpSpPr/>
+        <p:nvPr/>
+      </p:nvGrpSpPr>
+      <p:grpSpPr>
+        <a:xfrm>
+          <a:off x="0" y="0"/>
+          <a:ext cx="0" cy="0"/>
+          <a:chOff x="0" y="0"/>
+          <a:chExt cx="0" cy="0"/>
+        </a:xfrm>
+      </p:grpSpPr>
+      <p:sp>
+        <p:nvSpPr>
+          <p:cNvPr id="2" name="Title 1"/>
+          <p:cNvSpPr>
+            <a:spLocks noGrp="1"/>
+          </p:cNvSpPr>
+          <p:nvPr>
+            <p:ph type="title"/>
+          </p:nvPr>
+        </p:nvSpPr>
+        <p:spPr/>
+        <p:txBody>
+          <a:bodyPr/>
+          <a:lstStyle/>
+          <a:p>
+            <a:r>
+              <a:rPr lang="en-US" dirty="0" smtClean="0"/>
+              <a:t>Bivalent Data </a:t>
+            </a:r>
+            <a:r>
+              <a:rPr lang="en-US" dirty="0"/>
+              <a:t>S</a:t>
+            </a:r>
+            <a:r>
+              <a:rPr lang="en-US" dirty="0" smtClean="0"/>
+              <a:t>ex Specific Results</a:t>
+            </a:r>
+            <a:endParaRPr lang="en-US" dirty="0"/>
+          </a:p>
+        </p:txBody>
+      </p:sp>
+      <p:sp>
+        <p:nvSpPr>
+          <p:cNvPr id="5" name="Content Placeholder 2"/>
+          <p:cNvSpPr txBox="1">
+            <a:spLocks/>
+          </p:cNvSpPr>
+          <p:nvPr/>
+        </p:nvSpPr>
+        <p:spPr>
+          <a:xfrm>
+            <a:off x="674076" y="1872517"/>
+            <a:ext cx="11194835" cy="4583147"/>
+          </a:xfrm>
+          <a:prstGeom prst="rect">
+            <a:avLst/>
+          </a:prstGeom>
+        </p:spPr>
+        <p:txBody>
+          <a:bodyPr vert="horz" lIns="91440" tIns="45720" rIns="91440" bIns="45720" rtlCol="0">
+            <a:normAutofit/>
+          </a:bodyPr>
+          <a:lstStyle>
+            <a:lvl1pPr marL="228600" indent="-228600" algn="l" defTabSz="914400" rtl="0" eaLnBrk="1" latinLnBrk="0" hangingPunct="1">
+              <a:lnSpc>
+                <a:spcPct val="90000"/>
+              </a:lnSpc>
+              <a:spcBef>
+                <a:spcPts val="1000"/>
+              </a:spcBef>
+              <a:buFont typeface="Arial" panose="020B0604020202020204" pitchFamily="34" charset="0"/>
+              <a:buChar char="•"/>
+              <a:defRPr sz="2800" kern="1200">
+                <a:solidFill>
+                  <a:schemeClr val="tx1"/>
+                </a:solidFill>
+                <a:latin typeface="+mn-lt"/>
+                <a:ea typeface="+mn-ea"/>
+                <a:cs typeface="+mn-cs"/>
+              </a:defRPr>
+            </a:lvl1pPr>
+            <a:lvl2pPr marL="685800" indent="-228600" algn="l" defTabSz="914400" rtl="0" eaLnBrk="1" latinLnBrk="0" hangingPunct="1">
+              <a:lnSpc>
+                <a:spcPct val="90000"/>
+              </a:lnSpc>
+              <a:spcBef>
+                <a:spcPts val="500"/>
+              </a:spcBef>
+              <a:buFont typeface="Arial" panose="020B0604020202020204" pitchFamily="34" charset="0"/>
+              <a:buChar char="•"/>
+              <a:defRPr sz="2400" kern="1200">
+                <a:solidFill>
+                  <a:schemeClr val="tx1"/>
+                </a:solidFill>
+                <a:latin typeface="+mn-lt"/>
+                <a:ea typeface="+mn-ea"/>
+                <a:cs typeface="+mn-cs"/>
+              </a:defRPr>
+            </a:lvl2pPr>
+            <a:lvl3pPr marL="1143000" indent="-228600" algn="l" defTabSz="914400" rtl="0" eaLnBrk="1" latinLnBrk="0" hangingPunct="1">
+              <a:lnSpc>
+                <a:spcPct val="90000"/>
+              </a:lnSpc>
+              <a:spcBef>
+                <a:spcPts val="500"/>
+              </a:spcBef>
+              <a:buFont typeface="Arial" panose="020B0604020202020204" pitchFamily="34" charset="0"/>
+              <a:buChar char="•"/>
+              <a:defRPr sz="2000" kern="1200">
+                <a:solidFill>
+                  <a:schemeClr val="tx1"/>
+                </a:solidFill>
+                <a:latin typeface="+mn-lt"/>
+                <a:ea typeface="+mn-ea"/>
+                <a:cs typeface="+mn-cs"/>
+              </a:defRPr>
+            </a:lvl3pPr>
+            <a:lvl4pPr marL="1600200" indent="-228600" algn="l" defTabSz="914400" rtl="0" eaLnBrk="1" latinLnBrk="0" hangingPunct="1">
+              <a:lnSpc>
+                <a:spcPct val="90000"/>
+              </a:lnSpc>
+              <a:spcBef>
+                <a:spcPts val="500"/>
+              </a:spcBef>
+              <a:buFont typeface="Arial" panose="020B0604020202020204" pitchFamily="34" charset="0"/>
+              <a:buChar char="•"/>
+              <a:defRPr sz="1800" kern="1200">
+                <a:solidFill>
+                  <a:schemeClr val="tx1"/>
+                </a:solidFill>
+                <a:latin typeface="+mn-lt"/>
+                <a:ea typeface="+mn-ea"/>
+                <a:cs typeface="+mn-cs"/>
+              </a:defRPr>
+            </a:lvl4pPr>
+            <a:lvl5pPr marL="2057400" indent="-228600" algn="l" defTabSz="914400" rtl="0" eaLnBrk="1" latinLnBrk="0" hangingPunct="1">
+              <a:lnSpc>
+                <a:spcPct val="90000"/>
+              </a:lnSpc>
+              <a:spcBef>
+                <a:spcPts val="500"/>
+              </a:spcBef>
+              <a:buFont typeface="Arial" panose="020B0604020202020204" pitchFamily="34" charset="0"/>
+              <a:buChar char="•"/>
+              <a:defRPr sz="1800" kern="1200">
+                <a:solidFill>
+                  <a:schemeClr val="tx1"/>
+                </a:solidFill>
+                <a:latin typeface="+mn-lt"/>
+                <a:ea typeface="+mn-ea"/>
+                <a:cs typeface="+mn-cs"/>
+              </a:defRPr>
+            </a:lvl5pPr>
+            <a:lvl6pPr marL="2514600" indent="-228600" algn="l" defTabSz="914400" rtl="0" eaLnBrk="1" latinLnBrk="0" hangingPunct="1">
+              <a:lnSpc>
+                <a:spcPct val="90000"/>
+              </a:lnSpc>
+              <a:spcBef>
+                <a:spcPts val="500"/>
+              </a:spcBef>
+              <a:buFont typeface="Arial" panose="020B0604020202020204" pitchFamily="34" charset="0"/>
+              <a:buChar char="•"/>
+              <a:defRPr sz="1800" kern="1200">
+                <a:solidFill>
+                  <a:schemeClr val="tx1"/>
+                </a:solidFill>
+                <a:latin typeface="+mn-lt"/>
+                <a:ea typeface="+mn-ea"/>
+                <a:cs typeface="+mn-cs"/>
+              </a:defRPr>
+            </a:lvl6pPr>
+            <a:lvl7pPr marL="2971800" indent="-228600" algn="l" defTabSz="914400" rtl="0" eaLnBrk="1" latinLnBrk="0" hangingPunct="1">
+              <a:lnSpc>
+                <a:spcPct val="90000"/>
+              </a:lnSpc>
+              <a:spcBef>
+                <a:spcPts val="500"/>
+              </a:spcBef>
+              <a:buFont typeface="Arial" panose="020B0604020202020204" pitchFamily="34" charset="0"/>
+              <a:buChar char="•"/>
+              <a:defRPr sz="1800" kern="1200">
+                <a:solidFill>
+                  <a:schemeClr val="tx1"/>
+                </a:solidFill>
+                <a:latin typeface="+mn-lt"/>
+                <a:ea typeface="+mn-ea"/>
+                <a:cs typeface="+mn-cs"/>
+              </a:defRPr>
+            </a:lvl7pPr>
+            <a:lvl8pPr marL="3429000" indent="-228600" algn="l" defTabSz="914400" rtl="0" eaLnBrk="1" latinLnBrk="0" hangingPunct="1">
+              <a:lnSpc>
+                <a:spcPct val="90000"/>
+              </a:lnSpc>
+              <a:spcBef>
+                <a:spcPts val="500"/>
+              </a:spcBef>
+              <a:buFont typeface="Arial" panose="020B0604020202020204" pitchFamily="34" charset="0"/>
+              <a:buChar char="•"/>
+              <a:defRPr sz="1800" kern="1200">
+                <a:solidFill>
+                  <a:schemeClr val="tx1"/>
+                </a:solidFill>
+                <a:latin typeface="+mn-lt"/>
+                <a:ea typeface="+mn-ea"/>
+                <a:cs typeface="+mn-cs"/>
+              </a:defRPr>
+            </a:lvl8pPr>
+            <a:lvl9pPr marL="3886200" indent="-228600" algn="l" defTabSz="914400" rtl="0" eaLnBrk="1" latinLnBrk="0" hangingPunct="1">
+              <a:lnSpc>
+                <a:spcPct val="90000"/>
+              </a:lnSpc>
+              <a:spcBef>
+                <a:spcPts val="500"/>
+              </a:spcBef>
+              <a:buFont typeface="Arial" panose="020B0604020202020204" pitchFamily="34" charset="0"/>
+              <a:buChar char="•"/>
+              <a:defRPr sz="1800" kern="1200">
+                <a:solidFill>
+                  <a:schemeClr val="tx1"/>
+                </a:solidFill>
+                <a:latin typeface="+mn-lt"/>
+                <a:ea typeface="+mn-ea"/>
+                <a:cs typeface="+mn-cs"/>
+              </a:defRPr>
+            </a:lvl9pPr>
+          </a:lstStyle>
+          <a:p>
+            <a:pPr marL="0" indent="0">
+              <a:buNone/>
+            </a:pPr>
+            <a:r>
+              <a:rPr lang="en-US" dirty="0" smtClean="0"/>
+              <a:t>(tests used – the same mixed model)</a:t>
+            </a:r>
+          </a:p>
+          <a:p>
+            <a:pPr marL="0" indent="0">
+              <a:buNone/>
+            </a:pPr>
+            <a:r>
+              <a:rPr lang="en-US" dirty="0" smtClean="0"/>
+              <a:t>Framework ()</a:t>
+            </a:r>
+          </a:p>
+          <a:p>
+            <a:pPr marL="0" indent="0">
+              <a:buNone/>
+            </a:pPr>
+            <a:r>
+              <a:rPr lang="en-US" dirty="0" smtClean="0"/>
+              <a:t>1. </a:t>
+            </a:r>
+            <a:r>
+              <a:rPr lang="en-US" dirty="0" err="1" smtClean="0"/>
+              <a:t>lme</a:t>
+            </a:r>
+            <a:r>
+              <a:rPr lang="en-US" dirty="0" smtClean="0"/>
+              <a:t>(</a:t>
+            </a:r>
+            <a:r>
+              <a:rPr lang="en-US" dirty="0" err="1" smtClean="0"/>
+              <a:t>mean_co</a:t>
+            </a:r>
+            <a:r>
+              <a:rPr lang="en-US" dirty="0" smtClean="0"/>
+              <a:t> </a:t>
+            </a:r>
+            <a:r>
+              <a:rPr lang="en-US" dirty="0"/>
+              <a:t>~ </a:t>
+            </a:r>
+            <a:r>
+              <a:rPr lang="en-US" dirty="0" err="1"/>
+              <a:t>subsp</a:t>
+            </a:r>
+            <a:r>
+              <a:rPr lang="en-US" dirty="0"/>
+              <a:t> * </a:t>
+            </a:r>
+            <a:r>
+              <a:rPr lang="en-US" dirty="0" smtClean="0"/>
+              <a:t>sex + (1|strain)</a:t>
+            </a:r>
+          </a:p>
+          <a:p>
+            <a:pPr marL="0" indent="0">
+              <a:buNone/>
+            </a:pPr>
+            <a:r>
+              <a:rPr lang="en-US" dirty="0" smtClean="0"/>
+              <a:t>2. lm( mouse av. metric) ~ sex * strain</a:t>
+            </a:r>
+          </a:p>
+          <a:p>
+            <a:pPr marL="0" indent="0">
+              <a:buNone/>
+            </a:pPr>
+            <a:endParaRPr lang="en-US" dirty="0"/>
+          </a:p>
+          <a:p>
+            <a:pPr marL="0" indent="0">
+              <a:buNone/>
+            </a:pPr>
+            <a:r>
+              <a:rPr lang="en-US" dirty="0" smtClean="0"/>
+              <a:t>1.</a:t>
+            </a:r>
+            <a:r>
+              <a:rPr lang="en-US" b="1" i="1" dirty="0" smtClean="0"/>
+              <a:t> SC length will be sexually dimorphic </a:t>
+            </a:r>
+            <a:endParaRPr lang="en-US" dirty="0" smtClean="0"/>
+          </a:p>
+          <a:p>
+            <a:pPr marL="0" indent="0">
+              <a:buNone/>
+            </a:pPr>
+            <a:r>
+              <a:rPr lang="en-US" dirty="0" smtClean="0"/>
+              <a:t>2. </a:t>
+            </a:r>
+            <a:r>
+              <a:rPr lang="en-US" b="1" i="1" dirty="0" smtClean="0"/>
+              <a:t>1CO normalized positions will be sexually dimorphic</a:t>
+            </a:r>
+            <a:endParaRPr lang="en-US" dirty="0" smtClean="0"/>
+          </a:p>
+          <a:p>
+            <a:pPr marL="0" indent="0">
+              <a:buNone/>
+            </a:pPr>
+            <a:r>
+              <a:rPr lang="en-US" dirty="0" smtClean="0"/>
+              <a:t>3. </a:t>
+            </a:r>
+            <a:r>
+              <a:rPr lang="en-US" b="1" i="1" dirty="0" smtClean="0"/>
+              <a:t>No difference in physical distance between foci on the same bivalent.</a:t>
+            </a:r>
+          </a:p>
+          <a:p>
+            <a:pPr marL="0" indent="0">
+              <a:buNone/>
+            </a:pPr>
+            <a:endParaRPr lang="en-US" b="1" i="1" dirty="0" smtClean="0"/>
+          </a:p>
+        </p:txBody>
+      </p:sp>
+      <p:pic>
+        <p:nvPicPr>
+          <p:cNvPr id="6" name="Picture 5"/>
+          <p:cNvPicPr>
+            <a:picLocks/>
+          </p:cNvPicPr>
+          <p:nvPr/>
+        </p:nvPicPr>
+        <p:blipFill>
+          <a:blip r:embed="rId3"/>
+          <a:stretch>
+            <a:fillRect/>
+          </a:stretch>
+        </p:blipFill>
+        <p:spPr>
+          <a:xfrm>
+            <a:off x="7998228" y="4712218"/>
+            <a:ext cx="628650" cy="590550"/>
+          </a:xfrm>
+          <a:prstGeom prst="rect">
+            <a:avLst/>
+          </a:prstGeom>
+        </p:spPr>
+      </p:pic>
+      <p:pic>
+        <p:nvPicPr>
+          <p:cNvPr id="7" name="Picture 6"/>
+          <p:cNvPicPr>
+            <a:picLocks/>
+          </p:cNvPicPr>
+          <p:nvPr/>
+        </p:nvPicPr>
+        <p:blipFill>
+          <a:blip r:embed="rId3"/>
+          <a:stretch>
+            <a:fillRect/>
+          </a:stretch>
+        </p:blipFill>
+        <p:spPr>
+          <a:xfrm>
+            <a:off x="10279853" y="5188332"/>
+            <a:ext cx="628650" cy="590550"/>
+          </a:xfrm>
+          <a:prstGeom prst="rect">
+            <a:avLst/>
+          </a:prstGeom>
+        </p:spPr>
+      </p:pic>
+      <p:pic>
+        <p:nvPicPr>
+          <p:cNvPr id="8" name="Picture 7"/>
+          <p:cNvPicPr>
+            <a:picLocks/>
+          </p:cNvPicPr>
+          <p:nvPr/>
+        </p:nvPicPr>
+        <p:blipFill>
+          <a:blip r:embed="rId4"/>
+          <a:stretch>
+            <a:fillRect/>
+          </a:stretch>
+        </p:blipFill>
+        <p:spPr>
+          <a:xfrm>
+            <a:off x="11405605" y="5932643"/>
+            <a:ext cx="926611" cy="704850"/>
+          </a:xfrm>
+          <a:prstGeom prst="rect">
+            <a:avLst/>
+          </a:prstGeom>
+        </p:spPr>
+      </p:pic>
+    </p:spTree>
+    <p:extLst>
+      <p:ext uri="{BB962C8B-B14F-4D97-AF65-F5344CB8AC3E}">
+        <p14:creationId xmlns:p14="http://schemas.microsoft.com/office/powerpoint/2010/main" val="2289671514"/>
+      </p:ext>
+    </p:extLst>
+  </p:cSld>
+  <p:clrMapOvr>
+    <a:masterClrMapping/>
+  </p:clrMapOvr>
+  <p:timing>
+    <p:tnLst>
+      <p:par>
+        <p:cTn id="1" dur="indefinite" restart="never" nodeType="tmRoot">
+          <p:childTnLst>
+            <p:seq concurrent="1" nextAc="seek">
+              <p:cTn id="2" dur="indefinite" nodeType="mainSeq">
+                <p:childTnLst>
+                  <p:par>
+                    <p:cTn id="3" fill="hold">
+                      <p:stCondLst>
+                        <p:cond delay="indefinite"/>
+                      </p:stCondLst>
+                      <p:childTnLst>
+                        <p:par>
+                          <p:cTn id="4" fill="hold">
+                            <p:stCondLst>
+                              <p:cond delay="0"/>
+                            </p:stCondLst>
+                            <p:childTnLst>
+                              <p:par>
+                                <p:cTn id="5" presetID="1" presetClass="entr" presetSubtype="0" fill="hold" nodeType="clickEffect">
+                                  <p:stCondLst>
+                                    <p:cond delay="0"/>
+                                  </p:stCondLst>
+                                  <p:childTnLst>
+                                    <p:set>
+                                      <p:cBhvr>
+                                        <p:cTn id="6" dur="1" fill="hold">
+                                          <p:stCondLst>
+                                            <p:cond delay="0"/>
+                                          </p:stCondLst>
+                                        </p:cTn>
+                                        <p:tgtEl>
+                                          <p:spTgt spid="6"/>
+                                        </p:tgtEl>
+                                        <p:attrNameLst>
+                                          <p:attrName>style.visibility</p:attrName>
+                                        </p:attrNameLst>
+                                      </p:cBhvr>
+                                      <p:to>
+                                        <p:strVal val="visible"/>
+                                      </p:to>
+                                    </p:set>
+                                  </p:childTnLst>
+                                </p:cTn>
+                              </p:par>
+                            </p:childTnLst>
+                          </p:cTn>
+                        </p:par>
+                      </p:childTnLst>
+                    </p:cTn>
+                  </p:par>
+                  <p:par>
+                    <p:cTn id="7" fill="hold">
+                      <p:stCondLst>
+                        <p:cond delay="indefinite"/>
+                      </p:stCondLst>
+                      <p:childTnLst>
+                        <p:par>
+                          <p:cTn id="8" fill="hold">
+                            <p:stCondLst>
+                              <p:cond delay="0"/>
+                            </p:stCondLst>
+                            <p:childTnLst>
+                              <p:par>
+                                <p:cTn id="9" presetID="1" presetClass="entr" presetSubtype="0" fill="hold" nodeType="clickEffect">
+                                  <p:stCondLst>
+                                    <p:cond delay="0"/>
+                                  </p:stCondLst>
+                                  <p:childTnLst>
+                                    <p:set>
+                                      <p:cBhvr>
+                                        <p:cTn id="10" dur="1" fill="hold">
+                                          <p:stCondLst>
+                                            <p:cond delay="0"/>
+                                          </p:stCondLst>
+                                        </p:cTn>
+                                        <p:tgtEl>
+                                          <p:spTgt spid="7"/>
+                                        </p:tgtEl>
+                                        <p:attrNameLst>
+                                          <p:attrName>style.visibility</p:attrName>
+                                        </p:attrNameLst>
+                                      </p:cBhvr>
+                                      <p:to>
+                                        <p:strVal val="visible"/>
+                                      </p:to>
+                                    </p:set>
+                                  </p:childTnLst>
+                                </p:cTn>
+                              </p:par>
+                            </p:childTnLst>
+                          </p:cTn>
+                        </p:par>
+                      </p:childTnLst>
+                    </p:cTn>
+                  </p:par>
+                  <p:par>
+                    <p:cTn id="11" fill="hold">
+                      <p:stCondLst>
+                        <p:cond delay="indefinite"/>
+                      </p:stCondLst>
+                      <p:childTnLst>
+                        <p:par>
+                          <p:cTn id="12" fill="hold">
+                            <p:stCondLst>
+                              <p:cond delay="0"/>
+                            </p:stCondLst>
+                            <p:childTnLst>
+                              <p:par>
+                                <p:cTn id="13" presetID="1" presetClass="entr" presetSubtype="0" fill="hold" nodeType="clickEffect">
+                                  <p:stCondLst>
+                                    <p:cond delay="0"/>
+                                  </p:stCondLst>
+                                  <p:childTnLst>
+                                    <p:set>
+                                      <p:cBhvr>
+                                        <p:cTn id="14" dur="1" fill="hold">
+                                          <p:stCondLst>
+                                            <p:cond delay="0"/>
+                                          </p:stCondLst>
+                                        </p:cTn>
+                                        <p:tgtEl>
+                                          <p:spTgt spid="8"/>
+                                        </p:tgtEl>
+                                        <p:attrNameLst>
+                                          <p:attrName>style.visibility</p:attrName>
+                                        </p:attrNameLst>
+                                      </p:cBhvr>
+                                      <p:to>
+                                        <p:strVal val="visible"/>
+                                      </p:to>
+                                    </p:set>
+                                  </p:childTnLst>
+                                </p:cTn>
+                              </p:par>
+                            </p:childTnLst>
+                          </p:cTn>
+                        </p:par>
+                      </p:childTnLst>
+                    </p:cTn>
+                  </p:par>
+                </p:childTnLst>
+              </p:cTn>
+              <p:prevCondLst>
+                <p:cond evt="onPrev" delay="0">
+                  <p:tgtEl>
+                    <p:sldTgt/>
+                  </p:tgtEl>
+                </p:cond>
+              </p:prevCondLst>
+              <p:nextCondLst>
+                <p:cond evt="onNext" delay="0">
+                  <p:tgtEl>
+                    <p:sldTgt/>
+                  </p:tgtEl>
+                </p:cond>
+              </p:nextCondLst>
+            </p:seq>
+          </p:childTnLst>
+        </p:cTn>
+      </p:par>
+    </p:tnLst>
+  </p:timing>
+</p:sld>
+</file>
+
+<file path=ppt/slides/slide18.xml><?xml version="1.0" encoding="utf-8"?>
+<p:sld xmlns:a="http://schemas.openxmlformats.org/drawingml/2006/main" xmlns:r="http://schemas.openxmlformats.org/officeDocument/2006/relationships" xmlns:p="http://schemas.openxmlformats.org/presentationml/2006/main">
+  <p:cSld>
+    <p:spTree>
+      <p:nvGrpSpPr>
+        <p:cNvPr id="1" name=""/>
+        <p:cNvGrpSpPr/>
+        <p:nvPr/>
+      </p:nvGrpSpPr>
+      <p:grpSpPr>
+        <a:xfrm>
+          <a:off x="0" y="0"/>
+          <a:ext cx="0" cy="0"/>
+          <a:chOff x="0" y="0"/>
+          <a:chExt cx="0" cy="0"/>
+        </a:xfrm>
+      </p:grpSpPr>
       <p:pic>
         <p:nvPicPr>
           <p:cNvPr id="4" name="Picture 3"/>
@@ -7320,7 +10041,7 @@
 </p:sld>
 </file>
 
-<file path=ppt/slides/slide11.xml><?xml version="1.0" encoding="utf-8"?>
+<file path=ppt/slides/slide19.xml><?xml version="1.0" encoding="utf-8"?>
 <p:sld xmlns:a="http://schemas.openxmlformats.org/drawingml/2006/main" xmlns:r="http://schemas.openxmlformats.org/officeDocument/2006/relationships" xmlns:p="http://schemas.openxmlformats.org/presentationml/2006/main">
   <p:cSld>
     <p:spTree>
@@ -7663,7 +10384,173 @@
 </p:sld>
 </file>
 
-<file path=ppt/slides/slide12.xml><?xml version="1.0" encoding="utf-8"?>
+<file path=ppt/slides/slide2.xml><?xml version="1.0" encoding="utf-8"?>
+<p:sld xmlns:a="http://schemas.openxmlformats.org/drawingml/2006/main" xmlns:r="http://schemas.openxmlformats.org/officeDocument/2006/relationships" xmlns:p="http://schemas.openxmlformats.org/presentationml/2006/main">
+  <p:cSld>
+    <p:spTree>
+      <p:nvGrpSpPr>
+        <p:cNvPr id="1" name=""/>
+        <p:cNvGrpSpPr/>
+        <p:nvPr/>
+      </p:nvGrpSpPr>
+      <p:grpSpPr>
+        <a:xfrm>
+          <a:off x="0" y="0"/>
+          <a:ext cx="0" cy="0"/>
+          <a:chOff x="0" y="0"/>
+          <a:chExt cx="0" cy="0"/>
+        </a:xfrm>
+      </p:grpSpPr>
+      <p:sp>
+        <p:nvSpPr>
+          <p:cNvPr id="2" name="Title 1"/>
+          <p:cNvSpPr>
+            <a:spLocks noGrp="1"/>
+          </p:cNvSpPr>
+          <p:nvPr>
+            <p:ph type="title"/>
+          </p:nvPr>
+        </p:nvSpPr>
+        <p:spPr/>
+        <p:txBody>
+          <a:bodyPr/>
+          <a:lstStyle/>
+          <a:p>
+            <a:r>
+              <a:rPr lang="en-US" dirty="0" smtClean="0"/>
+              <a:t>Background (how does heterochiasmy evolve given sex specific traits/ patterns)</a:t>
+            </a:r>
+            <a:endParaRPr lang="en-US" dirty="0"/>
+          </a:p>
+        </p:txBody>
+      </p:sp>
+      <p:sp>
+        <p:nvSpPr>
+          <p:cNvPr id="3" name="Content Placeholder 2"/>
+          <p:cNvSpPr>
+            <a:spLocks noGrp="1"/>
+          </p:cNvSpPr>
+          <p:nvPr>
+            <p:ph idx="1"/>
+          </p:nvPr>
+        </p:nvSpPr>
+        <p:spPr/>
+        <p:txBody>
+          <a:bodyPr>
+            <a:normAutofit lnSpcReduction="10000"/>
+          </a:bodyPr>
+          <a:lstStyle/>
+          <a:p>
+            <a:pPr marL="0" indent="0">
+              <a:buNone/>
+            </a:pPr>
+            <a:r>
+              <a:rPr lang="en-US" dirty="0" smtClean="0"/>
+              <a:t>(FINAL MM / GLM syntax)</a:t>
+            </a:r>
+          </a:p>
+          <a:p>
+            <a:endParaRPr lang="en-US" dirty="0"/>
+          </a:p>
+          <a:p>
+            <a:r>
+              <a:rPr lang="en-US" dirty="0" smtClean="0"/>
+              <a:t>Basic frame work – to investigate the patterns of variation and evolution – use Mixed model;</a:t>
+            </a:r>
+          </a:p>
+          <a:p>
+            <a:pPr marL="0" indent="0">
+              <a:buNone/>
+            </a:pPr>
+            <a:r>
+              <a:rPr lang="en-US" dirty="0" smtClean="0"/>
+              <a:t>- </a:t>
+            </a:r>
+            <a:r>
+              <a:rPr lang="en-US" dirty="0" err="1" smtClean="0"/>
+              <a:t>Subsp</a:t>
+            </a:r>
+            <a:r>
+              <a:rPr lang="en-US" dirty="0" smtClean="0"/>
+              <a:t> -- ( divergence in the evolution of </a:t>
+            </a:r>
+            <a:r>
+              <a:rPr lang="en-US" dirty="0" err="1" smtClean="0"/>
+              <a:t>gwRR</a:t>
+            </a:r>
+            <a:r>
+              <a:rPr lang="en-US" dirty="0" smtClean="0"/>
+              <a:t>)</a:t>
+            </a:r>
+            <a:endParaRPr lang="en-US" dirty="0"/>
+          </a:p>
+          <a:p>
+            <a:pPr>
+              <a:buFontTx/>
+              <a:buChar char="-"/>
+            </a:pPr>
+            <a:r>
+              <a:rPr lang="en-US" dirty="0" smtClean="0"/>
+              <a:t>Sex – sex specific factors</a:t>
+            </a:r>
+          </a:p>
+          <a:p>
+            <a:pPr>
+              <a:buFontTx/>
+              <a:buChar char="-"/>
+            </a:pPr>
+            <a:r>
+              <a:rPr lang="en-US" dirty="0" smtClean="0"/>
+              <a:t>Interaction (synergistic effect of the two factors)</a:t>
+            </a:r>
+          </a:p>
+          <a:p>
+            <a:pPr>
+              <a:buFontTx/>
+              <a:buChar char="-"/>
+            </a:pPr>
+            <a:r>
+              <a:rPr lang="en-US" dirty="0" smtClean="0"/>
+              <a:t>-</a:t>
+            </a:r>
+            <a:r>
+              <a:rPr lang="en-US" i="1" dirty="0" smtClean="0"/>
+              <a:t>strain  -- polymorphism</a:t>
+            </a:r>
+          </a:p>
+          <a:p>
+            <a:pPr marL="0" indent="0">
+              <a:buNone/>
+            </a:pPr>
+            <a:r>
+              <a:rPr lang="en-US" dirty="0" smtClean="0"/>
+              <a:t>No clear significant effects… is this </a:t>
+            </a:r>
+            <a:endParaRPr lang="en-US" dirty="0"/>
+          </a:p>
+        </p:txBody>
+      </p:sp>
+    </p:spTree>
+    <p:extLst>
+      <p:ext uri="{BB962C8B-B14F-4D97-AF65-F5344CB8AC3E}">
+        <p14:creationId xmlns:p14="http://schemas.microsoft.com/office/powerpoint/2010/main" val="2783413310"/>
+      </p:ext>
+    </p:extLst>
+  </p:cSld>
+  <p:clrMapOvr>
+    <a:masterClrMapping/>
+  </p:clrMapOvr>
+  <p:timing>
+    <p:tnLst>
+      <p:par>
+        <p:cTn id="1" dur="indefinite" restart="never" nodeType="tmRoot"/>
+      </p:par>
+    </p:tnLst>
+  </p:timing>
+</p:sld>
+</file>
+
+<file path=ppt/slides/slide20.xml><?xml version="1.0" encoding="utf-8"?>
 <p:sld xmlns:a="http://schemas.openxmlformats.org/drawingml/2006/main" xmlns:r="http://schemas.openxmlformats.org/officeDocument/2006/relationships" xmlns:p="http://schemas.openxmlformats.org/presentationml/2006/main">
   <p:cSld>
     <p:spTree>
@@ -8049,7 +10936,7 @@
 </p:sld>
 </file>
 
-<file path=ppt/slides/slide13.xml><?xml version="1.0" encoding="utf-8"?>
+<file path=ppt/slides/slide21.xml><?xml version="1.0" encoding="utf-8"?>
 <p:sld xmlns:a="http://schemas.openxmlformats.org/drawingml/2006/main" xmlns:r="http://schemas.openxmlformats.org/officeDocument/2006/relationships" xmlns:p="http://schemas.openxmlformats.org/presentationml/2006/main">
   <p:cSld>
     <p:spTree>
@@ -8192,7 +11079,7 @@
 </p:sld>
 </file>
 
-<file path=ppt/slides/slide14.xml><?xml version="1.0" encoding="utf-8"?>
+<file path=ppt/slides/slide22.xml><?xml version="1.0" encoding="utf-8"?>
 <p:sld xmlns:a="http://schemas.openxmlformats.org/drawingml/2006/main" xmlns:r="http://schemas.openxmlformats.org/officeDocument/2006/relationships" xmlns:p="http://schemas.openxmlformats.org/presentationml/2006/main">
   <p:cSld>
     <p:spTree>
@@ -8299,7 +11186,7 @@
 </p:sld>
 </file>
 
-<file path=ppt/slides/slide15.xml><?xml version="1.0" encoding="utf-8"?>
+<file path=ppt/slides/slide23.xml><?xml version="1.0" encoding="utf-8"?>
 <p:sld xmlns:a="http://schemas.openxmlformats.org/drawingml/2006/main" xmlns:r="http://schemas.openxmlformats.org/officeDocument/2006/relationships" xmlns:p="http://schemas.openxmlformats.org/presentationml/2006/main">
   <p:cSld>
     <p:spTree>
@@ -8432,7 +11319,7 @@
 </p:sld>
 </file>
 
-<file path=ppt/slides/slide16.xml><?xml version="1.0" encoding="utf-8"?>
+<file path=ppt/slides/slide24.xml><?xml version="1.0" encoding="utf-8"?>
 <p:sld xmlns:a="http://schemas.openxmlformats.org/drawingml/2006/main" xmlns:r="http://schemas.openxmlformats.org/officeDocument/2006/relationships" xmlns:p="http://schemas.openxmlformats.org/presentationml/2006/main">
   <p:cSld>
     <p:spTree>
@@ -8588,7 +11475,7 @@
 </p:sld>
 </file>
 
-<file path=ppt/slides/slide17.xml><?xml version="1.0" encoding="utf-8"?>
+<file path=ppt/slides/slide25.xml><?xml version="1.0" encoding="utf-8"?>
 <p:sld xmlns:a="http://schemas.openxmlformats.org/drawingml/2006/main" xmlns:r="http://schemas.openxmlformats.org/officeDocument/2006/relationships" xmlns:p="http://schemas.openxmlformats.org/presentationml/2006/main">
   <p:cSld>
     <p:spTree>
@@ -9213,7 +12100,7 @@
 </p:sld>
 </file>
 
-<file path=ppt/slides/slide18.xml><?xml version="1.0" encoding="utf-8"?>
+<file path=ppt/slides/slide26.xml><?xml version="1.0" encoding="utf-8"?>
 <p:sld xmlns:a="http://schemas.openxmlformats.org/drawingml/2006/main" xmlns:r="http://schemas.openxmlformats.org/officeDocument/2006/relationships" xmlns:p="http://schemas.openxmlformats.org/presentationml/2006/main">
   <p:cSld>
     <p:spTree>
@@ -9410,7 +12297,7 @@
 </p:sld>
 </file>
 
-<file path=ppt/slides/slide19.xml><?xml version="1.0" encoding="utf-8"?>
+<file path=ppt/slides/slide27.xml><?xml version="1.0" encoding="utf-8"?>
 <p:sld xmlns:a="http://schemas.openxmlformats.org/drawingml/2006/main" xmlns:r="http://schemas.openxmlformats.org/officeDocument/2006/relationships" xmlns:p="http://schemas.openxmlformats.org/presentationml/2006/main">
   <p:cSld>
     <p:spTree>
@@ -10049,7 +12936,7 @@
 </p:sld>
 </file>
 
-<file path=ppt/slides/slide2.xml><?xml version="1.0" encoding="utf-8"?>
+<file path=ppt/slides/slide28.xml><?xml version="1.0" encoding="utf-8"?>
 <p:sld xmlns:a="http://schemas.openxmlformats.org/drawingml/2006/main" xmlns:r="http://schemas.openxmlformats.org/officeDocument/2006/relationships" xmlns:p="http://schemas.openxmlformats.org/presentationml/2006/main">
   <p:cSld>
     <p:spTree>
@@ -10081,172 +12968,6 @@
           <a:bodyPr/>
           <a:lstStyle/>
           <a:p>
-            <a:r>
-              <a:rPr lang="en-US" dirty="0" smtClean="0"/>
-              <a:t>Background (how does heterochiasmy evolve given sex specific traits/ patterns)</a:t>
-            </a:r>
-            <a:endParaRPr lang="en-US" dirty="0"/>
-          </a:p>
-        </p:txBody>
-      </p:sp>
-      <p:sp>
-        <p:nvSpPr>
-          <p:cNvPr id="3" name="Content Placeholder 2"/>
-          <p:cNvSpPr>
-            <a:spLocks noGrp="1"/>
-          </p:cNvSpPr>
-          <p:nvPr>
-            <p:ph idx="1"/>
-          </p:nvPr>
-        </p:nvSpPr>
-        <p:spPr/>
-        <p:txBody>
-          <a:bodyPr>
-            <a:normAutofit lnSpcReduction="10000"/>
-          </a:bodyPr>
-          <a:lstStyle/>
-          <a:p>
-            <a:pPr marL="0" indent="0">
-              <a:buNone/>
-            </a:pPr>
-            <a:r>
-              <a:rPr lang="en-US" dirty="0" smtClean="0"/>
-              <a:t>(FINAL MM / GLM syntax)</a:t>
-            </a:r>
-          </a:p>
-          <a:p>
-            <a:endParaRPr lang="en-US" dirty="0"/>
-          </a:p>
-          <a:p>
-            <a:r>
-              <a:rPr lang="en-US" dirty="0" smtClean="0"/>
-              <a:t>Basic frame work – to investigate the patterns of variation and evolution – use Mixed model;</a:t>
-            </a:r>
-          </a:p>
-          <a:p>
-            <a:pPr marL="0" indent="0">
-              <a:buNone/>
-            </a:pPr>
-            <a:r>
-              <a:rPr lang="en-US" dirty="0" smtClean="0"/>
-              <a:t>- </a:t>
-            </a:r>
-            <a:r>
-              <a:rPr lang="en-US" dirty="0" err="1" smtClean="0"/>
-              <a:t>Subsp</a:t>
-            </a:r>
-            <a:r>
-              <a:rPr lang="en-US" dirty="0" smtClean="0"/>
-              <a:t> -- ( divergence in the evolution of </a:t>
-            </a:r>
-            <a:r>
-              <a:rPr lang="en-US" dirty="0" err="1" smtClean="0"/>
-              <a:t>gwRR</a:t>
-            </a:r>
-            <a:r>
-              <a:rPr lang="en-US" dirty="0" smtClean="0"/>
-              <a:t>)</a:t>
-            </a:r>
-            <a:endParaRPr lang="en-US" dirty="0"/>
-          </a:p>
-          <a:p>
-            <a:pPr>
-              <a:buFontTx/>
-              <a:buChar char="-"/>
-            </a:pPr>
-            <a:r>
-              <a:rPr lang="en-US" dirty="0" smtClean="0"/>
-              <a:t>Sex – sex specific factors</a:t>
-            </a:r>
-          </a:p>
-          <a:p>
-            <a:pPr>
-              <a:buFontTx/>
-              <a:buChar char="-"/>
-            </a:pPr>
-            <a:r>
-              <a:rPr lang="en-US" dirty="0" smtClean="0"/>
-              <a:t>Interaction (synergistic effect of the two factors)</a:t>
-            </a:r>
-          </a:p>
-          <a:p>
-            <a:pPr>
-              <a:buFontTx/>
-              <a:buChar char="-"/>
-            </a:pPr>
-            <a:r>
-              <a:rPr lang="en-US" dirty="0" smtClean="0"/>
-              <a:t>-</a:t>
-            </a:r>
-            <a:r>
-              <a:rPr lang="en-US" i="1" dirty="0" smtClean="0"/>
-              <a:t>strain  -- polymorphism</a:t>
-            </a:r>
-          </a:p>
-          <a:p>
-            <a:pPr marL="0" indent="0">
-              <a:buNone/>
-            </a:pPr>
-            <a:r>
-              <a:rPr lang="en-US" dirty="0" smtClean="0"/>
-              <a:t>No clear significant effects… is this </a:t>
-            </a:r>
-            <a:endParaRPr lang="en-US" dirty="0"/>
-          </a:p>
-        </p:txBody>
-      </p:sp>
-    </p:spTree>
-    <p:extLst>
-      <p:ext uri="{BB962C8B-B14F-4D97-AF65-F5344CB8AC3E}">
-        <p14:creationId xmlns:p14="http://schemas.microsoft.com/office/powerpoint/2010/main" val="2783413310"/>
-      </p:ext>
-    </p:extLst>
-  </p:cSld>
-  <p:clrMapOvr>
-    <a:masterClrMapping/>
-  </p:clrMapOvr>
-  <p:timing>
-    <p:tnLst>
-      <p:par>
-        <p:cTn id="1" dur="indefinite" restart="never" nodeType="tmRoot"/>
-      </p:par>
-    </p:tnLst>
-  </p:timing>
-</p:sld>
-</file>
-
-<file path=ppt/slides/slide20.xml><?xml version="1.0" encoding="utf-8"?>
-<p:sld xmlns:a="http://schemas.openxmlformats.org/drawingml/2006/main" xmlns:r="http://schemas.openxmlformats.org/officeDocument/2006/relationships" xmlns:p="http://schemas.openxmlformats.org/presentationml/2006/main">
-  <p:cSld>
-    <p:spTree>
-      <p:nvGrpSpPr>
-        <p:cNvPr id="1" name=""/>
-        <p:cNvGrpSpPr/>
-        <p:nvPr/>
-      </p:nvGrpSpPr>
-      <p:grpSpPr>
-        <a:xfrm>
-          <a:off x="0" y="0"/>
-          <a:ext cx="0" cy="0"/>
-          <a:chOff x="0" y="0"/>
-          <a:chExt cx="0" cy="0"/>
-        </a:xfrm>
-      </p:grpSpPr>
-      <p:sp>
-        <p:nvSpPr>
-          <p:cNvPr id="2" name="Title 1"/>
-          <p:cNvSpPr>
-            <a:spLocks noGrp="1"/>
-          </p:cNvSpPr>
-          <p:nvPr>
-            <p:ph type="title"/>
-          </p:nvPr>
-        </p:nvSpPr>
-        <p:spPr/>
-        <p:txBody>
-          <a:bodyPr/>
-          <a:lstStyle/>
-          <a:p>
             <a:endParaRPr lang="en-US"/>
           </a:p>
         </p:txBody>
@@ -10308,7 +13029,6 @@
               <a:rPr lang="en-US" dirty="0"/>
               <a:t>)</a:t>
             </a:r>
-            <a:endParaRPr lang="en-US" dirty="0"/>
           </a:p>
           <a:p>
             <a:r>
@@ -10777,7 +13497,7 @@
           <a:p>
             <a:r>
               <a:rPr lang="en-US" dirty="0" smtClean="0"/>
-              <a:t>CO variance per cell (within mouse variance)</a:t>
+              <a:t>Female specific</a:t>
             </a:r>
             <a:endParaRPr lang="en-US" dirty="0"/>
           </a:p>
@@ -10798,34 +13518,20 @@
           <a:bodyPr/>
           <a:lstStyle/>
           <a:p>
-            <a:endParaRPr lang="en-US" dirty="0" smtClean="0"/>
-          </a:p>
-          <a:p>
-            <a:r>
-              <a:rPr lang="en-US" dirty="0" smtClean="0"/>
-              <a:t>For female -- </a:t>
-            </a:r>
-            <a:endParaRPr lang="en-US" dirty="0"/>
+            <a:endParaRPr lang="en-US"/>
           </a:p>
         </p:txBody>
       </p:sp>
     </p:spTree>
     <p:extLst>
       <p:ext uri="{BB962C8B-B14F-4D97-AF65-F5344CB8AC3E}">
-        <p14:creationId xmlns:p14="http://schemas.microsoft.com/office/powerpoint/2010/main" val="359611132"/>
+        <p14:creationId xmlns:p14="http://schemas.microsoft.com/office/powerpoint/2010/main" val="1424781995"/>
       </p:ext>
     </p:extLst>
   </p:cSld>
   <p:clrMapOvr>
     <a:masterClrMapping/>
   </p:clrMapOvr>
-  <p:timing>
-    <p:tnLst>
-      <p:par>
-        <p:cTn id="1" dur="indefinite" restart="never" nodeType="tmRoot"/>
-      </p:par>
-    </p:tnLst>
-  </p:timing>
 </p:sld>
 </file>
 
@@ -10862,299 +13568,42 @@
           <a:lstStyle/>
           <a:p>
             <a:r>
-              <a:rPr lang="en-US" dirty="0"/>
-              <a:t>Chromosome proportions</a:t>
-            </a:r>
-          </a:p>
-        </p:txBody>
-      </p:sp>
-      <p:pic>
-        <p:nvPicPr>
-          <p:cNvPr id="4" name="Picture 3"/>
-          <p:cNvPicPr>
-            <a:picLocks noChangeAspect="1"/>
-          </p:cNvPicPr>
-          <p:nvPr/>
-        </p:nvPicPr>
-        <p:blipFill rotWithShape="1">
-          <a:blip r:embed="rId3"/>
-          <a:srcRect l="35679" t="33905" r="28964" b="20761"/>
-          <a:stretch/>
-        </p:blipFill>
-        <p:spPr>
-          <a:xfrm>
-            <a:off x="538841" y="1926602"/>
-            <a:ext cx="5277395" cy="3806122"/>
-          </a:xfrm>
-          <a:prstGeom prst="rect">
-            <a:avLst/>
-          </a:prstGeom>
-        </p:spPr>
-      </p:pic>
-      <p:pic>
-        <p:nvPicPr>
-          <p:cNvPr id="5" name="Picture 4"/>
-          <p:cNvPicPr>
-            <a:picLocks noChangeAspect="1"/>
-          </p:cNvPicPr>
-          <p:nvPr/>
-        </p:nvPicPr>
-        <p:blipFill rotWithShape="1">
-          <a:blip r:embed="rId4"/>
-          <a:srcRect l="35464" t="19429" r="29179" b="34666"/>
-          <a:stretch/>
-        </p:blipFill>
-        <p:spPr>
-          <a:xfrm>
-            <a:off x="6427199" y="2130324"/>
-            <a:ext cx="5083356" cy="3712392"/>
-          </a:xfrm>
-          <a:prstGeom prst="rect">
-            <a:avLst/>
-          </a:prstGeom>
-        </p:spPr>
-      </p:pic>
-      <p:sp>
-        <p:nvSpPr>
-          <p:cNvPr id="6" name="Isosceles Triangle 5"/>
-          <p:cNvSpPr/>
-          <p:nvPr/>
-        </p:nvSpPr>
-        <p:spPr>
-          <a:xfrm rot="10800000">
-            <a:off x="8085907" y="4592302"/>
-            <a:ext cx="274320" cy="240957"/>
-          </a:xfrm>
-          <a:prstGeom prst="triangle">
-            <a:avLst/>
-          </a:prstGeom>
-        </p:spPr>
-        <p:style>
-          <a:lnRef idx="2">
-            <a:schemeClr val="accent1">
-              <a:shade val="50000"/>
-            </a:schemeClr>
-          </a:lnRef>
-          <a:fillRef idx="1">
-            <a:schemeClr val="accent1"/>
-          </a:fillRef>
-          <a:effectRef idx="0">
-            <a:schemeClr val="accent1"/>
-          </a:effectRef>
-          <a:fontRef idx="minor">
-            <a:schemeClr val="lt1"/>
-          </a:fontRef>
-        </p:style>
-        <p:txBody>
-          <a:bodyPr rtlCol="0" anchor="ctr"/>
-          <a:lstStyle/>
-          <a:p>
-            <a:pPr algn="ctr"/>
+              <a:rPr lang="en-US" dirty="0" smtClean="0"/>
+              <a:t>Male specific</a:t>
+            </a:r>
+            <a:endParaRPr lang="en-US" dirty="0"/>
+          </a:p>
+        </p:txBody>
+      </p:sp>
+      <p:sp>
+        <p:nvSpPr>
+          <p:cNvPr id="3" name="Content Placeholder 2"/>
+          <p:cNvSpPr>
+            <a:spLocks noGrp="1"/>
+          </p:cNvSpPr>
+          <p:nvPr>
+            <p:ph idx="1"/>
+          </p:nvPr>
+        </p:nvSpPr>
+        <p:spPr/>
+        <p:txBody>
+          <a:bodyPr/>
+          <a:lstStyle/>
+          <a:p>
             <a:endParaRPr lang="en-US"/>
-          </a:p>
-        </p:txBody>
-      </p:sp>
-      <p:sp>
-        <p:nvSpPr>
-          <p:cNvPr id="7" name="Isosceles Triangle 6"/>
-          <p:cNvSpPr/>
-          <p:nvPr/>
-        </p:nvSpPr>
-        <p:spPr>
-          <a:xfrm rot="10800000">
-            <a:off x="9440090" y="4513927"/>
-            <a:ext cx="274320" cy="240957"/>
-          </a:xfrm>
-          <a:prstGeom prst="triangle">
-            <a:avLst/>
-          </a:prstGeom>
-        </p:spPr>
-        <p:style>
-          <a:lnRef idx="2">
-            <a:schemeClr val="accent1">
-              <a:shade val="50000"/>
-            </a:schemeClr>
-          </a:lnRef>
-          <a:fillRef idx="1">
-            <a:schemeClr val="accent1"/>
-          </a:fillRef>
-          <a:effectRef idx="0">
-            <a:schemeClr val="accent1"/>
-          </a:effectRef>
-          <a:fontRef idx="minor">
-            <a:schemeClr val="lt1"/>
-          </a:fontRef>
-        </p:style>
-        <p:txBody>
-          <a:bodyPr rtlCol="0" anchor="ctr"/>
-          <a:lstStyle/>
-          <a:p>
-            <a:pPr algn="ctr"/>
-            <a:endParaRPr lang="en-US"/>
-          </a:p>
-        </p:txBody>
-      </p:sp>
-      <p:sp>
-        <p:nvSpPr>
-          <p:cNvPr id="8" name="Isosceles Triangle 7"/>
-          <p:cNvSpPr/>
-          <p:nvPr/>
-        </p:nvSpPr>
-        <p:spPr>
-          <a:xfrm rot="10800000">
-            <a:off x="7215050" y="2837527"/>
-            <a:ext cx="274320" cy="240957"/>
-          </a:xfrm>
-          <a:prstGeom prst="triangle">
-            <a:avLst/>
-          </a:prstGeom>
-        </p:spPr>
-        <p:style>
-          <a:lnRef idx="2">
-            <a:schemeClr val="accent1">
-              <a:shade val="50000"/>
-            </a:schemeClr>
-          </a:lnRef>
-          <a:fillRef idx="1">
-            <a:schemeClr val="accent1"/>
-          </a:fillRef>
-          <a:effectRef idx="0">
-            <a:schemeClr val="accent1"/>
-          </a:effectRef>
-          <a:fontRef idx="minor">
-            <a:schemeClr val="lt1"/>
-          </a:fontRef>
-        </p:style>
-        <p:txBody>
-          <a:bodyPr rtlCol="0" anchor="ctr"/>
-          <a:lstStyle/>
-          <a:p>
-            <a:pPr algn="ctr"/>
-            <a:endParaRPr lang="en-US"/>
-          </a:p>
-        </p:txBody>
-      </p:sp>
-      <p:sp>
-        <p:nvSpPr>
-          <p:cNvPr id="9" name="TextBox 8"/>
-          <p:cNvSpPr txBox="1"/>
-          <p:nvPr/>
-        </p:nvSpPr>
-        <p:spPr>
-          <a:xfrm>
-            <a:off x="7489370" y="1027906"/>
-            <a:ext cx="3044518" cy="369332"/>
-          </a:xfrm>
-          <a:prstGeom prst="rect">
-            <a:avLst/>
-          </a:prstGeom>
-          <a:noFill/>
-        </p:spPr>
-        <p:txBody>
-          <a:bodyPr wrap="square" rtlCol="0">
-            <a:spAutoFit/>
-          </a:bodyPr>
-          <a:lstStyle/>
-          <a:p>
-            <a:r>
-              <a:rPr lang="en-US" dirty="0" smtClean="0"/>
-              <a:t>The mice with distinct </a:t>
-            </a:r>
-            <a:r>
-              <a:rPr lang="en-US" dirty="0" err="1" smtClean="0"/>
-              <a:t>gwRR</a:t>
-            </a:r>
-            <a:endParaRPr lang="en-US" dirty="0"/>
-          </a:p>
-        </p:txBody>
-      </p:sp>
-      <p:sp>
-        <p:nvSpPr>
-          <p:cNvPr id="10" name="Isosceles Triangle 9"/>
-          <p:cNvSpPr/>
-          <p:nvPr/>
-        </p:nvSpPr>
-        <p:spPr>
-          <a:xfrm rot="10800000">
-            <a:off x="8275319" y="4432637"/>
-            <a:ext cx="274320" cy="240957"/>
-          </a:xfrm>
-          <a:prstGeom prst="triangle">
-            <a:avLst/>
-          </a:prstGeom>
-        </p:spPr>
-        <p:style>
-          <a:lnRef idx="2">
-            <a:schemeClr val="accent1">
-              <a:shade val="50000"/>
-            </a:schemeClr>
-          </a:lnRef>
-          <a:fillRef idx="1">
-            <a:schemeClr val="accent1"/>
-          </a:fillRef>
-          <a:effectRef idx="0">
-            <a:schemeClr val="accent1"/>
-          </a:effectRef>
-          <a:fontRef idx="minor">
-            <a:schemeClr val="lt1"/>
-          </a:fontRef>
-        </p:style>
-        <p:txBody>
-          <a:bodyPr rtlCol="0" anchor="ctr"/>
-          <a:lstStyle/>
-          <a:p>
-            <a:pPr algn="ctr"/>
-            <a:endParaRPr lang="en-US"/>
-          </a:p>
-        </p:txBody>
-      </p:sp>
-      <p:sp>
-        <p:nvSpPr>
-          <p:cNvPr id="11" name="TextBox 10"/>
-          <p:cNvSpPr txBox="1"/>
-          <p:nvPr/>
-        </p:nvSpPr>
-        <p:spPr>
-          <a:xfrm>
-            <a:off x="538841" y="6071616"/>
-            <a:ext cx="3685687" cy="369332"/>
-          </a:xfrm>
-          <a:prstGeom prst="rect">
-            <a:avLst/>
-          </a:prstGeom>
-          <a:noFill/>
-        </p:spPr>
-        <p:txBody>
-          <a:bodyPr wrap="square" rtlCol="0">
-            <a:spAutoFit/>
-          </a:bodyPr>
-          <a:lstStyle/>
-          <a:p>
-            <a:r>
-              <a:rPr lang="en-US" dirty="0" smtClean="0"/>
-              <a:t>Chi square test ?  Not done yet </a:t>
-            </a:r>
-            <a:endParaRPr lang="en-US" dirty="0"/>
           </a:p>
         </p:txBody>
       </p:sp>
     </p:spTree>
     <p:extLst>
       <p:ext uri="{BB962C8B-B14F-4D97-AF65-F5344CB8AC3E}">
-        <p14:creationId xmlns:p14="http://schemas.microsoft.com/office/powerpoint/2010/main" val="214531164"/>
+        <p14:creationId xmlns:p14="http://schemas.microsoft.com/office/powerpoint/2010/main" val="2574848277"/>
       </p:ext>
     </p:extLst>
   </p:cSld>
   <p:clrMapOvr>
     <a:masterClrMapping/>
   </p:clrMapOvr>
-  <p:timing>
-    <p:tnLst>
-      <p:par>
-        <p:cTn id="1" dur="indefinite" restart="never" nodeType="tmRoot"/>
-      </p:par>
-    </p:tnLst>
-  </p:timing>
 </p:sld>
 </file>
 
@@ -11191,8 +13640,12 @@
           <a:lstStyle/>
           <a:p>
             <a:r>
-              <a:rPr lang="en-US" dirty="0" smtClean="0"/>
-              <a:t>Single Bivalent Dataset</a:t>
+              <a:rPr lang="en-US" dirty="0" err="1" smtClean="0"/>
+              <a:t>Gwrr</a:t>
+            </a:r>
+            <a:r>
+              <a:rPr lang="en-US" dirty="0" smtClean="0"/>
+              <a:t> estimates</a:t>
             </a:r>
             <a:endParaRPr lang="en-US" dirty="0"/>
           </a:p>
@@ -11208,160 +13661,25 @@
             <p:ph idx="1"/>
           </p:nvPr>
         </p:nvSpPr>
-        <p:spPr>
-          <a:xfrm>
-            <a:off x="6792687" y="1825625"/>
-            <a:ext cx="4561114" cy="4351338"/>
-          </a:xfrm>
-        </p:spPr>
-        <p:txBody>
-          <a:bodyPr>
-            <a:normAutofit fontScale="92500" lnSpcReduction="10000"/>
-          </a:bodyPr>
-          <a:lstStyle/>
-          <a:p>
-            <a:pPr marL="0" indent="0">
-              <a:buNone/>
-            </a:pPr>
-            <a:r>
-              <a:rPr lang="en-US" dirty="0" smtClean="0"/>
-              <a:t>~ 10,400 Automated Single Bivalent Measures</a:t>
-            </a:r>
-          </a:p>
-          <a:p>
-            <a:r>
-              <a:rPr lang="en-US" dirty="0" smtClean="0"/>
-              <a:t>(Curated – make sure the algorithm ran correctly)</a:t>
-            </a:r>
-          </a:p>
-          <a:p>
-            <a:endParaRPr lang="en-US" dirty="0"/>
-          </a:p>
-          <a:p>
-            <a:pPr marL="0" indent="0">
-              <a:buNone/>
-            </a:pPr>
-            <a:r>
-              <a:rPr lang="en-US" dirty="0"/>
-              <a:t>3 types of metrics</a:t>
-            </a:r>
-          </a:p>
-          <a:p>
-            <a:pPr lvl="1"/>
-            <a:r>
-              <a:rPr lang="en-US" dirty="0"/>
-              <a:t>1. Length of individual bivalents (SC signal) </a:t>
-            </a:r>
-          </a:p>
-          <a:p>
-            <a:pPr lvl="1"/>
-            <a:r>
-              <a:rPr lang="en-US" dirty="0"/>
-              <a:t>2. Position of single CO on a bivalent</a:t>
-            </a:r>
-          </a:p>
-          <a:p>
-            <a:pPr lvl="1"/>
-            <a:r>
-              <a:rPr lang="en-US" dirty="0"/>
-              <a:t>3. Interference </a:t>
-            </a:r>
-            <a:r>
-              <a:rPr lang="en-US" dirty="0" smtClean="0"/>
-              <a:t>strength, </a:t>
-            </a:r>
-            <a:r>
-              <a:rPr lang="en-US" dirty="0" err="1" smtClean="0"/>
-              <a:t>InterFocal</a:t>
-            </a:r>
-            <a:r>
-              <a:rPr lang="en-US" dirty="0" smtClean="0"/>
-              <a:t> Distance (IFD)</a:t>
-            </a:r>
-            <a:endParaRPr lang="en-US" dirty="0"/>
-          </a:p>
-        </p:txBody>
-      </p:sp>
-      <p:pic>
-        <p:nvPicPr>
-          <p:cNvPr id="4" name="Content Placeholder 3"/>
-          <p:cNvPicPr>
-            <a:picLocks noChangeAspect="1"/>
-          </p:cNvPicPr>
-          <p:nvPr/>
-        </p:nvPicPr>
-        <p:blipFill rotWithShape="1">
-          <a:blip r:embed="rId3">
-            <a:extLst>
-              <a:ext uri="{28A0092B-C50C-407E-A947-70E740481C1C}">
-                <a14:useLocalDpi xmlns:a14="http://schemas.microsoft.com/office/drawing/2010/main" val="0"/>
-              </a:ext>
-            </a:extLst>
-          </a:blip>
-          <a:srcRect l="6951" t="6331" r="8163" b="3470"/>
-          <a:stretch/>
-        </p:blipFill>
-        <p:spPr>
-          <a:xfrm>
-            <a:off x="369278" y="1825625"/>
-            <a:ext cx="5852993" cy="4663098"/>
-          </a:xfrm>
-          <a:prstGeom prst="rect">
-            <a:avLst/>
-          </a:prstGeom>
-        </p:spPr>
-      </p:pic>
-      <p:pic>
-        <p:nvPicPr>
-          <p:cNvPr id="5" name="Picture 4"/>
-          <p:cNvPicPr>
-            <a:picLocks noChangeAspect="1"/>
-          </p:cNvPicPr>
-          <p:nvPr/>
-        </p:nvPicPr>
-        <p:blipFill rotWithShape="1">
-          <a:blip r:embed="rId4" cstate="print">
-            <a:extLst>
-              <a:ext uri="{28A0092B-C50C-407E-A947-70E740481C1C}">
-                <a14:useLocalDpi xmlns:a14="http://schemas.microsoft.com/office/drawing/2010/main" val="0"/>
-              </a:ext>
-            </a:extLst>
-          </a:blip>
-          <a:srcRect l="13760" t="8242" r="64394" b="10879"/>
-          <a:stretch/>
-        </p:blipFill>
-        <p:spPr>
-          <a:xfrm>
-            <a:off x="5786637" y="4070217"/>
-            <a:ext cx="871268" cy="2418506"/>
-          </a:xfrm>
-          <a:prstGeom prst="rect">
-            <a:avLst/>
-          </a:prstGeom>
-          <a:ln>
-            <a:solidFill>
-              <a:schemeClr val="bg1"/>
-            </a:solidFill>
-          </a:ln>
-        </p:spPr>
-      </p:pic>
+        <p:spPr/>
+        <p:txBody>
+          <a:bodyPr/>
+          <a:lstStyle/>
+          <a:p>
+            <a:endParaRPr lang="en-US"/>
+          </a:p>
+        </p:txBody>
+      </p:sp>
     </p:spTree>
     <p:extLst>
       <p:ext uri="{BB962C8B-B14F-4D97-AF65-F5344CB8AC3E}">
-        <p14:creationId xmlns:p14="http://schemas.microsoft.com/office/powerpoint/2010/main" val="3964468962"/>
+        <p14:creationId xmlns:p14="http://schemas.microsoft.com/office/powerpoint/2010/main" val="269393143"/>
       </p:ext>
     </p:extLst>
   </p:cSld>
   <p:clrMapOvr>
     <a:masterClrMapping/>
   </p:clrMapOvr>
-  <p:timing>
-    <p:tnLst>
-      <p:par>
-        <p:cTn id="1" dur="indefinite" restart="never" nodeType="tmRoot"/>
-      </p:par>
-    </p:tnLst>
-  </p:timing>
 </p:sld>
 </file>
 
@@ -11398,8 +13716,12 @@
           <a:lstStyle/>
           <a:p>
             <a:r>
-              <a:rPr lang="en-US" dirty="0" smtClean="0"/>
-              <a:t>Single Bivalent Sex Specific Patterns</a:t>
+              <a:rPr lang="en-US" dirty="0" err="1" smtClean="0"/>
+              <a:t>gwRR</a:t>
+            </a:r>
+            <a:r>
+              <a:rPr lang="en-US" dirty="0" smtClean="0"/>
+              <a:t> mixed model</a:t>
             </a:r>
             <a:endParaRPr lang="en-US" dirty="0"/>
           </a:p>
@@ -11417,679 +13739,23 @@
         </p:nvSpPr>
         <p:spPr/>
         <p:txBody>
-          <a:bodyPr>
-            <a:normAutofit fontScale="77500" lnSpcReduction="20000"/>
-          </a:bodyPr>
-          <a:lstStyle/>
-          <a:p>
-            <a:pPr marL="0" indent="0">
-              <a:buNone/>
-            </a:pPr>
-            <a:r>
-              <a:rPr lang="en-US" dirty="0" smtClean="0"/>
-              <a:t>Driving questions</a:t>
-            </a:r>
-            <a:endParaRPr lang="en-US" dirty="0"/>
-          </a:p>
-          <a:p>
-            <a:r>
-              <a:rPr lang="en-US" dirty="0" smtClean="0"/>
-              <a:t>Q1) </a:t>
-            </a:r>
-            <a:r>
-              <a:rPr lang="en-US" dirty="0"/>
-              <a:t>What are the main differences between males and </a:t>
-            </a:r>
-            <a:r>
-              <a:rPr lang="en-US" dirty="0" smtClean="0"/>
-              <a:t>females?</a:t>
-            </a:r>
-            <a:endParaRPr lang="en-US" dirty="0" smtClean="0">
-              <a:effectLst/>
-            </a:endParaRPr>
-          </a:p>
-          <a:p>
-            <a:r>
-              <a:rPr lang="en-US" dirty="0" smtClean="0"/>
-              <a:t>Q2) What </a:t>
-            </a:r>
-            <a:r>
-              <a:rPr lang="en-US" dirty="0"/>
-              <a:t>are the differences between high </a:t>
-            </a:r>
-            <a:r>
-              <a:rPr lang="en-US" dirty="0" err="1"/>
-              <a:t>musc</a:t>
-            </a:r>
-            <a:r>
-              <a:rPr lang="en-US" dirty="0"/>
-              <a:t> and low </a:t>
-            </a:r>
-            <a:r>
-              <a:rPr lang="en-US" dirty="0" err="1"/>
-              <a:t>musc</a:t>
-            </a:r>
-            <a:r>
-              <a:rPr lang="en-US" dirty="0"/>
-              <a:t> </a:t>
-            </a:r>
-            <a:r>
-              <a:rPr lang="en-US" dirty="0" smtClean="0"/>
-              <a:t>strain?</a:t>
-            </a:r>
-          </a:p>
-          <a:p>
-            <a:endParaRPr lang="en-US" dirty="0"/>
-          </a:p>
-          <a:p>
-            <a:pPr marL="0" indent="0">
-              <a:buNone/>
-            </a:pPr>
-            <a:r>
-              <a:rPr lang="en-US" dirty="0"/>
-              <a:t>Predictions</a:t>
-            </a:r>
-          </a:p>
-          <a:p>
-            <a:r>
-              <a:rPr lang="en-US" dirty="0"/>
-              <a:t>1.</a:t>
-            </a:r>
-            <a:r>
-              <a:rPr lang="en-US" b="1" i="1" dirty="0"/>
-              <a:t> SC length will be sexually dimorphic</a:t>
-            </a:r>
-            <a:endParaRPr lang="en-US" dirty="0"/>
-          </a:p>
-          <a:p>
-            <a:r>
-              <a:rPr lang="en-US" dirty="0"/>
-              <a:t>2. </a:t>
-            </a:r>
-            <a:r>
-              <a:rPr lang="en-US" b="1" i="1" dirty="0"/>
-              <a:t>1CO normalized positions will be sexually dimorphic</a:t>
-            </a:r>
-            <a:endParaRPr lang="en-US" dirty="0"/>
-          </a:p>
-          <a:p>
-            <a:r>
-              <a:rPr lang="en-US" dirty="0"/>
-              <a:t>3. </a:t>
-            </a:r>
-            <a:r>
-              <a:rPr lang="en-US" b="1" i="1" dirty="0"/>
-              <a:t>No difference in physical distance between foci on the same bivalent.*</a:t>
-            </a:r>
-          </a:p>
-          <a:p>
-            <a:pPr marL="0" indent="0">
-              <a:buNone/>
-            </a:pPr>
-            <a:endParaRPr lang="en-US" b="1" i="1" dirty="0"/>
-          </a:p>
-          <a:p>
-            <a:pPr marL="0" indent="0">
-              <a:buNone/>
-            </a:pPr>
-            <a:r>
-              <a:rPr lang="en-US" dirty="0"/>
-              <a:t>*only 1 paper with cytological data for IFD of both sexes (mice B6). No difference found in physical (um) scale.</a:t>
-            </a:r>
-          </a:p>
-          <a:p>
-            <a:pPr marL="0" indent="0">
-              <a:buNone/>
-            </a:pPr>
-            <a:r>
-              <a:rPr lang="en-US" sz="2200" b="1" dirty="0"/>
-              <a:t>de Boer</a:t>
-            </a:r>
-            <a:r>
-              <a:rPr lang="en-US" sz="2200" dirty="0"/>
-              <a:t>, E., </a:t>
-            </a:r>
-            <a:r>
-              <a:rPr lang="en-US" sz="2200" dirty="0" err="1"/>
-              <a:t>Stam</a:t>
-            </a:r>
-            <a:r>
-              <a:rPr lang="en-US" sz="2200" dirty="0"/>
-              <a:t>, P., Dietrich, A. J., </a:t>
-            </a:r>
-            <a:r>
-              <a:rPr lang="en-US" sz="2200" dirty="0" err="1"/>
-              <a:t>Pastink</a:t>
-            </a:r>
-            <a:r>
-              <a:rPr lang="en-US" sz="2200" dirty="0"/>
-              <a:t>, A., &amp; </a:t>
-            </a:r>
-            <a:r>
-              <a:rPr lang="en-US" sz="2200" dirty="0" err="1"/>
-              <a:t>Heyting</a:t>
-            </a:r>
-            <a:r>
-              <a:rPr lang="en-US" sz="2200" dirty="0"/>
-              <a:t>, C. </a:t>
-            </a:r>
-            <a:r>
-              <a:rPr lang="en-US" sz="2200" b="1" dirty="0"/>
-              <a:t>(2006). </a:t>
-            </a:r>
-            <a:r>
-              <a:rPr lang="en-US" sz="2200" dirty="0"/>
-              <a:t>Two levels of interference in mouse meiotic recombination. </a:t>
-            </a:r>
-            <a:r>
-              <a:rPr lang="en-US" sz="2200" i="1" dirty="0"/>
-              <a:t>Proceedings of the National Academy of Sciences</a:t>
-            </a:r>
-            <a:r>
-              <a:rPr lang="en-US" sz="2200" dirty="0"/>
-              <a:t>, </a:t>
-            </a:r>
-            <a:r>
-              <a:rPr lang="en-US" sz="2200" i="1" dirty="0"/>
-              <a:t>103</a:t>
-            </a:r>
-            <a:r>
-              <a:rPr lang="en-US" sz="2200" dirty="0"/>
-              <a:t>(25), 9607-9612</a:t>
-            </a:r>
-            <a:r>
-              <a:rPr lang="en-US" sz="2200" dirty="0" smtClean="0"/>
-              <a:t>.</a:t>
-            </a:r>
-            <a:endParaRPr lang="en-US" dirty="0" smtClean="0"/>
-          </a:p>
-          <a:p>
-            <a:endParaRPr lang="en-US" dirty="0">
-              <a:effectLst/>
-            </a:endParaRPr>
+          <a:bodyPr/>
+          <a:lstStyle/>
+          <a:p>
+            <a:endParaRPr lang="en-US"/>
           </a:p>
         </p:txBody>
       </p:sp>
     </p:spTree>
     <p:extLst>
       <p:ext uri="{BB962C8B-B14F-4D97-AF65-F5344CB8AC3E}">
-        <p14:creationId xmlns:p14="http://schemas.microsoft.com/office/powerpoint/2010/main" val="2833730430"/>
+        <p14:creationId xmlns:p14="http://schemas.microsoft.com/office/powerpoint/2010/main" val="2176944220"/>
       </p:ext>
     </p:extLst>
   </p:cSld>
   <p:clrMapOvr>
     <a:masterClrMapping/>
   </p:clrMapOvr>
-  <p:timing>
-    <p:tnLst>
-      <p:par>
-        <p:cTn id="1" dur="indefinite" restart="never" nodeType="tmRoot">
-          <p:childTnLst>
-            <p:seq concurrent="1" nextAc="seek">
-              <p:cTn id="2" dur="indefinite" nodeType="mainSeq">
-                <p:childTnLst>
-                  <p:par>
-                    <p:cTn id="3" fill="hold">
-                      <p:stCondLst>
-                        <p:cond delay="indefinite"/>
-                      </p:stCondLst>
-                      <p:childTnLst>
-                        <p:par>
-                          <p:cTn id="4" fill="hold">
-                            <p:stCondLst>
-                              <p:cond delay="0"/>
-                            </p:stCondLst>
-                            <p:childTnLst>
-                              <p:par>
-                                <p:cTn id="5" presetID="1" presetClass="entr" presetSubtype="0" fill="hold" nodeType="clickEffect">
-                                  <p:stCondLst>
-                                    <p:cond delay="0"/>
-                                  </p:stCondLst>
-                                  <p:childTnLst>
-                                    <p:set>
-                                      <p:cBhvr>
-                                        <p:cTn id="6" dur="1" fill="hold">
-                                          <p:stCondLst>
-                                            <p:cond delay="0"/>
-                                          </p:stCondLst>
-                                        </p:cTn>
-                                        <p:tgtEl>
-                                          <p:spTgt spid="3">
-                                            <p:txEl>
-                                              <p:pRg st="0" end="0"/>
-                                            </p:txEl>
-                                          </p:spTgt>
-                                        </p:tgtEl>
-                                        <p:attrNameLst>
-                                          <p:attrName>style.visibility</p:attrName>
-                                        </p:attrNameLst>
-                                      </p:cBhvr>
-                                      <p:to>
-                                        <p:strVal val="visible"/>
-                                      </p:to>
-                                    </p:set>
-                                  </p:childTnLst>
-                                </p:cTn>
-                              </p:par>
-                            </p:childTnLst>
-                          </p:cTn>
-                        </p:par>
-                      </p:childTnLst>
-                    </p:cTn>
-                  </p:par>
-                  <p:par>
-                    <p:cTn id="7" fill="hold">
-                      <p:stCondLst>
-                        <p:cond delay="indefinite"/>
-                      </p:stCondLst>
-                      <p:childTnLst>
-                        <p:par>
-                          <p:cTn id="8" fill="hold">
-                            <p:stCondLst>
-                              <p:cond delay="0"/>
-                            </p:stCondLst>
-                            <p:childTnLst>
-                              <p:par>
-                                <p:cTn id="9" presetID="18" presetClass="emph" presetSubtype="0" fill="hold" nodeType="clickEffect">
-                                  <p:stCondLst>
-                                    <p:cond delay="0"/>
-                                  </p:stCondLst>
-                                  <p:iterate type="lt">
-                                    <p:tmPct val="4000"/>
-                                  </p:iterate>
-                                  <p:childTnLst>
-                                    <p:set>
-                                      <p:cBhvr override="childStyle">
-                                        <p:cTn id="10" dur="500" fill="hold"/>
-                                        <p:tgtEl>
-                                          <p:spTgt spid="3">
-                                            <p:txEl>
-                                              <p:pRg st="1" end="1"/>
-                                            </p:txEl>
-                                          </p:spTgt>
-                                        </p:tgtEl>
-                                        <p:attrNameLst>
-                                          <p:attrName>style.textDecorationUnderline</p:attrName>
-                                        </p:attrNameLst>
-                                      </p:cBhvr>
-                                      <p:to>
-                                        <p:strVal val="true"/>
-                                      </p:to>
-                                    </p:set>
-                                  </p:childTnLst>
-                                </p:cTn>
-                              </p:par>
-                            </p:childTnLst>
-                          </p:cTn>
-                        </p:par>
-                      </p:childTnLst>
-                    </p:cTn>
-                  </p:par>
-                  <p:par>
-                    <p:cTn id="11" fill="hold">
-                      <p:stCondLst>
-                        <p:cond delay="indefinite"/>
-                      </p:stCondLst>
-                      <p:childTnLst>
-                        <p:par>
-                          <p:cTn id="12" fill="hold">
-                            <p:stCondLst>
-                              <p:cond delay="0"/>
-                            </p:stCondLst>
-                            <p:childTnLst>
-                              <p:par>
-                                <p:cTn id="13" presetID="1" presetClass="entr" presetSubtype="0" fill="hold" nodeType="clickEffect">
-                                  <p:stCondLst>
-                                    <p:cond delay="0"/>
-                                  </p:stCondLst>
-                                  <p:childTnLst>
-                                    <p:set>
-                                      <p:cBhvr>
-                                        <p:cTn id="14" dur="1" fill="hold">
-                                          <p:stCondLst>
-                                            <p:cond delay="0"/>
-                                          </p:stCondLst>
-                                        </p:cTn>
-                                        <p:tgtEl>
-                                          <p:spTgt spid="3">
-                                            <p:txEl>
-                                              <p:pRg st="2" end="2"/>
-                                            </p:txEl>
-                                          </p:spTgt>
-                                        </p:tgtEl>
-                                        <p:attrNameLst>
-                                          <p:attrName>style.visibility</p:attrName>
-                                        </p:attrNameLst>
-                                      </p:cBhvr>
-                                      <p:to>
-                                        <p:strVal val="visible"/>
-                                      </p:to>
-                                    </p:set>
-                                  </p:childTnLst>
-                                </p:cTn>
-                              </p:par>
-                            </p:childTnLst>
-                          </p:cTn>
-                        </p:par>
-                      </p:childTnLst>
-                    </p:cTn>
-                  </p:par>
-                  <p:par>
-                    <p:cTn id="15" fill="hold">
-                      <p:stCondLst>
-                        <p:cond delay="indefinite"/>
-                      </p:stCondLst>
-                      <p:childTnLst>
-                        <p:par>
-                          <p:cTn id="16" fill="hold">
-                            <p:stCondLst>
-                              <p:cond delay="0"/>
-                            </p:stCondLst>
-                            <p:childTnLst>
-                              <p:par>
-                                <p:cTn id="17" presetID="1" presetClass="entr" presetSubtype="0" fill="hold" nodeType="clickEffect">
-                                  <p:stCondLst>
-                                    <p:cond delay="0"/>
-                                  </p:stCondLst>
-                                  <p:childTnLst>
-                                    <p:set>
-                                      <p:cBhvr>
-                                        <p:cTn id="18" dur="1" fill="hold">
-                                          <p:stCondLst>
-                                            <p:cond delay="0"/>
-                                          </p:stCondLst>
-                                        </p:cTn>
-                                        <p:tgtEl>
-                                          <p:spTgt spid="3">
-                                            <p:txEl>
-                                              <p:pRg st="4" end="4"/>
-                                            </p:txEl>
-                                          </p:spTgt>
-                                        </p:tgtEl>
-                                        <p:attrNameLst>
-                                          <p:attrName>style.visibility</p:attrName>
-                                        </p:attrNameLst>
-                                      </p:cBhvr>
-                                      <p:to>
-                                        <p:strVal val="visible"/>
-                                      </p:to>
-                                    </p:set>
-                                  </p:childTnLst>
-                                </p:cTn>
-                              </p:par>
-                            </p:childTnLst>
-                          </p:cTn>
-                        </p:par>
-                      </p:childTnLst>
-                    </p:cTn>
-                  </p:par>
-                  <p:par>
-                    <p:cTn id="19" fill="hold">
-                      <p:stCondLst>
-                        <p:cond delay="indefinite"/>
-                      </p:stCondLst>
-                      <p:childTnLst>
-                        <p:par>
-                          <p:cTn id="20" fill="hold">
-                            <p:stCondLst>
-                              <p:cond delay="0"/>
-                            </p:stCondLst>
-                            <p:childTnLst>
-                              <p:par>
-                                <p:cTn id="21" presetID="1" presetClass="entr" presetSubtype="0" fill="hold" nodeType="clickEffect">
-                                  <p:stCondLst>
-                                    <p:cond delay="0"/>
-                                  </p:stCondLst>
-                                  <p:childTnLst>
-                                    <p:set>
-                                      <p:cBhvr>
-                                        <p:cTn id="22" dur="1" fill="hold">
-                                          <p:stCondLst>
-                                            <p:cond delay="0"/>
-                                          </p:stCondLst>
-                                        </p:cTn>
-                                        <p:tgtEl>
-                                          <p:spTgt spid="3">
-                                            <p:txEl>
-                                              <p:pRg st="5" end="5"/>
-                                            </p:txEl>
-                                          </p:spTgt>
-                                        </p:tgtEl>
-                                        <p:attrNameLst>
-                                          <p:attrName>style.visibility</p:attrName>
-                                        </p:attrNameLst>
-                                      </p:cBhvr>
-                                      <p:to>
-                                        <p:strVal val="visible"/>
-                                      </p:to>
-                                    </p:set>
-                                  </p:childTnLst>
-                                </p:cTn>
-                              </p:par>
-                            </p:childTnLst>
-                          </p:cTn>
-                        </p:par>
-                      </p:childTnLst>
-                    </p:cTn>
-                  </p:par>
-                  <p:par>
-                    <p:cTn id="23" fill="hold">
-                      <p:stCondLst>
-                        <p:cond delay="indefinite"/>
-                      </p:stCondLst>
-                      <p:childTnLst>
-                        <p:par>
-                          <p:cTn id="24" fill="hold">
-                            <p:stCondLst>
-                              <p:cond delay="0"/>
-                            </p:stCondLst>
-                            <p:childTnLst>
-                              <p:par>
-                                <p:cTn id="25" presetID="1" presetClass="entr" presetSubtype="0" fill="hold" nodeType="clickEffect">
-                                  <p:stCondLst>
-                                    <p:cond delay="0"/>
-                                  </p:stCondLst>
-                                  <p:childTnLst>
-                                    <p:set>
-                                      <p:cBhvr>
-                                        <p:cTn id="26" dur="1" fill="hold">
-                                          <p:stCondLst>
-                                            <p:cond delay="0"/>
-                                          </p:stCondLst>
-                                        </p:cTn>
-                                        <p:tgtEl>
-                                          <p:spTgt spid="3">
-                                            <p:txEl>
-                                              <p:pRg st="6" end="6"/>
-                                            </p:txEl>
-                                          </p:spTgt>
-                                        </p:tgtEl>
-                                        <p:attrNameLst>
-                                          <p:attrName>style.visibility</p:attrName>
-                                        </p:attrNameLst>
-                                      </p:cBhvr>
-                                      <p:to>
-                                        <p:strVal val="visible"/>
-                                      </p:to>
-                                    </p:set>
-                                  </p:childTnLst>
-                                </p:cTn>
-                              </p:par>
-                            </p:childTnLst>
-                          </p:cTn>
-                        </p:par>
-                      </p:childTnLst>
-                    </p:cTn>
-                  </p:par>
-                  <p:par>
-                    <p:cTn id="27" fill="hold">
-                      <p:stCondLst>
-                        <p:cond delay="indefinite"/>
-                      </p:stCondLst>
-                      <p:childTnLst>
-                        <p:par>
-                          <p:cTn id="28" fill="hold">
-                            <p:stCondLst>
-                              <p:cond delay="0"/>
-                            </p:stCondLst>
-                            <p:childTnLst>
-                              <p:par>
-                                <p:cTn id="29" presetID="1" presetClass="entr" presetSubtype="0" fill="hold" nodeType="clickEffect">
-                                  <p:stCondLst>
-                                    <p:cond delay="0"/>
-                                  </p:stCondLst>
-                                  <p:childTnLst>
-                                    <p:set>
-                                      <p:cBhvr>
-                                        <p:cTn id="30" dur="1" fill="hold">
-                                          <p:stCondLst>
-                                            <p:cond delay="0"/>
-                                          </p:stCondLst>
-                                        </p:cTn>
-                                        <p:tgtEl>
-                                          <p:spTgt spid="3">
-                                            <p:txEl>
-                                              <p:pRg st="7" end="7"/>
-                                            </p:txEl>
-                                          </p:spTgt>
-                                        </p:tgtEl>
-                                        <p:attrNameLst>
-                                          <p:attrName>style.visibility</p:attrName>
-                                        </p:attrNameLst>
-                                      </p:cBhvr>
-                                      <p:to>
-                                        <p:strVal val="visible"/>
-                                      </p:to>
-                                    </p:set>
-                                  </p:childTnLst>
-                                </p:cTn>
-                              </p:par>
-                            </p:childTnLst>
-                          </p:cTn>
-                        </p:par>
-                      </p:childTnLst>
-                    </p:cTn>
-                  </p:par>
-                  <p:par>
-                    <p:cTn id="31" fill="hold">
-                      <p:stCondLst>
-                        <p:cond delay="indefinite"/>
-                      </p:stCondLst>
-                      <p:childTnLst>
-                        <p:par>
-                          <p:cTn id="32" fill="hold">
-                            <p:stCondLst>
-                              <p:cond delay="0"/>
-                            </p:stCondLst>
-                            <p:childTnLst>
-                              <p:par>
-                                <p:cTn id="33" presetID="1" presetClass="entr" presetSubtype="0" fill="hold" nodeType="clickEffect">
-                                  <p:stCondLst>
-                                    <p:cond delay="0"/>
-                                  </p:stCondLst>
-                                  <p:childTnLst>
-                                    <p:set>
-                                      <p:cBhvr>
-                                        <p:cTn id="34" dur="1" fill="hold">
-                                          <p:stCondLst>
-                                            <p:cond delay="0"/>
-                                          </p:stCondLst>
-                                        </p:cTn>
-                                        <p:tgtEl>
-                                          <p:spTgt spid="3">
-                                            <p:txEl>
-                                              <p:pRg st="9" end="9"/>
-                                            </p:txEl>
-                                          </p:spTgt>
-                                        </p:tgtEl>
-                                        <p:attrNameLst>
-                                          <p:attrName>style.visibility</p:attrName>
-                                        </p:attrNameLst>
-                                      </p:cBhvr>
-                                      <p:to>
-                                        <p:strVal val="visible"/>
-                                      </p:to>
-                                    </p:set>
-                                  </p:childTnLst>
-                                </p:cTn>
-                              </p:par>
-                            </p:childTnLst>
-                          </p:cTn>
-                        </p:par>
-                      </p:childTnLst>
-                    </p:cTn>
-                  </p:par>
-                  <p:par>
-                    <p:cTn id="35" fill="hold">
-                      <p:stCondLst>
-                        <p:cond delay="indefinite"/>
-                      </p:stCondLst>
-                      <p:childTnLst>
-                        <p:par>
-                          <p:cTn id="36" fill="hold">
-                            <p:stCondLst>
-                              <p:cond delay="0"/>
-                            </p:stCondLst>
-                            <p:childTnLst>
-                              <p:par>
-                                <p:cTn id="37" presetID="1" presetClass="entr" presetSubtype="0" fill="hold" nodeType="clickEffect">
-                                  <p:stCondLst>
-                                    <p:cond delay="0"/>
-                                  </p:stCondLst>
-                                  <p:childTnLst>
-                                    <p:set>
-                                      <p:cBhvr>
-                                        <p:cTn id="38" dur="1" fill="hold">
-                                          <p:stCondLst>
-                                            <p:cond delay="0"/>
-                                          </p:stCondLst>
-                                        </p:cTn>
-                                        <p:tgtEl>
-                                          <p:spTgt spid="3">
-                                            <p:txEl>
-                                              <p:pRg st="10" end="10"/>
-                                            </p:txEl>
-                                          </p:spTgt>
-                                        </p:tgtEl>
-                                        <p:attrNameLst>
-                                          <p:attrName>style.visibility</p:attrName>
-                                        </p:attrNameLst>
-                                      </p:cBhvr>
-                                      <p:to>
-                                        <p:strVal val="visible"/>
-                                      </p:to>
-                                    </p:set>
-                                  </p:childTnLst>
-                                </p:cTn>
-                              </p:par>
-                            </p:childTnLst>
-                          </p:cTn>
-                        </p:par>
-                      </p:childTnLst>
-                    </p:cTn>
-                  </p:par>
-                </p:childTnLst>
-              </p:cTn>
-              <p:prevCondLst>
-                <p:cond evt="onPrev" delay="0">
-                  <p:tgtEl>
-                    <p:sldTgt/>
-                  </p:tgtEl>
-                </p:cond>
-              </p:prevCondLst>
-              <p:nextCondLst>
-                <p:cond evt="onNext" delay="0">
-                  <p:tgtEl>
-                    <p:sldTgt/>
-                  </p:tgtEl>
-                </p:cond>
-              </p:nextCondLst>
-            </p:seq>
-          </p:childTnLst>
-        </p:cTn>
-      </p:par>
-    </p:tnLst>
-  </p:timing>
 </p:sld>
 </file>
 
@@ -12127,15 +13793,11 @@
           <a:p>
             <a:r>
               <a:rPr lang="en-US" dirty="0" smtClean="0"/>
-              <a:t>Bivalent Data </a:t>
-            </a:r>
-            <a:r>
-              <a:rPr lang="en-US" dirty="0"/>
-              <a:t>S</a:t>
-            </a:r>
-            <a:r>
-              <a:rPr lang="en-US" dirty="0" smtClean="0"/>
-              <a:t>ex Specific Results</a:t>
+              <a:t>MLH1 </a:t>
+            </a:r>
+            <a:r>
+              <a:rPr lang="en-US" dirty="0" err="1" smtClean="0"/>
+              <a:t>var</a:t>
             </a:r>
             <a:endParaRPr lang="en-US" dirty="0"/>
           </a:p>
@@ -12143,394 +13805,27 @@
       </p:sp>
       <p:sp>
         <p:nvSpPr>
-          <p:cNvPr id="5" name="Content Placeholder 2"/>
-          <p:cNvSpPr txBox="1">
-            <a:spLocks/>
-          </p:cNvSpPr>
-          <p:nvPr/>
-        </p:nvSpPr>
-        <p:spPr>
-          <a:xfrm>
-            <a:off x="674076" y="1872517"/>
-            <a:ext cx="11194835" cy="4583147"/>
-          </a:xfrm>
-          <a:prstGeom prst="rect">
-            <a:avLst/>
-          </a:prstGeom>
-        </p:spPr>
-        <p:txBody>
-          <a:bodyPr vert="horz" lIns="91440" tIns="45720" rIns="91440" bIns="45720" rtlCol="0">
-            <a:normAutofit/>
-          </a:bodyPr>
-          <a:lstStyle>
-            <a:lvl1pPr marL="228600" indent="-228600" algn="l" defTabSz="914400" rtl="0" eaLnBrk="1" latinLnBrk="0" hangingPunct="1">
-              <a:lnSpc>
-                <a:spcPct val="90000"/>
-              </a:lnSpc>
-              <a:spcBef>
-                <a:spcPts val="1000"/>
-              </a:spcBef>
-              <a:buFont typeface="Arial" panose="020B0604020202020204" pitchFamily="34" charset="0"/>
-              <a:buChar char="•"/>
-              <a:defRPr sz="2800" kern="1200">
-                <a:solidFill>
-                  <a:schemeClr val="tx1"/>
-                </a:solidFill>
-                <a:latin typeface="+mn-lt"/>
-                <a:ea typeface="+mn-ea"/>
-                <a:cs typeface="+mn-cs"/>
-              </a:defRPr>
-            </a:lvl1pPr>
-            <a:lvl2pPr marL="685800" indent="-228600" algn="l" defTabSz="914400" rtl="0" eaLnBrk="1" latinLnBrk="0" hangingPunct="1">
-              <a:lnSpc>
-                <a:spcPct val="90000"/>
-              </a:lnSpc>
-              <a:spcBef>
-                <a:spcPts val="500"/>
-              </a:spcBef>
-              <a:buFont typeface="Arial" panose="020B0604020202020204" pitchFamily="34" charset="0"/>
-              <a:buChar char="•"/>
-              <a:defRPr sz="2400" kern="1200">
-                <a:solidFill>
-                  <a:schemeClr val="tx1"/>
-                </a:solidFill>
-                <a:latin typeface="+mn-lt"/>
-                <a:ea typeface="+mn-ea"/>
-                <a:cs typeface="+mn-cs"/>
-              </a:defRPr>
-            </a:lvl2pPr>
-            <a:lvl3pPr marL="1143000" indent="-228600" algn="l" defTabSz="914400" rtl="0" eaLnBrk="1" latinLnBrk="0" hangingPunct="1">
-              <a:lnSpc>
-                <a:spcPct val="90000"/>
-              </a:lnSpc>
-              <a:spcBef>
-                <a:spcPts val="500"/>
-              </a:spcBef>
-              <a:buFont typeface="Arial" panose="020B0604020202020204" pitchFamily="34" charset="0"/>
-              <a:buChar char="•"/>
-              <a:defRPr sz="2000" kern="1200">
-                <a:solidFill>
-                  <a:schemeClr val="tx1"/>
-                </a:solidFill>
-                <a:latin typeface="+mn-lt"/>
-                <a:ea typeface="+mn-ea"/>
-                <a:cs typeface="+mn-cs"/>
-              </a:defRPr>
-            </a:lvl3pPr>
-            <a:lvl4pPr marL="1600200" indent="-228600" algn="l" defTabSz="914400" rtl="0" eaLnBrk="1" latinLnBrk="0" hangingPunct="1">
-              <a:lnSpc>
-                <a:spcPct val="90000"/>
-              </a:lnSpc>
-              <a:spcBef>
-                <a:spcPts val="500"/>
-              </a:spcBef>
-              <a:buFont typeface="Arial" panose="020B0604020202020204" pitchFamily="34" charset="0"/>
-              <a:buChar char="•"/>
-              <a:defRPr sz="1800" kern="1200">
-                <a:solidFill>
-                  <a:schemeClr val="tx1"/>
-                </a:solidFill>
-                <a:latin typeface="+mn-lt"/>
-                <a:ea typeface="+mn-ea"/>
-                <a:cs typeface="+mn-cs"/>
-              </a:defRPr>
-            </a:lvl4pPr>
-            <a:lvl5pPr marL="2057400" indent="-228600" algn="l" defTabSz="914400" rtl="0" eaLnBrk="1" latinLnBrk="0" hangingPunct="1">
-              <a:lnSpc>
-                <a:spcPct val="90000"/>
-              </a:lnSpc>
-              <a:spcBef>
-                <a:spcPts val="500"/>
-              </a:spcBef>
-              <a:buFont typeface="Arial" panose="020B0604020202020204" pitchFamily="34" charset="0"/>
-              <a:buChar char="•"/>
-              <a:defRPr sz="1800" kern="1200">
-                <a:solidFill>
-                  <a:schemeClr val="tx1"/>
-                </a:solidFill>
-                <a:latin typeface="+mn-lt"/>
-                <a:ea typeface="+mn-ea"/>
-                <a:cs typeface="+mn-cs"/>
-              </a:defRPr>
-            </a:lvl5pPr>
-            <a:lvl6pPr marL="2514600" indent="-228600" algn="l" defTabSz="914400" rtl="0" eaLnBrk="1" latinLnBrk="0" hangingPunct="1">
-              <a:lnSpc>
-                <a:spcPct val="90000"/>
-              </a:lnSpc>
-              <a:spcBef>
-                <a:spcPts val="500"/>
-              </a:spcBef>
-              <a:buFont typeface="Arial" panose="020B0604020202020204" pitchFamily="34" charset="0"/>
-              <a:buChar char="•"/>
-              <a:defRPr sz="1800" kern="1200">
-                <a:solidFill>
-                  <a:schemeClr val="tx1"/>
-                </a:solidFill>
-                <a:latin typeface="+mn-lt"/>
-                <a:ea typeface="+mn-ea"/>
-                <a:cs typeface="+mn-cs"/>
-              </a:defRPr>
-            </a:lvl6pPr>
-            <a:lvl7pPr marL="2971800" indent="-228600" algn="l" defTabSz="914400" rtl="0" eaLnBrk="1" latinLnBrk="0" hangingPunct="1">
-              <a:lnSpc>
-                <a:spcPct val="90000"/>
-              </a:lnSpc>
-              <a:spcBef>
-                <a:spcPts val="500"/>
-              </a:spcBef>
-              <a:buFont typeface="Arial" panose="020B0604020202020204" pitchFamily="34" charset="0"/>
-              <a:buChar char="•"/>
-              <a:defRPr sz="1800" kern="1200">
-                <a:solidFill>
-                  <a:schemeClr val="tx1"/>
-                </a:solidFill>
-                <a:latin typeface="+mn-lt"/>
-                <a:ea typeface="+mn-ea"/>
-                <a:cs typeface="+mn-cs"/>
-              </a:defRPr>
-            </a:lvl7pPr>
-            <a:lvl8pPr marL="3429000" indent="-228600" algn="l" defTabSz="914400" rtl="0" eaLnBrk="1" latinLnBrk="0" hangingPunct="1">
-              <a:lnSpc>
-                <a:spcPct val="90000"/>
-              </a:lnSpc>
-              <a:spcBef>
-                <a:spcPts val="500"/>
-              </a:spcBef>
-              <a:buFont typeface="Arial" panose="020B0604020202020204" pitchFamily="34" charset="0"/>
-              <a:buChar char="•"/>
-              <a:defRPr sz="1800" kern="1200">
-                <a:solidFill>
-                  <a:schemeClr val="tx1"/>
-                </a:solidFill>
-                <a:latin typeface="+mn-lt"/>
-                <a:ea typeface="+mn-ea"/>
-                <a:cs typeface="+mn-cs"/>
-              </a:defRPr>
-            </a:lvl8pPr>
-            <a:lvl9pPr marL="3886200" indent="-228600" algn="l" defTabSz="914400" rtl="0" eaLnBrk="1" latinLnBrk="0" hangingPunct="1">
-              <a:lnSpc>
-                <a:spcPct val="90000"/>
-              </a:lnSpc>
-              <a:spcBef>
-                <a:spcPts val="500"/>
-              </a:spcBef>
-              <a:buFont typeface="Arial" panose="020B0604020202020204" pitchFamily="34" charset="0"/>
-              <a:buChar char="•"/>
-              <a:defRPr sz="1800" kern="1200">
-                <a:solidFill>
-                  <a:schemeClr val="tx1"/>
-                </a:solidFill>
-                <a:latin typeface="+mn-lt"/>
-                <a:ea typeface="+mn-ea"/>
-                <a:cs typeface="+mn-cs"/>
-              </a:defRPr>
-            </a:lvl9pPr>
-          </a:lstStyle>
-          <a:p>
-            <a:pPr marL="0" indent="0">
-              <a:buNone/>
-            </a:pPr>
-            <a:r>
-              <a:rPr lang="en-US" dirty="0" smtClean="0"/>
-              <a:t>(tests used – the same mixed model)</a:t>
-            </a:r>
-          </a:p>
-          <a:p>
-            <a:pPr marL="0" indent="0">
-              <a:buNone/>
-            </a:pPr>
-            <a:r>
-              <a:rPr lang="en-US" dirty="0" smtClean="0"/>
-              <a:t>Framework ()</a:t>
-            </a:r>
-          </a:p>
-          <a:p>
-            <a:pPr marL="0" indent="0">
-              <a:buNone/>
-            </a:pPr>
-            <a:r>
-              <a:rPr lang="en-US" dirty="0" smtClean="0"/>
-              <a:t>1. </a:t>
-            </a:r>
-            <a:r>
-              <a:rPr lang="en-US" dirty="0" err="1" smtClean="0"/>
-              <a:t>lme</a:t>
-            </a:r>
-            <a:r>
-              <a:rPr lang="en-US" dirty="0" smtClean="0"/>
-              <a:t>(</a:t>
-            </a:r>
-            <a:r>
-              <a:rPr lang="en-US" dirty="0" err="1" smtClean="0"/>
-              <a:t>mean_co</a:t>
-            </a:r>
-            <a:r>
-              <a:rPr lang="en-US" dirty="0" smtClean="0"/>
-              <a:t> </a:t>
-            </a:r>
-            <a:r>
-              <a:rPr lang="en-US" dirty="0"/>
-              <a:t>~ </a:t>
-            </a:r>
-            <a:r>
-              <a:rPr lang="en-US" dirty="0" err="1"/>
-              <a:t>subsp</a:t>
-            </a:r>
-            <a:r>
-              <a:rPr lang="en-US" dirty="0"/>
-              <a:t> * </a:t>
-            </a:r>
-            <a:r>
-              <a:rPr lang="en-US" dirty="0" smtClean="0"/>
-              <a:t>sex + (1|strain)</a:t>
-            </a:r>
-          </a:p>
-          <a:p>
-            <a:pPr marL="0" indent="0">
-              <a:buNone/>
-            </a:pPr>
-            <a:r>
-              <a:rPr lang="en-US" dirty="0" smtClean="0"/>
-              <a:t>2. lm( mouse av. metric) ~ sex * strain</a:t>
-            </a:r>
-          </a:p>
-          <a:p>
-            <a:pPr marL="0" indent="0">
-              <a:buNone/>
-            </a:pPr>
-            <a:endParaRPr lang="en-US" dirty="0"/>
-          </a:p>
-          <a:p>
-            <a:pPr marL="0" indent="0">
-              <a:buNone/>
-            </a:pPr>
-            <a:endParaRPr lang="en-US" dirty="0"/>
-          </a:p>
-          <a:p>
-            <a:pPr marL="0" indent="0">
-              <a:buNone/>
-            </a:pPr>
-            <a:r>
-              <a:rPr lang="en-US" dirty="0" smtClean="0"/>
-              <a:t>1.</a:t>
-            </a:r>
-            <a:r>
-              <a:rPr lang="en-US" b="1" i="1" dirty="0" smtClean="0"/>
-              <a:t> SC length will be sexually dimorphic </a:t>
-            </a:r>
-            <a:endParaRPr lang="en-US" dirty="0" smtClean="0"/>
-          </a:p>
-          <a:p>
-            <a:pPr marL="0" indent="0">
-              <a:buNone/>
-            </a:pPr>
-            <a:r>
-              <a:rPr lang="en-US" dirty="0" smtClean="0"/>
-              <a:t>2. </a:t>
-            </a:r>
-            <a:r>
-              <a:rPr lang="en-US" b="1" i="1" dirty="0" smtClean="0"/>
-              <a:t>1CO normalized positions will be sexually dimorphic</a:t>
-            </a:r>
-            <a:endParaRPr lang="en-US" dirty="0" smtClean="0"/>
-          </a:p>
-          <a:p>
-            <a:pPr marL="0" indent="0">
-              <a:buNone/>
-            </a:pPr>
-            <a:r>
-              <a:rPr lang="en-US" dirty="0" smtClean="0"/>
-              <a:t>3. </a:t>
-            </a:r>
-            <a:r>
-              <a:rPr lang="en-US" b="1" i="1" dirty="0" smtClean="0"/>
-              <a:t>No difference in physical distance between foci on the same bivalent.</a:t>
-            </a:r>
-          </a:p>
-          <a:p>
-            <a:pPr marL="0" indent="0">
-              <a:buNone/>
-            </a:pPr>
-            <a:endParaRPr lang="en-US" b="1" i="1" dirty="0" smtClean="0"/>
-          </a:p>
-        </p:txBody>
-      </p:sp>
-      <p:pic>
-        <p:nvPicPr>
-          <p:cNvPr id="6" name="Picture 5"/>
-          <p:cNvPicPr>
-            <a:picLocks/>
-          </p:cNvPicPr>
-          <p:nvPr/>
-        </p:nvPicPr>
-        <p:blipFill>
-          <a:blip r:embed="rId3"/>
-          <a:stretch>
-            <a:fillRect/>
-          </a:stretch>
-        </p:blipFill>
-        <p:spPr>
-          <a:xfrm>
-            <a:off x="7998228" y="4712218"/>
-            <a:ext cx="628650" cy="590550"/>
-          </a:xfrm>
-          <a:prstGeom prst="rect">
-            <a:avLst/>
-          </a:prstGeom>
-        </p:spPr>
-      </p:pic>
-      <p:pic>
-        <p:nvPicPr>
-          <p:cNvPr id="7" name="Picture 6"/>
-          <p:cNvPicPr>
-            <a:picLocks/>
-          </p:cNvPicPr>
-          <p:nvPr/>
-        </p:nvPicPr>
-        <p:blipFill>
-          <a:blip r:embed="rId3"/>
-          <a:stretch>
-            <a:fillRect/>
-          </a:stretch>
-        </p:blipFill>
-        <p:spPr>
-          <a:xfrm>
-            <a:off x="10279853" y="5188332"/>
-            <a:ext cx="628650" cy="590550"/>
-          </a:xfrm>
-          <a:prstGeom prst="rect">
-            <a:avLst/>
-          </a:prstGeom>
-        </p:spPr>
-      </p:pic>
-      <p:pic>
-        <p:nvPicPr>
-          <p:cNvPr id="8" name="Picture 7"/>
-          <p:cNvPicPr>
-            <a:picLocks/>
-          </p:cNvPicPr>
-          <p:nvPr/>
-        </p:nvPicPr>
-        <p:blipFill>
-          <a:blip r:embed="rId4"/>
-          <a:stretch>
-            <a:fillRect/>
-          </a:stretch>
-        </p:blipFill>
-        <p:spPr>
-          <a:xfrm>
-            <a:off x="11405605" y="5932643"/>
-            <a:ext cx="926611" cy="704850"/>
-          </a:xfrm>
-          <a:prstGeom prst="rect">
-            <a:avLst/>
-          </a:prstGeom>
-        </p:spPr>
-      </p:pic>
+          <p:cNvPr id="3" name="Content Placeholder 2"/>
+          <p:cNvSpPr>
+            <a:spLocks noGrp="1"/>
+          </p:cNvSpPr>
+          <p:nvPr>
+            <p:ph idx="1"/>
+          </p:nvPr>
+        </p:nvSpPr>
+        <p:spPr/>
+        <p:txBody>
+          <a:bodyPr/>
+          <a:lstStyle/>
+          <a:p>
+            <a:endParaRPr lang="en-US"/>
+          </a:p>
+        </p:txBody>
+      </p:sp>
     </p:spTree>
     <p:extLst>
       <p:ext uri="{BB962C8B-B14F-4D97-AF65-F5344CB8AC3E}">
-        <p14:creationId xmlns:p14="http://schemas.microsoft.com/office/powerpoint/2010/main" val="2289671514"/>
+        <p14:creationId xmlns:p14="http://schemas.microsoft.com/office/powerpoint/2010/main" val="3580981116"/>
       </p:ext>
     </p:extLst>
   </p:cSld>
@@ -12540,165 +13835,7 @@
   <p:timing>
     <p:tnLst>
       <p:par>
-        <p:cTn id="1" dur="indefinite" restart="never" nodeType="tmRoot">
-          <p:childTnLst>
-            <p:seq concurrent="1" nextAc="seek">
-              <p:cTn id="2" dur="indefinite" nodeType="mainSeq">
-                <p:childTnLst>
-                  <p:par>
-                    <p:cTn id="3" fill="hold">
-                      <p:stCondLst>
-                        <p:cond delay="indefinite"/>
-                      </p:stCondLst>
-                      <p:childTnLst>
-                        <p:par>
-                          <p:cTn id="4" fill="hold">
-                            <p:stCondLst>
-                              <p:cond delay="0"/>
-                            </p:stCondLst>
-                            <p:childTnLst>
-                              <p:par>
-                                <p:cTn id="5" presetID="1" presetClass="entr" presetSubtype="0" fill="hold" nodeType="clickEffect">
-                                  <p:stCondLst>
-                                    <p:cond delay="0"/>
-                                  </p:stCondLst>
-                                  <p:childTnLst>
-                                    <p:set>
-                                      <p:cBhvr>
-                                        <p:cTn id="6" dur="1" fill="hold">
-                                          <p:stCondLst>
-                                            <p:cond delay="0"/>
-                                          </p:stCondLst>
-                                        </p:cTn>
-                                        <p:tgtEl>
-                                          <p:spTgt spid="6"/>
-                                        </p:tgtEl>
-                                        <p:attrNameLst>
-                                          <p:attrName>style.visibility</p:attrName>
-                                        </p:attrNameLst>
-                                      </p:cBhvr>
-                                      <p:to>
-                                        <p:strVal val="visible"/>
-                                      </p:to>
-                                    </p:set>
-                                  </p:childTnLst>
-                                </p:cTn>
-                              </p:par>
-                            </p:childTnLst>
-                          </p:cTn>
-                        </p:par>
-                      </p:childTnLst>
-                    </p:cTn>
-                  </p:par>
-                  <p:par>
-                    <p:cTn id="7" fill="hold">
-                      <p:stCondLst>
-                        <p:cond delay="indefinite"/>
-                      </p:stCondLst>
-                      <p:childTnLst>
-                        <p:par>
-                          <p:cTn id="8" fill="hold">
-                            <p:stCondLst>
-                              <p:cond delay="0"/>
-                            </p:stCondLst>
-                            <p:childTnLst>
-                              <p:par>
-                                <p:cTn id="9" presetID="1" presetClass="entr" presetSubtype="0" fill="hold" nodeType="clickEffect">
-                                  <p:stCondLst>
-                                    <p:cond delay="0"/>
-                                  </p:stCondLst>
-                                  <p:childTnLst>
-                                    <p:set>
-                                      <p:cBhvr>
-                                        <p:cTn id="10" dur="1" fill="hold">
-                                          <p:stCondLst>
-                                            <p:cond delay="0"/>
-                                          </p:stCondLst>
-                                        </p:cTn>
-                                        <p:tgtEl>
-                                          <p:spTgt spid="7"/>
-                                        </p:tgtEl>
-                                        <p:attrNameLst>
-                                          <p:attrName>style.visibility</p:attrName>
-                                        </p:attrNameLst>
-                                      </p:cBhvr>
-                                      <p:to>
-                                        <p:strVal val="visible"/>
-                                      </p:to>
-                                    </p:set>
-                                  </p:childTnLst>
-                                </p:cTn>
-                              </p:par>
-                            </p:childTnLst>
-                          </p:cTn>
-                        </p:par>
-                      </p:childTnLst>
-                    </p:cTn>
-                  </p:par>
-                  <p:par>
-                    <p:cTn id="11" fill="hold">
-                      <p:stCondLst>
-                        <p:cond delay="indefinite"/>
-                      </p:stCondLst>
-                      <p:childTnLst>
-                        <p:par>
-                          <p:cTn id="12" fill="hold">
-                            <p:stCondLst>
-                              <p:cond delay="0"/>
-                            </p:stCondLst>
-                            <p:childTnLst>
-                              <p:par>
-                                <p:cTn id="13" presetID="1" presetClass="entr" presetSubtype="0" fill="hold" nodeType="clickEffect">
-                                  <p:stCondLst>
-                                    <p:cond delay="0"/>
-                                  </p:stCondLst>
-                                  <p:childTnLst>
-                                    <p:set>
-                                      <p:cBhvr>
-                                        <p:cTn id="14" dur="1" fill="hold">
-                                          <p:stCondLst>
-                                            <p:cond delay="0"/>
-                                          </p:stCondLst>
-                                        </p:cTn>
-                                        <p:tgtEl>
-                                          <p:spTgt spid="8"/>
-                                        </p:tgtEl>
-                                        <p:attrNameLst>
-                                          <p:attrName>style.visibility</p:attrName>
-                                        </p:attrNameLst>
-                                      </p:cBhvr>
-                                      <p:to>
-                                        <p:strVal val="visible"/>
-                                      </p:to>
-                                    </p:set>
-                                  </p:childTnLst>
-                                </p:cTn>
-                              </p:par>
-                            </p:childTnLst>
-                          </p:cTn>
-                        </p:par>
-                      </p:childTnLst>
-                    </p:cTn>
-                  </p:par>
-                </p:childTnLst>
-              </p:cTn>
-              <p:prevCondLst>
-                <p:cond evt="onPrev" delay="0">
-                  <p:tgtEl>
-                    <p:sldTgt/>
-                  </p:tgtEl>
-                </p:cond>
-              </p:prevCondLst>
-              <p:nextCondLst>
-                <p:cond evt="onNext" delay="0">
-                  <p:tgtEl>
-                    <p:sldTgt/>
-                  </p:tgtEl>
-                </p:cond>
-              </p:nextCondLst>
-            </p:seq>
-          </p:childTnLst>
-        </p:cTn>
+        <p:cTn id="1" dur="indefinite" restart="never" nodeType="tmRoot"/>
       </p:par>
     </p:tnLst>
   </p:timing>
